--- a/20242-NLP-LLM/lecture notes/Part 2 - Introduction to Large Language Models/Part 2 - Introduction to Large Language Models.pptx
+++ b/20242-NLP-LLM/lecture notes/Part 2 - Introduction to Large Language Models/Part 2 - Introduction to Large Language Models.pptx
@@ -5,7 +5,7 @@
     <p:sldMasterId id="2147483648" r:id="rId1"/>
   </p:sldMasterIdLst>
   <p:notesMasterIdLst>
-    <p:notesMasterId r:id="rId51"/>
+    <p:notesMasterId r:id="rId54"/>
   </p:notesMasterIdLst>
   <p:sldIdLst>
     <p:sldId id="455" r:id="rId2"/>
@@ -29,34 +29,37 @@
     <p:sldId id="575" r:id="rId20"/>
     <p:sldId id="589" r:id="rId21"/>
     <p:sldId id="538" r:id="rId22"/>
-    <p:sldId id="590" r:id="rId23"/>
-    <p:sldId id="539" r:id="rId24"/>
-    <p:sldId id="531" r:id="rId25"/>
-    <p:sldId id="516" r:id="rId26"/>
-    <p:sldId id="517" r:id="rId27"/>
-    <p:sldId id="518" r:id="rId28"/>
-    <p:sldId id="533" r:id="rId29"/>
-    <p:sldId id="519" r:id="rId30"/>
-    <p:sldId id="534" r:id="rId31"/>
-    <p:sldId id="520" r:id="rId32"/>
-    <p:sldId id="521" r:id="rId33"/>
-    <p:sldId id="522" r:id="rId34"/>
-    <p:sldId id="523" r:id="rId35"/>
-    <p:sldId id="577" r:id="rId36"/>
-    <p:sldId id="257" r:id="rId37"/>
-    <p:sldId id="259" r:id="rId38"/>
-    <p:sldId id="578" r:id="rId39"/>
-    <p:sldId id="579" r:id="rId40"/>
-    <p:sldId id="580" r:id="rId41"/>
-    <p:sldId id="263" r:id="rId42"/>
-    <p:sldId id="581" r:id="rId43"/>
-    <p:sldId id="265" r:id="rId44"/>
-    <p:sldId id="266" r:id="rId45"/>
-    <p:sldId id="267" r:id="rId46"/>
-    <p:sldId id="268" r:id="rId47"/>
-    <p:sldId id="269" r:id="rId48"/>
-    <p:sldId id="270" r:id="rId49"/>
-    <p:sldId id="271" r:id="rId50"/>
+    <p:sldId id="539" r:id="rId23"/>
+    <p:sldId id="590" r:id="rId24"/>
+    <p:sldId id="591" r:id="rId25"/>
+    <p:sldId id="592" r:id="rId26"/>
+    <p:sldId id="594" r:id="rId27"/>
+    <p:sldId id="531" r:id="rId28"/>
+    <p:sldId id="516" r:id="rId29"/>
+    <p:sldId id="517" r:id="rId30"/>
+    <p:sldId id="518" r:id="rId31"/>
+    <p:sldId id="533" r:id="rId32"/>
+    <p:sldId id="519" r:id="rId33"/>
+    <p:sldId id="534" r:id="rId34"/>
+    <p:sldId id="520" r:id="rId35"/>
+    <p:sldId id="521" r:id="rId36"/>
+    <p:sldId id="522" r:id="rId37"/>
+    <p:sldId id="523" r:id="rId38"/>
+    <p:sldId id="577" r:id="rId39"/>
+    <p:sldId id="257" r:id="rId40"/>
+    <p:sldId id="259" r:id="rId41"/>
+    <p:sldId id="578" r:id="rId42"/>
+    <p:sldId id="579" r:id="rId43"/>
+    <p:sldId id="580" r:id="rId44"/>
+    <p:sldId id="263" r:id="rId45"/>
+    <p:sldId id="581" r:id="rId46"/>
+    <p:sldId id="265" r:id="rId47"/>
+    <p:sldId id="266" r:id="rId48"/>
+    <p:sldId id="267" r:id="rId49"/>
+    <p:sldId id="268" r:id="rId50"/>
+    <p:sldId id="269" r:id="rId51"/>
+    <p:sldId id="270" r:id="rId52"/>
+    <p:sldId id="271" r:id="rId53"/>
   </p:sldIdLst>
   <p:sldSz cx="12192000" cy="6858000"/>
   <p:notesSz cx="6858000" cy="9144000"/>
@@ -176,7 +179,7 @@
 <p1510:revInfo xmlns:a="http://schemas.openxmlformats.org/drawingml/2006/main" xmlns:r="http://schemas.openxmlformats.org/officeDocument/2006/relationships" xmlns:p1510="http://schemas.microsoft.com/office/powerpoint/2015/10/main">
   <p1510:revLst>
     <p1510:client id="{B9337916-DDC2-1069-E985-5508FA0D34A7}" v="432" dt="2025-04-19T18:32:32.924"/>
-    <p1510:client id="{E5645173-9704-44B4-82F5-EF2938BAEEFE}" v="114" dt="2025-04-20T03:27:27.823"/>
+    <p1510:client id="{E5645173-9704-44B4-82F5-EF2938BAEEFE}" v="124" dt="2025-04-20T05:17:27.478"/>
   </p1510:revLst>
 </p1510:revInfo>
 </file>
@@ -1456,7 +1459,7 @@
   <pc:docChgLst>
     <pc:chgData name="Mohammed Fasha" userId="cc64f42d-a1a6-4f08-b97b-0c37f877119f" providerId="ADAL" clId="{E5645173-9704-44B4-82F5-EF2938BAEEFE}"/>
     <pc:docChg chg="undo redo custSel addSld delSld modSld sldOrd modMainMaster">
-      <pc:chgData name="Mohammed Fasha" userId="cc64f42d-a1a6-4f08-b97b-0c37f877119f" providerId="ADAL" clId="{E5645173-9704-44B4-82F5-EF2938BAEEFE}" dt="2025-04-20T04:08:50.553" v="1833" actId="2696"/>
+      <pc:chgData name="Mohammed Fasha" userId="cc64f42d-a1a6-4f08-b97b-0c37f877119f" providerId="ADAL" clId="{E5645173-9704-44B4-82F5-EF2938BAEEFE}" dt="2025-04-20T05:19:34.360" v="2001" actId="113"/>
       <pc:docMkLst>
         <pc:docMk/>
       </pc:docMkLst>
@@ -5651,6 +5654,36 @@
           <pc:sldMk cId="1572681964" sldId="511"/>
         </pc:sldMkLst>
       </pc:sldChg>
+      <pc:sldChg chg="modSp">
+        <pc:chgData name="Mohammed Fasha" userId="cc64f42d-a1a6-4f08-b97b-0c37f877119f" providerId="ADAL" clId="{E5645173-9704-44B4-82F5-EF2938BAEEFE}" dt="2025-04-20T05:17:27.478" v="1993"/>
+        <pc:sldMkLst>
+          <pc:docMk/>
+          <pc:sldMk cId="3262667370" sldId="516"/>
+        </pc:sldMkLst>
+        <pc:picChg chg="mod">
+          <ac:chgData name="Mohammed Fasha" userId="cc64f42d-a1a6-4f08-b97b-0c37f877119f" providerId="ADAL" clId="{E5645173-9704-44B4-82F5-EF2938BAEEFE}" dt="2025-04-20T05:17:27.478" v="1993"/>
+          <ac:picMkLst>
+            <pc:docMk/>
+            <pc:sldMk cId="3262667370" sldId="516"/>
+            <ac:picMk id="5" creationId="{C6DBBC5E-1505-3C9E-BC4A-D989A6A248A4}"/>
+          </ac:picMkLst>
+        </pc:picChg>
+      </pc:sldChg>
+      <pc:sldChg chg="modSp mod">
+        <pc:chgData name="Mohammed Fasha" userId="cc64f42d-a1a6-4f08-b97b-0c37f877119f" providerId="ADAL" clId="{E5645173-9704-44B4-82F5-EF2938BAEEFE}" dt="2025-04-20T05:17:59.612" v="1995" actId="5793"/>
+        <pc:sldMkLst>
+          <pc:docMk/>
+          <pc:sldMk cId="2522473771" sldId="518"/>
+        </pc:sldMkLst>
+        <pc:spChg chg="mod">
+          <ac:chgData name="Mohammed Fasha" userId="cc64f42d-a1a6-4f08-b97b-0c37f877119f" providerId="ADAL" clId="{E5645173-9704-44B4-82F5-EF2938BAEEFE}" dt="2025-04-20T05:17:59.612" v="1995" actId="5793"/>
+          <ac:spMkLst>
+            <pc:docMk/>
+            <pc:sldMk cId="2522473771" sldId="518"/>
+            <ac:spMk id="3" creationId="{01739F70-6609-23E4-8242-5877432501A5}"/>
+          </ac:spMkLst>
+        </pc:spChg>
+      </pc:sldChg>
       <pc:sldChg chg="modSp mod">
         <pc:chgData name="Mohammed Fasha" userId="cc64f42d-a1a6-4f08-b97b-0c37f877119f" providerId="ADAL" clId="{E5645173-9704-44B4-82F5-EF2938BAEEFE}" dt="2025-04-17T04:49:30.487" v="580" actId="27636"/>
         <pc:sldMkLst>
@@ -5767,6 +5800,44 @@
           <pc:sldMk cId="4175210182" sldId="532"/>
         </pc:sldMkLst>
       </pc:sldChg>
+      <pc:sldChg chg="modSp mod">
+        <pc:chgData name="Mohammed Fasha" userId="cc64f42d-a1a6-4f08-b97b-0c37f877119f" providerId="ADAL" clId="{E5645173-9704-44B4-82F5-EF2938BAEEFE}" dt="2025-04-20T05:18:21.012" v="1996" actId="207"/>
+        <pc:sldMkLst>
+          <pc:docMk/>
+          <pc:sldMk cId="3766250200" sldId="533"/>
+        </pc:sldMkLst>
+        <pc:spChg chg="mod">
+          <ac:chgData name="Mohammed Fasha" userId="cc64f42d-a1a6-4f08-b97b-0c37f877119f" providerId="ADAL" clId="{E5645173-9704-44B4-82F5-EF2938BAEEFE}" dt="2025-04-20T05:18:21.012" v="1996" actId="207"/>
+          <ac:spMkLst>
+            <pc:docMk/>
+            <pc:sldMk cId="3766250200" sldId="533"/>
+            <ac:spMk id="3" creationId="{6550BFB1-3BB2-F860-4F7F-86C77D5819E8}"/>
+          </ac:spMkLst>
+        </pc:spChg>
+      </pc:sldChg>
+      <pc:sldChg chg="modSp mod">
+        <pc:chgData name="Mohammed Fasha" userId="cc64f42d-a1a6-4f08-b97b-0c37f877119f" providerId="ADAL" clId="{E5645173-9704-44B4-82F5-EF2938BAEEFE}" dt="2025-04-20T05:18:39.008" v="1998" actId="207"/>
+        <pc:sldMkLst>
+          <pc:docMk/>
+          <pc:sldMk cId="3046292118" sldId="534"/>
+        </pc:sldMkLst>
+        <pc:spChg chg="mod">
+          <ac:chgData name="Mohammed Fasha" userId="cc64f42d-a1a6-4f08-b97b-0c37f877119f" providerId="ADAL" clId="{E5645173-9704-44B4-82F5-EF2938BAEEFE}" dt="2025-04-20T05:18:36.184" v="1997" actId="207"/>
+          <ac:spMkLst>
+            <pc:docMk/>
+            <pc:sldMk cId="3046292118" sldId="534"/>
+            <ac:spMk id="3" creationId="{9A950C36-7C62-5D0C-E4B7-84FDE06FE9E9}"/>
+          </ac:spMkLst>
+        </pc:spChg>
+        <pc:spChg chg="mod">
+          <ac:chgData name="Mohammed Fasha" userId="cc64f42d-a1a6-4f08-b97b-0c37f877119f" providerId="ADAL" clId="{E5645173-9704-44B4-82F5-EF2938BAEEFE}" dt="2025-04-20T05:18:39.008" v="1998" actId="207"/>
+          <ac:spMkLst>
+            <pc:docMk/>
+            <pc:sldMk cId="3046292118" sldId="534"/>
+            <ac:spMk id="5" creationId="{650A69F1-90EF-686E-3837-7C801832F211}"/>
+          </ac:spMkLst>
+        </pc:spChg>
+      </pc:sldChg>
       <pc:sldChg chg="delSp modSp mod">
         <pc:chgData name="Mohammed Fasha" userId="cc64f42d-a1a6-4f08-b97b-0c37f877119f" providerId="ADAL" clId="{E5645173-9704-44B4-82F5-EF2938BAEEFE}" dt="2025-04-17T04:59:27.621" v="714" actId="478"/>
         <pc:sldMkLst>
@@ -5797,7 +5868,7 @@
         </pc:sldMkLst>
       </pc:sldChg>
       <pc:sldChg chg="modSp mod">
-        <pc:chgData name="Mohammed Fasha" userId="cc64f42d-a1a6-4f08-b97b-0c37f877119f" providerId="ADAL" clId="{E5645173-9704-44B4-82F5-EF2938BAEEFE}" dt="2025-04-20T03:26:17.537" v="1785"/>
+        <pc:chgData name="Mohammed Fasha" userId="cc64f42d-a1a6-4f08-b97b-0c37f877119f" providerId="ADAL" clId="{E5645173-9704-44B4-82F5-EF2938BAEEFE}" dt="2025-04-20T05:19:34.360" v="2001" actId="113"/>
         <pc:sldMkLst>
           <pc:docMk/>
           <pc:sldMk cId="3886989038" sldId="538"/>
@@ -5811,7 +5882,7 @@
           </ac:spMkLst>
         </pc:spChg>
         <pc:spChg chg="mod">
-          <ac:chgData name="Mohammed Fasha" userId="cc64f42d-a1a6-4f08-b97b-0c37f877119f" providerId="ADAL" clId="{E5645173-9704-44B4-82F5-EF2938BAEEFE}" dt="2025-04-20T03:14:46.423" v="1765" actId="27636"/>
+          <ac:chgData name="Mohammed Fasha" userId="cc64f42d-a1a6-4f08-b97b-0c37f877119f" providerId="ADAL" clId="{E5645173-9704-44B4-82F5-EF2938BAEEFE}" dt="2025-04-20T05:19:34.360" v="2001" actId="113"/>
           <ac:spMkLst>
             <pc:docMk/>
             <pc:sldMk cId="3886989038" sldId="538"/>
@@ -5828,7 +5899,7 @@
         </pc:picChg>
       </pc:sldChg>
       <pc:sldChg chg="addSp delSp modSp mod">
-        <pc:chgData name="Mohammed Fasha" userId="cc64f42d-a1a6-4f08-b97b-0c37f877119f" providerId="ADAL" clId="{E5645173-9704-44B4-82F5-EF2938BAEEFE}" dt="2025-04-20T03:25:50.505" v="1782" actId="14100"/>
+        <pc:chgData name="Mohammed Fasha" userId="cc64f42d-a1a6-4f08-b97b-0c37f877119f" providerId="ADAL" clId="{E5645173-9704-44B4-82F5-EF2938BAEEFE}" dt="2025-04-20T04:43:55.750" v="1837"/>
         <pc:sldMkLst>
           <pc:docMk/>
           <pc:sldMk cId="2121122174" sldId="539"/>
@@ -5841,6 +5912,14 @@
             <ac:spMk id="3" creationId="{E646A0DA-1B84-8ED0-EB37-1184187E49A0}"/>
           </ac:spMkLst>
         </pc:spChg>
+        <pc:picChg chg="add mod">
+          <ac:chgData name="Mohammed Fasha" userId="cc64f42d-a1a6-4f08-b97b-0c37f877119f" providerId="ADAL" clId="{E5645173-9704-44B4-82F5-EF2938BAEEFE}" dt="2025-04-20T04:43:55.750" v="1837"/>
+          <ac:picMkLst>
+            <pc:docMk/>
+            <pc:sldMk cId="2121122174" sldId="539"/>
+            <ac:picMk id="4" creationId="{542B8D88-D453-1977-450A-E1F46B2854D2}"/>
+          </ac:picMkLst>
+        </pc:picChg>
         <pc:picChg chg="add mod">
           <ac:chgData name="Mohammed Fasha" userId="cc64f42d-a1a6-4f08-b97b-0c37f877119f" providerId="ADAL" clId="{E5645173-9704-44B4-82F5-EF2938BAEEFE}" dt="2025-04-20T03:25:50.505" v="1782" actId="14100"/>
           <ac:picMkLst>
@@ -6220,7 +6299,7 @@
         </pc:sldMkLst>
       </pc:sldChg>
       <pc:sldChg chg="addSp delSp modSp add mod ord">
-        <pc:chgData name="Mohammed Fasha" userId="cc64f42d-a1a6-4f08-b97b-0c37f877119f" providerId="ADAL" clId="{E5645173-9704-44B4-82F5-EF2938BAEEFE}" dt="2025-04-17T05:00:46.218" v="718"/>
+        <pc:chgData name="Mohammed Fasha" userId="cc64f42d-a1a6-4f08-b97b-0c37f877119f" providerId="ADAL" clId="{E5645173-9704-44B4-82F5-EF2938BAEEFE}" dt="2025-04-20T04:43:19.908" v="1836"/>
         <pc:sldMkLst>
           <pc:docMk/>
           <pc:sldMk cId="1979549403" sldId="566"/>
@@ -6241,6 +6320,14 @@
             <ac:spMk id="10" creationId="{C28EF554-3C95-B58D-143F-AB3019BB32E0}"/>
           </ac:spMkLst>
         </pc:spChg>
+        <pc:picChg chg="add mod">
+          <ac:chgData name="Mohammed Fasha" userId="cc64f42d-a1a6-4f08-b97b-0c37f877119f" providerId="ADAL" clId="{E5645173-9704-44B4-82F5-EF2938BAEEFE}" dt="2025-04-20T04:43:19.908" v="1836"/>
+          <ac:picMkLst>
+            <pc:docMk/>
+            <pc:sldMk cId="1979549403" sldId="566"/>
+            <ac:picMk id="5" creationId="{2EEA40C2-D533-DD66-27F8-B92CC6C94560}"/>
+          </ac:picMkLst>
+        </pc:picChg>
       </pc:sldChg>
       <pc:sldChg chg="addSp modSp add del mod">
         <pc:chgData name="Mohammed Fasha" userId="cc64f42d-a1a6-4f08-b97b-0c37f877119f" providerId="ADAL" clId="{E5645173-9704-44B4-82F5-EF2938BAEEFE}" dt="2025-04-17T04:31:14.370" v="397" actId="2696"/>
@@ -6906,8 +6993,8 @@
           </ac:spMkLst>
         </pc:spChg>
       </pc:sldChg>
-      <pc:sldChg chg="addSp delSp modSp mod ord">
-        <pc:chgData name="Mohammed Fasha" userId="cc64f42d-a1a6-4f08-b97b-0c37f877119f" providerId="ADAL" clId="{E5645173-9704-44B4-82F5-EF2938BAEEFE}" dt="2025-04-20T03:26:08.046" v="1784" actId="14100"/>
+      <pc:sldChg chg="addSp delSp modSp del mod ord">
+        <pc:chgData name="Mohammed Fasha" userId="cc64f42d-a1a6-4f08-b97b-0c37f877119f" providerId="ADAL" clId="{E5645173-9704-44B4-82F5-EF2938BAEEFE}" dt="2025-04-20T04:49:30.822" v="1843" actId="2696"/>
         <pc:sldMkLst>
           <pc:docMk/>
           <pc:sldMk cId="698149653" sldId="590"/>
@@ -6920,6 +7007,22 @@
             <ac:spMk id="5" creationId="{F082A477-1B90-24B0-706F-D4FEBA823B82}"/>
           </ac:spMkLst>
         </pc:spChg>
+        <pc:picChg chg="add mod">
+          <ac:chgData name="Mohammed Fasha" userId="cc64f42d-a1a6-4f08-b97b-0c37f877119f" providerId="ADAL" clId="{E5645173-9704-44B4-82F5-EF2938BAEEFE}" dt="2025-04-20T04:48:24.894" v="1839"/>
+          <ac:picMkLst>
+            <pc:docMk/>
+            <pc:sldMk cId="698149653" sldId="590"/>
+            <ac:picMk id="3" creationId="{D1961E68-7087-0E57-DC89-E9E6666DB436}"/>
+          </ac:picMkLst>
+        </pc:picChg>
+        <pc:picChg chg="add mod">
+          <ac:chgData name="Mohammed Fasha" userId="cc64f42d-a1a6-4f08-b97b-0c37f877119f" providerId="ADAL" clId="{E5645173-9704-44B4-82F5-EF2938BAEEFE}" dt="2025-04-20T04:49:08.003" v="1842"/>
+          <ac:picMkLst>
+            <pc:docMk/>
+            <pc:sldMk cId="698149653" sldId="590"/>
+            <ac:picMk id="4" creationId="{362612AC-9576-FE90-4E19-3641522A0774}"/>
+          </ac:picMkLst>
+        </pc:picChg>
         <pc:picChg chg="del">
           <ac:chgData name="Mohammed Fasha" userId="cc64f42d-a1a6-4f08-b97b-0c37f877119f" providerId="ADAL" clId="{E5645173-9704-44B4-82F5-EF2938BAEEFE}" dt="2025-04-20T02:59:59.174" v="1617" actId="478"/>
           <ac:picMkLst>
@@ -6952,8 +7055,8 @@
             <ac:picMk id="10" creationId="{1BB01308-84B5-117B-FFFB-C481BE4DDB74}"/>
           </ac:picMkLst>
         </pc:picChg>
-        <pc:picChg chg="add mod">
-          <ac:chgData name="Mohammed Fasha" userId="cc64f42d-a1a6-4f08-b97b-0c37f877119f" providerId="ADAL" clId="{E5645173-9704-44B4-82F5-EF2938BAEEFE}" dt="2025-04-20T03:26:08.046" v="1784" actId="14100"/>
+        <pc:picChg chg="add del mod">
+          <ac:chgData name="Mohammed Fasha" userId="cc64f42d-a1a6-4f08-b97b-0c37f877119f" providerId="ADAL" clId="{E5645173-9704-44B4-82F5-EF2938BAEEFE}" dt="2025-04-20T04:49:07.517" v="1841" actId="478"/>
           <ac:picMkLst>
             <pc:docMk/>
             <pc:sldMk cId="698149653" sldId="590"/>
@@ -6961,6 +7064,37 @@
           </ac:picMkLst>
         </pc:picChg>
       </pc:sldChg>
+      <pc:sldChg chg="addSp delSp modSp new mod">
+        <pc:chgData name="Mohammed Fasha" userId="cc64f42d-a1a6-4f08-b97b-0c37f877119f" providerId="ADAL" clId="{E5645173-9704-44B4-82F5-EF2938BAEEFE}" dt="2025-04-20T05:15:59.312" v="1992" actId="20577"/>
+        <pc:sldMkLst>
+          <pc:docMk/>
+          <pc:sldMk cId="4163305011" sldId="590"/>
+        </pc:sldMkLst>
+        <pc:spChg chg="mod">
+          <ac:chgData name="Mohammed Fasha" userId="cc64f42d-a1a6-4f08-b97b-0c37f877119f" providerId="ADAL" clId="{E5645173-9704-44B4-82F5-EF2938BAEEFE}" dt="2025-04-20T05:15:59.312" v="1992" actId="20577"/>
+          <ac:spMkLst>
+            <pc:docMk/>
+            <pc:sldMk cId="4163305011" sldId="590"/>
+            <ac:spMk id="2" creationId="{5386AC66-F88D-9085-CFE0-74265B276ACE}"/>
+          </ac:spMkLst>
+        </pc:spChg>
+        <pc:spChg chg="del">
+          <ac:chgData name="Mohammed Fasha" userId="cc64f42d-a1a6-4f08-b97b-0c37f877119f" providerId="ADAL" clId="{E5645173-9704-44B4-82F5-EF2938BAEEFE}" dt="2025-04-20T04:57:58.212" v="1845" actId="22"/>
+          <ac:spMkLst>
+            <pc:docMk/>
+            <pc:sldMk cId="4163305011" sldId="590"/>
+            <ac:spMk id="3" creationId="{4F2A740A-E407-13A6-F9D7-AB33B19D1DD6}"/>
+          </ac:spMkLst>
+        </pc:spChg>
+        <pc:picChg chg="add mod ord">
+          <ac:chgData name="Mohammed Fasha" userId="cc64f42d-a1a6-4f08-b97b-0c37f877119f" providerId="ADAL" clId="{E5645173-9704-44B4-82F5-EF2938BAEEFE}" dt="2025-04-20T04:57:58.212" v="1845" actId="22"/>
+          <ac:picMkLst>
+            <pc:docMk/>
+            <pc:sldMk cId="4163305011" sldId="590"/>
+            <ac:picMk id="5" creationId="{B4F08B59-FEC6-DACD-F049-EFC89CAC4D18}"/>
+          </ac:picMkLst>
+        </pc:picChg>
+      </pc:sldChg>
       <pc:sldChg chg="modSp del mod">
         <pc:chgData name="Mohammed Fasha" userId="cc64f42d-a1a6-4f08-b97b-0c37f877119f" providerId="ADAL" clId="{E5645173-9704-44B4-82F5-EF2938BAEEFE}" dt="2025-04-20T03:15:45.006" v="1774" actId="47"/>
         <pc:sldMkLst>
@@ -6976,6 +7110,37 @@
           </ac:spMkLst>
         </pc:spChg>
       </pc:sldChg>
+      <pc:sldChg chg="addSp delSp modSp new mod">
+        <pc:chgData name="Mohammed Fasha" userId="cc64f42d-a1a6-4f08-b97b-0c37f877119f" providerId="ADAL" clId="{E5645173-9704-44B4-82F5-EF2938BAEEFE}" dt="2025-04-20T04:58:45.185" v="1869" actId="20577"/>
+        <pc:sldMkLst>
+          <pc:docMk/>
+          <pc:sldMk cId="3864245177" sldId="591"/>
+        </pc:sldMkLst>
+        <pc:spChg chg="mod">
+          <ac:chgData name="Mohammed Fasha" userId="cc64f42d-a1a6-4f08-b97b-0c37f877119f" providerId="ADAL" clId="{E5645173-9704-44B4-82F5-EF2938BAEEFE}" dt="2025-04-20T04:58:45.185" v="1869" actId="20577"/>
+          <ac:spMkLst>
+            <pc:docMk/>
+            <pc:sldMk cId="3864245177" sldId="591"/>
+            <ac:spMk id="2" creationId="{0A027764-52BC-C256-A4B1-A36E750B8A70}"/>
+          </ac:spMkLst>
+        </pc:spChg>
+        <pc:spChg chg="del">
+          <ac:chgData name="Mohammed Fasha" userId="cc64f42d-a1a6-4f08-b97b-0c37f877119f" providerId="ADAL" clId="{E5645173-9704-44B4-82F5-EF2938BAEEFE}" dt="2025-04-20T04:58:39.858" v="1850" actId="22"/>
+          <ac:spMkLst>
+            <pc:docMk/>
+            <pc:sldMk cId="3864245177" sldId="591"/>
+            <ac:spMk id="3" creationId="{BEC872A6-5736-22EA-C7DC-8C598F2E13D8}"/>
+          </ac:spMkLst>
+        </pc:spChg>
+        <pc:picChg chg="add mod ord">
+          <ac:chgData name="Mohammed Fasha" userId="cc64f42d-a1a6-4f08-b97b-0c37f877119f" providerId="ADAL" clId="{E5645173-9704-44B4-82F5-EF2938BAEEFE}" dt="2025-04-20T04:58:39.858" v="1850" actId="22"/>
+          <ac:picMkLst>
+            <pc:docMk/>
+            <pc:sldMk cId="3864245177" sldId="591"/>
+            <ac:picMk id="5" creationId="{1DE5C6EB-9168-E520-3ED9-A8A34B77F085}"/>
+          </ac:picMkLst>
+        </pc:picChg>
+      </pc:sldChg>
       <pc:sldChg chg="modSp new del mod">
         <pc:chgData name="Mohammed Fasha" userId="cc64f42d-a1a6-4f08-b97b-0c37f877119f" providerId="ADAL" clId="{E5645173-9704-44B4-82F5-EF2938BAEEFE}" dt="2025-04-20T03:15:13.569" v="1766" actId="47"/>
         <pc:sldMkLst>
@@ -7014,6 +7179,100 @@
           </ac:spMkLst>
         </pc:spChg>
       </pc:sldChg>
+      <pc:sldChg chg="addSp delSp modSp add mod">
+        <pc:chgData name="Mohammed Fasha" userId="cc64f42d-a1a6-4f08-b97b-0c37f877119f" providerId="ADAL" clId="{E5645173-9704-44B4-82F5-EF2938BAEEFE}" dt="2025-04-20T05:15:09.310" v="1928" actId="1076"/>
+        <pc:sldMkLst>
+          <pc:docMk/>
+          <pc:sldMk cId="3813538074" sldId="592"/>
+        </pc:sldMkLst>
+        <pc:spChg chg="mod">
+          <ac:chgData name="Mohammed Fasha" userId="cc64f42d-a1a6-4f08-b97b-0c37f877119f" providerId="ADAL" clId="{E5645173-9704-44B4-82F5-EF2938BAEEFE}" dt="2025-04-20T04:59:25.561" v="1890" actId="20577"/>
+          <ac:spMkLst>
+            <pc:docMk/>
+            <pc:sldMk cId="3813538074" sldId="592"/>
+            <ac:spMk id="2" creationId="{F186353E-BDB4-5166-C555-B27669379656}"/>
+          </ac:spMkLst>
+        </pc:spChg>
+        <pc:spChg chg="del">
+          <ac:chgData name="Mohammed Fasha" userId="cc64f42d-a1a6-4f08-b97b-0c37f877119f" providerId="ADAL" clId="{E5645173-9704-44B4-82F5-EF2938BAEEFE}" dt="2025-04-20T04:59:20.728" v="1870" actId="22"/>
+          <ac:spMkLst>
+            <pc:docMk/>
+            <pc:sldMk cId="3813538074" sldId="592"/>
+            <ac:spMk id="3" creationId="{C28A66CF-CE91-93EE-1DBE-B615C14EBD13}"/>
+          </ac:spMkLst>
+        </pc:spChg>
+        <pc:picChg chg="add mod ord">
+          <ac:chgData name="Mohammed Fasha" userId="cc64f42d-a1a6-4f08-b97b-0c37f877119f" providerId="ADAL" clId="{E5645173-9704-44B4-82F5-EF2938BAEEFE}" dt="2025-04-20T05:14:59.898" v="1924" actId="1076"/>
+          <ac:picMkLst>
+            <pc:docMk/>
+            <pc:sldMk cId="3813538074" sldId="592"/>
+            <ac:picMk id="5" creationId="{55847A42-FCF0-DCB0-69A8-B8DAFD0E9DFE}"/>
+          </ac:picMkLst>
+        </pc:picChg>
+        <pc:picChg chg="add mod">
+          <ac:chgData name="Mohammed Fasha" userId="cc64f42d-a1a6-4f08-b97b-0c37f877119f" providerId="ADAL" clId="{E5645173-9704-44B4-82F5-EF2938BAEEFE}" dt="2025-04-20T05:15:09.310" v="1928" actId="1076"/>
+          <ac:picMkLst>
+            <pc:docMk/>
+            <pc:sldMk cId="3813538074" sldId="592"/>
+            <ac:picMk id="9" creationId="{CBB683C8-E090-10CA-4590-9534C2CEEA03}"/>
+          </ac:picMkLst>
+        </pc:picChg>
+      </pc:sldChg>
+      <pc:sldChg chg="addSp delSp modSp add del mod">
+        <pc:chgData name="Mohammed Fasha" userId="cc64f42d-a1a6-4f08-b97b-0c37f877119f" providerId="ADAL" clId="{E5645173-9704-44B4-82F5-EF2938BAEEFE}" dt="2025-04-20T05:15:12.833" v="1929" actId="2696"/>
+        <pc:sldMkLst>
+          <pc:docMk/>
+          <pc:sldMk cId="862062036" sldId="593"/>
+        </pc:sldMkLst>
+        <pc:spChg chg="mod">
+          <ac:chgData name="Mohammed Fasha" userId="cc64f42d-a1a6-4f08-b97b-0c37f877119f" providerId="ADAL" clId="{E5645173-9704-44B4-82F5-EF2938BAEEFE}" dt="2025-04-20T04:59:49.107" v="1917" actId="20577"/>
+          <ac:spMkLst>
+            <pc:docMk/>
+            <pc:sldMk cId="862062036" sldId="593"/>
+            <ac:spMk id="2" creationId="{472361F2-E380-ED65-9445-8E4B84573F26}"/>
+          </ac:spMkLst>
+        </pc:spChg>
+        <pc:spChg chg="del">
+          <ac:chgData name="Mohammed Fasha" userId="cc64f42d-a1a6-4f08-b97b-0c37f877119f" providerId="ADAL" clId="{E5645173-9704-44B4-82F5-EF2938BAEEFE}" dt="2025-04-20T04:59:43.162" v="1891" actId="22"/>
+          <ac:spMkLst>
+            <pc:docMk/>
+            <pc:sldMk cId="862062036" sldId="593"/>
+            <ac:spMk id="3" creationId="{F34C1D25-EBDF-D451-A82E-4EB78904D8AD}"/>
+          </ac:spMkLst>
+        </pc:spChg>
+        <pc:spChg chg="add del mod">
+          <ac:chgData name="Mohammed Fasha" userId="cc64f42d-a1a6-4f08-b97b-0c37f877119f" providerId="ADAL" clId="{E5645173-9704-44B4-82F5-EF2938BAEEFE}" dt="2025-04-20T05:09:03.505" v="1921" actId="22"/>
+          <ac:spMkLst>
+            <pc:docMk/>
+            <pc:sldMk cId="862062036" sldId="593"/>
+            <ac:spMk id="7" creationId="{A3CB02A4-0C80-E603-5412-84176E6985FF}"/>
+          </ac:spMkLst>
+        </pc:spChg>
+        <pc:spChg chg="add mod">
+          <ac:chgData name="Mohammed Fasha" userId="cc64f42d-a1a6-4f08-b97b-0c37f877119f" providerId="ADAL" clId="{E5645173-9704-44B4-82F5-EF2938BAEEFE}" dt="2025-04-20T05:15:02.055" v="1925" actId="21"/>
+          <ac:spMkLst>
+            <pc:docMk/>
+            <pc:sldMk cId="862062036" sldId="593"/>
+            <ac:spMk id="11" creationId="{B62C1C12-0C44-B166-8DD2-FF672BA92A2F}"/>
+          </ac:spMkLst>
+        </pc:spChg>
+        <pc:picChg chg="add del mod ord">
+          <ac:chgData name="Mohammed Fasha" userId="cc64f42d-a1a6-4f08-b97b-0c37f877119f" providerId="ADAL" clId="{E5645173-9704-44B4-82F5-EF2938BAEEFE}" dt="2025-04-20T05:09:00.385" v="1920" actId="478"/>
+          <ac:picMkLst>
+            <pc:docMk/>
+            <pc:sldMk cId="862062036" sldId="593"/>
+            <ac:picMk id="5" creationId="{DD5D0F24-4407-2C00-D467-4C7740D97694}"/>
+          </ac:picMkLst>
+        </pc:picChg>
+        <pc:picChg chg="add del mod ord">
+          <ac:chgData name="Mohammed Fasha" userId="cc64f42d-a1a6-4f08-b97b-0c37f877119f" providerId="ADAL" clId="{E5645173-9704-44B4-82F5-EF2938BAEEFE}" dt="2025-04-20T05:15:02.055" v="1925" actId="21"/>
+          <ac:picMkLst>
+            <pc:docMk/>
+            <pc:sldMk cId="862062036" sldId="593"/>
+            <ac:picMk id="9" creationId="{CBB683C8-E090-10CA-4590-9534C2CEEA03}"/>
+          </ac:picMkLst>
+        </pc:picChg>
+      </pc:sldChg>
       <pc:sldChg chg="modSp new del mod">
         <pc:chgData name="Mohammed Fasha" userId="cc64f42d-a1a6-4f08-b97b-0c37f877119f" providerId="ADAL" clId="{E5645173-9704-44B4-82F5-EF2938BAEEFE}" dt="2025-04-20T03:12:09.904" v="1738" actId="47"/>
         <pc:sldMkLst>
@@ -7028,6 +7287,37 @@
             <ac:spMk id="3" creationId="{09955758-41D5-14F9-C562-B103B24210BD}"/>
           </ac:spMkLst>
         </pc:spChg>
+      </pc:sldChg>
+      <pc:sldChg chg="addSp delSp modSp add mod">
+        <pc:chgData name="Mohammed Fasha" userId="cc64f42d-a1a6-4f08-b97b-0c37f877119f" providerId="ADAL" clId="{E5645173-9704-44B4-82F5-EF2938BAEEFE}" dt="2025-04-20T05:15:31.037" v="1930"/>
+        <pc:sldMkLst>
+          <pc:docMk/>
+          <pc:sldMk cId="894222825" sldId="594"/>
+        </pc:sldMkLst>
+        <pc:spChg chg="mod">
+          <ac:chgData name="Mohammed Fasha" userId="cc64f42d-a1a6-4f08-b97b-0c37f877119f" providerId="ADAL" clId="{E5645173-9704-44B4-82F5-EF2938BAEEFE}" dt="2025-04-20T05:15:31.037" v="1930"/>
+          <ac:spMkLst>
+            <pc:docMk/>
+            <pc:sldMk cId="894222825" sldId="594"/>
+            <ac:spMk id="2" creationId="{1E3D18EF-6521-5D4F-7F4A-F5E83F880E70}"/>
+          </ac:spMkLst>
+        </pc:spChg>
+        <pc:spChg chg="del">
+          <ac:chgData name="Mohammed Fasha" userId="cc64f42d-a1a6-4f08-b97b-0c37f877119f" providerId="ADAL" clId="{E5645173-9704-44B4-82F5-EF2938BAEEFE}" dt="2025-04-20T05:00:33.022" v="1918" actId="22"/>
+          <ac:spMkLst>
+            <pc:docMk/>
+            <pc:sldMk cId="894222825" sldId="594"/>
+            <ac:spMk id="3" creationId="{22781461-EFB7-A32A-599F-A881B98475C3}"/>
+          </ac:spMkLst>
+        </pc:spChg>
+        <pc:picChg chg="add mod ord">
+          <ac:chgData name="Mohammed Fasha" userId="cc64f42d-a1a6-4f08-b97b-0c37f877119f" providerId="ADAL" clId="{E5645173-9704-44B4-82F5-EF2938BAEEFE}" dt="2025-04-20T05:00:33.022" v="1918" actId="22"/>
+          <ac:picMkLst>
+            <pc:docMk/>
+            <pc:sldMk cId="894222825" sldId="594"/>
+            <ac:picMk id="5" creationId="{C4B34278-2B06-282C-365A-D63A5CEC5425}"/>
+          </ac:picMkLst>
+        </pc:picChg>
       </pc:sldChg>
       <pc:sldMasterChg chg="delSldLayout modSldLayout">
         <pc:chgData name="Mohammed Fasha" userId="cc64f42d-a1a6-4f08-b97b-0c37f877119f" providerId="ADAL" clId="{E5645173-9704-44B4-82F5-EF2938BAEEFE}" dt="2025-04-19T14:35:13.054" v="1414" actId="14100"/>
@@ -17003,6 +17293,37 @@
           </a:p>
         </p:txBody>
       </p:sp>
+      <p:pic>
+        <p:nvPicPr>
+          <p:cNvPr id="5" name="Picture 4">
+            <a:hlinkClick r:id="rId2"/>
+            <a:extLst>
+              <a:ext uri="{FF2B5EF4-FFF2-40B4-BE49-F238E27FC236}">
+                <a16:creationId xmlns:a16="http://schemas.microsoft.com/office/drawing/2014/main" id="{2EEA40C2-D533-DD66-27F8-B92CC6C94560}"/>
+              </a:ext>
+            </a:extLst>
+          </p:cNvPr>
+          <p:cNvPicPr>
+            <a:picLocks noChangeAspect="1"/>
+          </p:cNvPicPr>
+          <p:nvPr/>
+        </p:nvPicPr>
+        <p:blipFill>
+          <a:blip r:embed="rId3"/>
+          <a:stretch>
+            <a:fillRect/>
+          </a:stretch>
+        </p:blipFill>
+        <p:spPr>
+          <a:xfrm>
+            <a:off x="10611236" y="6435296"/>
+            <a:ext cx="1114425" cy="190500"/>
+          </a:xfrm>
+          <a:prstGeom prst="rect">
+            <a:avLst/>
+          </a:prstGeom>
+        </p:spPr>
+      </p:pic>
     </p:spTree>
     <p:extLst>
       <p:ext uri="{BB962C8B-B14F-4D97-AF65-F5344CB8AC3E}">
@@ -19778,7 +20099,49 @@
                 <a:ea typeface="+mn-lt"/>
                 <a:cs typeface="+mn-lt"/>
               </a:rPr>
-              <a:t>: An MLP is a class of feedforward artificial neural network that consists of at least three layers of nodes: input, hidden, and output layers.</a:t>
+              <a:t>: An MLP is a class of feedforward artificial neural network that consists of at least three layers of nodes: </a:t>
+            </a:r>
+            <a:r>
+              <a:rPr lang="en-US" b="1" dirty="0">
+                <a:ea typeface="+mn-lt"/>
+                <a:cs typeface="+mn-lt"/>
+              </a:rPr>
+              <a:t>input</a:t>
+            </a:r>
+            <a:r>
+              <a:rPr lang="en-US" dirty="0">
+                <a:ea typeface="+mn-lt"/>
+                <a:cs typeface="+mn-lt"/>
+              </a:rPr>
+              <a:t>, </a:t>
+            </a:r>
+            <a:r>
+              <a:rPr lang="en-US" b="1" dirty="0">
+                <a:ea typeface="+mn-lt"/>
+                <a:cs typeface="+mn-lt"/>
+              </a:rPr>
+              <a:t>hidden</a:t>
+            </a:r>
+            <a:r>
+              <a:rPr lang="en-US" dirty="0">
+                <a:ea typeface="+mn-lt"/>
+                <a:cs typeface="+mn-lt"/>
+              </a:rPr>
+              <a:t>, and </a:t>
+            </a:r>
+            <a:r>
+              <a:rPr lang="en-US" b="1" dirty="0">
+                <a:ea typeface="+mn-lt"/>
+                <a:cs typeface="+mn-lt"/>
+              </a:rPr>
+              <a:t>output</a:t>
+            </a:r>
+            <a:r>
+              <a:rPr lang="en-US" dirty="0">
+                <a:ea typeface="+mn-lt"/>
+                <a:cs typeface="+mn-lt"/>
+              </a:rPr>
+              <a:t> layers.</a:t>
             </a:r>
             <a:endParaRPr lang="en-US" dirty="0"/>
           </a:p>
@@ -20048,139 +20411,6 @@
   <p:cSld>
     <p:spTree>
       <p:nvGrpSpPr>
-        <p:cNvPr id="1" name=""/>
-        <p:cNvGrpSpPr/>
-        <p:nvPr/>
-      </p:nvGrpSpPr>
-      <p:grpSpPr>
-        <a:xfrm>
-          <a:off x="0" y="0"/>
-          <a:ext cx="0" cy="0"/>
-          <a:chOff x="0" y="0"/>
-          <a:chExt cx="0" cy="0"/>
-        </a:xfrm>
-      </p:grpSpPr>
-      <p:sp>
-        <p:nvSpPr>
-          <p:cNvPr id="2" name="Title 1">
-            <a:extLst>
-              <a:ext uri="{FF2B5EF4-FFF2-40B4-BE49-F238E27FC236}">
-                <a16:creationId xmlns:a16="http://schemas.microsoft.com/office/drawing/2014/main" id="{4CFCF908-FD9D-26E7-4304-35B73C005C1E}"/>
-              </a:ext>
-            </a:extLst>
-          </p:cNvPr>
-          <p:cNvSpPr>
-            <a:spLocks noGrp="1"/>
-          </p:cNvSpPr>
-          <p:nvPr>
-            <p:ph type="title"/>
-          </p:nvPr>
-        </p:nvSpPr>
-        <p:spPr/>
-        <p:txBody>
-          <a:bodyPr/>
-          <a:lstStyle/>
-          <a:p>
-            <a:r>
-              <a:rPr lang="en-US" dirty="0">
-                <a:ea typeface="Calibri Light"/>
-                <a:cs typeface="Calibri Light"/>
-              </a:rPr>
-              <a:t>Mathematics</a:t>
-            </a:r>
-            <a:endParaRPr lang="en-US" dirty="0"/>
-          </a:p>
-        </p:txBody>
-      </p:sp>
-      <p:pic>
-        <p:nvPicPr>
-          <p:cNvPr id="9" name="Content Placeholder 8">
-            <a:extLst>
-              <a:ext uri="{FF2B5EF4-FFF2-40B4-BE49-F238E27FC236}">
-                <a16:creationId xmlns:a16="http://schemas.microsoft.com/office/drawing/2014/main" id="{18B8F73D-7E10-69AB-B00D-5FDB55D2B0B4}"/>
-              </a:ext>
-            </a:extLst>
-          </p:cNvPr>
-          <p:cNvPicPr>
-            <a:picLocks noGrp="1" noChangeAspect="1"/>
-          </p:cNvPicPr>
-          <p:nvPr>
-            <p:ph idx="1"/>
-          </p:nvPr>
-        </p:nvPicPr>
-        <p:blipFill>
-          <a:blip r:embed="rId2"/>
-          <a:stretch>
-            <a:fillRect/>
-          </a:stretch>
-        </p:blipFill>
-        <p:spPr>
-          <a:xfrm>
-            <a:off x="838200" y="1798079"/>
-            <a:ext cx="4752975" cy="3819525"/>
-          </a:xfrm>
-        </p:spPr>
-      </p:pic>
-      <p:pic>
-        <p:nvPicPr>
-          <p:cNvPr id="12" name="Picture 11">
-            <a:extLst>
-              <a:ext uri="{FF2B5EF4-FFF2-40B4-BE49-F238E27FC236}">
-                <a16:creationId xmlns:a16="http://schemas.microsoft.com/office/drawing/2014/main" id="{664FB669-0404-9025-D7AA-7CE59ED13828}"/>
-              </a:ext>
-            </a:extLst>
-          </p:cNvPr>
-          <p:cNvPicPr>
-            <a:picLocks noChangeAspect="1"/>
-          </p:cNvPicPr>
-          <p:nvPr/>
-        </p:nvPicPr>
-        <p:blipFill>
-          <a:blip r:embed="rId3">
-            <a:extLst>
-              <a:ext uri="{BEBA8EAE-BF5A-486C-A8C5-ECC9F3942E4B}">
-                <a14:imgProps xmlns:a14="http://schemas.microsoft.com/office/drawing/2010/main">
-                  <a14:imgLayer r:embed="rId4">
-                    <a14:imgEffect>
-                      <a14:saturation sat="0"/>
-                    </a14:imgEffect>
-                  </a14:imgLayer>
-                </a14:imgProps>
-              </a:ext>
-            </a:extLst>
-          </a:blip>
-          <a:stretch>
-            <a:fillRect/>
-          </a:stretch>
-        </p:blipFill>
-        <p:spPr>
-          <a:xfrm>
-            <a:off x="6488114" y="1852612"/>
-            <a:ext cx="4865686" cy="3677037"/>
-          </a:xfrm>
-          <a:prstGeom prst="rect">
-            <a:avLst/>
-          </a:prstGeom>
-        </p:spPr>
-      </p:pic>
-    </p:spTree>
-    <p:extLst>
-      <p:ext uri="{BB962C8B-B14F-4D97-AF65-F5344CB8AC3E}">
-        <p14:creationId xmlns:p14="http://schemas.microsoft.com/office/powerpoint/2010/main" val="698149653"/>
-      </p:ext>
-    </p:extLst>
-  </p:cSld>
-  <p:clrMapOvr>
-    <a:masterClrMapping/>
-  </p:clrMapOvr>
-</p:sld>
-</file>
-
-<file path=ppt/slides/slide23.xml><?xml version="1.0" encoding="utf-8"?>
-<p:sld xmlns:a="http://schemas.openxmlformats.org/drawingml/2006/main" xmlns:r="http://schemas.openxmlformats.org/officeDocument/2006/relationships" xmlns:p="http://schemas.openxmlformats.org/presentationml/2006/main">
-  <p:cSld>
-    <p:spTree>
-      <p:nvGrpSpPr>
         <p:cNvPr id="1" name="">
           <a:extLst>
             <a:ext uri="{FF2B5EF4-FFF2-40B4-BE49-F238E27FC236}">
@@ -20403,6 +20633,37 @@
           </a:prstGeom>
         </p:spPr>
       </p:pic>
+      <p:pic>
+        <p:nvPicPr>
+          <p:cNvPr id="4" name="Picture 3">
+            <a:hlinkClick r:id="rId3"/>
+            <a:extLst>
+              <a:ext uri="{FF2B5EF4-FFF2-40B4-BE49-F238E27FC236}">
+                <a16:creationId xmlns:a16="http://schemas.microsoft.com/office/drawing/2014/main" id="{542B8D88-D453-1977-450A-E1F46B2854D2}"/>
+              </a:ext>
+            </a:extLst>
+          </p:cNvPr>
+          <p:cNvPicPr>
+            <a:picLocks noChangeAspect="1"/>
+          </p:cNvPicPr>
+          <p:nvPr/>
+        </p:nvPicPr>
+        <p:blipFill>
+          <a:blip r:embed="rId4"/>
+          <a:stretch>
+            <a:fillRect/>
+          </a:stretch>
+        </p:blipFill>
+        <p:spPr>
+          <a:xfrm>
+            <a:off x="10611236" y="6435296"/>
+            <a:ext cx="1114425" cy="190500"/>
+          </a:xfrm>
+          <a:prstGeom prst="rect">
+            <a:avLst/>
+          </a:prstGeom>
+        </p:spPr>
+      </p:pic>
     </p:spTree>
     <p:extLst>
       <p:ext uri="{BB962C8B-B14F-4D97-AF65-F5344CB8AC3E}">
@@ -20416,7 +20677,397 @@
 </p:sld>
 </file>
 
+<file path=ppt/slides/slide23.xml><?xml version="1.0" encoding="utf-8"?>
+<p:sld xmlns:a="http://schemas.openxmlformats.org/drawingml/2006/main" xmlns:r="http://schemas.openxmlformats.org/officeDocument/2006/relationships" xmlns:p="http://schemas.openxmlformats.org/presentationml/2006/main">
+  <p:cSld>
+    <p:spTree>
+      <p:nvGrpSpPr>
+        <p:cNvPr id="1" name=""/>
+        <p:cNvGrpSpPr/>
+        <p:nvPr/>
+      </p:nvGrpSpPr>
+      <p:grpSpPr>
+        <a:xfrm>
+          <a:off x="0" y="0"/>
+          <a:ext cx="0" cy="0"/>
+          <a:chOff x="0" y="0"/>
+          <a:chExt cx="0" cy="0"/>
+        </a:xfrm>
+      </p:grpSpPr>
+      <p:sp>
+        <p:nvSpPr>
+          <p:cNvPr id="2" name="Title 1">
+            <a:extLst>
+              <a:ext uri="{FF2B5EF4-FFF2-40B4-BE49-F238E27FC236}">
+                <a16:creationId xmlns:a16="http://schemas.microsoft.com/office/drawing/2014/main" id="{5386AC66-F88D-9085-CFE0-74265B276ACE}"/>
+              </a:ext>
+            </a:extLst>
+          </p:cNvPr>
+          <p:cNvSpPr>
+            <a:spLocks noGrp="1"/>
+          </p:cNvSpPr>
+          <p:nvPr>
+            <p:ph type="title"/>
+          </p:nvPr>
+        </p:nvSpPr>
+        <p:spPr/>
+        <p:txBody>
+          <a:bodyPr/>
+          <a:lstStyle/>
+          <a:p>
+            <a:r>
+              <a:rPr lang="en-US" dirty="0"/>
+              <a:t>Manual Computation for One Forward-Backward Pass</a:t>
+            </a:r>
+          </a:p>
+        </p:txBody>
+      </p:sp>
+      <p:pic>
+        <p:nvPicPr>
+          <p:cNvPr id="5" name="Content Placeholder 4">
+            <a:extLst>
+              <a:ext uri="{FF2B5EF4-FFF2-40B4-BE49-F238E27FC236}">
+                <a16:creationId xmlns:a16="http://schemas.microsoft.com/office/drawing/2014/main" id="{B4F08B59-FEC6-DACD-F049-EFC89CAC4D18}"/>
+              </a:ext>
+            </a:extLst>
+          </p:cNvPr>
+          <p:cNvPicPr>
+            <a:picLocks noGrp="1" noChangeAspect="1"/>
+          </p:cNvPicPr>
+          <p:nvPr>
+            <p:ph idx="1"/>
+          </p:nvPr>
+        </p:nvPicPr>
+        <p:blipFill>
+          <a:blip r:embed="rId2"/>
+          <a:stretch>
+            <a:fillRect/>
+          </a:stretch>
+        </p:blipFill>
+        <p:spPr>
+          <a:xfrm>
+            <a:off x="3699011" y="1706563"/>
+            <a:ext cx="4793978" cy="4991100"/>
+          </a:xfrm>
+        </p:spPr>
+      </p:pic>
+    </p:spTree>
+    <p:extLst>
+      <p:ext uri="{BB962C8B-B14F-4D97-AF65-F5344CB8AC3E}">
+        <p14:creationId xmlns:p14="http://schemas.microsoft.com/office/powerpoint/2010/main" val="4163305011"/>
+      </p:ext>
+    </p:extLst>
+  </p:cSld>
+  <p:clrMapOvr>
+    <a:masterClrMapping/>
+  </p:clrMapOvr>
+</p:sld>
+</file>
+
 <file path=ppt/slides/slide24.xml><?xml version="1.0" encoding="utf-8"?>
+<p:sld xmlns:a="http://schemas.openxmlformats.org/drawingml/2006/main" xmlns:r="http://schemas.openxmlformats.org/officeDocument/2006/relationships" xmlns:p="http://schemas.openxmlformats.org/presentationml/2006/main">
+  <p:cSld>
+    <p:spTree>
+      <p:nvGrpSpPr>
+        <p:cNvPr id="1" name=""/>
+        <p:cNvGrpSpPr/>
+        <p:nvPr/>
+      </p:nvGrpSpPr>
+      <p:grpSpPr>
+        <a:xfrm>
+          <a:off x="0" y="0"/>
+          <a:ext cx="0" cy="0"/>
+          <a:chOff x="0" y="0"/>
+          <a:chExt cx="0" cy="0"/>
+        </a:xfrm>
+      </p:grpSpPr>
+      <p:sp>
+        <p:nvSpPr>
+          <p:cNvPr id="2" name="Title 1">
+            <a:extLst>
+              <a:ext uri="{FF2B5EF4-FFF2-40B4-BE49-F238E27FC236}">
+                <a16:creationId xmlns:a16="http://schemas.microsoft.com/office/drawing/2014/main" id="{0A027764-52BC-C256-A4B1-A36E750B8A70}"/>
+              </a:ext>
+            </a:extLst>
+          </p:cNvPr>
+          <p:cNvSpPr>
+            <a:spLocks noGrp="1"/>
+          </p:cNvSpPr>
+          <p:nvPr>
+            <p:ph type="title"/>
+          </p:nvPr>
+        </p:nvSpPr>
+        <p:spPr/>
+        <p:txBody>
+          <a:bodyPr/>
+          <a:lstStyle/>
+          <a:p>
+            <a:r>
+              <a:rPr lang="en-US" dirty="0"/>
+              <a:t>Forward Propagation</a:t>
+            </a:r>
+          </a:p>
+        </p:txBody>
+      </p:sp>
+      <p:pic>
+        <p:nvPicPr>
+          <p:cNvPr id="5" name="Content Placeholder 4">
+            <a:extLst>
+              <a:ext uri="{FF2B5EF4-FFF2-40B4-BE49-F238E27FC236}">
+                <a16:creationId xmlns:a16="http://schemas.microsoft.com/office/drawing/2014/main" id="{1DE5C6EB-9168-E520-3ED9-A8A34B77F085}"/>
+              </a:ext>
+            </a:extLst>
+          </p:cNvPr>
+          <p:cNvPicPr>
+            <a:picLocks noGrp="1" noChangeAspect="1"/>
+          </p:cNvPicPr>
+          <p:nvPr>
+            <p:ph idx="1"/>
+          </p:nvPr>
+        </p:nvPicPr>
+        <p:blipFill>
+          <a:blip r:embed="rId2"/>
+          <a:stretch>
+            <a:fillRect/>
+          </a:stretch>
+        </p:blipFill>
+        <p:spPr>
+          <a:xfrm>
+            <a:off x="2578956" y="1706563"/>
+            <a:ext cx="7034088" cy="4991100"/>
+          </a:xfrm>
+        </p:spPr>
+      </p:pic>
+    </p:spTree>
+    <p:extLst>
+      <p:ext uri="{BB962C8B-B14F-4D97-AF65-F5344CB8AC3E}">
+        <p14:creationId xmlns:p14="http://schemas.microsoft.com/office/powerpoint/2010/main" val="3864245177"/>
+      </p:ext>
+    </p:extLst>
+  </p:cSld>
+  <p:clrMapOvr>
+    <a:masterClrMapping/>
+  </p:clrMapOvr>
+</p:sld>
+</file>
+
+<file path=ppt/slides/slide25.xml><?xml version="1.0" encoding="utf-8"?>
+<p:sld xmlns:a="http://schemas.openxmlformats.org/drawingml/2006/main" xmlns:r="http://schemas.openxmlformats.org/officeDocument/2006/relationships" xmlns:p="http://schemas.openxmlformats.org/presentationml/2006/main">
+  <p:cSld>
+    <p:spTree>
+      <p:nvGrpSpPr>
+        <p:cNvPr id="1" name="">
+          <a:extLst>
+            <a:ext uri="{FF2B5EF4-FFF2-40B4-BE49-F238E27FC236}">
+              <a16:creationId xmlns:a16="http://schemas.microsoft.com/office/drawing/2014/main" id="{42380E3B-8081-A8E2-CB59-DDEEEB33C39B}"/>
+            </a:ext>
+          </a:extLst>
+        </p:cNvPr>
+        <p:cNvGrpSpPr/>
+        <p:nvPr/>
+      </p:nvGrpSpPr>
+      <p:grpSpPr>
+        <a:xfrm>
+          <a:off x="0" y="0"/>
+          <a:ext cx="0" cy="0"/>
+          <a:chOff x="0" y="0"/>
+          <a:chExt cx="0" cy="0"/>
+        </a:xfrm>
+      </p:grpSpPr>
+      <p:sp>
+        <p:nvSpPr>
+          <p:cNvPr id="2" name="Title 1">
+            <a:extLst>
+              <a:ext uri="{FF2B5EF4-FFF2-40B4-BE49-F238E27FC236}">
+                <a16:creationId xmlns:a16="http://schemas.microsoft.com/office/drawing/2014/main" id="{F186353E-BDB4-5166-C555-B27669379656}"/>
+              </a:ext>
+            </a:extLst>
+          </p:cNvPr>
+          <p:cNvSpPr>
+            <a:spLocks noGrp="1"/>
+          </p:cNvSpPr>
+          <p:nvPr>
+            <p:ph type="title"/>
+          </p:nvPr>
+        </p:nvSpPr>
+        <p:spPr/>
+        <p:txBody>
+          <a:bodyPr/>
+          <a:lstStyle/>
+          <a:p>
+            <a:r>
+              <a:rPr lang="en-US" dirty="0"/>
+              <a:t>Backward Propagation</a:t>
+            </a:r>
+          </a:p>
+        </p:txBody>
+      </p:sp>
+      <p:pic>
+        <p:nvPicPr>
+          <p:cNvPr id="5" name="Content Placeholder 4">
+            <a:extLst>
+              <a:ext uri="{FF2B5EF4-FFF2-40B4-BE49-F238E27FC236}">
+                <a16:creationId xmlns:a16="http://schemas.microsoft.com/office/drawing/2014/main" id="{55847A42-FCF0-DCB0-69A8-B8DAFD0E9DFE}"/>
+              </a:ext>
+            </a:extLst>
+          </p:cNvPr>
+          <p:cNvPicPr>
+            <a:picLocks noGrp="1" noChangeAspect="1"/>
+          </p:cNvPicPr>
+          <p:nvPr>
+            <p:ph idx="1"/>
+          </p:nvPr>
+        </p:nvPicPr>
+        <p:blipFill>
+          <a:blip r:embed="rId2"/>
+          <a:stretch>
+            <a:fillRect/>
+          </a:stretch>
+        </p:blipFill>
+        <p:spPr>
+          <a:xfrm>
+            <a:off x="838200" y="1699790"/>
+            <a:ext cx="4886024" cy="4991100"/>
+          </a:xfrm>
+        </p:spPr>
+      </p:pic>
+      <p:pic>
+        <p:nvPicPr>
+          <p:cNvPr id="9" name="Content Placeholder 8">
+            <a:extLst>
+              <a:ext uri="{FF2B5EF4-FFF2-40B4-BE49-F238E27FC236}">
+                <a16:creationId xmlns:a16="http://schemas.microsoft.com/office/drawing/2014/main" id="{CBB683C8-E090-10CA-4590-9534C2CEEA03}"/>
+              </a:ext>
+            </a:extLst>
+          </p:cNvPr>
+          <p:cNvPicPr>
+            <a:picLocks noChangeAspect="1"/>
+          </p:cNvPicPr>
+          <p:nvPr/>
+        </p:nvPicPr>
+        <p:blipFill>
+          <a:blip r:embed="rId3"/>
+          <a:stretch>
+            <a:fillRect/>
+          </a:stretch>
+        </p:blipFill>
+        <p:spPr>
+          <a:xfrm>
+            <a:off x="6847023" y="1699790"/>
+            <a:ext cx="4047039" cy="2698026"/>
+          </a:xfrm>
+          <a:prstGeom prst="rect">
+            <a:avLst/>
+          </a:prstGeom>
+        </p:spPr>
+      </p:pic>
+    </p:spTree>
+    <p:extLst>
+      <p:ext uri="{BB962C8B-B14F-4D97-AF65-F5344CB8AC3E}">
+        <p14:creationId xmlns:p14="http://schemas.microsoft.com/office/powerpoint/2010/main" val="3813538074"/>
+      </p:ext>
+    </p:extLst>
+  </p:cSld>
+  <p:clrMapOvr>
+    <a:masterClrMapping/>
+  </p:clrMapOvr>
+</p:sld>
+</file>
+
+<file path=ppt/slides/slide26.xml><?xml version="1.0" encoding="utf-8"?>
+<p:sld xmlns:a="http://schemas.openxmlformats.org/drawingml/2006/main" xmlns:r="http://schemas.openxmlformats.org/officeDocument/2006/relationships" xmlns:p="http://schemas.openxmlformats.org/presentationml/2006/main">
+  <p:cSld>
+    <p:spTree>
+      <p:nvGrpSpPr>
+        <p:cNvPr id="1" name="">
+          <a:extLst>
+            <a:ext uri="{FF2B5EF4-FFF2-40B4-BE49-F238E27FC236}">
+              <a16:creationId xmlns:a16="http://schemas.microsoft.com/office/drawing/2014/main" id="{FD0BCCC0-4827-25FA-7016-859B871DC9DA}"/>
+            </a:ext>
+          </a:extLst>
+        </p:cNvPr>
+        <p:cNvGrpSpPr/>
+        <p:nvPr/>
+      </p:nvGrpSpPr>
+      <p:grpSpPr>
+        <a:xfrm>
+          <a:off x="0" y="0"/>
+          <a:ext cx="0" cy="0"/>
+          <a:chOff x="0" y="0"/>
+          <a:chExt cx="0" cy="0"/>
+        </a:xfrm>
+      </p:grpSpPr>
+      <p:sp>
+        <p:nvSpPr>
+          <p:cNvPr id="2" name="Title 1">
+            <a:extLst>
+              <a:ext uri="{FF2B5EF4-FFF2-40B4-BE49-F238E27FC236}">
+                <a16:creationId xmlns:a16="http://schemas.microsoft.com/office/drawing/2014/main" id="{1E3D18EF-6521-5D4F-7F4A-F5E83F880E70}"/>
+              </a:ext>
+            </a:extLst>
+          </p:cNvPr>
+          <p:cNvSpPr>
+            <a:spLocks noGrp="1"/>
+          </p:cNvSpPr>
+          <p:nvPr>
+            <p:ph type="title"/>
+          </p:nvPr>
+        </p:nvSpPr>
+        <p:spPr/>
+        <p:txBody>
+          <a:bodyPr/>
+          <a:lstStyle/>
+          <a:p>
+            <a:r>
+              <a:rPr lang="en-US" dirty="0"/>
+              <a:t>Backward Propagation</a:t>
+            </a:r>
+          </a:p>
+        </p:txBody>
+      </p:sp>
+      <p:pic>
+        <p:nvPicPr>
+          <p:cNvPr id="5" name="Content Placeholder 4">
+            <a:extLst>
+              <a:ext uri="{FF2B5EF4-FFF2-40B4-BE49-F238E27FC236}">
+                <a16:creationId xmlns:a16="http://schemas.microsoft.com/office/drawing/2014/main" id="{C4B34278-2B06-282C-365A-D63A5CEC5425}"/>
+              </a:ext>
+            </a:extLst>
+          </p:cNvPr>
+          <p:cNvPicPr>
+            <a:picLocks noGrp="1" noChangeAspect="1"/>
+          </p:cNvPicPr>
+          <p:nvPr>
+            <p:ph idx="1"/>
+          </p:nvPr>
+        </p:nvPicPr>
+        <p:blipFill>
+          <a:blip r:embed="rId2"/>
+          <a:stretch>
+            <a:fillRect/>
+          </a:stretch>
+        </p:blipFill>
+        <p:spPr>
+          <a:xfrm>
+            <a:off x="3268136" y="1706563"/>
+            <a:ext cx="5655728" cy="4991100"/>
+          </a:xfrm>
+        </p:spPr>
+      </p:pic>
+    </p:spTree>
+    <p:extLst>
+      <p:ext uri="{BB962C8B-B14F-4D97-AF65-F5344CB8AC3E}">
+        <p14:creationId xmlns:p14="http://schemas.microsoft.com/office/powerpoint/2010/main" val="894222825"/>
+      </p:ext>
+    </p:extLst>
+  </p:cSld>
+  <p:clrMapOvr>
+    <a:masterClrMapping/>
+  </p:clrMapOvr>
+</p:sld>
+</file>
+
+<file path=ppt/slides/slide27.xml><?xml version="1.0" encoding="utf-8"?>
 <p:sld xmlns:a="http://schemas.openxmlformats.org/drawingml/2006/main" xmlns:r="http://schemas.openxmlformats.org/officeDocument/2006/relationships" xmlns:p="http://schemas.openxmlformats.org/presentationml/2006/main">
   <p:cSld>
     <p:spTree>
@@ -20501,7 +21152,7 @@
 </p:sld>
 </file>
 
-<file path=ppt/slides/slide25.xml><?xml version="1.0" encoding="utf-8"?>
+<file path=ppt/slides/slide28.xml><?xml version="1.0" encoding="utf-8"?>
 <p:sld xmlns:a="http://schemas.openxmlformats.org/drawingml/2006/main" xmlns:r="http://schemas.openxmlformats.org/officeDocument/2006/relationships" xmlns:p="http://schemas.openxmlformats.org/presentationml/2006/main">
   <p:cSld>
     <p:spTree>
@@ -20685,7 +21336,19 @@
           <p:nvPr/>
         </p:nvPicPr>
         <p:blipFill>
-          <a:blip r:embed="rId2"/>
+          <a:blip r:embed="rId2">
+            <a:extLst>
+              <a:ext uri="{BEBA8EAE-BF5A-486C-A8C5-ECC9F3942E4B}">
+                <a14:imgProps xmlns:a14="http://schemas.microsoft.com/office/drawing/2010/main">
+                  <a14:imgLayer r:embed="rId3">
+                    <a14:imgEffect>
+                      <a14:saturation sat="0"/>
+                    </a14:imgEffect>
+                  </a14:imgLayer>
+                </a14:imgProps>
+              </a:ext>
+            </a:extLst>
+          </a:blip>
           <a:stretch>
             <a:fillRect/>
           </a:stretch>
@@ -20713,7 +21376,7 @@
 </p:sld>
 </file>
 
-<file path=ppt/slides/slide26.xml><?xml version="1.0" encoding="utf-8"?>
+<file path=ppt/slides/slide29.xml><?xml version="1.0" encoding="utf-8"?>
 <p:sld xmlns:a="http://schemas.openxmlformats.org/drawingml/2006/main" xmlns:r="http://schemas.openxmlformats.org/officeDocument/2006/relationships" xmlns:p="http://schemas.openxmlformats.org/presentationml/2006/main">
   <p:cSld>
     <p:spTree>
@@ -21315,7 +21978,105 @@
 </p:sld>
 </file>
 
-<file path=ppt/slides/slide27.xml><?xml version="1.0" encoding="utf-8"?>
+<file path=ppt/slides/slide3.xml><?xml version="1.0" encoding="utf-8"?>
+<p:sld xmlns:a="http://schemas.openxmlformats.org/drawingml/2006/main" xmlns:r="http://schemas.openxmlformats.org/officeDocument/2006/relationships" xmlns:p="http://schemas.openxmlformats.org/presentationml/2006/main">
+  <p:cSld>
+    <p:spTree>
+      <p:nvGrpSpPr>
+        <p:cNvPr id="1" name=""/>
+        <p:cNvGrpSpPr/>
+        <p:nvPr/>
+      </p:nvGrpSpPr>
+      <p:grpSpPr>
+        <a:xfrm>
+          <a:off x="0" y="0"/>
+          <a:ext cx="0" cy="0"/>
+          <a:chOff x="0" y="0"/>
+          <a:chExt cx="0" cy="0"/>
+        </a:xfrm>
+      </p:grpSpPr>
+      <p:sp>
+        <p:nvSpPr>
+          <p:cNvPr id="8" name="Title 7">
+            <a:extLst>
+              <a:ext uri="{FF2B5EF4-FFF2-40B4-BE49-F238E27FC236}">
+                <a16:creationId xmlns:a16="http://schemas.microsoft.com/office/drawing/2014/main" id="{107CF054-390C-DCFC-C9A6-9E95C859A175}"/>
+              </a:ext>
+            </a:extLst>
+          </p:cNvPr>
+          <p:cNvSpPr>
+            <a:spLocks noGrp="1"/>
+          </p:cNvSpPr>
+          <p:nvPr>
+            <p:ph type="title"/>
+          </p:nvPr>
+        </p:nvSpPr>
+        <p:spPr/>
+        <p:txBody>
+          <a:bodyPr>
+            <a:noAutofit/>
+          </a:bodyPr>
+          <a:lstStyle/>
+          <a:p>
+            <a:r>
+              <a:rPr lang="en-US" sz="3600">
+                <a:ea typeface="Calibri Light"/>
+                <a:cs typeface="Calibri Light"/>
+              </a:rPr>
+              <a:t>Introduction </a:t>
+            </a:r>
+            <a:r>
+              <a:rPr lang="en-US" sz="3600" dirty="0">
+                <a:ea typeface="Calibri Light"/>
+                <a:cs typeface="Calibri Light"/>
+              </a:rPr>
+              <a:t>to Neural Networks</a:t>
+            </a:r>
+          </a:p>
+        </p:txBody>
+      </p:sp>
+      <p:sp>
+        <p:nvSpPr>
+          <p:cNvPr id="2" name="Text Placeholder 1">
+            <a:extLst>
+              <a:ext uri="{FF2B5EF4-FFF2-40B4-BE49-F238E27FC236}">
+                <a16:creationId xmlns:a16="http://schemas.microsoft.com/office/drawing/2014/main" id="{9AC755F2-9404-F12A-FA8F-0795319AD030}"/>
+              </a:ext>
+            </a:extLst>
+          </p:cNvPr>
+          <p:cNvSpPr>
+            <a:spLocks noGrp="1"/>
+          </p:cNvSpPr>
+          <p:nvPr>
+            <p:ph type="body" idx="1"/>
+          </p:nvPr>
+        </p:nvSpPr>
+        <p:spPr/>
+        <p:txBody>
+          <a:bodyPr/>
+          <a:lstStyle/>
+          <a:p>
+            <a:r>
+              <a:rPr lang="en-US" dirty="0"/>
+              <a:t>The Perceptron</a:t>
+            </a:r>
+          </a:p>
+        </p:txBody>
+      </p:sp>
+    </p:spTree>
+    <p:extLst>
+      <p:ext uri="{BB962C8B-B14F-4D97-AF65-F5344CB8AC3E}">
+        <p14:creationId xmlns:p14="http://schemas.microsoft.com/office/powerpoint/2010/main" val="2050784581"/>
+      </p:ext>
+    </p:extLst>
+  </p:cSld>
+  <p:clrMapOvr>
+    <a:masterClrMapping/>
+  </p:clrMapOvr>
+</p:sld>
+</file>
+
+<file path=ppt/slides/slide30.xml><?xml version="1.0" encoding="utf-8"?>
 <p:sld xmlns:a="http://schemas.openxmlformats.org/drawingml/2006/main" xmlns:r="http://schemas.openxmlformats.org/officeDocument/2006/relationships" xmlns:p="http://schemas.openxmlformats.org/presentationml/2006/main">
   <p:cSld>
     <p:spTree>
@@ -21396,9 +22157,8 @@
           </a:bodyPr>
           <a:lstStyle/>
           <a:p>
-            <a:pPr>
-              <a:buFont typeface="Arial" panose="020B0604020202020204" pitchFamily="34" charset="0"/>
-              <a:buChar char="•"/>
+            <a:pPr marL="0" indent="0">
+              <a:buNone/>
             </a:pPr>
             <a:r>
               <a:rPr lang="en-US" sz="2000" b="1" dirty="0"/>
@@ -21410,9 +22170,8 @@
             </a:r>
           </a:p>
           <a:p>
-            <a:pPr>
-              <a:buFont typeface="Arial" panose="020B0604020202020204" pitchFamily="34" charset="0"/>
-              <a:buChar char="•"/>
+            <a:pPr marL="0" indent="0">
+              <a:buNone/>
             </a:pPr>
             <a:r>
               <a:rPr lang="en-US" sz="2000" b="1" dirty="0"/>
@@ -22128,7 +22887,7 @@
 </p:sld>
 </file>
 
-<file path=ppt/slides/slide28.xml><?xml version="1.0" encoding="utf-8"?>
+<file path=ppt/slides/slide31.xml><?xml version="1.0" encoding="utf-8"?>
 <p:sld xmlns:a="http://schemas.openxmlformats.org/drawingml/2006/main" xmlns:r="http://schemas.openxmlformats.org/officeDocument/2006/relationships" xmlns:p="http://schemas.openxmlformats.org/presentationml/2006/main">
   <p:cSld>
     <p:spTree>
@@ -22191,9 +22950,7 @@
         </p:nvSpPr>
         <p:spPr>
           <a:solidFill>
-            <a:schemeClr val="bg1">
-              <a:lumMod val="85000"/>
-            </a:schemeClr>
+            <a:schemeClr val="bg1"/>
           </a:solidFill>
         </p:spPr>
         <p:txBody>
@@ -23443,7 +24200,7 @@
 </p:sld>
 </file>
 
-<file path=ppt/slides/slide29.xml><?xml version="1.0" encoding="utf-8"?>
+<file path=ppt/slides/slide32.xml><?xml version="1.0" encoding="utf-8"?>
 <p:sld xmlns:a="http://schemas.openxmlformats.org/drawingml/2006/main" xmlns:r="http://schemas.openxmlformats.org/officeDocument/2006/relationships" xmlns:p="http://schemas.openxmlformats.org/presentationml/2006/main">
   <p:cSld>
     <p:spTree>
@@ -23741,105 +24498,7 @@
 </p:sld>
 </file>
 
-<file path=ppt/slides/slide3.xml><?xml version="1.0" encoding="utf-8"?>
-<p:sld xmlns:a="http://schemas.openxmlformats.org/drawingml/2006/main" xmlns:r="http://schemas.openxmlformats.org/officeDocument/2006/relationships" xmlns:p="http://schemas.openxmlformats.org/presentationml/2006/main">
-  <p:cSld>
-    <p:spTree>
-      <p:nvGrpSpPr>
-        <p:cNvPr id="1" name=""/>
-        <p:cNvGrpSpPr/>
-        <p:nvPr/>
-      </p:nvGrpSpPr>
-      <p:grpSpPr>
-        <a:xfrm>
-          <a:off x="0" y="0"/>
-          <a:ext cx="0" cy="0"/>
-          <a:chOff x="0" y="0"/>
-          <a:chExt cx="0" cy="0"/>
-        </a:xfrm>
-      </p:grpSpPr>
-      <p:sp>
-        <p:nvSpPr>
-          <p:cNvPr id="8" name="Title 7">
-            <a:extLst>
-              <a:ext uri="{FF2B5EF4-FFF2-40B4-BE49-F238E27FC236}">
-                <a16:creationId xmlns:a16="http://schemas.microsoft.com/office/drawing/2014/main" id="{107CF054-390C-DCFC-C9A6-9E95C859A175}"/>
-              </a:ext>
-            </a:extLst>
-          </p:cNvPr>
-          <p:cNvSpPr>
-            <a:spLocks noGrp="1"/>
-          </p:cNvSpPr>
-          <p:nvPr>
-            <p:ph type="title"/>
-          </p:nvPr>
-        </p:nvSpPr>
-        <p:spPr/>
-        <p:txBody>
-          <a:bodyPr>
-            <a:noAutofit/>
-          </a:bodyPr>
-          <a:lstStyle/>
-          <a:p>
-            <a:r>
-              <a:rPr lang="en-US" sz="3600">
-                <a:ea typeface="Calibri Light"/>
-                <a:cs typeface="Calibri Light"/>
-              </a:rPr>
-              <a:t>Introduction </a:t>
-            </a:r>
-            <a:r>
-              <a:rPr lang="en-US" sz="3600" dirty="0">
-                <a:ea typeface="Calibri Light"/>
-                <a:cs typeface="Calibri Light"/>
-              </a:rPr>
-              <a:t>to Neural Networks</a:t>
-            </a:r>
-          </a:p>
-        </p:txBody>
-      </p:sp>
-      <p:sp>
-        <p:nvSpPr>
-          <p:cNvPr id="2" name="Text Placeholder 1">
-            <a:extLst>
-              <a:ext uri="{FF2B5EF4-FFF2-40B4-BE49-F238E27FC236}">
-                <a16:creationId xmlns:a16="http://schemas.microsoft.com/office/drawing/2014/main" id="{9AC755F2-9404-F12A-FA8F-0795319AD030}"/>
-              </a:ext>
-            </a:extLst>
-          </p:cNvPr>
-          <p:cNvSpPr>
-            <a:spLocks noGrp="1"/>
-          </p:cNvSpPr>
-          <p:nvPr>
-            <p:ph type="body" idx="1"/>
-          </p:nvPr>
-        </p:nvSpPr>
-        <p:spPr/>
-        <p:txBody>
-          <a:bodyPr/>
-          <a:lstStyle/>
-          <a:p>
-            <a:r>
-              <a:rPr lang="en-US" dirty="0"/>
-              <a:t>The Perceptron</a:t>
-            </a:r>
-          </a:p>
-        </p:txBody>
-      </p:sp>
-    </p:spTree>
-    <p:extLst>
-      <p:ext uri="{BB962C8B-B14F-4D97-AF65-F5344CB8AC3E}">
-        <p14:creationId xmlns:p14="http://schemas.microsoft.com/office/powerpoint/2010/main" val="2050784581"/>
-      </p:ext>
-    </p:extLst>
-  </p:cSld>
-  <p:clrMapOvr>
-    <a:masterClrMapping/>
-  </p:clrMapOvr>
-</p:sld>
-</file>
-
-<file path=ppt/slides/slide30.xml><?xml version="1.0" encoding="utf-8"?>
+<file path=ppt/slides/slide33.xml><?xml version="1.0" encoding="utf-8"?>
 <p:sld xmlns:a="http://schemas.openxmlformats.org/drawingml/2006/main" xmlns:r="http://schemas.openxmlformats.org/officeDocument/2006/relationships" xmlns:p="http://schemas.openxmlformats.org/presentationml/2006/main">
   <p:cSld>
     <p:spTree>
@@ -23906,9 +24565,7 @@
             <a:ext cx="10515600" cy="1037193"/>
           </a:xfrm>
           <a:solidFill>
-            <a:schemeClr val="bg1">
-              <a:lumMod val="85000"/>
-            </a:schemeClr>
+            <a:schemeClr val="bg1"/>
           </a:solidFill>
         </p:spPr>
         <p:txBody>
@@ -24152,9 +24809,7 @@
             <a:avLst/>
           </a:prstGeom>
           <a:solidFill>
-            <a:schemeClr val="bg1">
-              <a:lumMod val="85000"/>
-            </a:schemeClr>
+            <a:schemeClr val="bg1"/>
           </a:solidFill>
         </p:spPr>
         <p:txBody>
@@ -24624,7 +25279,7 @@
 </p:sld>
 </file>
 
-<file path=ppt/slides/slide31.xml><?xml version="1.0" encoding="utf-8"?>
+<file path=ppt/slides/slide34.xml><?xml version="1.0" encoding="utf-8"?>
 <p:sld xmlns:a="http://schemas.openxmlformats.org/drawingml/2006/main" xmlns:r="http://schemas.openxmlformats.org/officeDocument/2006/relationships" xmlns:p="http://schemas.openxmlformats.org/presentationml/2006/main">
   <p:cSld>
     <p:spTree>
@@ -25853,7 +26508,7 @@
 </p:sld>
 </file>
 
-<file path=ppt/slides/slide32.xml><?xml version="1.0" encoding="utf-8"?>
+<file path=ppt/slides/slide35.xml><?xml version="1.0" encoding="utf-8"?>
 <p:sld xmlns:a="http://schemas.openxmlformats.org/drawingml/2006/main" xmlns:r="http://schemas.openxmlformats.org/officeDocument/2006/relationships" xmlns:p="http://schemas.openxmlformats.org/presentationml/2006/main">
   <p:cSld>
     <p:spTree>
@@ -26234,7 +26889,7 @@
 </p:sld>
 </file>
 
-<file path=ppt/slides/slide33.xml><?xml version="1.0" encoding="utf-8"?>
+<file path=ppt/slides/slide36.xml><?xml version="1.0" encoding="utf-8"?>
 <p:sld xmlns:a="http://schemas.openxmlformats.org/drawingml/2006/main" xmlns:r="http://schemas.openxmlformats.org/officeDocument/2006/relationships" xmlns:p="http://schemas.openxmlformats.org/presentationml/2006/main">
   <p:cSld>
     <p:spTree>
@@ -26848,7 +27503,7 @@
 </p:sld>
 </file>
 
-<file path=ppt/slides/slide34.xml><?xml version="1.0" encoding="utf-8"?>
+<file path=ppt/slides/slide37.xml><?xml version="1.0" encoding="utf-8"?>
 <p:sld xmlns:a="http://schemas.openxmlformats.org/drawingml/2006/main" xmlns:r="http://schemas.openxmlformats.org/officeDocument/2006/relationships" xmlns:p="http://schemas.openxmlformats.org/presentationml/2006/main">
   <p:cSld>
     <p:spTree>
@@ -27347,7 +28002,7 @@
 </p:sld>
 </file>
 
-<file path=ppt/slides/slide35.xml><?xml version="1.0" encoding="utf-8"?>
+<file path=ppt/slides/slide38.xml><?xml version="1.0" encoding="utf-8"?>
 <p:sld xmlns:a="http://schemas.openxmlformats.org/drawingml/2006/main" xmlns:r="http://schemas.openxmlformats.org/officeDocument/2006/relationships" xmlns:p="http://schemas.openxmlformats.org/presentationml/2006/main">
   <p:cSld>
     <p:spTree>
@@ -27432,7 +28087,7 @@
 </p:sld>
 </file>
 
-<file path=ppt/slides/slide36.xml><?xml version="1.0" encoding="utf-8"?>
+<file path=ppt/slides/slide39.xml><?xml version="1.0" encoding="utf-8"?>
 <p:sld xmlns:a="http://schemas.openxmlformats.org/drawingml/2006/main" xmlns:r="http://schemas.openxmlformats.org/officeDocument/2006/relationships" xmlns:p="http://schemas.openxmlformats.org/presentationml/2006/main">
   <p:cSld>
     <p:spTree>
@@ -28361,7 +29016,216 @@
 </p:sld>
 </file>
 
-<file path=ppt/slides/slide37.xml><?xml version="1.0" encoding="utf-8"?>
+<file path=ppt/slides/slide4.xml><?xml version="1.0" encoding="utf-8"?>
+<p:sld xmlns:a="http://schemas.openxmlformats.org/drawingml/2006/main" xmlns:r="http://schemas.openxmlformats.org/officeDocument/2006/relationships" xmlns:p="http://schemas.openxmlformats.org/presentationml/2006/main">
+  <p:cSld>
+    <p:spTree>
+      <p:nvGrpSpPr>
+        <p:cNvPr id="1" name=""/>
+        <p:cNvGrpSpPr/>
+        <p:nvPr/>
+      </p:nvGrpSpPr>
+      <p:grpSpPr>
+        <a:xfrm>
+          <a:off x="0" y="0"/>
+          <a:ext cx="0" cy="0"/>
+          <a:chOff x="0" y="0"/>
+          <a:chExt cx="0" cy="0"/>
+        </a:xfrm>
+      </p:grpSpPr>
+      <p:sp>
+        <p:nvSpPr>
+          <p:cNvPr id="2" name="Title 1">
+            <a:extLst>
+              <a:ext uri="{FF2B5EF4-FFF2-40B4-BE49-F238E27FC236}">
+                <a16:creationId xmlns:a16="http://schemas.microsoft.com/office/drawing/2014/main" id="{74671EA9-6800-A779-6A5D-F9277B9697C4}"/>
+              </a:ext>
+            </a:extLst>
+          </p:cNvPr>
+          <p:cNvSpPr>
+            <a:spLocks noGrp="1"/>
+          </p:cNvSpPr>
+          <p:nvPr>
+            <p:ph type="title"/>
+          </p:nvPr>
+        </p:nvSpPr>
+        <p:spPr/>
+        <p:txBody>
+          <a:bodyPr>
+            <a:normAutofit/>
+          </a:bodyPr>
+          <a:lstStyle/>
+          <a:p>
+            <a:r>
+              <a:rPr lang="en-US"/>
+              <a:t>Outcomes</a:t>
+            </a:r>
+            <a:endParaRPr lang="en-US" dirty="0"/>
+          </a:p>
+        </p:txBody>
+      </p:sp>
+      <p:sp>
+        <p:nvSpPr>
+          <p:cNvPr id="3" name="Content Placeholder 2">
+            <a:extLst>
+              <a:ext uri="{FF2B5EF4-FFF2-40B4-BE49-F238E27FC236}">
+                <a16:creationId xmlns:a16="http://schemas.microsoft.com/office/drawing/2014/main" id="{8E94B1F8-E09A-B991-5EB3-CCEFE898BE46}"/>
+              </a:ext>
+            </a:extLst>
+          </p:cNvPr>
+          <p:cNvSpPr>
+            <a:spLocks noGrp="1"/>
+          </p:cNvSpPr>
+          <p:nvPr>
+            <p:ph idx="1"/>
+          </p:nvPr>
+        </p:nvSpPr>
+        <p:spPr/>
+        <p:txBody>
+          <a:bodyPr/>
+          <a:lstStyle/>
+          <a:p>
+            <a:pPr>
+              <a:buFont typeface="Arial" panose="020B0604020202020204" pitchFamily="34" charset="0"/>
+              <a:buChar char="•"/>
+            </a:pPr>
+            <a:r>
+              <a:rPr lang="en-US" dirty="0"/>
+              <a:t>Fundamentals of neural networks</a:t>
+            </a:r>
+          </a:p>
+          <a:p>
+            <a:pPr>
+              <a:buFont typeface="Arial" panose="020B0604020202020204" pitchFamily="34" charset="0"/>
+              <a:buChar char="•"/>
+            </a:pPr>
+            <a:r>
+              <a:rPr lang="en-US" dirty="0"/>
+              <a:t>Evolution from single </a:t>
+            </a:r>
+            <a:r>
+              <a:rPr lang="en-US" dirty="0" err="1"/>
+              <a:t>perceptrons</a:t>
+            </a:r>
+            <a:r>
+              <a:rPr lang="en-US" dirty="0"/>
+              <a:t> to MLPs</a:t>
+            </a:r>
+          </a:p>
+          <a:p>
+            <a:pPr>
+              <a:buFont typeface="Arial" panose="020B0604020202020204" pitchFamily="34" charset="0"/>
+              <a:buChar char="•"/>
+            </a:pPr>
+            <a:r>
+              <a:rPr lang="en-US" dirty="0"/>
+              <a:t>Detailed MLP architecture (input, hidden, and output layers)</a:t>
+            </a:r>
+          </a:p>
+          <a:p>
+            <a:pPr>
+              <a:buFont typeface="Arial" panose="020B0604020202020204" pitchFamily="34" charset="0"/>
+              <a:buChar char="•"/>
+            </a:pPr>
+            <a:r>
+              <a:rPr lang="en-US" dirty="0"/>
+              <a:t>Mathematical representations</a:t>
+            </a:r>
+          </a:p>
+          <a:p>
+            <a:pPr>
+              <a:buFont typeface="Arial" panose="020B0604020202020204" pitchFamily="34" charset="0"/>
+              <a:buChar char="•"/>
+            </a:pPr>
+            <a:r>
+              <a:rPr lang="en-US" dirty="0"/>
+              <a:t>Various activation functions (Sigmoid, </a:t>
+            </a:r>
+            <a:r>
+              <a:rPr lang="en-US" dirty="0" err="1"/>
+              <a:t>ReLU</a:t>
+            </a:r>
+            <a:r>
+              <a:rPr lang="en-US" dirty="0"/>
+              <a:t>, etc.)</a:t>
+            </a:r>
+          </a:p>
+          <a:p>
+            <a:pPr>
+              <a:buFont typeface="Arial" panose="020B0604020202020204" pitchFamily="34" charset="0"/>
+              <a:buChar char="•"/>
+            </a:pPr>
+            <a:r>
+              <a:rPr lang="en-US" dirty="0"/>
+              <a:t>Backpropagation and training methodologies</a:t>
+            </a:r>
+          </a:p>
+          <a:p>
+            <a:pPr>
+              <a:buFont typeface="Arial" panose="020B0604020202020204" pitchFamily="34" charset="0"/>
+              <a:buChar char="•"/>
+            </a:pPr>
+            <a:r>
+              <a:rPr lang="en-US" dirty="0"/>
+              <a:t>Loss functions and optimization techniques</a:t>
+            </a:r>
+          </a:p>
+          <a:p>
+            <a:pPr>
+              <a:buFont typeface="Arial" panose="020B0604020202020204" pitchFamily="34" charset="0"/>
+              <a:buChar char="•"/>
+            </a:pPr>
+            <a:r>
+              <a:rPr lang="en-US" dirty="0"/>
+              <a:t>Architecture design considerations</a:t>
+            </a:r>
+          </a:p>
+          <a:p>
+            <a:pPr>
+              <a:buFont typeface="Arial" panose="020B0604020202020204" pitchFamily="34" charset="0"/>
+              <a:buChar char="•"/>
+            </a:pPr>
+            <a:r>
+              <a:rPr lang="en-US" dirty="0"/>
+              <a:t>Real-world applications</a:t>
+            </a:r>
+          </a:p>
+          <a:p>
+            <a:pPr>
+              <a:buFont typeface="Arial" panose="020B0604020202020204" pitchFamily="34" charset="0"/>
+              <a:buChar char="•"/>
+            </a:pPr>
+            <a:r>
+              <a:rPr lang="en-US" dirty="0"/>
+              <a:t>Advantages and limitations</a:t>
+            </a:r>
+          </a:p>
+          <a:p>
+            <a:pPr>
+              <a:buFont typeface="Arial" panose="020B0604020202020204" pitchFamily="34" charset="0"/>
+              <a:buChar char="•"/>
+            </a:pPr>
+            <a:r>
+              <a:rPr lang="en-US" dirty="0"/>
+              <a:t>Modern MLP variants and implementations</a:t>
+            </a:r>
+          </a:p>
+        </p:txBody>
+      </p:sp>
+    </p:spTree>
+    <p:extLst>
+      <p:ext uri="{BB962C8B-B14F-4D97-AF65-F5344CB8AC3E}">
+        <p14:creationId xmlns:p14="http://schemas.microsoft.com/office/powerpoint/2010/main" val="620158495"/>
+      </p:ext>
+    </p:extLst>
+  </p:cSld>
+  <p:clrMapOvr>
+    <a:masterClrMapping/>
+  </p:clrMapOvr>
+</p:sld>
+</file>
+
+<file path=ppt/slides/slide40.xml><?xml version="1.0" encoding="utf-8"?>
 <p:sld xmlns:a="http://schemas.openxmlformats.org/drawingml/2006/main" xmlns:r="http://schemas.openxmlformats.org/officeDocument/2006/relationships" xmlns:p="http://schemas.openxmlformats.org/presentationml/2006/main">
   <p:cSld>
     <p:spTree>
@@ -29394,7 +30258,7 @@
 </p:sld>
 </file>
 
-<file path=ppt/slides/slide38.xml><?xml version="1.0" encoding="utf-8"?>
+<file path=ppt/slides/slide41.xml><?xml version="1.0" encoding="utf-8"?>
 <p:sld xmlns:a="http://schemas.openxmlformats.org/drawingml/2006/main" xmlns:r="http://schemas.openxmlformats.org/officeDocument/2006/relationships" xmlns:p="http://schemas.openxmlformats.org/presentationml/2006/main">
   <p:cSld>
     <p:spTree>
@@ -29507,7 +30371,7 @@
 </p:sld>
 </file>
 
-<file path=ppt/slides/slide39.xml><?xml version="1.0" encoding="utf-8"?>
+<file path=ppt/slides/slide42.xml><?xml version="1.0" encoding="utf-8"?>
 <p:sld xmlns:a="http://schemas.openxmlformats.org/drawingml/2006/main" xmlns:r="http://schemas.openxmlformats.org/officeDocument/2006/relationships" xmlns:p="http://schemas.openxmlformats.org/presentationml/2006/main">
   <p:cSld>
     <p:spTree>
@@ -29620,216 +30484,7 @@
 </p:sld>
 </file>
 
-<file path=ppt/slides/slide4.xml><?xml version="1.0" encoding="utf-8"?>
-<p:sld xmlns:a="http://schemas.openxmlformats.org/drawingml/2006/main" xmlns:r="http://schemas.openxmlformats.org/officeDocument/2006/relationships" xmlns:p="http://schemas.openxmlformats.org/presentationml/2006/main">
-  <p:cSld>
-    <p:spTree>
-      <p:nvGrpSpPr>
-        <p:cNvPr id="1" name=""/>
-        <p:cNvGrpSpPr/>
-        <p:nvPr/>
-      </p:nvGrpSpPr>
-      <p:grpSpPr>
-        <a:xfrm>
-          <a:off x="0" y="0"/>
-          <a:ext cx="0" cy="0"/>
-          <a:chOff x="0" y="0"/>
-          <a:chExt cx="0" cy="0"/>
-        </a:xfrm>
-      </p:grpSpPr>
-      <p:sp>
-        <p:nvSpPr>
-          <p:cNvPr id="2" name="Title 1">
-            <a:extLst>
-              <a:ext uri="{FF2B5EF4-FFF2-40B4-BE49-F238E27FC236}">
-                <a16:creationId xmlns:a16="http://schemas.microsoft.com/office/drawing/2014/main" id="{74671EA9-6800-A779-6A5D-F9277B9697C4}"/>
-              </a:ext>
-            </a:extLst>
-          </p:cNvPr>
-          <p:cNvSpPr>
-            <a:spLocks noGrp="1"/>
-          </p:cNvSpPr>
-          <p:nvPr>
-            <p:ph type="title"/>
-          </p:nvPr>
-        </p:nvSpPr>
-        <p:spPr/>
-        <p:txBody>
-          <a:bodyPr>
-            <a:normAutofit/>
-          </a:bodyPr>
-          <a:lstStyle/>
-          <a:p>
-            <a:r>
-              <a:rPr lang="en-US"/>
-              <a:t>Outcomes</a:t>
-            </a:r>
-            <a:endParaRPr lang="en-US" dirty="0"/>
-          </a:p>
-        </p:txBody>
-      </p:sp>
-      <p:sp>
-        <p:nvSpPr>
-          <p:cNvPr id="3" name="Content Placeholder 2">
-            <a:extLst>
-              <a:ext uri="{FF2B5EF4-FFF2-40B4-BE49-F238E27FC236}">
-                <a16:creationId xmlns:a16="http://schemas.microsoft.com/office/drawing/2014/main" id="{8E94B1F8-E09A-B991-5EB3-CCEFE898BE46}"/>
-              </a:ext>
-            </a:extLst>
-          </p:cNvPr>
-          <p:cNvSpPr>
-            <a:spLocks noGrp="1"/>
-          </p:cNvSpPr>
-          <p:nvPr>
-            <p:ph idx="1"/>
-          </p:nvPr>
-        </p:nvSpPr>
-        <p:spPr/>
-        <p:txBody>
-          <a:bodyPr/>
-          <a:lstStyle/>
-          <a:p>
-            <a:pPr>
-              <a:buFont typeface="Arial" panose="020B0604020202020204" pitchFamily="34" charset="0"/>
-              <a:buChar char="•"/>
-            </a:pPr>
-            <a:r>
-              <a:rPr lang="en-US" dirty="0"/>
-              <a:t>Fundamentals of neural networks</a:t>
-            </a:r>
-          </a:p>
-          <a:p>
-            <a:pPr>
-              <a:buFont typeface="Arial" panose="020B0604020202020204" pitchFamily="34" charset="0"/>
-              <a:buChar char="•"/>
-            </a:pPr>
-            <a:r>
-              <a:rPr lang="en-US" dirty="0"/>
-              <a:t>Evolution from single </a:t>
-            </a:r>
-            <a:r>
-              <a:rPr lang="en-US" dirty="0" err="1"/>
-              <a:t>perceptrons</a:t>
-            </a:r>
-            <a:r>
-              <a:rPr lang="en-US" dirty="0"/>
-              <a:t> to MLPs</a:t>
-            </a:r>
-          </a:p>
-          <a:p>
-            <a:pPr>
-              <a:buFont typeface="Arial" panose="020B0604020202020204" pitchFamily="34" charset="0"/>
-              <a:buChar char="•"/>
-            </a:pPr>
-            <a:r>
-              <a:rPr lang="en-US" dirty="0"/>
-              <a:t>Detailed MLP architecture (input, hidden, and output layers)</a:t>
-            </a:r>
-          </a:p>
-          <a:p>
-            <a:pPr>
-              <a:buFont typeface="Arial" panose="020B0604020202020204" pitchFamily="34" charset="0"/>
-              <a:buChar char="•"/>
-            </a:pPr>
-            <a:r>
-              <a:rPr lang="en-US" dirty="0"/>
-              <a:t>Mathematical representations</a:t>
-            </a:r>
-          </a:p>
-          <a:p>
-            <a:pPr>
-              <a:buFont typeface="Arial" panose="020B0604020202020204" pitchFamily="34" charset="0"/>
-              <a:buChar char="•"/>
-            </a:pPr>
-            <a:r>
-              <a:rPr lang="en-US" dirty="0"/>
-              <a:t>Various activation functions (Sigmoid, </a:t>
-            </a:r>
-            <a:r>
-              <a:rPr lang="en-US" dirty="0" err="1"/>
-              <a:t>ReLU</a:t>
-            </a:r>
-            <a:r>
-              <a:rPr lang="en-US" dirty="0"/>
-              <a:t>, etc.)</a:t>
-            </a:r>
-          </a:p>
-          <a:p>
-            <a:pPr>
-              <a:buFont typeface="Arial" panose="020B0604020202020204" pitchFamily="34" charset="0"/>
-              <a:buChar char="•"/>
-            </a:pPr>
-            <a:r>
-              <a:rPr lang="en-US" dirty="0"/>
-              <a:t>Backpropagation and training methodologies</a:t>
-            </a:r>
-          </a:p>
-          <a:p>
-            <a:pPr>
-              <a:buFont typeface="Arial" panose="020B0604020202020204" pitchFamily="34" charset="0"/>
-              <a:buChar char="•"/>
-            </a:pPr>
-            <a:r>
-              <a:rPr lang="en-US" dirty="0"/>
-              <a:t>Loss functions and optimization techniques</a:t>
-            </a:r>
-          </a:p>
-          <a:p>
-            <a:pPr>
-              <a:buFont typeface="Arial" panose="020B0604020202020204" pitchFamily="34" charset="0"/>
-              <a:buChar char="•"/>
-            </a:pPr>
-            <a:r>
-              <a:rPr lang="en-US" dirty="0"/>
-              <a:t>Architecture design considerations</a:t>
-            </a:r>
-          </a:p>
-          <a:p>
-            <a:pPr>
-              <a:buFont typeface="Arial" panose="020B0604020202020204" pitchFamily="34" charset="0"/>
-              <a:buChar char="•"/>
-            </a:pPr>
-            <a:r>
-              <a:rPr lang="en-US" dirty="0"/>
-              <a:t>Real-world applications</a:t>
-            </a:r>
-          </a:p>
-          <a:p>
-            <a:pPr>
-              <a:buFont typeface="Arial" panose="020B0604020202020204" pitchFamily="34" charset="0"/>
-              <a:buChar char="•"/>
-            </a:pPr>
-            <a:r>
-              <a:rPr lang="en-US" dirty="0"/>
-              <a:t>Advantages and limitations</a:t>
-            </a:r>
-          </a:p>
-          <a:p>
-            <a:pPr>
-              <a:buFont typeface="Arial" panose="020B0604020202020204" pitchFamily="34" charset="0"/>
-              <a:buChar char="•"/>
-            </a:pPr>
-            <a:r>
-              <a:rPr lang="en-US" dirty="0"/>
-              <a:t>Modern MLP variants and implementations</a:t>
-            </a:r>
-          </a:p>
-        </p:txBody>
-      </p:sp>
-    </p:spTree>
-    <p:extLst>
-      <p:ext uri="{BB962C8B-B14F-4D97-AF65-F5344CB8AC3E}">
-        <p14:creationId xmlns:p14="http://schemas.microsoft.com/office/powerpoint/2010/main" val="620158495"/>
-      </p:ext>
-    </p:extLst>
-  </p:cSld>
-  <p:clrMapOvr>
-    <a:masterClrMapping/>
-  </p:clrMapOvr>
-</p:sld>
-</file>
-
-<file path=ppt/slides/slide40.xml><?xml version="1.0" encoding="utf-8"?>
+<file path=ppt/slides/slide43.xml><?xml version="1.0" encoding="utf-8"?>
 <p:sld xmlns:a="http://schemas.openxmlformats.org/drawingml/2006/main" xmlns:r="http://schemas.openxmlformats.org/officeDocument/2006/relationships" xmlns:p="http://schemas.openxmlformats.org/presentationml/2006/main">
   <p:cSld>
     <p:spTree>
@@ -30105,7 +30760,7 @@
 </p:sld>
 </file>
 
-<file path=ppt/slides/slide41.xml><?xml version="1.0" encoding="utf-8"?>
+<file path=ppt/slides/slide44.xml><?xml version="1.0" encoding="utf-8"?>
 <p:sld xmlns:a="http://schemas.openxmlformats.org/drawingml/2006/main" xmlns:r="http://schemas.openxmlformats.org/officeDocument/2006/relationships" xmlns:p="http://schemas.openxmlformats.org/presentationml/2006/main">
   <p:cSld>
     <p:spTree>
@@ -31978,7 +32633,7 @@
 </p:sld>
 </file>
 
-<file path=ppt/slides/slide42.xml><?xml version="1.0" encoding="utf-8"?>
+<file path=ppt/slides/slide45.xml><?xml version="1.0" encoding="utf-8"?>
 <p:sld xmlns:a="http://schemas.openxmlformats.org/drawingml/2006/main" xmlns:r="http://schemas.openxmlformats.org/officeDocument/2006/relationships" xmlns:p="http://schemas.openxmlformats.org/presentationml/2006/main">
   <p:cSld>
     <p:spTree>
@@ -32114,7 +32769,7 @@
 </p:sld>
 </file>
 
-<file path=ppt/slides/slide43.xml><?xml version="1.0" encoding="utf-8"?>
+<file path=ppt/slides/slide46.xml><?xml version="1.0" encoding="utf-8"?>
 <p:sld xmlns:a="http://schemas.openxmlformats.org/drawingml/2006/main" xmlns:r="http://schemas.openxmlformats.org/officeDocument/2006/relationships" xmlns:p="http://schemas.openxmlformats.org/presentationml/2006/main">
   <p:cSld>
     <p:spTree>
@@ -32346,7 +33001,7 @@
 </p:sld>
 </file>
 
-<file path=ppt/slides/slide44.xml><?xml version="1.0" encoding="utf-8"?>
+<file path=ppt/slides/slide47.xml><?xml version="1.0" encoding="utf-8"?>
 <p:sld xmlns:a="http://schemas.openxmlformats.org/drawingml/2006/main" xmlns:r="http://schemas.openxmlformats.org/officeDocument/2006/relationships" xmlns:p="http://schemas.openxmlformats.org/presentationml/2006/main">
   <p:cSld>
     <p:spTree>
@@ -32510,7 +33165,7 @@
 </p:sld>
 </file>
 
-<file path=ppt/slides/slide45.xml><?xml version="1.0" encoding="utf-8"?>
+<file path=ppt/slides/slide48.xml><?xml version="1.0" encoding="utf-8"?>
 <p:sld xmlns:a="http://schemas.openxmlformats.org/drawingml/2006/main" xmlns:r="http://schemas.openxmlformats.org/officeDocument/2006/relationships" xmlns:p="http://schemas.openxmlformats.org/presentationml/2006/main">
   <p:cSld>
     <p:spTree>
@@ -32963,7 +33618,7 @@
 </p:sld>
 </file>
 
-<file path=ppt/slides/slide46.xml><?xml version="1.0" encoding="utf-8"?>
+<file path=ppt/slides/slide49.xml><?xml version="1.0" encoding="utf-8"?>
 <p:sld xmlns:a="http://schemas.openxmlformats.org/drawingml/2006/main" xmlns:r="http://schemas.openxmlformats.org/officeDocument/2006/relationships" xmlns:p="http://schemas.openxmlformats.org/presentationml/2006/main">
   <p:cSld>
     <p:spTree>
@@ -33435,2928 +34090,6 @@
               <a:t>output</a:t>
             </a:r>
             <a:endParaRPr sz="1800">
-              <a:latin typeface="Calibri Light"/>
-              <a:cs typeface="Calibri Light"/>
-            </a:endParaRPr>
-          </a:p>
-        </p:txBody>
-      </p:sp>
-    </p:spTree>
-  </p:cSld>
-  <p:clrMapOvr>
-    <a:masterClrMapping/>
-  </p:clrMapOvr>
-</p:sld>
-</file>
-
-<file path=ppt/slides/slide47.xml><?xml version="1.0" encoding="utf-8"?>
-<p:sld xmlns:a="http://schemas.openxmlformats.org/drawingml/2006/main" xmlns:r="http://schemas.openxmlformats.org/officeDocument/2006/relationships" xmlns:p="http://schemas.openxmlformats.org/presentationml/2006/main">
-  <p:cSld>
-    <p:spTree>
-      <p:nvGrpSpPr>
-        <p:cNvPr id="1" name=""/>
-        <p:cNvGrpSpPr/>
-        <p:nvPr/>
-      </p:nvGrpSpPr>
-      <p:grpSpPr>
-        <a:xfrm>
-          <a:off x="0" y="0"/>
-          <a:ext cx="0" cy="0"/>
-          <a:chOff x="0" y="0"/>
-          <a:chExt cx="0" cy="0"/>
-        </a:xfrm>
-      </p:grpSpPr>
-      <p:sp>
-        <p:nvSpPr>
-          <p:cNvPr id="13" name="Title 12">
-            <a:extLst>
-              <a:ext uri="{FF2B5EF4-FFF2-40B4-BE49-F238E27FC236}">
-                <a16:creationId xmlns:a16="http://schemas.microsoft.com/office/drawing/2014/main" id="{526518CF-3A5E-6011-877D-3E5175B4F924}"/>
-              </a:ext>
-            </a:extLst>
-          </p:cNvPr>
-          <p:cNvSpPr>
-            <a:spLocks noGrp="1"/>
-          </p:cNvSpPr>
-          <p:nvPr>
-            <p:ph type="title"/>
-          </p:nvPr>
-        </p:nvSpPr>
-        <p:spPr/>
-        <p:txBody>
-          <a:bodyPr/>
-          <a:lstStyle/>
-          <a:p>
-            <a:r>
-              <a:rPr lang="en-US" dirty="0"/>
-              <a:t>Why are tokens important?</a:t>
-            </a:r>
-          </a:p>
-        </p:txBody>
-      </p:sp>
-      <p:sp>
-        <p:nvSpPr>
-          <p:cNvPr id="12" name="Content Placeholder 11">
-            <a:extLst>
-              <a:ext uri="{FF2B5EF4-FFF2-40B4-BE49-F238E27FC236}">
-                <a16:creationId xmlns:a16="http://schemas.microsoft.com/office/drawing/2014/main" id="{F536E235-40BE-12C9-43BE-25F3FF27BF1E}"/>
-              </a:ext>
-            </a:extLst>
-          </p:cNvPr>
-          <p:cNvSpPr>
-            <a:spLocks noGrp="1"/>
-          </p:cNvSpPr>
-          <p:nvPr>
-            <p:ph idx="1"/>
-          </p:nvPr>
-        </p:nvSpPr>
-        <p:spPr/>
-        <p:txBody>
-          <a:bodyPr/>
-          <a:lstStyle/>
-          <a:p>
-            <a:pPr marL="469265" indent="-456565">
-              <a:lnSpc>
-                <a:spcPct val="100000"/>
-              </a:lnSpc>
-              <a:spcBef>
-                <a:spcPts val="695"/>
-              </a:spcBef>
-              <a:buFont typeface="Arial MT"/>
-              <a:buChar char="•"/>
-              <a:tabLst>
-                <a:tab pos="469265" algn="l"/>
-              </a:tabLst>
-            </a:pPr>
-            <a:r>
-              <a:rPr lang="en-US" sz="2000" spc="-25" dirty="0">
-                <a:latin typeface="Calibri Light"/>
-                <a:cs typeface="Calibri Light"/>
-              </a:rPr>
-              <a:t>Context</a:t>
-            </a:r>
-            <a:r>
-              <a:rPr lang="en-US" sz="2000" spc="-110" dirty="0">
-                <a:latin typeface="Calibri Light"/>
-                <a:cs typeface="Calibri Light"/>
-              </a:rPr>
-              <a:t> </a:t>
-            </a:r>
-            <a:r>
-              <a:rPr lang="en-US" sz="2000" dirty="0">
-                <a:latin typeface="Calibri Light"/>
-                <a:cs typeface="Calibri Light"/>
-              </a:rPr>
-              <a:t>window</a:t>
-            </a:r>
-            <a:r>
-              <a:rPr lang="en-US" sz="2000" spc="-114" dirty="0">
-                <a:latin typeface="Calibri Light"/>
-                <a:cs typeface="Calibri Light"/>
-              </a:rPr>
-              <a:t> </a:t>
-            </a:r>
-            <a:r>
-              <a:rPr lang="en-US" sz="2000" dirty="0">
-                <a:latin typeface="Calibri Light"/>
-                <a:cs typeface="Calibri Light"/>
-              </a:rPr>
-              <a:t>in</a:t>
-            </a:r>
-            <a:r>
-              <a:rPr lang="en-US" sz="2000" spc="-85" dirty="0">
-                <a:latin typeface="Calibri Light"/>
-                <a:cs typeface="Calibri Light"/>
-              </a:rPr>
-              <a:t> </a:t>
-            </a:r>
-            <a:r>
-              <a:rPr lang="en-US" sz="2000" dirty="0">
-                <a:latin typeface="Calibri Light"/>
-                <a:cs typeface="Calibri Light"/>
-              </a:rPr>
-              <a:t>large</a:t>
-            </a:r>
-            <a:r>
-              <a:rPr lang="en-US" sz="2000" spc="-105" dirty="0">
-                <a:latin typeface="Calibri Light"/>
-                <a:cs typeface="Calibri Light"/>
-              </a:rPr>
-              <a:t> </a:t>
-            </a:r>
-            <a:r>
-              <a:rPr lang="en-US" sz="2000" spc="-10" dirty="0">
-                <a:latin typeface="Calibri Light"/>
-                <a:cs typeface="Calibri Light"/>
-              </a:rPr>
-              <a:t>language</a:t>
-            </a:r>
-            <a:r>
-              <a:rPr lang="en-US" sz="2000" spc="-130" dirty="0">
-                <a:latin typeface="Calibri Light"/>
-                <a:cs typeface="Calibri Light"/>
-              </a:rPr>
-              <a:t> </a:t>
-            </a:r>
-            <a:r>
-              <a:rPr lang="en-US" sz="2000" spc="-10" dirty="0">
-                <a:latin typeface="Calibri Light"/>
-                <a:cs typeface="Calibri Light"/>
-              </a:rPr>
-              <a:t>models</a:t>
-            </a:r>
-            <a:endParaRPr lang="en-US" sz="2000" dirty="0">
-              <a:latin typeface="Calibri Light"/>
-              <a:cs typeface="Calibri Light"/>
-            </a:endParaRPr>
-          </a:p>
-          <a:p>
-            <a:pPr marL="469265" indent="-456565">
-              <a:lnSpc>
-                <a:spcPct val="100000"/>
-              </a:lnSpc>
-              <a:spcBef>
-                <a:spcPts val="600"/>
-              </a:spcBef>
-              <a:buFont typeface="Arial MT"/>
-              <a:buChar char="•"/>
-              <a:tabLst>
-                <a:tab pos="469265" algn="l"/>
-              </a:tabLst>
-            </a:pPr>
-            <a:r>
-              <a:rPr lang="en-US" sz="2000" spc="-10" dirty="0">
-                <a:latin typeface="Calibri Light"/>
-                <a:cs typeface="Calibri Light"/>
-              </a:rPr>
-              <a:t>Length</a:t>
-            </a:r>
-            <a:r>
-              <a:rPr lang="en-US" sz="2000" spc="-120" dirty="0">
-                <a:latin typeface="Calibri Light"/>
-                <a:cs typeface="Calibri Light"/>
-              </a:rPr>
-              <a:t> </a:t>
-            </a:r>
-            <a:r>
-              <a:rPr lang="en-US" sz="2000" dirty="0">
-                <a:latin typeface="Calibri Light"/>
-                <a:cs typeface="Calibri Light"/>
-              </a:rPr>
-              <a:t>of</a:t>
-            </a:r>
-            <a:r>
-              <a:rPr lang="en-US" sz="2000" spc="-95" dirty="0">
-                <a:latin typeface="Calibri Light"/>
-                <a:cs typeface="Calibri Light"/>
-              </a:rPr>
-              <a:t> </a:t>
-            </a:r>
-            <a:r>
-              <a:rPr lang="en-US" sz="2000" dirty="0">
-                <a:latin typeface="Calibri Light"/>
-                <a:cs typeface="Calibri Light"/>
-              </a:rPr>
-              <a:t>text</a:t>
-            </a:r>
-            <a:r>
-              <a:rPr lang="en-US" sz="2000" spc="-105" dirty="0">
-                <a:latin typeface="Calibri Light"/>
-                <a:cs typeface="Calibri Light"/>
-              </a:rPr>
-              <a:t> </a:t>
-            </a:r>
-            <a:r>
-              <a:rPr lang="en-US" sz="2000" dirty="0">
-                <a:latin typeface="Calibri Light"/>
-                <a:cs typeface="Calibri Light"/>
-              </a:rPr>
-              <a:t>model</a:t>
-            </a:r>
-            <a:r>
-              <a:rPr lang="en-US" sz="2000" spc="-100" dirty="0">
-                <a:latin typeface="Calibri Light"/>
-                <a:cs typeface="Calibri Light"/>
-              </a:rPr>
-              <a:t> </a:t>
-            </a:r>
-            <a:r>
-              <a:rPr lang="en-US" sz="2000" dirty="0">
-                <a:latin typeface="Calibri Light"/>
-                <a:cs typeface="Calibri Light"/>
-              </a:rPr>
-              <a:t>can</a:t>
-            </a:r>
-            <a:r>
-              <a:rPr lang="en-US" sz="2000" spc="-100" dirty="0">
-                <a:latin typeface="Calibri Light"/>
-                <a:cs typeface="Calibri Light"/>
-              </a:rPr>
-              <a:t> </a:t>
-            </a:r>
-            <a:r>
-              <a:rPr lang="en-US" sz="2000" spc="-10" dirty="0">
-                <a:latin typeface="Calibri Light"/>
-                <a:cs typeface="Calibri Light"/>
-              </a:rPr>
-              <a:t>process</a:t>
-            </a:r>
-            <a:r>
-              <a:rPr lang="en-US" sz="2000" spc="-90" dirty="0">
-                <a:latin typeface="Calibri Light"/>
-                <a:cs typeface="Calibri Light"/>
-              </a:rPr>
-              <a:t> </a:t>
-            </a:r>
-            <a:r>
-              <a:rPr lang="en-US" sz="2000" dirty="0">
-                <a:latin typeface="Calibri Light"/>
-                <a:cs typeface="Calibri Light"/>
-              </a:rPr>
-              <a:t>and</a:t>
-            </a:r>
-            <a:r>
-              <a:rPr lang="en-US" sz="2000" spc="-100" dirty="0">
-                <a:latin typeface="Calibri Light"/>
-                <a:cs typeface="Calibri Light"/>
-              </a:rPr>
-              <a:t> </a:t>
-            </a:r>
-            <a:r>
-              <a:rPr lang="en-US" sz="2000" dirty="0">
-                <a:latin typeface="Calibri Light"/>
-                <a:cs typeface="Calibri Light"/>
-              </a:rPr>
-              <a:t>respond</a:t>
-            </a:r>
-            <a:r>
-              <a:rPr lang="en-US" sz="2000" spc="-80" dirty="0">
-                <a:latin typeface="Calibri Light"/>
-                <a:cs typeface="Calibri Light"/>
-              </a:rPr>
-              <a:t> </a:t>
-            </a:r>
-            <a:r>
-              <a:rPr lang="en-US" sz="2000" dirty="0">
-                <a:latin typeface="Calibri Light"/>
-                <a:cs typeface="Calibri Light"/>
-              </a:rPr>
-              <a:t>to</a:t>
-            </a:r>
-            <a:r>
-              <a:rPr lang="en-US" sz="2000" spc="-105" dirty="0">
-                <a:latin typeface="Calibri Light"/>
-                <a:cs typeface="Calibri Light"/>
-              </a:rPr>
-              <a:t> </a:t>
-            </a:r>
-            <a:r>
-              <a:rPr lang="en-US" sz="2000" dirty="0">
-                <a:latin typeface="Calibri Light"/>
-                <a:cs typeface="Calibri Light"/>
-              </a:rPr>
-              <a:t>in</a:t>
-            </a:r>
-            <a:r>
-              <a:rPr lang="en-US" sz="2000" spc="-90" dirty="0">
-                <a:latin typeface="Calibri Light"/>
-                <a:cs typeface="Calibri Light"/>
-              </a:rPr>
-              <a:t> </a:t>
-            </a:r>
-            <a:r>
-              <a:rPr lang="en-US" sz="2000" dirty="0">
-                <a:latin typeface="Calibri Light"/>
-                <a:cs typeface="Calibri Light"/>
-              </a:rPr>
-              <a:t>given</a:t>
-            </a:r>
-            <a:r>
-              <a:rPr lang="en-US" sz="2000" spc="-55" dirty="0">
-                <a:latin typeface="Calibri Light"/>
-                <a:cs typeface="Calibri Light"/>
-              </a:rPr>
-              <a:t> </a:t>
-            </a:r>
-            <a:r>
-              <a:rPr lang="en-US" sz="2000" spc="-10" dirty="0">
-                <a:latin typeface="Calibri Light"/>
-                <a:cs typeface="Calibri Light"/>
-              </a:rPr>
-              <a:t>instance</a:t>
-            </a:r>
-            <a:endParaRPr lang="en-US" sz="2000" dirty="0">
-              <a:latin typeface="Calibri Light"/>
-              <a:cs typeface="Calibri Light"/>
-            </a:endParaRPr>
-          </a:p>
-          <a:p>
-            <a:pPr marL="469265" indent="-456565">
-              <a:lnSpc>
-                <a:spcPct val="100000"/>
-              </a:lnSpc>
-              <a:spcBef>
-                <a:spcPts val="600"/>
-              </a:spcBef>
-              <a:buFont typeface="Arial MT"/>
-              <a:buChar char="•"/>
-              <a:tabLst>
-                <a:tab pos="469265" algn="l"/>
-              </a:tabLst>
-            </a:pPr>
-            <a:r>
-              <a:rPr lang="en-US" sz="2000" spc="-25" dirty="0">
-                <a:latin typeface="Calibri Light"/>
-                <a:cs typeface="Calibri Light"/>
-              </a:rPr>
-              <a:t>Constraints</a:t>
-            </a:r>
-            <a:r>
-              <a:rPr lang="en-US" sz="2000" spc="-135" dirty="0">
-                <a:latin typeface="Calibri Light"/>
-                <a:cs typeface="Calibri Light"/>
-              </a:rPr>
-              <a:t> </a:t>
-            </a:r>
-            <a:r>
-              <a:rPr lang="en-US" sz="2000" dirty="0">
-                <a:latin typeface="Calibri Light"/>
-                <a:cs typeface="Calibri Light"/>
-              </a:rPr>
-              <a:t>length</a:t>
-            </a:r>
-            <a:r>
-              <a:rPr lang="en-US" sz="2000" spc="-70" dirty="0">
-                <a:latin typeface="Calibri Light"/>
-                <a:cs typeface="Calibri Light"/>
-              </a:rPr>
-              <a:t> </a:t>
-            </a:r>
-            <a:r>
-              <a:rPr lang="en-US" sz="2000" dirty="0">
-                <a:latin typeface="Calibri Light"/>
-                <a:cs typeface="Calibri Light"/>
-              </a:rPr>
-              <a:t>of</a:t>
-            </a:r>
-            <a:r>
-              <a:rPr lang="en-US" sz="2000" spc="-65" dirty="0">
-                <a:latin typeface="Calibri Light"/>
-                <a:cs typeface="Calibri Light"/>
-              </a:rPr>
-              <a:t> </a:t>
-            </a:r>
-            <a:r>
-              <a:rPr lang="en-US" sz="2000" spc="-20" dirty="0">
-                <a:latin typeface="Calibri Light"/>
-                <a:cs typeface="Calibri Light"/>
-              </a:rPr>
-              <a:t>prompt</a:t>
-            </a:r>
-            <a:r>
-              <a:rPr lang="en-US" sz="2000" spc="-100" dirty="0">
-                <a:latin typeface="Calibri Light"/>
-                <a:cs typeface="Calibri Light"/>
-              </a:rPr>
-              <a:t> </a:t>
-            </a:r>
-            <a:r>
-              <a:rPr lang="en-US" sz="2000" dirty="0">
-                <a:latin typeface="Calibri Light"/>
-                <a:cs typeface="Calibri Light"/>
-              </a:rPr>
-              <a:t>and</a:t>
-            </a:r>
-            <a:r>
-              <a:rPr lang="en-US" sz="2000" spc="-75" dirty="0">
-                <a:latin typeface="Calibri Light"/>
-                <a:cs typeface="Calibri Light"/>
-              </a:rPr>
-              <a:t> </a:t>
-            </a:r>
-            <a:r>
-              <a:rPr lang="en-US" sz="2000" spc="-10" dirty="0">
-                <a:latin typeface="Calibri Light"/>
-                <a:cs typeface="Calibri Light"/>
-              </a:rPr>
-              <a:t>response</a:t>
-            </a:r>
-            <a:endParaRPr lang="en-US" sz="2000" dirty="0">
-              <a:latin typeface="Calibri Light"/>
-              <a:cs typeface="Calibri Light"/>
-            </a:endParaRPr>
-          </a:p>
-          <a:p>
-            <a:endParaRPr lang="en-US" dirty="0"/>
-          </a:p>
-        </p:txBody>
-      </p:sp>
-      <p:sp>
-        <p:nvSpPr>
-          <p:cNvPr id="4" name="object 4"/>
-          <p:cNvSpPr/>
-          <p:nvPr/>
-        </p:nvSpPr>
-        <p:spPr>
-          <a:xfrm>
-            <a:off x="2194560" y="4093464"/>
-            <a:ext cx="1645920" cy="646430"/>
-          </a:xfrm>
-          <a:custGeom>
-            <a:avLst/>
-            <a:gdLst/>
-            <a:ahLst/>
-            <a:cxnLst/>
-            <a:rect l="l" t="t" r="r" b="b"/>
-            <a:pathLst>
-              <a:path w="1645920" h="646429">
-                <a:moveTo>
-                  <a:pt x="0" y="645922"/>
-                </a:moveTo>
-                <a:lnTo>
-                  <a:pt x="1645919" y="645922"/>
-                </a:lnTo>
-                <a:lnTo>
-                  <a:pt x="1645919" y="0"/>
-                </a:lnTo>
-                <a:lnTo>
-                  <a:pt x="0" y="0"/>
-                </a:lnTo>
-                <a:lnTo>
-                  <a:pt x="0" y="645922"/>
-                </a:lnTo>
-                <a:close/>
-              </a:path>
-            </a:pathLst>
-          </a:custGeom>
-          <a:ln w="12700">
-            <a:solidFill>
-              <a:srgbClr val="4470C4"/>
-            </a:solidFill>
-          </a:ln>
-        </p:spPr>
-        <p:txBody>
-          <a:bodyPr wrap="square" lIns="0" tIns="0" rIns="0" bIns="0" rtlCol="0"/>
-          <a:lstStyle/>
-          <a:p>
-            <a:endParaRPr/>
-          </a:p>
-        </p:txBody>
-      </p:sp>
-      <p:sp>
-        <p:nvSpPr>
-          <p:cNvPr id="5" name="object 5"/>
-          <p:cNvSpPr/>
-          <p:nvPr/>
-        </p:nvSpPr>
-        <p:spPr>
-          <a:xfrm>
-            <a:off x="4433315" y="4093464"/>
-            <a:ext cx="4410710" cy="646430"/>
-          </a:xfrm>
-          <a:custGeom>
-            <a:avLst/>
-            <a:gdLst/>
-            <a:ahLst/>
-            <a:cxnLst/>
-            <a:rect l="l" t="t" r="r" b="b"/>
-            <a:pathLst>
-              <a:path w="4410709" h="646429">
-                <a:moveTo>
-                  <a:pt x="0" y="645922"/>
-                </a:moveTo>
-                <a:lnTo>
-                  <a:pt x="4410201" y="645922"/>
-                </a:lnTo>
-                <a:lnTo>
-                  <a:pt x="4410201" y="0"/>
-                </a:lnTo>
-                <a:lnTo>
-                  <a:pt x="0" y="0"/>
-                </a:lnTo>
-                <a:lnTo>
-                  <a:pt x="0" y="645922"/>
-                </a:lnTo>
-                <a:close/>
-              </a:path>
-            </a:pathLst>
-          </a:custGeom>
-          <a:ln w="12700">
-            <a:solidFill>
-              <a:srgbClr val="4470C4"/>
-            </a:solidFill>
-          </a:ln>
-        </p:spPr>
-        <p:txBody>
-          <a:bodyPr wrap="square" lIns="0" tIns="0" rIns="0" bIns="0" rtlCol="0"/>
-          <a:lstStyle/>
-          <a:p>
-            <a:endParaRPr/>
-          </a:p>
-        </p:txBody>
-      </p:sp>
-      <p:sp>
-        <p:nvSpPr>
-          <p:cNvPr id="6" name="object 6"/>
-          <p:cNvSpPr/>
-          <p:nvPr/>
-        </p:nvSpPr>
-        <p:spPr>
-          <a:xfrm>
-            <a:off x="2194560" y="5128259"/>
-            <a:ext cx="6649084" cy="565150"/>
-          </a:xfrm>
-          <a:custGeom>
-            <a:avLst/>
-            <a:gdLst/>
-            <a:ahLst/>
-            <a:cxnLst/>
-            <a:rect l="l" t="t" r="r" b="b"/>
-            <a:pathLst>
-              <a:path w="6649084" h="565150">
-                <a:moveTo>
-                  <a:pt x="6648704" y="0"/>
-                </a:moveTo>
-                <a:lnTo>
-                  <a:pt x="6647053" y="75056"/>
-                </a:lnTo>
-                <a:lnTo>
-                  <a:pt x="6642227" y="142620"/>
-                </a:lnTo>
-                <a:lnTo>
-                  <a:pt x="6634861" y="199770"/>
-                </a:lnTo>
-                <a:lnTo>
-                  <a:pt x="6625336" y="243966"/>
-                </a:lnTo>
-                <a:lnTo>
-                  <a:pt x="6601586" y="282447"/>
-                </a:lnTo>
-                <a:lnTo>
-                  <a:pt x="3371468" y="282447"/>
-                </a:lnTo>
-                <a:lnTo>
-                  <a:pt x="3358895" y="292607"/>
-                </a:lnTo>
-                <a:lnTo>
-                  <a:pt x="3338194" y="365251"/>
-                </a:lnTo>
-                <a:lnTo>
-                  <a:pt x="3330829" y="422401"/>
-                </a:lnTo>
-                <a:lnTo>
-                  <a:pt x="3326003" y="489940"/>
-                </a:lnTo>
-                <a:lnTo>
-                  <a:pt x="3324352" y="565022"/>
-                </a:lnTo>
-                <a:lnTo>
-                  <a:pt x="3322701" y="489940"/>
-                </a:lnTo>
-                <a:lnTo>
-                  <a:pt x="3317875" y="422401"/>
-                </a:lnTo>
-                <a:lnTo>
-                  <a:pt x="3310509" y="365251"/>
-                </a:lnTo>
-                <a:lnTo>
-                  <a:pt x="3300984" y="321055"/>
-                </a:lnTo>
-                <a:lnTo>
-                  <a:pt x="3277235" y="282447"/>
-                </a:lnTo>
-                <a:lnTo>
-                  <a:pt x="47116" y="282447"/>
-                </a:lnTo>
-                <a:lnTo>
-                  <a:pt x="34543" y="272414"/>
-                </a:lnTo>
-                <a:lnTo>
-                  <a:pt x="23367" y="243966"/>
-                </a:lnTo>
-                <a:lnTo>
-                  <a:pt x="13842" y="199770"/>
-                </a:lnTo>
-                <a:lnTo>
-                  <a:pt x="6476" y="142620"/>
-                </a:lnTo>
-                <a:lnTo>
-                  <a:pt x="1650" y="75056"/>
-                </a:lnTo>
-                <a:lnTo>
-                  <a:pt x="0" y="0"/>
-                </a:lnTo>
-              </a:path>
-            </a:pathLst>
-          </a:custGeom>
-          <a:ln w="12700">
-            <a:solidFill>
-              <a:srgbClr val="4470C4"/>
-            </a:solidFill>
-          </a:ln>
-        </p:spPr>
-        <p:txBody>
-          <a:bodyPr wrap="square" lIns="0" tIns="0" rIns="0" bIns="0" rtlCol="0"/>
-          <a:lstStyle/>
-          <a:p>
-            <a:endParaRPr/>
-          </a:p>
-        </p:txBody>
-      </p:sp>
-      <p:sp>
-        <p:nvSpPr>
-          <p:cNvPr id="7" name="object 7"/>
-          <p:cNvSpPr txBox="1"/>
-          <p:nvPr/>
-        </p:nvSpPr>
-        <p:spPr>
-          <a:xfrm>
-            <a:off x="2176398" y="3518153"/>
-            <a:ext cx="5846445" cy="330835"/>
-          </a:xfrm>
-          <a:prstGeom prst="rect">
-            <a:avLst/>
-          </a:prstGeom>
-        </p:spPr>
-        <p:txBody>
-          <a:bodyPr vert="horz" wrap="square" lIns="0" tIns="13335" rIns="0" bIns="0" rtlCol="0">
-            <a:spAutoFit/>
-          </a:bodyPr>
-          <a:lstStyle/>
-          <a:p>
-            <a:pPr marL="12700">
-              <a:lnSpc>
-                <a:spcPct val="100000"/>
-              </a:lnSpc>
-              <a:spcBef>
-                <a:spcPts val="105"/>
-              </a:spcBef>
-              <a:tabLst>
-                <a:tab pos="3084830" algn="l"/>
-              </a:tabLst>
-            </a:pPr>
-            <a:r>
-              <a:rPr sz="2000" spc="-25" dirty="0">
-                <a:latin typeface="Calibri Light"/>
-                <a:cs typeface="Calibri Light"/>
-              </a:rPr>
-              <a:t>Prompt</a:t>
-            </a:r>
-            <a:r>
-              <a:rPr sz="2000" spc="-65" dirty="0">
-                <a:latin typeface="Calibri Light"/>
-                <a:cs typeface="Calibri Light"/>
-              </a:rPr>
-              <a:t> </a:t>
-            </a:r>
-            <a:r>
-              <a:rPr sz="2000" spc="-10" dirty="0">
-                <a:latin typeface="Calibri Light"/>
-                <a:cs typeface="Calibri Light"/>
-              </a:rPr>
-              <a:t>(tokens)</a:t>
-            </a:r>
-            <a:r>
-              <a:rPr sz="2000" dirty="0">
-                <a:latin typeface="Calibri Light"/>
-                <a:cs typeface="Calibri Light"/>
-              </a:rPr>
-              <a:t>	</a:t>
-            </a:r>
-            <a:r>
-              <a:rPr sz="3000" spc="-30" baseline="1388" dirty="0">
-                <a:latin typeface="Calibri Light"/>
-                <a:cs typeface="Calibri Light"/>
-              </a:rPr>
-              <a:t>Response </a:t>
-            </a:r>
-            <a:r>
-              <a:rPr sz="3000" spc="-15" baseline="1388" dirty="0">
-                <a:latin typeface="Calibri Light"/>
-                <a:cs typeface="Calibri Light"/>
-              </a:rPr>
-              <a:t>(sampled</a:t>
-            </a:r>
-            <a:r>
-              <a:rPr sz="3000" spc="-60" baseline="1388" dirty="0">
-                <a:latin typeface="Calibri Light"/>
-                <a:cs typeface="Calibri Light"/>
-              </a:rPr>
-              <a:t> </a:t>
-            </a:r>
-            <a:r>
-              <a:rPr sz="3000" spc="-15" baseline="1388" dirty="0">
-                <a:latin typeface="Calibri Light"/>
-                <a:cs typeface="Calibri Light"/>
-              </a:rPr>
-              <a:t>tokens)</a:t>
-            </a:r>
-            <a:endParaRPr sz="3000" baseline="1388" dirty="0">
-              <a:latin typeface="Calibri Light"/>
-              <a:cs typeface="Calibri Light"/>
-            </a:endParaRPr>
-          </a:p>
-        </p:txBody>
-      </p:sp>
-      <p:sp>
-        <p:nvSpPr>
-          <p:cNvPr id="8" name="object 8"/>
-          <p:cNvSpPr txBox="1"/>
-          <p:nvPr/>
-        </p:nvSpPr>
-        <p:spPr>
-          <a:xfrm>
-            <a:off x="573735" y="5761431"/>
-            <a:ext cx="7740015" cy="835025"/>
-          </a:xfrm>
-          <a:prstGeom prst="rect">
-            <a:avLst/>
-          </a:prstGeom>
-        </p:spPr>
-        <p:txBody>
-          <a:bodyPr vert="horz" wrap="square" lIns="0" tIns="12700" rIns="0" bIns="0" rtlCol="0">
-            <a:spAutoFit/>
-          </a:bodyPr>
-          <a:lstStyle/>
-          <a:p>
-            <a:pPr marR="5080" algn="r">
-              <a:lnSpc>
-                <a:spcPct val="100000"/>
-              </a:lnSpc>
-              <a:spcBef>
-                <a:spcPts val="100"/>
-              </a:spcBef>
-            </a:pPr>
-            <a:r>
-              <a:rPr sz="2000" spc="-25" dirty="0">
-                <a:latin typeface="Calibri Light"/>
-                <a:cs typeface="Calibri Light"/>
-              </a:rPr>
-              <a:t>Context</a:t>
-            </a:r>
-            <a:r>
-              <a:rPr sz="2000" spc="-60" dirty="0">
-                <a:latin typeface="Calibri Light"/>
-                <a:cs typeface="Calibri Light"/>
-              </a:rPr>
-              <a:t> </a:t>
-            </a:r>
-            <a:r>
-              <a:rPr sz="2000" spc="-10" dirty="0">
-                <a:latin typeface="Calibri Light"/>
-                <a:cs typeface="Calibri Light"/>
-              </a:rPr>
-              <a:t>window</a:t>
-            </a:r>
-            <a:endParaRPr sz="2000">
-              <a:latin typeface="Calibri Light"/>
-              <a:cs typeface="Calibri Light"/>
-            </a:endParaRPr>
-          </a:p>
-          <a:p>
-            <a:pPr marL="12700">
-              <a:lnSpc>
-                <a:spcPct val="100000"/>
-              </a:lnSpc>
-              <a:spcBef>
-                <a:spcPts val="1810"/>
-              </a:spcBef>
-            </a:pPr>
-            <a:r>
-              <a:rPr sz="1800" spc="-20" dirty="0">
-                <a:latin typeface="Calibri Light"/>
-                <a:cs typeface="Calibri Light"/>
-              </a:rPr>
-              <a:t>ChatGPT-</a:t>
-            </a:r>
-            <a:r>
-              <a:rPr sz="1800" dirty="0">
-                <a:latin typeface="Calibri Light"/>
-                <a:cs typeface="Calibri Light"/>
-              </a:rPr>
-              <a:t>4</a:t>
-            </a:r>
-            <a:r>
-              <a:rPr sz="1800" spc="-55" dirty="0">
-                <a:latin typeface="Calibri Light"/>
-                <a:cs typeface="Calibri Light"/>
-              </a:rPr>
-              <a:t> </a:t>
-            </a:r>
-            <a:r>
-              <a:rPr sz="1800" spc="-20" dirty="0">
-                <a:latin typeface="Calibri Light"/>
-                <a:cs typeface="Calibri Light"/>
-              </a:rPr>
-              <a:t>currently</a:t>
-            </a:r>
-            <a:r>
-              <a:rPr sz="1800" spc="-45" dirty="0">
-                <a:latin typeface="Calibri Light"/>
-                <a:cs typeface="Calibri Light"/>
-              </a:rPr>
-              <a:t> </a:t>
-            </a:r>
-            <a:r>
-              <a:rPr sz="1800" dirty="0">
-                <a:latin typeface="Calibri Light"/>
-                <a:cs typeface="Calibri Light"/>
-              </a:rPr>
-              <a:t>has</a:t>
-            </a:r>
-            <a:r>
-              <a:rPr sz="1800" spc="10" dirty="0">
-                <a:latin typeface="Calibri Light"/>
-                <a:cs typeface="Calibri Light"/>
-              </a:rPr>
-              <a:t> </a:t>
-            </a:r>
-            <a:r>
-              <a:rPr sz="1800" dirty="0">
-                <a:latin typeface="Calibri Light"/>
-                <a:cs typeface="Calibri Light"/>
-              </a:rPr>
-              <a:t>a</a:t>
-            </a:r>
-            <a:r>
-              <a:rPr sz="1800" spc="-10" dirty="0">
-                <a:latin typeface="Calibri Light"/>
-                <a:cs typeface="Calibri Light"/>
-              </a:rPr>
-              <a:t> </a:t>
-            </a:r>
-            <a:r>
-              <a:rPr sz="1800" dirty="0">
-                <a:latin typeface="Calibri Light"/>
-                <a:cs typeface="Calibri Light"/>
-              </a:rPr>
-              <a:t>cap</a:t>
-            </a:r>
-            <a:r>
-              <a:rPr sz="1800" spc="-50" dirty="0">
-                <a:latin typeface="Calibri Light"/>
-                <a:cs typeface="Calibri Light"/>
-              </a:rPr>
-              <a:t> </a:t>
-            </a:r>
-            <a:r>
-              <a:rPr sz="1800" spc="-20" dirty="0">
-                <a:latin typeface="Calibri Light"/>
-                <a:cs typeface="Calibri Light"/>
-              </a:rPr>
-              <a:t>related</a:t>
-            </a:r>
-            <a:r>
-              <a:rPr sz="1800" spc="-30" dirty="0">
-                <a:latin typeface="Calibri Light"/>
-                <a:cs typeface="Calibri Light"/>
-              </a:rPr>
-              <a:t> </a:t>
-            </a:r>
-            <a:r>
-              <a:rPr sz="1800" dirty="0">
-                <a:latin typeface="Calibri Light"/>
-                <a:cs typeface="Calibri Light"/>
-              </a:rPr>
-              <a:t>to</a:t>
-            </a:r>
-            <a:r>
-              <a:rPr sz="1800" spc="-40" dirty="0">
-                <a:latin typeface="Calibri Light"/>
-                <a:cs typeface="Calibri Light"/>
-              </a:rPr>
-              <a:t> </a:t>
-            </a:r>
-            <a:r>
-              <a:rPr sz="1800" dirty="0">
-                <a:latin typeface="Calibri Light"/>
-                <a:cs typeface="Calibri Light"/>
-              </a:rPr>
-              <a:t>message</a:t>
-            </a:r>
-            <a:r>
-              <a:rPr sz="1800" spc="-40" dirty="0">
-                <a:latin typeface="Calibri Light"/>
-                <a:cs typeface="Calibri Light"/>
-              </a:rPr>
-              <a:t> </a:t>
-            </a:r>
-            <a:r>
-              <a:rPr sz="1800" dirty="0">
-                <a:latin typeface="Calibri Light"/>
-                <a:cs typeface="Calibri Light"/>
-              </a:rPr>
-              <a:t>frequency</a:t>
-            </a:r>
-            <a:r>
-              <a:rPr sz="1800" spc="-60" dirty="0">
-                <a:latin typeface="Calibri Light"/>
-                <a:cs typeface="Calibri Light"/>
-              </a:rPr>
-              <a:t> </a:t>
-            </a:r>
-            <a:r>
-              <a:rPr sz="1800" dirty="0">
-                <a:latin typeface="Calibri Light"/>
-                <a:cs typeface="Calibri Light"/>
-              </a:rPr>
-              <a:t>–</a:t>
-            </a:r>
-            <a:r>
-              <a:rPr sz="1800" spc="-25" dirty="0">
-                <a:latin typeface="Calibri Light"/>
-                <a:cs typeface="Calibri Light"/>
-              </a:rPr>
-              <a:t> </a:t>
-            </a:r>
-            <a:r>
-              <a:rPr sz="1800" dirty="0">
-                <a:latin typeface="Calibri Light"/>
-                <a:cs typeface="Calibri Light"/>
-              </a:rPr>
-              <a:t>128,000</a:t>
-            </a:r>
-            <a:r>
-              <a:rPr sz="1800" spc="-50" dirty="0">
-                <a:latin typeface="Calibri Light"/>
-                <a:cs typeface="Calibri Light"/>
-              </a:rPr>
-              <a:t> </a:t>
-            </a:r>
-            <a:r>
-              <a:rPr sz="1800" spc="-10" dirty="0">
-                <a:latin typeface="Calibri Light"/>
-                <a:cs typeface="Calibri Light"/>
-              </a:rPr>
-              <a:t>tokens</a:t>
-            </a:r>
-            <a:endParaRPr sz="1800">
-              <a:latin typeface="Calibri Light"/>
-              <a:cs typeface="Calibri Light"/>
-            </a:endParaRPr>
-          </a:p>
-        </p:txBody>
-      </p:sp>
-      <p:sp>
-        <p:nvSpPr>
-          <p:cNvPr id="9" name="object 9"/>
-          <p:cNvSpPr txBox="1"/>
-          <p:nvPr/>
-        </p:nvSpPr>
-        <p:spPr>
-          <a:xfrm>
-            <a:off x="9390888" y="3715511"/>
-            <a:ext cx="2382520" cy="1713230"/>
-          </a:xfrm>
-          <a:prstGeom prst="rect">
-            <a:avLst/>
-          </a:prstGeom>
-          <a:ln w="12700">
-            <a:solidFill>
-              <a:srgbClr val="000000"/>
-            </a:solidFill>
-          </a:ln>
-        </p:spPr>
-        <p:txBody>
-          <a:bodyPr vert="horz" wrap="square" lIns="0" tIns="141605" rIns="0" bIns="0" rtlCol="0">
-            <a:spAutoFit/>
-          </a:bodyPr>
-          <a:lstStyle/>
-          <a:p>
-            <a:pPr marL="92075">
-              <a:lnSpc>
-                <a:spcPct val="100000"/>
-              </a:lnSpc>
-              <a:spcBef>
-                <a:spcPts val="1115"/>
-              </a:spcBef>
-            </a:pPr>
-            <a:r>
-              <a:rPr sz="1800" spc="-20" dirty="0">
-                <a:latin typeface="Calibri Light"/>
-                <a:cs typeface="Calibri Light"/>
-              </a:rPr>
-              <a:t>gpt-</a:t>
-            </a:r>
-            <a:r>
-              <a:rPr sz="1800" dirty="0">
-                <a:latin typeface="Calibri Light"/>
-                <a:cs typeface="Calibri Light"/>
-              </a:rPr>
-              <a:t>4</a:t>
-            </a:r>
-            <a:r>
-              <a:rPr sz="1800" spc="-40" dirty="0">
-                <a:latin typeface="Calibri Light"/>
-                <a:cs typeface="Calibri Light"/>
-              </a:rPr>
-              <a:t> </a:t>
-            </a:r>
-            <a:r>
-              <a:rPr sz="1800" dirty="0">
-                <a:latin typeface="Calibri Light"/>
-                <a:cs typeface="Calibri Light"/>
-              </a:rPr>
-              <a:t>8000</a:t>
-            </a:r>
-            <a:r>
-              <a:rPr sz="1800" spc="-25" dirty="0">
-                <a:latin typeface="Calibri Light"/>
-                <a:cs typeface="Calibri Light"/>
-              </a:rPr>
-              <a:t> </a:t>
-            </a:r>
-            <a:r>
-              <a:rPr sz="1800" spc="-10" dirty="0">
-                <a:latin typeface="Calibri Light"/>
-                <a:cs typeface="Calibri Light"/>
-              </a:rPr>
-              <a:t>tokens</a:t>
-            </a:r>
-            <a:endParaRPr sz="1800" dirty="0">
-              <a:latin typeface="Calibri Light"/>
-              <a:cs typeface="Calibri Light"/>
-            </a:endParaRPr>
-          </a:p>
-          <a:p>
-            <a:pPr marL="92075">
-              <a:lnSpc>
-                <a:spcPct val="100000"/>
-              </a:lnSpc>
-            </a:pPr>
-            <a:r>
-              <a:rPr sz="1800" spc="-20" dirty="0">
-                <a:latin typeface="Calibri Light"/>
-                <a:cs typeface="Calibri Light"/>
-              </a:rPr>
-              <a:t>gpt-</a:t>
-            </a:r>
-            <a:r>
-              <a:rPr sz="1800" spc="-10" dirty="0">
-                <a:latin typeface="Calibri Light"/>
-                <a:cs typeface="Calibri Light"/>
-              </a:rPr>
-              <a:t>4-</a:t>
-            </a:r>
-            <a:r>
-              <a:rPr sz="1800" dirty="0">
-                <a:latin typeface="Calibri Light"/>
-                <a:cs typeface="Calibri Light"/>
-              </a:rPr>
-              <a:t>32k</a:t>
-            </a:r>
-            <a:r>
-              <a:rPr sz="1800" spc="-70" dirty="0">
-                <a:latin typeface="Calibri Light"/>
-                <a:cs typeface="Calibri Light"/>
-              </a:rPr>
-              <a:t> </a:t>
-            </a:r>
-            <a:r>
-              <a:rPr sz="1800" dirty="0">
-                <a:latin typeface="Calibri Light"/>
-                <a:cs typeface="Calibri Light"/>
-              </a:rPr>
-              <a:t>32000</a:t>
-            </a:r>
-            <a:r>
-              <a:rPr sz="1800" spc="-30" dirty="0">
-                <a:latin typeface="Calibri Light"/>
-                <a:cs typeface="Calibri Light"/>
-              </a:rPr>
-              <a:t> </a:t>
-            </a:r>
-            <a:r>
-              <a:rPr sz="1800" spc="-10" dirty="0">
-                <a:latin typeface="Calibri Light"/>
-                <a:cs typeface="Calibri Light"/>
-              </a:rPr>
-              <a:t>tokens</a:t>
-            </a:r>
-            <a:endParaRPr sz="1800" dirty="0">
-              <a:latin typeface="Calibri Light"/>
-              <a:cs typeface="Calibri Light"/>
-            </a:endParaRPr>
-          </a:p>
-          <a:p>
-            <a:pPr marL="92075">
-              <a:lnSpc>
-                <a:spcPct val="100000"/>
-              </a:lnSpc>
-              <a:spcBef>
-                <a:spcPts val="2100"/>
-              </a:spcBef>
-            </a:pPr>
-            <a:r>
-              <a:rPr sz="1800" spc="-20" dirty="0">
-                <a:latin typeface="Calibri Light"/>
-                <a:cs typeface="Calibri Light"/>
-              </a:rPr>
-              <a:t>gpt-</a:t>
-            </a:r>
-            <a:r>
-              <a:rPr sz="1800" dirty="0">
-                <a:latin typeface="Calibri Light"/>
-                <a:cs typeface="Calibri Light"/>
-              </a:rPr>
-              <a:t>4</a:t>
-            </a:r>
-            <a:r>
-              <a:rPr sz="1800" spc="-20" dirty="0">
-                <a:latin typeface="Calibri Light"/>
-                <a:cs typeface="Calibri Light"/>
-              </a:rPr>
-              <a:t> </a:t>
-            </a:r>
-            <a:r>
-              <a:rPr sz="1800" dirty="0">
-                <a:latin typeface="Calibri Light"/>
-                <a:cs typeface="Calibri Light"/>
-              </a:rPr>
-              <a:t>6000</a:t>
-            </a:r>
-            <a:r>
-              <a:rPr sz="1800" spc="-15" dirty="0">
-                <a:latin typeface="Calibri Light"/>
-                <a:cs typeface="Calibri Light"/>
-              </a:rPr>
-              <a:t> </a:t>
-            </a:r>
-            <a:r>
-              <a:rPr sz="1800" spc="-20" dirty="0">
-                <a:latin typeface="Calibri Light"/>
-                <a:cs typeface="Calibri Light"/>
-              </a:rPr>
-              <a:t>words</a:t>
-            </a:r>
-            <a:endParaRPr sz="1800" dirty="0">
-              <a:latin typeface="Calibri Light"/>
-              <a:cs typeface="Calibri Light"/>
-            </a:endParaRPr>
-          </a:p>
-          <a:p>
-            <a:pPr marL="92075">
-              <a:lnSpc>
-                <a:spcPct val="100000"/>
-              </a:lnSpc>
-              <a:spcBef>
-                <a:spcPts val="5"/>
-              </a:spcBef>
-            </a:pPr>
-            <a:r>
-              <a:rPr sz="1800" spc="-20" dirty="0">
-                <a:latin typeface="Calibri Light"/>
-                <a:cs typeface="Calibri Light"/>
-              </a:rPr>
-              <a:t>gpt-</a:t>
-            </a:r>
-            <a:r>
-              <a:rPr sz="1800" spc="-10" dirty="0">
-                <a:latin typeface="Calibri Light"/>
-                <a:cs typeface="Calibri Light"/>
-              </a:rPr>
-              <a:t>4-</a:t>
-            </a:r>
-            <a:r>
-              <a:rPr sz="1800" dirty="0">
-                <a:latin typeface="Calibri Light"/>
-                <a:cs typeface="Calibri Light"/>
-              </a:rPr>
-              <a:t>32k</a:t>
-            </a:r>
-            <a:r>
-              <a:rPr sz="1800" spc="-70" dirty="0">
-                <a:latin typeface="Calibri Light"/>
-                <a:cs typeface="Calibri Light"/>
-              </a:rPr>
-              <a:t> </a:t>
-            </a:r>
-            <a:r>
-              <a:rPr sz="1800" dirty="0">
-                <a:latin typeface="Calibri Light"/>
-                <a:cs typeface="Calibri Light"/>
-              </a:rPr>
-              <a:t>24000</a:t>
-            </a:r>
-            <a:r>
-              <a:rPr sz="1800" spc="-40" dirty="0">
-                <a:latin typeface="Calibri Light"/>
-                <a:cs typeface="Calibri Light"/>
-              </a:rPr>
-              <a:t> </a:t>
-            </a:r>
-            <a:r>
-              <a:rPr sz="1800" spc="-10" dirty="0">
-                <a:latin typeface="Calibri Light"/>
-                <a:cs typeface="Calibri Light"/>
-              </a:rPr>
-              <a:t>words</a:t>
-            </a:r>
-            <a:endParaRPr sz="1800" dirty="0">
-              <a:latin typeface="Calibri Light"/>
-              <a:cs typeface="Calibri Light"/>
-            </a:endParaRPr>
-          </a:p>
-        </p:txBody>
-      </p:sp>
-      <p:pic>
-        <p:nvPicPr>
-          <p:cNvPr id="10" name="object 10"/>
-          <p:cNvPicPr/>
-          <p:nvPr/>
-        </p:nvPicPr>
-        <p:blipFill>
-          <a:blip r:embed="rId2" cstate="print"/>
-          <a:stretch>
-            <a:fillRect/>
-          </a:stretch>
-        </p:blipFill>
-        <p:spPr>
-          <a:xfrm>
-            <a:off x="9445891" y="5562600"/>
-            <a:ext cx="2327008" cy="701040"/>
-          </a:xfrm>
-          <a:prstGeom prst="rect">
-            <a:avLst/>
-          </a:prstGeom>
-        </p:spPr>
-      </p:pic>
-      <p:sp>
-        <p:nvSpPr>
-          <p:cNvPr id="11" name="object 11"/>
-          <p:cNvSpPr txBox="1"/>
-          <p:nvPr/>
-        </p:nvSpPr>
-        <p:spPr>
-          <a:xfrm>
-            <a:off x="9300209" y="6600545"/>
-            <a:ext cx="2701925" cy="147955"/>
-          </a:xfrm>
-          <a:prstGeom prst="rect">
-            <a:avLst/>
-          </a:prstGeom>
-        </p:spPr>
-        <p:txBody>
-          <a:bodyPr vert="horz" wrap="square" lIns="0" tIns="12700" rIns="0" bIns="0" rtlCol="0">
-            <a:spAutoFit/>
-          </a:bodyPr>
-          <a:lstStyle/>
-          <a:p>
-            <a:pPr marL="12700">
-              <a:lnSpc>
-                <a:spcPct val="100000"/>
-              </a:lnSpc>
-              <a:spcBef>
-                <a:spcPts val="100"/>
-              </a:spcBef>
-            </a:pPr>
-            <a:r>
-              <a:rPr sz="800" u="sng" spc="-10" dirty="0">
-                <a:uFill>
-                  <a:solidFill>
-                    <a:srgbClr val="000000"/>
-                  </a:solidFill>
-                </a:uFill>
-                <a:latin typeface="Calibri Light"/>
-                <a:cs typeface="Calibri Light"/>
-                <a:hlinkClick r:id="rId3"/>
-              </a:rPr>
-              <a:t>https://platform.openai.com/docs/models/gpt-4-and-gpt-4-turbo</a:t>
-            </a:r>
-            <a:endParaRPr sz="800">
-              <a:latin typeface="Calibri Light"/>
-              <a:cs typeface="Calibri Light"/>
-            </a:endParaRPr>
-          </a:p>
-        </p:txBody>
-      </p:sp>
-    </p:spTree>
-  </p:cSld>
-  <p:clrMapOvr>
-    <a:masterClrMapping/>
-  </p:clrMapOvr>
-</p:sld>
-</file>
-
-<file path=ppt/slides/slide48.xml><?xml version="1.0" encoding="utf-8"?>
-<p:sld xmlns:a="http://schemas.openxmlformats.org/drawingml/2006/main" xmlns:r="http://schemas.openxmlformats.org/officeDocument/2006/relationships" xmlns:p="http://schemas.openxmlformats.org/presentationml/2006/main">
-  <p:cSld>
-    <p:spTree>
-      <p:nvGrpSpPr>
-        <p:cNvPr id="1" name=""/>
-        <p:cNvGrpSpPr/>
-        <p:nvPr/>
-      </p:nvGrpSpPr>
-      <p:grpSpPr>
-        <a:xfrm>
-          <a:off x="0" y="0"/>
-          <a:ext cx="0" cy="0"/>
-          <a:chOff x="0" y="0"/>
-          <a:chExt cx="0" cy="0"/>
-        </a:xfrm>
-      </p:grpSpPr>
-      <p:sp>
-        <p:nvSpPr>
-          <p:cNvPr id="2" name="object 2"/>
-          <p:cNvSpPr txBox="1">
-            <a:spLocks noGrp="1"/>
-          </p:cNvSpPr>
-          <p:nvPr>
-            <p:ph type="title"/>
-          </p:nvPr>
-        </p:nvSpPr>
-        <p:spPr>
-          <a:prstGeom prst="rect">
-            <a:avLst/>
-          </a:prstGeom>
-        </p:spPr>
-        <p:txBody>
-          <a:bodyPr vert="horz" wrap="square" lIns="0" tIns="314832" rIns="0" bIns="0" rtlCol="0">
-            <a:spAutoFit/>
-          </a:bodyPr>
-          <a:lstStyle/>
-          <a:p>
-            <a:pPr marL="206375">
-              <a:lnSpc>
-                <a:spcPct val="100000"/>
-              </a:lnSpc>
-              <a:spcBef>
-                <a:spcPts val="95"/>
-              </a:spcBef>
-            </a:pPr>
-            <a:r>
-              <a:rPr dirty="0"/>
-              <a:t>Cost</a:t>
-            </a:r>
-            <a:r>
-              <a:rPr spc="-55" dirty="0"/>
-              <a:t> </a:t>
-            </a:r>
-            <a:r>
-              <a:rPr dirty="0"/>
-              <a:t>is</a:t>
-            </a:r>
-            <a:r>
-              <a:rPr spc="-70" dirty="0"/>
-              <a:t> </a:t>
-            </a:r>
-            <a:r>
-              <a:rPr dirty="0"/>
-              <a:t>based</a:t>
-            </a:r>
-            <a:r>
-              <a:rPr spc="-100" dirty="0"/>
-              <a:t> </a:t>
-            </a:r>
-            <a:r>
-              <a:rPr dirty="0"/>
-              <a:t>on</a:t>
-            </a:r>
-            <a:r>
-              <a:rPr spc="-85" dirty="0"/>
-              <a:t> </a:t>
-            </a:r>
-            <a:r>
-              <a:rPr dirty="0"/>
-              <a:t>tokens</a:t>
-            </a:r>
-            <a:r>
-              <a:rPr spc="-75" dirty="0"/>
-              <a:t> </a:t>
-            </a:r>
-            <a:r>
-              <a:rPr spc="-20" dirty="0"/>
-              <a:t>used</a:t>
-            </a:r>
-          </a:p>
-        </p:txBody>
-      </p:sp>
-      <p:sp>
-        <p:nvSpPr>
-          <p:cNvPr id="7" name="Content Placeholder 6">
-            <a:extLst>
-              <a:ext uri="{FF2B5EF4-FFF2-40B4-BE49-F238E27FC236}">
-                <a16:creationId xmlns:a16="http://schemas.microsoft.com/office/drawing/2014/main" id="{A5AC503C-3221-5C95-8FDA-735E0F06A6CE}"/>
-              </a:ext>
-            </a:extLst>
-          </p:cNvPr>
-          <p:cNvSpPr>
-            <a:spLocks noGrp="1"/>
-          </p:cNvSpPr>
-          <p:nvPr>
-            <p:ph idx="1"/>
-          </p:nvPr>
-        </p:nvSpPr>
-        <p:spPr/>
-        <p:txBody>
-          <a:bodyPr/>
-          <a:lstStyle/>
-          <a:p>
-            <a:endParaRPr lang="en-US"/>
-          </a:p>
-        </p:txBody>
-      </p:sp>
-      <p:sp>
-        <p:nvSpPr>
-          <p:cNvPr id="3" name="object 3"/>
-          <p:cNvSpPr txBox="1"/>
-          <p:nvPr/>
-        </p:nvSpPr>
-        <p:spPr>
-          <a:xfrm>
-            <a:off x="797458" y="6078728"/>
-            <a:ext cx="5228590" cy="239395"/>
-          </a:xfrm>
-          <a:prstGeom prst="rect">
-            <a:avLst/>
-          </a:prstGeom>
-        </p:spPr>
-        <p:txBody>
-          <a:bodyPr vert="horz" wrap="square" lIns="0" tIns="12700" rIns="0" bIns="0" rtlCol="0">
-            <a:spAutoFit/>
-          </a:bodyPr>
-          <a:lstStyle/>
-          <a:p>
-            <a:pPr marL="12700">
-              <a:lnSpc>
-                <a:spcPct val="100000"/>
-              </a:lnSpc>
-              <a:spcBef>
-                <a:spcPts val="100"/>
-              </a:spcBef>
-            </a:pPr>
-            <a:r>
-              <a:rPr sz="1400" u="sng" spc="-20" dirty="0">
-                <a:solidFill>
-                  <a:srgbClr val="0000FF"/>
-                </a:solidFill>
-                <a:uFill>
-                  <a:solidFill>
-                    <a:srgbClr val="0461C1"/>
-                  </a:solidFill>
-                </a:uFill>
-                <a:latin typeface="Calibri Light"/>
-                <a:cs typeface="Calibri Light"/>
-                <a:hlinkClick r:id="rId2"/>
-              </a:rPr>
-              <a:t>https://help.openai.com/en/articles/7127956-how-</a:t>
-            </a:r>
-            <a:r>
-              <a:rPr sz="1400" u="sng" spc="-10" dirty="0">
-                <a:solidFill>
-                  <a:srgbClr val="0000FF"/>
-                </a:solidFill>
-                <a:uFill>
-                  <a:solidFill>
-                    <a:srgbClr val="0461C1"/>
-                  </a:solidFill>
-                </a:uFill>
-                <a:latin typeface="Calibri Light"/>
-                <a:cs typeface="Calibri Light"/>
-                <a:hlinkClick r:id="rId2"/>
-              </a:rPr>
-              <a:t>much-</a:t>
-            </a:r>
-            <a:r>
-              <a:rPr sz="1400" u="sng" spc="-20" dirty="0">
-                <a:solidFill>
-                  <a:srgbClr val="0000FF"/>
-                </a:solidFill>
-                <a:uFill>
-                  <a:solidFill>
-                    <a:srgbClr val="0461C1"/>
-                  </a:solidFill>
-                </a:uFill>
-                <a:latin typeface="Calibri Light"/>
-                <a:cs typeface="Calibri Light"/>
-                <a:hlinkClick r:id="rId2"/>
-              </a:rPr>
-              <a:t>does-</a:t>
-            </a:r>
-            <a:r>
-              <a:rPr sz="1400" u="sng" spc="-10" dirty="0">
-                <a:solidFill>
-                  <a:srgbClr val="0000FF"/>
-                </a:solidFill>
-                <a:uFill>
-                  <a:solidFill>
-                    <a:srgbClr val="0461C1"/>
-                  </a:solidFill>
-                </a:uFill>
-                <a:latin typeface="Calibri Light"/>
-                <a:cs typeface="Calibri Light"/>
-                <a:hlinkClick r:id="rId2"/>
-              </a:rPr>
-              <a:t>gpt-</a:t>
-            </a:r>
-            <a:r>
-              <a:rPr sz="1400" u="sng" spc="-25" dirty="0">
-                <a:solidFill>
-                  <a:srgbClr val="0000FF"/>
-                </a:solidFill>
-                <a:uFill>
-                  <a:solidFill>
-                    <a:srgbClr val="0461C1"/>
-                  </a:solidFill>
-                </a:uFill>
-                <a:latin typeface="Calibri Light"/>
-                <a:cs typeface="Calibri Light"/>
-                <a:hlinkClick r:id="rId2"/>
-              </a:rPr>
-              <a:t>4-</a:t>
-            </a:r>
-            <a:r>
-              <a:rPr sz="1400" u="sng" spc="-20" dirty="0">
-                <a:solidFill>
-                  <a:srgbClr val="0000FF"/>
-                </a:solidFill>
-                <a:uFill>
-                  <a:solidFill>
-                    <a:srgbClr val="0461C1"/>
-                  </a:solidFill>
-                </a:uFill>
-                <a:latin typeface="Calibri Light"/>
-                <a:cs typeface="Calibri Light"/>
-                <a:hlinkClick r:id="rId2"/>
-              </a:rPr>
-              <a:t>cost</a:t>
-            </a:r>
-            <a:endParaRPr sz="1400">
-              <a:latin typeface="Calibri Light"/>
-              <a:cs typeface="Calibri Light"/>
-            </a:endParaRPr>
-          </a:p>
-        </p:txBody>
-      </p:sp>
-      <p:sp>
-        <p:nvSpPr>
-          <p:cNvPr id="4" name="object 4"/>
-          <p:cNvSpPr txBox="1"/>
-          <p:nvPr/>
-        </p:nvSpPr>
-        <p:spPr>
-          <a:xfrm>
-            <a:off x="7544181" y="6078728"/>
-            <a:ext cx="3453765" cy="239395"/>
-          </a:xfrm>
-          <a:prstGeom prst="rect">
-            <a:avLst/>
-          </a:prstGeom>
-        </p:spPr>
-        <p:txBody>
-          <a:bodyPr vert="horz" wrap="square" lIns="0" tIns="12700" rIns="0" bIns="0" rtlCol="0">
-            <a:spAutoFit/>
-          </a:bodyPr>
-          <a:lstStyle/>
-          <a:p>
-            <a:pPr marL="12700">
-              <a:lnSpc>
-                <a:spcPct val="100000"/>
-              </a:lnSpc>
-              <a:spcBef>
-                <a:spcPts val="100"/>
-              </a:spcBef>
-            </a:pPr>
-            <a:r>
-              <a:rPr sz="1400" u="sng" spc="-20" dirty="0">
-                <a:solidFill>
-                  <a:srgbClr val="0000FF"/>
-                </a:solidFill>
-                <a:uFill>
-                  <a:solidFill>
-                    <a:srgbClr val="0461C1"/>
-                  </a:solidFill>
-                </a:uFill>
-                <a:latin typeface="Calibri Light"/>
-                <a:cs typeface="Calibri Light"/>
-                <a:hlinkClick r:id="rId3"/>
-              </a:rPr>
-              <a:t>https://invertedstone.com/tools/openai-</a:t>
-            </a:r>
-            <a:r>
-              <a:rPr sz="1400" u="sng" spc="-10" dirty="0">
-                <a:solidFill>
-                  <a:srgbClr val="0000FF"/>
-                </a:solidFill>
-                <a:uFill>
-                  <a:solidFill>
-                    <a:srgbClr val="0461C1"/>
-                  </a:solidFill>
-                </a:uFill>
-                <a:latin typeface="Calibri Light"/>
-                <a:cs typeface="Calibri Light"/>
-                <a:hlinkClick r:id="rId3"/>
-              </a:rPr>
-              <a:t>pricing/</a:t>
-            </a:r>
-            <a:endParaRPr sz="1400">
-              <a:latin typeface="Calibri Light"/>
-              <a:cs typeface="Calibri Light"/>
-            </a:endParaRPr>
-          </a:p>
-        </p:txBody>
-      </p:sp>
-      <p:pic>
-        <p:nvPicPr>
-          <p:cNvPr id="5" name="object 5"/>
-          <p:cNvPicPr/>
-          <p:nvPr/>
-        </p:nvPicPr>
-        <p:blipFill>
-          <a:blip r:embed="rId4" cstate="print"/>
-          <a:stretch>
-            <a:fillRect/>
-          </a:stretch>
-        </p:blipFill>
-        <p:spPr>
-          <a:xfrm>
-            <a:off x="7620000" y="1905000"/>
-            <a:ext cx="2831592" cy="3794760"/>
-          </a:xfrm>
-          <a:prstGeom prst="rect">
-            <a:avLst/>
-          </a:prstGeom>
-        </p:spPr>
-      </p:pic>
-      <p:pic>
-        <p:nvPicPr>
-          <p:cNvPr id="6" name="object 6"/>
-          <p:cNvPicPr/>
-          <p:nvPr/>
-        </p:nvPicPr>
-        <p:blipFill>
-          <a:blip r:embed="rId5" cstate="print"/>
-          <a:stretch>
-            <a:fillRect/>
-          </a:stretch>
-        </p:blipFill>
-        <p:spPr>
-          <a:xfrm>
-            <a:off x="714195" y="1574025"/>
-            <a:ext cx="4655843" cy="4272454"/>
-          </a:xfrm>
-          <a:prstGeom prst="rect">
-            <a:avLst/>
-          </a:prstGeom>
-        </p:spPr>
-      </p:pic>
-    </p:spTree>
-  </p:cSld>
-  <p:clrMapOvr>
-    <a:masterClrMapping/>
-  </p:clrMapOvr>
-</p:sld>
-</file>
-
-<file path=ppt/slides/slide49.xml><?xml version="1.0" encoding="utf-8"?>
-<p:sld xmlns:a="http://schemas.openxmlformats.org/drawingml/2006/main" xmlns:r="http://schemas.openxmlformats.org/officeDocument/2006/relationships" xmlns:p="http://schemas.openxmlformats.org/presentationml/2006/main">
-  <p:cSld>
-    <p:spTree>
-      <p:nvGrpSpPr>
-        <p:cNvPr id="1" name=""/>
-        <p:cNvGrpSpPr/>
-        <p:nvPr/>
-      </p:nvGrpSpPr>
-      <p:grpSpPr>
-        <a:xfrm>
-          <a:off x="0" y="0"/>
-          <a:ext cx="0" cy="0"/>
-          <a:chOff x="0" y="0"/>
-          <a:chExt cx="0" cy="0"/>
-        </a:xfrm>
-      </p:grpSpPr>
-      <p:sp>
-        <p:nvSpPr>
-          <p:cNvPr id="2" name="object 2"/>
-          <p:cNvSpPr txBox="1">
-            <a:spLocks noGrp="1"/>
-          </p:cNvSpPr>
-          <p:nvPr>
-            <p:ph type="title" idx="4294967295"/>
-          </p:nvPr>
-        </p:nvSpPr>
-        <p:spPr>
-          <a:xfrm>
-            <a:off x="55606" y="31030"/>
-            <a:ext cx="10515600" cy="687238"/>
-          </a:xfrm>
-          <a:prstGeom prst="rect">
-            <a:avLst/>
-          </a:prstGeom>
-        </p:spPr>
-        <p:txBody>
-          <a:bodyPr vert="horz" wrap="square" lIns="0" tIns="314832" rIns="0" bIns="0" rtlCol="0">
-            <a:spAutoFit/>
-          </a:bodyPr>
-          <a:lstStyle/>
-          <a:p>
-            <a:pPr marL="206375">
-              <a:lnSpc>
-                <a:spcPct val="100000"/>
-              </a:lnSpc>
-              <a:spcBef>
-                <a:spcPts val="95"/>
-              </a:spcBef>
-            </a:pPr>
-            <a:r>
-              <a:rPr sz="2400" dirty="0"/>
-              <a:t>Gemini</a:t>
-            </a:r>
-            <a:r>
-              <a:rPr sz="2400" spc="-120" dirty="0"/>
-              <a:t> </a:t>
-            </a:r>
-            <a:r>
-              <a:rPr sz="2400" dirty="0"/>
-              <a:t>1.5</a:t>
-            </a:r>
-            <a:r>
-              <a:rPr sz="2400" spc="-145" dirty="0"/>
-              <a:t> </a:t>
-            </a:r>
-            <a:r>
-              <a:rPr sz="2400" dirty="0"/>
-              <a:t>-</a:t>
-            </a:r>
-            <a:r>
-              <a:rPr sz="2400" spc="-125" dirty="0"/>
-              <a:t> </a:t>
-            </a:r>
-            <a:r>
-              <a:rPr sz="2400" dirty="0"/>
-              <a:t>1</a:t>
-            </a:r>
-            <a:r>
-              <a:rPr sz="2400" spc="-135" dirty="0"/>
-              <a:t> </a:t>
-            </a:r>
-            <a:r>
-              <a:rPr sz="2400" dirty="0"/>
-              <a:t>million</a:t>
-            </a:r>
-            <a:r>
-              <a:rPr sz="2400" spc="-135" dirty="0"/>
-              <a:t> </a:t>
-            </a:r>
-            <a:r>
-              <a:rPr sz="2400" dirty="0"/>
-              <a:t>multimodal</a:t>
-            </a:r>
-            <a:r>
-              <a:rPr sz="2400" spc="-95" dirty="0"/>
-              <a:t> </a:t>
-            </a:r>
-            <a:r>
-              <a:rPr sz="2400" spc="-10" dirty="0"/>
-              <a:t>tokens</a:t>
-            </a:r>
-          </a:p>
-        </p:txBody>
-      </p:sp>
-      <p:pic>
-        <p:nvPicPr>
-          <p:cNvPr id="3" name="object 3"/>
-          <p:cNvPicPr/>
-          <p:nvPr/>
-        </p:nvPicPr>
-        <p:blipFill>
-          <a:blip r:embed="rId2" cstate="print"/>
-          <a:stretch>
-            <a:fillRect/>
-          </a:stretch>
-        </p:blipFill>
-        <p:spPr>
-          <a:xfrm>
-            <a:off x="595883" y="1371600"/>
-            <a:ext cx="6911339" cy="4389120"/>
-          </a:xfrm>
-          <a:prstGeom prst="rect">
-            <a:avLst/>
-          </a:prstGeom>
-        </p:spPr>
-      </p:pic>
-      <p:sp>
-        <p:nvSpPr>
-          <p:cNvPr id="4" name="object 4"/>
-          <p:cNvSpPr txBox="1"/>
-          <p:nvPr/>
-        </p:nvSpPr>
-        <p:spPr>
-          <a:xfrm>
-            <a:off x="535940" y="6065621"/>
-            <a:ext cx="7315834" cy="239395"/>
-          </a:xfrm>
-          <a:prstGeom prst="rect">
-            <a:avLst/>
-          </a:prstGeom>
-        </p:spPr>
-        <p:txBody>
-          <a:bodyPr vert="horz" wrap="square" lIns="0" tIns="12700" rIns="0" bIns="0" rtlCol="0">
-            <a:spAutoFit/>
-          </a:bodyPr>
-          <a:lstStyle/>
-          <a:p>
-            <a:pPr marL="12700">
-              <a:lnSpc>
-                <a:spcPct val="100000"/>
-              </a:lnSpc>
-              <a:spcBef>
-                <a:spcPts val="100"/>
-              </a:spcBef>
-            </a:pPr>
-            <a:r>
-              <a:rPr sz="1400" u="sng" spc="-10" dirty="0">
-                <a:solidFill>
-                  <a:srgbClr val="0000FF"/>
-                </a:solidFill>
-                <a:uFill>
-                  <a:solidFill>
-                    <a:srgbClr val="0000FF"/>
-                  </a:solidFill>
-                </a:uFill>
-                <a:latin typeface="Calibri Light"/>
-                <a:cs typeface="Calibri Light"/>
-                <a:hlinkClick r:id="rId3"/>
-              </a:rPr>
-              <a:t>https://blog.google/technology/ai/google-gemini-</a:t>
-            </a:r>
-            <a:r>
-              <a:rPr sz="1400" u="sng" spc="-20" dirty="0">
-                <a:solidFill>
-                  <a:srgbClr val="0000FF"/>
-                </a:solidFill>
-                <a:uFill>
-                  <a:solidFill>
-                    <a:srgbClr val="0000FF"/>
-                  </a:solidFill>
-                </a:uFill>
-                <a:latin typeface="Calibri Light"/>
-                <a:cs typeface="Calibri Light"/>
-                <a:hlinkClick r:id="rId3"/>
-              </a:rPr>
-              <a:t>next-</a:t>
-            </a:r>
-            <a:r>
-              <a:rPr sz="1400" u="sng" spc="-10" dirty="0">
-                <a:solidFill>
-                  <a:srgbClr val="0000FF"/>
-                </a:solidFill>
-                <a:uFill>
-                  <a:solidFill>
-                    <a:srgbClr val="0000FF"/>
-                  </a:solidFill>
-                </a:uFill>
-                <a:latin typeface="Calibri Light"/>
-                <a:cs typeface="Calibri Light"/>
-                <a:hlinkClick r:id="rId3"/>
-              </a:rPr>
-              <a:t>generation-model-february-2024/#architecture</a:t>
-            </a:r>
-            <a:endParaRPr sz="1400">
-              <a:latin typeface="Calibri Light"/>
-              <a:cs typeface="Calibri Light"/>
-            </a:endParaRPr>
-          </a:p>
-        </p:txBody>
-      </p:sp>
-      <p:pic>
-        <p:nvPicPr>
-          <p:cNvPr id="5" name="object 5"/>
-          <p:cNvPicPr/>
-          <p:nvPr/>
-        </p:nvPicPr>
-        <p:blipFill>
-          <a:blip r:embed="rId4" cstate="print"/>
-          <a:stretch>
-            <a:fillRect/>
-          </a:stretch>
-        </p:blipFill>
-        <p:spPr>
-          <a:xfrm>
-            <a:off x="7598664" y="1363980"/>
-            <a:ext cx="4175760" cy="2345436"/>
-          </a:xfrm>
-          <a:prstGeom prst="rect">
-            <a:avLst/>
-          </a:prstGeom>
-        </p:spPr>
-      </p:pic>
-      <p:sp>
-        <p:nvSpPr>
-          <p:cNvPr id="6" name="object 6"/>
-          <p:cNvSpPr txBox="1"/>
-          <p:nvPr/>
-        </p:nvSpPr>
-        <p:spPr>
-          <a:xfrm>
-            <a:off x="7699629" y="3824427"/>
-            <a:ext cx="4067810" cy="1062990"/>
-          </a:xfrm>
-          <a:prstGeom prst="rect">
-            <a:avLst/>
-          </a:prstGeom>
-        </p:spPr>
-        <p:txBody>
-          <a:bodyPr vert="horz" wrap="square" lIns="0" tIns="12700" rIns="0" bIns="0" rtlCol="0">
-            <a:spAutoFit/>
-          </a:bodyPr>
-          <a:lstStyle/>
-          <a:p>
-            <a:pPr marL="12700">
-              <a:lnSpc>
-                <a:spcPct val="100000"/>
-              </a:lnSpc>
-              <a:spcBef>
-                <a:spcPts val="100"/>
-              </a:spcBef>
-            </a:pPr>
-            <a:r>
-              <a:rPr sz="1200" dirty="0">
-                <a:solidFill>
-                  <a:srgbClr val="1F2023"/>
-                </a:solidFill>
-                <a:latin typeface="Calibri Light"/>
-                <a:cs typeface="Calibri Light"/>
-              </a:rPr>
-              <a:t>Complex</a:t>
-            </a:r>
-            <a:r>
-              <a:rPr sz="1200" spc="-50" dirty="0">
-                <a:solidFill>
-                  <a:srgbClr val="1F2023"/>
-                </a:solidFill>
-                <a:latin typeface="Calibri Light"/>
-                <a:cs typeface="Calibri Light"/>
-              </a:rPr>
-              <a:t> </a:t>
-            </a:r>
-            <a:r>
-              <a:rPr sz="1200" dirty="0">
-                <a:solidFill>
-                  <a:srgbClr val="1F2023"/>
-                </a:solidFill>
-                <a:latin typeface="Calibri Light"/>
-                <a:cs typeface="Calibri Light"/>
-              </a:rPr>
-              <a:t>reasoning</a:t>
-            </a:r>
-            <a:r>
-              <a:rPr sz="1200" spc="-30" dirty="0">
-                <a:solidFill>
-                  <a:srgbClr val="1F2023"/>
-                </a:solidFill>
-                <a:latin typeface="Calibri Light"/>
-                <a:cs typeface="Calibri Light"/>
-              </a:rPr>
-              <a:t> </a:t>
-            </a:r>
-            <a:r>
-              <a:rPr sz="1200" dirty="0">
-                <a:solidFill>
-                  <a:srgbClr val="1F2023"/>
-                </a:solidFill>
-                <a:latin typeface="Calibri Light"/>
-                <a:cs typeface="Calibri Light"/>
-              </a:rPr>
-              <a:t>about</a:t>
-            </a:r>
-            <a:r>
-              <a:rPr sz="1200" spc="-30" dirty="0">
-                <a:solidFill>
-                  <a:srgbClr val="1F2023"/>
-                </a:solidFill>
-                <a:latin typeface="Calibri Light"/>
-                <a:cs typeface="Calibri Light"/>
-              </a:rPr>
-              <a:t> </a:t>
-            </a:r>
-            <a:r>
-              <a:rPr sz="1200" dirty="0">
-                <a:solidFill>
-                  <a:srgbClr val="1F2023"/>
-                </a:solidFill>
-                <a:latin typeface="Calibri Light"/>
-                <a:cs typeface="Calibri Light"/>
-              </a:rPr>
-              <a:t>vast</a:t>
-            </a:r>
-            <a:r>
-              <a:rPr sz="1200" spc="-40" dirty="0">
-                <a:solidFill>
-                  <a:srgbClr val="1F2023"/>
-                </a:solidFill>
-                <a:latin typeface="Calibri Light"/>
-                <a:cs typeface="Calibri Light"/>
-              </a:rPr>
-              <a:t> </a:t>
-            </a:r>
-            <a:r>
-              <a:rPr sz="1200" dirty="0">
-                <a:solidFill>
-                  <a:srgbClr val="1F2023"/>
-                </a:solidFill>
-                <a:latin typeface="Calibri Light"/>
-                <a:cs typeface="Calibri Light"/>
-              </a:rPr>
-              <a:t>amounts</a:t>
-            </a:r>
-            <a:r>
-              <a:rPr sz="1200" spc="-25" dirty="0">
-                <a:solidFill>
-                  <a:srgbClr val="1F2023"/>
-                </a:solidFill>
-                <a:latin typeface="Calibri Light"/>
-                <a:cs typeface="Calibri Light"/>
-              </a:rPr>
-              <a:t> </a:t>
-            </a:r>
-            <a:r>
-              <a:rPr sz="1200" dirty="0">
-                <a:solidFill>
-                  <a:srgbClr val="1F2023"/>
-                </a:solidFill>
-                <a:latin typeface="Calibri Light"/>
-                <a:cs typeface="Calibri Light"/>
-              </a:rPr>
-              <a:t>of</a:t>
-            </a:r>
-            <a:r>
-              <a:rPr sz="1200" spc="-30" dirty="0">
-                <a:solidFill>
-                  <a:srgbClr val="1F2023"/>
-                </a:solidFill>
-                <a:latin typeface="Calibri Light"/>
-                <a:cs typeface="Calibri Light"/>
-              </a:rPr>
-              <a:t> </a:t>
-            </a:r>
-            <a:r>
-              <a:rPr sz="1200" spc="-10" dirty="0">
-                <a:solidFill>
-                  <a:srgbClr val="1F2023"/>
-                </a:solidFill>
-                <a:latin typeface="Calibri Light"/>
-                <a:cs typeface="Calibri Light"/>
-              </a:rPr>
-              <a:t>information</a:t>
-            </a:r>
-            <a:endParaRPr sz="1200" dirty="0">
-              <a:latin typeface="Calibri Light"/>
-              <a:cs typeface="Calibri Light"/>
-            </a:endParaRPr>
-          </a:p>
-          <a:p>
-            <a:pPr marL="12700" marR="5080">
-              <a:lnSpc>
-                <a:spcPct val="100000"/>
-              </a:lnSpc>
-              <a:spcBef>
-                <a:spcPts val="1445"/>
-              </a:spcBef>
-            </a:pPr>
-            <a:r>
-              <a:rPr sz="1100" dirty="0">
-                <a:solidFill>
-                  <a:srgbClr val="1F2023"/>
-                </a:solidFill>
-                <a:latin typeface="Calibri Light"/>
-                <a:cs typeface="Calibri Light"/>
-              </a:rPr>
-              <a:t>1.5</a:t>
-            </a:r>
-            <a:r>
-              <a:rPr sz="1100" spc="-30" dirty="0">
-                <a:solidFill>
-                  <a:srgbClr val="1F2023"/>
-                </a:solidFill>
-                <a:latin typeface="Calibri Light"/>
-                <a:cs typeface="Calibri Light"/>
-              </a:rPr>
-              <a:t> </a:t>
-            </a:r>
-            <a:r>
-              <a:rPr sz="1100" dirty="0">
-                <a:solidFill>
-                  <a:srgbClr val="1F2023"/>
-                </a:solidFill>
-                <a:latin typeface="Calibri Light"/>
-                <a:cs typeface="Calibri Light"/>
-              </a:rPr>
-              <a:t>Pro</a:t>
-            </a:r>
-            <a:r>
-              <a:rPr sz="1100" spc="-25" dirty="0">
-                <a:solidFill>
-                  <a:srgbClr val="1F2023"/>
-                </a:solidFill>
-                <a:latin typeface="Calibri Light"/>
-                <a:cs typeface="Calibri Light"/>
-              </a:rPr>
-              <a:t> </a:t>
-            </a:r>
-            <a:r>
-              <a:rPr sz="1100" dirty="0">
-                <a:solidFill>
-                  <a:srgbClr val="1F2023"/>
-                </a:solidFill>
-                <a:latin typeface="Calibri Light"/>
-                <a:cs typeface="Calibri Light"/>
-              </a:rPr>
-              <a:t>can</a:t>
-            </a:r>
-            <a:r>
-              <a:rPr sz="1100" spc="-25" dirty="0">
-                <a:solidFill>
-                  <a:srgbClr val="1F2023"/>
-                </a:solidFill>
-                <a:latin typeface="Calibri Light"/>
-                <a:cs typeface="Calibri Light"/>
-              </a:rPr>
-              <a:t> </a:t>
-            </a:r>
-            <a:r>
-              <a:rPr sz="1100" dirty="0">
-                <a:solidFill>
-                  <a:srgbClr val="1F2023"/>
-                </a:solidFill>
-                <a:latin typeface="Calibri Light"/>
-                <a:cs typeface="Calibri Light"/>
-              </a:rPr>
-              <a:t>seamlessly</a:t>
-            </a:r>
-            <a:r>
-              <a:rPr sz="1100" spc="-30" dirty="0">
-                <a:solidFill>
-                  <a:srgbClr val="1F2023"/>
-                </a:solidFill>
-                <a:latin typeface="Calibri Light"/>
-                <a:cs typeface="Calibri Light"/>
-              </a:rPr>
-              <a:t> </a:t>
-            </a:r>
-            <a:r>
-              <a:rPr sz="1100" dirty="0">
-                <a:solidFill>
-                  <a:srgbClr val="1F2023"/>
-                </a:solidFill>
-                <a:latin typeface="Calibri Light"/>
-                <a:cs typeface="Calibri Light"/>
-              </a:rPr>
-              <a:t>analyze,</a:t>
-            </a:r>
-            <a:r>
-              <a:rPr sz="1100" spc="-20" dirty="0">
-                <a:solidFill>
-                  <a:srgbClr val="1F2023"/>
-                </a:solidFill>
-                <a:latin typeface="Calibri Light"/>
-                <a:cs typeface="Calibri Light"/>
-              </a:rPr>
-              <a:t> </a:t>
-            </a:r>
-            <a:r>
-              <a:rPr sz="1100" dirty="0">
-                <a:solidFill>
-                  <a:srgbClr val="1F2023"/>
-                </a:solidFill>
-                <a:latin typeface="Calibri Light"/>
-                <a:cs typeface="Calibri Light"/>
-              </a:rPr>
-              <a:t>classify</a:t>
-            </a:r>
-            <a:r>
-              <a:rPr sz="1100" spc="-45" dirty="0">
-                <a:solidFill>
-                  <a:srgbClr val="1F2023"/>
-                </a:solidFill>
-                <a:latin typeface="Calibri Light"/>
-                <a:cs typeface="Calibri Light"/>
-              </a:rPr>
-              <a:t> </a:t>
-            </a:r>
-            <a:r>
-              <a:rPr sz="1100" dirty="0">
-                <a:solidFill>
-                  <a:srgbClr val="1F2023"/>
-                </a:solidFill>
-                <a:latin typeface="Calibri Light"/>
-                <a:cs typeface="Calibri Light"/>
-              </a:rPr>
-              <a:t>and</a:t>
-            </a:r>
-            <a:r>
-              <a:rPr sz="1100" spc="-25" dirty="0">
-                <a:solidFill>
-                  <a:srgbClr val="1F2023"/>
-                </a:solidFill>
-                <a:latin typeface="Calibri Light"/>
-                <a:cs typeface="Calibri Light"/>
-              </a:rPr>
-              <a:t> </a:t>
-            </a:r>
-            <a:r>
-              <a:rPr sz="1100" dirty="0">
-                <a:solidFill>
-                  <a:srgbClr val="1F2023"/>
-                </a:solidFill>
-                <a:latin typeface="Calibri Light"/>
-                <a:cs typeface="Calibri Light"/>
-              </a:rPr>
-              <a:t>summarize</a:t>
-            </a:r>
-            <a:r>
-              <a:rPr sz="1100" spc="-40" dirty="0">
-                <a:solidFill>
-                  <a:srgbClr val="1F2023"/>
-                </a:solidFill>
-                <a:latin typeface="Calibri Light"/>
-                <a:cs typeface="Calibri Light"/>
-              </a:rPr>
-              <a:t> </a:t>
-            </a:r>
-            <a:r>
-              <a:rPr sz="1100" dirty="0">
-                <a:solidFill>
-                  <a:srgbClr val="1F2023"/>
-                </a:solidFill>
-                <a:latin typeface="Calibri Light"/>
-                <a:cs typeface="Calibri Light"/>
-              </a:rPr>
-              <a:t>large</a:t>
-            </a:r>
-            <a:r>
-              <a:rPr sz="1100" spc="-40" dirty="0">
-                <a:solidFill>
-                  <a:srgbClr val="1F2023"/>
-                </a:solidFill>
-                <a:latin typeface="Calibri Light"/>
-                <a:cs typeface="Calibri Light"/>
-              </a:rPr>
-              <a:t> </a:t>
-            </a:r>
-            <a:r>
-              <a:rPr sz="1100" dirty="0">
-                <a:solidFill>
-                  <a:srgbClr val="1F2023"/>
-                </a:solidFill>
-                <a:latin typeface="Calibri Light"/>
-                <a:cs typeface="Calibri Light"/>
-              </a:rPr>
-              <a:t>amounts</a:t>
-            </a:r>
-            <a:r>
-              <a:rPr sz="1100" spc="-25" dirty="0">
-                <a:solidFill>
-                  <a:srgbClr val="1F2023"/>
-                </a:solidFill>
-                <a:latin typeface="Calibri Light"/>
-                <a:cs typeface="Calibri Light"/>
-              </a:rPr>
-              <a:t> of </a:t>
-            </a:r>
-            <a:r>
-              <a:rPr sz="1100" dirty="0">
-                <a:solidFill>
-                  <a:srgbClr val="1F2023"/>
-                </a:solidFill>
-                <a:latin typeface="Calibri Light"/>
-                <a:cs typeface="Calibri Light"/>
-              </a:rPr>
-              <a:t>content</a:t>
-            </a:r>
-            <a:r>
-              <a:rPr sz="1100" spc="-30" dirty="0">
-                <a:solidFill>
-                  <a:srgbClr val="1F2023"/>
-                </a:solidFill>
-                <a:latin typeface="Calibri Light"/>
-                <a:cs typeface="Calibri Light"/>
-              </a:rPr>
-              <a:t> </a:t>
-            </a:r>
-            <a:r>
-              <a:rPr sz="1100" dirty="0">
-                <a:solidFill>
-                  <a:srgbClr val="1F2023"/>
-                </a:solidFill>
-                <a:latin typeface="Calibri Light"/>
-                <a:cs typeface="Calibri Light"/>
-              </a:rPr>
-              <a:t>within</a:t>
-            </a:r>
-            <a:r>
-              <a:rPr sz="1100" spc="-25" dirty="0">
-                <a:solidFill>
-                  <a:srgbClr val="1F2023"/>
-                </a:solidFill>
-                <a:latin typeface="Calibri Light"/>
-                <a:cs typeface="Calibri Light"/>
-              </a:rPr>
-              <a:t> </a:t>
-            </a:r>
-            <a:r>
-              <a:rPr sz="1100" dirty="0">
-                <a:solidFill>
-                  <a:srgbClr val="1F2023"/>
-                </a:solidFill>
-                <a:latin typeface="Calibri Light"/>
-                <a:cs typeface="Calibri Light"/>
-              </a:rPr>
-              <a:t>a</a:t>
-            </a:r>
-            <a:r>
-              <a:rPr sz="1100" spc="-25" dirty="0">
-                <a:solidFill>
-                  <a:srgbClr val="1F2023"/>
-                </a:solidFill>
-                <a:latin typeface="Calibri Light"/>
-                <a:cs typeface="Calibri Light"/>
-              </a:rPr>
-              <a:t> </a:t>
-            </a:r>
-            <a:r>
-              <a:rPr sz="1100" dirty="0">
-                <a:solidFill>
-                  <a:srgbClr val="1F2023"/>
-                </a:solidFill>
-                <a:latin typeface="Calibri Light"/>
-                <a:cs typeface="Calibri Light"/>
-              </a:rPr>
-              <a:t>given</a:t>
-            </a:r>
-            <a:r>
-              <a:rPr sz="1100" spc="-15" dirty="0">
-                <a:solidFill>
-                  <a:srgbClr val="1F2023"/>
-                </a:solidFill>
-                <a:latin typeface="Calibri Light"/>
-                <a:cs typeface="Calibri Light"/>
-              </a:rPr>
-              <a:t> </a:t>
-            </a:r>
-            <a:r>
-              <a:rPr sz="1100" dirty="0">
-                <a:solidFill>
-                  <a:srgbClr val="1F2023"/>
-                </a:solidFill>
-                <a:latin typeface="Calibri Light"/>
-                <a:cs typeface="Calibri Light"/>
-              </a:rPr>
-              <a:t>prompt.</a:t>
-            </a:r>
-            <a:r>
-              <a:rPr sz="1100" spc="-40" dirty="0">
-                <a:solidFill>
-                  <a:srgbClr val="1F2023"/>
-                </a:solidFill>
-                <a:latin typeface="Calibri Light"/>
-                <a:cs typeface="Calibri Light"/>
-              </a:rPr>
-              <a:t> </a:t>
-            </a:r>
-            <a:r>
-              <a:rPr sz="1100" dirty="0">
-                <a:solidFill>
-                  <a:srgbClr val="1F2023"/>
-                </a:solidFill>
-                <a:latin typeface="Calibri Light"/>
-                <a:cs typeface="Calibri Light"/>
-              </a:rPr>
-              <a:t>For</a:t>
-            </a:r>
-            <a:r>
-              <a:rPr sz="1100" spc="-25" dirty="0">
-                <a:solidFill>
-                  <a:srgbClr val="1F2023"/>
-                </a:solidFill>
-                <a:latin typeface="Calibri Light"/>
-                <a:cs typeface="Calibri Light"/>
-              </a:rPr>
-              <a:t> </a:t>
-            </a:r>
-            <a:r>
-              <a:rPr sz="1100" dirty="0">
-                <a:solidFill>
-                  <a:srgbClr val="1F2023"/>
-                </a:solidFill>
-                <a:latin typeface="Calibri Light"/>
-                <a:cs typeface="Calibri Light"/>
-              </a:rPr>
-              <a:t>example,</a:t>
-            </a:r>
-            <a:r>
-              <a:rPr sz="1100" spc="-35" dirty="0">
-                <a:solidFill>
-                  <a:srgbClr val="1F2023"/>
-                </a:solidFill>
-                <a:latin typeface="Calibri Light"/>
-                <a:cs typeface="Calibri Light"/>
-              </a:rPr>
-              <a:t> </a:t>
-            </a:r>
-            <a:r>
-              <a:rPr sz="1100" dirty="0">
-                <a:solidFill>
-                  <a:srgbClr val="1F2023"/>
-                </a:solidFill>
-                <a:latin typeface="Calibri Light"/>
-                <a:cs typeface="Calibri Light"/>
-              </a:rPr>
-              <a:t>when</a:t>
-            </a:r>
-            <a:r>
-              <a:rPr sz="1100" spc="-30" dirty="0">
-                <a:solidFill>
-                  <a:srgbClr val="1F2023"/>
-                </a:solidFill>
-                <a:latin typeface="Calibri Light"/>
-                <a:cs typeface="Calibri Light"/>
-              </a:rPr>
-              <a:t> </a:t>
-            </a:r>
-            <a:r>
-              <a:rPr sz="1100" dirty="0">
-                <a:solidFill>
-                  <a:srgbClr val="1F2023"/>
-                </a:solidFill>
-                <a:latin typeface="Calibri Light"/>
-                <a:cs typeface="Calibri Light"/>
-              </a:rPr>
-              <a:t>given</a:t>
-            </a:r>
-            <a:r>
-              <a:rPr sz="1100" spc="-15" dirty="0">
-                <a:solidFill>
-                  <a:srgbClr val="1F2023"/>
-                </a:solidFill>
-                <a:latin typeface="Calibri Light"/>
-                <a:cs typeface="Calibri Light"/>
-              </a:rPr>
-              <a:t> </a:t>
-            </a:r>
-            <a:r>
-              <a:rPr sz="1100" dirty="0">
-                <a:solidFill>
-                  <a:srgbClr val="1F2023"/>
-                </a:solidFill>
-                <a:latin typeface="Calibri Light"/>
-                <a:cs typeface="Calibri Light"/>
-              </a:rPr>
-              <a:t>the</a:t>
-            </a:r>
-            <a:r>
-              <a:rPr sz="1100" spc="-30" dirty="0">
-                <a:solidFill>
-                  <a:srgbClr val="1F2023"/>
-                </a:solidFill>
-                <a:latin typeface="Calibri Light"/>
-                <a:cs typeface="Calibri Light"/>
-              </a:rPr>
-              <a:t> </a:t>
-            </a:r>
-            <a:r>
-              <a:rPr sz="1100" dirty="0">
-                <a:solidFill>
-                  <a:srgbClr val="1F2023"/>
-                </a:solidFill>
-                <a:latin typeface="Calibri Light"/>
-                <a:cs typeface="Calibri Light"/>
-              </a:rPr>
-              <a:t>402-</a:t>
-            </a:r>
-            <a:r>
-              <a:rPr sz="1100" spc="-20" dirty="0">
-                <a:solidFill>
-                  <a:srgbClr val="1F2023"/>
-                </a:solidFill>
-                <a:latin typeface="Calibri Light"/>
-                <a:cs typeface="Calibri Light"/>
-              </a:rPr>
-              <a:t>page</a:t>
-            </a:r>
-            <a:endParaRPr sz="1100" dirty="0">
-              <a:latin typeface="Calibri Light"/>
-              <a:cs typeface="Calibri Light"/>
-            </a:endParaRPr>
-          </a:p>
-          <a:p>
-            <a:pPr marL="12700">
-              <a:lnSpc>
-                <a:spcPct val="100000"/>
-              </a:lnSpc>
-            </a:pPr>
-            <a:r>
-              <a:rPr sz="1100" dirty="0">
-                <a:solidFill>
-                  <a:srgbClr val="1F2023"/>
-                </a:solidFill>
-                <a:latin typeface="Calibri Light"/>
-                <a:cs typeface="Calibri Light"/>
-              </a:rPr>
-              <a:t>transcripts</a:t>
-            </a:r>
-            <a:r>
-              <a:rPr sz="1100" spc="-55" dirty="0">
-                <a:solidFill>
-                  <a:srgbClr val="1F2023"/>
-                </a:solidFill>
-                <a:latin typeface="Calibri Light"/>
-                <a:cs typeface="Calibri Light"/>
-              </a:rPr>
-              <a:t> </a:t>
-            </a:r>
-            <a:r>
-              <a:rPr sz="1100" dirty="0">
-                <a:solidFill>
-                  <a:srgbClr val="1F2023"/>
-                </a:solidFill>
-                <a:latin typeface="Calibri Light"/>
-                <a:cs typeface="Calibri Light"/>
-              </a:rPr>
-              <a:t>from</a:t>
-            </a:r>
-            <a:r>
-              <a:rPr sz="1100" spc="-25" dirty="0">
-                <a:solidFill>
-                  <a:srgbClr val="1F2023"/>
-                </a:solidFill>
-                <a:latin typeface="Calibri Light"/>
-                <a:cs typeface="Calibri Light"/>
-              </a:rPr>
-              <a:t> </a:t>
-            </a:r>
-            <a:r>
-              <a:rPr sz="1100" dirty="0">
-                <a:solidFill>
-                  <a:srgbClr val="1F2023"/>
-                </a:solidFill>
-                <a:latin typeface="Calibri Light"/>
-                <a:cs typeface="Calibri Light"/>
-              </a:rPr>
-              <a:t>Apollo</a:t>
-            </a:r>
-            <a:r>
-              <a:rPr sz="1100" spc="-10" dirty="0">
-                <a:solidFill>
-                  <a:srgbClr val="1F2023"/>
-                </a:solidFill>
-                <a:latin typeface="Calibri Light"/>
-                <a:cs typeface="Calibri Light"/>
-              </a:rPr>
-              <a:t> </a:t>
-            </a:r>
-            <a:r>
-              <a:rPr sz="1100" dirty="0">
-                <a:solidFill>
-                  <a:srgbClr val="1F2023"/>
-                </a:solidFill>
-                <a:latin typeface="Calibri Light"/>
-                <a:cs typeface="Calibri Light"/>
-              </a:rPr>
-              <a:t>11’s</a:t>
-            </a:r>
-            <a:r>
-              <a:rPr sz="1100" spc="-20" dirty="0">
-                <a:solidFill>
-                  <a:srgbClr val="1F2023"/>
-                </a:solidFill>
-                <a:latin typeface="Calibri Light"/>
-                <a:cs typeface="Calibri Light"/>
-              </a:rPr>
-              <a:t> </a:t>
-            </a:r>
-            <a:r>
-              <a:rPr sz="1100" dirty="0">
-                <a:solidFill>
-                  <a:srgbClr val="1F2023"/>
-                </a:solidFill>
-                <a:latin typeface="Calibri Light"/>
-                <a:cs typeface="Calibri Light"/>
-              </a:rPr>
-              <a:t>mission</a:t>
-            </a:r>
-            <a:r>
-              <a:rPr sz="1100" spc="-25" dirty="0">
-                <a:solidFill>
-                  <a:srgbClr val="1F2023"/>
-                </a:solidFill>
-                <a:latin typeface="Calibri Light"/>
-                <a:cs typeface="Calibri Light"/>
-              </a:rPr>
-              <a:t> </a:t>
-            </a:r>
-            <a:r>
-              <a:rPr sz="1100" dirty="0">
-                <a:solidFill>
-                  <a:srgbClr val="1F2023"/>
-                </a:solidFill>
-                <a:latin typeface="Calibri Light"/>
-                <a:cs typeface="Calibri Light"/>
-              </a:rPr>
-              <a:t>to</a:t>
-            </a:r>
-            <a:r>
-              <a:rPr sz="1100" spc="-10" dirty="0">
-                <a:solidFill>
-                  <a:srgbClr val="1F2023"/>
-                </a:solidFill>
-                <a:latin typeface="Calibri Light"/>
-                <a:cs typeface="Calibri Light"/>
-              </a:rPr>
-              <a:t> </a:t>
-            </a:r>
-            <a:r>
-              <a:rPr sz="1100" dirty="0">
-                <a:solidFill>
-                  <a:srgbClr val="1F2023"/>
-                </a:solidFill>
-                <a:latin typeface="Calibri Light"/>
-                <a:cs typeface="Calibri Light"/>
-              </a:rPr>
-              <a:t>the</a:t>
-            </a:r>
-            <a:r>
-              <a:rPr sz="1100" spc="-30" dirty="0">
-                <a:solidFill>
-                  <a:srgbClr val="1F2023"/>
-                </a:solidFill>
-                <a:latin typeface="Calibri Light"/>
-                <a:cs typeface="Calibri Light"/>
-              </a:rPr>
-              <a:t> </a:t>
-            </a:r>
-            <a:r>
-              <a:rPr sz="1100" dirty="0">
-                <a:solidFill>
-                  <a:srgbClr val="1F2023"/>
-                </a:solidFill>
-                <a:latin typeface="Calibri Light"/>
-                <a:cs typeface="Calibri Light"/>
-              </a:rPr>
-              <a:t>moon, it</a:t>
-            </a:r>
-            <a:r>
-              <a:rPr sz="1100" spc="-15" dirty="0">
-                <a:solidFill>
-                  <a:srgbClr val="1F2023"/>
-                </a:solidFill>
-                <a:latin typeface="Calibri Light"/>
-                <a:cs typeface="Calibri Light"/>
-              </a:rPr>
-              <a:t> </a:t>
-            </a:r>
-            <a:r>
-              <a:rPr sz="1100" dirty="0">
-                <a:solidFill>
-                  <a:srgbClr val="1F2023"/>
-                </a:solidFill>
-                <a:latin typeface="Calibri Light"/>
-                <a:cs typeface="Calibri Light"/>
-              </a:rPr>
-              <a:t>can</a:t>
-            </a:r>
-            <a:r>
-              <a:rPr sz="1100" spc="-20" dirty="0">
-                <a:solidFill>
-                  <a:srgbClr val="1F2023"/>
-                </a:solidFill>
-                <a:latin typeface="Calibri Light"/>
-                <a:cs typeface="Calibri Light"/>
-              </a:rPr>
-              <a:t> </a:t>
-            </a:r>
-            <a:r>
-              <a:rPr sz="1100" dirty="0">
-                <a:solidFill>
-                  <a:srgbClr val="1F2023"/>
-                </a:solidFill>
-                <a:latin typeface="Calibri Light"/>
-                <a:cs typeface="Calibri Light"/>
-              </a:rPr>
-              <a:t>reason</a:t>
-            </a:r>
-            <a:r>
-              <a:rPr sz="1100" spc="-35" dirty="0">
-                <a:solidFill>
-                  <a:srgbClr val="1F2023"/>
-                </a:solidFill>
-                <a:latin typeface="Calibri Light"/>
-                <a:cs typeface="Calibri Light"/>
-              </a:rPr>
-              <a:t> </a:t>
-            </a:r>
-            <a:r>
-              <a:rPr sz="1100" spc="-10" dirty="0">
-                <a:solidFill>
-                  <a:srgbClr val="1F2023"/>
-                </a:solidFill>
-                <a:latin typeface="Calibri Light"/>
-                <a:cs typeface="Calibri Light"/>
-              </a:rPr>
-              <a:t>about</a:t>
-            </a:r>
-            <a:endParaRPr sz="1100" dirty="0">
-              <a:latin typeface="Calibri Light"/>
-              <a:cs typeface="Calibri Light"/>
-            </a:endParaRPr>
-          </a:p>
-          <a:p>
-            <a:pPr marL="44450">
-              <a:lnSpc>
-                <a:spcPct val="100000"/>
-              </a:lnSpc>
-            </a:pPr>
-            <a:r>
-              <a:rPr sz="1100" dirty="0">
-                <a:solidFill>
-                  <a:srgbClr val="1F2023"/>
-                </a:solidFill>
-                <a:latin typeface="Calibri Light"/>
-                <a:cs typeface="Calibri Light"/>
-              </a:rPr>
-              <a:t>conversations,</a:t>
-            </a:r>
-            <a:r>
-              <a:rPr sz="1100" spc="-45" dirty="0">
-                <a:solidFill>
-                  <a:srgbClr val="1F2023"/>
-                </a:solidFill>
-                <a:latin typeface="Calibri Light"/>
-                <a:cs typeface="Calibri Light"/>
-              </a:rPr>
-              <a:t> </a:t>
-            </a:r>
-            <a:r>
-              <a:rPr sz="1100" dirty="0">
-                <a:solidFill>
-                  <a:srgbClr val="1F2023"/>
-                </a:solidFill>
-                <a:latin typeface="Calibri Light"/>
-                <a:cs typeface="Calibri Light"/>
-              </a:rPr>
-              <a:t>events</a:t>
-            </a:r>
-            <a:r>
-              <a:rPr sz="1100" spc="-10" dirty="0">
-                <a:solidFill>
-                  <a:srgbClr val="1F2023"/>
-                </a:solidFill>
-                <a:latin typeface="Calibri Light"/>
-                <a:cs typeface="Calibri Light"/>
-              </a:rPr>
-              <a:t> </a:t>
-            </a:r>
-            <a:r>
-              <a:rPr sz="1100" dirty="0">
-                <a:solidFill>
-                  <a:srgbClr val="1F2023"/>
-                </a:solidFill>
-                <a:latin typeface="Calibri Light"/>
-                <a:cs typeface="Calibri Light"/>
-              </a:rPr>
-              <a:t>and</a:t>
-            </a:r>
-            <a:r>
-              <a:rPr sz="1100" spc="-20" dirty="0">
-                <a:solidFill>
-                  <a:srgbClr val="1F2023"/>
-                </a:solidFill>
-                <a:latin typeface="Calibri Light"/>
-                <a:cs typeface="Calibri Light"/>
-              </a:rPr>
-              <a:t> </a:t>
-            </a:r>
-            <a:r>
-              <a:rPr sz="1100" dirty="0">
-                <a:solidFill>
-                  <a:srgbClr val="1F2023"/>
-                </a:solidFill>
-                <a:latin typeface="Calibri Light"/>
-                <a:cs typeface="Calibri Light"/>
-              </a:rPr>
-              <a:t>details</a:t>
-            </a:r>
-            <a:r>
-              <a:rPr sz="1100" spc="-30" dirty="0">
-                <a:solidFill>
-                  <a:srgbClr val="1F2023"/>
-                </a:solidFill>
-                <a:latin typeface="Calibri Light"/>
-                <a:cs typeface="Calibri Light"/>
-              </a:rPr>
-              <a:t> </a:t>
-            </a:r>
-            <a:r>
-              <a:rPr sz="1100" dirty="0">
-                <a:solidFill>
-                  <a:srgbClr val="1F2023"/>
-                </a:solidFill>
-                <a:latin typeface="Calibri Light"/>
-                <a:cs typeface="Calibri Light"/>
-              </a:rPr>
-              <a:t>found</a:t>
-            </a:r>
-            <a:r>
-              <a:rPr sz="1100" spc="-25" dirty="0">
-                <a:solidFill>
-                  <a:srgbClr val="1F2023"/>
-                </a:solidFill>
-                <a:latin typeface="Calibri Light"/>
-                <a:cs typeface="Calibri Light"/>
-              </a:rPr>
-              <a:t> </a:t>
-            </a:r>
-            <a:r>
-              <a:rPr sz="1100" dirty="0">
-                <a:solidFill>
-                  <a:srgbClr val="1F2023"/>
-                </a:solidFill>
-                <a:latin typeface="Calibri Light"/>
-                <a:cs typeface="Calibri Light"/>
-              </a:rPr>
-              <a:t>across</a:t>
-            </a:r>
-            <a:r>
-              <a:rPr sz="1100" spc="-40" dirty="0">
-                <a:solidFill>
-                  <a:srgbClr val="1F2023"/>
-                </a:solidFill>
-                <a:latin typeface="Calibri Light"/>
-                <a:cs typeface="Calibri Light"/>
-              </a:rPr>
-              <a:t> </a:t>
-            </a:r>
-            <a:r>
-              <a:rPr sz="1100" dirty="0">
-                <a:solidFill>
-                  <a:srgbClr val="1F2023"/>
-                </a:solidFill>
-                <a:latin typeface="Calibri Light"/>
-                <a:cs typeface="Calibri Light"/>
-              </a:rPr>
-              <a:t>the</a:t>
-            </a:r>
-            <a:r>
-              <a:rPr sz="1100" spc="-20" dirty="0">
-                <a:solidFill>
-                  <a:srgbClr val="1F2023"/>
-                </a:solidFill>
-                <a:latin typeface="Calibri Light"/>
-                <a:cs typeface="Calibri Light"/>
-              </a:rPr>
-              <a:t> </a:t>
-            </a:r>
-            <a:r>
-              <a:rPr sz="1100" spc="-10" dirty="0">
-                <a:solidFill>
-                  <a:srgbClr val="1F2023"/>
-                </a:solidFill>
-                <a:latin typeface="Calibri Light"/>
-                <a:cs typeface="Calibri Light"/>
-              </a:rPr>
-              <a:t>document.</a:t>
-            </a:r>
-            <a:endParaRPr sz="1100" dirty="0">
               <a:latin typeface="Calibri Light"/>
               <a:cs typeface="Calibri Light"/>
             </a:endParaRPr>
@@ -36598,6 +34331,2928 @@
         <p14:creationId xmlns:p14="http://schemas.microsoft.com/office/powerpoint/2010/main" val="3184607449"/>
       </p:ext>
     </p:extLst>
+  </p:cSld>
+  <p:clrMapOvr>
+    <a:masterClrMapping/>
+  </p:clrMapOvr>
+</p:sld>
+</file>
+
+<file path=ppt/slides/slide50.xml><?xml version="1.0" encoding="utf-8"?>
+<p:sld xmlns:a="http://schemas.openxmlformats.org/drawingml/2006/main" xmlns:r="http://schemas.openxmlformats.org/officeDocument/2006/relationships" xmlns:p="http://schemas.openxmlformats.org/presentationml/2006/main">
+  <p:cSld>
+    <p:spTree>
+      <p:nvGrpSpPr>
+        <p:cNvPr id="1" name=""/>
+        <p:cNvGrpSpPr/>
+        <p:nvPr/>
+      </p:nvGrpSpPr>
+      <p:grpSpPr>
+        <a:xfrm>
+          <a:off x="0" y="0"/>
+          <a:ext cx="0" cy="0"/>
+          <a:chOff x="0" y="0"/>
+          <a:chExt cx="0" cy="0"/>
+        </a:xfrm>
+      </p:grpSpPr>
+      <p:sp>
+        <p:nvSpPr>
+          <p:cNvPr id="13" name="Title 12">
+            <a:extLst>
+              <a:ext uri="{FF2B5EF4-FFF2-40B4-BE49-F238E27FC236}">
+                <a16:creationId xmlns:a16="http://schemas.microsoft.com/office/drawing/2014/main" id="{526518CF-3A5E-6011-877D-3E5175B4F924}"/>
+              </a:ext>
+            </a:extLst>
+          </p:cNvPr>
+          <p:cNvSpPr>
+            <a:spLocks noGrp="1"/>
+          </p:cNvSpPr>
+          <p:nvPr>
+            <p:ph type="title"/>
+          </p:nvPr>
+        </p:nvSpPr>
+        <p:spPr/>
+        <p:txBody>
+          <a:bodyPr/>
+          <a:lstStyle/>
+          <a:p>
+            <a:r>
+              <a:rPr lang="en-US" dirty="0"/>
+              <a:t>Why are tokens important?</a:t>
+            </a:r>
+          </a:p>
+        </p:txBody>
+      </p:sp>
+      <p:sp>
+        <p:nvSpPr>
+          <p:cNvPr id="12" name="Content Placeholder 11">
+            <a:extLst>
+              <a:ext uri="{FF2B5EF4-FFF2-40B4-BE49-F238E27FC236}">
+                <a16:creationId xmlns:a16="http://schemas.microsoft.com/office/drawing/2014/main" id="{F536E235-40BE-12C9-43BE-25F3FF27BF1E}"/>
+              </a:ext>
+            </a:extLst>
+          </p:cNvPr>
+          <p:cNvSpPr>
+            <a:spLocks noGrp="1"/>
+          </p:cNvSpPr>
+          <p:nvPr>
+            <p:ph idx="1"/>
+          </p:nvPr>
+        </p:nvSpPr>
+        <p:spPr/>
+        <p:txBody>
+          <a:bodyPr/>
+          <a:lstStyle/>
+          <a:p>
+            <a:pPr marL="469265" indent="-456565">
+              <a:lnSpc>
+                <a:spcPct val="100000"/>
+              </a:lnSpc>
+              <a:spcBef>
+                <a:spcPts val="695"/>
+              </a:spcBef>
+              <a:buFont typeface="Arial MT"/>
+              <a:buChar char="•"/>
+              <a:tabLst>
+                <a:tab pos="469265" algn="l"/>
+              </a:tabLst>
+            </a:pPr>
+            <a:r>
+              <a:rPr lang="en-US" sz="2000" spc="-25" dirty="0">
+                <a:latin typeface="Calibri Light"/>
+                <a:cs typeface="Calibri Light"/>
+              </a:rPr>
+              <a:t>Context</a:t>
+            </a:r>
+            <a:r>
+              <a:rPr lang="en-US" sz="2000" spc="-110" dirty="0">
+                <a:latin typeface="Calibri Light"/>
+                <a:cs typeface="Calibri Light"/>
+              </a:rPr>
+              <a:t> </a:t>
+            </a:r>
+            <a:r>
+              <a:rPr lang="en-US" sz="2000" dirty="0">
+                <a:latin typeface="Calibri Light"/>
+                <a:cs typeface="Calibri Light"/>
+              </a:rPr>
+              <a:t>window</a:t>
+            </a:r>
+            <a:r>
+              <a:rPr lang="en-US" sz="2000" spc="-114" dirty="0">
+                <a:latin typeface="Calibri Light"/>
+                <a:cs typeface="Calibri Light"/>
+              </a:rPr>
+              <a:t> </a:t>
+            </a:r>
+            <a:r>
+              <a:rPr lang="en-US" sz="2000" dirty="0">
+                <a:latin typeface="Calibri Light"/>
+                <a:cs typeface="Calibri Light"/>
+              </a:rPr>
+              <a:t>in</a:t>
+            </a:r>
+            <a:r>
+              <a:rPr lang="en-US" sz="2000" spc="-85" dirty="0">
+                <a:latin typeface="Calibri Light"/>
+                <a:cs typeface="Calibri Light"/>
+              </a:rPr>
+              <a:t> </a:t>
+            </a:r>
+            <a:r>
+              <a:rPr lang="en-US" sz="2000" dirty="0">
+                <a:latin typeface="Calibri Light"/>
+                <a:cs typeface="Calibri Light"/>
+              </a:rPr>
+              <a:t>large</a:t>
+            </a:r>
+            <a:r>
+              <a:rPr lang="en-US" sz="2000" spc="-105" dirty="0">
+                <a:latin typeface="Calibri Light"/>
+                <a:cs typeface="Calibri Light"/>
+              </a:rPr>
+              <a:t> </a:t>
+            </a:r>
+            <a:r>
+              <a:rPr lang="en-US" sz="2000" spc="-10" dirty="0">
+                <a:latin typeface="Calibri Light"/>
+                <a:cs typeface="Calibri Light"/>
+              </a:rPr>
+              <a:t>language</a:t>
+            </a:r>
+            <a:r>
+              <a:rPr lang="en-US" sz="2000" spc="-130" dirty="0">
+                <a:latin typeface="Calibri Light"/>
+                <a:cs typeface="Calibri Light"/>
+              </a:rPr>
+              <a:t> </a:t>
+            </a:r>
+            <a:r>
+              <a:rPr lang="en-US" sz="2000" spc="-10" dirty="0">
+                <a:latin typeface="Calibri Light"/>
+                <a:cs typeface="Calibri Light"/>
+              </a:rPr>
+              <a:t>models</a:t>
+            </a:r>
+            <a:endParaRPr lang="en-US" sz="2000" dirty="0">
+              <a:latin typeface="Calibri Light"/>
+              <a:cs typeface="Calibri Light"/>
+            </a:endParaRPr>
+          </a:p>
+          <a:p>
+            <a:pPr marL="469265" indent="-456565">
+              <a:lnSpc>
+                <a:spcPct val="100000"/>
+              </a:lnSpc>
+              <a:spcBef>
+                <a:spcPts val="600"/>
+              </a:spcBef>
+              <a:buFont typeface="Arial MT"/>
+              <a:buChar char="•"/>
+              <a:tabLst>
+                <a:tab pos="469265" algn="l"/>
+              </a:tabLst>
+            </a:pPr>
+            <a:r>
+              <a:rPr lang="en-US" sz="2000" spc="-10" dirty="0">
+                <a:latin typeface="Calibri Light"/>
+                <a:cs typeface="Calibri Light"/>
+              </a:rPr>
+              <a:t>Length</a:t>
+            </a:r>
+            <a:r>
+              <a:rPr lang="en-US" sz="2000" spc="-120" dirty="0">
+                <a:latin typeface="Calibri Light"/>
+                <a:cs typeface="Calibri Light"/>
+              </a:rPr>
+              <a:t> </a:t>
+            </a:r>
+            <a:r>
+              <a:rPr lang="en-US" sz="2000" dirty="0">
+                <a:latin typeface="Calibri Light"/>
+                <a:cs typeface="Calibri Light"/>
+              </a:rPr>
+              <a:t>of</a:t>
+            </a:r>
+            <a:r>
+              <a:rPr lang="en-US" sz="2000" spc="-95" dirty="0">
+                <a:latin typeface="Calibri Light"/>
+                <a:cs typeface="Calibri Light"/>
+              </a:rPr>
+              <a:t> </a:t>
+            </a:r>
+            <a:r>
+              <a:rPr lang="en-US" sz="2000" dirty="0">
+                <a:latin typeface="Calibri Light"/>
+                <a:cs typeface="Calibri Light"/>
+              </a:rPr>
+              <a:t>text</a:t>
+            </a:r>
+            <a:r>
+              <a:rPr lang="en-US" sz="2000" spc="-105" dirty="0">
+                <a:latin typeface="Calibri Light"/>
+                <a:cs typeface="Calibri Light"/>
+              </a:rPr>
+              <a:t> </a:t>
+            </a:r>
+            <a:r>
+              <a:rPr lang="en-US" sz="2000" dirty="0">
+                <a:latin typeface="Calibri Light"/>
+                <a:cs typeface="Calibri Light"/>
+              </a:rPr>
+              <a:t>model</a:t>
+            </a:r>
+            <a:r>
+              <a:rPr lang="en-US" sz="2000" spc="-100" dirty="0">
+                <a:latin typeface="Calibri Light"/>
+                <a:cs typeface="Calibri Light"/>
+              </a:rPr>
+              <a:t> </a:t>
+            </a:r>
+            <a:r>
+              <a:rPr lang="en-US" sz="2000" dirty="0">
+                <a:latin typeface="Calibri Light"/>
+                <a:cs typeface="Calibri Light"/>
+              </a:rPr>
+              <a:t>can</a:t>
+            </a:r>
+            <a:r>
+              <a:rPr lang="en-US" sz="2000" spc="-100" dirty="0">
+                <a:latin typeface="Calibri Light"/>
+                <a:cs typeface="Calibri Light"/>
+              </a:rPr>
+              <a:t> </a:t>
+            </a:r>
+            <a:r>
+              <a:rPr lang="en-US" sz="2000" spc="-10" dirty="0">
+                <a:latin typeface="Calibri Light"/>
+                <a:cs typeface="Calibri Light"/>
+              </a:rPr>
+              <a:t>process</a:t>
+            </a:r>
+            <a:r>
+              <a:rPr lang="en-US" sz="2000" spc="-90" dirty="0">
+                <a:latin typeface="Calibri Light"/>
+                <a:cs typeface="Calibri Light"/>
+              </a:rPr>
+              <a:t> </a:t>
+            </a:r>
+            <a:r>
+              <a:rPr lang="en-US" sz="2000" dirty="0">
+                <a:latin typeface="Calibri Light"/>
+                <a:cs typeface="Calibri Light"/>
+              </a:rPr>
+              <a:t>and</a:t>
+            </a:r>
+            <a:r>
+              <a:rPr lang="en-US" sz="2000" spc="-100" dirty="0">
+                <a:latin typeface="Calibri Light"/>
+                <a:cs typeface="Calibri Light"/>
+              </a:rPr>
+              <a:t> </a:t>
+            </a:r>
+            <a:r>
+              <a:rPr lang="en-US" sz="2000" dirty="0">
+                <a:latin typeface="Calibri Light"/>
+                <a:cs typeface="Calibri Light"/>
+              </a:rPr>
+              <a:t>respond</a:t>
+            </a:r>
+            <a:r>
+              <a:rPr lang="en-US" sz="2000" spc="-80" dirty="0">
+                <a:latin typeface="Calibri Light"/>
+                <a:cs typeface="Calibri Light"/>
+              </a:rPr>
+              <a:t> </a:t>
+            </a:r>
+            <a:r>
+              <a:rPr lang="en-US" sz="2000" dirty="0">
+                <a:latin typeface="Calibri Light"/>
+                <a:cs typeface="Calibri Light"/>
+              </a:rPr>
+              <a:t>to</a:t>
+            </a:r>
+            <a:r>
+              <a:rPr lang="en-US" sz="2000" spc="-105" dirty="0">
+                <a:latin typeface="Calibri Light"/>
+                <a:cs typeface="Calibri Light"/>
+              </a:rPr>
+              <a:t> </a:t>
+            </a:r>
+            <a:r>
+              <a:rPr lang="en-US" sz="2000" dirty="0">
+                <a:latin typeface="Calibri Light"/>
+                <a:cs typeface="Calibri Light"/>
+              </a:rPr>
+              <a:t>in</a:t>
+            </a:r>
+            <a:r>
+              <a:rPr lang="en-US" sz="2000" spc="-90" dirty="0">
+                <a:latin typeface="Calibri Light"/>
+                <a:cs typeface="Calibri Light"/>
+              </a:rPr>
+              <a:t> </a:t>
+            </a:r>
+            <a:r>
+              <a:rPr lang="en-US" sz="2000" dirty="0">
+                <a:latin typeface="Calibri Light"/>
+                <a:cs typeface="Calibri Light"/>
+              </a:rPr>
+              <a:t>given</a:t>
+            </a:r>
+            <a:r>
+              <a:rPr lang="en-US" sz="2000" spc="-55" dirty="0">
+                <a:latin typeface="Calibri Light"/>
+                <a:cs typeface="Calibri Light"/>
+              </a:rPr>
+              <a:t> </a:t>
+            </a:r>
+            <a:r>
+              <a:rPr lang="en-US" sz="2000" spc="-10" dirty="0">
+                <a:latin typeface="Calibri Light"/>
+                <a:cs typeface="Calibri Light"/>
+              </a:rPr>
+              <a:t>instance</a:t>
+            </a:r>
+            <a:endParaRPr lang="en-US" sz="2000" dirty="0">
+              <a:latin typeface="Calibri Light"/>
+              <a:cs typeface="Calibri Light"/>
+            </a:endParaRPr>
+          </a:p>
+          <a:p>
+            <a:pPr marL="469265" indent="-456565">
+              <a:lnSpc>
+                <a:spcPct val="100000"/>
+              </a:lnSpc>
+              <a:spcBef>
+                <a:spcPts val="600"/>
+              </a:spcBef>
+              <a:buFont typeface="Arial MT"/>
+              <a:buChar char="•"/>
+              <a:tabLst>
+                <a:tab pos="469265" algn="l"/>
+              </a:tabLst>
+            </a:pPr>
+            <a:r>
+              <a:rPr lang="en-US" sz="2000" spc="-25" dirty="0">
+                <a:latin typeface="Calibri Light"/>
+                <a:cs typeface="Calibri Light"/>
+              </a:rPr>
+              <a:t>Constraints</a:t>
+            </a:r>
+            <a:r>
+              <a:rPr lang="en-US" sz="2000" spc="-135" dirty="0">
+                <a:latin typeface="Calibri Light"/>
+                <a:cs typeface="Calibri Light"/>
+              </a:rPr>
+              <a:t> </a:t>
+            </a:r>
+            <a:r>
+              <a:rPr lang="en-US" sz="2000" dirty="0">
+                <a:latin typeface="Calibri Light"/>
+                <a:cs typeface="Calibri Light"/>
+              </a:rPr>
+              <a:t>length</a:t>
+            </a:r>
+            <a:r>
+              <a:rPr lang="en-US" sz="2000" spc="-70" dirty="0">
+                <a:latin typeface="Calibri Light"/>
+                <a:cs typeface="Calibri Light"/>
+              </a:rPr>
+              <a:t> </a:t>
+            </a:r>
+            <a:r>
+              <a:rPr lang="en-US" sz="2000" dirty="0">
+                <a:latin typeface="Calibri Light"/>
+                <a:cs typeface="Calibri Light"/>
+              </a:rPr>
+              <a:t>of</a:t>
+            </a:r>
+            <a:r>
+              <a:rPr lang="en-US" sz="2000" spc="-65" dirty="0">
+                <a:latin typeface="Calibri Light"/>
+                <a:cs typeface="Calibri Light"/>
+              </a:rPr>
+              <a:t> </a:t>
+            </a:r>
+            <a:r>
+              <a:rPr lang="en-US" sz="2000" spc="-20" dirty="0">
+                <a:latin typeface="Calibri Light"/>
+                <a:cs typeface="Calibri Light"/>
+              </a:rPr>
+              <a:t>prompt</a:t>
+            </a:r>
+            <a:r>
+              <a:rPr lang="en-US" sz="2000" spc="-100" dirty="0">
+                <a:latin typeface="Calibri Light"/>
+                <a:cs typeface="Calibri Light"/>
+              </a:rPr>
+              <a:t> </a:t>
+            </a:r>
+            <a:r>
+              <a:rPr lang="en-US" sz="2000" dirty="0">
+                <a:latin typeface="Calibri Light"/>
+                <a:cs typeface="Calibri Light"/>
+              </a:rPr>
+              <a:t>and</a:t>
+            </a:r>
+            <a:r>
+              <a:rPr lang="en-US" sz="2000" spc="-75" dirty="0">
+                <a:latin typeface="Calibri Light"/>
+                <a:cs typeface="Calibri Light"/>
+              </a:rPr>
+              <a:t> </a:t>
+            </a:r>
+            <a:r>
+              <a:rPr lang="en-US" sz="2000" spc="-10" dirty="0">
+                <a:latin typeface="Calibri Light"/>
+                <a:cs typeface="Calibri Light"/>
+              </a:rPr>
+              <a:t>response</a:t>
+            </a:r>
+            <a:endParaRPr lang="en-US" sz="2000" dirty="0">
+              <a:latin typeface="Calibri Light"/>
+              <a:cs typeface="Calibri Light"/>
+            </a:endParaRPr>
+          </a:p>
+          <a:p>
+            <a:endParaRPr lang="en-US" dirty="0"/>
+          </a:p>
+        </p:txBody>
+      </p:sp>
+      <p:sp>
+        <p:nvSpPr>
+          <p:cNvPr id="4" name="object 4"/>
+          <p:cNvSpPr/>
+          <p:nvPr/>
+        </p:nvSpPr>
+        <p:spPr>
+          <a:xfrm>
+            <a:off x="2194560" y="4093464"/>
+            <a:ext cx="1645920" cy="646430"/>
+          </a:xfrm>
+          <a:custGeom>
+            <a:avLst/>
+            <a:gdLst/>
+            <a:ahLst/>
+            <a:cxnLst/>
+            <a:rect l="l" t="t" r="r" b="b"/>
+            <a:pathLst>
+              <a:path w="1645920" h="646429">
+                <a:moveTo>
+                  <a:pt x="0" y="645922"/>
+                </a:moveTo>
+                <a:lnTo>
+                  <a:pt x="1645919" y="645922"/>
+                </a:lnTo>
+                <a:lnTo>
+                  <a:pt x="1645919" y="0"/>
+                </a:lnTo>
+                <a:lnTo>
+                  <a:pt x="0" y="0"/>
+                </a:lnTo>
+                <a:lnTo>
+                  <a:pt x="0" y="645922"/>
+                </a:lnTo>
+                <a:close/>
+              </a:path>
+            </a:pathLst>
+          </a:custGeom>
+          <a:ln w="12700">
+            <a:solidFill>
+              <a:srgbClr val="4470C4"/>
+            </a:solidFill>
+          </a:ln>
+        </p:spPr>
+        <p:txBody>
+          <a:bodyPr wrap="square" lIns="0" tIns="0" rIns="0" bIns="0" rtlCol="0"/>
+          <a:lstStyle/>
+          <a:p>
+            <a:endParaRPr/>
+          </a:p>
+        </p:txBody>
+      </p:sp>
+      <p:sp>
+        <p:nvSpPr>
+          <p:cNvPr id="5" name="object 5"/>
+          <p:cNvSpPr/>
+          <p:nvPr/>
+        </p:nvSpPr>
+        <p:spPr>
+          <a:xfrm>
+            <a:off x="4433315" y="4093464"/>
+            <a:ext cx="4410710" cy="646430"/>
+          </a:xfrm>
+          <a:custGeom>
+            <a:avLst/>
+            <a:gdLst/>
+            <a:ahLst/>
+            <a:cxnLst/>
+            <a:rect l="l" t="t" r="r" b="b"/>
+            <a:pathLst>
+              <a:path w="4410709" h="646429">
+                <a:moveTo>
+                  <a:pt x="0" y="645922"/>
+                </a:moveTo>
+                <a:lnTo>
+                  <a:pt x="4410201" y="645922"/>
+                </a:lnTo>
+                <a:lnTo>
+                  <a:pt x="4410201" y="0"/>
+                </a:lnTo>
+                <a:lnTo>
+                  <a:pt x="0" y="0"/>
+                </a:lnTo>
+                <a:lnTo>
+                  <a:pt x="0" y="645922"/>
+                </a:lnTo>
+                <a:close/>
+              </a:path>
+            </a:pathLst>
+          </a:custGeom>
+          <a:ln w="12700">
+            <a:solidFill>
+              <a:srgbClr val="4470C4"/>
+            </a:solidFill>
+          </a:ln>
+        </p:spPr>
+        <p:txBody>
+          <a:bodyPr wrap="square" lIns="0" tIns="0" rIns="0" bIns="0" rtlCol="0"/>
+          <a:lstStyle/>
+          <a:p>
+            <a:endParaRPr/>
+          </a:p>
+        </p:txBody>
+      </p:sp>
+      <p:sp>
+        <p:nvSpPr>
+          <p:cNvPr id="6" name="object 6"/>
+          <p:cNvSpPr/>
+          <p:nvPr/>
+        </p:nvSpPr>
+        <p:spPr>
+          <a:xfrm>
+            <a:off x="2194560" y="5128259"/>
+            <a:ext cx="6649084" cy="565150"/>
+          </a:xfrm>
+          <a:custGeom>
+            <a:avLst/>
+            <a:gdLst/>
+            <a:ahLst/>
+            <a:cxnLst/>
+            <a:rect l="l" t="t" r="r" b="b"/>
+            <a:pathLst>
+              <a:path w="6649084" h="565150">
+                <a:moveTo>
+                  <a:pt x="6648704" y="0"/>
+                </a:moveTo>
+                <a:lnTo>
+                  <a:pt x="6647053" y="75056"/>
+                </a:lnTo>
+                <a:lnTo>
+                  <a:pt x="6642227" y="142620"/>
+                </a:lnTo>
+                <a:lnTo>
+                  <a:pt x="6634861" y="199770"/>
+                </a:lnTo>
+                <a:lnTo>
+                  <a:pt x="6625336" y="243966"/>
+                </a:lnTo>
+                <a:lnTo>
+                  <a:pt x="6601586" y="282447"/>
+                </a:lnTo>
+                <a:lnTo>
+                  <a:pt x="3371468" y="282447"/>
+                </a:lnTo>
+                <a:lnTo>
+                  <a:pt x="3358895" y="292607"/>
+                </a:lnTo>
+                <a:lnTo>
+                  <a:pt x="3338194" y="365251"/>
+                </a:lnTo>
+                <a:lnTo>
+                  <a:pt x="3330829" y="422401"/>
+                </a:lnTo>
+                <a:lnTo>
+                  <a:pt x="3326003" y="489940"/>
+                </a:lnTo>
+                <a:lnTo>
+                  <a:pt x="3324352" y="565022"/>
+                </a:lnTo>
+                <a:lnTo>
+                  <a:pt x="3322701" y="489940"/>
+                </a:lnTo>
+                <a:lnTo>
+                  <a:pt x="3317875" y="422401"/>
+                </a:lnTo>
+                <a:lnTo>
+                  <a:pt x="3310509" y="365251"/>
+                </a:lnTo>
+                <a:lnTo>
+                  <a:pt x="3300984" y="321055"/>
+                </a:lnTo>
+                <a:lnTo>
+                  <a:pt x="3277235" y="282447"/>
+                </a:lnTo>
+                <a:lnTo>
+                  <a:pt x="47116" y="282447"/>
+                </a:lnTo>
+                <a:lnTo>
+                  <a:pt x="34543" y="272414"/>
+                </a:lnTo>
+                <a:lnTo>
+                  <a:pt x="23367" y="243966"/>
+                </a:lnTo>
+                <a:lnTo>
+                  <a:pt x="13842" y="199770"/>
+                </a:lnTo>
+                <a:lnTo>
+                  <a:pt x="6476" y="142620"/>
+                </a:lnTo>
+                <a:lnTo>
+                  <a:pt x="1650" y="75056"/>
+                </a:lnTo>
+                <a:lnTo>
+                  <a:pt x="0" y="0"/>
+                </a:lnTo>
+              </a:path>
+            </a:pathLst>
+          </a:custGeom>
+          <a:ln w="12700">
+            <a:solidFill>
+              <a:srgbClr val="4470C4"/>
+            </a:solidFill>
+          </a:ln>
+        </p:spPr>
+        <p:txBody>
+          <a:bodyPr wrap="square" lIns="0" tIns="0" rIns="0" bIns="0" rtlCol="0"/>
+          <a:lstStyle/>
+          <a:p>
+            <a:endParaRPr/>
+          </a:p>
+        </p:txBody>
+      </p:sp>
+      <p:sp>
+        <p:nvSpPr>
+          <p:cNvPr id="7" name="object 7"/>
+          <p:cNvSpPr txBox="1"/>
+          <p:nvPr/>
+        </p:nvSpPr>
+        <p:spPr>
+          <a:xfrm>
+            <a:off x="2176398" y="3518153"/>
+            <a:ext cx="5846445" cy="330835"/>
+          </a:xfrm>
+          <a:prstGeom prst="rect">
+            <a:avLst/>
+          </a:prstGeom>
+        </p:spPr>
+        <p:txBody>
+          <a:bodyPr vert="horz" wrap="square" lIns="0" tIns="13335" rIns="0" bIns="0" rtlCol="0">
+            <a:spAutoFit/>
+          </a:bodyPr>
+          <a:lstStyle/>
+          <a:p>
+            <a:pPr marL="12700">
+              <a:lnSpc>
+                <a:spcPct val="100000"/>
+              </a:lnSpc>
+              <a:spcBef>
+                <a:spcPts val="105"/>
+              </a:spcBef>
+              <a:tabLst>
+                <a:tab pos="3084830" algn="l"/>
+              </a:tabLst>
+            </a:pPr>
+            <a:r>
+              <a:rPr sz="2000" spc="-25" dirty="0">
+                <a:latin typeface="Calibri Light"/>
+                <a:cs typeface="Calibri Light"/>
+              </a:rPr>
+              <a:t>Prompt</a:t>
+            </a:r>
+            <a:r>
+              <a:rPr sz="2000" spc="-65" dirty="0">
+                <a:latin typeface="Calibri Light"/>
+                <a:cs typeface="Calibri Light"/>
+              </a:rPr>
+              <a:t> </a:t>
+            </a:r>
+            <a:r>
+              <a:rPr sz="2000" spc="-10" dirty="0">
+                <a:latin typeface="Calibri Light"/>
+                <a:cs typeface="Calibri Light"/>
+              </a:rPr>
+              <a:t>(tokens)</a:t>
+            </a:r>
+            <a:r>
+              <a:rPr sz="2000" dirty="0">
+                <a:latin typeface="Calibri Light"/>
+                <a:cs typeface="Calibri Light"/>
+              </a:rPr>
+              <a:t>	</a:t>
+            </a:r>
+            <a:r>
+              <a:rPr sz="3000" spc="-30" baseline="1388" dirty="0">
+                <a:latin typeface="Calibri Light"/>
+                <a:cs typeface="Calibri Light"/>
+              </a:rPr>
+              <a:t>Response </a:t>
+            </a:r>
+            <a:r>
+              <a:rPr sz="3000" spc="-15" baseline="1388" dirty="0">
+                <a:latin typeface="Calibri Light"/>
+                <a:cs typeface="Calibri Light"/>
+              </a:rPr>
+              <a:t>(sampled</a:t>
+            </a:r>
+            <a:r>
+              <a:rPr sz="3000" spc="-60" baseline="1388" dirty="0">
+                <a:latin typeface="Calibri Light"/>
+                <a:cs typeface="Calibri Light"/>
+              </a:rPr>
+              <a:t> </a:t>
+            </a:r>
+            <a:r>
+              <a:rPr sz="3000" spc="-15" baseline="1388" dirty="0">
+                <a:latin typeface="Calibri Light"/>
+                <a:cs typeface="Calibri Light"/>
+              </a:rPr>
+              <a:t>tokens)</a:t>
+            </a:r>
+            <a:endParaRPr sz="3000" baseline="1388" dirty="0">
+              <a:latin typeface="Calibri Light"/>
+              <a:cs typeface="Calibri Light"/>
+            </a:endParaRPr>
+          </a:p>
+        </p:txBody>
+      </p:sp>
+      <p:sp>
+        <p:nvSpPr>
+          <p:cNvPr id="8" name="object 8"/>
+          <p:cNvSpPr txBox="1"/>
+          <p:nvPr/>
+        </p:nvSpPr>
+        <p:spPr>
+          <a:xfrm>
+            <a:off x="573735" y="5761431"/>
+            <a:ext cx="7740015" cy="835025"/>
+          </a:xfrm>
+          <a:prstGeom prst="rect">
+            <a:avLst/>
+          </a:prstGeom>
+        </p:spPr>
+        <p:txBody>
+          <a:bodyPr vert="horz" wrap="square" lIns="0" tIns="12700" rIns="0" bIns="0" rtlCol="0">
+            <a:spAutoFit/>
+          </a:bodyPr>
+          <a:lstStyle/>
+          <a:p>
+            <a:pPr marR="5080" algn="r">
+              <a:lnSpc>
+                <a:spcPct val="100000"/>
+              </a:lnSpc>
+              <a:spcBef>
+                <a:spcPts val="100"/>
+              </a:spcBef>
+            </a:pPr>
+            <a:r>
+              <a:rPr sz="2000" spc="-25" dirty="0">
+                <a:latin typeface="Calibri Light"/>
+                <a:cs typeface="Calibri Light"/>
+              </a:rPr>
+              <a:t>Context</a:t>
+            </a:r>
+            <a:r>
+              <a:rPr sz="2000" spc="-60" dirty="0">
+                <a:latin typeface="Calibri Light"/>
+                <a:cs typeface="Calibri Light"/>
+              </a:rPr>
+              <a:t> </a:t>
+            </a:r>
+            <a:r>
+              <a:rPr sz="2000" spc="-10" dirty="0">
+                <a:latin typeface="Calibri Light"/>
+                <a:cs typeface="Calibri Light"/>
+              </a:rPr>
+              <a:t>window</a:t>
+            </a:r>
+            <a:endParaRPr sz="2000">
+              <a:latin typeface="Calibri Light"/>
+              <a:cs typeface="Calibri Light"/>
+            </a:endParaRPr>
+          </a:p>
+          <a:p>
+            <a:pPr marL="12700">
+              <a:lnSpc>
+                <a:spcPct val="100000"/>
+              </a:lnSpc>
+              <a:spcBef>
+                <a:spcPts val="1810"/>
+              </a:spcBef>
+            </a:pPr>
+            <a:r>
+              <a:rPr sz="1800" spc="-20" dirty="0">
+                <a:latin typeface="Calibri Light"/>
+                <a:cs typeface="Calibri Light"/>
+              </a:rPr>
+              <a:t>ChatGPT-</a:t>
+            </a:r>
+            <a:r>
+              <a:rPr sz="1800" dirty="0">
+                <a:latin typeface="Calibri Light"/>
+                <a:cs typeface="Calibri Light"/>
+              </a:rPr>
+              <a:t>4</a:t>
+            </a:r>
+            <a:r>
+              <a:rPr sz="1800" spc="-55" dirty="0">
+                <a:latin typeface="Calibri Light"/>
+                <a:cs typeface="Calibri Light"/>
+              </a:rPr>
+              <a:t> </a:t>
+            </a:r>
+            <a:r>
+              <a:rPr sz="1800" spc="-20" dirty="0">
+                <a:latin typeface="Calibri Light"/>
+                <a:cs typeface="Calibri Light"/>
+              </a:rPr>
+              <a:t>currently</a:t>
+            </a:r>
+            <a:r>
+              <a:rPr sz="1800" spc="-45" dirty="0">
+                <a:latin typeface="Calibri Light"/>
+                <a:cs typeface="Calibri Light"/>
+              </a:rPr>
+              <a:t> </a:t>
+            </a:r>
+            <a:r>
+              <a:rPr sz="1800" dirty="0">
+                <a:latin typeface="Calibri Light"/>
+                <a:cs typeface="Calibri Light"/>
+              </a:rPr>
+              <a:t>has</a:t>
+            </a:r>
+            <a:r>
+              <a:rPr sz="1800" spc="10" dirty="0">
+                <a:latin typeface="Calibri Light"/>
+                <a:cs typeface="Calibri Light"/>
+              </a:rPr>
+              <a:t> </a:t>
+            </a:r>
+            <a:r>
+              <a:rPr sz="1800" dirty="0">
+                <a:latin typeface="Calibri Light"/>
+                <a:cs typeface="Calibri Light"/>
+              </a:rPr>
+              <a:t>a</a:t>
+            </a:r>
+            <a:r>
+              <a:rPr sz="1800" spc="-10" dirty="0">
+                <a:latin typeface="Calibri Light"/>
+                <a:cs typeface="Calibri Light"/>
+              </a:rPr>
+              <a:t> </a:t>
+            </a:r>
+            <a:r>
+              <a:rPr sz="1800" dirty="0">
+                <a:latin typeface="Calibri Light"/>
+                <a:cs typeface="Calibri Light"/>
+              </a:rPr>
+              <a:t>cap</a:t>
+            </a:r>
+            <a:r>
+              <a:rPr sz="1800" spc="-50" dirty="0">
+                <a:latin typeface="Calibri Light"/>
+                <a:cs typeface="Calibri Light"/>
+              </a:rPr>
+              <a:t> </a:t>
+            </a:r>
+            <a:r>
+              <a:rPr sz="1800" spc="-20" dirty="0">
+                <a:latin typeface="Calibri Light"/>
+                <a:cs typeface="Calibri Light"/>
+              </a:rPr>
+              <a:t>related</a:t>
+            </a:r>
+            <a:r>
+              <a:rPr sz="1800" spc="-30" dirty="0">
+                <a:latin typeface="Calibri Light"/>
+                <a:cs typeface="Calibri Light"/>
+              </a:rPr>
+              <a:t> </a:t>
+            </a:r>
+            <a:r>
+              <a:rPr sz="1800" dirty="0">
+                <a:latin typeface="Calibri Light"/>
+                <a:cs typeface="Calibri Light"/>
+              </a:rPr>
+              <a:t>to</a:t>
+            </a:r>
+            <a:r>
+              <a:rPr sz="1800" spc="-40" dirty="0">
+                <a:latin typeface="Calibri Light"/>
+                <a:cs typeface="Calibri Light"/>
+              </a:rPr>
+              <a:t> </a:t>
+            </a:r>
+            <a:r>
+              <a:rPr sz="1800" dirty="0">
+                <a:latin typeface="Calibri Light"/>
+                <a:cs typeface="Calibri Light"/>
+              </a:rPr>
+              <a:t>message</a:t>
+            </a:r>
+            <a:r>
+              <a:rPr sz="1800" spc="-40" dirty="0">
+                <a:latin typeface="Calibri Light"/>
+                <a:cs typeface="Calibri Light"/>
+              </a:rPr>
+              <a:t> </a:t>
+            </a:r>
+            <a:r>
+              <a:rPr sz="1800" dirty="0">
+                <a:latin typeface="Calibri Light"/>
+                <a:cs typeface="Calibri Light"/>
+              </a:rPr>
+              <a:t>frequency</a:t>
+            </a:r>
+            <a:r>
+              <a:rPr sz="1800" spc="-60" dirty="0">
+                <a:latin typeface="Calibri Light"/>
+                <a:cs typeface="Calibri Light"/>
+              </a:rPr>
+              <a:t> </a:t>
+            </a:r>
+            <a:r>
+              <a:rPr sz="1800" dirty="0">
+                <a:latin typeface="Calibri Light"/>
+                <a:cs typeface="Calibri Light"/>
+              </a:rPr>
+              <a:t>–</a:t>
+            </a:r>
+            <a:r>
+              <a:rPr sz="1800" spc="-25" dirty="0">
+                <a:latin typeface="Calibri Light"/>
+                <a:cs typeface="Calibri Light"/>
+              </a:rPr>
+              <a:t> </a:t>
+            </a:r>
+            <a:r>
+              <a:rPr sz="1800" dirty="0">
+                <a:latin typeface="Calibri Light"/>
+                <a:cs typeface="Calibri Light"/>
+              </a:rPr>
+              <a:t>128,000</a:t>
+            </a:r>
+            <a:r>
+              <a:rPr sz="1800" spc="-50" dirty="0">
+                <a:latin typeface="Calibri Light"/>
+                <a:cs typeface="Calibri Light"/>
+              </a:rPr>
+              <a:t> </a:t>
+            </a:r>
+            <a:r>
+              <a:rPr sz="1800" spc="-10" dirty="0">
+                <a:latin typeface="Calibri Light"/>
+                <a:cs typeface="Calibri Light"/>
+              </a:rPr>
+              <a:t>tokens</a:t>
+            </a:r>
+            <a:endParaRPr sz="1800">
+              <a:latin typeface="Calibri Light"/>
+              <a:cs typeface="Calibri Light"/>
+            </a:endParaRPr>
+          </a:p>
+        </p:txBody>
+      </p:sp>
+      <p:sp>
+        <p:nvSpPr>
+          <p:cNvPr id="9" name="object 9"/>
+          <p:cNvSpPr txBox="1"/>
+          <p:nvPr/>
+        </p:nvSpPr>
+        <p:spPr>
+          <a:xfrm>
+            <a:off x="9390888" y="3715511"/>
+            <a:ext cx="2382520" cy="1713230"/>
+          </a:xfrm>
+          <a:prstGeom prst="rect">
+            <a:avLst/>
+          </a:prstGeom>
+          <a:ln w="12700">
+            <a:solidFill>
+              <a:srgbClr val="000000"/>
+            </a:solidFill>
+          </a:ln>
+        </p:spPr>
+        <p:txBody>
+          <a:bodyPr vert="horz" wrap="square" lIns="0" tIns="141605" rIns="0" bIns="0" rtlCol="0">
+            <a:spAutoFit/>
+          </a:bodyPr>
+          <a:lstStyle/>
+          <a:p>
+            <a:pPr marL="92075">
+              <a:lnSpc>
+                <a:spcPct val="100000"/>
+              </a:lnSpc>
+              <a:spcBef>
+                <a:spcPts val="1115"/>
+              </a:spcBef>
+            </a:pPr>
+            <a:r>
+              <a:rPr sz="1800" spc="-20" dirty="0">
+                <a:latin typeface="Calibri Light"/>
+                <a:cs typeface="Calibri Light"/>
+              </a:rPr>
+              <a:t>gpt-</a:t>
+            </a:r>
+            <a:r>
+              <a:rPr sz="1800" dirty="0">
+                <a:latin typeface="Calibri Light"/>
+                <a:cs typeface="Calibri Light"/>
+              </a:rPr>
+              <a:t>4</a:t>
+            </a:r>
+            <a:r>
+              <a:rPr sz="1800" spc="-40" dirty="0">
+                <a:latin typeface="Calibri Light"/>
+                <a:cs typeface="Calibri Light"/>
+              </a:rPr>
+              <a:t> </a:t>
+            </a:r>
+            <a:r>
+              <a:rPr sz="1800" dirty="0">
+                <a:latin typeface="Calibri Light"/>
+                <a:cs typeface="Calibri Light"/>
+              </a:rPr>
+              <a:t>8000</a:t>
+            </a:r>
+            <a:r>
+              <a:rPr sz="1800" spc="-25" dirty="0">
+                <a:latin typeface="Calibri Light"/>
+                <a:cs typeface="Calibri Light"/>
+              </a:rPr>
+              <a:t> </a:t>
+            </a:r>
+            <a:r>
+              <a:rPr sz="1800" spc="-10" dirty="0">
+                <a:latin typeface="Calibri Light"/>
+                <a:cs typeface="Calibri Light"/>
+              </a:rPr>
+              <a:t>tokens</a:t>
+            </a:r>
+            <a:endParaRPr sz="1800" dirty="0">
+              <a:latin typeface="Calibri Light"/>
+              <a:cs typeface="Calibri Light"/>
+            </a:endParaRPr>
+          </a:p>
+          <a:p>
+            <a:pPr marL="92075">
+              <a:lnSpc>
+                <a:spcPct val="100000"/>
+              </a:lnSpc>
+            </a:pPr>
+            <a:r>
+              <a:rPr sz="1800" spc="-20" dirty="0">
+                <a:latin typeface="Calibri Light"/>
+                <a:cs typeface="Calibri Light"/>
+              </a:rPr>
+              <a:t>gpt-</a:t>
+            </a:r>
+            <a:r>
+              <a:rPr sz="1800" spc="-10" dirty="0">
+                <a:latin typeface="Calibri Light"/>
+                <a:cs typeface="Calibri Light"/>
+              </a:rPr>
+              <a:t>4-</a:t>
+            </a:r>
+            <a:r>
+              <a:rPr sz="1800" dirty="0">
+                <a:latin typeface="Calibri Light"/>
+                <a:cs typeface="Calibri Light"/>
+              </a:rPr>
+              <a:t>32k</a:t>
+            </a:r>
+            <a:r>
+              <a:rPr sz="1800" spc="-70" dirty="0">
+                <a:latin typeface="Calibri Light"/>
+                <a:cs typeface="Calibri Light"/>
+              </a:rPr>
+              <a:t> </a:t>
+            </a:r>
+            <a:r>
+              <a:rPr sz="1800" dirty="0">
+                <a:latin typeface="Calibri Light"/>
+                <a:cs typeface="Calibri Light"/>
+              </a:rPr>
+              <a:t>32000</a:t>
+            </a:r>
+            <a:r>
+              <a:rPr sz="1800" spc="-30" dirty="0">
+                <a:latin typeface="Calibri Light"/>
+                <a:cs typeface="Calibri Light"/>
+              </a:rPr>
+              <a:t> </a:t>
+            </a:r>
+            <a:r>
+              <a:rPr sz="1800" spc="-10" dirty="0">
+                <a:latin typeface="Calibri Light"/>
+                <a:cs typeface="Calibri Light"/>
+              </a:rPr>
+              <a:t>tokens</a:t>
+            </a:r>
+            <a:endParaRPr sz="1800" dirty="0">
+              <a:latin typeface="Calibri Light"/>
+              <a:cs typeface="Calibri Light"/>
+            </a:endParaRPr>
+          </a:p>
+          <a:p>
+            <a:pPr marL="92075">
+              <a:lnSpc>
+                <a:spcPct val="100000"/>
+              </a:lnSpc>
+              <a:spcBef>
+                <a:spcPts val="2100"/>
+              </a:spcBef>
+            </a:pPr>
+            <a:r>
+              <a:rPr sz="1800" spc="-20" dirty="0">
+                <a:latin typeface="Calibri Light"/>
+                <a:cs typeface="Calibri Light"/>
+              </a:rPr>
+              <a:t>gpt-</a:t>
+            </a:r>
+            <a:r>
+              <a:rPr sz="1800" dirty="0">
+                <a:latin typeface="Calibri Light"/>
+                <a:cs typeface="Calibri Light"/>
+              </a:rPr>
+              <a:t>4</a:t>
+            </a:r>
+            <a:r>
+              <a:rPr sz="1800" spc="-20" dirty="0">
+                <a:latin typeface="Calibri Light"/>
+                <a:cs typeface="Calibri Light"/>
+              </a:rPr>
+              <a:t> </a:t>
+            </a:r>
+            <a:r>
+              <a:rPr sz="1800" dirty="0">
+                <a:latin typeface="Calibri Light"/>
+                <a:cs typeface="Calibri Light"/>
+              </a:rPr>
+              <a:t>6000</a:t>
+            </a:r>
+            <a:r>
+              <a:rPr sz="1800" spc="-15" dirty="0">
+                <a:latin typeface="Calibri Light"/>
+                <a:cs typeface="Calibri Light"/>
+              </a:rPr>
+              <a:t> </a:t>
+            </a:r>
+            <a:r>
+              <a:rPr sz="1800" spc="-20" dirty="0">
+                <a:latin typeface="Calibri Light"/>
+                <a:cs typeface="Calibri Light"/>
+              </a:rPr>
+              <a:t>words</a:t>
+            </a:r>
+            <a:endParaRPr sz="1800" dirty="0">
+              <a:latin typeface="Calibri Light"/>
+              <a:cs typeface="Calibri Light"/>
+            </a:endParaRPr>
+          </a:p>
+          <a:p>
+            <a:pPr marL="92075">
+              <a:lnSpc>
+                <a:spcPct val="100000"/>
+              </a:lnSpc>
+              <a:spcBef>
+                <a:spcPts val="5"/>
+              </a:spcBef>
+            </a:pPr>
+            <a:r>
+              <a:rPr sz="1800" spc="-20" dirty="0">
+                <a:latin typeface="Calibri Light"/>
+                <a:cs typeface="Calibri Light"/>
+              </a:rPr>
+              <a:t>gpt-</a:t>
+            </a:r>
+            <a:r>
+              <a:rPr sz="1800" spc="-10" dirty="0">
+                <a:latin typeface="Calibri Light"/>
+                <a:cs typeface="Calibri Light"/>
+              </a:rPr>
+              <a:t>4-</a:t>
+            </a:r>
+            <a:r>
+              <a:rPr sz="1800" dirty="0">
+                <a:latin typeface="Calibri Light"/>
+                <a:cs typeface="Calibri Light"/>
+              </a:rPr>
+              <a:t>32k</a:t>
+            </a:r>
+            <a:r>
+              <a:rPr sz="1800" spc="-70" dirty="0">
+                <a:latin typeface="Calibri Light"/>
+                <a:cs typeface="Calibri Light"/>
+              </a:rPr>
+              <a:t> </a:t>
+            </a:r>
+            <a:r>
+              <a:rPr sz="1800" dirty="0">
+                <a:latin typeface="Calibri Light"/>
+                <a:cs typeface="Calibri Light"/>
+              </a:rPr>
+              <a:t>24000</a:t>
+            </a:r>
+            <a:r>
+              <a:rPr sz="1800" spc="-40" dirty="0">
+                <a:latin typeface="Calibri Light"/>
+                <a:cs typeface="Calibri Light"/>
+              </a:rPr>
+              <a:t> </a:t>
+            </a:r>
+            <a:r>
+              <a:rPr sz="1800" spc="-10" dirty="0">
+                <a:latin typeface="Calibri Light"/>
+                <a:cs typeface="Calibri Light"/>
+              </a:rPr>
+              <a:t>words</a:t>
+            </a:r>
+            <a:endParaRPr sz="1800" dirty="0">
+              <a:latin typeface="Calibri Light"/>
+              <a:cs typeface="Calibri Light"/>
+            </a:endParaRPr>
+          </a:p>
+        </p:txBody>
+      </p:sp>
+      <p:pic>
+        <p:nvPicPr>
+          <p:cNvPr id="10" name="object 10"/>
+          <p:cNvPicPr/>
+          <p:nvPr/>
+        </p:nvPicPr>
+        <p:blipFill>
+          <a:blip r:embed="rId2" cstate="print"/>
+          <a:stretch>
+            <a:fillRect/>
+          </a:stretch>
+        </p:blipFill>
+        <p:spPr>
+          <a:xfrm>
+            <a:off x="9445891" y="5562600"/>
+            <a:ext cx="2327008" cy="701040"/>
+          </a:xfrm>
+          <a:prstGeom prst="rect">
+            <a:avLst/>
+          </a:prstGeom>
+        </p:spPr>
+      </p:pic>
+      <p:sp>
+        <p:nvSpPr>
+          <p:cNvPr id="11" name="object 11"/>
+          <p:cNvSpPr txBox="1"/>
+          <p:nvPr/>
+        </p:nvSpPr>
+        <p:spPr>
+          <a:xfrm>
+            <a:off x="9300209" y="6600545"/>
+            <a:ext cx="2701925" cy="147955"/>
+          </a:xfrm>
+          <a:prstGeom prst="rect">
+            <a:avLst/>
+          </a:prstGeom>
+        </p:spPr>
+        <p:txBody>
+          <a:bodyPr vert="horz" wrap="square" lIns="0" tIns="12700" rIns="0" bIns="0" rtlCol="0">
+            <a:spAutoFit/>
+          </a:bodyPr>
+          <a:lstStyle/>
+          <a:p>
+            <a:pPr marL="12700">
+              <a:lnSpc>
+                <a:spcPct val="100000"/>
+              </a:lnSpc>
+              <a:spcBef>
+                <a:spcPts val="100"/>
+              </a:spcBef>
+            </a:pPr>
+            <a:r>
+              <a:rPr sz="800" u="sng" spc="-10" dirty="0">
+                <a:uFill>
+                  <a:solidFill>
+                    <a:srgbClr val="000000"/>
+                  </a:solidFill>
+                </a:uFill>
+                <a:latin typeface="Calibri Light"/>
+                <a:cs typeface="Calibri Light"/>
+                <a:hlinkClick r:id="rId3"/>
+              </a:rPr>
+              <a:t>https://platform.openai.com/docs/models/gpt-4-and-gpt-4-turbo</a:t>
+            </a:r>
+            <a:endParaRPr sz="800">
+              <a:latin typeface="Calibri Light"/>
+              <a:cs typeface="Calibri Light"/>
+            </a:endParaRPr>
+          </a:p>
+        </p:txBody>
+      </p:sp>
+    </p:spTree>
+  </p:cSld>
+  <p:clrMapOvr>
+    <a:masterClrMapping/>
+  </p:clrMapOvr>
+</p:sld>
+</file>
+
+<file path=ppt/slides/slide51.xml><?xml version="1.0" encoding="utf-8"?>
+<p:sld xmlns:a="http://schemas.openxmlformats.org/drawingml/2006/main" xmlns:r="http://schemas.openxmlformats.org/officeDocument/2006/relationships" xmlns:p="http://schemas.openxmlformats.org/presentationml/2006/main">
+  <p:cSld>
+    <p:spTree>
+      <p:nvGrpSpPr>
+        <p:cNvPr id="1" name=""/>
+        <p:cNvGrpSpPr/>
+        <p:nvPr/>
+      </p:nvGrpSpPr>
+      <p:grpSpPr>
+        <a:xfrm>
+          <a:off x="0" y="0"/>
+          <a:ext cx="0" cy="0"/>
+          <a:chOff x="0" y="0"/>
+          <a:chExt cx="0" cy="0"/>
+        </a:xfrm>
+      </p:grpSpPr>
+      <p:sp>
+        <p:nvSpPr>
+          <p:cNvPr id="2" name="object 2"/>
+          <p:cNvSpPr txBox="1">
+            <a:spLocks noGrp="1"/>
+          </p:cNvSpPr>
+          <p:nvPr>
+            <p:ph type="title"/>
+          </p:nvPr>
+        </p:nvSpPr>
+        <p:spPr>
+          <a:prstGeom prst="rect">
+            <a:avLst/>
+          </a:prstGeom>
+        </p:spPr>
+        <p:txBody>
+          <a:bodyPr vert="horz" wrap="square" lIns="0" tIns="314832" rIns="0" bIns="0" rtlCol="0">
+            <a:spAutoFit/>
+          </a:bodyPr>
+          <a:lstStyle/>
+          <a:p>
+            <a:pPr marL="206375">
+              <a:lnSpc>
+                <a:spcPct val="100000"/>
+              </a:lnSpc>
+              <a:spcBef>
+                <a:spcPts val="95"/>
+              </a:spcBef>
+            </a:pPr>
+            <a:r>
+              <a:rPr dirty="0"/>
+              <a:t>Cost</a:t>
+            </a:r>
+            <a:r>
+              <a:rPr spc="-55" dirty="0"/>
+              <a:t> </a:t>
+            </a:r>
+            <a:r>
+              <a:rPr dirty="0"/>
+              <a:t>is</a:t>
+            </a:r>
+            <a:r>
+              <a:rPr spc="-70" dirty="0"/>
+              <a:t> </a:t>
+            </a:r>
+            <a:r>
+              <a:rPr dirty="0"/>
+              <a:t>based</a:t>
+            </a:r>
+            <a:r>
+              <a:rPr spc="-100" dirty="0"/>
+              <a:t> </a:t>
+            </a:r>
+            <a:r>
+              <a:rPr dirty="0"/>
+              <a:t>on</a:t>
+            </a:r>
+            <a:r>
+              <a:rPr spc="-85" dirty="0"/>
+              <a:t> </a:t>
+            </a:r>
+            <a:r>
+              <a:rPr dirty="0"/>
+              <a:t>tokens</a:t>
+            </a:r>
+            <a:r>
+              <a:rPr spc="-75" dirty="0"/>
+              <a:t> </a:t>
+            </a:r>
+            <a:r>
+              <a:rPr spc="-20" dirty="0"/>
+              <a:t>used</a:t>
+            </a:r>
+          </a:p>
+        </p:txBody>
+      </p:sp>
+      <p:sp>
+        <p:nvSpPr>
+          <p:cNvPr id="7" name="Content Placeholder 6">
+            <a:extLst>
+              <a:ext uri="{FF2B5EF4-FFF2-40B4-BE49-F238E27FC236}">
+                <a16:creationId xmlns:a16="http://schemas.microsoft.com/office/drawing/2014/main" id="{A5AC503C-3221-5C95-8FDA-735E0F06A6CE}"/>
+              </a:ext>
+            </a:extLst>
+          </p:cNvPr>
+          <p:cNvSpPr>
+            <a:spLocks noGrp="1"/>
+          </p:cNvSpPr>
+          <p:nvPr>
+            <p:ph idx="1"/>
+          </p:nvPr>
+        </p:nvSpPr>
+        <p:spPr/>
+        <p:txBody>
+          <a:bodyPr/>
+          <a:lstStyle/>
+          <a:p>
+            <a:endParaRPr lang="en-US"/>
+          </a:p>
+        </p:txBody>
+      </p:sp>
+      <p:sp>
+        <p:nvSpPr>
+          <p:cNvPr id="3" name="object 3"/>
+          <p:cNvSpPr txBox="1"/>
+          <p:nvPr/>
+        </p:nvSpPr>
+        <p:spPr>
+          <a:xfrm>
+            <a:off x="797458" y="6078728"/>
+            <a:ext cx="5228590" cy="239395"/>
+          </a:xfrm>
+          <a:prstGeom prst="rect">
+            <a:avLst/>
+          </a:prstGeom>
+        </p:spPr>
+        <p:txBody>
+          <a:bodyPr vert="horz" wrap="square" lIns="0" tIns="12700" rIns="0" bIns="0" rtlCol="0">
+            <a:spAutoFit/>
+          </a:bodyPr>
+          <a:lstStyle/>
+          <a:p>
+            <a:pPr marL="12700">
+              <a:lnSpc>
+                <a:spcPct val="100000"/>
+              </a:lnSpc>
+              <a:spcBef>
+                <a:spcPts val="100"/>
+              </a:spcBef>
+            </a:pPr>
+            <a:r>
+              <a:rPr sz="1400" u="sng" spc="-20" dirty="0">
+                <a:solidFill>
+                  <a:srgbClr val="0000FF"/>
+                </a:solidFill>
+                <a:uFill>
+                  <a:solidFill>
+                    <a:srgbClr val="0461C1"/>
+                  </a:solidFill>
+                </a:uFill>
+                <a:latin typeface="Calibri Light"/>
+                <a:cs typeface="Calibri Light"/>
+                <a:hlinkClick r:id="rId2"/>
+              </a:rPr>
+              <a:t>https://help.openai.com/en/articles/7127956-how-</a:t>
+            </a:r>
+            <a:r>
+              <a:rPr sz="1400" u="sng" spc="-10" dirty="0">
+                <a:solidFill>
+                  <a:srgbClr val="0000FF"/>
+                </a:solidFill>
+                <a:uFill>
+                  <a:solidFill>
+                    <a:srgbClr val="0461C1"/>
+                  </a:solidFill>
+                </a:uFill>
+                <a:latin typeface="Calibri Light"/>
+                <a:cs typeface="Calibri Light"/>
+                <a:hlinkClick r:id="rId2"/>
+              </a:rPr>
+              <a:t>much-</a:t>
+            </a:r>
+            <a:r>
+              <a:rPr sz="1400" u="sng" spc="-20" dirty="0">
+                <a:solidFill>
+                  <a:srgbClr val="0000FF"/>
+                </a:solidFill>
+                <a:uFill>
+                  <a:solidFill>
+                    <a:srgbClr val="0461C1"/>
+                  </a:solidFill>
+                </a:uFill>
+                <a:latin typeface="Calibri Light"/>
+                <a:cs typeface="Calibri Light"/>
+                <a:hlinkClick r:id="rId2"/>
+              </a:rPr>
+              <a:t>does-</a:t>
+            </a:r>
+            <a:r>
+              <a:rPr sz="1400" u="sng" spc="-10" dirty="0">
+                <a:solidFill>
+                  <a:srgbClr val="0000FF"/>
+                </a:solidFill>
+                <a:uFill>
+                  <a:solidFill>
+                    <a:srgbClr val="0461C1"/>
+                  </a:solidFill>
+                </a:uFill>
+                <a:latin typeface="Calibri Light"/>
+                <a:cs typeface="Calibri Light"/>
+                <a:hlinkClick r:id="rId2"/>
+              </a:rPr>
+              <a:t>gpt-</a:t>
+            </a:r>
+            <a:r>
+              <a:rPr sz="1400" u="sng" spc="-25" dirty="0">
+                <a:solidFill>
+                  <a:srgbClr val="0000FF"/>
+                </a:solidFill>
+                <a:uFill>
+                  <a:solidFill>
+                    <a:srgbClr val="0461C1"/>
+                  </a:solidFill>
+                </a:uFill>
+                <a:latin typeface="Calibri Light"/>
+                <a:cs typeface="Calibri Light"/>
+                <a:hlinkClick r:id="rId2"/>
+              </a:rPr>
+              <a:t>4-</a:t>
+            </a:r>
+            <a:r>
+              <a:rPr sz="1400" u="sng" spc="-20" dirty="0">
+                <a:solidFill>
+                  <a:srgbClr val="0000FF"/>
+                </a:solidFill>
+                <a:uFill>
+                  <a:solidFill>
+                    <a:srgbClr val="0461C1"/>
+                  </a:solidFill>
+                </a:uFill>
+                <a:latin typeface="Calibri Light"/>
+                <a:cs typeface="Calibri Light"/>
+                <a:hlinkClick r:id="rId2"/>
+              </a:rPr>
+              <a:t>cost</a:t>
+            </a:r>
+            <a:endParaRPr sz="1400">
+              <a:latin typeface="Calibri Light"/>
+              <a:cs typeface="Calibri Light"/>
+            </a:endParaRPr>
+          </a:p>
+        </p:txBody>
+      </p:sp>
+      <p:sp>
+        <p:nvSpPr>
+          <p:cNvPr id="4" name="object 4"/>
+          <p:cNvSpPr txBox="1"/>
+          <p:nvPr/>
+        </p:nvSpPr>
+        <p:spPr>
+          <a:xfrm>
+            <a:off x="7544181" y="6078728"/>
+            <a:ext cx="3453765" cy="239395"/>
+          </a:xfrm>
+          <a:prstGeom prst="rect">
+            <a:avLst/>
+          </a:prstGeom>
+        </p:spPr>
+        <p:txBody>
+          <a:bodyPr vert="horz" wrap="square" lIns="0" tIns="12700" rIns="0" bIns="0" rtlCol="0">
+            <a:spAutoFit/>
+          </a:bodyPr>
+          <a:lstStyle/>
+          <a:p>
+            <a:pPr marL="12700">
+              <a:lnSpc>
+                <a:spcPct val="100000"/>
+              </a:lnSpc>
+              <a:spcBef>
+                <a:spcPts val="100"/>
+              </a:spcBef>
+            </a:pPr>
+            <a:r>
+              <a:rPr sz="1400" u="sng" spc="-20" dirty="0">
+                <a:solidFill>
+                  <a:srgbClr val="0000FF"/>
+                </a:solidFill>
+                <a:uFill>
+                  <a:solidFill>
+                    <a:srgbClr val="0461C1"/>
+                  </a:solidFill>
+                </a:uFill>
+                <a:latin typeface="Calibri Light"/>
+                <a:cs typeface="Calibri Light"/>
+                <a:hlinkClick r:id="rId3"/>
+              </a:rPr>
+              <a:t>https://invertedstone.com/tools/openai-</a:t>
+            </a:r>
+            <a:r>
+              <a:rPr sz="1400" u="sng" spc="-10" dirty="0">
+                <a:solidFill>
+                  <a:srgbClr val="0000FF"/>
+                </a:solidFill>
+                <a:uFill>
+                  <a:solidFill>
+                    <a:srgbClr val="0461C1"/>
+                  </a:solidFill>
+                </a:uFill>
+                <a:latin typeface="Calibri Light"/>
+                <a:cs typeface="Calibri Light"/>
+                <a:hlinkClick r:id="rId3"/>
+              </a:rPr>
+              <a:t>pricing/</a:t>
+            </a:r>
+            <a:endParaRPr sz="1400">
+              <a:latin typeface="Calibri Light"/>
+              <a:cs typeface="Calibri Light"/>
+            </a:endParaRPr>
+          </a:p>
+        </p:txBody>
+      </p:sp>
+      <p:pic>
+        <p:nvPicPr>
+          <p:cNvPr id="5" name="object 5"/>
+          <p:cNvPicPr/>
+          <p:nvPr/>
+        </p:nvPicPr>
+        <p:blipFill>
+          <a:blip r:embed="rId4" cstate="print"/>
+          <a:stretch>
+            <a:fillRect/>
+          </a:stretch>
+        </p:blipFill>
+        <p:spPr>
+          <a:xfrm>
+            <a:off x="7620000" y="1905000"/>
+            <a:ext cx="2831592" cy="3794760"/>
+          </a:xfrm>
+          <a:prstGeom prst="rect">
+            <a:avLst/>
+          </a:prstGeom>
+        </p:spPr>
+      </p:pic>
+      <p:pic>
+        <p:nvPicPr>
+          <p:cNvPr id="6" name="object 6"/>
+          <p:cNvPicPr/>
+          <p:nvPr/>
+        </p:nvPicPr>
+        <p:blipFill>
+          <a:blip r:embed="rId5" cstate="print"/>
+          <a:stretch>
+            <a:fillRect/>
+          </a:stretch>
+        </p:blipFill>
+        <p:spPr>
+          <a:xfrm>
+            <a:off x="714195" y="1574025"/>
+            <a:ext cx="4655843" cy="4272454"/>
+          </a:xfrm>
+          <a:prstGeom prst="rect">
+            <a:avLst/>
+          </a:prstGeom>
+        </p:spPr>
+      </p:pic>
+    </p:spTree>
+  </p:cSld>
+  <p:clrMapOvr>
+    <a:masterClrMapping/>
+  </p:clrMapOvr>
+</p:sld>
+</file>
+
+<file path=ppt/slides/slide52.xml><?xml version="1.0" encoding="utf-8"?>
+<p:sld xmlns:a="http://schemas.openxmlformats.org/drawingml/2006/main" xmlns:r="http://schemas.openxmlformats.org/officeDocument/2006/relationships" xmlns:p="http://schemas.openxmlformats.org/presentationml/2006/main">
+  <p:cSld>
+    <p:spTree>
+      <p:nvGrpSpPr>
+        <p:cNvPr id="1" name=""/>
+        <p:cNvGrpSpPr/>
+        <p:nvPr/>
+      </p:nvGrpSpPr>
+      <p:grpSpPr>
+        <a:xfrm>
+          <a:off x="0" y="0"/>
+          <a:ext cx="0" cy="0"/>
+          <a:chOff x="0" y="0"/>
+          <a:chExt cx="0" cy="0"/>
+        </a:xfrm>
+      </p:grpSpPr>
+      <p:sp>
+        <p:nvSpPr>
+          <p:cNvPr id="2" name="object 2"/>
+          <p:cNvSpPr txBox="1">
+            <a:spLocks noGrp="1"/>
+          </p:cNvSpPr>
+          <p:nvPr>
+            <p:ph type="title" idx="4294967295"/>
+          </p:nvPr>
+        </p:nvSpPr>
+        <p:spPr>
+          <a:xfrm>
+            <a:off x="55606" y="31030"/>
+            <a:ext cx="10515600" cy="687238"/>
+          </a:xfrm>
+          <a:prstGeom prst="rect">
+            <a:avLst/>
+          </a:prstGeom>
+        </p:spPr>
+        <p:txBody>
+          <a:bodyPr vert="horz" wrap="square" lIns="0" tIns="314832" rIns="0" bIns="0" rtlCol="0">
+            <a:spAutoFit/>
+          </a:bodyPr>
+          <a:lstStyle/>
+          <a:p>
+            <a:pPr marL="206375">
+              <a:lnSpc>
+                <a:spcPct val="100000"/>
+              </a:lnSpc>
+              <a:spcBef>
+                <a:spcPts val="95"/>
+              </a:spcBef>
+            </a:pPr>
+            <a:r>
+              <a:rPr sz="2400" dirty="0"/>
+              <a:t>Gemini</a:t>
+            </a:r>
+            <a:r>
+              <a:rPr sz="2400" spc="-120" dirty="0"/>
+              <a:t> </a:t>
+            </a:r>
+            <a:r>
+              <a:rPr sz="2400" dirty="0"/>
+              <a:t>1.5</a:t>
+            </a:r>
+            <a:r>
+              <a:rPr sz="2400" spc="-145" dirty="0"/>
+              <a:t> </a:t>
+            </a:r>
+            <a:r>
+              <a:rPr sz="2400" dirty="0"/>
+              <a:t>-</a:t>
+            </a:r>
+            <a:r>
+              <a:rPr sz="2400" spc="-125" dirty="0"/>
+              <a:t> </a:t>
+            </a:r>
+            <a:r>
+              <a:rPr sz="2400" dirty="0"/>
+              <a:t>1</a:t>
+            </a:r>
+            <a:r>
+              <a:rPr sz="2400" spc="-135" dirty="0"/>
+              <a:t> </a:t>
+            </a:r>
+            <a:r>
+              <a:rPr sz="2400" dirty="0"/>
+              <a:t>million</a:t>
+            </a:r>
+            <a:r>
+              <a:rPr sz="2400" spc="-135" dirty="0"/>
+              <a:t> </a:t>
+            </a:r>
+            <a:r>
+              <a:rPr sz="2400" dirty="0"/>
+              <a:t>multimodal</a:t>
+            </a:r>
+            <a:r>
+              <a:rPr sz="2400" spc="-95" dirty="0"/>
+              <a:t> </a:t>
+            </a:r>
+            <a:r>
+              <a:rPr sz="2400" spc="-10" dirty="0"/>
+              <a:t>tokens</a:t>
+            </a:r>
+          </a:p>
+        </p:txBody>
+      </p:sp>
+      <p:pic>
+        <p:nvPicPr>
+          <p:cNvPr id="3" name="object 3"/>
+          <p:cNvPicPr/>
+          <p:nvPr/>
+        </p:nvPicPr>
+        <p:blipFill>
+          <a:blip r:embed="rId2" cstate="print"/>
+          <a:stretch>
+            <a:fillRect/>
+          </a:stretch>
+        </p:blipFill>
+        <p:spPr>
+          <a:xfrm>
+            <a:off x="595883" y="1371600"/>
+            <a:ext cx="6911339" cy="4389120"/>
+          </a:xfrm>
+          <a:prstGeom prst="rect">
+            <a:avLst/>
+          </a:prstGeom>
+        </p:spPr>
+      </p:pic>
+      <p:sp>
+        <p:nvSpPr>
+          <p:cNvPr id="4" name="object 4"/>
+          <p:cNvSpPr txBox="1"/>
+          <p:nvPr/>
+        </p:nvSpPr>
+        <p:spPr>
+          <a:xfrm>
+            <a:off x="535940" y="6065621"/>
+            <a:ext cx="7315834" cy="239395"/>
+          </a:xfrm>
+          <a:prstGeom prst="rect">
+            <a:avLst/>
+          </a:prstGeom>
+        </p:spPr>
+        <p:txBody>
+          <a:bodyPr vert="horz" wrap="square" lIns="0" tIns="12700" rIns="0" bIns="0" rtlCol="0">
+            <a:spAutoFit/>
+          </a:bodyPr>
+          <a:lstStyle/>
+          <a:p>
+            <a:pPr marL="12700">
+              <a:lnSpc>
+                <a:spcPct val="100000"/>
+              </a:lnSpc>
+              <a:spcBef>
+                <a:spcPts val="100"/>
+              </a:spcBef>
+            </a:pPr>
+            <a:r>
+              <a:rPr sz="1400" u="sng" spc="-10" dirty="0">
+                <a:solidFill>
+                  <a:srgbClr val="0000FF"/>
+                </a:solidFill>
+                <a:uFill>
+                  <a:solidFill>
+                    <a:srgbClr val="0000FF"/>
+                  </a:solidFill>
+                </a:uFill>
+                <a:latin typeface="Calibri Light"/>
+                <a:cs typeface="Calibri Light"/>
+                <a:hlinkClick r:id="rId3"/>
+              </a:rPr>
+              <a:t>https://blog.google/technology/ai/google-gemini-</a:t>
+            </a:r>
+            <a:r>
+              <a:rPr sz="1400" u="sng" spc="-20" dirty="0">
+                <a:solidFill>
+                  <a:srgbClr val="0000FF"/>
+                </a:solidFill>
+                <a:uFill>
+                  <a:solidFill>
+                    <a:srgbClr val="0000FF"/>
+                  </a:solidFill>
+                </a:uFill>
+                <a:latin typeface="Calibri Light"/>
+                <a:cs typeface="Calibri Light"/>
+                <a:hlinkClick r:id="rId3"/>
+              </a:rPr>
+              <a:t>next-</a:t>
+            </a:r>
+            <a:r>
+              <a:rPr sz="1400" u="sng" spc="-10" dirty="0">
+                <a:solidFill>
+                  <a:srgbClr val="0000FF"/>
+                </a:solidFill>
+                <a:uFill>
+                  <a:solidFill>
+                    <a:srgbClr val="0000FF"/>
+                  </a:solidFill>
+                </a:uFill>
+                <a:latin typeface="Calibri Light"/>
+                <a:cs typeface="Calibri Light"/>
+                <a:hlinkClick r:id="rId3"/>
+              </a:rPr>
+              <a:t>generation-model-february-2024/#architecture</a:t>
+            </a:r>
+            <a:endParaRPr sz="1400">
+              <a:latin typeface="Calibri Light"/>
+              <a:cs typeface="Calibri Light"/>
+            </a:endParaRPr>
+          </a:p>
+        </p:txBody>
+      </p:sp>
+      <p:pic>
+        <p:nvPicPr>
+          <p:cNvPr id="5" name="object 5"/>
+          <p:cNvPicPr/>
+          <p:nvPr/>
+        </p:nvPicPr>
+        <p:blipFill>
+          <a:blip r:embed="rId4" cstate="print"/>
+          <a:stretch>
+            <a:fillRect/>
+          </a:stretch>
+        </p:blipFill>
+        <p:spPr>
+          <a:xfrm>
+            <a:off x="7598664" y="1363980"/>
+            <a:ext cx="4175760" cy="2345436"/>
+          </a:xfrm>
+          <a:prstGeom prst="rect">
+            <a:avLst/>
+          </a:prstGeom>
+        </p:spPr>
+      </p:pic>
+      <p:sp>
+        <p:nvSpPr>
+          <p:cNvPr id="6" name="object 6"/>
+          <p:cNvSpPr txBox="1"/>
+          <p:nvPr/>
+        </p:nvSpPr>
+        <p:spPr>
+          <a:xfrm>
+            <a:off x="7699629" y="3824427"/>
+            <a:ext cx="4067810" cy="1062990"/>
+          </a:xfrm>
+          <a:prstGeom prst="rect">
+            <a:avLst/>
+          </a:prstGeom>
+        </p:spPr>
+        <p:txBody>
+          <a:bodyPr vert="horz" wrap="square" lIns="0" tIns="12700" rIns="0" bIns="0" rtlCol="0">
+            <a:spAutoFit/>
+          </a:bodyPr>
+          <a:lstStyle/>
+          <a:p>
+            <a:pPr marL="12700">
+              <a:lnSpc>
+                <a:spcPct val="100000"/>
+              </a:lnSpc>
+              <a:spcBef>
+                <a:spcPts val="100"/>
+              </a:spcBef>
+            </a:pPr>
+            <a:r>
+              <a:rPr sz="1200" dirty="0">
+                <a:solidFill>
+                  <a:srgbClr val="1F2023"/>
+                </a:solidFill>
+                <a:latin typeface="Calibri Light"/>
+                <a:cs typeface="Calibri Light"/>
+              </a:rPr>
+              <a:t>Complex</a:t>
+            </a:r>
+            <a:r>
+              <a:rPr sz="1200" spc="-50" dirty="0">
+                <a:solidFill>
+                  <a:srgbClr val="1F2023"/>
+                </a:solidFill>
+                <a:latin typeface="Calibri Light"/>
+                <a:cs typeface="Calibri Light"/>
+              </a:rPr>
+              <a:t> </a:t>
+            </a:r>
+            <a:r>
+              <a:rPr sz="1200" dirty="0">
+                <a:solidFill>
+                  <a:srgbClr val="1F2023"/>
+                </a:solidFill>
+                <a:latin typeface="Calibri Light"/>
+                <a:cs typeface="Calibri Light"/>
+              </a:rPr>
+              <a:t>reasoning</a:t>
+            </a:r>
+            <a:r>
+              <a:rPr sz="1200" spc="-30" dirty="0">
+                <a:solidFill>
+                  <a:srgbClr val="1F2023"/>
+                </a:solidFill>
+                <a:latin typeface="Calibri Light"/>
+                <a:cs typeface="Calibri Light"/>
+              </a:rPr>
+              <a:t> </a:t>
+            </a:r>
+            <a:r>
+              <a:rPr sz="1200" dirty="0">
+                <a:solidFill>
+                  <a:srgbClr val="1F2023"/>
+                </a:solidFill>
+                <a:latin typeface="Calibri Light"/>
+                <a:cs typeface="Calibri Light"/>
+              </a:rPr>
+              <a:t>about</a:t>
+            </a:r>
+            <a:r>
+              <a:rPr sz="1200" spc="-30" dirty="0">
+                <a:solidFill>
+                  <a:srgbClr val="1F2023"/>
+                </a:solidFill>
+                <a:latin typeface="Calibri Light"/>
+                <a:cs typeface="Calibri Light"/>
+              </a:rPr>
+              <a:t> </a:t>
+            </a:r>
+            <a:r>
+              <a:rPr sz="1200" dirty="0">
+                <a:solidFill>
+                  <a:srgbClr val="1F2023"/>
+                </a:solidFill>
+                <a:latin typeface="Calibri Light"/>
+                <a:cs typeface="Calibri Light"/>
+              </a:rPr>
+              <a:t>vast</a:t>
+            </a:r>
+            <a:r>
+              <a:rPr sz="1200" spc="-40" dirty="0">
+                <a:solidFill>
+                  <a:srgbClr val="1F2023"/>
+                </a:solidFill>
+                <a:latin typeface="Calibri Light"/>
+                <a:cs typeface="Calibri Light"/>
+              </a:rPr>
+              <a:t> </a:t>
+            </a:r>
+            <a:r>
+              <a:rPr sz="1200" dirty="0">
+                <a:solidFill>
+                  <a:srgbClr val="1F2023"/>
+                </a:solidFill>
+                <a:latin typeface="Calibri Light"/>
+                <a:cs typeface="Calibri Light"/>
+              </a:rPr>
+              <a:t>amounts</a:t>
+            </a:r>
+            <a:r>
+              <a:rPr sz="1200" spc="-25" dirty="0">
+                <a:solidFill>
+                  <a:srgbClr val="1F2023"/>
+                </a:solidFill>
+                <a:latin typeface="Calibri Light"/>
+                <a:cs typeface="Calibri Light"/>
+              </a:rPr>
+              <a:t> </a:t>
+            </a:r>
+            <a:r>
+              <a:rPr sz="1200" dirty="0">
+                <a:solidFill>
+                  <a:srgbClr val="1F2023"/>
+                </a:solidFill>
+                <a:latin typeface="Calibri Light"/>
+                <a:cs typeface="Calibri Light"/>
+              </a:rPr>
+              <a:t>of</a:t>
+            </a:r>
+            <a:r>
+              <a:rPr sz="1200" spc="-30" dirty="0">
+                <a:solidFill>
+                  <a:srgbClr val="1F2023"/>
+                </a:solidFill>
+                <a:latin typeface="Calibri Light"/>
+                <a:cs typeface="Calibri Light"/>
+              </a:rPr>
+              <a:t> </a:t>
+            </a:r>
+            <a:r>
+              <a:rPr sz="1200" spc="-10" dirty="0">
+                <a:solidFill>
+                  <a:srgbClr val="1F2023"/>
+                </a:solidFill>
+                <a:latin typeface="Calibri Light"/>
+                <a:cs typeface="Calibri Light"/>
+              </a:rPr>
+              <a:t>information</a:t>
+            </a:r>
+            <a:endParaRPr sz="1200" dirty="0">
+              <a:latin typeface="Calibri Light"/>
+              <a:cs typeface="Calibri Light"/>
+            </a:endParaRPr>
+          </a:p>
+          <a:p>
+            <a:pPr marL="12700" marR="5080">
+              <a:lnSpc>
+                <a:spcPct val="100000"/>
+              </a:lnSpc>
+              <a:spcBef>
+                <a:spcPts val="1445"/>
+              </a:spcBef>
+            </a:pPr>
+            <a:r>
+              <a:rPr sz="1100" dirty="0">
+                <a:solidFill>
+                  <a:srgbClr val="1F2023"/>
+                </a:solidFill>
+                <a:latin typeface="Calibri Light"/>
+                <a:cs typeface="Calibri Light"/>
+              </a:rPr>
+              <a:t>1.5</a:t>
+            </a:r>
+            <a:r>
+              <a:rPr sz="1100" spc="-30" dirty="0">
+                <a:solidFill>
+                  <a:srgbClr val="1F2023"/>
+                </a:solidFill>
+                <a:latin typeface="Calibri Light"/>
+                <a:cs typeface="Calibri Light"/>
+              </a:rPr>
+              <a:t> </a:t>
+            </a:r>
+            <a:r>
+              <a:rPr sz="1100" dirty="0">
+                <a:solidFill>
+                  <a:srgbClr val="1F2023"/>
+                </a:solidFill>
+                <a:latin typeface="Calibri Light"/>
+                <a:cs typeface="Calibri Light"/>
+              </a:rPr>
+              <a:t>Pro</a:t>
+            </a:r>
+            <a:r>
+              <a:rPr sz="1100" spc="-25" dirty="0">
+                <a:solidFill>
+                  <a:srgbClr val="1F2023"/>
+                </a:solidFill>
+                <a:latin typeface="Calibri Light"/>
+                <a:cs typeface="Calibri Light"/>
+              </a:rPr>
+              <a:t> </a:t>
+            </a:r>
+            <a:r>
+              <a:rPr sz="1100" dirty="0">
+                <a:solidFill>
+                  <a:srgbClr val="1F2023"/>
+                </a:solidFill>
+                <a:latin typeface="Calibri Light"/>
+                <a:cs typeface="Calibri Light"/>
+              </a:rPr>
+              <a:t>can</a:t>
+            </a:r>
+            <a:r>
+              <a:rPr sz="1100" spc="-25" dirty="0">
+                <a:solidFill>
+                  <a:srgbClr val="1F2023"/>
+                </a:solidFill>
+                <a:latin typeface="Calibri Light"/>
+                <a:cs typeface="Calibri Light"/>
+              </a:rPr>
+              <a:t> </a:t>
+            </a:r>
+            <a:r>
+              <a:rPr sz="1100" dirty="0">
+                <a:solidFill>
+                  <a:srgbClr val="1F2023"/>
+                </a:solidFill>
+                <a:latin typeface="Calibri Light"/>
+                <a:cs typeface="Calibri Light"/>
+              </a:rPr>
+              <a:t>seamlessly</a:t>
+            </a:r>
+            <a:r>
+              <a:rPr sz="1100" spc="-30" dirty="0">
+                <a:solidFill>
+                  <a:srgbClr val="1F2023"/>
+                </a:solidFill>
+                <a:latin typeface="Calibri Light"/>
+                <a:cs typeface="Calibri Light"/>
+              </a:rPr>
+              <a:t> </a:t>
+            </a:r>
+            <a:r>
+              <a:rPr sz="1100" dirty="0">
+                <a:solidFill>
+                  <a:srgbClr val="1F2023"/>
+                </a:solidFill>
+                <a:latin typeface="Calibri Light"/>
+                <a:cs typeface="Calibri Light"/>
+              </a:rPr>
+              <a:t>analyze,</a:t>
+            </a:r>
+            <a:r>
+              <a:rPr sz="1100" spc="-20" dirty="0">
+                <a:solidFill>
+                  <a:srgbClr val="1F2023"/>
+                </a:solidFill>
+                <a:latin typeface="Calibri Light"/>
+                <a:cs typeface="Calibri Light"/>
+              </a:rPr>
+              <a:t> </a:t>
+            </a:r>
+            <a:r>
+              <a:rPr sz="1100" dirty="0">
+                <a:solidFill>
+                  <a:srgbClr val="1F2023"/>
+                </a:solidFill>
+                <a:latin typeface="Calibri Light"/>
+                <a:cs typeface="Calibri Light"/>
+              </a:rPr>
+              <a:t>classify</a:t>
+            </a:r>
+            <a:r>
+              <a:rPr sz="1100" spc="-45" dirty="0">
+                <a:solidFill>
+                  <a:srgbClr val="1F2023"/>
+                </a:solidFill>
+                <a:latin typeface="Calibri Light"/>
+                <a:cs typeface="Calibri Light"/>
+              </a:rPr>
+              <a:t> </a:t>
+            </a:r>
+            <a:r>
+              <a:rPr sz="1100" dirty="0">
+                <a:solidFill>
+                  <a:srgbClr val="1F2023"/>
+                </a:solidFill>
+                <a:latin typeface="Calibri Light"/>
+                <a:cs typeface="Calibri Light"/>
+              </a:rPr>
+              <a:t>and</a:t>
+            </a:r>
+            <a:r>
+              <a:rPr sz="1100" spc="-25" dirty="0">
+                <a:solidFill>
+                  <a:srgbClr val="1F2023"/>
+                </a:solidFill>
+                <a:latin typeface="Calibri Light"/>
+                <a:cs typeface="Calibri Light"/>
+              </a:rPr>
+              <a:t> </a:t>
+            </a:r>
+            <a:r>
+              <a:rPr sz="1100" dirty="0">
+                <a:solidFill>
+                  <a:srgbClr val="1F2023"/>
+                </a:solidFill>
+                <a:latin typeface="Calibri Light"/>
+                <a:cs typeface="Calibri Light"/>
+              </a:rPr>
+              <a:t>summarize</a:t>
+            </a:r>
+            <a:r>
+              <a:rPr sz="1100" spc="-40" dirty="0">
+                <a:solidFill>
+                  <a:srgbClr val="1F2023"/>
+                </a:solidFill>
+                <a:latin typeface="Calibri Light"/>
+                <a:cs typeface="Calibri Light"/>
+              </a:rPr>
+              <a:t> </a:t>
+            </a:r>
+            <a:r>
+              <a:rPr sz="1100" dirty="0">
+                <a:solidFill>
+                  <a:srgbClr val="1F2023"/>
+                </a:solidFill>
+                <a:latin typeface="Calibri Light"/>
+                <a:cs typeface="Calibri Light"/>
+              </a:rPr>
+              <a:t>large</a:t>
+            </a:r>
+            <a:r>
+              <a:rPr sz="1100" spc="-40" dirty="0">
+                <a:solidFill>
+                  <a:srgbClr val="1F2023"/>
+                </a:solidFill>
+                <a:latin typeface="Calibri Light"/>
+                <a:cs typeface="Calibri Light"/>
+              </a:rPr>
+              <a:t> </a:t>
+            </a:r>
+            <a:r>
+              <a:rPr sz="1100" dirty="0">
+                <a:solidFill>
+                  <a:srgbClr val="1F2023"/>
+                </a:solidFill>
+                <a:latin typeface="Calibri Light"/>
+                <a:cs typeface="Calibri Light"/>
+              </a:rPr>
+              <a:t>amounts</a:t>
+            </a:r>
+            <a:r>
+              <a:rPr sz="1100" spc="-25" dirty="0">
+                <a:solidFill>
+                  <a:srgbClr val="1F2023"/>
+                </a:solidFill>
+                <a:latin typeface="Calibri Light"/>
+                <a:cs typeface="Calibri Light"/>
+              </a:rPr>
+              <a:t> of </a:t>
+            </a:r>
+            <a:r>
+              <a:rPr sz="1100" dirty="0">
+                <a:solidFill>
+                  <a:srgbClr val="1F2023"/>
+                </a:solidFill>
+                <a:latin typeface="Calibri Light"/>
+                <a:cs typeface="Calibri Light"/>
+              </a:rPr>
+              <a:t>content</a:t>
+            </a:r>
+            <a:r>
+              <a:rPr sz="1100" spc="-30" dirty="0">
+                <a:solidFill>
+                  <a:srgbClr val="1F2023"/>
+                </a:solidFill>
+                <a:latin typeface="Calibri Light"/>
+                <a:cs typeface="Calibri Light"/>
+              </a:rPr>
+              <a:t> </a:t>
+            </a:r>
+            <a:r>
+              <a:rPr sz="1100" dirty="0">
+                <a:solidFill>
+                  <a:srgbClr val="1F2023"/>
+                </a:solidFill>
+                <a:latin typeface="Calibri Light"/>
+                <a:cs typeface="Calibri Light"/>
+              </a:rPr>
+              <a:t>within</a:t>
+            </a:r>
+            <a:r>
+              <a:rPr sz="1100" spc="-25" dirty="0">
+                <a:solidFill>
+                  <a:srgbClr val="1F2023"/>
+                </a:solidFill>
+                <a:latin typeface="Calibri Light"/>
+                <a:cs typeface="Calibri Light"/>
+              </a:rPr>
+              <a:t> </a:t>
+            </a:r>
+            <a:r>
+              <a:rPr sz="1100" dirty="0">
+                <a:solidFill>
+                  <a:srgbClr val="1F2023"/>
+                </a:solidFill>
+                <a:latin typeface="Calibri Light"/>
+                <a:cs typeface="Calibri Light"/>
+              </a:rPr>
+              <a:t>a</a:t>
+            </a:r>
+            <a:r>
+              <a:rPr sz="1100" spc="-25" dirty="0">
+                <a:solidFill>
+                  <a:srgbClr val="1F2023"/>
+                </a:solidFill>
+                <a:latin typeface="Calibri Light"/>
+                <a:cs typeface="Calibri Light"/>
+              </a:rPr>
+              <a:t> </a:t>
+            </a:r>
+            <a:r>
+              <a:rPr sz="1100" dirty="0">
+                <a:solidFill>
+                  <a:srgbClr val="1F2023"/>
+                </a:solidFill>
+                <a:latin typeface="Calibri Light"/>
+                <a:cs typeface="Calibri Light"/>
+              </a:rPr>
+              <a:t>given</a:t>
+            </a:r>
+            <a:r>
+              <a:rPr sz="1100" spc="-15" dirty="0">
+                <a:solidFill>
+                  <a:srgbClr val="1F2023"/>
+                </a:solidFill>
+                <a:latin typeface="Calibri Light"/>
+                <a:cs typeface="Calibri Light"/>
+              </a:rPr>
+              <a:t> </a:t>
+            </a:r>
+            <a:r>
+              <a:rPr sz="1100" dirty="0">
+                <a:solidFill>
+                  <a:srgbClr val="1F2023"/>
+                </a:solidFill>
+                <a:latin typeface="Calibri Light"/>
+                <a:cs typeface="Calibri Light"/>
+              </a:rPr>
+              <a:t>prompt.</a:t>
+            </a:r>
+            <a:r>
+              <a:rPr sz="1100" spc="-40" dirty="0">
+                <a:solidFill>
+                  <a:srgbClr val="1F2023"/>
+                </a:solidFill>
+                <a:latin typeface="Calibri Light"/>
+                <a:cs typeface="Calibri Light"/>
+              </a:rPr>
+              <a:t> </a:t>
+            </a:r>
+            <a:r>
+              <a:rPr sz="1100" dirty="0">
+                <a:solidFill>
+                  <a:srgbClr val="1F2023"/>
+                </a:solidFill>
+                <a:latin typeface="Calibri Light"/>
+                <a:cs typeface="Calibri Light"/>
+              </a:rPr>
+              <a:t>For</a:t>
+            </a:r>
+            <a:r>
+              <a:rPr sz="1100" spc="-25" dirty="0">
+                <a:solidFill>
+                  <a:srgbClr val="1F2023"/>
+                </a:solidFill>
+                <a:latin typeface="Calibri Light"/>
+                <a:cs typeface="Calibri Light"/>
+              </a:rPr>
+              <a:t> </a:t>
+            </a:r>
+            <a:r>
+              <a:rPr sz="1100" dirty="0">
+                <a:solidFill>
+                  <a:srgbClr val="1F2023"/>
+                </a:solidFill>
+                <a:latin typeface="Calibri Light"/>
+                <a:cs typeface="Calibri Light"/>
+              </a:rPr>
+              <a:t>example,</a:t>
+            </a:r>
+            <a:r>
+              <a:rPr sz="1100" spc="-35" dirty="0">
+                <a:solidFill>
+                  <a:srgbClr val="1F2023"/>
+                </a:solidFill>
+                <a:latin typeface="Calibri Light"/>
+                <a:cs typeface="Calibri Light"/>
+              </a:rPr>
+              <a:t> </a:t>
+            </a:r>
+            <a:r>
+              <a:rPr sz="1100" dirty="0">
+                <a:solidFill>
+                  <a:srgbClr val="1F2023"/>
+                </a:solidFill>
+                <a:latin typeface="Calibri Light"/>
+                <a:cs typeface="Calibri Light"/>
+              </a:rPr>
+              <a:t>when</a:t>
+            </a:r>
+            <a:r>
+              <a:rPr sz="1100" spc="-30" dirty="0">
+                <a:solidFill>
+                  <a:srgbClr val="1F2023"/>
+                </a:solidFill>
+                <a:latin typeface="Calibri Light"/>
+                <a:cs typeface="Calibri Light"/>
+              </a:rPr>
+              <a:t> </a:t>
+            </a:r>
+            <a:r>
+              <a:rPr sz="1100" dirty="0">
+                <a:solidFill>
+                  <a:srgbClr val="1F2023"/>
+                </a:solidFill>
+                <a:latin typeface="Calibri Light"/>
+                <a:cs typeface="Calibri Light"/>
+              </a:rPr>
+              <a:t>given</a:t>
+            </a:r>
+            <a:r>
+              <a:rPr sz="1100" spc="-15" dirty="0">
+                <a:solidFill>
+                  <a:srgbClr val="1F2023"/>
+                </a:solidFill>
+                <a:latin typeface="Calibri Light"/>
+                <a:cs typeface="Calibri Light"/>
+              </a:rPr>
+              <a:t> </a:t>
+            </a:r>
+            <a:r>
+              <a:rPr sz="1100" dirty="0">
+                <a:solidFill>
+                  <a:srgbClr val="1F2023"/>
+                </a:solidFill>
+                <a:latin typeface="Calibri Light"/>
+                <a:cs typeface="Calibri Light"/>
+              </a:rPr>
+              <a:t>the</a:t>
+            </a:r>
+            <a:r>
+              <a:rPr sz="1100" spc="-30" dirty="0">
+                <a:solidFill>
+                  <a:srgbClr val="1F2023"/>
+                </a:solidFill>
+                <a:latin typeface="Calibri Light"/>
+                <a:cs typeface="Calibri Light"/>
+              </a:rPr>
+              <a:t> </a:t>
+            </a:r>
+            <a:r>
+              <a:rPr sz="1100" dirty="0">
+                <a:solidFill>
+                  <a:srgbClr val="1F2023"/>
+                </a:solidFill>
+                <a:latin typeface="Calibri Light"/>
+                <a:cs typeface="Calibri Light"/>
+              </a:rPr>
+              <a:t>402-</a:t>
+            </a:r>
+            <a:r>
+              <a:rPr sz="1100" spc="-20" dirty="0">
+                <a:solidFill>
+                  <a:srgbClr val="1F2023"/>
+                </a:solidFill>
+                <a:latin typeface="Calibri Light"/>
+                <a:cs typeface="Calibri Light"/>
+              </a:rPr>
+              <a:t>page</a:t>
+            </a:r>
+            <a:endParaRPr sz="1100" dirty="0">
+              <a:latin typeface="Calibri Light"/>
+              <a:cs typeface="Calibri Light"/>
+            </a:endParaRPr>
+          </a:p>
+          <a:p>
+            <a:pPr marL="12700">
+              <a:lnSpc>
+                <a:spcPct val="100000"/>
+              </a:lnSpc>
+            </a:pPr>
+            <a:r>
+              <a:rPr sz="1100" dirty="0">
+                <a:solidFill>
+                  <a:srgbClr val="1F2023"/>
+                </a:solidFill>
+                <a:latin typeface="Calibri Light"/>
+                <a:cs typeface="Calibri Light"/>
+              </a:rPr>
+              <a:t>transcripts</a:t>
+            </a:r>
+            <a:r>
+              <a:rPr sz="1100" spc="-55" dirty="0">
+                <a:solidFill>
+                  <a:srgbClr val="1F2023"/>
+                </a:solidFill>
+                <a:latin typeface="Calibri Light"/>
+                <a:cs typeface="Calibri Light"/>
+              </a:rPr>
+              <a:t> </a:t>
+            </a:r>
+            <a:r>
+              <a:rPr sz="1100" dirty="0">
+                <a:solidFill>
+                  <a:srgbClr val="1F2023"/>
+                </a:solidFill>
+                <a:latin typeface="Calibri Light"/>
+                <a:cs typeface="Calibri Light"/>
+              </a:rPr>
+              <a:t>from</a:t>
+            </a:r>
+            <a:r>
+              <a:rPr sz="1100" spc="-25" dirty="0">
+                <a:solidFill>
+                  <a:srgbClr val="1F2023"/>
+                </a:solidFill>
+                <a:latin typeface="Calibri Light"/>
+                <a:cs typeface="Calibri Light"/>
+              </a:rPr>
+              <a:t> </a:t>
+            </a:r>
+            <a:r>
+              <a:rPr sz="1100" dirty="0">
+                <a:solidFill>
+                  <a:srgbClr val="1F2023"/>
+                </a:solidFill>
+                <a:latin typeface="Calibri Light"/>
+                <a:cs typeface="Calibri Light"/>
+              </a:rPr>
+              <a:t>Apollo</a:t>
+            </a:r>
+            <a:r>
+              <a:rPr sz="1100" spc="-10" dirty="0">
+                <a:solidFill>
+                  <a:srgbClr val="1F2023"/>
+                </a:solidFill>
+                <a:latin typeface="Calibri Light"/>
+                <a:cs typeface="Calibri Light"/>
+              </a:rPr>
+              <a:t> </a:t>
+            </a:r>
+            <a:r>
+              <a:rPr sz="1100" dirty="0">
+                <a:solidFill>
+                  <a:srgbClr val="1F2023"/>
+                </a:solidFill>
+                <a:latin typeface="Calibri Light"/>
+                <a:cs typeface="Calibri Light"/>
+              </a:rPr>
+              <a:t>11’s</a:t>
+            </a:r>
+            <a:r>
+              <a:rPr sz="1100" spc="-20" dirty="0">
+                <a:solidFill>
+                  <a:srgbClr val="1F2023"/>
+                </a:solidFill>
+                <a:latin typeface="Calibri Light"/>
+                <a:cs typeface="Calibri Light"/>
+              </a:rPr>
+              <a:t> </a:t>
+            </a:r>
+            <a:r>
+              <a:rPr sz="1100" dirty="0">
+                <a:solidFill>
+                  <a:srgbClr val="1F2023"/>
+                </a:solidFill>
+                <a:latin typeface="Calibri Light"/>
+                <a:cs typeface="Calibri Light"/>
+              </a:rPr>
+              <a:t>mission</a:t>
+            </a:r>
+            <a:r>
+              <a:rPr sz="1100" spc="-25" dirty="0">
+                <a:solidFill>
+                  <a:srgbClr val="1F2023"/>
+                </a:solidFill>
+                <a:latin typeface="Calibri Light"/>
+                <a:cs typeface="Calibri Light"/>
+              </a:rPr>
+              <a:t> </a:t>
+            </a:r>
+            <a:r>
+              <a:rPr sz="1100" dirty="0">
+                <a:solidFill>
+                  <a:srgbClr val="1F2023"/>
+                </a:solidFill>
+                <a:latin typeface="Calibri Light"/>
+                <a:cs typeface="Calibri Light"/>
+              </a:rPr>
+              <a:t>to</a:t>
+            </a:r>
+            <a:r>
+              <a:rPr sz="1100" spc="-10" dirty="0">
+                <a:solidFill>
+                  <a:srgbClr val="1F2023"/>
+                </a:solidFill>
+                <a:latin typeface="Calibri Light"/>
+                <a:cs typeface="Calibri Light"/>
+              </a:rPr>
+              <a:t> </a:t>
+            </a:r>
+            <a:r>
+              <a:rPr sz="1100" dirty="0">
+                <a:solidFill>
+                  <a:srgbClr val="1F2023"/>
+                </a:solidFill>
+                <a:latin typeface="Calibri Light"/>
+                <a:cs typeface="Calibri Light"/>
+              </a:rPr>
+              <a:t>the</a:t>
+            </a:r>
+            <a:r>
+              <a:rPr sz="1100" spc="-30" dirty="0">
+                <a:solidFill>
+                  <a:srgbClr val="1F2023"/>
+                </a:solidFill>
+                <a:latin typeface="Calibri Light"/>
+                <a:cs typeface="Calibri Light"/>
+              </a:rPr>
+              <a:t> </a:t>
+            </a:r>
+            <a:r>
+              <a:rPr sz="1100" dirty="0">
+                <a:solidFill>
+                  <a:srgbClr val="1F2023"/>
+                </a:solidFill>
+                <a:latin typeface="Calibri Light"/>
+                <a:cs typeface="Calibri Light"/>
+              </a:rPr>
+              <a:t>moon, it</a:t>
+            </a:r>
+            <a:r>
+              <a:rPr sz="1100" spc="-15" dirty="0">
+                <a:solidFill>
+                  <a:srgbClr val="1F2023"/>
+                </a:solidFill>
+                <a:latin typeface="Calibri Light"/>
+                <a:cs typeface="Calibri Light"/>
+              </a:rPr>
+              <a:t> </a:t>
+            </a:r>
+            <a:r>
+              <a:rPr sz="1100" dirty="0">
+                <a:solidFill>
+                  <a:srgbClr val="1F2023"/>
+                </a:solidFill>
+                <a:latin typeface="Calibri Light"/>
+                <a:cs typeface="Calibri Light"/>
+              </a:rPr>
+              <a:t>can</a:t>
+            </a:r>
+            <a:r>
+              <a:rPr sz="1100" spc="-20" dirty="0">
+                <a:solidFill>
+                  <a:srgbClr val="1F2023"/>
+                </a:solidFill>
+                <a:latin typeface="Calibri Light"/>
+                <a:cs typeface="Calibri Light"/>
+              </a:rPr>
+              <a:t> </a:t>
+            </a:r>
+            <a:r>
+              <a:rPr sz="1100" dirty="0">
+                <a:solidFill>
+                  <a:srgbClr val="1F2023"/>
+                </a:solidFill>
+                <a:latin typeface="Calibri Light"/>
+                <a:cs typeface="Calibri Light"/>
+              </a:rPr>
+              <a:t>reason</a:t>
+            </a:r>
+            <a:r>
+              <a:rPr sz="1100" spc="-35" dirty="0">
+                <a:solidFill>
+                  <a:srgbClr val="1F2023"/>
+                </a:solidFill>
+                <a:latin typeface="Calibri Light"/>
+                <a:cs typeface="Calibri Light"/>
+              </a:rPr>
+              <a:t> </a:t>
+            </a:r>
+            <a:r>
+              <a:rPr sz="1100" spc="-10" dirty="0">
+                <a:solidFill>
+                  <a:srgbClr val="1F2023"/>
+                </a:solidFill>
+                <a:latin typeface="Calibri Light"/>
+                <a:cs typeface="Calibri Light"/>
+              </a:rPr>
+              <a:t>about</a:t>
+            </a:r>
+            <a:endParaRPr sz="1100" dirty="0">
+              <a:latin typeface="Calibri Light"/>
+              <a:cs typeface="Calibri Light"/>
+            </a:endParaRPr>
+          </a:p>
+          <a:p>
+            <a:pPr marL="44450">
+              <a:lnSpc>
+                <a:spcPct val="100000"/>
+              </a:lnSpc>
+            </a:pPr>
+            <a:r>
+              <a:rPr sz="1100" dirty="0">
+                <a:solidFill>
+                  <a:srgbClr val="1F2023"/>
+                </a:solidFill>
+                <a:latin typeface="Calibri Light"/>
+                <a:cs typeface="Calibri Light"/>
+              </a:rPr>
+              <a:t>conversations,</a:t>
+            </a:r>
+            <a:r>
+              <a:rPr sz="1100" spc="-45" dirty="0">
+                <a:solidFill>
+                  <a:srgbClr val="1F2023"/>
+                </a:solidFill>
+                <a:latin typeface="Calibri Light"/>
+                <a:cs typeface="Calibri Light"/>
+              </a:rPr>
+              <a:t> </a:t>
+            </a:r>
+            <a:r>
+              <a:rPr sz="1100" dirty="0">
+                <a:solidFill>
+                  <a:srgbClr val="1F2023"/>
+                </a:solidFill>
+                <a:latin typeface="Calibri Light"/>
+                <a:cs typeface="Calibri Light"/>
+              </a:rPr>
+              <a:t>events</a:t>
+            </a:r>
+            <a:r>
+              <a:rPr sz="1100" spc="-10" dirty="0">
+                <a:solidFill>
+                  <a:srgbClr val="1F2023"/>
+                </a:solidFill>
+                <a:latin typeface="Calibri Light"/>
+                <a:cs typeface="Calibri Light"/>
+              </a:rPr>
+              <a:t> </a:t>
+            </a:r>
+            <a:r>
+              <a:rPr sz="1100" dirty="0">
+                <a:solidFill>
+                  <a:srgbClr val="1F2023"/>
+                </a:solidFill>
+                <a:latin typeface="Calibri Light"/>
+                <a:cs typeface="Calibri Light"/>
+              </a:rPr>
+              <a:t>and</a:t>
+            </a:r>
+            <a:r>
+              <a:rPr sz="1100" spc="-20" dirty="0">
+                <a:solidFill>
+                  <a:srgbClr val="1F2023"/>
+                </a:solidFill>
+                <a:latin typeface="Calibri Light"/>
+                <a:cs typeface="Calibri Light"/>
+              </a:rPr>
+              <a:t> </a:t>
+            </a:r>
+            <a:r>
+              <a:rPr sz="1100" dirty="0">
+                <a:solidFill>
+                  <a:srgbClr val="1F2023"/>
+                </a:solidFill>
+                <a:latin typeface="Calibri Light"/>
+                <a:cs typeface="Calibri Light"/>
+              </a:rPr>
+              <a:t>details</a:t>
+            </a:r>
+            <a:r>
+              <a:rPr sz="1100" spc="-30" dirty="0">
+                <a:solidFill>
+                  <a:srgbClr val="1F2023"/>
+                </a:solidFill>
+                <a:latin typeface="Calibri Light"/>
+                <a:cs typeface="Calibri Light"/>
+              </a:rPr>
+              <a:t> </a:t>
+            </a:r>
+            <a:r>
+              <a:rPr sz="1100" dirty="0">
+                <a:solidFill>
+                  <a:srgbClr val="1F2023"/>
+                </a:solidFill>
+                <a:latin typeface="Calibri Light"/>
+                <a:cs typeface="Calibri Light"/>
+              </a:rPr>
+              <a:t>found</a:t>
+            </a:r>
+            <a:r>
+              <a:rPr sz="1100" spc="-25" dirty="0">
+                <a:solidFill>
+                  <a:srgbClr val="1F2023"/>
+                </a:solidFill>
+                <a:latin typeface="Calibri Light"/>
+                <a:cs typeface="Calibri Light"/>
+              </a:rPr>
+              <a:t> </a:t>
+            </a:r>
+            <a:r>
+              <a:rPr sz="1100" dirty="0">
+                <a:solidFill>
+                  <a:srgbClr val="1F2023"/>
+                </a:solidFill>
+                <a:latin typeface="Calibri Light"/>
+                <a:cs typeface="Calibri Light"/>
+              </a:rPr>
+              <a:t>across</a:t>
+            </a:r>
+            <a:r>
+              <a:rPr sz="1100" spc="-40" dirty="0">
+                <a:solidFill>
+                  <a:srgbClr val="1F2023"/>
+                </a:solidFill>
+                <a:latin typeface="Calibri Light"/>
+                <a:cs typeface="Calibri Light"/>
+              </a:rPr>
+              <a:t> </a:t>
+            </a:r>
+            <a:r>
+              <a:rPr sz="1100" dirty="0">
+                <a:solidFill>
+                  <a:srgbClr val="1F2023"/>
+                </a:solidFill>
+                <a:latin typeface="Calibri Light"/>
+                <a:cs typeface="Calibri Light"/>
+              </a:rPr>
+              <a:t>the</a:t>
+            </a:r>
+            <a:r>
+              <a:rPr sz="1100" spc="-20" dirty="0">
+                <a:solidFill>
+                  <a:srgbClr val="1F2023"/>
+                </a:solidFill>
+                <a:latin typeface="Calibri Light"/>
+                <a:cs typeface="Calibri Light"/>
+              </a:rPr>
+              <a:t> </a:t>
+            </a:r>
+            <a:r>
+              <a:rPr sz="1100" spc="-10" dirty="0">
+                <a:solidFill>
+                  <a:srgbClr val="1F2023"/>
+                </a:solidFill>
+                <a:latin typeface="Calibri Light"/>
+                <a:cs typeface="Calibri Light"/>
+              </a:rPr>
+              <a:t>document.</a:t>
+            </a:r>
+            <a:endParaRPr sz="1100" dirty="0">
+              <a:latin typeface="Calibri Light"/>
+              <a:cs typeface="Calibri Light"/>
+            </a:endParaRPr>
+          </a:p>
+        </p:txBody>
+      </p:sp>
+    </p:spTree>
   </p:cSld>
   <p:clrMapOvr>
     <a:masterClrMapping/>

--- a/20242-NLP-LLM/lecture notes/Part 2 - Introduction to Large Language Models/Part 2 - Introduction to Large Language Models.pptx
+++ b/20242-NLP-LLM/lecture notes/Part 2 - Introduction to Large Language Models/Part 2 - Introduction to Large Language Models.pptx
@@ -174,7 +174,6 @@
 <file path=ppt/revisionInfo.xml><?xml version="1.0" encoding="utf-8"?>
 <p1510:revInfo xmlns:a="http://schemas.openxmlformats.org/drawingml/2006/main" xmlns:r="http://schemas.openxmlformats.org/officeDocument/2006/relationships" xmlns:p1510="http://schemas.microsoft.com/office/powerpoint/2015/10/main">
   <p1510:revLst>
-    <p1510:client id="{B9337916-DDC2-1069-E985-5508FA0D34A7}" v="432" dt="2025-04-19T18:32:32.924"/>
     <p1510:client id="{E5645173-9704-44B4-82F5-EF2938BAEEFE}" v="124" dt="2025-04-20T05:17:27.478"/>
   </p1510:revLst>
 </p1510:revInfo>
@@ -183,9 +182,1279 @@
 <file path=ppt/changesInfos/changesInfo1.xml><?xml version="1.0" encoding="utf-8"?>
 <pc:chgInfo xmlns:a="http://schemas.openxmlformats.org/drawingml/2006/main" xmlns:r="http://schemas.openxmlformats.org/officeDocument/2006/relationships" xmlns:ac="http://schemas.microsoft.com/office/drawing/2013/main/command" xmlns:pc="http://schemas.microsoft.com/office/powerpoint/2013/main/command">
   <pc:docChgLst>
+    <pc:chgData name="Mohammed Fasha" userId="cc64f42d-a1a6-4f08-b97b-0c37f877119f" providerId="ADAL" clId="{2E5FBF59-3168-4932-9518-582502FE1AD5}"/>
+    <pc:docChg chg="undo custSel delSld modSld">
+      <pc:chgData name="Mohammed Fasha" userId="cc64f42d-a1a6-4f08-b97b-0c37f877119f" providerId="ADAL" clId="{2E5FBF59-3168-4932-9518-582502FE1AD5}" dt="2024-12-24T08:08:19.987" v="550" actId="20577"/>
+      <pc:docMkLst>
+        <pc:docMk/>
+      </pc:docMkLst>
+      <pc:sldChg chg="delSp">
+        <pc:chgData name="Mohammed Fasha" userId="cc64f42d-a1a6-4f08-b97b-0c37f877119f" providerId="ADAL" clId="{2E5FBF59-3168-4932-9518-582502FE1AD5}" dt="2024-11-19T07:40:47.121" v="208" actId="478"/>
+        <pc:sldMkLst>
+          <pc:docMk/>
+          <pc:sldMk cId="391491219" sldId="428"/>
+        </pc:sldMkLst>
+      </pc:sldChg>
+      <pc:sldChg chg="modSp">
+        <pc:chgData name="Mohammed Fasha" userId="cc64f42d-a1a6-4f08-b97b-0c37f877119f" providerId="ADAL" clId="{2E5FBF59-3168-4932-9518-582502FE1AD5}" dt="2024-12-03T07:43:58.007" v="456" actId="1076"/>
+        <pc:sldMkLst>
+          <pc:docMk/>
+          <pc:sldMk cId="3339445507" sldId="430"/>
+        </pc:sldMkLst>
+      </pc:sldChg>
+      <pc:sldChg chg="modSp">
+        <pc:chgData name="Mohammed Fasha" userId="cc64f42d-a1a6-4f08-b97b-0c37f877119f" providerId="ADAL" clId="{2E5FBF59-3168-4932-9518-582502FE1AD5}" dt="2024-12-03T07:45:08.136" v="474" actId="20577"/>
+        <pc:sldMkLst>
+          <pc:docMk/>
+          <pc:sldMk cId="3389046835" sldId="431"/>
+        </pc:sldMkLst>
+      </pc:sldChg>
+      <pc:sldChg chg="modSp">
+        <pc:chgData name="Mohammed Fasha" userId="cc64f42d-a1a6-4f08-b97b-0c37f877119f" providerId="ADAL" clId="{2E5FBF59-3168-4932-9518-582502FE1AD5}" dt="2024-11-10T06:33:09.727" v="37" actId="207"/>
+        <pc:sldMkLst>
+          <pc:docMk/>
+          <pc:sldMk cId="2726994946" sldId="479"/>
+        </pc:sldMkLst>
+      </pc:sldChg>
+      <pc:sldChg chg="modSp">
+        <pc:chgData name="Mohammed Fasha" userId="cc64f42d-a1a6-4f08-b97b-0c37f877119f" providerId="ADAL" clId="{2E5FBF59-3168-4932-9518-582502FE1AD5}" dt="2024-11-19T07:44:28.766" v="211" actId="20577"/>
+        <pc:sldMkLst>
+          <pc:docMk/>
+          <pc:sldMk cId="2297456757" sldId="483"/>
+        </pc:sldMkLst>
+      </pc:sldChg>
+      <pc:sldChg chg="modSp">
+        <pc:chgData name="Mohammed Fasha" userId="cc64f42d-a1a6-4f08-b97b-0c37f877119f" providerId="ADAL" clId="{2E5FBF59-3168-4932-9518-582502FE1AD5}" dt="2024-11-10T06:45:09.392" v="40" actId="20577"/>
+        <pc:sldMkLst>
+          <pc:docMk/>
+          <pc:sldMk cId="3474268344" sldId="596"/>
+        </pc:sldMkLst>
+      </pc:sldChg>
+      <pc:sldChg chg="modSp">
+        <pc:chgData name="Mohammed Fasha" userId="cc64f42d-a1a6-4f08-b97b-0c37f877119f" providerId="ADAL" clId="{2E5FBF59-3168-4932-9518-582502FE1AD5}" dt="2024-12-03T07:47:21.561" v="476" actId="6549"/>
+        <pc:sldMkLst>
+          <pc:docMk/>
+          <pc:sldMk cId="399592497" sldId="613"/>
+        </pc:sldMkLst>
+      </pc:sldChg>
+      <pc:sldChg chg="modSp">
+        <pc:chgData name="Mohammed Fasha" userId="cc64f42d-a1a6-4f08-b97b-0c37f877119f" providerId="ADAL" clId="{2E5FBF59-3168-4932-9518-582502FE1AD5}" dt="2024-12-03T07:49:02.980" v="478" actId="207"/>
+        <pc:sldMkLst>
+          <pc:docMk/>
+          <pc:sldMk cId="3329135496" sldId="617"/>
+        </pc:sldMkLst>
+      </pc:sldChg>
+      <pc:sldChg chg="modSp">
+        <pc:chgData name="Mohammed Fasha" userId="cc64f42d-a1a6-4f08-b97b-0c37f877119f" providerId="ADAL" clId="{2E5FBF59-3168-4932-9518-582502FE1AD5}" dt="2024-12-24T08:05:16.608" v="482" actId="403"/>
+        <pc:sldMkLst>
+          <pc:docMk/>
+          <pc:sldMk cId="2990045589" sldId="659"/>
+        </pc:sldMkLst>
+      </pc:sldChg>
+      <pc:sldChg chg="modSp">
+        <pc:chgData name="Mohammed Fasha" userId="cc64f42d-a1a6-4f08-b97b-0c37f877119f" providerId="ADAL" clId="{2E5FBF59-3168-4932-9518-582502FE1AD5}" dt="2024-12-24T08:08:19.987" v="550" actId="20577"/>
+        <pc:sldMkLst>
+          <pc:docMk/>
+          <pc:sldMk cId="2680231355" sldId="669"/>
+        </pc:sldMkLst>
+      </pc:sldChg>
+      <pc:sldChg chg="addSp modSp">
+        <pc:chgData name="Mohammed Fasha" userId="cc64f42d-a1a6-4f08-b97b-0c37f877119f" providerId="ADAL" clId="{2E5FBF59-3168-4932-9518-582502FE1AD5}" dt="2024-12-24T08:05:52.910" v="488" actId="1076"/>
+        <pc:sldMkLst>
+          <pc:docMk/>
+          <pc:sldMk cId="916102856" sldId="685"/>
+        </pc:sldMkLst>
+      </pc:sldChg>
+      <pc:sldChg chg="modSp">
+        <pc:chgData name="Mohammed Fasha" userId="cc64f42d-a1a6-4f08-b97b-0c37f877119f" providerId="ADAL" clId="{2E5FBF59-3168-4932-9518-582502FE1AD5}" dt="2024-11-19T07:03:29.557" v="206" actId="207"/>
+        <pc:sldMkLst>
+          <pc:docMk/>
+          <pc:sldMk cId="32004852" sldId="708"/>
+        </pc:sldMkLst>
+      </pc:sldChg>
+    </pc:docChg>
+  </pc:docChgLst>
+  <pc:docChgLst>
+    <pc:chgData name="Mohammed Fasha" userId="cc64f42d-a1a6-4f08-b97b-0c37f877119f" providerId="ADAL" clId="{047E1049-E75F-4C78-9C34-7E3C772A0EAF}"/>
+    <pc:docChg chg="undo redo custSel addSld delSld modSld sldOrd">
+      <pc:chgData name="Mohammed Fasha" userId="cc64f42d-a1a6-4f08-b97b-0c37f877119f" providerId="ADAL" clId="{047E1049-E75F-4C78-9C34-7E3C772A0EAF}" dt="2025-04-06T04:41:41.157" v="711" actId="6549"/>
+      <pc:docMkLst>
+        <pc:docMk/>
+      </pc:docMkLst>
+      <pc:sldChg chg="add">
+        <pc:chgData name="Mohammed Fasha" userId="cc64f42d-a1a6-4f08-b97b-0c37f877119f" providerId="ADAL" clId="{047E1049-E75F-4C78-9C34-7E3C772A0EAF}" dt="2025-04-04T05:38:06.858" v="420"/>
+        <pc:sldMkLst>
+          <pc:docMk/>
+          <pc:sldMk cId="1934860174" sldId="285"/>
+        </pc:sldMkLst>
+      </pc:sldChg>
+      <pc:sldChg chg="add">
+        <pc:chgData name="Mohammed Fasha" userId="cc64f42d-a1a6-4f08-b97b-0c37f877119f" providerId="ADAL" clId="{047E1049-E75F-4C78-9C34-7E3C772A0EAF}" dt="2025-04-04T05:38:06.858" v="420"/>
+        <pc:sldMkLst>
+          <pc:docMk/>
+          <pc:sldMk cId="416776941" sldId="289"/>
+        </pc:sldMkLst>
+      </pc:sldChg>
+      <pc:sldChg chg="add">
+        <pc:chgData name="Mohammed Fasha" userId="cc64f42d-a1a6-4f08-b97b-0c37f877119f" providerId="ADAL" clId="{047E1049-E75F-4C78-9C34-7E3C772A0EAF}" dt="2025-04-04T05:38:06.858" v="420"/>
+        <pc:sldMkLst>
+          <pc:docMk/>
+          <pc:sldMk cId="2079225657" sldId="290"/>
+        </pc:sldMkLst>
+      </pc:sldChg>
+      <pc:sldChg chg="add">
+        <pc:chgData name="Mohammed Fasha" userId="cc64f42d-a1a6-4f08-b97b-0c37f877119f" providerId="ADAL" clId="{047E1049-E75F-4C78-9C34-7E3C772A0EAF}" dt="2025-04-04T05:38:06.858" v="420"/>
+        <pc:sldMkLst>
+          <pc:docMk/>
+          <pc:sldMk cId="2088001872" sldId="291"/>
+        </pc:sldMkLst>
+      </pc:sldChg>
+      <pc:sldChg chg="add">
+        <pc:chgData name="Mohammed Fasha" userId="cc64f42d-a1a6-4f08-b97b-0c37f877119f" providerId="ADAL" clId="{047E1049-E75F-4C78-9C34-7E3C772A0EAF}" dt="2025-04-04T05:38:06.858" v="420"/>
+        <pc:sldMkLst>
+          <pc:docMk/>
+          <pc:sldMk cId="1893373019" sldId="292"/>
+        </pc:sldMkLst>
+      </pc:sldChg>
+      <pc:sldChg chg="add">
+        <pc:chgData name="Mohammed Fasha" userId="cc64f42d-a1a6-4f08-b97b-0c37f877119f" providerId="ADAL" clId="{047E1049-E75F-4C78-9C34-7E3C772A0EAF}" dt="2025-04-04T05:38:06.858" v="420"/>
+        <pc:sldMkLst>
+          <pc:docMk/>
+          <pc:sldMk cId="105675678" sldId="293"/>
+        </pc:sldMkLst>
+      </pc:sldChg>
+      <pc:sldChg chg="add">
+        <pc:chgData name="Mohammed Fasha" userId="cc64f42d-a1a6-4f08-b97b-0c37f877119f" providerId="ADAL" clId="{047E1049-E75F-4C78-9C34-7E3C772A0EAF}" dt="2025-04-04T05:38:06.858" v="420"/>
+        <pc:sldMkLst>
+          <pc:docMk/>
+          <pc:sldMk cId="2028619254" sldId="294"/>
+        </pc:sldMkLst>
+      </pc:sldChg>
+      <pc:sldChg chg="add">
+        <pc:chgData name="Mohammed Fasha" userId="cc64f42d-a1a6-4f08-b97b-0c37f877119f" providerId="ADAL" clId="{047E1049-E75F-4C78-9C34-7E3C772A0EAF}" dt="2025-04-04T05:38:06.858" v="420"/>
+        <pc:sldMkLst>
+          <pc:docMk/>
+          <pc:sldMk cId="1648889151" sldId="296"/>
+        </pc:sldMkLst>
+      </pc:sldChg>
+      <pc:sldChg chg="add">
+        <pc:chgData name="Mohammed Fasha" userId="cc64f42d-a1a6-4f08-b97b-0c37f877119f" providerId="ADAL" clId="{047E1049-E75F-4C78-9C34-7E3C772A0EAF}" dt="2025-04-04T05:38:06.858" v="420"/>
+        <pc:sldMkLst>
+          <pc:docMk/>
+          <pc:sldMk cId="1751924142" sldId="297"/>
+        </pc:sldMkLst>
+      </pc:sldChg>
+      <pc:sldChg chg="add">
+        <pc:chgData name="Mohammed Fasha" userId="cc64f42d-a1a6-4f08-b97b-0c37f877119f" providerId="ADAL" clId="{047E1049-E75F-4C78-9C34-7E3C772A0EAF}" dt="2025-04-04T05:38:06.858" v="420"/>
+        <pc:sldMkLst>
+          <pc:docMk/>
+          <pc:sldMk cId="1359989136" sldId="298"/>
+        </pc:sldMkLst>
+      </pc:sldChg>
+      <pc:sldChg chg="add">
+        <pc:chgData name="Mohammed Fasha" userId="cc64f42d-a1a6-4f08-b97b-0c37f877119f" providerId="ADAL" clId="{047E1049-E75F-4C78-9C34-7E3C772A0EAF}" dt="2025-04-04T05:38:06.858" v="420"/>
+        <pc:sldMkLst>
+          <pc:docMk/>
+          <pc:sldMk cId="1821443450" sldId="299"/>
+        </pc:sldMkLst>
+      </pc:sldChg>
+      <pc:sldChg chg="add">
+        <pc:chgData name="Mohammed Fasha" userId="cc64f42d-a1a6-4f08-b97b-0c37f877119f" providerId="ADAL" clId="{047E1049-E75F-4C78-9C34-7E3C772A0EAF}" dt="2025-04-04T05:38:06.858" v="420"/>
+        <pc:sldMkLst>
+          <pc:docMk/>
+          <pc:sldMk cId="1376231676" sldId="300"/>
+        </pc:sldMkLst>
+      </pc:sldChg>
+      <pc:sldChg chg="add">
+        <pc:chgData name="Mohammed Fasha" userId="cc64f42d-a1a6-4f08-b97b-0c37f877119f" providerId="ADAL" clId="{047E1049-E75F-4C78-9C34-7E3C772A0EAF}" dt="2025-04-04T05:38:06.858" v="420"/>
+        <pc:sldMkLst>
+          <pc:docMk/>
+          <pc:sldMk cId="1620554975" sldId="302"/>
+        </pc:sldMkLst>
+      </pc:sldChg>
+      <pc:sldChg chg="add">
+        <pc:chgData name="Mohammed Fasha" userId="cc64f42d-a1a6-4f08-b97b-0c37f877119f" providerId="ADAL" clId="{047E1049-E75F-4C78-9C34-7E3C772A0EAF}" dt="2025-04-04T05:38:06.858" v="420"/>
+        <pc:sldMkLst>
+          <pc:docMk/>
+          <pc:sldMk cId="2095738023" sldId="303"/>
+        </pc:sldMkLst>
+      </pc:sldChg>
+      <pc:sldChg chg="add">
+        <pc:chgData name="Mohammed Fasha" userId="cc64f42d-a1a6-4f08-b97b-0c37f877119f" providerId="ADAL" clId="{047E1049-E75F-4C78-9C34-7E3C772A0EAF}" dt="2025-04-04T05:38:06.858" v="420"/>
+        <pc:sldMkLst>
+          <pc:docMk/>
+          <pc:sldMk cId="156663359" sldId="304"/>
+        </pc:sldMkLst>
+      </pc:sldChg>
+      <pc:sldChg chg="add">
+        <pc:chgData name="Mohammed Fasha" userId="cc64f42d-a1a6-4f08-b97b-0c37f877119f" providerId="ADAL" clId="{047E1049-E75F-4C78-9C34-7E3C772A0EAF}" dt="2025-04-04T05:38:06.858" v="420"/>
+        <pc:sldMkLst>
+          <pc:docMk/>
+          <pc:sldMk cId="155004230" sldId="305"/>
+        </pc:sldMkLst>
+      </pc:sldChg>
+      <pc:sldChg chg="add">
+        <pc:chgData name="Mohammed Fasha" userId="cc64f42d-a1a6-4f08-b97b-0c37f877119f" providerId="ADAL" clId="{047E1049-E75F-4C78-9C34-7E3C772A0EAF}" dt="2025-04-04T05:38:06.858" v="420"/>
+        <pc:sldMkLst>
+          <pc:docMk/>
+          <pc:sldMk cId="1689879719" sldId="308"/>
+        </pc:sldMkLst>
+      </pc:sldChg>
+      <pc:sldChg chg="add">
+        <pc:chgData name="Mohammed Fasha" userId="cc64f42d-a1a6-4f08-b97b-0c37f877119f" providerId="ADAL" clId="{047E1049-E75F-4C78-9C34-7E3C772A0EAF}" dt="2025-04-04T05:38:06.858" v="420"/>
+        <pc:sldMkLst>
+          <pc:docMk/>
+          <pc:sldMk cId="15685033" sldId="309"/>
+        </pc:sldMkLst>
+      </pc:sldChg>
+      <pc:sldChg chg="modSp mod">
+        <pc:chgData name="Mohammed Fasha" userId="cc64f42d-a1a6-4f08-b97b-0c37f877119f" providerId="ADAL" clId="{047E1049-E75F-4C78-9C34-7E3C772A0EAF}" dt="2025-04-03T03:46:21.702" v="1" actId="20577"/>
+        <pc:sldMkLst>
+          <pc:docMk/>
+          <pc:sldMk cId="1489447582" sldId="455"/>
+        </pc:sldMkLst>
+        <pc:spChg chg="mod">
+          <ac:chgData name="Mohammed Fasha" userId="cc64f42d-a1a6-4f08-b97b-0c37f877119f" providerId="ADAL" clId="{047E1049-E75F-4C78-9C34-7E3C772A0EAF}" dt="2025-04-03T03:46:21.702" v="1" actId="20577"/>
+          <ac:spMkLst>
+            <pc:docMk/>
+            <pc:sldMk cId="1489447582" sldId="455"/>
+            <ac:spMk id="8" creationId="{107CF054-390C-DCFC-C9A6-9E95C859A175}"/>
+          </ac:spMkLst>
+        </pc:spChg>
+      </pc:sldChg>
+      <pc:sldChg chg="del">
+        <pc:chgData name="Mohammed Fasha" userId="cc64f42d-a1a6-4f08-b97b-0c37f877119f" providerId="ADAL" clId="{047E1049-E75F-4C78-9C34-7E3C772A0EAF}" dt="2025-04-03T03:46:18.300" v="0" actId="2696"/>
+        <pc:sldMkLst>
+          <pc:docMk/>
+          <pc:sldMk cId="2282942957" sldId="456"/>
+        </pc:sldMkLst>
+      </pc:sldChg>
+      <pc:sldChg chg="modSp new mod ord">
+        <pc:chgData name="Mohammed Fasha" userId="cc64f42d-a1a6-4f08-b97b-0c37f877119f" providerId="ADAL" clId="{047E1049-E75F-4C78-9C34-7E3C772A0EAF}" dt="2025-04-04T02:51:23.023" v="364"/>
+        <pc:sldMkLst>
+          <pc:docMk/>
+          <pc:sldMk cId="3478943202" sldId="456"/>
+        </pc:sldMkLst>
+      </pc:sldChg>
+      <pc:sldChg chg="del">
+        <pc:chgData name="Mohammed Fasha" userId="cc64f42d-a1a6-4f08-b97b-0c37f877119f" providerId="ADAL" clId="{047E1049-E75F-4C78-9C34-7E3C772A0EAF}" dt="2025-04-03T03:46:18.300" v="0" actId="2696"/>
+        <pc:sldMkLst>
+          <pc:docMk/>
+          <pc:sldMk cId="1674895679" sldId="457"/>
+        </pc:sldMkLst>
+      </pc:sldChg>
+      <pc:sldChg chg="modSp add mod ord">
+        <pc:chgData name="Mohammed Fasha" userId="cc64f42d-a1a6-4f08-b97b-0c37f877119f" providerId="ADAL" clId="{047E1049-E75F-4C78-9C34-7E3C772A0EAF}" dt="2025-04-04T02:51:31.179" v="366"/>
+        <pc:sldMkLst>
+          <pc:docMk/>
+          <pc:sldMk cId="4010934078" sldId="457"/>
+        </pc:sldMkLst>
+      </pc:sldChg>
+      <pc:sldChg chg="del">
+        <pc:chgData name="Mohammed Fasha" userId="cc64f42d-a1a6-4f08-b97b-0c37f877119f" providerId="ADAL" clId="{047E1049-E75F-4C78-9C34-7E3C772A0EAF}" dt="2025-04-03T03:46:18.300" v="0" actId="2696"/>
+        <pc:sldMkLst>
+          <pc:docMk/>
+          <pc:sldMk cId="3292514151" sldId="458"/>
+        </pc:sldMkLst>
+      </pc:sldChg>
+      <pc:sldChg chg="addSp modSp add mod ord">
+        <pc:chgData name="Mohammed Fasha" userId="cc64f42d-a1a6-4f08-b97b-0c37f877119f" providerId="ADAL" clId="{047E1049-E75F-4C78-9C34-7E3C772A0EAF}" dt="2025-04-04T02:51:53.944" v="370"/>
+        <pc:sldMkLst>
+          <pc:docMk/>
+          <pc:sldMk cId="3444919817" sldId="458"/>
+        </pc:sldMkLst>
+      </pc:sldChg>
+      <pc:sldChg chg="modSp add mod">
+        <pc:chgData name="Mohammed Fasha" userId="cc64f42d-a1a6-4f08-b97b-0c37f877119f" providerId="ADAL" clId="{047E1049-E75F-4C78-9C34-7E3C772A0EAF}" dt="2025-04-03T03:47:46.048" v="34" actId="27636"/>
+        <pc:sldMkLst>
+          <pc:docMk/>
+          <pc:sldMk cId="1614983691" sldId="459"/>
+        </pc:sldMkLst>
+      </pc:sldChg>
+      <pc:sldChg chg="del">
+        <pc:chgData name="Mohammed Fasha" userId="cc64f42d-a1a6-4f08-b97b-0c37f877119f" providerId="ADAL" clId="{047E1049-E75F-4C78-9C34-7E3C772A0EAF}" dt="2025-04-03T03:46:18.300" v="0" actId="2696"/>
+        <pc:sldMkLst>
+          <pc:docMk/>
+          <pc:sldMk cId="3675936543" sldId="459"/>
+        </pc:sldMkLst>
+      </pc:sldChg>
+      <pc:sldChg chg="modSp add mod">
+        <pc:chgData name="Mohammed Fasha" userId="cc64f42d-a1a6-4f08-b97b-0c37f877119f" providerId="ADAL" clId="{047E1049-E75F-4C78-9C34-7E3C772A0EAF}" dt="2025-04-03T03:48:13.085" v="53" actId="27636"/>
+        <pc:sldMkLst>
+          <pc:docMk/>
+          <pc:sldMk cId="128777980" sldId="460"/>
+        </pc:sldMkLst>
+      </pc:sldChg>
+      <pc:sldChg chg="del">
+        <pc:chgData name="Mohammed Fasha" userId="cc64f42d-a1a6-4f08-b97b-0c37f877119f" providerId="ADAL" clId="{047E1049-E75F-4C78-9C34-7E3C772A0EAF}" dt="2025-04-03T03:46:18.300" v="0" actId="2696"/>
+        <pc:sldMkLst>
+          <pc:docMk/>
+          <pc:sldMk cId="819366188" sldId="460"/>
+        </pc:sldMkLst>
+      </pc:sldChg>
+      <pc:sldChg chg="del">
+        <pc:chgData name="Mohammed Fasha" userId="cc64f42d-a1a6-4f08-b97b-0c37f877119f" providerId="ADAL" clId="{047E1049-E75F-4C78-9C34-7E3C772A0EAF}" dt="2025-04-03T03:46:18.300" v="0" actId="2696"/>
+        <pc:sldMkLst>
+          <pc:docMk/>
+          <pc:sldMk cId="247418909" sldId="461"/>
+        </pc:sldMkLst>
+      </pc:sldChg>
+      <pc:sldChg chg="modSp add mod">
+        <pc:chgData name="Mohammed Fasha" userId="cc64f42d-a1a6-4f08-b97b-0c37f877119f" providerId="ADAL" clId="{047E1049-E75F-4C78-9C34-7E3C772A0EAF}" dt="2025-04-03T03:48:22.541" v="61" actId="27636"/>
+        <pc:sldMkLst>
+          <pc:docMk/>
+          <pc:sldMk cId="1623409718" sldId="461"/>
+        </pc:sldMkLst>
+      </pc:sldChg>
+      <pc:sldChg chg="del">
+        <pc:chgData name="Mohammed Fasha" userId="cc64f42d-a1a6-4f08-b97b-0c37f877119f" providerId="ADAL" clId="{047E1049-E75F-4C78-9C34-7E3C772A0EAF}" dt="2025-04-03T03:46:18.300" v="0" actId="2696"/>
+        <pc:sldMkLst>
+          <pc:docMk/>
+          <pc:sldMk cId="1157240725" sldId="462"/>
+        </pc:sldMkLst>
+      </pc:sldChg>
+      <pc:sldChg chg="modSp add mod ord">
+        <pc:chgData name="Mohammed Fasha" userId="cc64f42d-a1a6-4f08-b97b-0c37f877119f" providerId="ADAL" clId="{047E1049-E75F-4C78-9C34-7E3C772A0EAF}" dt="2025-04-03T03:47:59.704" v="42"/>
+        <pc:sldMkLst>
+          <pc:docMk/>
+          <pc:sldMk cId="1479590340" sldId="462"/>
+        </pc:sldMkLst>
+      </pc:sldChg>
+      <pc:sldChg chg="del">
+        <pc:chgData name="Mohammed Fasha" userId="cc64f42d-a1a6-4f08-b97b-0c37f877119f" providerId="ADAL" clId="{047E1049-E75F-4C78-9C34-7E3C772A0EAF}" dt="2025-04-03T03:46:18.300" v="0" actId="2696"/>
+        <pc:sldMkLst>
+          <pc:docMk/>
+          <pc:sldMk cId="2617340595" sldId="463"/>
+        </pc:sldMkLst>
+      </pc:sldChg>
+      <pc:sldChg chg="addSp modSp add mod">
+        <pc:chgData name="Mohammed Fasha" userId="cc64f42d-a1a6-4f08-b97b-0c37f877119f" providerId="ADAL" clId="{047E1049-E75F-4C78-9C34-7E3C772A0EAF}" dt="2025-04-03T03:48:42.512" v="69" actId="27636"/>
+        <pc:sldMkLst>
+          <pc:docMk/>
+          <pc:sldMk cId="3692114030" sldId="463"/>
+        </pc:sldMkLst>
+      </pc:sldChg>
+      <pc:sldChg chg="modSp add mod">
+        <pc:chgData name="Mohammed Fasha" userId="cc64f42d-a1a6-4f08-b97b-0c37f877119f" providerId="ADAL" clId="{047E1049-E75F-4C78-9C34-7E3C772A0EAF}" dt="2025-04-03T03:48:52.922" v="77" actId="27636"/>
+        <pc:sldMkLst>
+          <pc:docMk/>
+          <pc:sldMk cId="397173976" sldId="464"/>
+        </pc:sldMkLst>
+      </pc:sldChg>
+      <pc:sldChg chg="del">
+        <pc:chgData name="Mohammed Fasha" userId="cc64f42d-a1a6-4f08-b97b-0c37f877119f" providerId="ADAL" clId="{047E1049-E75F-4C78-9C34-7E3C772A0EAF}" dt="2025-04-03T03:46:18.300" v="0" actId="2696"/>
+        <pc:sldMkLst>
+          <pc:docMk/>
+          <pc:sldMk cId="2675381745" sldId="464"/>
+        </pc:sldMkLst>
+      </pc:sldChg>
+      <pc:sldChg chg="modSp add mod">
+        <pc:chgData name="Mohammed Fasha" userId="cc64f42d-a1a6-4f08-b97b-0c37f877119f" providerId="ADAL" clId="{047E1049-E75F-4C78-9C34-7E3C772A0EAF}" dt="2025-04-03T03:49:26.553" v="95" actId="27636"/>
+        <pc:sldMkLst>
+          <pc:docMk/>
+          <pc:sldMk cId="796753985" sldId="465"/>
+        </pc:sldMkLst>
+      </pc:sldChg>
+      <pc:sldChg chg="del">
+        <pc:chgData name="Mohammed Fasha" userId="cc64f42d-a1a6-4f08-b97b-0c37f877119f" providerId="ADAL" clId="{047E1049-E75F-4C78-9C34-7E3C772A0EAF}" dt="2025-04-03T03:46:18.300" v="0" actId="2696"/>
+        <pc:sldMkLst>
+          <pc:docMk/>
+          <pc:sldMk cId="4195523681" sldId="465"/>
+        </pc:sldMkLst>
+      </pc:sldChg>
+      <pc:sldChg chg="modSp add mod">
+        <pc:chgData name="Mohammed Fasha" userId="cc64f42d-a1a6-4f08-b97b-0c37f877119f" providerId="ADAL" clId="{047E1049-E75F-4C78-9C34-7E3C772A0EAF}" dt="2025-04-03T03:49:52.425" v="110" actId="27636"/>
+        <pc:sldMkLst>
+          <pc:docMk/>
+          <pc:sldMk cId="1695077877" sldId="466"/>
+        </pc:sldMkLst>
+      </pc:sldChg>
+      <pc:sldChg chg="del">
+        <pc:chgData name="Mohammed Fasha" userId="cc64f42d-a1a6-4f08-b97b-0c37f877119f" providerId="ADAL" clId="{047E1049-E75F-4C78-9C34-7E3C772A0EAF}" dt="2025-04-03T03:46:18.300" v="0" actId="2696"/>
+        <pc:sldMkLst>
+          <pc:docMk/>
+          <pc:sldMk cId="4047127300" sldId="466"/>
+        </pc:sldMkLst>
+      </pc:sldChg>
+      <pc:sldChg chg="del">
+        <pc:chgData name="Mohammed Fasha" userId="cc64f42d-a1a6-4f08-b97b-0c37f877119f" providerId="ADAL" clId="{047E1049-E75F-4C78-9C34-7E3C772A0EAF}" dt="2025-04-03T03:46:18.300" v="0" actId="2696"/>
+        <pc:sldMkLst>
+          <pc:docMk/>
+          <pc:sldMk cId="3183967706" sldId="467"/>
+        </pc:sldMkLst>
+      </pc:sldChg>
+      <pc:sldChg chg="modSp add mod">
+        <pc:chgData name="Mohammed Fasha" userId="cc64f42d-a1a6-4f08-b97b-0c37f877119f" providerId="ADAL" clId="{047E1049-E75F-4C78-9C34-7E3C772A0EAF}" dt="2025-04-03T03:50:04.387" v="118" actId="27636"/>
+        <pc:sldMkLst>
+          <pc:docMk/>
+          <pc:sldMk cId="3550307506" sldId="467"/>
+        </pc:sldMkLst>
+      </pc:sldChg>
+      <pc:sldChg chg="addSp delSp modSp new mod modClrScheme chgLayout">
+        <pc:chgData name="Mohammed Fasha" userId="cc64f42d-a1a6-4f08-b97b-0c37f877119f" providerId="ADAL" clId="{047E1049-E75F-4C78-9C34-7E3C772A0EAF}" dt="2025-04-03T03:49:12.860" v="87" actId="27636"/>
+        <pc:sldMkLst>
+          <pc:docMk/>
+          <pc:sldMk cId="3037053525" sldId="468"/>
+        </pc:sldMkLst>
+      </pc:sldChg>
+      <pc:sldChg chg="del">
+        <pc:chgData name="Mohammed Fasha" userId="cc64f42d-a1a6-4f08-b97b-0c37f877119f" providerId="ADAL" clId="{047E1049-E75F-4C78-9C34-7E3C772A0EAF}" dt="2025-04-03T03:46:18.300" v="0" actId="2696"/>
+        <pc:sldMkLst>
+          <pc:docMk/>
+          <pc:sldMk cId="3161654258" sldId="468"/>
+        </pc:sldMkLst>
+      </pc:sldChg>
+      <pc:sldChg chg="modSp add mod">
+        <pc:chgData name="Mohammed Fasha" userId="cc64f42d-a1a6-4f08-b97b-0c37f877119f" providerId="ADAL" clId="{047E1049-E75F-4C78-9C34-7E3C772A0EAF}" dt="2025-04-03T03:50:20.247" v="126" actId="27636"/>
+        <pc:sldMkLst>
+          <pc:docMk/>
+          <pc:sldMk cId="1747260327" sldId="469"/>
+        </pc:sldMkLst>
+      </pc:sldChg>
+      <pc:sldChg chg="del">
+        <pc:chgData name="Mohammed Fasha" userId="cc64f42d-a1a6-4f08-b97b-0c37f877119f" providerId="ADAL" clId="{047E1049-E75F-4C78-9C34-7E3C772A0EAF}" dt="2025-04-03T03:46:18.300" v="0" actId="2696"/>
+        <pc:sldMkLst>
+          <pc:docMk/>
+          <pc:sldMk cId="2175348861" sldId="469"/>
+        </pc:sldMkLst>
+      </pc:sldChg>
+      <pc:sldChg chg="modSp add mod">
+        <pc:chgData name="Mohammed Fasha" userId="cc64f42d-a1a6-4f08-b97b-0c37f877119f" providerId="ADAL" clId="{047E1049-E75F-4C78-9C34-7E3C772A0EAF}" dt="2025-04-03T03:50:34.128" v="133" actId="27636"/>
+        <pc:sldMkLst>
+          <pc:docMk/>
+          <pc:sldMk cId="2869808375" sldId="470"/>
+        </pc:sldMkLst>
+      </pc:sldChg>
+      <pc:sldChg chg="del">
+        <pc:chgData name="Mohammed Fasha" userId="cc64f42d-a1a6-4f08-b97b-0c37f877119f" providerId="ADAL" clId="{047E1049-E75F-4C78-9C34-7E3C772A0EAF}" dt="2025-04-03T03:46:18.300" v="0" actId="2696"/>
+        <pc:sldMkLst>
+          <pc:docMk/>
+          <pc:sldMk cId="2988183144" sldId="470"/>
+        </pc:sldMkLst>
+      </pc:sldChg>
+      <pc:sldChg chg="del">
+        <pc:chgData name="Mohammed Fasha" userId="cc64f42d-a1a6-4f08-b97b-0c37f877119f" providerId="ADAL" clId="{047E1049-E75F-4C78-9C34-7E3C772A0EAF}" dt="2025-04-03T03:46:18.300" v="0" actId="2696"/>
+        <pc:sldMkLst>
+          <pc:docMk/>
+          <pc:sldMk cId="1572681964" sldId="471"/>
+        </pc:sldMkLst>
+      </pc:sldChg>
+      <pc:sldChg chg="modSp add mod">
+        <pc:chgData name="Mohammed Fasha" userId="cc64f42d-a1a6-4f08-b97b-0c37f877119f" providerId="ADAL" clId="{047E1049-E75F-4C78-9C34-7E3C772A0EAF}" dt="2025-04-03T03:50:47.771" v="141" actId="27636"/>
+        <pc:sldMkLst>
+          <pc:docMk/>
+          <pc:sldMk cId="3417884614" sldId="471"/>
+        </pc:sldMkLst>
+      </pc:sldChg>
+      <pc:sldChg chg="modSp add mod">
+        <pc:chgData name="Mohammed Fasha" userId="cc64f42d-a1a6-4f08-b97b-0c37f877119f" providerId="ADAL" clId="{047E1049-E75F-4C78-9C34-7E3C772A0EAF}" dt="2025-04-03T03:51:00.974" v="149" actId="27636"/>
+        <pc:sldMkLst>
+          <pc:docMk/>
+          <pc:sldMk cId="3101782170" sldId="472"/>
+        </pc:sldMkLst>
+      </pc:sldChg>
+      <pc:sldChg chg="del">
+        <pc:chgData name="Mohammed Fasha" userId="cc64f42d-a1a6-4f08-b97b-0c37f877119f" providerId="ADAL" clId="{047E1049-E75F-4C78-9C34-7E3C772A0EAF}" dt="2025-04-03T03:46:18.300" v="0" actId="2696"/>
+        <pc:sldMkLst>
+          <pc:docMk/>
+          <pc:sldMk cId="3385747305" sldId="473"/>
+        </pc:sldMkLst>
+      </pc:sldChg>
+      <pc:sldChg chg="modSp add mod">
+        <pc:chgData name="Mohammed Fasha" userId="cc64f42d-a1a6-4f08-b97b-0c37f877119f" providerId="ADAL" clId="{047E1049-E75F-4C78-9C34-7E3C772A0EAF}" dt="2025-04-03T03:51:44.543" v="204" actId="27636"/>
+        <pc:sldMkLst>
+          <pc:docMk/>
+          <pc:sldMk cId="3816827401" sldId="473"/>
+        </pc:sldMkLst>
+      </pc:sldChg>
+      <pc:sldChg chg="modSp add mod">
+        <pc:chgData name="Mohammed Fasha" userId="cc64f42d-a1a6-4f08-b97b-0c37f877119f" providerId="ADAL" clId="{047E1049-E75F-4C78-9C34-7E3C772A0EAF}" dt="2025-04-03T03:56:44.767" v="316" actId="27636"/>
+        <pc:sldMkLst>
+          <pc:docMk/>
+          <pc:sldMk cId="1739290896" sldId="474"/>
+        </pc:sldMkLst>
+      </pc:sldChg>
+      <pc:sldChg chg="del">
+        <pc:chgData name="Mohammed Fasha" userId="cc64f42d-a1a6-4f08-b97b-0c37f877119f" providerId="ADAL" clId="{047E1049-E75F-4C78-9C34-7E3C772A0EAF}" dt="2025-04-03T03:46:18.300" v="0" actId="2696"/>
+        <pc:sldMkLst>
+          <pc:docMk/>
+          <pc:sldMk cId="1939766790" sldId="474"/>
+        </pc:sldMkLst>
+      </pc:sldChg>
+      <pc:sldChg chg="del">
+        <pc:chgData name="Mohammed Fasha" userId="cc64f42d-a1a6-4f08-b97b-0c37f877119f" providerId="ADAL" clId="{047E1049-E75F-4C78-9C34-7E3C772A0EAF}" dt="2025-04-03T03:46:18.300" v="0" actId="2696"/>
+        <pc:sldMkLst>
+          <pc:docMk/>
+          <pc:sldMk cId="1489896525" sldId="475"/>
+        </pc:sldMkLst>
+      </pc:sldChg>
+      <pc:sldChg chg="addSp modSp add mod">
+        <pc:chgData name="Mohammed Fasha" userId="cc64f42d-a1a6-4f08-b97b-0c37f877119f" providerId="ADAL" clId="{047E1049-E75F-4C78-9C34-7E3C772A0EAF}" dt="2025-04-03T03:57:23.080" v="345" actId="27636"/>
+        <pc:sldMkLst>
+          <pc:docMk/>
+          <pc:sldMk cId="2226513235" sldId="475"/>
+        </pc:sldMkLst>
+      </pc:sldChg>
+      <pc:sldChg chg="addSp delSp modSp new mod modClrScheme chgLayout">
+        <pc:chgData name="Mohammed Fasha" userId="cc64f42d-a1a6-4f08-b97b-0c37f877119f" providerId="ADAL" clId="{047E1049-E75F-4C78-9C34-7E3C772A0EAF}" dt="2025-04-03T03:51:27.265" v="189" actId="20577"/>
+        <pc:sldMkLst>
+          <pc:docMk/>
+          <pc:sldMk cId="3909279172" sldId="476"/>
+        </pc:sldMkLst>
+      </pc:sldChg>
+      <pc:sldChg chg="modSp add mod">
+        <pc:chgData name="Mohammed Fasha" userId="cc64f42d-a1a6-4f08-b97b-0c37f877119f" providerId="ADAL" clId="{047E1049-E75F-4C78-9C34-7E3C772A0EAF}" dt="2025-04-03T03:51:56.048" v="212" actId="27636"/>
+        <pc:sldMkLst>
+          <pc:docMk/>
+          <pc:sldMk cId="819841267" sldId="477"/>
+        </pc:sldMkLst>
+      </pc:sldChg>
+      <pc:sldChg chg="addSp modSp add mod">
+        <pc:chgData name="Mohammed Fasha" userId="cc64f42d-a1a6-4f08-b97b-0c37f877119f" providerId="ADAL" clId="{047E1049-E75F-4C78-9C34-7E3C772A0EAF}" dt="2025-04-03T03:53:56.061" v="268" actId="27636"/>
+        <pc:sldMkLst>
+          <pc:docMk/>
+          <pc:sldMk cId="2214073972" sldId="478"/>
+        </pc:sldMkLst>
+      </pc:sldChg>
+      <pc:sldChg chg="modSp add mod">
+        <pc:chgData name="Mohammed Fasha" userId="cc64f42d-a1a6-4f08-b97b-0c37f877119f" providerId="ADAL" clId="{047E1049-E75F-4C78-9C34-7E3C772A0EAF}" dt="2025-04-03T03:52:30.959" v="230" actId="27636"/>
+        <pc:sldMkLst>
+          <pc:docMk/>
+          <pc:sldMk cId="3156073132" sldId="479"/>
+        </pc:sldMkLst>
+      </pc:sldChg>
+      <pc:sldChg chg="modSp add mod">
+        <pc:chgData name="Mohammed Fasha" userId="cc64f42d-a1a6-4f08-b97b-0c37f877119f" providerId="ADAL" clId="{047E1049-E75F-4C78-9C34-7E3C772A0EAF}" dt="2025-04-03T03:52:41.270" v="238" actId="27636"/>
+        <pc:sldMkLst>
+          <pc:docMk/>
+          <pc:sldMk cId="3580460315" sldId="480"/>
+        </pc:sldMkLst>
+      </pc:sldChg>
+      <pc:sldChg chg="addSp modSp add mod">
+        <pc:chgData name="Mohammed Fasha" userId="cc64f42d-a1a6-4f08-b97b-0c37f877119f" providerId="ADAL" clId="{047E1049-E75F-4C78-9C34-7E3C772A0EAF}" dt="2025-04-03T03:53:33.580" v="261" actId="27636"/>
+        <pc:sldMkLst>
+          <pc:docMk/>
+          <pc:sldMk cId="1703340959" sldId="481"/>
+        </pc:sldMkLst>
+      </pc:sldChg>
+      <pc:sldChg chg="modSp add mod">
+        <pc:chgData name="Mohammed Fasha" userId="cc64f42d-a1a6-4f08-b97b-0c37f877119f" providerId="ADAL" clId="{047E1049-E75F-4C78-9C34-7E3C772A0EAF}" dt="2025-04-03T03:56:04.672" v="277" actId="27636"/>
+        <pc:sldMkLst>
+          <pc:docMk/>
+          <pc:sldMk cId="2888335997" sldId="482"/>
+        </pc:sldMkLst>
+      </pc:sldChg>
+      <pc:sldChg chg="modSp add mod">
+        <pc:chgData name="Mohammed Fasha" userId="cc64f42d-a1a6-4f08-b97b-0c37f877119f" providerId="ADAL" clId="{047E1049-E75F-4C78-9C34-7E3C772A0EAF}" dt="2025-04-03T03:56:33.805" v="308" actId="27636"/>
+        <pc:sldMkLst>
+          <pc:docMk/>
+          <pc:sldMk cId="793646111" sldId="483"/>
+        </pc:sldMkLst>
+      </pc:sldChg>
+      <pc:sldChg chg="addSp delSp modSp new mod modClrScheme chgLayout">
+        <pc:chgData name="Mohammed Fasha" userId="cc64f42d-a1a6-4f08-b97b-0c37f877119f" providerId="ADAL" clId="{047E1049-E75F-4C78-9C34-7E3C772A0EAF}" dt="2025-04-03T03:56:17.371" v="300" actId="20577"/>
+        <pc:sldMkLst>
+          <pc:docMk/>
+          <pc:sldMk cId="1303499855" sldId="484"/>
+        </pc:sldMkLst>
+      </pc:sldChg>
+      <pc:sldChg chg="modSp new mod">
+        <pc:chgData name="Mohammed Fasha" userId="cc64f42d-a1a6-4f08-b97b-0c37f877119f" providerId="ADAL" clId="{047E1049-E75F-4C78-9C34-7E3C772A0EAF}" dt="2025-04-03T03:57:40.106" v="353" actId="27636"/>
+        <pc:sldMkLst>
+          <pc:docMk/>
+          <pc:sldMk cId="785969896" sldId="485"/>
+        </pc:sldMkLst>
+      </pc:sldChg>
+      <pc:sldChg chg="modSp add mod">
+        <pc:chgData name="Mohammed Fasha" userId="cc64f42d-a1a6-4f08-b97b-0c37f877119f" providerId="ADAL" clId="{047E1049-E75F-4C78-9C34-7E3C772A0EAF}" dt="2025-04-03T03:57:51.517" v="360" actId="27636"/>
+        <pc:sldMkLst>
+          <pc:docMk/>
+          <pc:sldMk cId="603445561" sldId="486"/>
+        </pc:sldMkLst>
+      </pc:sldChg>
+      <pc:sldChg chg="add">
+        <pc:chgData name="Mohammed Fasha" userId="cc64f42d-a1a6-4f08-b97b-0c37f877119f" providerId="ADAL" clId="{047E1049-E75F-4C78-9C34-7E3C772A0EAF}" dt="2025-04-03T03:57:03.698" v="327"/>
+        <pc:sldMkLst>
+          <pc:docMk/>
+          <pc:sldMk cId="606504269" sldId="487"/>
+        </pc:sldMkLst>
+      </pc:sldChg>
+      <pc:sldChg chg="add">
+        <pc:chgData name="Mohammed Fasha" userId="cc64f42d-a1a6-4f08-b97b-0c37f877119f" providerId="ADAL" clId="{047E1049-E75F-4C78-9C34-7E3C772A0EAF}" dt="2025-04-03T03:57:03.721" v="328"/>
+        <pc:sldMkLst>
+          <pc:docMk/>
+          <pc:sldMk cId="1776267863" sldId="488"/>
+        </pc:sldMkLst>
+      </pc:sldChg>
+      <pc:sldChg chg="add">
+        <pc:chgData name="Mohammed Fasha" userId="cc64f42d-a1a6-4f08-b97b-0c37f877119f" providerId="ADAL" clId="{047E1049-E75F-4C78-9C34-7E3C772A0EAF}" dt="2025-04-03T03:57:03.766" v="329"/>
+        <pc:sldMkLst>
+          <pc:docMk/>
+          <pc:sldMk cId="97648898" sldId="489"/>
+        </pc:sldMkLst>
+      </pc:sldChg>
+      <pc:sldChg chg="add">
+        <pc:chgData name="Mohammed Fasha" userId="cc64f42d-a1a6-4f08-b97b-0c37f877119f" providerId="ADAL" clId="{047E1049-E75F-4C78-9C34-7E3C772A0EAF}" dt="2025-04-03T03:57:03.798" v="330"/>
+        <pc:sldMkLst>
+          <pc:docMk/>
+          <pc:sldMk cId="906636920" sldId="490"/>
+        </pc:sldMkLst>
+      </pc:sldChg>
+      <pc:sldChg chg="add">
+        <pc:chgData name="Mohammed Fasha" userId="cc64f42d-a1a6-4f08-b97b-0c37f877119f" providerId="ADAL" clId="{047E1049-E75F-4C78-9C34-7E3C772A0EAF}" dt="2025-04-03T03:57:03.829" v="331"/>
+        <pc:sldMkLst>
+          <pc:docMk/>
+          <pc:sldMk cId="378929050" sldId="491"/>
+        </pc:sldMkLst>
+      </pc:sldChg>
+      <pc:sldChg chg="add">
+        <pc:chgData name="Mohammed Fasha" userId="cc64f42d-a1a6-4f08-b97b-0c37f877119f" providerId="ADAL" clId="{047E1049-E75F-4C78-9C34-7E3C772A0EAF}" dt="2025-04-03T03:57:03.863" v="332"/>
+        <pc:sldMkLst>
+          <pc:docMk/>
+          <pc:sldMk cId="1449280576" sldId="492"/>
+        </pc:sldMkLst>
+      </pc:sldChg>
+      <pc:sldChg chg="add">
+        <pc:chgData name="Mohammed Fasha" userId="cc64f42d-a1a6-4f08-b97b-0c37f877119f" providerId="ADAL" clId="{047E1049-E75F-4C78-9C34-7E3C772A0EAF}" dt="2025-04-03T03:57:03.892" v="333"/>
+        <pc:sldMkLst>
+          <pc:docMk/>
+          <pc:sldMk cId="2641167175" sldId="493"/>
+        </pc:sldMkLst>
+      </pc:sldChg>
+      <pc:sldChg chg="add">
+        <pc:chgData name="Mohammed Fasha" userId="cc64f42d-a1a6-4f08-b97b-0c37f877119f" providerId="ADAL" clId="{047E1049-E75F-4C78-9C34-7E3C772A0EAF}" dt="2025-04-03T03:57:03.924" v="334"/>
+        <pc:sldMkLst>
+          <pc:docMk/>
+          <pc:sldMk cId="3291232176" sldId="494"/>
+        </pc:sldMkLst>
+      </pc:sldChg>
+      <pc:sldChg chg="add">
+        <pc:chgData name="Mohammed Fasha" userId="cc64f42d-a1a6-4f08-b97b-0c37f877119f" providerId="ADAL" clId="{047E1049-E75F-4C78-9C34-7E3C772A0EAF}" dt="2025-04-03T03:57:03.956" v="335"/>
+        <pc:sldMkLst>
+          <pc:docMk/>
+          <pc:sldMk cId="2356947773" sldId="495"/>
+        </pc:sldMkLst>
+      </pc:sldChg>
+      <pc:sldChg chg="add">
+        <pc:chgData name="Mohammed Fasha" userId="cc64f42d-a1a6-4f08-b97b-0c37f877119f" providerId="ADAL" clId="{047E1049-E75F-4C78-9C34-7E3C772A0EAF}" dt="2025-04-03T03:57:04.003" v="336"/>
+        <pc:sldMkLst>
+          <pc:docMk/>
+          <pc:sldMk cId="2398702597" sldId="496"/>
+        </pc:sldMkLst>
+      </pc:sldChg>
+      <pc:sldChg chg="add">
+        <pc:chgData name="Mohammed Fasha" userId="cc64f42d-a1a6-4f08-b97b-0c37f877119f" providerId="ADAL" clId="{047E1049-E75F-4C78-9C34-7E3C772A0EAF}" dt="2025-04-03T03:57:04.035" v="337"/>
+        <pc:sldMkLst>
+          <pc:docMk/>
+          <pc:sldMk cId="2455483949" sldId="497"/>
+        </pc:sldMkLst>
+      </pc:sldChg>
+      <pc:sldChg chg="add del">
+        <pc:chgData name="Mohammed Fasha" userId="cc64f42d-a1a6-4f08-b97b-0c37f877119f" providerId="ADAL" clId="{047E1049-E75F-4C78-9C34-7E3C772A0EAF}" dt="2025-04-04T02:51:13.176" v="362" actId="47"/>
+        <pc:sldMkLst>
+          <pc:docMk/>
+          <pc:sldMk cId="329639262" sldId="498"/>
+        </pc:sldMkLst>
+      </pc:sldChg>
+      <pc:sldChg chg="addSp delSp modSp new mod">
+        <pc:chgData name="Mohammed Fasha" userId="cc64f42d-a1a6-4f08-b97b-0c37f877119f" providerId="ADAL" clId="{047E1049-E75F-4C78-9C34-7E3C772A0EAF}" dt="2025-04-04T05:37:32.702" v="418" actId="313"/>
+        <pc:sldMkLst>
+          <pc:docMk/>
+          <pc:sldMk cId="3608258295" sldId="498"/>
+        </pc:sldMkLst>
+      </pc:sldChg>
+      <pc:sldChg chg="add del">
+        <pc:chgData name="Mohammed Fasha" userId="cc64f42d-a1a6-4f08-b97b-0c37f877119f" providerId="ADAL" clId="{047E1049-E75F-4C78-9C34-7E3C772A0EAF}" dt="2025-04-04T02:52:01.834" v="371" actId="2696"/>
+        <pc:sldMkLst>
+          <pc:docMk/>
+          <pc:sldMk cId="1939766790" sldId="499"/>
+        </pc:sldMkLst>
+      </pc:sldChg>
+      <pc:sldChg chg="add del">
+        <pc:chgData name="Mohammed Fasha" userId="cc64f42d-a1a6-4f08-b97b-0c37f877119f" providerId="ADAL" clId="{047E1049-E75F-4C78-9C34-7E3C772A0EAF}" dt="2025-04-04T05:38:18.236" v="421" actId="2696"/>
+        <pc:sldMkLst>
+          <pc:docMk/>
+          <pc:sldMk cId="3198013704" sldId="499"/>
+        </pc:sldMkLst>
+      </pc:sldChg>
+      <pc:sldChg chg="add">
+        <pc:chgData name="Mohammed Fasha" userId="cc64f42d-a1a6-4f08-b97b-0c37f877119f" providerId="ADAL" clId="{047E1049-E75F-4C78-9C34-7E3C772A0EAF}" dt="2025-04-04T05:37:46.092" v="419"/>
+        <pc:sldMkLst>
+          <pc:docMk/>
+          <pc:sldMk cId="1939766790" sldId="500"/>
+        </pc:sldMkLst>
+      </pc:sldChg>
+      <pc:sldChg chg="add del">
+        <pc:chgData name="Mohammed Fasha" userId="cc64f42d-a1a6-4f08-b97b-0c37f877119f" providerId="ADAL" clId="{047E1049-E75F-4C78-9C34-7E3C772A0EAF}" dt="2025-04-04T02:52:01.834" v="371" actId="2696"/>
+        <pc:sldMkLst>
+          <pc:docMk/>
+          <pc:sldMk cId="3385747305" sldId="500"/>
+        </pc:sldMkLst>
+      </pc:sldChg>
+      <pc:sldChg chg="add">
+        <pc:chgData name="Mohammed Fasha" userId="cc64f42d-a1a6-4f08-b97b-0c37f877119f" providerId="ADAL" clId="{047E1049-E75F-4C78-9C34-7E3C772A0EAF}" dt="2025-04-04T05:37:46.092" v="419"/>
+        <pc:sldMkLst>
+          <pc:docMk/>
+          <pc:sldMk cId="3385747305" sldId="501"/>
+        </pc:sldMkLst>
+      </pc:sldChg>
+      <pc:sldChg chg="add del">
+        <pc:chgData name="Mohammed Fasha" userId="cc64f42d-a1a6-4f08-b97b-0c37f877119f" providerId="ADAL" clId="{047E1049-E75F-4C78-9C34-7E3C772A0EAF}" dt="2025-04-04T05:38:27.373" v="422" actId="47"/>
+        <pc:sldMkLst>
+          <pc:docMk/>
+          <pc:sldMk cId="2282942957" sldId="502"/>
+        </pc:sldMkLst>
+      </pc:sldChg>
+      <pc:sldChg chg="add del">
+        <pc:chgData name="Mohammed Fasha" userId="cc64f42d-a1a6-4f08-b97b-0c37f877119f" providerId="ADAL" clId="{047E1049-E75F-4C78-9C34-7E3C772A0EAF}" dt="2025-04-04T05:38:28.255" v="423" actId="47"/>
+        <pc:sldMkLst>
+          <pc:docMk/>
+          <pc:sldMk cId="1674895679" sldId="503"/>
+        </pc:sldMkLst>
+      </pc:sldChg>
+      <pc:sldChg chg="add del">
+        <pc:chgData name="Mohammed Fasha" userId="cc64f42d-a1a6-4f08-b97b-0c37f877119f" providerId="ADAL" clId="{047E1049-E75F-4C78-9C34-7E3C772A0EAF}" dt="2025-04-04T05:38:28.921" v="424" actId="47"/>
+        <pc:sldMkLst>
+          <pc:docMk/>
+          <pc:sldMk cId="3292514151" sldId="504"/>
+        </pc:sldMkLst>
+      </pc:sldChg>
+      <pc:sldChg chg="add del">
+        <pc:chgData name="Mohammed Fasha" userId="cc64f42d-a1a6-4f08-b97b-0c37f877119f" providerId="ADAL" clId="{047E1049-E75F-4C78-9C34-7E3C772A0EAF}" dt="2025-04-04T05:38:29.642" v="425" actId="47"/>
+        <pc:sldMkLst>
+          <pc:docMk/>
+          <pc:sldMk cId="3675936543" sldId="505"/>
+        </pc:sldMkLst>
+      </pc:sldChg>
+      <pc:sldChg chg="add del">
+        <pc:chgData name="Mohammed Fasha" userId="cc64f42d-a1a6-4f08-b97b-0c37f877119f" providerId="ADAL" clId="{047E1049-E75F-4C78-9C34-7E3C772A0EAF}" dt="2025-04-04T05:38:30.302" v="426" actId="47"/>
+        <pc:sldMkLst>
+          <pc:docMk/>
+          <pc:sldMk cId="819366188" sldId="506"/>
+        </pc:sldMkLst>
+      </pc:sldChg>
+      <pc:sldChg chg="add del">
+        <pc:chgData name="Mohammed Fasha" userId="cc64f42d-a1a6-4f08-b97b-0c37f877119f" providerId="ADAL" clId="{047E1049-E75F-4C78-9C34-7E3C772A0EAF}" dt="2025-04-04T05:38:32.142" v="427" actId="47"/>
+        <pc:sldMkLst>
+          <pc:docMk/>
+          <pc:sldMk cId="1157240725" sldId="507"/>
+        </pc:sldMkLst>
+      </pc:sldChg>
+      <pc:sldChg chg="add del">
+        <pc:chgData name="Mohammed Fasha" userId="cc64f42d-a1a6-4f08-b97b-0c37f877119f" providerId="ADAL" clId="{047E1049-E75F-4C78-9C34-7E3C772A0EAF}" dt="2025-04-04T05:38:33.091" v="428" actId="47"/>
+        <pc:sldMkLst>
+          <pc:docMk/>
+          <pc:sldMk cId="2617340595" sldId="508"/>
+        </pc:sldMkLst>
+      </pc:sldChg>
+      <pc:sldChg chg="add del">
+        <pc:chgData name="Mohammed Fasha" userId="cc64f42d-a1a6-4f08-b97b-0c37f877119f" providerId="ADAL" clId="{047E1049-E75F-4C78-9C34-7E3C772A0EAF}" dt="2025-04-04T05:38:34.048" v="429" actId="47"/>
+        <pc:sldMkLst>
+          <pc:docMk/>
+          <pc:sldMk cId="2175348861" sldId="509"/>
+        </pc:sldMkLst>
+      </pc:sldChg>
+      <pc:sldChg chg="add del">
+        <pc:chgData name="Mohammed Fasha" userId="cc64f42d-a1a6-4f08-b97b-0c37f877119f" providerId="ADAL" clId="{047E1049-E75F-4C78-9C34-7E3C772A0EAF}" dt="2025-04-04T05:38:50.448" v="432" actId="47"/>
+        <pc:sldMkLst>
+          <pc:docMk/>
+          <pc:sldMk cId="1489896525" sldId="510"/>
+        </pc:sldMkLst>
+      </pc:sldChg>
+      <pc:sldChg chg="add">
+        <pc:chgData name="Mohammed Fasha" userId="cc64f42d-a1a6-4f08-b97b-0c37f877119f" providerId="ADAL" clId="{047E1049-E75F-4C78-9C34-7E3C772A0EAF}" dt="2025-04-04T05:37:46.092" v="419"/>
+        <pc:sldMkLst>
+          <pc:docMk/>
+          <pc:sldMk cId="1572681964" sldId="511"/>
+        </pc:sldMkLst>
+      </pc:sldChg>
+      <pc:sldChg chg="add del">
+        <pc:chgData name="Mohammed Fasha" userId="cc64f42d-a1a6-4f08-b97b-0c37f877119f" providerId="ADAL" clId="{047E1049-E75F-4C78-9C34-7E3C772A0EAF}" dt="2025-04-04T05:40:04.773" v="550" actId="2696"/>
+        <pc:sldMkLst>
+          <pc:docMk/>
+          <pc:sldMk cId="2988183144" sldId="512"/>
+        </pc:sldMkLst>
+      </pc:sldChg>
+      <pc:sldChg chg="add del">
+        <pc:chgData name="Mohammed Fasha" userId="cc64f42d-a1a6-4f08-b97b-0c37f877119f" providerId="ADAL" clId="{047E1049-E75F-4C78-9C34-7E3C772A0EAF}" dt="2025-04-04T05:40:09.219" v="551" actId="2696"/>
+        <pc:sldMkLst>
+          <pc:docMk/>
+          <pc:sldMk cId="247418909" sldId="513"/>
+        </pc:sldMkLst>
+      </pc:sldChg>
+      <pc:sldChg chg="add del">
+        <pc:chgData name="Mohammed Fasha" userId="cc64f42d-a1a6-4f08-b97b-0c37f877119f" providerId="ADAL" clId="{047E1049-E75F-4C78-9C34-7E3C772A0EAF}" dt="2025-04-04T05:40:10.923" v="552" actId="2696"/>
+        <pc:sldMkLst>
+          <pc:docMk/>
+          <pc:sldMk cId="2473496620" sldId="514"/>
+        </pc:sldMkLst>
+      </pc:sldChg>
+      <pc:sldChg chg="add del">
+        <pc:chgData name="Mohammed Fasha" userId="cc64f42d-a1a6-4f08-b97b-0c37f877119f" providerId="ADAL" clId="{047E1049-E75F-4C78-9C34-7E3C772A0EAF}" dt="2025-04-04T05:40:12.785" v="553" actId="2696"/>
+        <pc:sldMkLst>
+          <pc:docMk/>
+          <pc:sldMk cId="1668182246" sldId="515"/>
+        </pc:sldMkLst>
+      </pc:sldChg>
+      <pc:sldChg chg="add del">
+        <pc:chgData name="Mohammed Fasha" userId="cc64f42d-a1a6-4f08-b97b-0c37f877119f" providerId="ADAL" clId="{047E1049-E75F-4C78-9C34-7E3C772A0EAF}" dt="2025-04-04T05:40:37.166" v="554" actId="2696"/>
+        <pc:sldMkLst>
+          <pc:docMk/>
+          <pc:sldMk cId="48836864" sldId="516"/>
+        </pc:sldMkLst>
+      </pc:sldChg>
+      <pc:sldChg chg="modSp add mod">
+        <pc:chgData name="Mohammed Fasha" userId="cc64f42d-a1a6-4f08-b97b-0c37f877119f" providerId="ADAL" clId="{047E1049-E75F-4C78-9C34-7E3C772A0EAF}" dt="2025-04-04T05:41:13.343" v="562" actId="20577"/>
+        <pc:sldMkLst>
+          <pc:docMk/>
+          <pc:sldMk cId="3262667370" sldId="516"/>
+        </pc:sldMkLst>
+        <pc:spChg chg="mod">
+          <ac:chgData name="Mohammed Fasha" userId="cc64f42d-a1a6-4f08-b97b-0c37f877119f" providerId="ADAL" clId="{047E1049-E75F-4C78-9C34-7E3C772A0EAF}" dt="2025-04-04T05:41:13.343" v="562" actId="20577"/>
+          <ac:spMkLst>
+            <pc:docMk/>
+            <pc:sldMk cId="3262667370" sldId="516"/>
+            <ac:spMk id="3" creationId="{B1CD1ADE-0294-A1FB-F5E9-1676C5183664}"/>
+          </ac:spMkLst>
+        </pc:spChg>
+      </pc:sldChg>
+      <pc:sldChg chg="add del">
+        <pc:chgData name="Mohammed Fasha" userId="cc64f42d-a1a6-4f08-b97b-0c37f877119f" providerId="ADAL" clId="{047E1049-E75F-4C78-9C34-7E3C772A0EAF}" dt="2025-04-04T05:40:37.166" v="554" actId="2696"/>
+        <pc:sldMkLst>
+          <pc:docMk/>
+          <pc:sldMk cId="928322667" sldId="517"/>
+        </pc:sldMkLst>
+      </pc:sldChg>
+      <pc:sldChg chg="add">
+        <pc:chgData name="Mohammed Fasha" userId="cc64f42d-a1a6-4f08-b97b-0c37f877119f" providerId="ADAL" clId="{047E1049-E75F-4C78-9C34-7E3C772A0EAF}" dt="2025-04-04T05:40:39.143" v="555"/>
+        <pc:sldMkLst>
+          <pc:docMk/>
+          <pc:sldMk cId="1069388775" sldId="517"/>
+        </pc:sldMkLst>
+      </pc:sldChg>
+      <pc:sldChg chg="add del">
+        <pc:chgData name="Mohammed Fasha" userId="cc64f42d-a1a6-4f08-b97b-0c37f877119f" providerId="ADAL" clId="{047E1049-E75F-4C78-9C34-7E3C772A0EAF}" dt="2025-04-04T05:40:37.166" v="554" actId="2696"/>
+        <pc:sldMkLst>
+          <pc:docMk/>
+          <pc:sldMk cId="446689935" sldId="518"/>
+        </pc:sldMkLst>
+      </pc:sldChg>
+      <pc:sldChg chg="add">
+        <pc:chgData name="Mohammed Fasha" userId="cc64f42d-a1a6-4f08-b97b-0c37f877119f" providerId="ADAL" clId="{047E1049-E75F-4C78-9C34-7E3C772A0EAF}" dt="2025-04-04T05:40:39.143" v="555"/>
+        <pc:sldMkLst>
+          <pc:docMk/>
+          <pc:sldMk cId="2522473771" sldId="518"/>
+        </pc:sldMkLst>
+      </pc:sldChg>
+      <pc:sldChg chg="add">
+        <pc:chgData name="Mohammed Fasha" userId="cc64f42d-a1a6-4f08-b97b-0c37f877119f" providerId="ADAL" clId="{047E1049-E75F-4C78-9C34-7E3C772A0EAF}" dt="2025-04-04T05:40:39.143" v="555"/>
+        <pc:sldMkLst>
+          <pc:docMk/>
+          <pc:sldMk cId="457051995" sldId="519"/>
+        </pc:sldMkLst>
+      </pc:sldChg>
+      <pc:sldChg chg="add del">
+        <pc:chgData name="Mohammed Fasha" userId="cc64f42d-a1a6-4f08-b97b-0c37f877119f" providerId="ADAL" clId="{047E1049-E75F-4C78-9C34-7E3C772A0EAF}" dt="2025-04-04T05:40:37.166" v="554" actId="2696"/>
+        <pc:sldMkLst>
+          <pc:docMk/>
+          <pc:sldMk cId="2284286539" sldId="519"/>
+        </pc:sldMkLst>
+      </pc:sldChg>
+      <pc:sldChg chg="add del">
+        <pc:chgData name="Mohammed Fasha" userId="cc64f42d-a1a6-4f08-b97b-0c37f877119f" providerId="ADAL" clId="{047E1049-E75F-4C78-9C34-7E3C772A0EAF}" dt="2025-04-04T05:40:37.166" v="554" actId="2696"/>
+        <pc:sldMkLst>
+          <pc:docMk/>
+          <pc:sldMk cId="1729735699" sldId="520"/>
+        </pc:sldMkLst>
+      </pc:sldChg>
+      <pc:sldChg chg="modSp add mod">
+        <pc:chgData name="Mohammed Fasha" userId="cc64f42d-a1a6-4f08-b97b-0c37f877119f" providerId="ADAL" clId="{047E1049-E75F-4C78-9C34-7E3C772A0EAF}" dt="2025-04-04T05:41:57.478" v="563" actId="14100"/>
+        <pc:sldMkLst>
+          <pc:docMk/>
+          <pc:sldMk cId="2606490903" sldId="520"/>
+        </pc:sldMkLst>
+        <pc:spChg chg="mod">
+          <ac:chgData name="Mohammed Fasha" userId="cc64f42d-a1a6-4f08-b97b-0c37f877119f" providerId="ADAL" clId="{047E1049-E75F-4C78-9C34-7E3C772A0EAF}" dt="2025-04-04T05:41:57.478" v="563" actId="14100"/>
+          <ac:spMkLst>
+            <pc:docMk/>
+            <pc:sldMk cId="2606490903" sldId="520"/>
+            <ac:spMk id="3" creationId="{F03A864D-27D6-2882-82A2-FC76937F57AC}"/>
+          </ac:spMkLst>
+        </pc:spChg>
+      </pc:sldChg>
+      <pc:sldChg chg="add">
+        <pc:chgData name="Mohammed Fasha" userId="cc64f42d-a1a6-4f08-b97b-0c37f877119f" providerId="ADAL" clId="{047E1049-E75F-4C78-9C34-7E3C772A0EAF}" dt="2025-04-04T05:40:39.143" v="555"/>
+        <pc:sldMkLst>
+          <pc:docMk/>
+          <pc:sldMk cId="737582577" sldId="521"/>
+        </pc:sldMkLst>
+      </pc:sldChg>
+      <pc:sldChg chg="add del">
+        <pc:chgData name="Mohammed Fasha" userId="cc64f42d-a1a6-4f08-b97b-0c37f877119f" providerId="ADAL" clId="{047E1049-E75F-4C78-9C34-7E3C772A0EAF}" dt="2025-04-04T05:40:37.166" v="554" actId="2696"/>
+        <pc:sldMkLst>
+          <pc:docMk/>
+          <pc:sldMk cId="2161886032" sldId="521"/>
+        </pc:sldMkLst>
+      </pc:sldChg>
+      <pc:sldChg chg="add del">
+        <pc:chgData name="Mohammed Fasha" userId="cc64f42d-a1a6-4f08-b97b-0c37f877119f" providerId="ADAL" clId="{047E1049-E75F-4C78-9C34-7E3C772A0EAF}" dt="2025-04-04T05:40:37.166" v="554" actId="2696"/>
+        <pc:sldMkLst>
+          <pc:docMk/>
+          <pc:sldMk cId="228845551" sldId="522"/>
+        </pc:sldMkLst>
+      </pc:sldChg>
+      <pc:sldChg chg="add">
+        <pc:chgData name="Mohammed Fasha" userId="cc64f42d-a1a6-4f08-b97b-0c37f877119f" providerId="ADAL" clId="{047E1049-E75F-4C78-9C34-7E3C772A0EAF}" dt="2025-04-04T05:40:39.143" v="555"/>
+        <pc:sldMkLst>
+          <pc:docMk/>
+          <pc:sldMk cId="1941358278" sldId="522"/>
+        </pc:sldMkLst>
+      </pc:sldChg>
+      <pc:sldChg chg="add del">
+        <pc:chgData name="Mohammed Fasha" userId="cc64f42d-a1a6-4f08-b97b-0c37f877119f" providerId="ADAL" clId="{047E1049-E75F-4C78-9C34-7E3C772A0EAF}" dt="2025-04-04T05:40:37.166" v="554" actId="2696"/>
+        <pc:sldMkLst>
+          <pc:docMk/>
+          <pc:sldMk cId="1395444050" sldId="523"/>
+        </pc:sldMkLst>
+      </pc:sldChg>
+      <pc:sldChg chg="add">
+        <pc:chgData name="Mohammed Fasha" userId="cc64f42d-a1a6-4f08-b97b-0c37f877119f" providerId="ADAL" clId="{047E1049-E75F-4C78-9C34-7E3C772A0EAF}" dt="2025-04-04T05:40:39.143" v="555"/>
+        <pc:sldMkLst>
+          <pc:docMk/>
+          <pc:sldMk cId="2399225158" sldId="523"/>
+        </pc:sldMkLst>
+      </pc:sldChg>
+      <pc:sldChg chg="add">
+        <pc:chgData name="Mohammed Fasha" userId="cc64f42d-a1a6-4f08-b97b-0c37f877119f" providerId="ADAL" clId="{047E1049-E75F-4C78-9C34-7E3C772A0EAF}" dt="2025-04-04T05:38:06.858" v="420"/>
+        <pc:sldMkLst>
+          <pc:docMk/>
+          <pc:sldMk cId="3026790438" sldId="524"/>
+        </pc:sldMkLst>
+      </pc:sldChg>
+      <pc:sldChg chg="add">
+        <pc:chgData name="Mohammed Fasha" userId="cc64f42d-a1a6-4f08-b97b-0c37f877119f" providerId="ADAL" clId="{047E1049-E75F-4C78-9C34-7E3C772A0EAF}" dt="2025-04-04T05:38:06.858" v="420"/>
+        <pc:sldMkLst>
+          <pc:docMk/>
+          <pc:sldMk cId="559781770" sldId="525"/>
+        </pc:sldMkLst>
+      </pc:sldChg>
+      <pc:sldChg chg="add">
+        <pc:chgData name="Mohammed Fasha" userId="cc64f42d-a1a6-4f08-b97b-0c37f877119f" providerId="ADAL" clId="{047E1049-E75F-4C78-9C34-7E3C772A0EAF}" dt="2025-04-04T05:38:06.858" v="420"/>
+        <pc:sldMkLst>
+          <pc:docMk/>
+          <pc:sldMk cId="1438401834" sldId="526"/>
+        </pc:sldMkLst>
+      </pc:sldChg>
+      <pc:sldChg chg="add">
+        <pc:chgData name="Mohammed Fasha" userId="cc64f42d-a1a6-4f08-b97b-0c37f877119f" providerId="ADAL" clId="{047E1049-E75F-4C78-9C34-7E3C772A0EAF}" dt="2025-04-04T05:38:06.858" v="420"/>
+        <pc:sldMkLst>
+          <pc:docMk/>
+          <pc:sldMk cId="3259240421" sldId="527"/>
+        </pc:sldMkLst>
+      </pc:sldChg>
+      <pc:sldChg chg="add">
+        <pc:chgData name="Mohammed Fasha" userId="cc64f42d-a1a6-4f08-b97b-0c37f877119f" providerId="ADAL" clId="{047E1049-E75F-4C78-9C34-7E3C772A0EAF}" dt="2025-04-04T05:38:06.858" v="420"/>
+        <pc:sldMkLst>
+          <pc:docMk/>
+          <pc:sldMk cId="2736460752" sldId="528"/>
+        </pc:sldMkLst>
+      </pc:sldChg>
+      <pc:sldChg chg="add">
+        <pc:chgData name="Mohammed Fasha" userId="cc64f42d-a1a6-4f08-b97b-0c37f877119f" providerId="ADAL" clId="{047E1049-E75F-4C78-9C34-7E3C772A0EAF}" dt="2025-04-04T05:38:06.858" v="420"/>
+        <pc:sldMkLst>
+          <pc:docMk/>
+          <pc:sldMk cId="3313801511" sldId="529"/>
+        </pc:sldMkLst>
+      </pc:sldChg>
+      <pc:sldChg chg="addSp delSp modSp new mod modClrScheme chgLayout">
+        <pc:chgData name="Mohammed Fasha" userId="cc64f42d-a1a6-4f08-b97b-0c37f877119f" providerId="ADAL" clId="{047E1049-E75F-4C78-9C34-7E3C772A0EAF}" dt="2025-04-04T05:39:37.301" v="506" actId="20577"/>
+        <pc:sldMkLst>
+          <pc:docMk/>
+          <pc:sldMk cId="1893534474" sldId="530"/>
+        </pc:sldMkLst>
+      </pc:sldChg>
+      <pc:sldChg chg="addSp delSp modSp new mod modClrScheme chgLayout">
+        <pc:chgData name="Mohammed Fasha" userId="cc64f42d-a1a6-4f08-b97b-0c37f877119f" providerId="ADAL" clId="{047E1049-E75F-4C78-9C34-7E3C772A0EAF}" dt="2025-04-04T05:39:26.907" v="486" actId="27636"/>
+        <pc:sldMkLst>
+          <pc:docMk/>
+          <pc:sldMk cId="1399919989" sldId="531"/>
+        </pc:sldMkLst>
+        <pc:spChg chg="add mod ord">
+          <ac:chgData name="Mohammed Fasha" userId="cc64f42d-a1a6-4f08-b97b-0c37f877119f" providerId="ADAL" clId="{047E1049-E75F-4C78-9C34-7E3C772A0EAF}" dt="2025-04-04T05:39:26.907" v="486" actId="27636"/>
+          <ac:spMkLst>
+            <pc:docMk/>
+            <pc:sldMk cId="1399919989" sldId="531"/>
+            <ac:spMk id="4" creationId="{2A496A37-F7D5-B10D-31C7-3951DA3E2BE3}"/>
+          </ac:spMkLst>
+        </pc:spChg>
+        <pc:spChg chg="add mod ord">
+          <ac:chgData name="Mohammed Fasha" userId="cc64f42d-a1a6-4f08-b97b-0c37f877119f" providerId="ADAL" clId="{047E1049-E75F-4C78-9C34-7E3C772A0EAF}" dt="2025-04-04T05:39:12.701" v="450" actId="700"/>
+          <ac:spMkLst>
+            <pc:docMk/>
+            <pc:sldMk cId="1399919989" sldId="531"/>
+            <ac:spMk id="5" creationId="{E9043F5F-4F91-DBEC-9FFA-4C7ABFBD2D1D}"/>
+          </ac:spMkLst>
+        </pc:spChg>
+      </pc:sldChg>
+      <pc:sldChg chg="addSp delSp modSp new mod modClrScheme chgLayout">
+        <pc:chgData name="Mohammed Fasha" userId="cc64f42d-a1a6-4f08-b97b-0c37f877119f" providerId="ADAL" clId="{047E1049-E75F-4C78-9C34-7E3C772A0EAF}" dt="2025-04-04T05:39:59.295" v="549" actId="20577"/>
+        <pc:sldMkLst>
+          <pc:docMk/>
+          <pc:sldMk cId="4175210182" sldId="532"/>
+        </pc:sldMkLst>
+      </pc:sldChg>
+      <pc:sldChg chg="modSp new mod ord">
+        <pc:chgData name="Mohammed Fasha" userId="cc64f42d-a1a6-4f08-b97b-0c37f877119f" providerId="ADAL" clId="{047E1049-E75F-4C78-9C34-7E3C772A0EAF}" dt="2025-04-04T06:21:55.508" v="707" actId="404"/>
+        <pc:sldMkLst>
+          <pc:docMk/>
+          <pc:sldMk cId="3766250200" sldId="533"/>
+        </pc:sldMkLst>
+        <pc:spChg chg="mod">
+          <ac:chgData name="Mohammed Fasha" userId="cc64f42d-a1a6-4f08-b97b-0c37f877119f" providerId="ADAL" clId="{047E1049-E75F-4C78-9C34-7E3C772A0EAF}" dt="2025-04-04T06:12:27.552" v="617" actId="20577"/>
+          <ac:spMkLst>
+            <pc:docMk/>
+            <pc:sldMk cId="3766250200" sldId="533"/>
+            <ac:spMk id="2" creationId="{31B68434-2582-A79E-C7F4-AFD0F25F229E}"/>
+          </ac:spMkLst>
+        </pc:spChg>
+        <pc:spChg chg="mod">
+          <ac:chgData name="Mohammed Fasha" userId="cc64f42d-a1a6-4f08-b97b-0c37f877119f" providerId="ADAL" clId="{047E1049-E75F-4C78-9C34-7E3C772A0EAF}" dt="2025-04-04T06:21:55.508" v="707" actId="404"/>
+          <ac:spMkLst>
+            <pc:docMk/>
+            <pc:sldMk cId="3766250200" sldId="533"/>
+            <ac:spMk id="3" creationId="{6550BFB1-3BB2-F860-4F7F-86C77D5819E8}"/>
+          </ac:spMkLst>
+        </pc:spChg>
+      </pc:sldChg>
+      <pc:sldChg chg="addSp modSp new mod">
+        <pc:chgData name="Mohammed Fasha" userId="cc64f42d-a1a6-4f08-b97b-0c37f877119f" providerId="ADAL" clId="{047E1049-E75F-4C78-9C34-7E3C772A0EAF}" dt="2025-04-04T06:17:16.415" v="650" actId="207"/>
+        <pc:sldMkLst>
+          <pc:docMk/>
+          <pc:sldMk cId="3046292118" sldId="534"/>
+        </pc:sldMkLst>
+        <pc:spChg chg="mod">
+          <ac:chgData name="Mohammed Fasha" userId="cc64f42d-a1a6-4f08-b97b-0c37f877119f" providerId="ADAL" clId="{047E1049-E75F-4C78-9C34-7E3C772A0EAF}" dt="2025-04-04T06:12:43.353" v="623" actId="20577"/>
+          <ac:spMkLst>
+            <pc:docMk/>
+            <pc:sldMk cId="3046292118" sldId="534"/>
+            <ac:spMk id="2" creationId="{21450F6B-60F3-7BC5-E21B-CAD21EB6B825}"/>
+          </ac:spMkLst>
+        </pc:spChg>
+        <pc:spChg chg="mod">
+          <ac:chgData name="Mohammed Fasha" userId="cc64f42d-a1a6-4f08-b97b-0c37f877119f" providerId="ADAL" clId="{047E1049-E75F-4C78-9C34-7E3C772A0EAF}" dt="2025-04-04T06:17:13.695" v="649" actId="207"/>
+          <ac:spMkLst>
+            <pc:docMk/>
+            <pc:sldMk cId="3046292118" sldId="534"/>
+            <ac:spMk id="3" creationId="{9A950C36-7C62-5D0C-E4B7-84FDE06FE9E9}"/>
+          </ac:spMkLst>
+        </pc:spChg>
+        <pc:spChg chg="add mod">
+          <ac:chgData name="Mohammed Fasha" userId="cc64f42d-a1a6-4f08-b97b-0c37f877119f" providerId="ADAL" clId="{047E1049-E75F-4C78-9C34-7E3C772A0EAF}" dt="2025-04-04T06:13:37.220" v="631" actId="1076"/>
+          <ac:spMkLst>
+            <pc:docMk/>
+            <pc:sldMk cId="3046292118" sldId="534"/>
+            <ac:spMk id="4" creationId="{65E97D63-7668-ABC4-85DB-95D6408DEE48}"/>
+          </ac:spMkLst>
+        </pc:spChg>
+        <pc:spChg chg="add mod">
+          <ac:chgData name="Mohammed Fasha" userId="cc64f42d-a1a6-4f08-b97b-0c37f877119f" providerId="ADAL" clId="{047E1049-E75F-4C78-9C34-7E3C772A0EAF}" dt="2025-04-04T06:17:16.415" v="650" actId="207"/>
+          <ac:spMkLst>
+            <pc:docMk/>
+            <pc:sldMk cId="3046292118" sldId="534"/>
+            <ac:spMk id="5" creationId="{650A69F1-90EF-686E-3837-7C801832F211}"/>
+          </ac:spMkLst>
+        </pc:spChg>
+      </pc:sldChg>
+      <pc:sldChg chg="addSp delSp modSp add mod modClrScheme chgLayout">
+        <pc:chgData name="Mohammed Fasha" userId="cc64f42d-a1a6-4f08-b97b-0c37f877119f" providerId="ADAL" clId="{047E1049-E75F-4C78-9C34-7E3C772A0EAF}" dt="2025-04-06T04:41:41.157" v="711" actId="6549"/>
+        <pc:sldMkLst>
+          <pc:docMk/>
+          <pc:sldMk cId="2050784581" sldId="535"/>
+        </pc:sldMkLst>
+        <pc:spChg chg="add mod ord">
+          <ac:chgData name="Mohammed Fasha" userId="cc64f42d-a1a6-4f08-b97b-0c37f877119f" providerId="ADAL" clId="{047E1049-E75F-4C78-9C34-7E3C772A0EAF}" dt="2025-04-06T04:41:36.230" v="709" actId="700"/>
+          <ac:spMkLst>
+            <pc:docMk/>
+            <pc:sldMk cId="2050784581" sldId="535"/>
+            <ac:spMk id="2" creationId="{9AC755F2-9404-F12A-FA8F-0795319AD030}"/>
+          </ac:spMkLst>
+        </pc:spChg>
+        <pc:spChg chg="mod ord">
+          <ac:chgData name="Mohammed Fasha" userId="cc64f42d-a1a6-4f08-b97b-0c37f877119f" providerId="ADAL" clId="{047E1049-E75F-4C78-9C34-7E3C772A0EAF}" dt="2025-04-06T04:41:41.157" v="711" actId="6549"/>
+          <ac:spMkLst>
+            <pc:docMk/>
+            <pc:sldMk cId="2050784581" sldId="535"/>
+            <ac:spMk id="8" creationId="{107CF054-390C-DCFC-C9A6-9E95C859A175}"/>
+          </ac:spMkLst>
+        </pc:spChg>
+      </pc:sldChg>
+      <pc:sldChg chg="add">
+        <pc:chgData name="Mohammed Fasha" userId="cc64f42d-a1a6-4f08-b97b-0c37f877119f" providerId="ADAL" clId="{047E1049-E75F-4C78-9C34-7E3C772A0EAF}" dt="2025-04-06T04:41:29.637" v="708"/>
+        <pc:sldMkLst>
+          <pc:docMk/>
+          <pc:sldMk cId="2766696385" sldId="536"/>
+        </pc:sldMkLst>
+      </pc:sldChg>
+      <pc:sldChg chg="add">
+        <pc:chgData name="Mohammed Fasha" userId="cc64f42d-a1a6-4f08-b97b-0c37f877119f" providerId="ADAL" clId="{047E1049-E75F-4C78-9C34-7E3C772A0EAF}" dt="2025-04-06T04:41:29.637" v="708"/>
+        <pc:sldMkLst>
+          <pc:docMk/>
+          <pc:sldMk cId="4180559926" sldId="537"/>
+        </pc:sldMkLst>
+      </pc:sldChg>
+      <pc:sldChg chg="add">
+        <pc:chgData name="Mohammed Fasha" userId="cc64f42d-a1a6-4f08-b97b-0c37f877119f" providerId="ADAL" clId="{047E1049-E75F-4C78-9C34-7E3C772A0EAF}" dt="2025-04-06T04:41:29.637" v="708"/>
+        <pc:sldMkLst>
+          <pc:docMk/>
+          <pc:sldMk cId="3886989038" sldId="538"/>
+        </pc:sldMkLst>
+      </pc:sldChg>
+      <pc:sldChg chg="add">
+        <pc:chgData name="Mohammed Fasha" userId="cc64f42d-a1a6-4f08-b97b-0c37f877119f" providerId="ADAL" clId="{047E1049-E75F-4C78-9C34-7E3C772A0EAF}" dt="2025-04-06T04:41:29.637" v="708"/>
+        <pc:sldMkLst>
+          <pc:docMk/>
+          <pc:sldMk cId="2121122174" sldId="539"/>
+        </pc:sldMkLst>
+      </pc:sldChg>
+      <pc:sldChg chg="add">
+        <pc:chgData name="Mohammed Fasha" userId="cc64f42d-a1a6-4f08-b97b-0c37f877119f" providerId="ADAL" clId="{047E1049-E75F-4C78-9C34-7E3C772A0EAF}" dt="2025-04-06T04:41:29.637" v="708"/>
+        <pc:sldMkLst>
+          <pc:docMk/>
+          <pc:sldMk cId="3813044436" sldId="540"/>
+        </pc:sldMkLst>
+      </pc:sldChg>
+      <pc:sldChg chg="add">
+        <pc:chgData name="Mohammed Fasha" userId="cc64f42d-a1a6-4f08-b97b-0c37f877119f" providerId="ADAL" clId="{047E1049-E75F-4C78-9C34-7E3C772A0EAF}" dt="2025-04-06T04:41:29.637" v="708"/>
+        <pc:sldMkLst>
+          <pc:docMk/>
+          <pc:sldMk cId="1482389771" sldId="541"/>
+        </pc:sldMkLst>
+      </pc:sldChg>
+      <pc:sldChg chg="add">
+        <pc:chgData name="Mohammed Fasha" userId="cc64f42d-a1a6-4f08-b97b-0c37f877119f" providerId="ADAL" clId="{047E1049-E75F-4C78-9C34-7E3C772A0EAF}" dt="2025-04-06T04:41:29.637" v="708"/>
+        <pc:sldMkLst>
+          <pc:docMk/>
+          <pc:sldMk cId="3600746956" sldId="542"/>
+        </pc:sldMkLst>
+      </pc:sldChg>
+      <pc:sldChg chg="add">
+        <pc:chgData name="Mohammed Fasha" userId="cc64f42d-a1a6-4f08-b97b-0c37f877119f" providerId="ADAL" clId="{047E1049-E75F-4C78-9C34-7E3C772A0EAF}" dt="2025-04-06T04:41:29.637" v="708"/>
+        <pc:sldMkLst>
+          <pc:docMk/>
+          <pc:sldMk cId="2640097628" sldId="543"/>
+        </pc:sldMkLst>
+      </pc:sldChg>
+      <pc:sldChg chg="add">
+        <pc:chgData name="Mohammed Fasha" userId="cc64f42d-a1a6-4f08-b97b-0c37f877119f" providerId="ADAL" clId="{047E1049-E75F-4C78-9C34-7E3C772A0EAF}" dt="2025-04-06T04:41:29.637" v="708"/>
+        <pc:sldMkLst>
+          <pc:docMk/>
+          <pc:sldMk cId="444263595" sldId="544"/>
+        </pc:sldMkLst>
+      </pc:sldChg>
+      <pc:sldChg chg="add">
+        <pc:chgData name="Mohammed Fasha" userId="cc64f42d-a1a6-4f08-b97b-0c37f877119f" providerId="ADAL" clId="{047E1049-E75F-4C78-9C34-7E3C772A0EAF}" dt="2025-04-06T04:41:29.637" v="708"/>
+        <pc:sldMkLst>
+          <pc:docMk/>
+          <pc:sldMk cId="3880447943" sldId="545"/>
+        </pc:sldMkLst>
+      </pc:sldChg>
+      <pc:sldChg chg="add">
+        <pc:chgData name="Mohammed Fasha" userId="cc64f42d-a1a6-4f08-b97b-0c37f877119f" providerId="ADAL" clId="{047E1049-E75F-4C78-9C34-7E3C772A0EAF}" dt="2025-04-06T04:41:29.637" v="708"/>
+        <pc:sldMkLst>
+          <pc:docMk/>
+          <pc:sldMk cId="2037860487" sldId="546"/>
+        </pc:sldMkLst>
+      </pc:sldChg>
+      <pc:sldChg chg="add">
+        <pc:chgData name="Mohammed Fasha" userId="cc64f42d-a1a6-4f08-b97b-0c37f877119f" providerId="ADAL" clId="{047E1049-E75F-4C78-9C34-7E3C772A0EAF}" dt="2025-04-06T04:41:29.637" v="708"/>
+        <pc:sldMkLst>
+          <pc:docMk/>
+          <pc:sldMk cId="2787645125" sldId="547"/>
+        </pc:sldMkLst>
+      </pc:sldChg>
+      <pc:sldChg chg="add">
+        <pc:chgData name="Mohammed Fasha" userId="cc64f42d-a1a6-4f08-b97b-0c37f877119f" providerId="ADAL" clId="{047E1049-E75F-4C78-9C34-7E3C772A0EAF}" dt="2025-04-06T04:41:29.637" v="708"/>
+        <pc:sldMkLst>
+          <pc:docMk/>
+          <pc:sldMk cId="3282314039" sldId="548"/>
+        </pc:sldMkLst>
+      </pc:sldChg>
+      <pc:sldChg chg="add">
+        <pc:chgData name="Mohammed Fasha" userId="cc64f42d-a1a6-4f08-b97b-0c37f877119f" providerId="ADAL" clId="{047E1049-E75F-4C78-9C34-7E3C772A0EAF}" dt="2025-04-06T04:41:29.637" v="708"/>
+        <pc:sldMkLst>
+          <pc:docMk/>
+          <pc:sldMk cId="3312238235" sldId="549"/>
+        </pc:sldMkLst>
+      </pc:sldChg>
+      <pc:sldChg chg="add">
+        <pc:chgData name="Mohammed Fasha" userId="cc64f42d-a1a6-4f08-b97b-0c37f877119f" providerId="ADAL" clId="{047E1049-E75F-4C78-9C34-7E3C772A0EAF}" dt="2025-04-06T04:41:29.637" v="708"/>
+        <pc:sldMkLst>
+          <pc:docMk/>
+          <pc:sldMk cId="1599076447" sldId="550"/>
+        </pc:sldMkLst>
+      </pc:sldChg>
+      <pc:sldChg chg="add">
+        <pc:chgData name="Mohammed Fasha" userId="cc64f42d-a1a6-4f08-b97b-0c37f877119f" providerId="ADAL" clId="{047E1049-E75F-4C78-9C34-7E3C772A0EAF}" dt="2025-04-06T04:41:29.637" v="708"/>
+        <pc:sldMkLst>
+          <pc:docMk/>
+          <pc:sldMk cId="348832527" sldId="551"/>
+        </pc:sldMkLst>
+      </pc:sldChg>
+      <pc:sldChg chg="add">
+        <pc:chgData name="Mohammed Fasha" userId="cc64f42d-a1a6-4f08-b97b-0c37f877119f" providerId="ADAL" clId="{047E1049-E75F-4C78-9C34-7E3C772A0EAF}" dt="2025-04-06T04:41:29.637" v="708"/>
+        <pc:sldMkLst>
+          <pc:docMk/>
+          <pc:sldMk cId="1384559435" sldId="552"/>
+        </pc:sldMkLst>
+      </pc:sldChg>
+      <pc:sldChg chg="add">
+        <pc:chgData name="Mohammed Fasha" userId="cc64f42d-a1a6-4f08-b97b-0c37f877119f" providerId="ADAL" clId="{047E1049-E75F-4C78-9C34-7E3C772A0EAF}" dt="2025-04-06T04:41:29.637" v="708"/>
+        <pc:sldMkLst>
+          <pc:docMk/>
+          <pc:sldMk cId="1144112729" sldId="553"/>
+        </pc:sldMkLst>
+      </pc:sldChg>
+      <pc:sldChg chg="add">
+        <pc:chgData name="Mohammed Fasha" userId="cc64f42d-a1a6-4f08-b97b-0c37f877119f" providerId="ADAL" clId="{047E1049-E75F-4C78-9C34-7E3C772A0EAF}" dt="2025-04-06T04:41:29.637" v="708"/>
+        <pc:sldMkLst>
+          <pc:docMk/>
+          <pc:sldMk cId="526466330" sldId="554"/>
+        </pc:sldMkLst>
+      </pc:sldChg>
+      <pc:sldChg chg="add">
+        <pc:chgData name="Mohammed Fasha" userId="cc64f42d-a1a6-4f08-b97b-0c37f877119f" providerId="ADAL" clId="{047E1049-E75F-4C78-9C34-7E3C772A0EAF}" dt="2025-04-06T04:41:29.637" v="708"/>
+        <pc:sldMkLst>
+          <pc:docMk/>
+          <pc:sldMk cId="2594727727" sldId="555"/>
+        </pc:sldMkLst>
+      </pc:sldChg>
+      <pc:sldChg chg="add">
+        <pc:chgData name="Mohammed Fasha" userId="cc64f42d-a1a6-4f08-b97b-0c37f877119f" providerId="ADAL" clId="{047E1049-E75F-4C78-9C34-7E3C772A0EAF}" dt="2025-04-06T04:41:29.637" v="708"/>
+        <pc:sldMkLst>
+          <pc:docMk/>
+          <pc:sldMk cId="2842851281" sldId="556"/>
+        </pc:sldMkLst>
+      </pc:sldChg>
+      <pc:sldChg chg="add">
+        <pc:chgData name="Mohammed Fasha" userId="cc64f42d-a1a6-4f08-b97b-0c37f877119f" providerId="ADAL" clId="{047E1049-E75F-4C78-9C34-7E3C772A0EAF}" dt="2025-04-06T04:41:29.637" v="708"/>
+        <pc:sldMkLst>
+          <pc:docMk/>
+          <pc:sldMk cId="395748561" sldId="557"/>
+        </pc:sldMkLst>
+      </pc:sldChg>
+      <pc:sldChg chg="add">
+        <pc:chgData name="Mohammed Fasha" userId="cc64f42d-a1a6-4f08-b97b-0c37f877119f" providerId="ADAL" clId="{047E1049-E75F-4C78-9C34-7E3C772A0EAF}" dt="2025-04-06T04:41:29.637" v="708"/>
+        <pc:sldMkLst>
+          <pc:docMk/>
+          <pc:sldMk cId="1898826015" sldId="558"/>
+        </pc:sldMkLst>
+      </pc:sldChg>
+    </pc:docChg>
+  </pc:docChgLst>
+  <pc:docChgLst>
     <pc:chgData name="Mohammed Fasha" userId="cc64f42d-a1a6-4f08-b97b-0c37f877119f" providerId="ADAL" clId="{E5645173-9704-44B4-82F5-EF2938BAEEFE}"/>
     <pc:docChg chg="undo redo custSel addSld delSld modSld sldOrd modMainMaster">
-      <pc:chgData name="Mohammed Fasha" userId="cc64f42d-a1a6-4f08-b97b-0c37f877119f" providerId="ADAL" clId="{E5645173-9704-44B4-82F5-EF2938BAEEFE}" dt="2025-04-20T05:19:34.360" v="2001" actId="113"/>
+      <pc:chgData name="Mohammed Fasha" userId="cc64f42d-a1a6-4f08-b97b-0c37f877119f" providerId="ADAL" clId="{E5645173-9704-44B4-82F5-EF2938BAEEFE}" dt="2025-04-21T15:50:38.384" v="2011" actId="14100"/>
       <pc:docMkLst>
         <pc:docMk/>
       </pc:docMkLst>
@@ -216,30 +1485,6 @@
           <pc:docMk/>
           <pc:sldMk cId="0" sldId="259"/>
         </pc:sldMkLst>
-        <pc:spChg chg="del">
-          <ac:chgData name="Mohammed Fasha" userId="cc64f42d-a1a6-4f08-b97b-0c37f877119f" providerId="ADAL" clId="{E5645173-9704-44B4-82F5-EF2938BAEEFE}" dt="2025-04-19T12:12:08.566" v="1024" actId="21"/>
-          <ac:spMkLst>
-            <pc:docMk/>
-            <pc:sldMk cId="0" sldId="259"/>
-            <ac:spMk id="2" creationId="{00000000-0000-0000-0000-000000000000}"/>
-          </ac:spMkLst>
-        </pc:spChg>
-        <pc:spChg chg="del mod ord">
-          <ac:chgData name="Mohammed Fasha" userId="cc64f42d-a1a6-4f08-b97b-0c37f877119f" providerId="ADAL" clId="{E5645173-9704-44B4-82F5-EF2938BAEEFE}" dt="2025-04-19T12:12:17.816" v="1028" actId="478"/>
-          <ac:spMkLst>
-            <pc:docMk/>
-            <pc:sldMk cId="0" sldId="259"/>
-            <ac:spMk id="3" creationId="{00000000-0000-0000-0000-000000000000}"/>
-          </ac:spMkLst>
-        </pc:spChg>
-        <pc:spChg chg="add del mod ord">
-          <ac:chgData name="Mohammed Fasha" userId="cc64f42d-a1a6-4f08-b97b-0c37f877119f" providerId="ADAL" clId="{E5645173-9704-44B4-82F5-EF2938BAEEFE}" dt="2025-04-19T12:12:10.394" v="1025" actId="478"/>
-          <ac:spMkLst>
-            <pc:docMk/>
-            <pc:sldMk cId="0" sldId="259"/>
-            <ac:spMk id="7" creationId="{7903CF93-8122-5A13-F603-4568F0491CAF}"/>
-          </ac:spMkLst>
-        </pc:spChg>
         <pc:spChg chg="add mod">
           <ac:chgData name="Mohammed Fasha" userId="cc64f42d-a1a6-4f08-b97b-0c37f877119f" providerId="ADAL" clId="{E5645173-9704-44B4-82F5-EF2938BAEEFE}" dt="2025-04-19T12:12:11.312" v="1026"/>
           <ac:spMkLst>
@@ -256,14 +1501,6 @@
             <ac:spMk id="9" creationId="{36BB7ED3-956C-BCDB-8260-92BC443C485A}"/>
           </ac:spMkLst>
         </pc:spChg>
-        <pc:spChg chg="add del mod ord">
-          <ac:chgData name="Mohammed Fasha" userId="cc64f42d-a1a6-4f08-b97b-0c37f877119f" providerId="ADAL" clId="{E5645173-9704-44B4-82F5-EF2938BAEEFE}" dt="2025-04-19T12:12:26.427" v="1031" actId="21"/>
-          <ac:spMkLst>
-            <pc:docMk/>
-            <pc:sldMk cId="0" sldId="259"/>
-            <ac:spMk id="10" creationId="{8E54C8FF-636E-AF37-303B-FD98DF583EE3}"/>
-          </ac:spMkLst>
-        </pc:spChg>
       </pc:sldChg>
       <pc:sldChg chg="modSp add del mod ord">
         <pc:chgData name="Mohammed Fasha" userId="cc64f42d-a1a6-4f08-b97b-0c37f877119f" providerId="ADAL" clId="{E5645173-9704-44B4-82F5-EF2938BAEEFE}" dt="2025-04-19T12:13:40.864" v="1040" actId="2696"/>
@@ -271,22 +1508,6 @@
           <pc:docMk/>
           <pc:sldMk cId="0" sldId="260"/>
         </pc:sldMkLst>
-        <pc:spChg chg="mod">
-          <ac:chgData name="Mohammed Fasha" userId="cc64f42d-a1a6-4f08-b97b-0c37f877119f" providerId="ADAL" clId="{E5645173-9704-44B4-82F5-EF2938BAEEFE}" dt="2025-04-19T12:13:26.113" v="1036" actId="21"/>
-          <ac:spMkLst>
-            <pc:docMk/>
-            <pc:sldMk cId="0" sldId="260"/>
-            <ac:spMk id="2" creationId="{00000000-0000-0000-0000-000000000000}"/>
-          </ac:spMkLst>
-        </pc:spChg>
-        <pc:spChg chg="mod">
-          <ac:chgData name="Mohammed Fasha" userId="cc64f42d-a1a6-4f08-b97b-0c37f877119f" providerId="ADAL" clId="{E5645173-9704-44B4-82F5-EF2938BAEEFE}" dt="2025-04-19T12:12:44.799" v="1033" actId="21"/>
-          <ac:spMkLst>
-            <pc:docMk/>
-            <pc:sldMk cId="0" sldId="260"/>
-            <ac:spMk id="3" creationId="{00000000-0000-0000-0000-000000000000}"/>
-          </ac:spMkLst>
-        </pc:spChg>
       </pc:sldChg>
       <pc:sldChg chg="modSp add del mod ord">
         <pc:chgData name="Mohammed Fasha" userId="cc64f42d-a1a6-4f08-b97b-0c37f877119f" providerId="ADAL" clId="{E5645173-9704-44B4-82F5-EF2938BAEEFE}" dt="2025-04-19T12:13:59.273" v="1045" actId="47"/>
@@ -294,14 +1515,6 @@
           <pc:docMk/>
           <pc:sldMk cId="0" sldId="261"/>
         </pc:sldMkLst>
-        <pc:spChg chg="mod">
-          <ac:chgData name="Mohammed Fasha" userId="cc64f42d-a1a6-4f08-b97b-0c37f877119f" providerId="ADAL" clId="{E5645173-9704-44B4-82F5-EF2938BAEEFE}" dt="2025-04-19T12:13:49.302" v="1043" actId="21"/>
-          <ac:spMkLst>
-            <pc:docMk/>
-            <pc:sldMk cId="0" sldId="261"/>
-            <ac:spMk id="3" creationId="{00000000-0000-0000-0000-000000000000}"/>
-          </ac:spMkLst>
-        </pc:spChg>
       </pc:sldChg>
       <pc:sldChg chg="modSp add del mod ord">
         <pc:chgData name="Mohammed Fasha" userId="cc64f42d-a1a6-4f08-b97b-0c37f877119f" providerId="ADAL" clId="{E5645173-9704-44B4-82F5-EF2938BAEEFE}" dt="2025-04-19T12:14:27.595" v="1052" actId="2696"/>
@@ -309,14 +1522,6 @@
           <pc:docMk/>
           <pc:sldMk cId="0" sldId="262"/>
         </pc:sldMkLst>
-        <pc:picChg chg="mod">
-          <ac:chgData name="Mohammed Fasha" userId="cc64f42d-a1a6-4f08-b97b-0c37f877119f" providerId="ADAL" clId="{E5645173-9704-44B4-82F5-EF2938BAEEFE}" dt="2025-04-19T12:14:15.965" v="1049" actId="1076"/>
-          <ac:picMkLst>
-            <pc:docMk/>
-            <pc:sldMk cId="0" sldId="262"/>
-            <ac:picMk id="4" creationId="{00000000-0000-0000-0000-000000000000}"/>
-          </ac:picMkLst>
-        </pc:picChg>
       </pc:sldChg>
       <pc:sldChg chg="addSp delSp modSp add mod ord chgLayout">
         <pc:chgData name="Mohammed Fasha" userId="cc64f42d-a1a6-4f08-b97b-0c37f877119f" providerId="ADAL" clId="{E5645173-9704-44B4-82F5-EF2938BAEEFE}" dt="2025-04-19T12:15:14.357" v="1056"/>
@@ -324,14 +1529,6 @@
           <pc:docMk/>
           <pc:sldMk cId="0" sldId="263"/>
         </pc:sldMkLst>
-        <pc:spChg chg="del mod">
-          <ac:chgData name="Mohammed Fasha" userId="cc64f42d-a1a6-4f08-b97b-0c37f877119f" providerId="ADAL" clId="{E5645173-9704-44B4-82F5-EF2938BAEEFE}" dt="2025-04-19T12:14:55.922" v="1054" actId="700"/>
-          <ac:spMkLst>
-            <pc:docMk/>
-            <pc:sldMk cId="0" sldId="263"/>
-            <ac:spMk id="3" creationId="{00000000-0000-0000-0000-000000000000}"/>
-          </ac:spMkLst>
-        </pc:spChg>
         <pc:spChg chg="add mod ord">
           <ac:chgData name="Mohammed Fasha" userId="cc64f42d-a1a6-4f08-b97b-0c37f877119f" providerId="ADAL" clId="{E5645173-9704-44B4-82F5-EF2938BAEEFE}" dt="2025-04-19T12:15:14.357" v="1056"/>
           <ac:spMkLst>
@@ -340,14 +1537,6 @@
             <ac:spMk id="18" creationId="{562F95A9-2C0E-1326-13F6-62B891BE3E40}"/>
           </ac:spMkLst>
         </pc:spChg>
-        <pc:spChg chg="add del mod ord">
-          <ac:chgData name="Mohammed Fasha" userId="cc64f42d-a1a6-4f08-b97b-0c37f877119f" providerId="ADAL" clId="{E5645173-9704-44B4-82F5-EF2938BAEEFE}" dt="2025-04-19T12:15:12.533" v="1055" actId="478"/>
-          <ac:spMkLst>
-            <pc:docMk/>
-            <pc:sldMk cId="0" sldId="263"/>
-            <ac:spMk id="19" creationId="{4CE6064D-8BCB-031E-C819-CBB2D97A3B5A}"/>
-          </ac:spMkLst>
-        </pc:spChg>
       </pc:sldChg>
       <pc:sldChg chg="addSp delSp modSp add del mod ord chgLayout">
         <pc:chgData name="Mohammed Fasha" userId="cc64f42d-a1a6-4f08-b97b-0c37f877119f" providerId="ADAL" clId="{E5645173-9704-44B4-82F5-EF2938BAEEFE}" dt="2025-04-19T12:16:29.053" v="1094" actId="47"/>
@@ -355,54 +1544,6 @@
           <pc:docMk/>
           <pc:sldMk cId="0" sldId="264"/>
         </pc:sldMkLst>
-        <pc:spChg chg="add del">
-          <ac:chgData name="Mohammed Fasha" userId="cc64f42d-a1a6-4f08-b97b-0c37f877119f" providerId="ADAL" clId="{E5645173-9704-44B4-82F5-EF2938BAEEFE}" dt="2025-04-19T12:15:57.832" v="1072" actId="21"/>
-          <ac:spMkLst>
-            <pc:docMk/>
-            <pc:sldMk cId="0" sldId="264"/>
-            <ac:spMk id="2" creationId="{00000000-0000-0000-0000-000000000000}"/>
-          </ac:spMkLst>
-        </pc:spChg>
-        <pc:spChg chg="add del mod ord">
-          <ac:chgData name="Mohammed Fasha" userId="cc64f42d-a1a6-4f08-b97b-0c37f877119f" providerId="ADAL" clId="{E5645173-9704-44B4-82F5-EF2938BAEEFE}" dt="2025-04-19T12:15:57.674" v="1071" actId="700"/>
-          <ac:spMkLst>
-            <pc:docMk/>
-            <pc:sldMk cId="0" sldId="264"/>
-            <ac:spMk id="3" creationId="{00000000-0000-0000-0000-000000000000}"/>
-          </ac:spMkLst>
-        </pc:spChg>
-        <pc:spChg chg="add del mod ord">
-          <ac:chgData name="Mohammed Fasha" userId="cc64f42d-a1a6-4f08-b97b-0c37f877119f" providerId="ADAL" clId="{E5645173-9704-44B4-82F5-EF2938BAEEFE}" dt="2025-04-19T12:15:57.674" v="1071" actId="700"/>
-          <ac:spMkLst>
-            <pc:docMk/>
-            <pc:sldMk cId="0" sldId="264"/>
-            <ac:spMk id="4" creationId="{3C922BD0-A5FD-1DF2-72B6-46B39EDA8A7F}"/>
-          </ac:spMkLst>
-        </pc:spChg>
-        <pc:spChg chg="add del mod ord">
-          <ac:chgData name="Mohammed Fasha" userId="cc64f42d-a1a6-4f08-b97b-0c37f877119f" providerId="ADAL" clId="{E5645173-9704-44B4-82F5-EF2938BAEEFE}" dt="2025-04-19T12:16:27.313" v="1093" actId="21"/>
-          <ac:spMkLst>
-            <pc:docMk/>
-            <pc:sldMk cId="0" sldId="264"/>
-            <ac:spMk id="5" creationId="{F04C0A8C-CC0B-5221-7A8F-93D6D9EBED1B}"/>
-          </ac:spMkLst>
-        </pc:spChg>
-        <pc:spChg chg="add del mod ord">
-          <ac:chgData name="Mohammed Fasha" userId="cc64f42d-a1a6-4f08-b97b-0c37f877119f" providerId="ADAL" clId="{E5645173-9704-44B4-82F5-EF2938BAEEFE}" dt="2025-04-19T12:15:58.029" v="1073" actId="478"/>
-          <ac:spMkLst>
-            <pc:docMk/>
-            <pc:sldMk cId="0" sldId="264"/>
-            <ac:spMk id="6" creationId="{7194A27F-5BC7-AA19-3067-4A97A8848590}"/>
-          </ac:spMkLst>
-        </pc:spChg>
-        <pc:spChg chg="add del mod">
-          <ac:chgData name="Mohammed Fasha" userId="cc64f42d-a1a6-4f08-b97b-0c37f877119f" providerId="ADAL" clId="{E5645173-9704-44B4-82F5-EF2938BAEEFE}" dt="2025-04-19T12:16:18.672" v="1091"/>
-          <ac:spMkLst>
-            <pc:docMk/>
-            <pc:sldMk cId="0" sldId="264"/>
-            <ac:spMk id="7" creationId="{00000000-0000-0000-0000-000000000000}"/>
-          </ac:spMkLst>
-        </pc:spChg>
       </pc:sldChg>
       <pc:sldChg chg="addSp delSp modSp add mod ord modClrScheme chgLayout">
         <pc:chgData name="Mohammed Fasha" userId="cc64f42d-a1a6-4f08-b97b-0c37f877119f" providerId="ADAL" clId="{E5645173-9704-44B4-82F5-EF2938BAEEFE}" dt="2025-04-19T12:21:14.657" v="1131" actId="20577"/>
@@ -410,14 +1551,6 @@
           <pc:docMk/>
           <pc:sldMk cId="0" sldId="265"/>
         </pc:sldMkLst>
-        <pc:spChg chg="del mod ord">
-          <ac:chgData name="Mohammed Fasha" userId="cc64f42d-a1a6-4f08-b97b-0c37f877119f" providerId="ADAL" clId="{E5645173-9704-44B4-82F5-EF2938BAEEFE}" dt="2025-04-19T12:21:07.990" v="1113" actId="478"/>
-          <ac:spMkLst>
-            <pc:docMk/>
-            <pc:sldMk cId="0" sldId="265"/>
-            <ac:spMk id="2" creationId="{00000000-0000-0000-0000-000000000000}"/>
-          </ac:spMkLst>
-        </pc:spChg>
         <pc:spChg chg="mod">
           <ac:chgData name="Mohammed Fasha" userId="cc64f42d-a1a6-4f08-b97b-0c37f877119f" providerId="ADAL" clId="{E5645173-9704-44B4-82F5-EF2938BAEEFE}" dt="2025-04-19T12:20:56.535" v="1112" actId="1076"/>
           <ac:spMkLst>
@@ -449,22 +1582,6 @@
           <pc:docMk/>
           <pc:sldMk cId="0" sldId="266"/>
         </pc:sldMkLst>
-        <pc:spChg chg="del mod ord">
-          <ac:chgData name="Mohammed Fasha" userId="cc64f42d-a1a6-4f08-b97b-0c37f877119f" providerId="ADAL" clId="{E5645173-9704-44B4-82F5-EF2938BAEEFE}" dt="2025-04-19T12:21:32.725" v="1133" actId="478"/>
-          <ac:spMkLst>
-            <pc:docMk/>
-            <pc:sldMk cId="0" sldId="266"/>
-            <ac:spMk id="2" creationId="{00000000-0000-0000-0000-000000000000}"/>
-          </ac:spMkLst>
-        </pc:spChg>
-        <pc:spChg chg="add del mod ord">
-          <ac:chgData name="Mohammed Fasha" userId="cc64f42d-a1a6-4f08-b97b-0c37f877119f" providerId="ADAL" clId="{E5645173-9704-44B4-82F5-EF2938BAEEFE}" dt="2025-04-19T12:21:30.313" v="1132" actId="21"/>
-          <ac:spMkLst>
-            <pc:docMk/>
-            <pc:sldMk cId="0" sldId="266"/>
-            <ac:spMk id="7" creationId="{71171753-5469-553C-3E03-4BFE122B76D9}"/>
-          </ac:spMkLst>
-        </pc:spChg>
         <pc:spChg chg="add mod">
           <ac:chgData name="Mohammed Fasha" userId="cc64f42d-a1a6-4f08-b97b-0c37f877119f" providerId="ADAL" clId="{E5645173-9704-44B4-82F5-EF2938BAEEFE}" dt="2025-04-19T12:21:36.577" v="1143" actId="20577"/>
           <ac:spMkLst>
@@ -480,36 +1597,12 @@
           <pc:docMk/>
           <pc:sldMk cId="0" sldId="267"/>
         </pc:sldMkLst>
-        <pc:spChg chg="add del mod ord">
-          <ac:chgData name="Mohammed Fasha" userId="cc64f42d-a1a6-4f08-b97b-0c37f877119f" providerId="ADAL" clId="{E5645173-9704-44B4-82F5-EF2938BAEEFE}" dt="2025-04-19T12:21:55.010" v="1147" actId="478"/>
-          <ac:spMkLst>
-            <pc:docMk/>
-            <pc:sldMk cId="0" sldId="267"/>
-            <ac:spMk id="2" creationId="{00000000-0000-0000-0000-000000000000}"/>
-          </ac:spMkLst>
-        </pc:spChg>
-        <pc:spChg chg="add del mod ord">
-          <ac:chgData name="Mohammed Fasha" userId="cc64f42d-a1a6-4f08-b97b-0c37f877119f" providerId="ADAL" clId="{E5645173-9704-44B4-82F5-EF2938BAEEFE}" dt="2025-04-19T12:21:57.720" v="1148" actId="700"/>
-          <ac:spMkLst>
-            <pc:docMk/>
-            <pc:sldMk cId="0" sldId="267"/>
-            <ac:spMk id="7" creationId="{D6337D7D-322B-9086-C387-7408B1863613}"/>
-          </ac:spMkLst>
-        </pc:spChg>
         <pc:spChg chg="add mod ord">
           <ac:chgData name="Mohammed Fasha" userId="cc64f42d-a1a6-4f08-b97b-0c37f877119f" providerId="ADAL" clId="{E5645173-9704-44B4-82F5-EF2938BAEEFE}" dt="2025-04-19T12:22:01.346" v="1149"/>
           <ac:spMkLst>
             <pc:docMk/>
             <pc:sldMk cId="0" sldId="267"/>
             <ac:spMk id="8" creationId="{214AE03D-F918-36B9-D872-3A5CAD4E1804}"/>
-          </ac:spMkLst>
-        </pc:spChg>
-        <pc:spChg chg="add del mod ord">
-          <ac:chgData name="Mohammed Fasha" userId="cc64f42d-a1a6-4f08-b97b-0c37f877119f" providerId="ADAL" clId="{E5645173-9704-44B4-82F5-EF2938BAEEFE}" dt="2025-04-19T12:22:03.783" v="1150" actId="21"/>
-          <ac:spMkLst>
-            <pc:docMk/>
-            <pc:sldMk cId="0" sldId="267"/>
-            <ac:spMk id="9" creationId="{13ED97AA-1400-E650-8BEB-EF2DBF37A5B3}"/>
           </ac:spMkLst>
         </pc:spChg>
         <pc:grpChg chg="mod">
@@ -527,14 +1620,6 @@
           <pc:docMk/>
           <pc:sldMk cId="0" sldId="268"/>
         </pc:sldMkLst>
-        <pc:spChg chg="add del mod">
-          <ac:chgData name="Mohammed Fasha" userId="cc64f42d-a1a6-4f08-b97b-0c37f877119f" providerId="ADAL" clId="{E5645173-9704-44B4-82F5-EF2938BAEEFE}" dt="2025-04-19T12:22:45.197" v="1161" actId="478"/>
-          <ac:spMkLst>
-            <pc:docMk/>
-            <pc:sldMk cId="0" sldId="268"/>
-            <ac:spMk id="2" creationId="{00000000-0000-0000-0000-000000000000}"/>
-          </ac:spMkLst>
-        </pc:spChg>
         <pc:spChg chg="mod ord">
           <ac:chgData name="Mohammed Fasha" userId="cc64f42d-a1a6-4f08-b97b-0c37f877119f" providerId="ADAL" clId="{E5645173-9704-44B4-82F5-EF2938BAEEFE}" dt="2025-04-19T12:14:55.922" v="1054" actId="700"/>
           <ac:spMkLst>
@@ -551,14 +1636,6 @@
             <ac:spMk id="7" creationId="{313ED10F-C59D-1563-5FA9-9B96465DC975}"/>
           </ac:spMkLst>
         </pc:spChg>
-        <pc:spChg chg="add mod">
-          <ac:chgData name="Mohammed Fasha" userId="cc64f42d-a1a6-4f08-b97b-0c37f877119f" providerId="ADAL" clId="{E5645173-9704-44B4-82F5-EF2938BAEEFE}" dt="2025-04-19T12:22:31.565" v="1157"/>
-          <ac:spMkLst>
-            <pc:docMk/>
-            <pc:sldMk cId="0" sldId="268"/>
-            <ac:spMk id="8" creationId="{00000000-0000-0000-0000-000000000000}"/>
-          </ac:spMkLst>
-        </pc:spChg>
       </pc:sldChg>
       <pc:sldChg chg="addSp delSp modSp add mod ord chgLayout">
         <pc:chgData name="Mohammed Fasha" userId="cc64f42d-a1a6-4f08-b97b-0c37f877119f" providerId="ADAL" clId="{E5645173-9704-44B4-82F5-EF2938BAEEFE}" dt="2025-04-19T12:23:32.546" v="1172"/>
@@ -566,22 +1643,6 @@
           <pc:docMk/>
           <pc:sldMk cId="0" sldId="269"/>
         </pc:sldMkLst>
-        <pc:spChg chg="del mod">
-          <ac:chgData name="Mohammed Fasha" userId="cc64f42d-a1a6-4f08-b97b-0c37f877119f" providerId="ADAL" clId="{E5645173-9704-44B4-82F5-EF2938BAEEFE}" dt="2025-04-19T12:23:26.316" v="1170"/>
-          <ac:spMkLst>
-            <pc:docMk/>
-            <pc:sldMk cId="0" sldId="269"/>
-            <ac:spMk id="2" creationId="{00000000-0000-0000-0000-000000000000}"/>
-          </ac:spMkLst>
-        </pc:spChg>
-        <pc:spChg chg="del mod ord">
-          <ac:chgData name="Mohammed Fasha" userId="cc64f42d-a1a6-4f08-b97b-0c37f877119f" providerId="ADAL" clId="{E5645173-9704-44B4-82F5-EF2938BAEEFE}" dt="2025-04-19T12:23:26.314" v="1168" actId="478"/>
-          <ac:spMkLst>
-            <pc:docMk/>
-            <pc:sldMk cId="0" sldId="269"/>
-            <ac:spMk id="3" creationId="{00000000-0000-0000-0000-000000000000}"/>
-          </ac:spMkLst>
-        </pc:spChg>
         <pc:spChg chg="add mod ord">
           <ac:chgData name="Mohammed Fasha" userId="cc64f42d-a1a6-4f08-b97b-0c37f877119f" providerId="ADAL" clId="{E5645173-9704-44B4-82F5-EF2938BAEEFE}" dt="2025-04-19T12:23:29.225" v="1171" actId="700"/>
           <ac:spMkLst>
@@ -636,14 +1697,6 @@
             <ac:spMk id="2" creationId="{00000000-0000-0000-0000-000000000000}"/>
           </ac:spMkLst>
         </pc:spChg>
-        <pc:spChg chg="add del mod ord">
-          <ac:chgData name="Mohammed Fasha" userId="cc64f42d-a1a6-4f08-b97b-0c37f877119f" providerId="ADAL" clId="{E5645173-9704-44B4-82F5-EF2938BAEEFE}" dt="2025-04-19T12:24:05.678" v="1173" actId="700"/>
-          <ac:spMkLst>
-            <pc:docMk/>
-            <pc:sldMk cId="0" sldId="271"/>
-            <ac:spMk id="7" creationId="{59D07427-CD75-8337-A34F-8D9798B12CD7}"/>
-          </ac:spMkLst>
-        </pc:spChg>
       </pc:sldChg>
       <pc:sldChg chg="addSp modSp add del mod ord modClrScheme chgLayout">
         <pc:chgData name="Mohammed Fasha" userId="cc64f42d-a1a6-4f08-b97b-0c37f877119f" providerId="ADAL" clId="{E5645173-9704-44B4-82F5-EF2938BAEEFE}" dt="2025-04-19T12:26:45.960" v="1280" actId="2696"/>
@@ -651,22 +1704,6 @@
           <pc:docMk/>
           <pc:sldMk cId="0" sldId="272"/>
         </pc:sldMkLst>
-        <pc:spChg chg="mod ord">
-          <ac:chgData name="Mohammed Fasha" userId="cc64f42d-a1a6-4f08-b97b-0c37f877119f" providerId="ADAL" clId="{E5645173-9704-44B4-82F5-EF2938BAEEFE}" dt="2025-04-19T12:14:55.922" v="1054" actId="700"/>
-          <ac:spMkLst>
-            <pc:docMk/>
-            <pc:sldMk cId="0" sldId="272"/>
-            <ac:spMk id="6" creationId="{00000000-0000-0000-0000-000000000000}"/>
-          </ac:spMkLst>
-        </pc:spChg>
-        <pc:spChg chg="add mod ord">
-          <ac:chgData name="Mohammed Fasha" userId="cc64f42d-a1a6-4f08-b97b-0c37f877119f" providerId="ADAL" clId="{E5645173-9704-44B4-82F5-EF2938BAEEFE}" dt="2025-04-19T12:14:55.922" v="1054" actId="700"/>
-          <ac:spMkLst>
-            <pc:docMk/>
-            <pc:sldMk cId="0" sldId="272"/>
-            <ac:spMk id="7" creationId="{FD6717FA-68D7-5D1B-60B1-F47B2F1FAE21}"/>
-          </ac:spMkLst>
-        </pc:spChg>
       </pc:sldChg>
       <pc:sldChg chg="addSp delSp modSp add del mod ord chgLayout">
         <pc:chgData name="Mohammed Fasha" userId="cc64f42d-a1a6-4f08-b97b-0c37f877119f" providerId="ADAL" clId="{E5645173-9704-44B4-82F5-EF2938BAEEFE}" dt="2025-04-20T04:08:50.553" v="1833" actId="2696"/>
@@ -674,54 +1711,6 @@
           <pc:docMk/>
           <pc:sldMk cId="0" sldId="273"/>
         </pc:sldMkLst>
-        <pc:spChg chg="del mod">
-          <ac:chgData name="Mohammed Fasha" userId="cc64f42d-a1a6-4f08-b97b-0c37f877119f" providerId="ADAL" clId="{E5645173-9704-44B4-82F5-EF2938BAEEFE}" dt="2025-04-19T12:24:40.987" v="1191"/>
-          <ac:spMkLst>
-            <pc:docMk/>
-            <pc:sldMk cId="0" sldId="273"/>
-            <ac:spMk id="2" creationId="{00000000-0000-0000-0000-000000000000}"/>
-          </ac:spMkLst>
-        </pc:spChg>
-        <pc:spChg chg="del mod ord">
-          <ac:chgData name="Mohammed Fasha" userId="cc64f42d-a1a6-4f08-b97b-0c37f877119f" providerId="ADAL" clId="{E5645173-9704-44B4-82F5-EF2938BAEEFE}" dt="2025-04-19T12:24:40.985" v="1189" actId="478"/>
-          <ac:spMkLst>
-            <pc:docMk/>
-            <pc:sldMk cId="0" sldId="273"/>
-            <ac:spMk id="3" creationId="{00000000-0000-0000-0000-000000000000}"/>
-          </ac:spMkLst>
-        </pc:spChg>
-        <pc:spChg chg="add mod ord">
-          <ac:chgData name="Mohammed Fasha" userId="cc64f42d-a1a6-4f08-b97b-0c37f877119f" providerId="ADAL" clId="{E5645173-9704-44B4-82F5-EF2938BAEEFE}" dt="2025-04-19T12:24:43.590" v="1192" actId="700"/>
-          <ac:spMkLst>
-            <pc:docMk/>
-            <pc:sldMk cId="0" sldId="273"/>
-            <ac:spMk id="7" creationId="{22801929-8542-7309-DE2D-55D423F132D8}"/>
-          </ac:spMkLst>
-        </pc:spChg>
-        <pc:spChg chg="add mod ord">
-          <ac:chgData name="Mohammed Fasha" userId="cc64f42d-a1a6-4f08-b97b-0c37f877119f" providerId="ADAL" clId="{E5645173-9704-44B4-82F5-EF2938BAEEFE}" dt="2025-04-19T12:24:44.450" v="1193"/>
-          <ac:spMkLst>
-            <pc:docMk/>
-            <pc:sldMk cId="0" sldId="273"/>
-            <ac:spMk id="8" creationId="{7B8F2187-DD22-AB66-B5BC-B8EE1939BE42}"/>
-          </ac:spMkLst>
-        </pc:spChg>
-        <pc:picChg chg="mod">
-          <ac:chgData name="Mohammed Fasha" userId="cc64f42d-a1a6-4f08-b97b-0c37f877119f" providerId="ADAL" clId="{E5645173-9704-44B4-82F5-EF2938BAEEFE}" dt="2025-04-19T12:24:57.357" v="1194" actId="1076"/>
-          <ac:picMkLst>
-            <pc:docMk/>
-            <pc:sldMk cId="0" sldId="273"/>
-            <ac:picMk id="4" creationId="{00000000-0000-0000-0000-000000000000}"/>
-          </ac:picMkLst>
-        </pc:picChg>
-        <pc:picChg chg="mod">
-          <ac:chgData name="Mohammed Fasha" userId="cc64f42d-a1a6-4f08-b97b-0c37f877119f" providerId="ADAL" clId="{E5645173-9704-44B4-82F5-EF2938BAEEFE}" dt="2025-04-19T12:24:59.852" v="1195" actId="1076"/>
-          <ac:picMkLst>
-            <pc:docMk/>
-            <pc:sldMk cId="0" sldId="273"/>
-            <ac:picMk id="6" creationId="{00000000-0000-0000-0000-000000000000}"/>
-          </ac:picMkLst>
-        </pc:picChg>
       </pc:sldChg>
       <pc:sldChg chg="addSp delSp modSp add del mod ord chgLayout">
         <pc:chgData name="Mohammed Fasha" userId="cc64f42d-a1a6-4f08-b97b-0c37f877119f" providerId="ADAL" clId="{E5645173-9704-44B4-82F5-EF2938BAEEFE}" dt="2025-04-19T12:26:20.679" v="1224" actId="2696"/>
@@ -729,54 +1718,6 @@
           <pc:docMk/>
           <pc:sldMk cId="0" sldId="274"/>
         </pc:sldMkLst>
-        <pc:spChg chg="del mod">
-          <ac:chgData name="Mohammed Fasha" userId="cc64f42d-a1a6-4f08-b97b-0c37f877119f" providerId="ADAL" clId="{E5645173-9704-44B4-82F5-EF2938BAEEFE}" dt="2025-04-19T12:25:47.123" v="1212"/>
-          <ac:spMkLst>
-            <pc:docMk/>
-            <pc:sldMk cId="0" sldId="274"/>
-            <ac:spMk id="2" creationId="{00000000-0000-0000-0000-000000000000}"/>
-          </ac:spMkLst>
-        </pc:spChg>
-        <pc:spChg chg="del mod ord">
-          <ac:chgData name="Mohammed Fasha" userId="cc64f42d-a1a6-4f08-b97b-0c37f877119f" providerId="ADAL" clId="{E5645173-9704-44B4-82F5-EF2938BAEEFE}" dt="2025-04-19T12:25:07.751" v="1197" actId="478"/>
-          <ac:spMkLst>
-            <pc:docMk/>
-            <pc:sldMk cId="0" sldId="274"/>
-            <ac:spMk id="3" creationId="{00000000-0000-0000-0000-000000000000}"/>
-          </ac:spMkLst>
-        </pc:spChg>
-        <pc:spChg chg="add del mod ord">
-          <ac:chgData name="Mohammed Fasha" userId="cc64f42d-a1a6-4f08-b97b-0c37f877119f" providerId="ADAL" clId="{E5645173-9704-44B4-82F5-EF2938BAEEFE}" dt="2025-04-19T12:25:10.434" v="1198" actId="700"/>
-          <ac:spMkLst>
-            <pc:docMk/>
-            <pc:sldMk cId="0" sldId="274"/>
-            <ac:spMk id="5" creationId="{A4E84A0E-6AD7-FE5F-0C29-63C4D15031B8}"/>
-          </ac:spMkLst>
-        </pc:spChg>
-        <pc:spChg chg="add mod ord">
-          <ac:chgData name="Mohammed Fasha" userId="cc64f42d-a1a6-4f08-b97b-0c37f877119f" providerId="ADAL" clId="{E5645173-9704-44B4-82F5-EF2938BAEEFE}" dt="2025-04-19T12:26:15.242" v="1222" actId="21"/>
-          <ac:spMkLst>
-            <pc:docMk/>
-            <pc:sldMk cId="0" sldId="274"/>
-            <ac:spMk id="6" creationId="{4D74920D-7FBF-356C-D8EB-1459CE8B1E3E}"/>
-          </ac:spMkLst>
-        </pc:spChg>
-        <pc:spChg chg="add mod ord">
-          <ac:chgData name="Mohammed Fasha" userId="cc64f42d-a1a6-4f08-b97b-0c37f877119f" providerId="ADAL" clId="{E5645173-9704-44B4-82F5-EF2938BAEEFE}" dt="2025-04-19T12:25:51.205" v="1214" actId="21"/>
-          <ac:spMkLst>
-            <pc:docMk/>
-            <pc:sldMk cId="0" sldId="274"/>
-            <ac:spMk id="7" creationId="{651792B6-E02D-524D-A988-4D0BD9FD8AE6}"/>
-          </ac:spMkLst>
-        </pc:spChg>
-        <pc:picChg chg="del">
-          <ac:chgData name="Mohammed Fasha" userId="cc64f42d-a1a6-4f08-b97b-0c37f877119f" providerId="ADAL" clId="{E5645173-9704-44B4-82F5-EF2938BAEEFE}" dt="2025-04-19T12:25:56.956" v="1216" actId="21"/>
-          <ac:picMkLst>
-            <pc:docMk/>
-            <pc:sldMk cId="0" sldId="274"/>
-            <ac:picMk id="4" creationId="{00000000-0000-0000-0000-000000000000}"/>
-          </ac:picMkLst>
-        </pc:picChg>
       </pc:sldChg>
       <pc:sldChg chg="addSp delSp modSp add del mod ord chgLayout">
         <pc:chgData name="Mohammed Fasha" userId="cc64f42d-a1a6-4f08-b97b-0c37f877119f" providerId="ADAL" clId="{E5645173-9704-44B4-82F5-EF2938BAEEFE}" dt="2025-04-20T04:08:50.553" v="1833" actId="2696"/>
@@ -784,30 +1725,6 @@
           <pc:docMk/>
           <pc:sldMk cId="0" sldId="275"/>
         </pc:sldMkLst>
-        <pc:spChg chg="del mod">
-          <ac:chgData name="Mohammed Fasha" userId="cc64f42d-a1a6-4f08-b97b-0c37f877119f" providerId="ADAL" clId="{E5645173-9704-44B4-82F5-EF2938BAEEFE}" dt="2025-04-19T14:29:52.420" v="1294"/>
-          <ac:spMkLst>
-            <pc:docMk/>
-            <pc:sldMk cId="0" sldId="275"/>
-            <ac:spMk id="2" creationId="{00000000-0000-0000-0000-000000000000}"/>
-          </ac:spMkLst>
-        </pc:spChg>
-        <pc:spChg chg="mod ord">
-          <ac:chgData name="Mohammed Fasha" userId="cc64f42d-a1a6-4f08-b97b-0c37f877119f" providerId="ADAL" clId="{E5645173-9704-44B4-82F5-EF2938BAEEFE}" dt="2025-04-19T12:14:55.922" v="1054" actId="700"/>
-          <ac:spMkLst>
-            <pc:docMk/>
-            <pc:sldMk cId="0" sldId="275"/>
-            <ac:spMk id="3" creationId="{00000000-0000-0000-0000-000000000000}"/>
-          </ac:spMkLst>
-        </pc:spChg>
-        <pc:spChg chg="add mod ord">
-          <ac:chgData name="Mohammed Fasha" userId="cc64f42d-a1a6-4f08-b97b-0c37f877119f" providerId="ADAL" clId="{E5645173-9704-44B4-82F5-EF2938BAEEFE}" dt="2025-04-19T14:29:51.295" v="1292"/>
-          <ac:spMkLst>
-            <pc:docMk/>
-            <pc:sldMk cId="0" sldId="275"/>
-            <ac:spMk id="5" creationId="{C39F4F05-8FAC-2BD6-3E9B-A393276085F3}"/>
-          </ac:spMkLst>
-        </pc:spChg>
       </pc:sldChg>
       <pc:sldChg chg="addSp delSp modSp add del mod ord chgLayout">
         <pc:chgData name="Mohammed Fasha" userId="cc64f42d-a1a6-4f08-b97b-0c37f877119f" providerId="ADAL" clId="{E5645173-9704-44B4-82F5-EF2938BAEEFE}" dt="2025-04-20T04:08:50.553" v="1833" actId="2696"/>
@@ -815,30 +1732,6 @@
           <pc:docMk/>
           <pc:sldMk cId="0" sldId="276"/>
         </pc:sldMkLst>
-        <pc:spChg chg="del mod">
-          <ac:chgData name="Mohammed Fasha" userId="cc64f42d-a1a6-4f08-b97b-0c37f877119f" providerId="ADAL" clId="{E5645173-9704-44B4-82F5-EF2938BAEEFE}" dt="2025-04-19T14:29:59.042" v="1298"/>
-          <ac:spMkLst>
-            <pc:docMk/>
-            <pc:sldMk cId="0" sldId="276"/>
-            <ac:spMk id="2" creationId="{00000000-0000-0000-0000-000000000000}"/>
-          </ac:spMkLst>
-        </pc:spChg>
-        <pc:spChg chg="mod ord">
-          <ac:chgData name="Mohammed Fasha" userId="cc64f42d-a1a6-4f08-b97b-0c37f877119f" providerId="ADAL" clId="{E5645173-9704-44B4-82F5-EF2938BAEEFE}" dt="2025-04-19T12:14:55.922" v="1054" actId="700"/>
-          <ac:spMkLst>
-            <pc:docMk/>
-            <pc:sldMk cId="0" sldId="276"/>
-            <ac:spMk id="3" creationId="{00000000-0000-0000-0000-000000000000}"/>
-          </ac:spMkLst>
-        </pc:spChg>
-        <pc:spChg chg="add mod ord">
-          <ac:chgData name="Mohammed Fasha" userId="cc64f42d-a1a6-4f08-b97b-0c37f877119f" providerId="ADAL" clId="{E5645173-9704-44B4-82F5-EF2938BAEEFE}" dt="2025-04-19T14:29:57.848" v="1296"/>
-          <ac:spMkLst>
-            <pc:docMk/>
-            <pc:sldMk cId="0" sldId="276"/>
-            <ac:spMk id="5" creationId="{7E72537F-1BAA-1F35-3D97-639D3875464E}"/>
-          </ac:spMkLst>
-        </pc:spChg>
       </pc:sldChg>
       <pc:sldChg chg="addSp delSp modSp add del mod ord chgLayout">
         <pc:chgData name="Mohammed Fasha" userId="cc64f42d-a1a6-4f08-b97b-0c37f877119f" providerId="ADAL" clId="{E5645173-9704-44B4-82F5-EF2938BAEEFE}" dt="2025-04-20T04:08:50.553" v="1833" actId="2696"/>
@@ -846,30 +1739,6 @@
           <pc:docMk/>
           <pc:sldMk cId="0" sldId="277"/>
         </pc:sldMkLst>
-        <pc:spChg chg="del mod">
-          <ac:chgData name="Mohammed Fasha" userId="cc64f42d-a1a6-4f08-b97b-0c37f877119f" providerId="ADAL" clId="{E5645173-9704-44B4-82F5-EF2938BAEEFE}" dt="2025-04-19T14:30:05.236" v="1302"/>
-          <ac:spMkLst>
-            <pc:docMk/>
-            <pc:sldMk cId="0" sldId="277"/>
-            <ac:spMk id="2" creationId="{00000000-0000-0000-0000-000000000000}"/>
-          </ac:spMkLst>
-        </pc:spChg>
-        <pc:spChg chg="mod ord">
-          <ac:chgData name="Mohammed Fasha" userId="cc64f42d-a1a6-4f08-b97b-0c37f877119f" providerId="ADAL" clId="{E5645173-9704-44B4-82F5-EF2938BAEEFE}" dt="2025-04-19T12:14:55.922" v="1054" actId="700"/>
-          <ac:spMkLst>
-            <pc:docMk/>
-            <pc:sldMk cId="0" sldId="277"/>
-            <ac:spMk id="3" creationId="{00000000-0000-0000-0000-000000000000}"/>
-          </ac:spMkLst>
-        </pc:spChg>
-        <pc:spChg chg="add mod ord">
-          <ac:chgData name="Mohammed Fasha" userId="cc64f42d-a1a6-4f08-b97b-0c37f877119f" providerId="ADAL" clId="{E5645173-9704-44B4-82F5-EF2938BAEEFE}" dt="2025-04-19T14:30:03.797" v="1300"/>
-          <ac:spMkLst>
-            <pc:docMk/>
-            <pc:sldMk cId="0" sldId="277"/>
-            <ac:spMk id="4" creationId="{20F330E0-4802-473C-396D-F85A992821B2}"/>
-          </ac:spMkLst>
-        </pc:spChg>
       </pc:sldChg>
       <pc:sldChg chg="addSp delSp modSp add del mod ord chgLayout">
         <pc:chgData name="Mohammed Fasha" userId="cc64f42d-a1a6-4f08-b97b-0c37f877119f" providerId="ADAL" clId="{E5645173-9704-44B4-82F5-EF2938BAEEFE}" dt="2025-04-20T04:08:50.553" v="1833" actId="2696"/>
@@ -877,30 +1746,6 @@
           <pc:docMk/>
           <pc:sldMk cId="0" sldId="278"/>
         </pc:sldMkLst>
-        <pc:spChg chg="del mod">
-          <ac:chgData name="Mohammed Fasha" userId="cc64f42d-a1a6-4f08-b97b-0c37f877119f" providerId="ADAL" clId="{E5645173-9704-44B4-82F5-EF2938BAEEFE}" dt="2025-04-19T14:30:12.784" v="1306"/>
-          <ac:spMkLst>
-            <pc:docMk/>
-            <pc:sldMk cId="0" sldId="278"/>
-            <ac:spMk id="2" creationId="{00000000-0000-0000-0000-000000000000}"/>
-          </ac:spMkLst>
-        </pc:spChg>
-        <pc:spChg chg="mod ord">
-          <ac:chgData name="Mohammed Fasha" userId="cc64f42d-a1a6-4f08-b97b-0c37f877119f" providerId="ADAL" clId="{E5645173-9704-44B4-82F5-EF2938BAEEFE}" dt="2025-04-19T12:14:55.922" v="1054" actId="700"/>
-          <ac:spMkLst>
-            <pc:docMk/>
-            <pc:sldMk cId="0" sldId="278"/>
-            <ac:spMk id="3" creationId="{00000000-0000-0000-0000-000000000000}"/>
-          </ac:spMkLst>
-        </pc:spChg>
-        <pc:spChg chg="add mod ord">
-          <ac:chgData name="Mohammed Fasha" userId="cc64f42d-a1a6-4f08-b97b-0c37f877119f" providerId="ADAL" clId="{E5645173-9704-44B4-82F5-EF2938BAEEFE}" dt="2025-04-19T14:30:09.216" v="1304"/>
-          <ac:spMkLst>
-            <pc:docMk/>
-            <pc:sldMk cId="0" sldId="278"/>
-            <ac:spMk id="12" creationId="{213C97A8-E724-278E-B1BE-C2099D394CA7}"/>
-          </ac:spMkLst>
-        </pc:spChg>
       </pc:sldChg>
       <pc:sldChg chg="addSp delSp modSp add del mod ord chgLayout">
         <pc:chgData name="Mohammed Fasha" userId="cc64f42d-a1a6-4f08-b97b-0c37f877119f" providerId="ADAL" clId="{E5645173-9704-44B4-82F5-EF2938BAEEFE}" dt="2025-04-20T04:08:50.553" v="1833" actId="2696"/>
@@ -908,30 +1753,6 @@
           <pc:docMk/>
           <pc:sldMk cId="0" sldId="279"/>
         </pc:sldMkLst>
-        <pc:spChg chg="del mod">
-          <ac:chgData name="Mohammed Fasha" userId="cc64f42d-a1a6-4f08-b97b-0c37f877119f" providerId="ADAL" clId="{E5645173-9704-44B4-82F5-EF2938BAEEFE}" dt="2025-04-19T14:30:23.682" v="1310"/>
-          <ac:spMkLst>
-            <pc:docMk/>
-            <pc:sldMk cId="0" sldId="279"/>
-            <ac:spMk id="2" creationId="{00000000-0000-0000-0000-000000000000}"/>
-          </ac:spMkLst>
-        </pc:spChg>
-        <pc:spChg chg="mod ord">
-          <ac:chgData name="Mohammed Fasha" userId="cc64f42d-a1a6-4f08-b97b-0c37f877119f" providerId="ADAL" clId="{E5645173-9704-44B4-82F5-EF2938BAEEFE}" dt="2025-04-19T12:14:55.922" v="1054" actId="700"/>
-          <ac:spMkLst>
-            <pc:docMk/>
-            <pc:sldMk cId="0" sldId="279"/>
-            <ac:spMk id="3" creationId="{00000000-0000-0000-0000-000000000000}"/>
-          </ac:spMkLst>
-        </pc:spChg>
-        <pc:spChg chg="add mod ord">
-          <ac:chgData name="Mohammed Fasha" userId="cc64f42d-a1a6-4f08-b97b-0c37f877119f" providerId="ADAL" clId="{E5645173-9704-44B4-82F5-EF2938BAEEFE}" dt="2025-04-19T14:30:19.126" v="1308"/>
-          <ac:spMkLst>
-            <pc:docMk/>
-            <pc:sldMk cId="0" sldId="279"/>
-            <ac:spMk id="5" creationId="{3AF110C1-1EFF-5EC4-938E-B20374FF4C68}"/>
-          </ac:spMkLst>
-        </pc:spChg>
       </pc:sldChg>
       <pc:sldChg chg="addSp delSp modSp add del mod ord chgLayout">
         <pc:chgData name="Mohammed Fasha" userId="cc64f42d-a1a6-4f08-b97b-0c37f877119f" providerId="ADAL" clId="{E5645173-9704-44B4-82F5-EF2938BAEEFE}" dt="2025-04-20T04:08:50.553" v="1833" actId="2696"/>
@@ -939,30 +1760,6 @@
           <pc:docMk/>
           <pc:sldMk cId="0" sldId="280"/>
         </pc:sldMkLst>
-        <pc:spChg chg="del mod">
-          <ac:chgData name="Mohammed Fasha" userId="cc64f42d-a1a6-4f08-b97b-0c37f877119f" providerId="ADAL" clId="{E5645173-9704-44B4-82F5-EF2938BAEEFE}" dt="2025-04-19T14:30:29.379" v="1314"/>
-          <ac:spMkLst>
-            <pc:docMk/>
-            <pc:sldMk cId="0" sldId="280"/>
-            <ac:spMk id="2" creationId="{00000000-0000-0000-0000-000000000000}"/>
-          </ac:spMkLst>
-        </pc:spChg>
-        <pc:spChg chg="mod ord">
-          <ac:chgData name="Mohammed Fasha" userId="cc64f42d-a1a6-4f08-b97b-0c37f877119f" providerId="ADAL" clId="{E5645173-9704-44B4-82F5-EF2938BAEEFE}" dt="2025-04-19T12:14:55.922" v="1054" actId="700"/>
-          <ac:spMkLst>
-            <pc:docMk/>
-            <pc:sldMk cId="0" sldId="280"/>
-            <ac:spMk id="3" creationId="{00000000-0000-0000-0000-000000000000}"/>
-          </ac:spMkLst>
-        </pc:spChg>
-        <pc:spChg chg="add mod ord">
-          <ac:chgData name="Mohammed Fasha" userId="cc64f42d-a1a6-4f08-b97b-0c37f877119f" providerId="ADAL" clId="{E5645173-9704-44B4-82F5-EF2938BAEEFE}" dt="2025-04-19T14:30:28.187" v="1312"/>
-          <ac:spMkLst>
-            <pc:docMk/>
-            <pc:sldMk cId="0" sldId="280"/>
-            <ac:spMk id="5" creationId="{92E69B22-C48A-2A85-BE07-B4F7EDBEDDA0}"/>
-          </ac:spMkLst>
-        </pc:spChg>
       </pc:sldChg>
       <pc:sldChg chg="addSp delSp modSp add del mod ord chgLayout">
         <pc:chgData name="Mohammed Fasha" userId="cc64f42d-a1a6-4f08-b97b-0c37f877119f" providerId="ADAL" clId="{E5645173-9704-44B4-82F5-EF2938BAEEFE}" dt="2025-04-20T04:08:50.553" v="1833" actId="2696"/>
@@ -970,30 +1767,6 @@
           <pc:docMk/>
           <pc:sldMk cId="0" sldId="281"/>
         </pc:sldMkLst>
-        <pc:spChg chg="del mod">
-          <ac:chgData name="Mohammed Fasha" userId="cc64f42d-a1a6-4f08-b97b-0c37f877119f" providerId="ADAL" clId="{E5645173-9704-44B4-82F5-EF2938BAEEFE}" dt="2025-04-19T14:30:34.689" v="1318"/>
-          <ac:spMkLst>
-            <pc:docMk/>
-            <pc:sldMk cId="0" sldId="281"/>
-            <ac:spMk id="2" creationId="{00000000-0000-0000-0000-000000000000}"/>
-          </ac:spMkLst>
-        </pc:spChg>
-        <pc:spChg chg="mod ord">
-          <ac:chgData name="Mohammed Fasha" userId="cc64f42d-a1a6-4f08-b97b-0c37f877119f" providerId="ADAL" clId="{E5645173-9704-44B4-82F5-EF2938BAEEFE}" dt="2025-04-19T12:14:55.922" v="1054" actId="700"/>
-          <ac:spMkLst>
-            <pc:docMk/>
-            <pc:sldMk cId="0" sldId="281"/>
-            <ac:spMk id="3" creationId="{00000000-0000-0000-0000-000000000000}"/>
-          </ac:spMkLst>
-        </pc:spChg>
-        <pc:spChg chg="add mod ord">
-          <ac:chgData name="Mohammed Fasha" userId="cc64f42d-a1a6-4f08-b97b-0c37f877119f" providerId="ADAL" clId="{E5645173-9704-44B4-82F5-EF2938BAEEFE}" dt="2025-04-19T14:30:33.783" v="1316"/>
-          <ac:spMkLst>
-            <pc:docMk/>
-            <pc:sldMk cId="0" sldId="281"/>
-            <ac:spMk id="5" creationId="{3CCB623C-51D3-72CC-F162-4F2F802A7603}"/>
-          </ac:spMkLst>
-        </pc:spChg>
       </pc:sldChg>
       <pc:sldChg chg="addSp delSp modSp add del mod ord chgLayout">
         <pc:chgData name="Mohammed Fasha" userId="cc64f42d-a1a6-4f08-b97b-0c37f877119f" providerId="ADAL" clId="{E5645173-9704-44B4-82F5-EF2938BAEEFE}" dt="2025-04-20T04:08:50.553" v="1833" actId="2696"/>
@@ -1001,30 +1774,6 @@
           <pc:docMk/>
           <pc:sldMk cId="0" sldId="282"/>
         </pc:sldMkLst>
-        <pc:spChg chg="del mod">
-          <ac:chgData name="Mohammed Fasha" userId="cc64f42d-a1a6-4f08-b97b-0c37f877119f" providerId="ADAL" clId="{E5645173-9704-44B4-82F5-EF2938BAEEFE}" dt="2025-04-19T14:30:38.064" v="1322"/>
-          <ac:spMkLst>
-            <pc:docMk/>
-            <pc:sldMk cId="0" sldId="282"/>
-            <ac:spMk id="2" creationId="{00000000-0000-0000-0000-000000000000}"/>
-          </ac:spMkLst>
-        </pc:spChg>
-        <pc:spChg chg="mod ord">
-          <ac:chgData name="Mohammed Fasha" userId="cc64f42d-a1a6-4f08-b97b-0c37f877119f" providerId="ADAL" clId="{E5645173-9704-44B4-82F5-EF2938BAEEFE}" dt="2025-04-19T12:14:55.922" v="1054" actId="700"/>
-          <ac:spMkLst>
-            <pc:docMk/>
-            <pc:sldMk cId="0" sldId="282"/>
-            <ac:spMk id="3" creationId="{00000000-0000-0000-0000-000000000000}"/>
-          </ac:spMkLst>
-        </pc:spChg>
-        <pc:spChg chg="add mod ord">
-          <ac:chgData name="Mohammed Fasha" userId="cc64f42d-a1a6-4f08-b97b-0c37f877119f" providerId="ADAL" clId="{E5645173-9704-44B4-82F5-EF2938BAEEFE}" dt="2025-04-19T14:30:37.126" v="1320"/>
-          <ac:spMkLst>
-            <pc:docMk/>
-            <pc:sldMk cId="0" sldId="282"/>
-            <ac:spMk id="5" creationId="{656EE8C3-3959-D816-F038-4FCE25AA9F0E}"/>
-          </ac:spMkLst>
-        </pc:spChg>
       </pc:sldChg>
       <pc:sldChg chg="modSp add del mod ord chgLayout">
         <pc:chgData name="Mohammed Fasha" userId="cc64f42d-a1a6-4f08-b97b-0c37f877119f" providerId="ADAL" clId="{E5645173-9704-44B4-82F5-EF2938BAEEFE}" dt="2025-04-20T04:08:50.553" v="1833" actId="2696"/>
@@ -1032,22 +1781,6 @@
           <pc:docMk/>
           <pc:sldMk cId="0" sldId="283"/>
         </pc:sldMkLst>
-        <pc:spChg chg="mod ord">
-          <ac:chgData name="Mohammed Fasha" userId="cc64f42d-a1a6-4f08-b97b-0c37f877119f" providerId="ADAL" clId="{E5645173-9704-44B4-82F5-EF2938BAEEFE}" dt="2025-04-19T12:14:55.922" v="1054" actId="700"/>
-          <ac:spMkLst>
-            <pc:docMk/>
-            <pc:sldMk cId="0" sldId="283"/>
-            <ac:spMk id="2" creationId="{00000000-0000-0000-0000-000000000000}"/>
-          </ac:spMkLst>
-        </pc:spChg>
-        <pc:spChg chg="mod ord">
-          <ac:chgData name="Mohammed Fasha" userId="cc64f42d-a1a6-4f08-b97b-0c37f877119f" providerId="ADAL" clId="{E5645173-9704-44B4-82F5-EF2938BAEEFE}" dt="2025-04-19T12:14:55.922" v="1054" actId="700"/>
-          <ac:spMkLst>
-            <pc:docMk/>
-            <pc:sldMk cId="0" sldId="283"/>
-            <ac:spMk id="3" creationId="{00000000-0000-0000-0000-000000000000}"/>
-          </ac:spMkLst>
-        </pc:spChg>
       </pc:sldChg>
       <pc:sldChg chg="addSp modSp add del mod ord chgLayout">
         <pc:chgData name="Mohammed Fasha" userId="cc64f42d-a1a6-4f08-b97b-0c37f877119f" providerId="ADAL" clId="{E5645173-9704-44B4-82F5-EF2938BAEEFE}" dt="2025-04-20T04:08:50.553" v="1833" actId="2696"/>
@@ -1055,22 +1788,6 @@
           <pc:docMk/>
           <pc:sldMk cId="0" sldId="284"/>
         </pc:sldMkLst>
-        <pc:spChg chg="mod ord">
-          <ac:chgData name="Mohammed Fasha" userId="cc64f42d-a1a6-4f08-b97b-0c37f877119f" providerId="ADAL" clId="{E5645173-9704-44B4-82F5-EF2938BAEEFE}" dt="2025-04-19T12:14:55.922" v="1054" actId="700"/>
-          <ac:spMkLst>
-            <pc:docMk/>
-            <pc:sldMk cId="0" sldId="284"/>
-            <ac:spMk id="2" creationId="{00000000-0000-0000-0000-000000000000}"/>
-          </ac:spMkLst>
-        </pc:spChg>
-        <pc:spChg chg="add mod ord">
-          <ac:chgData name="Mohammed Fasha" userId="cc64f42d-a1a6-4f08-b97b-0c37f877119f" providerId="ADAL" clId="{E5645173-9704-44B4-82F5-EF2938BAEEFE}" dt="2025-04-19T12:14:55.922" v="1054" actId="700"/>
-          <ac:spMkLst>
-            <pc:docMk/>
-            <pc:sldMk cId="0" sldId="284"/>
-            <ac:spMk id="6" creationId="{4B1506FA-648E-46F1-D285-05B7E8290BD4}"/>
-          </ac:spMkLst>
-        </pc:spChg>
       </pc:sldChg>
       <pc:sldChg chg="addSp delSp modSp add del mod ord modClrScheme chgLayout">
         <pc:chgData name="Mohammed Fasha" userId="cc64f42d-a1a6-4f08-b97b-0c37f877119f" providerId="ADAL" clId="{E5645173-9704-44B4-82F5-EF2938BAEEFE}" dt="2025-04-20T04:08:50.553" v="1833" actId="2696"/>
@@ -1078,22 +1795,6 @@
           <pc:docMk/>
           <pc:sldMk cId="0" sldId="285"/>
         </pc:sldMkLst>
-        <pc:spChg chg="mod ord">
-          <ac:chgData name="Mohammed Fasha" userId="cc64f42d-a1a6-4f08-b97b-0c37f877119f" providerId="ADAL" clId="{E5645173-9704-44B4-82F5-EF2938BAEEFE}" dt="2025-04-19T14:30:55.361" v="1327" actId="404"/>
-          <ac:spMkLst>
-            <pc:docMk/>
-            <pc:sldMk cId="0" sldId="285"/>
-            <ac:spMk id="2" creationId="{00000000-0000-0000-0000-000000000000}"/>
-          </ac:spMkLst>
-        </pc:spChg>
-        <pc:spChg chg="add del mod ord">
-          <ac:chgData name="Mohammed Fasha" userId="cc64f42d-a1a6-4f08-b97b-0c37f877119f" providerId="ADAL" clId="{E5645173-9704-44B4-82F5-EF2938BAEEFE}" dt="2025-04-19T14:30:49.921" v="1323" actId="700"/>
-          <ac:spMkLst>
-            <pc:docMk/>
-            <pc:sldMk cId="0" sldId="285"/>
-            <ac:spMk id="6" creationId="{537CD804-7AF0-7FE8-F191-8CF0B69DE03C}"/>
-          </ac:spMkLst>
-        </pc:spChg>
       </pc:sldChg>
       <pc:sldChg chg="del">
         <pc:chgData name="Mohammed Fasha" userId="cc64f42d-a1a6-4f08-b97b-0c37f877119f" providerId="ADAL" clId="{E5645173-9704-44B4-82F5-EF2938BAEEFE}" dt="2025-04-17T04:46:56.250" v="546" actId="47"/>
@@ -1108,22 +1809,6 @@
           <pc:docMk/>
           <pc:sldMk cId="0" sldId="286"/>
         </pc:sldMkLst>
-        <pc:spChg chg="mod ord">
-          <ac:chgData name="Mohammed Fasha" userId="cc64f42d-a1a6-4f08-b97b-0c37f877119f" providerId="ADAL" clId="{E5645173-9704-44B4-82F5-EF2938BAEEFE}" dt="2025-04-19T14:31:07.091" v="1333" actId="404"/>
-          <ac:spMkLst>
-            <pc:docMk/>
-            <pc:sldMk cId="0" sldId="286"/>
-            <ac:spMk id="2" creationId="{00000000-0000-0000-0000-000000000000}"/>
-          </ac:spMkLst>
-        </pc:spChg>
-        <pc:spChg chg="add del mod ord">
-          <ac:chgData name="Mohammed Fasha" userId="cc64f42d-a1a6-4f08-b97b-0c37f877119f" providerId="ADAL" clId="{E5645173-9704-44B4-82F5-EF2938BAEEFE}" dt="2025-04-19T14:31:00.986" v="1328" actId="700"/>
-          <ac:spMkLst>
-            <pc:docMk/>
-            <pc:sldMk cId="0" sldId="286"/>
-            <ac:spMk id="6" creationId="{9125128F-32EF-F1BD-9738-A9EA82F33AB9}"/>
-          </ac:spMkLst>
-        </pc:spChg>
       </pc:sldChg>
       <pc:sldChg chg="addSp modSp add del mod ord modClrScheme chgLayout">
         <pc:chgData name="Mohammed Fasha" userId="cc64f42d-a1a6-4f08-b97b-0c37f877119f" providerId="ADAL" clId="{E5645173-9704-44B4-82F5-EF2938BAEEFE}" dt="2025-04-19T14:29:34.329" v="1286" actId="2696"/>
@@ -1131,22 +1816,6 @@
           <pc:docMk/>
           <pc:sldMk cId="0" sldId="287"/>
         </pc:sldMkLst>
-        <pc:spChg chg="mod ord">
-          <ac:chgData name="Mohammed Fasha" userId="cc64f42d-a1a6-4f08-b97b-0c37f877119f" providerId="ADAL" clId="{E5645173-9704-44B4-82F5-EF2938BAEEFE}" dt="2025-04-19T12:14:55.922" v="1054" actId="700"/>
-          <ac:spMkLst>
-            <pc:docMk/>
-            <pc:sldMk cId="0" sldId="287"/>
-            <ac:spMk id="6" creationId="{00000000-0000-0000-0000-000000000000}"/>
-          </ac:spMkLst>
-        </pc:spChg>
-        <pc:spChg chg="add mod ord">
-          <ac:chgData name="Mohammed Fasha" userId="cc64f42d-a1a6-4f08-b97b-0c37f877119f" providerId="ADAL" clId="{E5645173-9704-44B4-82F5-EF2938BAEEFE}" dt="2025-04-19T12:14:55.922" v="1054" actId="700"/>
-          <ac:spMkLst>
-            <pc:docMk/>
-            <pc:sldMk cId="0" sldId="287"/>
-            <ac:spMk id="7" creationId="{6ABA10CE-68C7-A5D4-C4B0-DCA969D0B4F9}"/>
-          </ac:spMkLst>
-        </pc:spChg>
       </pc:sldChg>
       <pc:sldChg chg="addSp delSp modSp add del mod ord chgLayout">
         <pc:chgData name="Mohammed Fasha" userId="cc64f42d-a1a6-4f08-b97b-0c37f877119f" providerId="ADAL" clId="{E5645173-9704-44B4-82F5-EF2938BAEEFE}" dt="2025-04-20T04:08:50.553" v="1833" actId="2696"/>
@@ -1154,30 +1823,6 @@
           <pc:docMk/>
           <pc:sldMk cId="0" sldId="288"/>
         </pc:sldMkLst>
-        <pc:spChg chg="del mod">
-          <ac:chgData name="Mohammed Fasha" userId="cc64f42d-a1a6-4f08-b97b-0c37f877119f" providerId="ADAL" clId="{E5645173-9704-44B4-82F5-EF2938BAEEFE}" dt="2025-04-19T14:29:45.084" v="1290"/>
-          <ac:spMkLst>
-            <pc:docMk/>
-            <pc:sldMk cId="0" sldId="288"/>
-            <ac:spMk id="2" creationId="{00000000-0000-0000-0000-000000000000}"/>
-          </ac:spMkLst>
-        </pc:spChg>
-        <pc:spChg chg="mod ord">
-          <ac:chgData name="Mohammed Fasha" userId="cc64f42d-a1a6-4f08-b97b-0c37f877119f" providerId="ADAL" clId="{E5645173-9704-44B4-82F5-EF2938BAEEFE}" dt="2025-04-19T12:14:55.922" v="1054" actId="700"/>
-          <ac:spMkLst>
-            <pc:docMk/>
-            <pc:sldMk cId="0" sldId="288"/>
-            <ac:spMk id="3" creationId="{00000000-0000-0000-0000-000000000000}"/>
-          </ac:spMkLst>
-        </pc:spChg>
-        <pc:spChg chg="add mod ord">
-          <ac:chgData name="Mohammed Fasha" userId="cc64f42d-a1a6-4f08-b97b-0c37f877119f" providerId="ADAL" clId="{E5645173-9704-44B4-82F5-EF2938BAEEFE}" dt="2025-04-19T14:29:43.398" v="1288"/>
-          <ac:spMkLst>
-            <pc:docMk/>
-            <pc:sldMk cId="0" sldId="288"/>
-            <ac:spMk id="4" creationId="{B8A22597-1C90-DC81-9113-9A952E24F01D}"/>
-          </ac:spMkLst>
-        </pc:spChg>
       </pc:sldChg>
       <pc:sldChg chg="addSp delSp modSp add del mod ord modClrScheme chgLayout">
         <pc:chgData name="Mohammed Fasha" userId="cc64f42d-a1a6-4f08-b97b-0c37f877119f" providerId="ADAL" clId="{E5645173-9704-44B4-82F5-EF2938BAEEFE}" dt="2025-04-20T04:08:50.553" v="1833" actId="2696"/>
@@ -1185,22 +1830,6 @@
           <pc:docMk/>
           <pc:sldMk cId="0" sldId="289"/>
         </pc:sldMkLst>
-        <pc:spChg chg="mod ord">
-          <ac:chgData name="Mohammed Fasha" userId="cc64f42d-a1a6-4f08-b97b-0c37f877119f" providerId="ADAL" clId="{E5645173-9704-44B4-82F5-EF2938BAEEFE}" dt="2025-04-19T14:31:31.072" v="1338" actId="404"/>
-          <ac:spMkLst>
-            <pc:docMk/>
-            <pc:sldMk cId="0" sldId="289"/>
-            <ac:spMk id="2" creationId="{00000000-0000-0000-0000-000000000000}"/>
-          </ac:spMkLst>
-        </pc:spChg>
-        <pc:spChg chg="add del mod ord">
-          <ac:chgData name="Mohammed Fasha" userId="cc64f42d-a1a6-4f08-b97b-0c37f877119f" providerId="ADAL" clId="{E5645173-9704-44B4-82F5-EF2938BAEEFE}" dt="2025-04-19T14:31:23.575" v="1334" actId="700"/>
-          <ac:spMkLst>
-            <pc:docMk/>
-            <pc:sldMk cId="0" sldId="289"/>
-            <ac:spMk id="9" creationId="{56528436-8710-B8D4-6707-383D43096DF2}"/>
-          </ac:spMkLst>
-        </pc:spChg>
       </pc:sldChg>
       <pc:sldChg chg="del">
         <pc:chgData name="Mohammed Fasha" userId="cc64f42d-a1a6-4f08-b97b-0c37f877119f" providerId="ADAL" clId="{E5645173-9704-44B4-82F5-EF2938BAEEFE}" dt="2025-04-17T04:46:42.560" v="529" actId="47"/>
@@ -1215,22 +1844,6 @@
           <pc:docMk/>
           <pc:sldMk cId="0" sldId="290"/>
         </pc:sldMkLst>
-        <pc:spChg chg="mod ord">
-          <ac:chgData name="Mohammed Fasha" userId="cc64f42d-a1a6-4f08-b97b-0c37f877119f" providerId="ADAL" clId="{E5645173-9704-44B4-82F5-EF2938BAEEFE}" dt="2025-04-19T14:31:49.527" v="1343" actId="404"/>
-          <ac:spMkLst>
-            <pc:docMk/>
-            <pc:sldMk cId="0" sldId="290"/>
-            <ac:spMk id="2" creationId="{00000000-0000-0000-0000-000000000000}"/>
-          </ac:spMkLst>
-        </pc:spChg>
-        <pc:spChg chg="add del mod ord">
-          <ac:chgData name="Mohammed Fasha" userId="cc64f42d-a1a6-4f08-b97b-0c37f877119f" providerId="ADAL" clId="{E5645173-9704-44B4-82F5-EF2938BAEEFE}" dt="2025-04-19T14:31:44.577" v="1339" actId="700"/>
-          <ac:spMkLst>
-            <pc:docMk/>
-            <pc:sldMk cId="0" sldId="290"/>
-            <ac:spMk id="5" creationId="{75F066AD-A0D9-BA68-E4FC-9BE8418C8C07}"/>
-          </ac:spMkLst>
-        </pc:spChg>
       </pc:sldChg>
       <pc:sldChg chg="del">
         <pc:chgData name="Mohammed Fasha" userId="cc64f42d-a1a6-4f08-b97b-0c37f877119f" providerId="ADAL" clId="{E5645173-9704-44B4-82F5-EF2938BAEEFE}" dt="2025-04-17T04:46:43.577" v="530" actId="47"/>
@@ -1245,22 +1858,6 @@
           <pc:docMk/>
           <pc:sldMk cId="0" sldId="291"/>
         </pc:sldMkLst>
-        <pc:spChg chg="mod ord">
-          <ac:chgData name="Mohammed Fasha" userId="cc64f42d-a1a6-4f08-b97b-0c37f877119f" providerId="ADAL" clId="{E5645173-9704-44B4-82F5-EF2938BAEEFE}" dt="2025-04-19T14:32:10.044" v="1354" actId="1036"/>
-          <ac:spMkLst>
-            <pc:docMk/>
-            <pc:sldMk cId="0" sldId="291"/>
-            <ac:spMk id="2" creationId="{00000000-0000-0000-0000-000000000000}"/>
-          </ac:spMkLst>
-        </pc:spChg>
-        <pc:spChg chg="add del mod ord">
-          <ac:chgData name="Mohammed Fasha" userId="cc64f42d-a1a6-4f08-b97b-0c37f877119f" providerId="ADAL" clId="{E5645173-9704-44B4-82F5-EF2938BAEEFE}" dt="2025-04-19T14:32:00.298" v="1344" actId="700"/>
-          <ac:spMkLst>
-            <pc:docMk/>
-            <pc:sldMk cId="0" sldId="291"/>
-            <ac:spMk id="8" creationId="{E34F0144-6C34-1660-30EF-5885F09E6038}"/>
-          </ac:spMkLst>
-        </pc:spChg>
       </pc:sldChg>
       <pc:sldChg chg="del">
         <pc:chgData name="Mohammed Fasha" userId="cc64f42d-a1a6-4f08-b97b-0c37f877119f" providerId="ADAL" clId="{E5645173-9704-44B4-82F5-EF2938BAEEFE}" dt="2025-04-17T04:46:44.185" v="531" actId="47"/>
@@ -1275,22 +1872,6 @@
           <pc:docMk/>
           <pc:sldMk cId="0" sldId="292"/>
         </pc:sldMkLst>
-        <pc:spChg chg="mod ord">
-          <ac:chgData name="Mohammed Fasha" userId="cc64f42d-a1a6-4f08-b97b-0c37f877119f" providerId="ADAL" clId="{E5645173-9704-44B4-82F5-EF2938BAEEFE}" dt="2025-04-19T14:32:21.510" v="1359" actId="404"/>
-          <ac:spMkLst>
-            <pc:docMk/>
-            <pc:sldMk cId="0" sldId="292"/>
-            <ac:spMk id="2" creationId="{00000000-0000-0000-0000-000000000000}"/>
-          </ac:spMkLst>
-        </pc:spChg>
-        <pc:spChg chg="add del mod ord">
-          <ac:chgData name="Mohammed Fasha" userId="cc64f42d-a1a6-4f08-b97b-0c37f877119f" providerId="ADAL" clId="{E5645173-9704-44B4-82F5-EF2938BAEEFE}" dt="2025-04-19T14:32:15.013" v="1355" actId="700"/>
-          <ac:spMkLst>
-            <pc:docMk/>
-            <pc:sldMk cId="0" sldId="292"/>
-            <ac:spMk id="5" creationId="{151141A1-8D88-0ED4-6441-773CBD29B1C4}"/>
-          </ac:spMkLst>
-        </pc:spChg>
       </pc:sldChg>
       <pc:sldChg chg="del">
         <pc:chgData name="Mohammed Fasha" userId="cc64f42d-a1a6-4f08-b97b-0c37f877119f" providerId="ADAL" clId="{E5645173-9704-44B4-82F5-EF2938BAEEFE}" dt="2025-04-17T04:46:44.837" v="532" actId="47"/>
@@ -1305,22 +1886,6 @@
           <pc:docMk/>
           <pc:sldMk cId="0" sldId="293"/>
         </pc:sldMkLst>
-        <pc:spChg chg="mod ord">
-          <ac:chgData name="Mohammed Fasha" userId="cc64f42d-a1a6-4f08-b97b-0c37f877119f" providerId="ADAL" clId="{E5645173-9704-44B4-82F5-EF2938BAEEFE}" dt="2025-04-19T12:14:55.922" v="1054" actId="700"/>
-          <ac:spMkLst>
-            <pc:docMk/>
-            <pc:sldMk cId="0" sldId="293"/>
-            <ac:spMk id="2" creationId="{00000000-0000-0000-0000-000000000000}"/>
-          </ac:spMkLst>
-        </pc:spChg>
-        <pc:spChg chg="add mod ord">
-          <ac:chgData name="Mohammed Fasha" userId="cc64f42d-a1a6-4f08-b97b-0c37f877119f" providerId="ADAL" clId="{E5645173-9704-44B4-82F5-EF2938BAEEFE}" dt="2025-04-19T12:14:55.922" v="1054" actId="700"/>
-          <ac:spMkLst>
-            <pc:docMk/>
-            <pc:sldMk cId="0" sldId="293"/>
-            <ac:spMk id="5" creationId="{9ADDB8AE-8559-D1AE-83B8-1FE4612FA503}"/>
-          </ac:spMkLst>
-        </pc:spChg>
       </pc:sldChg>
       <pc:sldChg chg="del">
         <pc:chgData name="Mohammed Fasha" userId="cc64f42d-a1a6-4f08-b97b-0c37f877119f" providerId="ADAL" clId="{E5645173-9704-44B4-82F5-EF2938BAEEFE}" dt="2025-04-17T04:46:45.546" v="533" actId="47"/>
@@ -1335,22 +1900,6 @@
           <pc:docMk/>
           <pc:sldMk cId="0" sldId="294"/>
         </pc:sldMkLst>
-        <pc:spChg chg="mod ord">
-          <ac:chgData name="Mohammed Fasha" userId="cc64f42d-a1a6-4f08-b97b-0c37f877119f" providerId="ADAL" clId="{E5645173-9704-44B4-82F5-EF2938BAEEFE}" dt="2025-04-19T12:14:55.922" v="1054" actId="700"/>
-          <ac:spMkLst>
-            <pc:docMk/>
-            <pc:sldMk cId="0" sldId="294"/>
-            <ac:spMk id="2" creationId="{00000000-0000-0000-0000-000000000000}"/>
-          </ac:spMkLst>
-        </pc:spChg>
-        <pc:spChg chg="add mod ord">
-          <ac:chgData name="Mohammed Fasha" userId="cc64f42d-a1a6-4f08-b97b-0c37f877119f" providerId="ADAL" clId="{E5645173-9704-44B4-82F5-EF2938BAEEFE}" dt="2025-04-19T12:14:55.922" v="1054" actId="700"/>
-          <ac:spMkLst>
-            <pc:docMk/>
-            <pc:sldMk cId="0" sldId="294"/>
-            <ac:spMk id="5" creationId="{0898C382-E9E9-E70D-85A0-5C3E3AC2CABC}"/>
-          </ac:spMkLst>
-        </pc:spChg>
       </pc:sldChg>
       <pc:sldChg chg="del">
         <pc:chgData name="Mohammed Fasha" userId="cc64f42d-a1a6-4f08-b97b-0c37f877119f" providerId="ADAL" clId="{E5645173-9704-44B4-82F5-EF2938BAEEFE}" dt="2025-04-17T04:46:45.853" v="534" actId="47"/>
@@ -1365,22 +1914,6 @@
           <pc:docMk/>
           <pc:sldMk cId="0" sldId="295"/>
         </pc:sldMkLst>
-        <pc:spChg chg="mod ord">
-          <ac:chgData name="Mohammed Fasha" userId="cc64f42d-a1a6-4f08-b97b-0c37f877119f" providerId="ADAL" clId="{E5645173-9704-44B4-82F5-EF2938BAEEFE}" dt="2025-04-19T12:14:55.922" v="1054" actId="700"/>
-          <ac:spMkLst>
-            <pc:docMk/>
-            <pc:sldMk cId="0" sldId="295"/>
-            <ac:spMk id="2" creationId="{00000000-0000-0000-0000-000000000000}"/>
-          </ac:spMkLst>
-        </pc:spChg>
-        <pc:spChg chg="add mod ord">
-          <ac:chgData name="Mohammed Fasha" userId="cc64f42d-a1a6-4f08-b97b-0c37f877119f" providerId="ADAL" clId="{E5645173-9704-44B4-82F5-EF2938BAEEFE}" dt="2025-04-19T12:14:55.922" v="1054" actId="700"/>
-          <ac:spMkLst>
-            <pc:docMk/>
-            <pc:sldMk cId="0" sldId="295"/>
-            <ac:spMk id="6" creationId="{048DE9DA-D082-971F-3B64-B706CAEDB176}"/>
-          </ac:spMkLst>
-        </pc:spChg>
       </pc:sldChg>
       <pc:sldChg chg="addSp delSp modSp add del mod ord chgLayout">
         <pc:chgData name="Mohammed Fasha" userId="cc64f42d-a1a6-4f08-b97b-0c37f877119f" providerId="ADAL" clId="{E5645173-9704-44B4-82F5-EF2938BAEEFE}" dt="2025-04-20T04:08:50.553" v="1833" actId="2696"/>
@@ -1388,30 +1921,6 @@
           <pc:docMk/>
           <pc:sldMk cId="0" sldId="296"/>
         </pc:sldMkLst>
-        <pc:spChg chg="del mod">
-          <ac:chgData name="Mohammed Fasha" userId="cc64f42d-a1a6-4f08-b97b-0c37f877119f" providerId="ADAL" clId="{E5645173-9704-44B4-82F5-EF2938BAEEFE}" dt="2025-04-19T14:32:49.138" v="1367"/>
-          <ac:spMkLst>
-            <pc:docMk/>
-            <pc:sldMk cId="0" sldId="296"/>
-            <ac:spMk id="2" creationId="{00000000-0000-0000-0000-000000000000}"/>
-          </ac:spMkLst>
-        </pc:spChg>
-        <pc:spChg chg="mod ord">
-          <ac:chgData name="Mohammed Fasha" userId="cc64f42d-a1a6-4f08-b97b-0c37f877119f" providerId="ADAL" clId="{E5645173-9704-44B4-82F5-EF2938BAEEFE}" dt="2025-04-19T12:14:55.922" v="1054" actId="700"/>
-          <ac:spMkLst>
-            <pc:docMk/>
-            <pc:sldMk cId="0" sldId="296"/>
-            <ac:spMk id="3" creationId="{00000000-0000-0000-0000-000000000000}"/>
-          </ac:spMkLst>
-        </pc:spChg>
-        <pc:spChg chg="add mod ord">
-          <ac:chgData name="Mohammed Fasha" userId="cc64f42d-a1a6-4f08-b97b-0c37f877119f" providerId="ADAL" clId="{E5645173-9704-44B4-82F5-EF2938BAEEFE}" dt="2025-04-19T14:32:45.047" v="1365" actId="20577"/>
-          <ac:spMkLst>
-            <pc:docMk/>
-            <pc:sldMk cId="0" sldId="296"/>
-            <ac:spMk id="6" creationId="{AB59F0FC-E3C9-5521-810D-3FECD182F1C1}"/>
-          </ac:spMkLst>
-        </pc:spChg>
       </pc:sldChg>
       <pc:sldChg chg="del">
         <pc:chgData name="Mohammed Fasha" userId="cc64f42d-a1a6-4f08-b97b-0c37f877119f" providerId="ADAL" clId="{E5645173-9704-44B4-82F5-EF2938BAEEFE}" dt="2025-04-17T04:46:46.474" v="535" actId="47"/>
@@ -1426,30 +1935,6 @@
           <pc:docMk/>
           <pc:sldMk cId="0" sldId="297"/>
         </pc:sldMkLst>
-        <pc:spChg chg="del mod">
-          <ac:chgData name="Mohammed Fasha" userId="cc64f42d-a1a6-4f08-b97b-0c37f877119f" providerId="ADAL" clId="{E5645173-9704-44B4-82F5-EF2938BAEEFE}" dt="2025-04-19T14:32:57.922" v="1371"/>
-          <ac:spMkLst>
-            <pc:docMk/>
-            <pc:sldMk cId="0" sldId="297"/>
-            <ac:spMk id="2" creationId="{00000000-0000-0000-0000-000000000000}"/>
-          </ac:spMkLst>
-        </pc:spChg>
-        <pc:spChg chg="mod ord">
-          <ac:chgData name="Mohammed Fasha" userId="cc64f42d-a1a6-4f08-b97b-0c37f877119f" providerId="ADAL" clId="{E5645173-9704-44B4-82F5-EF2938BAEEFE}" dt="2025-04-19T12:14:55.922" v="1054" actId="700"/>
-          <ac:spMkLst>
-            <pc:docMk/>
-            <pc:sldMk cId="0" sldId="297"/>
-            <ac:spMk id="3" creationId="{00000000-0000-0000-0000-000000000000}"/>
-          </ac:spMkLst>
-        </pc:spChg>
-        <pc:spChg chg="add mod ord">
-          <ac:chgData name="Mohammed Fasha" userId="cc64f42d-a1a6-4f08-b97b-0c37f877119f" providerId="ADAL" clId="{E5645173-9704-44B4-82F5-EF2938BAEEFE}" dt="2025-04-19T14:32:54.475" v="1369"/>
-          <ac:spMkLst>
-            <pc:docMk/>
-            <pc:sldMk cId="0" sldId="297"/>
-            <ac:spMk id="9" creationId="{FD767227-C187-110D-F327-943AFA1D5087}"/>
-          </ac:spMkLst>
-        </pc:spChg>
       </pc:sldChg>
       <pc:sldChg chg="del">
         <pc:chgData name="Mohammed Fasha" userId="cc64f42d-a1a6-4f08-b97b-0c37f877119f" providerId="ADAL" clId="{E5645173-9704-44B4-82F5-EF2938BAEEFE}" dt="2025-04-17T04:46:47.590" v="537" actId="47"/>
@@ -1464,22 +1949,6 @@
           <pc:docMk/>
           <pc:sldMk cId="0" sldId="298"/>
         </pc:sldMkLst>
-        <pc:spChg chg="mod ord">
-          <ac:chgData name="Mohammed Fasha" userId="cc64f42d-a1a6-4f08-b97b-0c37f877119f" providerId="ADAL" clId="{E5645173-9704-44B4-82F5-EF2938BAEEFE}" dt="2025-04-19T14:33:18.552" v="1380" actId="1036"/>
-          <ac:spMkLst>
-            <pc:docMk/>
-            <pc:sldMk cId="0" sldId="298"/>
-            <ac:spMk id="2" creationId="{00000000-0000-0000-0000-000000000000}"/>
-          </ac:spMkLst>
-        </pc:spChg>
-        <pc:spChg chg="add del mod ord">
-          <ac:chgData name="Mohammed Fasha" userId="cc64f42d-a1a6-4f08-b97b-0c37f877119f" providerId="ADAL" clId="{E5645173-9704-44B4-82F5-EF2938BAEEFE}" dt="2025-04-19T14:33:02.672" v="1372" actId="700"/>
-          <ac:spMkLst>
-            <pc:docMk/>
-            <pc:sldMk cId="0" sldId="298"/>
-            <ac:spMk id="6" creationId="{4484DFC4-46A8-FB4C-FC28-4BC51E9D512F}"/>
-          </ac:spMkLst>
-        </pc:spChg>
       </pc:sldChg>
       <pc:sldChg chg="del">
         <pc:chgData name="Mohammed Fasha" userId="cc64f42d-a1a6-4f08-b97b-0c37f877119f" providerId="ADAL" clId="{E5645173-9704-44B4-82F5-EF2938BAEEFE}" dt="2025-04-17T04:46:48.021" v="538" actId="47"/>
@@ -1494,22 +1963,6 @@
           <pc:docMk/>
           <pc:sldMk cId="0" sldId="299"/>
         </pc:sldMkLst>
-        <pc:spChg chg="mod ord">
-          <ac:chgData name="Mohammed Fasha" userId="cc64f42d-a1a6-4f08-b97b-0c37f877119f" providerId="ADAL" clId="{E5645173-9704-44B4-82F5-EF2938BAEEFE}" dt="2025-04-19T14:33:44.265" v="1390" actId="403"/>
-          <ac:spMkLst>
-            <pc:docMk/>
-            <pc:sldMk cId="0" sldId="299"/>
-            <ac:spMk id="2" creationId="{00000000-0000-0000-0000-000000000000}"/>
-          </ac:spMkLst>
-        </pc:spChg>
-        <pc:spChg chg="add del mod ord">
-          <ac:chgData name="Mohammed Fasha" userId="cc64f42d-a1a6-4f08-b97b-0c37f877119f" providerId="ADAL" clId="{E5645173-9704-44B4-82F5-EF2938BAEEFE}" dt="2025-04-19T14:33:05.432" v="1373" actId="700"/>
-          <ac:spMkLst>
-            <pc:docMk/>
-            <pc:sldMk cId="0" sldId="299"/>
-            <ac:spMk id="5" creationId="{73FF4673-7D65-2A8A-E9BF-9EC4E777FBB2}"/>
-          </ac:spMkLst>
-        </pc:spChg>
       </pc:sldChg>
       <pc:sldChg chg="del">
         <pc:chgData name="Mohammed Fasha" userId="cc64f42d-a1a6-4f08-b97b-0c37f877119f" providerId="ADAL" clId="{E5645173-9704-44B4-82F5-EF2938BAEEFE}" dt="2025-04-17T04:46:48.651" v="539" actId="47"/>
@@ -1524,22 +1977,6 @@
           <pc:docMk/>
           <pc:sldMk cId="0" sldId="300"/>
         </pc:sldMkLst>
-        <pc:spChg chg="mod ord">
-          <ac:chgData name="Mohammed Fasha" userId="cc64f42d-a1a6-4f08-b97b-0c37f877119f" providerId="ADAL" clId="{E5645173-9704-44B4-82F5-EF2938BAEEFE}" dt="2025-04-19T14:33:35.388" v="1389" actId="404"/>
-          <ac:spMkLst>
-            <pc:docMk/>
-            <pc:sldMk cId="0" sldId="300"/>
-            <ac:spMk id="2" creationId="{00000000-0000-0000-0000-000000000000}"/>
-          </ac:spMkLst>
-        </pc:spChg>
-        <pc:spChg chg="add del mod ord">
-          <ac:chgData name="Mohammed Fasha" userId="cc64f42d-a1a6-4f08-b97b-0c37f877119f" providerId="ADAL" clId="{E5645173-9704-44B4-82F5-EF2938BAEEFE}" dt="2025-04-19T14:33:08.157" v="1374" actId="700"/>
-          <ac:spMkLst>
-            <pc:docMk/>
-            <pc:sldMk cId="0" sldId="300"/>
-            <ac:spMk id="4" creationId="{29E562EC-7CAA-27B5-431D-AC3EAF675F20}"/>
-          </ac:spMkLst>
-        </pc:spChg>
       </pc:sldChg>
       <pc:sldChg chg="del">
         <pc:chgData name="Mohammed Fasha" userId="cc64f42d-a1a6-4f08-b97b-0c37f877119f" providerId="ADAL" clId="{E5645173-9704-44B4-82F5-EF2938BAEEFE}" dt="2025-04-17T04:46:49.158" v="540" actId="47"/>
@@ -1554,22 +1991,6 @@
           <pc:docMk/>
           <pc:sldMk cId="0" sldId="301"/>
         </pc:sldMkLst>
-        <pc:spChg chg="mod ord">
-          <ac:chgData name="Mohammed Fasha" userId="cc64f42d-a1a6-4f08-b97b-0c37f877119f" providerId="ADAL" clId="{E5645173-9704-44B4-82F5-EF2938BAEEFE}" dt="2025-04-19T14:34:03.456" v="1399" actId="1036"/>
-          <ac:spMkLst>
-            <pc:docMk/>
-            <pc:sldMk cId="0" sldId="301"/>
-            <ac:spMk id="2" creationId="{00000000-0000-0000-0000-000000000000}"/>
-          </ac:spMkLst>
-        </pc:spChg>
-        <pc:spChg chg="add del mod ord">
-          <ac:chgData name="Mohammed Fasha" userId="cc64f42d-a1a6-4f08-b97b-0c37f877119f" providerId="ADAL" clId="{E5645173-9704-44B4-82F5-EF2938BAEEFE}" dt="2025-04-19T14:33:10.851" v="1375" actId="700"/>
-          <ac:spMkLst>
-            <pc:docMk/>
-            <pc:sldMk cId="0" sldId="301"/>
-            <ac:spMk id="8" creationId="{3006EE9A-97B3-AB54-F538-67F9DD3240BE}"/>
-          </ac:spMkLst>
-        </pc:spChg>
       </pc:sldChg>
       <pc:sldChg chg="addSp modSp add del mod ord chgLayout">
         <pc:chgData name="Mohammed Fasha" userId="cc64f42d-a1a6-4f08-b97b-0c37f877119f" providerId="ADAL" clId="{E5645173-9704-44B4-82F5-EF2938BAEEFE}" dt="2025-04-20T04:08:50.553" v="1833" actId="2696"/>
@@ -1577,22 +1998,6 @@
           <pc:docMk/>
           <pc:sldMk cId="0" sldId="302"/>
         </pc:sldMkLst>
-        <pc:spChg chg="mod ord">
-          <ac:chgData name="Mohammed Fasha" userId="cc64f42d-a1a6-4f08-b97b-0c37f877119f" providerId="ADAL" clId="{E5645173-9704-44B4-82F5-EF2938BAEEFE}" dt="2025-04-19T12:14:55.922" v="1054" actId="700"/>
-          <ac:spMkLst>
-            <pc:docMk/>
-            <pc:sldMk cId="0" sldId="302"/>
-            <ac:spMk id="3" creationId="{00000000-0000-0000-0000-000000000000}"/>
-          </ac:spMkLst>
-        </pc:spChg>
-        <pc:spChg chg="add mod ord">
-          <ac:chgData name="Mohammed Fasha" userId="cc64f42d-a1a6-4f08-b97b-0c37f877119f" providerId="ADAL" clId="{E5645173-9704-44B4-82F5-EF2938BAEEFE}" dt="2025-04-19T12:14:55.922" v="1054" actId="700"/>
-          <ac:spMkLst>
-            <pc:docMk/>
-            <pc:sldMk cId="0" sldId="302"/>
-            <ac:spMk id="8" creationId="{1481779D-ADCE-8D38-CB59-C82EE21D4BB7}"/>
-          </ac:spMkLst>
-        </pc:spChg>
       </pc:sldChg>
       <pc:sldChg chg="del">
         <pc:chgData name="Mohammed Fasha" userId="cc64f42d-a1a6-4f08-b97b-0c37f877119f" providerId="ADAL" clId="{E5645173-9704-44B4-82F5-EF2938BAEEFE}" dt="2025-04-17T04:46:53.636" v="543" actId="47"/>
@@ -1607,22 +2012,6 @@
           <pc:docMk/>
           <pc:sldMk cId="0" sldId="303"/>
         </pc:sldMkLst>
-        <pc:spChg chg="mod ord">
-          <ac:chgData name="Mohammed Fasha" userId="cc64f42d-a1a6-4f08-b97b-0c37f877119f" providerId="ADAL" clId="{E5645173-9704-44B4-82F5-EF2938BAEEFE}" dt="2025-04-19T12:14:55.922" v="1054" actId="700"/>
-          <ac:spMkLst>
-            <pc:docMk/>
-            <pc:sldMk cId="0" sldId="303"/>
-            <ac:spMk id="2" creationId="{00000000-0000-0000-0000-000000000000}"/>
-          </ac:spMkLst>
-        </pc:spChg>
-        <pc:spChg chg="add mod ord">
-          <ac:chgData name="Mohammed Fasha" userId="cc64f42d-a1a6-4f08-b97b-0c37f877119f" providerId="ADAL" clId="{E5645173-9704-44B4-82F5-EF2938BAEEFE}" dt="2025-04-19T12:14:55.922" v="1054" actId="700"/>
-          <ac:spMkLst>
-            <pc:docMk/>
-            <pc:sldMk cId="0" sldId="303"/>
-            <ac:spMk id="6" creationId="{51701DC4-5CAB-89C0-0665-CAEA67FAC6BB}"/>
-          </ac:spMkLst>
-        </pc:spChg>
       </pc:sldChg>
       <pc:sldChg chg="del">
         <pc:chgData name="Mohammed Fasha" userId="cc64f42d-a1a6-4f08-b97b-0c37f877119f" providerId="ADAL" clId="{E5645173-9704-44B4-82F5-EF2938BAEEFE}" dt="2025-04-17T04:46:54.295" v="544" actId="47"/>
@@ -1637,22 +2026,6 @@
           <pc:docMk/>
           <pc:sldMk cId="0" sldId="304"/>
         </pc:sldMkLst>
-        <pc:spChg chg="mod ord">
-          <ac:chgData name="Mohammed Fasha" userId="cc64f42d-a1a6-4f08-b97b-0c37f877119f" providerId="ADAL" clId="{E5645173-9704-44B4-82F5-EF2938BAEEFE}" dt="2025-04-19T12:14:55.922" v="1054" actId="700"/>
-          <ac:spMkLst>
-            <pc:docMk/>
-            <pc:sldMk cId="0" sldId="304"/>
-            <ac:spMk id="2" creationId="{00000000-0000-0000-0000-000000000000}"/>
-          </ac:spMkLst>
-        </pc:spChg>
-        <pc:spChg chg="add mod ord">
-          <ac:chgData name="Mohammed Fasha" userId="cc64f42d-a1a6-4f08-b97b-0c37f877119f" providerId="ADAL" clId="{E5645173-9704-44B4-82F5-EF2938BAEEFE}" dt="2025-04-19T12:14:55.922" v="1054" actId="700"/>
-          <ac:spMkLst>
-            <pc:docMk/>
-            <pc:sldMk cId="0" sldId="304"/>
-            <ac:spMk id="6" creationId="{9C0B72BC-B4AB-EB65-763B-C0C4BCE02EA8}"/>
-          </ac:spMkLst>
-        </pc:spChg>
       </pc:sldChg>
       <pc:sldChg chg="del">
         <pc:chgData name="Mohammed Fasha" userId="cc64f42d-a1a6-4f08-b97b-0c37f877119f" providerId="ADAL" clId="{E5645173-9704-44B4-82F5-EF2938BAEEFE}" dt="2025-04-17T04:46:55.014" v="545" actId="47"/>
@@ -1667,22 +2040,6 @@
           <pc:docMk/>
           <pc:sldMk cId="0" sldId="305"/>
         </pc:sldMkLst>
-        <pc:spChg chg="mod ord">
-          <ac:chgData name="Mohammed Fasha" userId="cc64f42d-a1a6-4f08-b97b-0c37f877119f" providerId="ADAL" clId="{E5645173-9704-44B4-82F5-EF2938BAEEFE}" dt="2025-04-19T12:14:55.922" v="1054" actId="700"/>
-          <ac:spMkLst>
-            <pc:docMk/>
-            <pc:sldMk cId="0" sldId="305"/>
-            <ac:spMk id="2" creationId="{00000000-0000-0000-0000-000000000000}"/>
-          </ac:spMkLst>
-        </pc:spChg>
-        <pc:spChg chg="add mod ord">
-          <ac:chgData name="Mohammed Fasha" userId="cc64f42d-a1a6-4f08-b97b-0c37f877119f" providerId="ADAL" clId="{E5645173-9704-44B4-82F5-EF2938BAEEFE}" dt="2025-04-19T12:14:55.922" v="1054" actId="700"/>
-          <ac:spMkLst>
-            <pc:docMk/>
-            <pc:sldMk cId="0" sldId="305"/>
-            <ac:spMk id="6" creationId="{D052A857-CFE5-36EB-2DB6-2866CFA82753}"/>
-          </ac:spMkLst>
-        </pc:spChg>
       </pc:sldChg>
       <pc:sldChg chg="del">
         <pc:chgData name="Mohammed Fasha" userId="cc64f42d-a1a6-4f08-b97b-0c37f877119f" providerId="ADAL" clId="{E5645173-9704-44B4-82F5-EF2938BAEEFE}" dt="2025-04-17T04:46:51.130" v="541" actId="47"/>
@@ -1697,22 +2054,6 @@
           <pc:docMk/>
           <pc:sldMk cId="0" sldId="306"/>
         </pc:sldMkLst>
-        <pc:spChg chg="mod ord">
-          <ac:chgData name="Mohammed Fasha" userId="cc64f42d-a1a6-4f08-b97b-0c37f877119f" providerId="ADAL" clId="{E5645173-9704-44B4-82F5-EF2938BAEEFE}" dt="2025-04-19T12:14:55.922" v="1054" actId="700"/>
-          <ac:spMkLst>
-            <pc:docMk/>
-            <pc:sldMk cId="0" sldId="306"/>
-            <ac:spMk id="2" creationId="{00000000-0000-0000-0000-000000000000}"/>
-          </ac:spMkLst>
-        </pc:spChg>
-        <pc:spChg chg="add mod ord">
-          <ac:chgData name="Mohammed Fasha" userId="cc64f42d-a1a6-4f08-b97b-0c37f877119f" providerId="ADAL" clId="{E5645173-9704-44B4-82F5-EF2938BAEEFE}" dt="2025-04-19T12:14:55.922" v="1054" actId="700"/>
-          <ac:spMkLst>
-            <pc:docMk/>
-            <pc:sldMk cId="0" sldId="306"/>
-            <ac:spMk id="5" creationId="{11AEBB06-5A17-C054-46AC-DCFDFB07FC49}"/>
-          </ac:spMkLst>
-        </pc:spChg>
       </pc:sldChg>
       <pc:sldChg chg="addSp modSp add del mod ord modClrScheme chgLayout">
         <pc:chgData name="Mohammed Fasha" userId="cc64f42d-a1a6-4f08-b97b-0c37f877119f" providerId="ADAL" clId="{E5645173-9704-44B4-82F5-EF2938BAEEFE}" dt="2025-04-20T04:08:50.553" v="1833" actId="2696"/>
@@ -1720,22 +2061,6 @@
           <pc:docMk/>
           <pc:sldMk cId="0" sldId="307"/>
         </pc:sldMkLst>
-        <pc:spChg chg="mod ord">
-          <ac:chgData name="Mohammed Fasha" userId="cc64f42d-a1a6-4f08-b97b-0c37f877119f" providerId="ADAL" clId="{E5645173-9704-44B4-82F5-EF2938BAEEFE}" dt="2025-04-19T12:14:55.922" v="1054" actId="700"/>
-          <ac:spMkLst>
-            <pc:docMk/>
-            <pc:sldMk cId="0" sldId="307"/>
-            <ac:spMk id="2" creationId="{00000000-0000-0000-0000-000000000000}"/>
-          </ac:spMkLst>
-        </pc:spChg>
-        <pc:spChg chg="add mod ord">
-          <ac:chgData name="Mohammed Fasha" userId="cc64f42d-a1a6-4f08-b97b-0c37f877119f" providerId="ADAL" clId="{E5645173-9704-44B4-82F5-EF2938BAEEFE}" dt="2025-04-19T12:14:55.922" v="1054" actId="700"/>
-          <ac:spMkLst>
-            <pc:docMk/>
-            <pc:sldMk cId="0" sldId="307"/>
-            <ac:spMk id="6" creationId="{51C83F2F-CB6D-4341-84C6-5CD52BE09183}"/>
-          </ac:spMkLst>
-        </pc:spChg>
       </pc:sldChg>
       <pc:sldChg chg="addSp modSp add del mod ord chgLayout">
         <pc:chgData name="Mohammed Fasha" userId="cc64f42d-a1a6-4f08-b97b-0c37f877119f" providerId="ADAL" clId="{E5645173-9704-44B4-82F5-EF2938BAEEFE}" dt="2025-04-20T04:08:50.553" v="1833" actId="2696"/>
@@ -1743,22 +2068,6 @@
           <pc:docMk/>
           <pc:sldMk cId="0" sldId="308"/>
         </pc:sldMkLst>
-        <pc:spChg chg="mod ord">
-          <ac:chgData name="Mohammed Fasha" userId="cc64f42d-a1a6-4f08-b97b-0c37f877119f" providerId="ADAL" clId="{E5645173-9704-44B4-82F5-EF2938BAEEFE}" dt="2025-04-19T12:14:55.922" v="1054" actId="700"/>
-          <ac:spMkLst>
-            <pc:docMk/>
-            <pc:sldMk cId="0" sldId="308"/>
-            <ac:spMk id="2" creationId="{00000000-0000-0000-0000-000000000000}"/>
-          </ac:spMkLst>
-        </pc:spChg>
-        <pc:spChg chg="add mod ord">
-          <ac:chgData name="Mohammed Fasha" userId="cc64f42d-a1a6-4f08-b97b-0c37f877119f" providerId="ADAL" clId="{E5645173-9704-44B4-82F5-EF2938BAEEFE}" dt="2025-04-19T12:14:55.922" v="1054" actId="700"/>
-          <ac:spMkLst>
-            <pc:docMk/>
-            <pc:sldMk cId="0" sldId="308"/>
-            <ac:spMk id="6" creationId="{C1F0742F-0229-4F8F-6CC7-9D2A81CF2442}"/>
-          </ac:spMkLst>
-        </pc:spChg>
       </pc:sldChg>
       <pc:sldChg chg="del">
         <pc:chgData name="Mohammed Fasha" userId="cc64f42d-a1a6-4f08-b97b-0c37f877119f" providerId="ADAL" clId="{E5645173-9704-44B4-82F5-EF2938BAEEFE}" dt="2025-04-17T04:46:51.704" v="542" actId="47"/>
@@ -1773,22 +2082,6 @@
           <pc:docMk/>
           <pc:sldMk cId="0" sldId="309"/>
         </pc:sldMkLst>
-        <pc:spChg chg="mod ord">
-          <ac:chgData name="Mohammed Fasha" userId="cc64f42d-a1a6-4f08-b97b-0c37f877119f" providerId="ADAL" clId="{E5645173-9704-44B4-82F5-EF2938BAEEFE}" dt="2025-04-19T12:14:55.922" v="1054" actId="700"/>
-          <ac:spMkLst>
-            <pc:docMk/>
-            <pc:sldMk cId="0" sldId="309"/>
-            <ac:spMk id="6" creationId="{00000000-0000-0000-0000-000000000000}"/>
-          </ac:spMkLst>
-        </pc:spChg>
-        <pc:spChg chg="add mod ord">
-          <ac:chgData name="Mohammed Fasha" userId="cc64f42d-a1a6-4f08-b97b-0c37f877119f" providerId="ADAL" clId="{E5645173-9704-44B4-82F5-EF2938BAEEFE}" dt="2025-04-19T12:14:55.922" v="1054" actId="700"/>
-          <ac:spMkLst>
-            <pc:docMk/>
-            <pc:sldMk cId="0" sldId="309"/>
-            <ac:spMk id="7" creationId="{BA130F66-42FB-B6BB-3F1C-89E8A38886C6}"/>
-          </ac:spMkLst>
-        </pc:spChg>
       </pc:sldChg>
       <pc:sldChg chg="del">
         <pc:chgData name="Mohammed Fasha" userId="cc64f42d-a1a6-4f08-b97b-0c37f877119f" providerId="ADAL" clId="{E5645173-9704-44B4-82F5-EF2938BAEEFE}" dt="2025-04-17T04:46:47.095" v="536" actId="47"/>
@@ -1803,22 +2096,6 @@
           <pc:docMk/>
           <pc:sldMk cId="0" sldId="310"/>
         </pc:sldMkLst>
-        <pc:spChg chg="mod ord">
-          <ac:chgData name="Mohammed Fasha" userId="cc64f42d-a1a6-4f08-b97b-0c37f877119f" providerId="ADAL" clId="{E5645173-9704-44B4-82F5-EF2938BAEEFE}" dt="2025-04-19T12:14:55.922" v="1054" actId="700"/>
-          <ac:spMkLst>
-            <pc:docMk/>
-            <pc:sldMk cId="0" sldId="310"/>
-            <ac:spMk id="2" creationId="{00000000-0000-0000-0000-000000000000}"/>
-          </ac:spMkLst>
-        </pc:spChg>
-        <pc:spChg chg="mod ord">
-          <ac:chgData name="Mohammed Fasha" userId="cc64f42d-a1a6-4f08-b97b-0c37f877119f" providerId="ADAL" clId="{E5645173-9704-44B4-82F5-EF2938BAEEFE}" dt="2025-04-19T12:14:55.922" v="1054" actId="700"/>
-          <ac:spMkLst>
-            <pc:docMk/>
-            <pc:sldMk cId="0" sldId="310"/>
-            <ac:spMk id="3" creationId="{00000000-0000-0000-0000-000000000000}"/>
-          </ac:spMkLst>
-        </pc:spChg>
       </pc:sldChg>
       <pc:sldChg chg="addSp modSp add del mod ord chgLayout">
         <pc:chgData name="Mohammed Fasha" userId="cc64f42d-a1a6-4f08-b97b-0c37f877119f" providerId="ADAL" clId="{E5645173-9704-44B4-82F5-EF2938BAEEFE}" dt="2025-04-20T04:08:50.553" v="1833" actId="2696"/>
@@ -1826,22 +2103,6 @@
           <pc:docMk/>
           <pc:sldMk cId="0" sldId="311"/>
         </pc:sldMkLst>
-        <pc:spChg chg="mod ord">
-          <ac:chgData name="Mohammed Fasha" userId="cc64f42d-a1a6-4f08-b97b-0c37f877119f" providerId="ADAL" clId="{E5645173-9704-44B4-82F5-EF2938BAEEFE}" dt="2025-04-19T12:14:55.922" v="1054" actId="700"/>
-          <ac:spMkLst>
-            <pc:docMk/>
-            <pc:sldMk cId="0" sldId="311"/>
-            <ac:spMk id="3" creationId="{00000000-0000-0000-0000-000000000000}"/>
-          </ac:spMkLst>
-        </pc:spChg>
-        <pc:spChg chg="add mod ord">
-          <ac:chgData name="Mohammed Fasha" userId="cc64f42d-a1a6-4f08-b97b-0c37f877119f" providerId="ADAL" clId="{E5645173-9704-44B4-82F5-EF2938BAEEFE}" dt="2025-04-19T12:14:55.922" v="1054" actId="700"/>
-          <ac:spMkLst>
-            <pc:docMk/>
-            <pc:sldMk cId="0" sldId="311"/>
-            <ac:spMk id="7" creationId="{70D71C3E-AEF1-8292-81D7-9DFC2F8C1FF7}"/>
-          </ac:spMkLst>
-        </pc:spChg>
       </pc:sldChg>
       <pc:sldChg chg="addSp modSp add del mod ord chgLayout">
         <pc:chgData name="Mohammed Fasha" userId="cc64f42d-a1a6-4f08-b97b-0c37f877119f" providerId="ADAL" clId="{E5645173-9704-44B4-82F5-EF2938BAEEFE}" dt="2025-04-20T04:08:50.553" v="1833" actId="2696"/>
@@ -1849,22 +2110,6 @@
           <pc:docMk/>
           <pc:sldMk cId="0" sldId="312"/>
         </pc:sldMkLst>
-        <pc:spChg chg="mod ord">
-          <ac:chgData name="Mohammed Fasha" userId="cc64f42d-a1a6-4f08-b97b-0c37f877119f" providerId="ADAL" clId="{E5645173-9704-44B4-82F5-EF2938BAEEFE}" dt="2025-04-19T12:14:55.922" v="1054" actId="700"/>
-          <ac:spMkLst>
-            <pc:docMk/>
-            <pc:sldMk cId="0" sldId="312"/>
-            <ac:spMk id="2" creationId="{00000000-0000-0000-0000-000000000000}"/>
-          </ac:spMkLst>
-        </pc:spChg>
-        <pc:spChg chg="add mod ord">
-          <ac:chgData name="Mohammed Fasha" userId="cc64f42d-a1a6-4f08-b97b-0c37f877119f" providerId="ADAL" clId="{E5645173-9704-44B4-82F5-EF2938BAEEFE}" dt="2025-04-19T12:14:55.922" v="1054" actId="700"/>
-          <ac:spMkLst>
-            <pc:docMk/>
-            <pc:sldMk cId="0" sldId="312"/>
-            <ac:spMk id="8" creationId="{E3728F82-1E2F-824F-ADA4-0FBEEA248F87}"/>
-          </ac:spMkLst>
-        </pc:spChg>
       </pc:sldChg>
       <pc:sldChg chg="addSp delSp modSp add del mod ord chgLayout">
         <pc:chgData name="Mohammed Fasha" userId="cc64f42d-a1a6-4f08-b97b-0c37f877119f" providerId="ADAL" clId="{E5645173-9704-44B4-82F5-EF2938BAEEFE}" dt="2025-04-20T04:08:50.553" v="1833" actId="2696"/>
@@ -1872,30 +2117,6 @@
           <pc:docMk/>
           <pc:sldMk cId="0" sldId="313"/>
         </pc:sldMkLst>
-        <pc:spChg chg="del mod">
-          <ac:chgData name="Mohammed Fasha" userId="cc64f42d-a1a6-4f08-b97b-0c37f877119f" providerId="ADAL" clId="{E5645173-9704-44B4-82F5-EF2938BAEEFE}" dt="2025-04-19T14:34:21.199" v="1407"/>
-          <ac:spMkLst>
-            <pc:docMk/>
-            <pc:sldMk cId="0" sldId="313"/>
-            <ac:spMk id="2" creationId="{00000000-0000-0000-0000-000000000000}"/>
-          </ac:spMkLst>
-        </pc:spChg>
-        <pc:spChg chg="mod ord">
-          <ac:chgData name="Mohammed Fasha" userId="cc64f42d-a1a6-4f08-b97b-0c37f877119f" providerId="ADAL" clId="{E5645173-9704-44B4-82F5-EF2938BAEEFE}" dt="2025-04-19T12:14:55.922" v="1054" actId="700"/>
-          <ac:spMkLst>
-            <pc:docMk/>
-            <pc:sldMk cId="0" sldId="313"/>
-            <ac:spMk id="3" creationId="{00000000-0000-0000-0000-000000000000}"/>
-          </ac:spMkLst>
-        </pc:spChg>
-        <pc:spChg chg="add mod ord">
-          <ac:chgData name="Mohammed Fasha" userId="cc64f42d-a1a6-4f08-b97b-0c37f877119f" providerId="ADAL" clId="{E5645173-9704-44B4-82F5-EF2938BAEEFE}" dt="2025-04-19T14:34:17.410" v="1405"/>
-          <ac:spMkLst>
-            <pc:docMk/>
-            <pc:sldMk cId="0" sldId="313"/>
-            <ac:spMk id="4" creationId="{FD94BF20-982B-1E42-6975-2752882397A2}"/>
-          </ac:spMkLst>
-        </pc:spChg>
       </pc:sldChg>
       <pc:sldChg chg="addSp delSp modSp add del mod ord chgLayout">
         <pc:chgData name="Mohammed Fasha" userId="cc64f42d-a1a6-4f08-b97b-0c37f877119f" providerId="ADAL" clId="{E5645173-9704-44B4-82F5-EF2938BAEEFE}" dt="2025-04-20T04:08:50.553" v="1833" actId="2696"/>
@@ -1903,30 +2124,6 @@
           <pc:docMk/>
           <pc:sldMk cId="0" sldId="314"/>
         </pc:sldMkLst>
-        <pc:spChg chg="del mod">
-          <ac:chgData name="Mohammed Fasha" userId="cc64f42d-a1a6-4f08-b97b-0c37f877119f" providerId="ADAL" clId="{E5645173-9704-44B4-82F5-EF2938BAEEFE}" dt="2025-04-19T14:34:13.726" v="1403"/>
-          <ac:spMkLst>
-            <pc:docMk/>
-            <pc:sldMk cId="0" sldId="314"/>
-            <ac:spMk id="2" creationId="{00000000-0000-0000-0000-000000000000}"/>
-          </ac:spMkLst>
-        </pc:spChg>
-        <pc:spChg chg="mod ord">
-          <ac:chgData name="Mohammed Fasha" userId="cc64f42d-a1a6-4f08-b97b-0c37f877119f" providerId="ADAL" clId="{E5645173-9704-44B4-82F5-EF2938BAEEFE}" dt="2025-04-19T12:14:55.922" v="1054" actId="700"/>
-          <ac:spMkLst>
-            <pc:docMk/>
-            <pc:sldMk cId="0" sldId="314"/>
-            <ac:spMk id="3" creationId="{00000000-0000-0000-0000-000000000000}"/>
-          </ac:spMkLst>
-        </pc:spChg>
-        <pc:spChg chg="add mod ord">
-          <ac:chgData name="Mohammed Fasha" userId="cc64f42d-a1a6-4f08-b97b-0c37f877119f" providerId="ADAL" clId="{E5645173-9704-44B4-82F5-EF2938BAEEFE}" dt="2025-04-19T14:34:12.831" v="1401"/>
-          <ac:spMkLst>
-            <pc:docMk/>
-            <pc:sldMk cId="0" sldId="314"/>
-            <ac:spMk id="4" creationId="{DD1F3783-BEA7-A9C4-5DA1-3561F7A612B6}"/>
-          </ac:spMkLst>
-        </pc:spChg>
       </pc:sldChg>
       <pc:sldChg chg="addSp delSp modSp add del mod ord modClrScheme chgLayout">
         <pc:chgData name="Mohammed Fasha" userId="cc64f42d-a1a6-4f08-b97b-0c37f877119f" providerId="ADAL" clId="{E5645173-9704-44B4-82F5-EF2938BAEEFE}" dt="2025-04-20T04:08:50.553" v="1833" actId="2696"/>
@@ -1934,22 +2131,6 @@
           <pc:docMk/>
           <pc:sldMk cId="0" sldId="315"/>
         </pc:sldMkLst>
-        <pc:spChg chg="mod ord">
-          <ac:chgData name="Mohammed Fasha" userId="cc64f42d-a1a6-4f08-b97b-0c37f877119f" providerId="ADAL" clId="{E5645173-9704-44B4-82F5-EF2938BAEEFE}" dt="2025-04-19T14:35:36.041" v="1417" actId="700"/>
-          <ac:spMkLst>
-            <pc:docMk/>
-            <pc:sldMk cId="0" sldId="315"/>
-            <ac:spMk id="2" creationId="{00000000-0000-0000-0000-000000000000}"/>
-          </ac:spMkLst>
-        </pc:spChg>
-        <pc:spChg chg="add del mod ord">
-          <ac:chgData name="Mohammed Fasha" userId="cc64f42d-a1a6-4f08-b97b-0c37f877119f" providerId="ADAL" clId="{E5645173-9704-44B4-82F5-EF2938BAEEFE}" dt="2025-04-19T14:35:36.041" v="1417" actId="700"/>
-          <ac:spMkLst>
-            <pc:docMk/>
-            <pc:sldMk cId="0" sldId="315"/>
-            <ac:spMk id="5" creationId="{0F5D4155-282D-0894-4E0D-3B890AEE5ECA}"/>
-          </ac:spMkLst>
-        </pc:spChg>
       </pc:sldChg>
       <pc:sldChg chg="addSp delSp modSp add del mod ord modClrScheme chgLayout">
         <pc:chgData name="Mohammed Fasha" userId="cc64f42d-a1a6-4f08-b97b-0c37f877119f" providerId="ADAL" clId="{E5645173-9704-44B4-82F5-EF2938BAEEFE}" dt="2025-04-20T04:08:50.553" v="1833" actId="2696"/>
@@ -1957,22 +2138,6 @@
           <pc:docMk/>
           <pc:sldMk cId="0" sldId="316"/>
         </pc:sldMkLst>
-        <pc:spChg chg="mod ord">
-          <ac:chgData name="Mohammed Fasha" userId="cc64f42d-a1a6-4f08-b97b-0c37f877119f" providerId="ADAL" clId="{E5645173-9704-44B4-82F5-EF2938BAEEFE}" dt="2025-04-19T14:35:36.041" v="1417" actId="700"/>
-          <ac:spMkLst>
-            <pc:docMk/>
-            <pc:sldMk cId="0" sldId="316"/>
-            <ac:spMk id="3" creationId="{00000000-0000-0000-0000-000000000000}"/>
-          </ac:spMkLst>
-        </pc:spChg>
-        <pc:spChg chg="add del mod ord">
-          <ac:chgData name="Mohammed Fasha" userId="cc64f42d-a1a6-4f08-b97b-0c37f877119f" providerId="ADAL" clId="{E5645173-9704-44B4-82F5-EF2938BAEEFE}" dt="2025-04-19T14:35:36.041" v="1417" actId="700"/>
-          <ac:spMkLst>
-            <pc:docMk/>
-            <pc:sldMk cId="0" sldId="316"/>
-            <ac:spMk id="6" creationId="{899E443A-2C19-64B3-0985-F74F27922012}"/>
-          </ac:spMkLst>
-        </pc:spChg>
       </pc:sldChg>
       <pc:sldChg chg="addSp modSp add del mod ord modClrScheme chgLayout">
         <pc:chgData name="Mohammed Fasha" userId="cc64f42d-a1a6-4f08-b97b-0c37f877119f" providerId="ADAL" clId="{E5645173-9704-44B4-82F5-EF2938BAEEFE}" dt="2025-04-20T04:08:50.553" v="1833" actId="2696"/>
@@ -1980,22 +2145,6 @@
           <pc:docMk/>
           <pc:sldMk cId="0" sldId="317"/>
         </pc:sldMkLst>
-        <pc:spChg chg="mod ord">
-          <ac:chgData name="Mohammed Fasha" userId="cc64f42d-a1a6-4f08-b97b-0c37f877119f" providerId="ADAL" clId="{E5645173-9704-44B4-82F5-EF2938BAEEFE}" dt="2025-04-19T12:14:55.922" v="1054" actId="700"/>
-          <ac:spMkLst>
-            <pc:docMk/>
-            <pc:sldMk cId="0" sldId="317"/>
-            <ac:spMk id="2" creationId="{00000000-0000-0000-0000-000000000000}"/>
-          </ac:spMkLst>
-        </pc:spChg>
-        <pc:spChg chg="add mod ord">
-          <ac:chgData name="Mohammed Fasha" userId="cc64f42d-a1a6-4f08-b97b-0c37f877119f" providerId="ADAL" clId="{E5645173-9704-44B4-82F5-EF2938BAEEFE}" dt="2025-04-19T12:14:55.922" v="1054" actId="700"/>
-          <ac:spMkLst>
-            <pc:docMk/>
-            <pc:sldMk cId="0" sldId="317"/>
-            <ac:spMk id="4" creationId="{66048931-06CC-0E03-A4DC-DE4A3D379252}"/>
-          </ac:spMkLst>
-        </pc:spChg>
       </pc:sldChg>
       <pc:sldChg chg="addSp delSp modSp add del mod ord modClrScheme chgLayout">
         <pc:chgData name="Mohammed Fasha" userId="cc64f42d-a1a6-4f08-b97b-0c37f877119f" providerId="ADAL" clId="{E5645173-9704-44B4-82F5-EF2938BAEEFE}" dt="2025-04-20T04:08:50.553" v="1833" actId="2696"/>
@@ -2003,22 +2152,6 @@
           <pc:docMk/>
           <pc:sldMk cId="0" sldId="318"/>
         </pc:sldMkLst>
-        <pc:spChg chg="mod ord">
-          <ac:chgData name="Mohammed Fasha" userId="cc64f42d-a1a6-4f08-b97b-0c37f877119f" providerId="ADAL" clId="{E5645173-9704-44B4-82F5-EF2938BAEEFE}" dt="2025-04-19T14:35:36.041" v="1417" actId="700"/>
-          <ac:spMkLst>
-            <pc:docMk/>
-            <pc:sldMk cId="0" sldId="318"/>
-            <ac:spMk id="3" creationId="{00000000-0000-0000-0000-000000000000}"/>
-          </ac:spMkLst>
-        </pc:spChg>
-        <pc:spChg chg="add del mod ord">
-          <ac:chgData name="Mohammed Fasha" userId="cc64f42d-a1a6-4f08-b97b-0c37f877119f" providerId="ADAL" clId="{E5645173-9704-44B4-82F5-EF2938BAEEFE}" dt="2025-04-19T14:35:36.041" v="1417" actId="700"/>
-          <ac:spMkLst>
-            <pc:docMk/>
-            <pc:sldMk cId="0" sldId="318"/>
-            <ac:spMk id="8" creationId="{1FF7B6F4-5F21-9334-1083-156376E38989}"/>
-          </ac:spMkLst>
-        </pc:spChg>
       </pc:sldChg>
       <pc:sldChg chg="addSp delSp modSp add del mod ord modClrScheme chgLayout">
         <pc:chgData name="Mohammed Fasha" userId="cc64f42d-a1a6-4f08-b97b-0c37f877119f" providerId="ADAL" clId="{E5645173-9704-44B4-82F5-EF2938BAEEFE}" dt="2025-04-20T04:08:50.553" v="1833" actId="2696"/>
@@ -2026,22 +2159,6 @@
           <pc:docMk/>
           <pc:sldMk cId="0" sldId="319"/>
         </pc:sldMkLst>
-        <pc:spChg chg="mod ord">
-          <ac:chgData name="Mohammed Fasha" userId="cc64f42d-a1a6-4f08-b97b-0c37f877119f" providerId="ADAL" clId="{E5645173-9704-44B4-82F5-EF2938BAEEFE}" dt="2025-04-19T14:35:36.041" v="1417" actId="700"/>
-          <ac:spMkLst>
-            <pc:docMk/>
-            <pc:sldMk cId="0" sldId="319"/>
-            <ac:spMk id="2" creationId="{00000000-0000-0000-0000-000000000000}"/>
-          </ac:spMkLst>
-        </pc:spChg>
-        <pc:spChg chg="add del mod ord">
-          <ac:chgData name="Mohammed Fasha" userId="cc64f42d-a1a6-4f08-b97b-0c37f877119f" providerId="ADAL" clId="{E5645173-9704-44B4-82F5-EF2938BAEEFE}" dt="2025-04-19T14:35:36.041" v="1417" actId="700"/>
-          <ac:spMkLst>
-            <pc:docMk/>
-            <pc:sldMk cId="0" sldId="319"/>
-            <ac:spMk id="6" creationId="{25863CCB-E3F3-EFC8-78D2-8D176665BFC3}"/>
-          </ac:spMkLst>
-        </pc:spChg>
       </pc:sldChg>
       <pc:sldChg chg="addSp delSp modSp add del mod ord modClrScheme chgLayout">
         <pc:chgData name="Mohammed Fasha" userId="cc64f42d-a1a6-4f08-b97b-0c37f877119f" providerId="ADAL" clId="{E5645173-9704-44B4-82F5-EF2938BAEEFE}" dt="2025-04-20T04:08:50.553" v="1833" actId="2696"/>
@@ -2049,22 +2166,6 @@
           <pc:docMk/>
           <pc:sldMk cId="0" sldId="320"/>
         </pc:sldMkLst>
-        <pc:spChg chg="mod ord">
-          <ac:chgData name="Mohammed Fasha" userId="cc64f42d-a1a6-4f08-b97b-0c37f877119f" providerId="ADAL" clId="{E5645173-9704-44B4-82F5-EF2938BAEEFE}" dt="2025-04-19T14:35:25.906" v="1416" actId="700"/>
-          <ac:spMkLst>
-            <pc:docMk/>
-            <pc:sldMk cId="0" sldId="320"/>
-            <ac:spMk id="2" creationId="{00000000-0000-0000-0000-000000000000}"/>
-          </ac:spMkLst>
-        </pc:spChg>
-        <pc:spChg chg="add del mod ord">
-          <ac:chgData name="Mohammed Fasha" userId="cc64f42d-a1a6-4f08-b97b-0c37f877119f" providerId="ADAL" clId="{E5645173-9704-44B4-82F5-EF2938BAEEFE}" dt="2025-04-19T14:35:25.906" v="1416" actId="700"/>
-          <ac:spMkLst>
-            <pc:docMk/>
-            <pc:sldMk cId="0" sldId="320"/>
-            <ac:spMk id="8" creationId="{A3B43926-F923-88FC-2BC8-6C03E796313C}"/>
-          </ac:spMkLst>
-        </pc:spChg>
       </pc:sldChg>
       <pc:sldChg chg="addSp delSp modSp add del mod ord modClrScheme chgLayout">
         <pc:chgData name="Mohammed Fasha" userId="cc64f42d-a1a6-4f08-b97b-0c37f877119f" providerId="ADAL" clId="{E5645173-9704-44B4-82F5-EF2938BAEEFE}" dt="2025-04-20T04:08:50.553" v="1833" actId="2696"/>
@@ -2072,22 +2173,6 @@
           <pc:docMk/>
           <pc:sldMk cId="0" sldId="321"/>
         </pc:sldMkLst>
-        <pc:spChg chg="mod ord">
-          <ac:chgData name="Mohammed Fasha" userId="cc64f42d-a1a6-4f08-b97b-0c37f877119f" providerId="ADAL" clId="{E5645173-9704-44B4-82F5-EF2938BAEEFE}" dt="2025-04-19T14:35:21.757" v="1415" actId="700"/>
-          <ac:spMkLst>
-            <pc:docMk/>
-            <pc:sldMk cId="0" sldId="321"/>
-            <ac:spMk id="2" creationId="{00000000-0000-0000-0000-000000000000}"/>
-          </ac:spMkLst>
-        </pc:spChg>
-        <pc:spChg chg="add del mod ord">
-          <ac:chgData name="Mohammed Fasha" userId="cc64f42d-a1a6-4f08-b97b-0c37f877119f" providerId="ADAL" clId="{E5645173-9704-44B4-82F5-EF2938BAEEFE}" dt="2025-04-19T14:34:30.237" v="1408" actId="700"/>
-          <ac:spMkLst>
-            <pc:docMk/>
-            <pc:sldMk cId="0" sldId="321"/>
-            <ac:spMk id="7" creationId="{DB2997D5-42D0-28A9-970D-6A8267DB7622}"/>
-          </ac:spMkLst>
-        </pc:spChg>
       </pc:sldChg>
       <pc:sldChg chg="addSp delSp modSp add del mod ord modClrScheme chgLayout">
         <pc:chgData name="Mohammed Fasha" userId="cc64f42d-a1a6-4f08-b97b-0c37f877119f" providerId="ADAL" clId="{E5645173-9704-44B4-82F5-EF2938BAEEFE}" dt="2025-04-20T04:08:50.553" v="1833" actId="2696"/>
@@ -2095,30 +2180,6 @@
           <pc:docMk/>
           <pc:sldMk cId="0" sldId="322"/>
         </pc:sldMkLst>
-        <pc:spChg chg="mod ord">
-          <ac:chgData name="Mohammed Fasha" userId="cc64f42d-a1a6-4f08-b97b-0c37f877119f" providerId="ADAL" clId="{E5645173-9704-44B4-82F5-EF2938BAEEFE}" dt="2025-04-19T14:35:47.558" v="1419" actId="700"/>
-          <ac:spMkLst>
-            <pc:docMk/>
-            <pc:sldMk cId="0" sldId="322"/>
-            <ac:spMk id="2" creationId="{00000000-0000-0000-0000-000000000000}"/>
-          </ac:spMkLst>
-        </pc:spChg>
-        <pc:spChg chg="add del mod ord">
-          <ac:chgData name="Mohammed Fasha" userId="cc64f42d-a1a6-4f08-b97b-0c37f877119f" providerId="ADAL" clId="{E5645173-9704-44B4-82F5-EF2938BAEEFE}" dt="2025-04-19T14:35:44.236" v="1418" actId="700"/>
-          <ac:spMkLst>
-            <pc:docMk/>
-            <pc:sldMk cId="0" sldId="322"/>
-            <ac:spMk id="7" creationId="{F445DD9F-F68B-6D52-A109-6ADB68363654}"/>
-          </ac:spMkLst>
-        </pc:spChg>
-        <pc:spChg chg="add del mod ord">
-          <ac:chgData name="Mohammed Fasha" userId="cc64f42d-a1a6-4f08-b97b-0c37f877119f" providerId="ADAL" clId="{E5645173-9704-44B4-82F5-EF2938BAEEFE}" dt="2025-04-19T14:35:47.558" v="1419" actId="700"/>
-          <ac:spMkLst>
-            <pc:docMk/>
-            <pc:sldMk cId="0" sldId="322"/>
-            <ac:spMk id="8" creationId="{1DD48903-1878-924E-6008-6270A9CBB2C1}"/>
-          </ac:spMkLst>
-        </pc:spChg>
       </pc:sldChg>
       <pc:sldChg chg="addSp delSp modSp add del mod ord modClrScheme chgLayout">
         <pc:chgData name="Mohammed Fasha" userId="cc64f42d-a1a6-4f08-b97b-0c37f877119f" providerId="ADAL" clId="{E5645173-9704-44B4-82F5-EF2938BAEEFE}" dt="2025-04-20T04:08:50.553" v="1833" actId="2696"/>
@@ -2126,30 +2187,6 @@
           <pc:docMk/>
           <pc:sldMk cId="0" sldId="323"/>
         </pc:sldMkLst>
-        <pc:spChg chg="mod ord">
-          <ac:chgData name="Mohammed Fasha" userId="cc64f42d-a1a6-4f08-b97b-0c37f877119f" providerId="ADAL" clId="{E5645173-9704-44B4-82F5-EF2938BAEEFE}" dt="2025-04-19T14:35:47.558" v="1419" actId="700"/>
-          <ac:spMkLst>
-            <pc:docMk/>
-            <pc:sldMk cId="0" sldId="323"/>
-            <ac:spMk id="2" creationId="{00000000-0000-0000-0000-000000000000}"/>
-          </ac:spMkLst>
-        </pc:spChg>
-        <pc:spChg chg="add del mod ord">
-          <ac:chgData name="Mohammed Fasha" userId="cc64f42d-a1a6-4f08-b97b-0c37f877119f" providerId="ADAL" clId="{E5645173-9704-44B4-82F5-EF2938BAEEFE}" dt="2025-04-19T14:35:44.236" v="1418" actId="700"/>
-          <ac:spMkLst>
-            <pc:docMk/>
-            <pc:sldMk cId="0" sldId="323"/>
-            <ac:spMk id="10" creationId="{4D9C5879-F0B5-A7AB-C85D-EA8E4F468F97}"/>
-          </ac:spMkLst>
-        </pc:spChg>
-        <pc:spChg chg="add del mod ord">
-          <ac:chgData name="Mohammed Fasha" userId="cc64f42d-a1a6-4f08-b97b-0c37f877119f" providerId="ADAL" clId="{E5645173-9704-44B4-82F5-EF2938BAEEFE}" dt="2025-04-19T14:35:47.558" v="1419" actId="700"/>
-          <ac:spMkLst>
-            <pc:docMk/>
-            <pc:sldMk cId="0" sldId="323"/>
-            <ac:spMk id="11" creationId="{9C715D5B-E79D-9FF2-8832-B19DD30BDCA5}"/>
-          </ac:spMkLst>
-        </pc:spChg>
       </pc:sldChg>
       <pc:sldChg chg="addSp delSp modSp add del mod ord modClrScheme chgLayout">
         <pc:chgData name="Mohammed Fasha" userId="cc64f42d-a1a6-4f08-b97b-0c37f877119f" providerId="ADAL" clId="{E5645173-9704-44B4-82F5-EF2938BAEEFE}" dt="2025-04-20T04:08:50.553" v="1833" actId="2696"/>
@@ -2157,30 +2194,6 @@
           <pc:docMk/>
           <pc:sldMk cId="0" sldId="324"/>
         </pc:sldMkLst>
-        <pc:spChg chg="mod ord">
-          <ac:chgData name="Mohammed Fasha" userId="cc64f42d-a1a6-4f08-b97b-0c37f877119f" providerId="ADAL" clId="{E5645173-9704-44B4-82F5-EF2938BAEEFE}" dt="2025-04-19T14:35:47.558" v="1419" actId="700"/>
-          <ac:spMkLst>
-            <pc:docMk/>
-            <pc:sldMk cId="0" sldId="324"/>
-            <ac:spMk id="2" creationId="{00000000-0000-0000-0000-000000000000}"/>
-          </ac:spMkLst>
-        </pc:spChg>
-        <pc:spChg chg="add del mod ord">
-          <ac:chgData name="Mohammed Fasha" userId="cc64f42d-a1a6-4f08-b97b-0c37f877119f" providerId="ADAL" clId="{E5645173-9704-44B4-82F5-EF2938BAEEFE}" dt="2025-04-19T14:35:44.236" v="1418" actId="700"/>
-          <ac:spMkLst>
-            <pc:docMk/>
-            <pc:sldMk cId="0" sldId="324"/>
-            <ac:spMk id="6" creationId="{A2C5F773-94A3-8EB4-AF38-A0DE47ADB2D6}"/>
-          </ac:spMkLst>
-        </pc:spChg>
-        <pc:spChg chg="add del mod ord">
-          <ac:chgData name="Mohammed Fasha" userId="cc64f42d-a1a6-4f08-b97b-0c37f877119f" providerId="ADAL" clId="{E5645173-9704-44B4-82F5-EF2938BAEEFE}" dt="2025-04-19T14:35:47.558" v="1419" actId="700"/>
-          <ac:spMkLst>
-            <pc:docMk/>
-            <pc:sldMk cId="0" sldId="324"/>
-            <ac:spMk id="7" creationId="{02F27F33-0CE3-15EB-68C5-00D478521256}"/>
-          </ac:spMkLst>
-        </pc:spChg>
       </pc:sldChg>
       <pc:sldChg chg="addSp modSp add del mod ord chgLayout">
         <pc:chgData name="Mohammed Fasha" userId="cc64f42d-a1a6-4f08-b97b-0c37f877119f" providerId="ADAL" clId="{E5645173-9704-44B4-82F5-EF2938BAEEFE}" dt="2025-04-20T04:08:50.553" v="1833" actId="2696"/>
@@ -2188,22 +2201,6 @@
           <pc:docMk/>
           <pc:sldMk cId="0" sldId="325"/>
         </pc:sldMkLst>
-        <pc:spChg chg="mod ord">
-          <ac:chgData name="Mohammed Fasha" userId="cc64f42d-a1a6-4f08-b97b-0c37f877119f" providerId="ADAL" clId="{E5645173-9704-44B4-82F5-EF2938BAEEFE}" dt="2025-04-19T12:14:55.922" v="1054" actId="700"/>
-          <ac:spMkLst>
-            <pc:docMk/>
-            <pc:sldMk cId="0" sldId="325"/>
-            <ac:spMk id="3" creationId="{00000000-0000-0000-0000-000000000000}"/>
-          </ac:spMkLst>
-        </pc:spChg>
-        <pc:spChg chg="add mod ord">
-          <ac:chgData name="Mohammed Fasha" userId="cc64f42d-a1a6-4f08-b97b-0c37f877119f" providerId="ADAL" clId="{E5645173-9704-44B4-82F5-EF2938BAEEFE}" dt="2025-04-19T12:14:55.922" v="1054" actId="700"/>
-          <ac:spMkLst>
-            <pc:docMk/>
-            <pc:sldMk cId="0" sldId="325"/>
-            <ac:spMk id="6" creationId="{3F897A2F-9937-927F-795B-AEA2A256451D}"/>
-          </ac:spMkLst>
-        </pc:spChg>
       </pc:sldChg>
       <pc:sldChg chg="addSp delSp modSp add del mod ord modClrScheme chgLayout">
         <pc:chgData name="Mohammed Fasha" userId="cc64f42d-a1a6-4f08-b97b-0c37f877119f" providerId="ADAL" clId="{E5645173-9704-44B4-82F5-EF2938BAEEFE}" dt="2025-04-19T14:36:11.233" v="1423" actId="47"/>
@@ -2211,30 +2208,6 @@
           <pc:docMk/>
           <pc:sldMk cId="0" sldId="326"/>
         </pc:sldMkLst>
-        <pc:spChg chg="mod ord">
-          <ac:chgData name="Mohammed Fasha" userId="cc64f42d-a1a6-4f08-b97b-0c37f877119f" providerId="ADAL" clId="{E5645173-9704-44B4-82F5-EF2938BAEEFE}" dt="2025-04-19T14:35:57.186" v="1420" actId="700"/>
-          <ac:spMkLst>
-            <pc:docMk/>
-            <pc:sldMk cId="0" sldId="326"/>
-            <ac:spMk id="6" creationId="{00000000-0000-0000-0000-000000000000}"/>
-          </ac:spMkLst>
-        </pc:spChg>
-        <pc:spChg chg="add del mod ord">
-          <ac:chgData name="Mohammed Fasha" userId="cc64f42d-a1a6-4f08-b97b-0c37f877119f" providerId="ADAL" clId="{E5645173-9704-44B4-82F5-EF2938BAEEFE}" dt="2025-04-19T14:35:57.186" v="1420" actId="700"/>
-          <ac:spMkLst>
-            <pc:docMk/>
-            <pc:sldMk cId="0" sldId="326"/>
-            <ac:spMk id="7" creationId="{709B5EBF-FBE4-281D-598D-6CEFA3D412F6}"/>
-          </ac:spMkLst>
-        </pc:spChg>
-        <pc:spChg chg="add mod ord">
-          <ac:chgData name="Mohammed Fasha" userId="cc64f42d-a1a6-4f08-b97b-0c37f877119f" providerId="ADAL" clId="{E5645173-9704-44B4-82F5-EF2938BAEEFE}" dt="2025-04-19T14:35:57.186" v="1420" actId="700"/>
-          <ac:spMkLst>
-            <pc:docMk/>
-            <pc:sldMk cId="0" sldId="326"/>
-            <ac:spMk id="8" creationId="{501794E6-3010-685E-7153-50F64DA0C7E5}"/>
-          </ac:spMkLst>
-        </pc:spChg>
       </pc:sldChg>
       <pc:sldChg chg="addSp delSp modSp add del mod ord modClrScheme chgLayout">
         <pc:chgData name="Mohammed Fasha" userId="cc64f42d-a1a6-4f08-b97b-0c37f877119f" providerId="ADAL" clId="{E5645173-9704-44B4-82F5-EF2938BAEEFE}" dt="2025-04-20T04:08:50.553" v="1833" actId="2696"/>
@@ -2242,22 +2215,6 @@
           <pc:docMk/>
           <pc:sldMk cId="0" sldId="327"/>
         </pc:sldMkLst>
-        <pc:spChg chg="mod ord">
-          <ac:chgData name="Mohammed Fasha" userId="cc64f42d-a1a6-4f08-b97b-0c37f877119f" providerId="ADAL" clId="{E5645173-9704-44B4-82F5-EF2938BAEEFE}" dt="2025-04-19T14:36:22.194" v="1426" actId="700"/>
-          <ac:spMkLst>
-            <pc:docMk/>
-            <pc:sldMk cId="0" sldId="327"/>
-            <ac:spMk id="2" creationId="{00000000-0000-0000-0000-000000000000}"/>
-          </ac:spMkLst>
-        </pc:spChg>
-        <pc:spChg chg="add del mod ord">
-          <ac:chgData name="Mohammed Fasha" userId="cc64f42d-a1a6-4f08-b97b-0c37f877119f" providerId="ADAL" clId="{E5645173-9704-44B4-82F5-EF2938BAEEFE}" dt="2025-04-19T14:36:22.194" v="1426" actId="700"/>
-          <ac:spMkLst>
-            <pc:docMk/>
-            <pc:sldMk cId="0" sldId="327"/>
-            <ac:spMk id="6" creationId="{2A0A7EAF-ABFC-6FA9-0114-77F1FD6043AB}"/>
-          </ac:spMkLst>
-        </pc:spChg>
       </pc:sldChg>
       <pc:sldChg chg="addSp delSp modSp add del mod ord chgLayout">
         <pc:chgData name="Mohammed Fasha" userId="cc64f42d-a1a6-4f08-b97b-0c37f877119f" providerId="ADAL" clId="{E5645173-9704-44B4-82F5-EF2938BAEEFE}" dt="2025-04-20T04:08:50.553" v="1833" actId="2696"/>
@@ -2265,30 +2222,6 @@
           <pc:docMk/>
           <pc:sldMk cId="0" sldId="328"/>
         </pc:sldMkLst>
-        <pc:spChg chg="del mod">
-          <ac:chgData name="Mohammed Fasha" userId="cc64f42d-a1a6-4f08-b97b-0c37f877119f" providerId="ADAL" clId="{E5645173-9704-44B4-82F5-EF2938BAEEFE}" dt="2025-04-19T14:36:29.489" v="1430"/>
-          <ac:spMkLst>
-            <pc:docMk/>
-            <pc:sldMk cId="0" sldId="328"/>
-            <ac:spMk id="2" creationId="{00000000-0000-0000-0000-000000000000}"/>
-          </ac:spMkLst>
-        </pc:spChg>
-        <pc:spChg chg="mod ord">
-          <ac:chgData name="Mohammed Fasha" userId="cc64f42d-a1a6-4f08-b97b-0c37f877119f" providerId="ADAL" clId="{E5645173-9704-44B4-82F5-EF2938BAEEFE}" dt="2025-04-19T12:14:55.922" v="1054" actId="700"/>
-          <ac:spMkLst>
-            <pc:docMk/>
-            <pc:sldMk cId="0" sldId="328"/>
-            <ac:spMk id="3" creationId="{00000000-0000-0000-0000-000000000000}"/>
-          </ac:spMkLst>
-        </pc:spChg>
-        <pc:spChg chg="add mod ord">
-          <ac:chgData name="Mohammed Fasha" userId="cc64f42d-a1a6-4f08-b97b-0c37f877119f" providerId="ADAL" clId="{E5645173-9704-44B4-82F5-EF2938BAEEFE}" dt="2025-04-19T14:36:28.183" v="1428"/>
-          <ac:spMkLst>
-            <pc:docMk/>
-            <pc:sldMk cId="0" sldId="328"/>
-            <ac:spMk id="5" creationId="{2A667283-7A18-9329-3368-E419253899C5}"/>
-          </ac:spMkLst>
-        </pc:spChg>
       </pc:sldChg>
       <pc:sldChg chg="addSp delSp modSp add del mod ord chgLayout">
         <pc:chgData name="Mohammed Fasha" userId="cc64f42d-a1a6-4f08-b97b-0c37f877119f" providerId="ADAL" clId="{E5645173-9704-44B4-82F5-EF2938BAEEFE}" dt="2025-04-20T04:08:50.553" v="1833" actId="2696"/>
@@ -2296,30 +2229,6 @@
           <pc:docMk/>
           <pc:sldMk cId="0" sldId="329"/>
         </pc:sldMkLst>
-        <pc:spChg chg="del mod">
-          <ac:chgData name="Mohammed Fasha" userId="cc64f42d-a1a6-4f08-b97b-0c37f877119f" providerId="ADAL" clId="{E5645173-9704-44B4-82F5-EF2938BAEEFE}" dt="2025-04-19T14:36:38.759" v="1438"/>
-          <ac:spMkLst>
-            <pc:docMk/>
-            <pc:sldMk cId="0" sldId="329"/>
-            <ac:spMk id="2" creationId="{00000000-0000-0000-0000-000000000000}"/>
-          </ac:spMkLst>
-        </pc:spChg>
-        <pc:spChg chg="mod ord">
-          <ac:chgData name="Mohammed Fasha" userId="cc64f42d-a1a6-4f08-b97b-0c37f877119f" providerId="ADAL" clId="{E5645173-9704-44B4-82F5-EF2938BAEEFE}" dt="2025-04-19T12:14:55.922" v="1054" actId="700"/>
-          <ac:spMkLst>
-            <pc:docMk/>
-            <pc:sldMk cId="0" sldId="329"/>
-            <ac:spMk id="3" creationId="{00000000-0000-0000-0000-000000000000}"/>
-          </ac:spMkLst>
-        </pc:spChg>
-        <pc:spChg chg="add mod ord">
-          <ac:chgData name="Mohammed Fasha" userId="cc64f42d-a1a6-4f08-b97b-0c37f877119f" providerId="ADAL" clId="{E5645173-9704-44B4-82F5-EF2938BAEEFE}" dt="2025-04-19T14:36:36.936" v="1436" actId="20577"/>
-          <ac:spMkLst>
-            <pc:docMk/>
-            <pc:sldMk cId="0" sldId="329"/>
-            <ac:spMk id="5" creationId="{BEFB5E0D-93F3-AAD2-02A2-021FD28951E1}"/>
-          </ac:spMkLst>
-        </pc:spChg>
       </pc:sldChg>
       <pc:sldChg chg="addSp delSp modSp add del mod ord modClrScheme chgLayout">
         <pc:chgData name="Mohammed Fasha" userId="cc64f42d-a1a6-4f08-b97b-0c37f877119f" providerId="ADAL" clId="{E5645173-9704-44B4-82F5-EF2938BAEEFE}" dt="2025-04-20T04:08:50.553" v="1833" actId="2696"/>
@@ -2327,22 +2236,6 @@
           <pc:docMk/>
           <pc:sldMk cId="0" sldId="330"/>
         </pc:sldMkLst>
-        <pc:spChg chg="mod ord">
-          <ac:chgData name="Mohammed Fasha" userId="cc64f42d-a1a6-4f08-b97b-0c37f877119f" providerId="ADAL" clId="{E5645173-9704-44B4-82F5-EF2938BAEEFE}" dt="2025-04-19T14:36:44.420" v="1439" actId="700"/>
-          <ac:spMkLst>
-            <pc:docMk/>
-            <pc:sldMk cId="0" sldId="330"/>
-            <ac:spMk id="2" creationId="{00000000-0000-0000-0000-000000000000}"/>
-          </ac:spMkLst>
-        </pc:spChg>
-        <pc:spChg chg="add del mod ord">
-          <ac:chgData name="Mohammed Fasha" userId="cc64f42d-a1a6-4f08-b97b-0c37f877119f" providerId="ADAL" clId="{E5645173-9704-44B4-82F5-EF2938BAEEFE}" dt="2025-04-19T14:36:44.420" v="1439" actId="700"/>
-          <ac:spMkLst>
-            <pc:docMk/>
-            <pc:sldMk cId="0" sldId="330"/>
-            <ac:spMk id="4" creationId="{7E3639FF-944C-40EB-5B72-190673CE5BB3}"/>
-          </ac:spMkLst>
-        </pc:spChg>
       </pc:sldChg>
       <pc:sldChg chg="addSp delSp modSp add del mod ord modClrScheme chgLayout">
         <pc:chgData name="Mohammed Fasha" userId="cc64f42d-a1a6-4f08-b97b-0c37f877119f" providerId="ADAL" clId="{E5645173-9704-44B4-82F5-EF2938BAEEFE}" dt="2025-04-20T04:08:50.553" v="1833" actId="2696"/>
@@ -2350,22 +2243,6 @@
           <pc:docMk/>
           <pc:sldMk cId="0" sldId="331"/>
         </pc:sldMkLst>
-        <pc:spChg chg="mod ord">
-          <ac:chgData name="Mohammed Fasha" userId="cc64f42d-a1a6-4f08-b97b-0c37f877119f" providerId="ADAL" clId="{E5645173-9704-44B4-82F5-EF2938BAEEFE}" dt="2025-04-19T14:36:44.420" v="1439" actId="700"/>
-          <ac:spMkLst>
-            <pc:docMk/>
-            <pc:sldMk cId="0" sldId="331"/>
-            <ac:spMk id="2" creationId="{00000000-0000-0000-0000-000000000000}"/>
-          </ac:spMkLst>
-        </pc:spChg>
-        <pc:spChg chg="add del mod ord">
-          <ac:chgData name="Mohammed Fasha" userId="cc64f42d-a1a6-4f08-b97b-0c37f877119f" providerId="ADAL" clId="{E5645173-9704-44B4-82F5-EF2938BAEEFE}" dt="2025-04-19T14:36:44.420" v="1439" actId="700"/>
-          <ac:spMkLst>
-            <pc:docMk/>
-            <pc:sldMk cId="0" sldId="331"/>
-            <ac:spMk id="7" creationId="{34153709-2126-E215-E5C5-D4C695F087E0}"/>
-          </ac:spMkLst>
-        </pc:spChg>
       </pc:sldChg>
       <pc:sldChg chg="addSp delSp modSp add del mod ord modClrScheme chgLayout">
         <pc:chgData name="Mohammed Fasha" userId="cc64f42d-a1a6-4f08-b97b-0c37f877119f" providerId="ADAL" clId="{E5645173-9704-44B4-82F5-EF2938BAEEFE}" dt="2025-04-20T04:08:50.553" v="1833" actId="2696"/>
@@ -2373,22 +2250,6 @@
           <pc:docMk/>
           <pc:sldMk cId="0" sldId="332"/>
         </pc:sldMkLst>
-        <pc:spChg chg="mod ord">
-          <ac:chgData name="Mohammed Fasha" userId="cc64f42d-a1a6-4f08-b97b-0c37f877119f" providerId="ADAL" clId="{E5645173-9704-44B4-82F5-EF2938BAEEFE}" dt="2025-04-19T14:36:44.420" v="1439" actId="700"/>
-          <ac:spMkLst>
-            <pc:docMk/>
-            <pc:sldMk cId="0" sldId="332"/>
-            <ac:spMk id="2" creationId="{00000000-0000-0000-0000-000000000000}"/>
-          </ac:spMkLst>
-        </pc:spChg>
-        <pc:spChg chg="add del mod ord">
-          <ac:chgData name="Mohammed Fasha" userId="cc64f42d-a1a6-4f08-b97b-0c37f877119f" providerId="ADAL" clId="{E5645173-9704-44B4-82F5-EF2938BAEEFE}" dt="2025-04-19T14:36:44.420" v="1439" actId="700"/>
-          <ac:spMkLst>
-            <pc:docMk/>
-            <pc:sldMk cId="0" sldId="332"/>
-            <ac:spMk id="5" creationId="{8B1812EE-102F-32DC-6159-73C23E3E7B85}"/>
-          </ac:spMkLst>
-        </pc:spChg>
       </pc:sldChg>
       <pc:sldChg chg="addSp delSp modSp add del mod ord modClrScheme chgLayout">
         <pc:chgData name="Mohammed Fasha" userId="cc64f42d-a1a6-4f08-b97b-0c37f877119f" providerId="ADAL" clId="{E5645173-9704-44B4-82F5-EF2938BAEEFE}" dt="2025-04-20T04:08:50.553" v="1833" actId="2696"/>
@@ -2396,22 +2257,6 @@
           <pc:docMk/>
           <pc:sldMk cId="0" sldId="333"/>
         </pc:sldMkLst>
-        <pc:spChg chg="mod ord">
-          <ac:chgData name="Mohammed Fasha" userId="cc64f42d-a1a6-4f08-b97b-0c37f877119f" providerId="ADAL" clId="{E5645173-9704-44B4-82F5-EF2938BAEEFE}" dt="2025-04-19T14:36:44.420" v="1439" actId="700"/>
-          <ac:spMkLst>
-            <pc:docMk/>
-            <pc:sldMk cId="0" sldId="333"/>
-            <ac:spMk id="2" creationId="{00000000-0000-0000-0000-000000000000}"/>
-          </ac:spMkLst>
-        </pc:spChg>
-        <pc:spChg chg="add del mod ord">
-          <ac:chgData name="Mohammed Fasha" userId="cc64f42d-a1a6-4f08-b97b-0c37f877119f" providerId="ADAL" clId="{E5645173-9704-44B4-82F5-EF2938BAEEFE}" dt="2025-04-19T14:36:44.420" v="1439" actId="700"/>
-          <ac:spMkLst>
-            <pc:docMk/>
-            <pc:sldMk cId="0" sldId="333"/>
-            <ac:spMk id="6" creationId="{73A6D493-7A7B-6770-D3C4-76B21395F901}"/>
-          </ac:spMkLst>
-        </pc:spChg>
       </pc:sldChg>
       <pc:sldChg chg="addSp modSp add del mod ord modClrScheme chgLayout">
         <pc:chgData name="Mohammed Fasha" userId="cc64f42d-a1a6-4f08-b97b-0c37f877119f" providerId="ADAL" clId="{E5645173-9704-44B4-82F5-EF2938BAEEFE}" dt="2025-04-19T14:36:57.294" v="1443" actId="47"/>
@@ -2419,22 +2264,6 @@
           <pc:docMk/>
           <pc:sldMk cId="0" sldId="334"/>
         </pc:sldMkLst>
-        <pc:spChg chg="mod ord">
-          <ac:chgData name="Mohammed Fasha" userId="cc64f42d-a1a6-4f08-b97b-0c37f877119f" providerId="ADAL" clId="{E5645173-9704-44B4-82F5-EF2938BAEEFE}" dt="2025-04-19T14:36:55.700" v="1442" actId="21"/>
-          <ac:spMkLst>
-            <pc:docMk/>
-            <pc:sldMk cId="0" sldId="334"/>
-            <ac:spMk id="6" creationId="{00000000-0000-0000-0000-000000000000}"/>
-          </ac:spMkLst>
-        </pc:spChg>
-        <pc:spChg chg="add mod ord">
-          <ac:chgData name="Mohammed Fasha" userId="cc64f42d-a1a6-4f08-b97b-0c37f877119f" providerId="ADAL" clId="{E5645173-9704-44B4-82F5-EF2938BAEEFE}" dt="2025-04-19T12:14:55.922" v="1054" actId="700"/>
-          <ac:spMkLst>
-            <pc:docMk/>
-            <pc:sldMk cId="0" sldId="334"/>
-            <ac:spMk id="7" creationId="{7F122D39-047C-0DF6-CA3A-6D398C0B77AD}"/>
-          </ac:spMkLst>
-        </pc:spChg>
       </pc:sldChg>
       <pc:sldChg chg="addSp delSp modSp add del mod ord chgLayout">
         <pc:chgData name="Mohammed Fasha" userId="cc64f42d-a1a6-4f08-b97b-0c37f877119f" providerId="ADAL" clId="{E5645173-9704-44B4-82F5-EF2938BAEEFE}" dt="2025-04-20T04:08:50.553" v="1833" actId="2696"/>
@@ -2442,30 +2271,6 @@
           <pc:docMk/>
           <pc:sldMk cId="0" sldId="335"/>
         </pc:sldMkLst>
-        <pc:spChg chg="del mod">
-          <ac:chgData name="Mohammed Fasha" userId="cc64f42d-a1a6-4f08-b97b-0c37f877119f" providerId="ADAL" clId="{E5645173-9704-44B4-82F5-EF2938BAEEFE}" dt="2025-04-19T14:37:16.873" v="1450"/>
-          <ac:spMkLst>
-            <pc:docMk/>
-            <pc:sldMk cId="0" sldId="335"/>
-            <ac:spMk id="2" creationId="{00000000-0000-0000-0000-000000000000}"/>
-          </ac:spMkLst>
-        </pc:spChg>
-        <pc:spChg chg="mod ord">
-          <ac:chgData name="Mohammed Fasha" userId="cc64f42d-a1a6-4f08-b97b-0c37f877119f" providerId="ADAL" clId="{E5645173-9704-44B4-82F5-EF2938BAEEFE}" dt="2025-04-19T12:14:55.922" v="1054" actId="700"/>
-          <ac:spMkLst>
-            <pc:docMk/>
-            <pc:sldMk cId="0" sldId="335"/>
-            <ac:spMk id="3" creationId="{00000000-0000-0000-0000-000000000000}"/>
-          </ac:spMkLst>
-        </pc:spChg>
-        <pc:spChg chg="add mod ord">
-          <ac:chgData name="Mohammed Fasha" userId="cc64f42d-a1a6-4f08-b97b-0c37f877119f" providerId="ADAL" clId="{E5645173-9704-44B4-82F5-EF2938BAEEFE}" dt="2025-04-19T14:37:13.734" v="1448" actId="14100"/>
-          <ac:spMkLst>
-            <pc:docMk/>
-            <pc:sldMk cId="0" sldId="335"/>
-            <ac:spMk id="6" creationId="{3D283758-37F7-C6EA-8292-4E19F6C9F1FA}"/>
-          </ac:spMkLst>
-        </pc:spChg>
       </pc:sldChg>
       <pc:sldChg chg="addSp delSp modSp add del mod ord chgLayout">
         <pc:chgData name="Mohammed Fasha" userId="cc64f42d-a1a6-4f08-b97b-0c37f877119f" providerId="ADAL" clId="{E5645173-9704-44B4-82F5-EF2938BAEEFE}" dt="2025-04-20T04:08:50.553" v="1833" actId="2696"/>
@@ -2473,30 +2278,6 @@
           <pc:docMk/>
           <pc:sldMk cId="0" sldId="336"/>
         </pc:sldMkLst>
-        <pc:spChg chg="del mod">
-          <ac:chgData name="Mohammed Fasha" userId="cc64f42d-a1a6-4f08-b97b-0c37f877119f" providerId="ADAL" clId="{E5645173-9704-44B4-82F5-EF2938BAEEFE}" dt="2025-04-19T14:37:35.340" v="1459"/>
-          <ac:spMkLst>
-            <pc:docMk/>
-            <pc:sldMk cId="0" sldId="336"/>
-            <ac:spMk id="2" creationId="{00000000-0000-0000-0000-000000000000}"/>
-          </ac:spMkLst>
-        </pc:spChg>
-        <pc:spChg chg="mod ord">
-          <ac:chgData name="Mohammed Fasha" userId="cc64f42d-a1a6-4f08-b97b-0c37f877119f" providerId="ADAL" clId="{E5645173-9704-44B4-82F5-EF2938BAEEFE}" dt="2025-04-19T12:14:55.922" v="1054" actId="700"/>
-          <ac:spMkLst>
-            <pc:docMk/>
-            <pc:sldMk cId="0" sldId="336"/>
-            <ac:spMk id="3" creationId="{00000000-0000-0000-0000-000000000000}"/>
-          </ac:spMkLst>
-        </pc:spChg>
-        <pc:spChg chg="add mod ord">
-          <ac:chgData name="Mohammed Fasha" userId="cc64f42d-a1a6-4f08-b97b-0c37f877119f" providerId="ADAL" clId="{E5645173-9704-44B4-82F5-EF2938BAEEFE}" dt="2025-04-19T14:37:33.863" v="1457"/>
-          <ac:spMkLst>
-            <pc:docMk/>
-            <pc:sldMk cId="0" sldId="336"/>
-            <ac:spMk id="6" creationId="{64B0948E-8340-16FC-F6EB-8EDF753286C6}"/>
-          </ac:spMkLst>
-        </pc:spChg>
       </pc:sldChg>
       <pc:sldChg chg="addSp modSp add del mod ord chgLayout">
         <pc:chgData name="Mohammed Fasha" userId="cc64f42d-a1a6-4f08-b97b-0c37f877119f" providerId="ADAL" clId="{E5645173-9704-44B4-82F5-EF2938BAEEFE}" dt="2025-04-20T04:08:50.553" v="1833" actId="2696"/>
@@ -2504,22 +2285,6 @@
           <pc:docMk/>
           <pc:sldMk cId="0" sldId="337"/>
         </pc:sldMkLst>
-        <pc:spChg chg="mod ord">
-          <ac:chgData name="Mohammed Fasha" userId="cc64f42d-a1a6-4f08-b97b-0c37f877119f" providerId="ADAL" clId="{E5645173-9704-44B4-82F5-EF2938BAEEFE}" dt="2025-04-19T12:14:55.922" v="1054" actId="700"/>
-          <ac:spMkLst>
-            <pc:docMk/>
-            <pc:sldMk cId="0" sldId="337"/>
-            <ac:spMk id="3" creationId="{00000000-0000-0000-0000-000000000000}"/>
-          </ac:spMkLst>
-        </pc:spChg>
-        <pc:spChg chg="add mod ord">
-          <ac:chgData name="Mohammed Fasha" userId="cc64f42d-a1a6-4f08-b97b-0c37f877119f" providerId="ADAL" clId="{E5645173-9704-44B4-82F5-EF2938BAEEFE}" dt="2025-04-19T12:14:55.922" v="1054" actId="700"/>
-          <ac:spMkLst>
-            <pc:docMk/>
-            <pc:sldMk cId="0" sldId="337"/>
-            <ac:spMk id="4" creationId="{7C919F9B-D5D2-0BEB-CDB0-9A82EC44F774}"/>
-          </ac:spMkLst>
-        </pc:spChg>
       </pc:sldChg>
       <pc:sldChg chg="addSp delSp modSp add del mod ord chgLayout">
         <pc:chgData name="Mohammed Fasha" userId="cc64f42d-a1a6-4f08-b97b-0c37f877119f" providerId="ADAL" clId="{E5645173-9704-44B4-82F5-EF2938BAEEFE}" dt="2025-04-20T04:08:50.553" v="1833" actId="2696"/>
@@ -2527,30 +2292,6 @@
           <pc:docMk/>
           <pc:sldMk cId="0" sldId="338"/>
         </pc:sldMkLst>
-        <pc:spChg chg="del mod">
-          <ac:chgData name="Mohammed Fasha" userId="cc64f42d-a1a6-4f08-b97b-0c37f877119f" providerId="ADAL" clId="{E5645173-9704-44B4-82F5-EF2938BAEEFE}" dt="2025-04-19T14:37:29.249" v="1455"/>
-          <ac:spMkLst>
-            <pc:docMk/>
-            <pc:sldMk cId="0" sldId="338"/>
-            <ac:spMk id="2" creationId="{00000000-0000-0000-0000-000000000000}"/>
-          </ac:spMkLst>
-        </pc:spChg>
-        <pc:spChg chg="mod ord">
-          <ac:chgData name="Mohammed Fasha" userId="cc64f42d-a1a6-4f08-b97b-0c37f877119f" providerId="ADAL" clId="{E5645173-9704-44B4-82F5-EF2938BAEEFE}" dt="2025-04-19T12:14:55.922" v="1054" actId="700"/>
-          <ac:spMkLst>
-            <pc:docMk/>
-            <pc:sldMk cId="0" sldId="338"/>
-            <ac:spMk id="3" creationId="{00000000-0000-0000-0000-000000000000}"/>
-          </ac:spMkLst>
-        </pc:spChg>
-        <pc:spChg chg="add mod ord">
-          <ac:chgData name="Mohammed Fasha" userId="cc64f42d-a1a6-4f08-b97b-0c37f877119f" providerId="ADAL" clId="{E5645173-9704-44B4-82F5-EF2938BAEEFE}" dt="2025-04-19T14:37:28.465" v="1453"/>
-          <ac:spMkLst>
-            <pc:docMk/>
-            <pc:sldMk cId="0" sldId="338"/>
-            <ac:spMk id="6" creationId="{398B70B3-1B37-7EB2-5DAB-FA1E316F7D4A}"/>
-          </ac:spMkLst>
-        </pc:spChg>
       </pc:sldChg>
       <pc:sldChg chg="addSp delSp modSp add del mod ord modClrScheme chgLayout">
         <pc:chgData name="Mohammed Fasha" userId="cc64f42d-a1a6-4f08-b97b-0c37f877119f" providerId="ADAL" clId="{E5645173-9704-44B4-82F5-EF2938BAEEFE}" dt="2025-04-20T04:08:50.553" v="1833" actId="2696"/>
@@ -2558,22 +2299,6 @@
           <pc:docMk/>
           <pc:sldMk cId="0" sldId="339"/>
         </pc:sldMkLst>
-        <pc:spChg chg="mod ord">
-          <ac:chgData name="Mohammed Fasha" userId="cc64f42d-a1a6-4f08-b97b-0c37f877119f" providerId="ADAL" clId="{E5645173-9704-44B4-82F5-EF2938BAEEFE}" dt="2025-04-19T14:37:23.024" v="1451" actId="700"/>
-          <ac:spMkLst>
-            <pc:docMk/>
-            <pc:sldMk cId="0" sldId="339"/>
-            <ac:spMk id="2" creationId="{00000000-0000-0000-0000-000000000000}"/>
-          </ac:spMkLst>
-        </pc:spChg>
-        <pc:spChg chg="add del mod ord">
-          <ac:chgData name="Mohammed Fasha" userId="cc64f42d-a1a6-4f08-b97b-0c37f877119f" providerId="ADAL" clId="{E5645173-9704-44B4-82F5-EF2938BAEEFE}" dt="2025-04-19T14:37:23.024" v="1451" actId="700"/>
-          <ac:spMkLst>
-            <pc:docMk/>
-            <pc:sldMk cId="0" sldId="339"/>
-            <ac:spMk id="9" creationId="{0F78D15A-CB0E-7CFA-332B-25B1CDBB15BB}"/>
-          </ac:spMkLst>
-        </pc:spChg>
       </pc:sldChg>
       <pc:sldChg chg="addSp delSp modSp add del mod ord modClrScheme chgLayout">
         <pc:chgData name="Mohammed Fasha" userId="cc64f42d-a1a6-4f08-b97b-0c37f877119f" providerId="ADAL" clId="{E5645173-9704-44B4-82F5-EF2938BAEEFE}" dt="2025-04-20T04:08:50.553" v="1833" actId="2696"/>
@@ -2581,22 +2306,6 @@
           <pc:docMk/>
           <pc:sldMk cId="0" sldId="340"/>
         </pc:sldMkLst>
-        <pc:spChg chg="mod ord">
-          <ac:chgData name="Mohammed Fasha" userId="cc64f42d-a1a6-4f08-b97b-0c37f877119f" providerId="ADAL" clId="{E5645173-9704-44B4-82F5-EF2938BAEEFE}" dt="2025-04-19T14:37:41.225" v="1460" actId="700"/>
-          <ac:spMkLst>
-            <pc:docMk/>
-            <pc:sldMk cId="0" sldId="340"/>
-            <ac:spMk id="2" creationId="{00000000-0000-0000-0000-000000000000}"/>
-          </ac:spMkLst>
-        </pc:spChg>
-        <pc:spChg chg="add del mod ord">
-          <ac:chgData name="Mohammed Fasha" userId="cc64f42d-a1a6-4f08-b97b-0c37f877119f" providerId="ADAL" clId="{E5645173-9704-44B4-82F5-EF2938BAEEFE}" dt="2025-04-19T14:37:41.225" v="1460" actId="700"/>
-          <ac:spMkLst>
-            <pc:docMk/>
-            <pc:sldMk cId="0" sldId="340"/>
-            <ac:spMk id="5" creationId="{199C827B-A8ED-213E-0463-BA8F8228433B}"/>
-          </ac:spMkLst>
-        </pc:spChg>
       </pc:sldChg>
       <pc:sldChg chg="addSp modSp add del mod ord modClrScheme chgLayout">
         <pc:chgData name="Mohammed Fasha" userId="cc64f42d-a1a6-4f08-b97b-0c37f877119f" providerId="ADAL" clId="{E5645173-9704-44B4-82F5-EF2938BAEEFE}" dt="2025-04-20T04:08:50.553" v="1833" actId="2696"/>
@@ -2604,22 +2313,6 @@
           <pc:docMk/>
           <pc:sldMk cId="0" sldId="341"/>
         </pc:sldMkLst>
-        <pc:spChg chg="mod ord">
-          <ac:chgData name="Mohammed Fasha" userId="cc64f42d-a1a6-4f08-b97b-0c37f877119f" providerId="ADAL" clId="{E5645173-9704-44B4-82F5-EF2938BAEEFE}" dt="2025-04-19T12:14:55.922" v="1054" actId="700"/>
-          <ac:spMkLst>
-            <pc:docMk/>
-            <pc:sldMk cId="0" sldId="341"/>
-            <ac:spMk id="2" creationId="{00000000-0000-0000-0000-000000000000}"/>
-          </ac:spMkLst>
-        </pc:spChg>
-        <pc:spChg chg="add mod ord">
-          <ac:chgData name="Mohammed Fasha" userId="cc64f42d-a1a6-4f08-b97b-0c37f877119f" providerId="ADAL" clId="{E5645173-9704-44B4-82F5-EF2938BAEEFE}" dt="2025-04-19T12:14:55.922" v="1054" actId="700"/>
-          <ac:spMkLst>
-            <pc:docMk/>
-            <pc:sldMk cId="0" sldId="341"/>
-            <ac:spMk id="6" creationId="{01F3F5D1-8BF1-B535-9C0F-6E026BD868CA}"/>
-          </ac:spMkLst>
-        </pc:spChg>
       </pc:sldChg>
       <pc:sldChg chg="addSp delSp modSp add del mod ord modClrScheme chgLayout">
         <pc:chgData name="Mohammed Fasha" userId="cc64f42d-a1a6-4f08-b97b-0c37f877119f" providerId="ADAL" clId="{E5645173-9704-44B4-82F5-EF2938BAEEFE}" dt="2025-04-20T04:08:50.553" v="1833" actId="2696"/>
@@ -2627,22 +2320,6 @@
           <pc:docMk/>
           <pc:sldMk cId="0" sldId="342"/>
         </pc:sldMkLst>
-        <pc:spChg chg="mod ord">
-          <ac:chgData name="Mohammed Fasha" userId="cc64f42d-a1a6-4f08-b97b-0c37f877119f" providerId="ADAL" clId="{E5645173-9704-44B4-82F5-EF2938BAEEFE}" dt="2025-04-19T14:37:45.078" v="1461" actId="700"/>
-          <ac:spMkLst>
-            <pc:docMk/>
-            <pc:sldMk cId="0" sldId="342"/>
-            <ac:spMk id="2" creationId="{00000000-0000-0000-0000-000000000000}"/>
-          </ac:spMkLst>
-        </pc:spChg>
-        <pc:spChg chg="add del mod ord">
-          <ac:chgData name="Mohammed Fasha" userId="cc64f42d-a1a6-4f08-b97b-0c37f877119f" providerId="ADAL" clId="{E5645173-9704-44B4-82F5-EF2938BAEEFE}" dt="2025-04-19T14:37:45.078" v="1461" actId="700"/>
-          <ac:spMkLst>
-            <pc:docMk/>
-            <pc:sldMk cId="0" sldId="342"/>
-            <ac:spMk id="6" creationId="{2743CAFA-84C1-FED3-E218-EF5D6203F42C}"/>
-          </ac:spMkLst>
-        </pc:spChg>
       </pc:sldChg>
       <pc:sldChg chg="addSp delSp modSp add del mod ord chgLayout">
         <pc:chgData name="Mohammed Fasha" userId="cc64f42d-a1a6-4f08-b97b-0c37f877119f" providerId="ADAL" clId="{E5645173-9704-44B4-82F5-EF2938BAEEFE}" dt="2025-04-20T04:08:50.553" v="1833" actId="2696"/>
@@ -2650,30 +2327,6 @@
           <pc:docMk/>
           <pc:sldMk cId="0" sldId="343"/>
         </pc:sldMkLst>
-        <pc:spChg chg="del mod">
-          <ac:chgData name="Mohammed Fasha" userId="cc64f42d-a1a6-4f08-b97b-0c37f877119f" providerId="ADAL" clId="{E5645173-9704-44B4-82F5-EF2938BAEEFE}" dt="2025-04-19T14:37:49.326" v="1465"/>
-          <ac:spMkLst>
-            <pc:docMk/>
-            <pc:sldMk cId="0" sldId="343"/>
-            <ac:spMk id="2" creationId="{00000000-0000-0000-0000-000000000000}"/>
-          </ac:spMkLst>
-        </pc:spChg>
-        <pc:spChg chg="mod ord">
-          <ac:chgData name="Mohammed Fasha" userId="cc64f42d-a1a6-4f08-b97b-0c37f877119f" providerId="ADAL" clId="{E5645173-9704-44B4-82F5-EF2938BAEEFE}" dt="2025-04-19T12:14:55.922" v="1054" actId="700"/>
-          <ac:spMkLst>
-            <pc:docMk/>
-            <pc:sldMk cId="0" sldId="343"/>
-            <ac:spMk id="3" creationId="{00000000-0000-0000-0000-000000000000}"/>
-          </ac:spMkLst>
-        </pc:spChg>
-        <pc:spChg chg="add mod ord">
-          <ac:chgData name="Mohammed Fasha" userId="cc64f42d-a1a6-4f08-b97b-0c37f877119f" providerId="ADAL" clId="{E5645173-9704-44B4-82F5-EF2938BAEEFE}" dt="2025-04-19T14:37:48.462" v="1463"/>
-          <ac:spMkLst>
-            <pc:docMk/>
-            <pc:sldMk cId="0" sldId="343"/>
-            <ac:spMk id="4" creationId="{1A34013C-7E45-E116-BFA1-011BBFDC1A7A}"/>
-          </ac:spMkLst>
-        </pc:spChg>
       </pc:sldChg>
       <pc:sldChg chg="addSp delSp modSp add del mod ord chgLayout">
         <pc:chgData name="Mohammed Fasha" userId="cc64f42d-a1a6-4f08-b97b-0c37f877119f" providerId="ADAL" clId="{E5645173-9704-44B4-82F5-EF2938BAEEFE}" dt="2025-04-20T04:08:50.553" v="1833" actId="2696"/>
@@ -2681,30 +2334,6 @@
           <pc:docMk/>
           <pc:sldMk cId="0" sldId="344"/>
         </pc:sldMkLst>
-        <pc:spChg chg="del mod">
-          <ac:chgData name="Mohammed Fasha" userId="cc64f42d-a1a6-4f08-b97b-0c37f877119f" providerId="ADAL" clId="{E5645173-9704-44B4-82F5-EF2938BAEEFE}" dt="2025-04-19T14:37:53.200" v="1469"/>
-          <ac:spMkLst>
-            <pc:docMk/>
-            <pc:sldMk cId="0" sldId="344"/>
-            <ac:spMk id="2" creationId="{00000000-0000-0000-0000-000000000000}"/>
-          </ac:spMkLst>
-        </pc:spChg>
-        <pc:spChg chg="mod ord">
-          <ac:chgData name="Mohammed Fasha" userId="cc64f42d-a1a6-4f08-b97b-0c37f877119f" providerId="ADAL" clId="{E5645173-9704-44B4-82F5-EF2938BAEEFE}" dt="2025-04-19T12:14:55.922" v="1054" actId="700"/>
-          <ac:spMkLst>
-            <pc:docMk/>
-            <pc:sldMk cId="0" sldId="344"/>
-            <ac:spMk id="3" creationId="{00000000-0000-0000-0000-000000000000}"/>
-          </ac:spMkLst>
-        </pc:spChg>
-        <pc:spChg chg="add mod ord">
-          <ac:chgData name="Mohammed Fasha" userId="cc64f42d-a1a6-4f08-b97b-0c37f877119f" providerId="ADAL" clId="{E5645173-9704-44B4-82F5-EF2938BAEEFE}" dt="2025-04-19T14:37:51.392" v="1467"/>
-          <ac:spMkLst>
-            <pc:docMk/>
-            <pc:sldMk cId="0" sldId="344"/>
-            <ac:spMk id="12" creationId="{5C3F97E0-C5FE-2D1D-90AD-57655A81B228}"/>
-          </ac:spMkLst>
-        </pc:spChg>
       </pc:sldChg>
       <pc:sldChg chg="addSp modSp add del mod ord modClrScheme chgLayout">
         <pc:chgData name="Mohammed Fasha" userId="cc64f42d-a1a6-4f08-b97b-0c37f877119f" providerId="ADAL" clId="{E5645173-9704-44B4-82F5-EF2938BAEEFE}" dt="2025-04-20T04:08:50.553" v="1833" actId="2696"/>
@@ -2712,22 +2341,6 @@
           <pc:docMk/>
           <pc:sldMk cId="0" sldId="345"/>
         </pc:sldMkLst>
-        <pc:spChg chg="mod ord">
-          <ac:chgData name="Mohammed Fasha" userId="cc64f42d-a1a6-4f08-b97b-0c37f877119f" providerId="ADAL" clId="{E5645173-9704-44B4-82F5-EF2938BAEEFE}" dt="2025-04-19T12:14:55.922" v="1054" actId="700"/>
-          <ac:spMkLst>
-            <pc:docMk/>
-            <pc:sldMk cId="0" sldId="345"/>
-            <ac:spMk id="6" creationId="{00000000-0000-0000-0000-000000000000}"/>
-          </ac:spMkLst>
-        </pc:spChg>
-        <pc:spChg chg="add mod ord">
-          <ac:chgData name="Mohammed Fasha" userId="cc64f42d-a1a6-4f08-b97b-0c37f877119f" providerId="ADAL" clId="{E5645173-9704-44B4-82F5-EF2938BAEEFE}" dt="2025-04-19T12:14:55.922" v="1054" actId="700"/>
-          <ac:spMkLst>
-            <pc:docMk/>
-            <pc:sldMk cId="0" sldId="345"/>
-            <ac:spMk id="7" creationId="{1E10C2A6-012E-9492-7322-C683641B6B02}"/>
-          </ac:spMkLst>
-        </pc:spChg>
       </pc:sldChg>
       <pc:sldChg chg="addSp modSp add del mod ord modClrScheme chgLayout">
         <pc:chgData name="Mohammed Fasha" userId="cc64f42d-a1a6-4f08-b97b-0c37f877119f" providerId="ADAL" clId="{E5645173-9704-44B4-82F5-EF2938BAEEFE}" dt="2025-04-20T04:08:50.553" v="1833" actId="2696"/>
@@ -2735,22 +2348,6 @@
           <pc:docMk/>
           <pc:sldMk cId="0" sldId="346"/>
         </pc:sldMkLst>
-        <pc:spChg chg="mod ord">
-          <ac:chgData name="Mohammed Fasha" userId="cc64f42d-a1a6-4f08-b97b-0c37f877119f" providerId="ADAL" clId="{E5645173-9704-44B4-82F5-EF2938BAEEFE}" dt="2025-04-19T12:14:55.922" v="1054" actId="700"/>
-          <ac:spMkLst>
-            <pc:docMk/>
-            <pc:sldMk cId="0" sldId="346"/>
-            <ac:spMk id="2" creationId="{00000000-0000-0000-0000-000000000000}"/>
-          </ac:spMkLst>
-        </pc:spChg>
-        <pc:spChg chg="add mod ord">
-          <ac:chgData name="Mohammed Fasha" userId="cc64f42d-a1a6-4f08-b97b-0c37f877119f" providerId="ADAL" clId="{E5645173-9704-44B4-82F5-EF2938BAEEFE}" dt="2025-04-19T12:14:55.922" v="1054" actId="700"/>
-          <ac:spMkLst>
-            <pc:docMk/>
-            <pc:sldMk cId="0" sldId="346"/>
-            <ac:spMk id="4" creationId="{A10D5080-CA7B-229A-2748-79AB0E8C5D69}"/>
-          </ac:spMkLst>
-        </pc:spChg>
       </pc:sldChg>
       <pc:sldChg chg="addSp modSp add del mod ord modClrScheme chgLayout">
         <pc:chgData name="Mohammed Fasha" userId="cc64f42d-a1a6-4f08-b97b-0c37f877119f" providerId="ADAL" clId="{E5645173-9704-44B4-82F5-EF2938BAEEFE}" dt="2025-04-20T04:08:50.553" v="1833" actId="2696"/>
@@ -2758,22 +2355,6 @@
           <pc:docMk/>
           <pc:sldMk cId="0" sldId="347"/>
         </pc:sldMkLst>
-        <pc:spChg chg="mod ord">
-          <ac:chgData name="Mohammed Fasha" userId="cc64f42d-a1a6-4f08-b97b-0c37f877119f" providerId="ADAL" clId="{E5645173-9704-44B4-82F5-EF2938BAEEFE}" dt="2025-04-19T12:14:55.922" v="1054" actId="700"/>
-          <ac:spMkLst>
-            <pc:docMk/>
-            <pc:sldMk cId="0" sldId="347"/>
-            <ac:spMk id="2" creationId="{00000000-0000-0000-0000-000000000000}"/>
-          </ac:spMkLst>
-        </pc:spChg>
-        <pc:spChg chg="add mod ord">
-          <ac:chgData name="Mohammed Fasha" userId="cc64f42d-a1a6-4f08-b97b-0c37f877119f" providerId="ADAL" clId="{E5645173-9704-44B4-82F5-EF2938BAEEFE}" dt="2025-04-19T12:14:55.922" v="1054" actId="700"/>
-          <ac:spMkLst>
-            <pc:docMk/>
-            <pc:sldMk cId="0" sldId="347"/>
-            <ac:spMk id="6" creationId="{0E7E5D2D-7C88-D111-8C67-C9949DCCD9C3}"/>
-          </ac:spMkLst>
-        </pc:spChg>
       </pc:sldChg>
       <pc:sldChg chg="addSp modSp add del mod ord modClrScheme chgLayout">
         <pc:chgData name="Mohammed Fasha" userId="cc64f42d-a1a6-4f08-b97b-0c37f877119f" providerId="ADAL" clId="{E5645173-9704-44B4-82F5-EF2938BAEEFE}" dt="2025-04-20T04:08:50.553" v="1833" actId="2696"/>
@@ -2781,22 +2362,6 @@
           <pc:docMk/>
           <pc:sldMk cId="0" sldId="348"/>
         </pc:sldMkLst>
-        <pc:spChg chg="mod ord">
-          <ac:chgData name="Mohammed Fasha" userId="cc64f42d-a1a6-4f08-b97b-0c37f877119f" providerId="ADAL" clId="{E5645173-9704-44B4-82F5-EF2938BAEEFE}" dt="2025-04-19T12:14:55.922" v="1054" actId="700"/>
-          <ac:spMkLst>
-            <pc:docMk/>
-            <pc:sldMk cId="0" sldId="348"/>
-            <ac:spMk id="2" creationId="{00000000-0000-0000-0000-000000000000}"/>
-          </ac:spMkLst>
-        </pc:spChg>
-        <pc:spChg chg="add mod ord">
-          <ac:chgData name="Mohammed Fasha" userId="cc64f42d-a1a6-4f08-b97b-0c37f877119f" providerId="ADAL" clId="{E5645173-9704-44B4-82F5-EF2938BAEEFE}" dt="2025-04-19T12:14:55.922" v="1054" actId="700"/>
-          <ac:spMkLst>
-            <pc:docMk/>
-            <pc:sldMk cId="0" sldId="348"/>
-            <ac:spMk id="5" creationId="{EF2E0410-B8CD-A98F-BF08-030D4F0E587C}"/>
-          </ac:spMkLst>
-        </pc:spChg>
       </pc:sldChg>
       <pc:sldChg chg="addSp modSp add del mod ord modClrScheme chgLayout">
         <pc:chgData name="Mohammed Fasha" userId="cc64f42d-a1a6-4f08-b97b-0c37f877119f" providerId="ADAL" clId="{E5645173-9704-44B4-82F5-EF2938BAEEFE}" dt="2025-04-20T04:08:50.553" v="1833" actId="2696"/>
@@ -2804,22 +2369,6 @@
           <pc:docMk/>
           <pc:sldMk cId="0" sldId="349"/>
         </pc:sldMkLst>
-        <pc:spChg chg="mod ord">
-          <ac:chgData name="Mohammed Fasha" userId="cc64f42d-a1a6-4f08-b97b-0c37f877119f" providerId="ADAL" clId="{E5645173-9704-44B4-82F5-EF2938BAEEFE}" dt="2025-04-19T12:14:55.922" v="1054" actId="700"/>
-          <ac:spMkLst>
-            <pc:docMk/>
-            <pc:sldMk cId="0" sldId="349"/>
-            <ac:spMk id="2" creationId="{00000000-0000-0000-0000-000000000000}"/>
-          </ac:spMkLst>
-        </pc:spChg>
-        <pc:spChg chg="add mod ord">
-          <ac:chgData name="Mohammed Fasha" userId="cc64f42d-a1a6-4f08-b97b-0c37f877119f" providerId="ADAL" clId="{E5645173-9704-44B4-82F5-EF2938BAEEFE}" dt="2025-04-19T12:14:55.922" v="1054" actId="700"/>
-          <ac:spMkLst>
-            <pc:docMk/>
-            <pc:sldMk cId="0" sldId="349"/>
-            <ac:spMk id="5" creationId="{A771495C-82F4-F19F-EB60-DB1195D244DF}"/>
-          </ac:spMkLst>
-        </pc:spChg>
       </pc:sldChg>
       <pc:sldChg chg="addSp modSp add del mod ord modClrScheme chgLayout">
         <pc:chgData name="Mohammed Fasha" userId="cc64f42d-a1a6-4f08-b97b-0c37f877119f" providerId="ADAL" clId="{E5645173-9704-44B4-82F5-EF2938BAEEFE}" dt="2025-04-20T04:08:50.553" v="1833" actId="2696"/>
@@ -2827,22 +2376,6 @@
           <pc:docMk/>
           <pc:sldMk cId="0" sldId="350"/>
         </pc:sldMkLst>
-        <pc:spChg chg="mod ord">
-          <ac:chgData name="Mohammed Fasha" userId="cc64f42d-a1a6-4f08-b97b-0c37f877119f" providerId="ADAL" clId="{E5645173-9704-44B4-82F5-EF2938BAEEFE}" dt="2025-04-19T12:14:55.922" v="1054" actId="700"/>
-          <ac:spMkLst>
-            <pc:docMk/>
-            <pc:sldMk cId="0" sldId="350"/>
-            <ac:spMk id="2" creationId="{00000000-0000-0000-0000-000000000000}"/>
-          </ac:spMkLst>
-        </pc:spChg>
-        <pc:spChg chg="add mod ord">
-          <ac:chgData name="Mohammed Fasha" userId="cc64f42d-a1a6-4f08-b97b-0c37f877119f" providerId="ADAL" clId="{E5645173-9704-44B4-82F5-EF2938BAEEFE}" dt="2025-04-19T12:14:55.922" v="1054" actId="700"/>
-          <ac:spMkLst>
-            <pc:docMk/>
-            <pc:sldMk cId="0" sldId="350"/>
-            <ac:spMk id="7" creationId="{423ED82C-4F84-1B4C-8D77-A9E61C5D3DAD}"/>
-          </ac:spMkLst>
-        </pc:spChg>
       </pc:sldChg>
       <pc:sldChg chg="addSp modSp add del mod ord chgLayout">
         <pc:chgData name="Mohammed Fasha" userId="cc64f42d-a1a6-4f08-b97b-0c37f877119f" providerId="ADAL" clId="{E5645173-9704-44B4-82F5-EF2938BAEEFE}" dt="2025-04-20T04:08:50.553" v="1833" actId="2696"/>
@@ -2850,22 +2383,6 @@
           <pc:docMk/>
           <pc:sldMk cId="0" sldId="351"/>
         </pc:sldMkLst>
-        <pc:spChg chg="mod ord">
-          <ac:chgData name="Mohammed Fasha" userId="cc64f42d-a1a6-4f08-b97b-0c37f877119f" providerId="ADAL" clId="{E5645173-9704-44B4-82F5-EF2938BAEEFE}" dt="2025-04-19T12:14:55.922" v="1054" actId="700"/>
-          <ac:spMkLst>
-            <pc:docMk/>
-            <pc:sldMk cId="0" sldId="351"/>
-            <ac:spMk id="2" creationId="{00000000-0000-0000-0000-000000000000}"/>
-          </ac:spMkLst>
-        </pc:spChg>
-        <pc:spChg chg="add mod ord">
-          <ac:chgData name="Mohammed Fasha" userId="cc64f42d-a1a6-4f08-b97b-0c37f877119f" providerId="ADAL" clId="{E5645173-9704-44B4-82F5-EF2938BAEEFE}" dt="2025-04-19T12:14:55.922" v="1054" actId="700"/>
-          <ac:spMkLst>
-            <pc:docMk/>
-            <pc:sldMk cId="0" sldId="351"/>
-            <ac:spMk id="8" creationId="{7FB6237C-BFC6-3E02-9674-3CD169DFA16B}"/>
-          </ac:spMkLst>
-        </pc:spChg>
       </pc:sldChg>
       <pc:sldChg chg="addSp modSp add del mod ord modClrScheme chgLayout">
         <pc:chgData name="Mohammed Fasha" userId="cc64f42d-a1a6-4f08-b97b-0c37f877119f" providerId="ADAL" clId="{E5645173-9704-44B4-82F5-EF2938BAEEFE}" dt="2025-04-20T04:08:50.553" v="1833" actId="2696"/>
@@ -2873,22 +2390,6 @@
           <pc:docMk/>
           <pc:sldMk cId="0" sldId="352"/>
         </pc:sldMkLst>
-        <pc:spChg chg="mod ord">
-          <ac:chgData name="Mohammed Fasha" userId="cc64f42d-a1a6-4f08-b97b-0c37f877119f" providerId="ADAL" clId="{E5645173-9704-44B4-82F5-EF2938BAEEFE}" dt="2025-04-19T12:14:55.922" v="1054" actId="700"/>
-          <ac:spMkLst>
-            <pc:docMk/>
-            <pc:sldMk cId="0" sldId="352"/>
-            <ac:spMk id="6" creationId="{00000000-0000-0000-0000-000000000000}"/>
-          </ac:spMkLst>
-        </pc:spChg>
-        <pc:spChg chg="add mod ord">
-          <ac:chgData name="Mohammed Fasha" userId="cc64f42d-a1a6-4f08-b97b-0c37f877119f" providerId="ADAL" clId="{E5645173-9704-44B4-82F5-EF2938BAEEFE}" dt="2025-04-19T12:14:55.922" v="1054" actId="700"/>
-          <ac:spMkLst>
-            <pc:docMk/>
-            <pc:sldMk cId="0" sldId="352"/>
-            <ac:spMk id="7" creationId="{D62D6E68-9C92-1B06-F9B0-2A4830696992}"/>
-          </ac:spMkLst>
-        </pc:spChg>
       </pc:sldChg>
       <pc:sldChg chg="addSp delSp modSp add del mod ord chgLayout">
         <pc:chgData name="Mohammed Fasha" userId="cc64f42d-a1a6-4f08-b97b-0c37f877119f" providerId="ADAL" clId="{E5645173-9704-44B4-82F5-EF2938BAEEFE}" dt="2025-04-20T04:08:50.553" v="1833" actId="2696"/>
@@ -2896,30 +2397,6 @@
           <pc:docMk/>
           <pc:sldMk cId="0" sldId="353"/>
         </pc:sldMkLst>
-        <pc:spChg chg="del mod">
-          <ac:chgData name="Mohammed Fasha" userId="cc64f42d-a1a6-4f08-b97b-0c37f877119f" providerId="ADAL" clId="{E5645173-9704-44B4-82F5-EF2938BAEEFE}" dt="2025-04-19T14:39:44.325" v="1539"/>
-          <ac:spMkLst>
-            <pc:docMk/>
-            <pc:sldMk cId="0" sldId="353"/>
-            <ac:spMk id="2" creationId="{00000000-0000-0000-0000-000000000000}"/>
-          </ac:spMkLst>
-        </pc:spChg>
-        <pc:spChg chg="mod ord">
-          <ac:chgData name="Mohammed Fasha" userId="cc64f42d-a1a6-4f08-b97b-0c37f877119f" providerId="ADAL" clId="{E5645173-9704-44B4-82F5-EF2938BAEEFE}" dt="2025-04-19T12:14:55.922" v="1054" actId="700"/>
-          <ac:spMkLst>
-            <pc:docMk/>
-            <pc:sldMk cId="0" sldId="353"/>
-            <ac:spMk id="3" creationId="{00000000-0000-0000-0000-000000000000}"/>
-          </ac:spMkLst>
-        </pc:spChg>
-        <pc:spChg chg="add mod ord">
-          <ac:chgData name="Mohammed Fasha" userId="cc64f42d-a1a6-4f08-b97b-0c37f877119f" providerId="ADAL" clId="{E5645173-9704-44B4-82F5-EF2938BAEEFE}" dt="2025-04-19T14:39:43.414" v="1537" actId="14100"/>
-          <ac:spMkLst>
-            <pc:docMk/>
-            <pc:sldMk cId="0" sldId="353"/>
-            <ac:spMk id="6" creationId="{B8DEC781-357A-77A1-2F63-F8BCD13CE160}"/>
-          </ac:spMkLst>
-        </pc:spChg>
       </pc:sldChg>
       <pc:sldChg chg="addSp delSp modSp add del mod ord chgLayout">
         <pc:chgData name="Mohammed Fasha" userId="cc64f42d-a1a6-4f08-b97b-0c37f877119f" providerId="ADAL" clId="{E5645173-9704-44B4-82F5-EF2938BAEEFE}" dt="2025-04-20T04:08:50.553" v="1833" actId="2696"/>
@@ -2927,30 +2404,6 @@
           <pc:docMk/>
           <pc:sldMk cId="0" sldId="354"/>
         </pc:sldMkLst>
-        <pc:spChg chg="del mod">
-          <ac:chgData name="Mohammed Fasha" userId="cc64f42d-a1a6-4f08-b97b-0c37f877119f" providerId="ADAL" clId="{E5645173-9704-44B4-82F5-EF2938BAEEFE}" dt="2025-04-19T14:39:50.607" v="1543"/>
-          <ac:spMkLst>
-            <pc:docMk/>
-            <pc:sldMk cId="0" sldId="354"/>
-            <ac:spMk id="2" creationId="{00000000-0000-0000-0000-000000000000}"/>
-          </ac:spMkLst>
-        </pc:spChg>
-        <pc:spChg chg="mod ord">
-          <ac:chgData name="Mohammed Fasha" userId="cc64f42d-a1a6-4f08-b97b-0c37f877119f" providerId="ADAL" clId="{E5645173-9704-44B4-82F5-EF2938BAEEFE}" dt="2025-04-19T12:14:55.922" v="1054" actId="700"/>
-          <ac:spMkLst>
-            <pc:docMk/>
-            <pc:sldMk cId="0" sldId="354"/>
-            <ac:spMk id="3" creationId="{00000000-0000-0000-0000-000000000000}"/>
-          </ac:spMkLst>
-        </pc:spChg>
-        <pc:spChg chg="add mod ord">
-          <ac:chgData name="Mohammed Fasha" userId="cc64f42d-a1a6-4f08-b97b-0c37f877119f" providerId="ADAL" clId="{E5645173-9704-44B4-82F5-EF2938BAEEFE}" dt="2025-04-19T14:39:46.663" v="1541"/>
-          <ac:spMkLst>
-            <pc:docMk/>
-            <pc:sldMk cId="0" sldId="354"/>
-            <ac:spMk id="4" creationId="{D4FF589E-ACB9-A891-BE50-519668CFB95B}"/>
-          </ac:spMkLst>
-        </pc:spChg>
       </pc:sldChg>
       <pc:sldChg chg="addSp delSp modSp add del mod ord chgLayout">
         <pc:chgData name="Mohammed Fasha" userId="cc64f42d-a1a6-4f08-b97b-0c37f877119f" providerId="ADAL" clId="{E5645173-9704-44B4-82F5-EF2938BAEEFE}" dt="2025-04-20T04:08:50.553" v="1833" actId="2696"/>
@@ -2958,30 +2411,6 @@
           <pc:docMk/>
           <pc:sldMk cId="0" sldId="355"/>
         </pc:sldMkLst>
-        <pc:spChg chg="del mod">
-          <ac:chgData name="Mohammed Fasha" userId="cc64f42d-a1a6-4f08-b97b-0c37f877119f" providerId="ADAL" clId="{E5645173-9704-44B4-82F5-EF2938BAEEFE}" dt="2025-04-19T14:39:54.804" v="1547"/>
-          <ac:spMkLst>
-            <pc:docMk/>
-            <pc:sldMk cId="0" sldId="355"/>
-            <ac:spMk id="2" creationId="{00000000-0000-0000-0000-000000000000}"/>
-          </ac:spMkLst>
-        </pc:spChg>
-        <pc:spChg chg="mod ord">
-          <ac:chgData name="Mohammed Fasha" userId="cc64f42d-a1a6-4f08-b97b-0c37f877119f" providerId="ADAL" clId="{E5645173-9704-44B4-82F5-EF2938BAEEFE}" dt="2025-04-19T12:14:55.922" v="1054" actId="700"/>
-          <ac:spMkLst>
-            <pc:docMk/>
-            <pc:sldMk cId="0" sldId="355"/>
-            <ac:spMk id="3" creationId="{00000000-0000-0000-0000-000000000000}"/>
-          </ac:spMkLst>
-        </pc:spChg>
-        <pc:spChg chg="add mod ord">
-          <ac:chgData name="Mohammed Fasha" userId="cc64f42d-a1a6-4f08-b97b-0c37f877119f" providerId="ADAL" clId="{E5645173-9704-44B4-82F5-EF2938BAEEFE}" dt="2025-04-19T14:39:53.765" v="1545"/>
-          <ac:spMkLst>
-            <pc:docMk/>
-            <pc:sldMk cId="0" sldId="355"/>
-            <ac:spMk id="4" creationId="{F5B7E792-A48F-8F59-6729-44B162B109B1}"/>
-          </ac:spMkLst>
-        </pc:spChg>
       </pc:sldChg>
       <pc:sldChg chg="addSp delSp modSp add del mod ord chgLayout">
         <pc:chgData name="Mohammed Fasha" userId="cc64f42d-a1a6-4f08-b97b-0c37f877119f" providerId="ADAL" clId="{E5645173-9704-44B4-82F5-EF2938BAEEFE}" dt="2025-04-20T04:08:50.553" v="1833" actId="2696"/>
@@ -2989,30 +2418,6 @@
           <pc:docMk/>
           <pc:sldMk cId="0" sldId="356"/>
         </pc:sldMkLst>
-        <pc:spChg chg="del mod">
-          <ac:chgData name="Mohammed Fasha" userId="cc64f42d-a1a6-4f08-b97b-0c37f877119f" providerId="ADAL" clId="{E5645173-9704-44B4-82F5-EF2938BAEEFE}" dt="2025-04-19T14:39:58.634" v="1551"/>
-          <ac:spMkLst>
-            <pc:docMk/>
-            <pc:sldMk cId="0" sldId="356"/>
-            <ac:spMk id="2" creationId="{00000000-0000-0000-0000-000000000000}"/>
-          </ac:spMkLst>
-        </pc:spChg>
-        <pc:spChg chg="mod ord">
-          <ac:chgData name="Mohammed Fasha" userId="cc64f42d-a1a6-4f08-b97b-0c37f877119f" providerId="ADAL" clId="{E5645173-9704-44B4-82F5-EF2938BAEEFE}" dt="2025-04-19T12:14:55.922" v="1054" actId="700"/>
-          <ac:spMkLst>
-            <pc:docMk/>
-            <pc:sldMk cId="0" sldId="356"/>
-            <ac:spMk id="3" creationId="{00000000-0000-0000-0000-000000000000}"/>
-          </ac:spMkLst>
-        </pc:spChg>
-        <pc:spChg chg="add mod ord">
-          <ac:chgData name="Mohammed Fasha" userId="cc64f42d-a1a6-4f08-b97b-0c37f877119f" providerId="ADAL" clId="{E5645173-9704-44B4-82F5-EF2938BAEEFE}" dt="2025-04-19T14:39:57.943" v="1549"/>
-          <ac:spMkLst>
-            <pc:docMk/>
-            <pc:sldMk cId="0" sldId="356"/>
-            <ac:spMk id="4" creationId="{6BC5FD3F-F884-0D2C-112D-AF41C60E1459}"/>
-          </ac:spMkLst>
-        </pc:spChg>
       </pc:sldChg>
       <pc:sldChg chg="addSp delSp modSp add del mod ord chgLayout">
         <pc:chgData name="Mohammed Fasha" userId="cc64f42d-a1a6-4f08-b97b-0c37f877119f" providerId="ADAL" clId="{E5645173-9704-44B4-82F5-EF2938BAEEFE}" dt="2025-04-20T04:08:50.553" v="1833" actId="2696"/>
@@ -3020,30 +2425,6 @@
           <pc:docMk/>
           <pc:sldMk cId="0" sldId="357"/>
         </pc:sldMkLst>
-        <pc:spChg chg="del mod">
-          <ac:chgData name="Mohammed Fasha" userId="cc64f42d-a1a6-4f08-b97b-0c37f877119f" providerId="ADAL" clId="{E5645173-9704-44B4-82F5-EF2938BAEEFE}" dt="2025-04-19T14:39:31.193" v="1534"/>
-          <ac:spMkLst>
-            <pc:docMk/>
-            <pc:sldMk cId="0" sldId="357"/>
-            <ac:spMk id="2" creationId="{00000000-0000-0000-0000-000000000000}"/>
-          </ac:spMkLst>
-        </pc:spChg>
-        <pc:spChg chg="mod ord">
-          <ac:chgData name="Mohammed Fasha" userId="cc64f42d-a1a6-4f08-b97b-0c37f877119f" providerId="ADAL" clId="{E5645173-9704-44B4-82F5-EF2938BAEEFE}" dt="2025-04-19T12:14:55.922" v="1054" actId="700"/>
-          <ac:spMkLst>
-            <pc:docMk/>
-            <pc:sldMk cId="0" sldId="357"/>
-            <ac:spMk id="3" creationId="{00000000-0000-0000-0000-000000000000}"/>
-          </ac:spMkLst>
-        </pc:spChg>
-        <pc:spChg chg="add mod ord">
-          <ac:chgData name="Mohammed Fasha" userId="cc64f42d-a1a6-4f08-b97b-0c37f877119f" providerId="ADAL" clId="{E5645173-9704-44B4-82F5-EF2938BAEEFE}" dt="2025-04-19T14:39:15.993" v="1532" actId="27636"/>
-          <ac:spMkLst>
-            <pc:docMk/>
-            <pc:sldMk cId="0" sldId="357"/>
-            <ac:spMk id="4" creationId="{BF466B5F-6509-0D83-2B17-D7ED196E0B49}"/>
-          </ac:spMkLst>
-        </pc:spChg>
       </pc:sldChg>
       <pc:sldChg chg="addSp modSp add del mod ord chgLayout">
         <pc:chgData name="Mohammed Fasha" userId="cc64f42d-a1a6-4f08-b97b-0c37f877119f" providerId="ADAL" clId="{E5645173-9704-44B4-82F5-EF2938BAEEFE}" dt="2025-04-20T04:08:50.553" v="1833" actId="2696"/>
@@ -3051,22 +2432,6 @@
           <pc:docMk/>
           <pc:sldMk cId="0" sldId="358"/>
         </pc:sldMkLst>
-        <pc:spChg chg="mod ord">
-          <ac:chgData name="Mohammed Fasha" userId="cc64f42d-a1a6-4f08-b97b-0c37f877119f" providerId="ADAL" clId="{E5645173-9704-44B4-82F5-EF2938BAEEFE}" dt="2025-04-19T12:14:55.922" v="1054" actId="700"/>
-          <ac:spMkLst>
-            <pc:docMk/>
-            <pc:sldMk cId="0" sldId="358"/>
-            <ac:spMk id="3" creationId="{00000000-0000-0000-0000-000000000000}"/>
-          </ac:spMkLst>
-        </pc:spChg>
-        <pc:spChg chg="add mod ord">
-          <ac:chgData name="Mohammed Fasha" userId="cc64f42d-a1a6-4f08-b97b-0c37f877119f" providerId="ADAL" clId="{E5645173-9704-44B4-82F5-EF2938BAEEFE}" dt="2025-04-19T12:14:55.922" v="1054" actId="700"/>
-          <ac:spMkLst>
-            <pc:docMk/>
-            <pc:sldMk cId="0" sldId="358"/>
-            <ac:spMk id="4" creationId="{598A16EF-9533-8469-5AED-CCC032A13D4F}"/>
-          </ac:spMkLst>
-        </pc:spChg>
       </pc:sldChg>
       <pc:sldChg chg="addSp modSp add del mod ord chgLayout">
         <pc:chgData name="Mohammed Fasha" userId="cc64f42d-a1a6-4f08-b97b-0c37f877119f" providerId="ADAL" clId="{E5645173-9704-44B4-82F5-EF2938BAEEFE}" dt="2025-04-20T04:08:50.553" v="1833" actId="2696"/>
@@ -3074,38 +2439,6 @@
           <pc:docMk/>
           <pc:sldMk cId="0" sldId="359"/>
         </pc:sldMkLst>
-        <pc:spChg chg="mod">
-          <ac:chgData name="Mohammed Fasha" userId="cc64f42d-a1a6-4f08-b97b-0c37f877119f" providerId="ADAL" clId="{E5645173-9704-44B4-82F5-EF2938BAEEFE}" dt="2025-04-19T14:40:10.447" v="1558" actId="21"/>
-          <ac:spMkLst>
-            <pc:docMk/>
-            <pc:sldMk cId="0" sldId="359"/>
-            <ac:spMk id="2" creationId="{00000000-0000-0000-0000-000000000000}"/>
-          </ac:spMkLst>
-        </pc:spChg>
-        <pc:spChg chg="mod">
-          <ac:chgData name="Mohammed Fasha" userId="cc64f42d-a1a6-4f08-b97b-0c37f877119f" providerId="ADAL" clId="{E5645173-9704-44B4-82F5-EF2938BAEEFE}" dt="2025-04-19T14:40:09.598" v="1556" actId="1076"/>
-          <ac:spMkLst>
-            <pc:docMk/>
-            <pc:sldMk cId="0" sldId="359"/>
-            <ac:spMk id="3" creationId="{00000000-0000-0000-0000-000000000000}"/>
-          </ac:spMkLst>
-        </pc:spChg>
-        <pc:spChg chg="mod ord">
-          <ac:chgData name="Mohammed Fasha" userId="cc64f42d-a1a6-4f08-b97b-0c37f877119f" providerId="ADAL" clId="{E5645173-9704-44B4-82F5-EF2938BAEEFE}" dt="2025-04-19T12:14:55.922" v="1054" actId="700"/>
-          <ac:spMkLst>
-            <pc:docMk/>
-            <pc:sldMk cId="0" sldId="359"/>
-            <ac:spMk id="5" creationId="{00000000-0000-0000-0000-000000000000}"/>
-          </ac:spMkLst>
-        </pc:spChg>
-        <pc:spChg chg="add mod ord">
-          <ac:chgData name="Mohammed Fasha" userId="cc64f42d-a1a6-4f08-b97b-0c37f877119f" providerId="ADAL" clId="{E5645173-9704-44B4-82F5-EF2938BAEEFE}" dt="2025-04-19T14:40:09.742" v="1557"/>
-          <ac:spMkLst>
-            <pc:docMk/>
-            <pc:sldMk cId="0" sldId="359"/>
-            <ac:spMk id="6" creationId="{8A5291D6-3049-988F-30BF-24CEA0D73A3C}"/>
-          </ac:spMkLst>
-        </pc:spChg>
       </pc:sldChg>
       <pc:sldChg chg="addSp delSp modSp add del mod ord modClrScheme chgLayout">
         <pc:chgData name="Mohammed Fasha" userId="cc64f42d-a1a6-4f08-b97b-0c37f877119f" providerId="ADAL" clId="{E5645173-9704-44B4-82F5-EF2938BAEEFE}" dt="2025-04-20T04:08:50.553" v="1833" actId="2696"/>
@@ -3113,22 +2446,6 @@
           <pc:docMk/>
           <pc:sldMk cId="0" sldId="360"/>
         </pc:sldMkLst>
-        <pc:spChg chg="mod ord">
-          <ac:chgData name="Mohammed Fasha" userId="cc64f42d-a1a6-4f08-b97b-0c37f877119f" providerId="ADAL" clId="{E5645173-9704-44B4-82F5-EF2938BAEEFE}" dt="2025-04-19T14:40:16.020" v="1559" actId="700"/>
-          <ac:spMkLst>
-            <pc:docMk/>
-            <pc:sldMk cId="0" sldId="360"/>
-            <ac:spMk id="2" creationId="{00000000-0000-0000-0000-000000000000}"/>
-          </ac:spMkLst>
-        </pc:spChg>
-        <pc:spChg chg="add del mod ord">
-          <ac:chgData name="Mohammed Fasha" userId="cc64f42d-a1a6-4f08-b97b-0c37f877119f" providerId="ADAL" clId="{E5645173-9704-44B4-82F5-EF2938BAEEFE}" dt="2025-04-19T14:40:16.020" v="1559" actId="700"/>
-          <ac:spMkLst>
-            <pc:docMk/>
-            <pc:sldMk cId="0" sldId="360"/>
-            <ac:spMk id="5" creationId="{72CEFBDC-8F9C-C829-98C9-65D0B1081045}"/>
-          </ac:spMkLst>
-        </pc:spChg>
       </pc:sldChg>
       <pc:sldChg chg="addSp delSp modSp add del mod ord modClrScheme chgLayout">
         <pc:chgData name="Mohammed Fasha" userId="cc64f42d-a1a6-4f08-b97b-0c37f877119f" providerId="ADAL" clId="{E5645173-9704-44B4-82F5-EF2938BAEEFE}" dt="2025-04-20T04:08:50.553" v="1833" actId="2696"/>
@@ -3136,22 +2453,6 @@
           <pc:docMk/>
           <pc:sldMk cId="0" sldId="361"/>
         </pc:sldMkLst>
-        <pc:spChg chg="mod ord">
-          <ac:chgData name="Mohammed Fasha" userId="cc64f42d-a1a6-4f08-b97b-0c37f877119f" providerId="ADAL" clId="{E5645173-9704-44B4-82F5-EF2938BAEEFE}" dt="2025-04-19T14:40:18.717" v="1560" actId="700"/>
-          <ac:spMkLst>
-            <pc:docMk/>
-            <pc:sldMk cId="0" sldId="361"/>
-            <ac:spMk id="2" creationId="{00000000-0000-0000-0000-000000000000}"/>
-          </ac:spMkLst>
-        </pc:spChg>
-        <pc:spChg chg="add del mod ord">
-          <ac:chgData name="Mohammed Fasha" userId="cc64f42d-a1a6-4f08-b97b-0c37f877119f" providerId="ADAL" clId="{E5645173-9704-44B4-82F5-EF2938BAEEFE}" dt="2025-04-19T14:40:18.717" v="1560" actId="700"/>
-          <ac:spMkLst>
-            <pc:docMk/>
-            <pc:sldMk cId="0" sldId="361"/>
-            <ac:spMk id="5" creationId="{B91DF852-ECAE-7BB2-9C13-C59589DB9410}"/>
-          </ac:spMkLst>
-        </pc:spChg>
       </pc:sldChg>
       <pc:sldChg chg="addSp delSp modSp add del mod ord modClrScheme chgLayout">
         <pc:chgData name="Mohammed Fasha" userId="cc64f42d-a1a6-4f08-b97b-0c37f877119f" providerId="ADAL" clId="{E5645173-9704-44B4-82F5-EF2938BAEEFE}" dt="2025-04-20T04:08:50.553" v="1833" actId="2696"/>
@@ -3159,22 +2460,6 @@
           <pc:docMk/>
           <pc:sldMk cId="0" sldId="362"/>
         </pc:sldMkLst>
-        <pc:spChg chg="mod ord">
-          <ac:chgData name="Mohammed Fasha" userId="cc64f42d-a1a6-4f08-b97b-0c37f877119f" providerId="ADAL" clId="{E5645173-9704-44B4-82F5-EF2938BAEEFE}" dt="2025-04-19T14:40:21.528" v="1561" actId="700"/>
-          <ac:spMkLst>
-            <pc:docMk/>
-            <pc:sldMk cId="0" sldId="362"/>
-            <ac:spMk id="2" creationId="{00000000-0000-0000-0000-000000000000}"/>
-          </ac:spMkLst>
-        </pc:spChg>
-        <pc:spChg chg="add del mod ord">
-          <ac:chgData name="Mohammed Fasha" userId="cc64f42d-a1a6-4f08-b97b-0c37f877119f" providerId="ADAL" clId="{E5645173-9704-44B4-82F5-EF2938BAEEFE}" dt="2025-04-19T14:40:21.528" v="1561" actId="700"/>
-          <ac:spMkLst>
-            <pc:docMk/>
-            <pc:sldMk cId="0" sldId="362"/>
-            <ac:spMk id="4" creationId="{09139015-1498-6419-87C4-D106AF2E3BA4}"/>
-          </ac:spMkLst>
-        </pc:spChg>
       </pc:sldChg>
       <pc:sldChg chg="addSp modSp add del mod ord modClrScheme chgLayout">
         <pc:chgData name="Mohammed Fasha" userId="cc64f42d-a1a6-4f08-b97b-0c37f877119f" providerId="ADAL" clId="{E5645173-9704-44B4-82F5-EF2938BAEEFE}" dt="2025-04-20T04:08:50.553" v="1833" actId="2696"/>
@@ -3182,22 +2467,6 @@
           <pc:docMk/>
           <pc:sldMk cId="0" sldId="363"/>
         </pc:sldMkLst>
-        <pc:spChg chg="mod ord">
-          <ac:chgData name="Mohammed Fasha" userId="cc64f42d-a1a6-4f08-b97b-0c37f877119f" providerId="ADAL" clId="{E5645173-9704-44B4-82F5-EF2938BAEEFE}" dt="2025-04-19T12:14:55.922" v="1054" actId="700"/>
-          <ac:spMkLst>
-            <pc:docMk/>
-            <pc:sldMk cId="0" sldId="363"/>
-            <ac:spMk id="6" creationId="{00000000-0000-0000-0000-000000000000}"/>
-          </ac:spMkLst>
-        </pc:spChg>
-        <pc:spChg chg="add mod ord">
-          <ac:chgData name="Mohammed Fasha" userId="cc64f42d-a1a6-4f08-b97b-0c37f877119f" providerId="ADAL" clId="{E5645173-9704-44B4-82F5-EF2938BAEEFE}" dt="2025-04-19T12:14:55.922" v="1054" actId="700"/>
-          <ac:spMkLst>
-            <pc:docMk/>
-            <pc:sldMk cId="0" sldId="363"/>
-            <ac:spMk id="7" creationId="{F260742A-3024-8E28-E311-BB0681A1356D}"/>
-          </ac:spMkLst>
-        </pc:spChg>
       </pc:sldChg>
       <pc:sldChg chg="addSp modSp add del mod ord chgLayout">
         <pc:chgData name="Mohammed Fasha" userId="cc64f42d-a1a6-4f08-b97b-0c37f877119f" providerId="ADAL" clId="{E5645173-9704-44B4-82F5-EF2938BAEEFE}" dt="2025-04-20T04:08:50.553" v="1833" actId="2696"/>
@@ -3205,22 +2474,6 @@
           <pc:docMk/>
           <pc:sldMk cId="0" sldId="364"/>
         </pc:sldMkLst>
-        <pc:spChg chg="mod ord">
-          <ac:chgData name="Mohammed Fasha" userId="cc64f42d-a1a6-4f08-b97b-0c37f877119f" providerId="ADAL" clId="{E5645173-9704-44B4-82F5-EF2938BAEEFE}" dt="2025-04-19T12:14:55.922" v="1054" actId="700"/>
-          <ac:spMkLst>
-            <pc:docMk/>
-            <pc:sldMk cId="0" sldId="364"/>
-            <ac:spMk id="3" creationId="{00000000-0000-0000-0000-000000000000}"/>
-          </ac:spMkLst>
-        </pc:spChg>
-        <pc:spChg chg="add mod ord">
-          <ac:chgData name="Mohammed Fasha" userId="cc64f42d-a1a6-4f08-b97b-0c37f877119f" providerId="ADAL" clId="{E5645173-9704-44B4-82F5-EF2938BAEEFE}" dt="2025-04-19T12:14:55.922" v="1054" actId="700"/>
-          <ac:spMkLst>
-            <pc:docMk/>
-            <pc:sldMk cId="0" sldId="364"/>
-            <ac:spMk id="6" creationId="{BDDD0205-8923-A191-ADC8-67AA340F42BC}"/>
-          </ac:spMkLst>
-        </pc:spChg>
       </pc:sldChg>
       <pc:sldChg chg="addSp modSp add del mod ord chgLayout">
         <pc:chgData name="Mohammed Fasha" userId="cc64f42d-a1a6-4f08-b97b-0c37f877119f" providerId="ADAL" clId="{E5645173-9704-44B4-82F5-EF2938BAEEFE}" dt="2025-04-20T04:08:50.553" v="1833" actId="2696"/>
@@ -3228,22 +2481,6 @@
           <pc:docMk/>
           <pc:sldMk cId="0" sldId="365"/>
         </pc:sldMkLst>
-        <pc:spChg chg="mod ord">
-          <ac:chgData name="Mohammed Fasha" userId="cc64f42d-a1a6-4f08-b97b-0c37f877119f" providerId="ADAL" clId="{E5645173-9704-44B4-82F5-EF2938BAEEFE}" dt="2025-04-19T12:14:55.922" v="1054" actId="700"/>
-          <ac:spMkLst>
-            <pc:docMk/>
-            <pc:sldMk cId="0" sldId="365"/>
-            <ac:spMk id="3" creationId="{00000000-0000-0000-0000-000000000000}"/>
-          </ac:spMkLst>
-        </pc:spChg>
-        <pc:spChg chg="add mod ord">
-          <ac:chgData name="Mohammed Fasha" userId="cc64f42d-a1a6-4f08-b97b-0c37f877119f" providerId="ADAL" clId="{E5645173-9704-44B4-82F5-EF2938BAEEFE}" dt="2025-04-19T12:14:55.922" v="1054" actId="700"/>
-          <ac:spMkLst>
-            <pc:docMk/>
-            <pc:sldMk cId="0" sldId="365"/>
-            <ac:spMk id="5" creationId="{03C7EB3F-4463-2B95-F38C-142173B871E2}"/>
-          </ac:spMkLst>
-        </pc:spChg>
       </pc:sldChg>
       <pc:sldChg chg="addSp modSp add del mod ord chgLayout">
         <pc:chgData name="Mohammed Fasha" userId="cc64f42d-a1a6-4f08-b97b-0c37f877119f" providerId="ADAL" clId="{E5645173-9704-44B4-82F5-EF2938BAEEFE}" dt="2025-04-20T04:08:50.553" v="1833" actId="2696"/>
@@ -3251,22 +2488,6 @@
           <pc:docMk/>
           <pc:sldMk cId="0" sldId="366"/>
         </pc:sldMkLst>
-        <pc:spChg chg="mod ord">
-          <ac:chgData name="Mohammed Fasha" userId="cc64f42d-a1a6-4f08-b97b-0c37f877119f" providerId="ADAL" clId="{E5645173-9704-44B4-82F5-EF2938BAEEFE}" dt="2025-04-19T12:14:55.922" v="1054" actId="700"/>
-          <ac:spMkLst>
-            <pc:docMk/>
-            <pc:sldMk cId="0" sldId="366"/>
-            <ac:spMk id="3" creationId="{00000000-0000-0000-0000-000000000000}"/>
-          </ac:spMkLst>
-        </pc:spChg>
-        <pc:spChg chg="add mod ord">
-          <ac:chgData name="Mohammed Fasha" userId="cc64f42d-a1a6-4f08-b97b-0c37f877119f" providerId="ADAL" clId="{E5645173-9704-44B4-82F5-EF2938BAEEFE}" dt="2025-04-19T12:14:55.922" v="1054" actId="700"/>
-          <ac:spMkLst>
-            <pc:docMk/>
-            <pc:sldMk cId="0" sldId="366"/>
-            <ac:spMk id="6" creationId="{2448CF64-0645-D66D-C098-B83F485F25C3}"/>
-          </ac:spMkLst>
-        </pc:spChg>
       </pc:sldChg>
       <pc:sldChg chg="addSp modSp add del mod ord chgLayout">
         <pc:chgData name="Mohammed Fasha" userId="cc64f42d-a1a6-4f08-b97b-0c37f877119f" providerId="ADAL" clId="{E5645173-9704-44B4-82F5-EF2938BAEEFE}" dt="2025-04-20T04:08:50.553" v="1833" actId="2696"/>
@@ -3274,22 +2495,6 @@
           <pc:docMk/>
           <pc:sldMk cId="0" sldId="367"/>
         </pc:sldMkLst>
-        <pc:spChg chg="mod ord">
-          <ac:chgData name="Mohammed Fasha" userId="cc64f42d-a1a6-4f08-b97b-0c37f877119f" providerId="ADAL" clId="{E5645173-9704-44B4-82F5-EF2938BAEEFE}" dt="2025-04-19T12:14:55.922" v="1054" actId="700"/>
-          <ac:spMkLst>
-            <pc:docMk/>
-            <pc:sldMk cId="0" sldId="367"/>
-            <ac:spMk id="3" creationId="{00000000-0000-0000-0000-000000000000}"/>
-          </ac:spMkLst>
-        </pc:spChg>
-        <pc:spChg chg="add mod ord">
-          <ac:chgData name="Mohammed Fasha" userId="cc64f42d-a1a6-4f08-b97b-0c37f877119f" providerId="ADAL" clId="{E5645173-9704-44B4-82F5-EF2938BAEEFE}" dt="2025-04-19T12:14:55.922" v="1054" actId="700"/>
-          <ac:spMkLst>
-            <pc:docMk/>
-            <pc:sldMk cId="0" sldId="367"/>
-            <ac:spMk id="6" creationId="{80C9706B-E33A-0556-58FA-1973E712CFBD}"/>
-          </ac:spMkLst>
-        </pc:spChg>
       </pc:sldChg>
       <pc:sldChg chg="addSp modSp add del mod ord chgLayout">
         <pc:chgData name="Mohammed Fasha" userId="cc64f42d-a1a6-4f08-b97b-0c37f877119f" providerId="ADAL" clId="{E5645173-9704-44B4-82F5-EF2938BAEEFE}" dt="2025-04-20T04:08:50.553" v="1833" actId="2696"/>
@@ -3297,22 +2502,6 @@
           <pc:docMk/>
           <pc:sldMk cId="0" sldId="368"/>
         </pc:sldMkLst>
-        <pc:spChg chg="mod ord">
-          <ac:chgData name="Mohammed Fasha" userId="cc64f42d-a1a6-4f08-b97b-0c37f877119f" providerId="ADAL" clId="{E5645173-9704-44B4-82F5-EF2938BAEEFE}" dt="2025-04-19T12:14:55.922" v="1054" actId="700"/>
-          <ac:spMkLst>
-            <pc:docMk/>
-            <pc:sldMk cId="0" sldId="368"/>
-            <ac:spMk id="3" creationId="{00000000-0000-0000-0000-000000000000}"/>
-          </ac:spMkLst>
-        </pc:spChg>
-        <pc:spChg chg="add mod ord">
-          <ac:chgData name="Mohammed Fasha" userId="cc64f42d-a1a6-4f08-b97b-0c37f877119f" providerId="ADAL" clId="{E5645173-9704-44B4-82F5-EF2938BAEEFE}" dt="2025-04-19T12:14:55.922" v="1054" actId="700"/>
-          <ac:spMkLst>
-            <pc:docMk/>
-            <pc:sldMk cId="0" sldId="368"/>
-            <ac:spMk id="4" creationId="{104E333D-BE7A-E624-44F3-D15E76AC1110}"/>
-          </ac:spMkLst>
-        </pc:spChg>
       </pc:sldChg>
       <pc:sldChg chg="addSp modSp add del mod ord chgLayout">
         <pc:chgData name="Mohammed Fasha" userId="cc64f42d-a1a6-4f08-b97b-0c37f877119f" providerId="ADAL" clId="{E5645173-9704-44B4-82F5-EF2938BAEEFE}" dt="2025-04-20T04:08:50.553" v="1833" actId="2696"/>
@@ -3320,22 +2509,6 @@
           <pc:docMk/>
           <pc:sldMk cId="0" sldId="369"/>
         </pc:sldMkLst>
-        <pc:spChg chg="mod ord">
-          <ac:chgData name="Mohammed Fasha" userId="cc64f42d-a1a6-4f08-b97b-0c37f877119f" providerId="ADAL" clId="{E5645173-9704-44B4-82F5-EF2938BAEEFE}" dt="2025-04-19T12:14:55.922" v="1054" actId="700"/>
-          <ac:spMkLst>
-            <pc:docMk/>
-            <pc:sldMk cId="0" sldId="369"/>
-            <ac:spMk id="3" creationId="{00000000-0000-0000-0000-000000000000}"/>
-          </ac:spMkLst>
-        </pc:spChg>
-        <pc:spChg chg="add mod ord">
-          <ac:chgData name="Mohammed Fasha" userId="cc64f42d-a1a6-4f08-b97b-0c37f877119f" providerId="ADAL" clId="{E5645173-9704-44B4-82F5-EF2938BAEEFE}" dt="2025-04-19T12:14:55.922" v="1054" actId="700"/>
-          <ac:spMkLst>
-            <pc:docMk/>
-            <pc:sldMk cId="0" sldId="369"/>
-            <ac:spMk id="6" creationId="{10F2D160-61D4-E34B-587C-AFA7BB2AAC8A}"/>
-          </ac:spMkLst>
-        </pc:spChg>
       </pc:sldChg>
       <pc:sldChg chg="addSp modSp add del mod ord modClrScheme chgLayout">
         <pc:chgData name="Mohammed Fasha" userId="cc64f42d-a1a6-4f08-b97b-0c37f877119f" providerId="ADAL" clId="{E5645173-9704-44B4-82F5-EF2938BAEEFE}" dt="2025-04-20T04:08:50.553" v="1833" actId="2696"/>
@@ -3343,22 +2516,6 @@
           <pc:docMk/>
           <pc:sldMk cId="0" sldId="370"/>
         </pc:sldMkLst>
-        <pc:spChg chg="mod ord">
-          <ac:chgData name="Mohammed Fasha" userId="cc64f42d-a1a6-4f08-b97b-0c37f877119f" providerId="ADAL" clId="{E5645173-9704-44B4-82F5-EF2938BAEEFE}" dt="2025-04-19T12:14:55.922" v="1054" actId="700"/>
-          <ac:spMkLst>
-            <pc:docMk/>
-            <pc:sldMk cId="0" sldId="370"/>
-            <ac:spMk id="6" creationId="{00000000-0000-0000-0000-000000000000}"/>
-          </ac:spMkLst>
-        </pc:spChg>
-        <pc:spChg chg="add mod ord">
-          <ac:chgData name="Mohammed Fasha" userId="cc64f42d-a1a6-4f08-b97b-0c37f877119f" providerId="ADAL" clId="{E5645173-9704-44B4-82F5-EF2938BAEEFE}" dt="2025-04-19T12:14:55.922" v="1054" actId="700"/>
-          <ac:spMkLst>
-            <pc:docMk/>
-            <pc:sldMk cId="0" sldId="370"/>
-            <ac:spMk id="7" creationId="{59747DD8-5FF0-7CAF-350D-58FC2C0B772E}"/>
-          </ac:spMkLst>
-        </pc:spChg>
       </pc:sldChg>
       <pc:sldChg chg="addSp modSp add del mod ord chgLayout">
         <pc:chgData name="Mohammed Fasha" userId="cc64f42d-a1a6-4f08-b97b-0c37f877119f" providerId="ADAL" clId="{E5645173-9704-44B4-82F5-EF2938BAEEFE}" dt="2025-04-20T04:08:50.553" v="1833" actId="2696"/>
@@ -3366,22 +2523,6 @@
           <pc:docMk/>
           <pc:sldMk cId="0" sldId="371"/>
         </pc:sldMkLst>
-        <pc:spChg chg="mod ord">
-          <ac:chgData name="Mohammed Fasha" userId="cc64f42d-a1a6-4f08-b97b-0c37f877119f" providerId="ADAL" clId="{E5645173-9704-44B4-82F5-EF2938BAEEFE}" dt="2025-04-19T12:14:55.922" v="1054" actId="700"/>
-          <ac:spMkLst>
-            <pc:docMk/>
-            <pc:sldMk cId="0" sldId="371"/>
-            <ac:spMk id="3" creationId="{00000000-0000-0000-0000-000000000000}"/>
-          </ac:spMkLst>
-        </pc:spChg>
-        <pc:spChg chg="add mod ord">
-          <ac:chgData name="Mohammed Fasha" userId="cc64f42d-a1a6-4f08-b97b-0c37f877119f" providerId="ADAL" clId="{E5645173-9704-44B4-82F5-EF2938BAEEFE}" dt="2025-04-19T12:14:55.922" v="1054" actId="700"/>
-          <ac:spMkLst>
-            <pc:docMk/>
-            <pc:sldMk cId="0" sldId="371"/>
-            <ac:spMk id="8" creationId="{19B23899-29F9-60B2-1259-CF5298D80132}"/>
-          </ac:spMkLst>
-        </pc:spChg>
       </pc:sldChg>
       <pc:sldChg chg="addSp modSp add del mod ord chgLayout">
         <pc:chgData name="Mohammed Fasha" userId="cc64f42d-a1a6-4f08-b97b-0c37f877119f" providerId="ADAL" clId="{E5645173-9704-44B4-82F5-EF2938BAEEFE}" dt="2025-04-20T04:08:50.553" v="1833" actId="2696"/>
@@ -3389,22 +2530,6 @@
           <pc:docMk/>
           <pc:sldMk cId="0" sldId="372"/>
         </pc:sldMkLst>
-        <pc:spChg chg="mod ord">
-          <ac:chgData name="Mohammed Fasha" userId="cc64f42d-a1a6-4f08-b97b-0c37f877119f" providerId="ADAL" clId="{E5645173-9704-44B4-82F5-EF2938BAEEFE}" dt="2025-04-19T12:14:55.922" v="1054" actId="700"/>
-          <ac:spMkLst>
-            <pc:docMk/>
-            <pc:sldMk cId="0" sldId="372"/>
-            <ac:spMk id="2" creationId="{00000000-0000-0000-0000-000000000000}"/>
-          </ac:spMkLst>
-        </pc:spChg>
-        <pc:spChg chg="add mod ord">
-          <ac:chgData name="Mohammed Fasha" userId="cc64f42d-a1a6-4f08-b97b-0c37f877119f" providerId="ADAL" clId="{E5645173-9704-44B4-82F5-EF2938BAEEFE}" dt="2025-04-19T12:14:55.922" v="1054" actId="700"/>
-          <ac:spMkLst>
-            <pc:docMk/>
-            <pc:sldMk cId="0" sldId="372"/>
-            <ac:spMk id="6" creationId="{1366CE25-13CC-B97D-B54A-A0FDDDD1B96B}"/>
-          </ac:spMkLst>
-        </pc:spChg>
       </pc:sldChg>
       <pc:sldChg chg="addSp modSp add del mod ord chgLayout">
         <pc:chgData name="Mohammed Fasha" userId="cc64f42d-a1a6-4f08-b97b-0c37f877119f" providerId="ADAL" clId="{E5645173-9704-44B4-82F5-EF2938BAEEFE}" dt="2025-04-20T04:08:50.553" v="1833" actId="2696"/>
@@ -3412,22 +2537,6 @@
           <pc:docMk/>
           <pc:sldMk cId="0" sldId="373"/>
         </pc:sldMkLst>
-        <pc:spChg chg="mod ord">
-          <ac:chgData name="Mohammed Fasha" userId="cc64f42d-a1a6-4f08-b97b-0c37f877119f" providerId="ADAL" clId="{E5645173-9704-44B4-82F5-EF2938BAEEFE}" dt="2025-04-19T12:14:55.922" v="1054" actId="700"/>
-          <ac:spMkLst>
-            <pc:docMk/>
-            <pc:sldMk cId="0" sldId="373"/>
-            <ac:spMk id="2" creationId="{00000000-0000-0000-0000-000000000000}"/>
-          </ac:spMkLst>
-        </pc:spChg>
-        <pc:spChg chg="add mod ord">
-          <ac:chgData name="Mohammed Fasha" userId="cc64f42d-a1a6-4f08-b97b-0c37f877119f" providerId="ADAL" clId="{E5645173-9704-44B4-82F5-EF2938BAEEFE}" dt="2025-04-19T12:14:55.922" v="1054" actId="700"/>
-          <ac:spMkLst>
-            <pc:docMk/>
-            <pc:sldMk cId="0" sldId="373"/>
-            <ac:spMk id="6" creationId="{8117B81E-7F2C-2DE3-3633-AC052BF25482}"/>
-          </ac:spMkLst>
-        </pc:spChg>
       </pc:sldChg>
       <pc:sldChg chg="addSp modSp add del mod ord chgLayout">
         <pc:chgData name="Mohammed Fasha" userId="cc64f42d-a1a6-4f08-b97b-0c37f877119f" providerId="ADAL" clId="{E5645173-9704-44B4-82F5-EF2938BAEEFE}" dt="2025-04-20T04:08:50.553" v="1833" actId="2696"/>
@@ -3435,22 +2544,6 @@
           <pc:docMk/>
           <pc:sldMk cId="0" sldId="374"/>
         </pc:sldMkLst>
-        <pc:spChg chg="mod ord">
-          <ac:chgData name="Mohammed Fasha" userId="cc64f42d-a1a6-4f08-b97b-0c37f877119f" providerId="ADAL" clId="{E5645173-9704-44B4-82F5-EF2938BAEEFE}" dt="2025-04-19T12:14:55.922" v="1054" actId="700"/>
-          <ac:spMkLst>
-            <pc:docMk/>
-            <pc:sldMk cId="0" sldId="374"/>
-            <ac:spMk id="3" creationId="{00000000-0000-0000-0000-000000000000}"/>
-          </ac:spMkLst>
-        </pc:spChg>
-        <pc:spChg chg="add mod ord">
-          <ac:chgData name="Mohammed Fasha" userId="cc64f42d-a1a6-4f08-b97b-0c37f877119f" providerId="ADAL" clId="{E5645173-9704-44B4-82F5-EF2938BAEEFE}" dt="2025-04-19T12:14:55.922" v="1054" actId="700"/>
-          <ac:spMkLst>
-            <pc:docMk/>
-            <pc:sldMk cId="0" sldId="374"/>
-            <ac:spMk id="5" creationId="{0309B7C6-3C58-F25E-8E5F-B7A56711AC1B}"/>
-          </ac:spMkLst>
-        </pc:spChg>
       </pc:sldChg>
       <pc:sldChg chg="addSp modSp add del mod ord chgLayout">
         <pc:chgData name="Mohammed Fasha" userId="cc64f42d-a1a6-4f08-b97b-0c37f877119f" providerId="ADAL" clId="{E5645173-9704-44B4-82F5-EF2938BAEEFE}" dt="2025-04-20T04:08:50.553" v="1833" actId="2696"/>
@@ -3458,22 +2551,6 @@
           <pc:docMk/>
           <pc:sldMk cId="0" sldId="375"/>
         </pc:sldMkLst>
-        <pc:spChg chg="mod ord">
-          <ac:chgData name="Mohammed Fasha" userId="cc64f42d-a1a6-4f08-b97b-0c37f877119f" providerId="ADAL" clId="{E5645173-9704-44B4-82F5-EF2938BAEEFE}" dt="2025-04-19T12:14:55.922" v="1054" actId="700"/>
-          <ac:spMkLst>
-            <pc:docMk/>
-            <pc:sldMk cId="0" sldId="375"/>
-            <ac:spMk id="3" creationId="{00000000-0000-0000-0000-000000000000}"/>
-          </ac:spMkLst>
-        </pc:spChg>
-        <pc:spChg chg="add mod ord">
-          <ac:chgData name="Mohammed Fasha" userId="cc64f42d-a1a6-4f08-b97b-0c37f877119f" providerId="ADAL" clId="{E5645173-9704-44B4-82F5-EF2938BAEEFE}" dt="2025-04-19T12:14:55.922" v="1054" actId="700"/>
-          <ac:spMkLst>
-            <pc:docMk/>
-            <pc:sldMk cId="0" sldId="375"/>
-            <ac:spMk id="5" creationId="{1B37F165-8C6B-B342-1FDE-0DF6753A9F98}"/>
-          </ac:spMkLst>
-        </pc:spChg>
       </pc:sldChg>
       <pc:sldChg chg="addSp modSp add del mod ord modClrScheme chgLayout">
         <pc:chgData name="Mohammed Fasha" userId="cc64f42d-a1a6-4f08-b97b-0c37f877119f" providerId="ADAL" clId="{E5645173-9704-44B4-82F5-EF2938BAEEFE}" dt="2025-04-20T04:08:50.553" v="1833" actId="2696"/>
@@ -3481,22 +2558,6 @@
           <pc:docMk/>
           <pc:sldMk cId="0" sldId="376"/>
         </pc:sldMkLst>
-        <pc:spChg chg="mod ord">
-          <ac:chgData name="Mohammed Fasha" userId="cc64f42d-a1a6-4f08-b97b-0c37f877119f" providerId="ADAL" clId="{E5645173-9704-44B4-82F5-EF2938BAEEFE}" dt="2025-04-19T12:14:55.922" v="1054" actId="700"/>
-          <ac:spMkLst>
-            <pc:docMk/>
-            <pc:sldMk cId="0" sldId="376"/>
-            <ac:spMk id="2" creationId="{00000000-0000-0000-0000-000000000000}"/>
-          </ac:spMkLst>
-        </pc:spChg>
-        <pc:spChg chg="add mod ord">
-          <ac:chgData name="Mohammed Fasha" userId="cc64f42d-a1a6-4f08-b97b-0c37f877119f" providerId="ADAL" clId="{E5645173-9704-44B4-82F5-EF2938BAEEFE}" dt="2025-04-19T12:14:55.922" v="1054" actId="700"/>
-          <ac:spMkLst>
-            <pc:docMk/>
-            <pc:sldMk cId="0" sldId="376"/>
-            <ac:spMk id="7" creationId="{0AD998B2-14EC-9B17-9160-D1A89C4C6A86}"/>
-          </ac:spMkLst>
-        </pc:spChg>
       </pc:sldChg>
       <pc:sldChg chg="addSp modSp add del mod ord modClrScheme chgLayout">
         <pc:chgData name="Mohammed Fasha" userId="cc64f42d-a1a6-4f08-b97b-0c37f877119f" providerId="ADAL" clId="{E5645173-9704-44B4-82F5-EF2938BAEEFE}" dt="2025-04-20T04:08:50.553" v="1833" actId="2696"/>
@@ -3504,22 +2565,6 @@
           <pc:docMk/>
           <pc:sldMk cId="0" sldId="377"/>
         </pc:sldMkLst>
-        <pc:spChg chg="mod ord">
-          <ac:chgData name="Mohammed Fasha" userId="cc64f42d-a1a6-4f08-b97b-0c37f877119f" providerId="ADAL" clId="{E5645173-9704-44B4-82F5-EF2938BAEEFE}" dt="2025-04-19T12:14:55.922" v="1054" actId="700"/>
-          <ac:spMkLst>
-            <pc:docMk/>
-            <pc:sldMk cId="0" sldId="377"/>
-            <ac:spMk id="2" creationId="{00000000-0000-0000-0000-000000000000}"/>
-          </ac:spMkLst>
-        </pc:spChg>
-        <pc:spChg chg="add mod ord">
-          <ac:chgData name="Mohammed Fasha" userId="cc64f42d-a1a6-4f08-b97b-0c37f877119f" providerId="ADAL" clId="{E5645173-9704-44B4-82F5-EF2938BAEEFE}" dt="2025-04-19T12:14:55.922" v="1054" actId="700"/>
-          <ac:spMkLst>
-            <pc:docMk/>
-            <pc:sldMk cId="0" sldId="377"/>
-            <ac:spMk id="6" creationId="{D9F219BB-B6A3-6F5A-B029-D02EBEC184BC}"/>
-          </ac:spMkLst>
-        </pc:spChg>
       </pc:sldChg>
       <pc:sldChg chg="addSp modSp add del mod ord modClrScheme chgLayout">
         <pc:chgData name="Mohammed Fasha" userId="cc64f42d-a1a6-4f08-b97b-0c37f877119f" providerId="ADAL" clId="{E5645173-9704-44B4-82F5-EF2938BAEEFE}" dt="2025-04-20T04:08:50.553" v="1833" actId="2696"/>
@@ -3527,22 +2572,6 @@
           <pc:docMk/>
           <pc:sldMk cId="0" sldId="378"/>
         </pc:sldMkLst>
-        <pc:spChg chg="mod ord">
-          <ac:chgData name="Mohammed Fasha" userId="cc64f42d-a1a6-4f08-b97b-0c37f877119f" providerId="ADAL" clId="{E5645173-9704-44B4-82F5-EF2938BAEEFE}" dt="2025-04-19T12:14:55.922" v="1054" actId="700"/>
-          <ac:spMkLst>
-            <pc:docMk/>
-            <pc:sldMk cId="0" sldId="378"/>
-            <ac:spMk id="6" creationId="{00000000-0000-0000-0000-000000000000}"/>
-          </ac:spMkLst>
-        </pc:spChg>
-        <pc:spChg chg="add mod ord">
-          <ac:chgData name="Mohammed Fasha" userId="cc64f42d-a1a6-4f08-b97b-0c37f877119f" providerId="ADAL" clId="{E5645173-9704-44B4-82F5-EF2938BAEEFE}" dt="2025-04-19T12:14:55.922" v="1054" actId="700"/>
-          <ac:spMkLst>
-            <pc:docMk/>
-            <pc:sldMk cId="0" sldId="378"/>
-            <ac:spMk id="7" creationId="{408F1D5A-E221-0037-8135-E9B7AC7E290E}"/>
-          </ac:spMkLst>
-        </pc:spChg>
       </pc:sldChg>
       <pc:sldChg chg="addSp modSp add del mod ord chgLayout">
         <pc:chgData name="Mohammed Fasha" userId="cc64f42d-a1a6-4f08-b97b-0c37f877119f" providerId="ADAL" clId="{E5645173-9704-44B4-82F5-EF2938BAEEFE}" dt="2025-04-20T04:08:50.553" v="1833" actId="2696"/>
@@ -3550,22 +2579,6 @@
           <pc:docMk/>
           <pc:sldMk cId="0" sldId="379"/>
         </pc:sldMkLst>
-        <pc:spChg chg="mod ord">
-          <ac:chgData name="Mohammed Fasha" userId="cc64f42d-a1a6-4f08-b97b-0c37f877119f" providerId="ADAL" clId="{E5645173-9704-44B4-82F5-EF2938BAEEFE}" dt="2025-04-19T12:14:55.922" v="1054" actId="700"/>
-          <ac:spMkLst>
-            <pc:docMk/>
-            <pc:sldMk cId="0" sldId="379"/>
-            <ac:spMk id="3" creationId="{00000000-0000-0000-0000-000000000000}"/>
-          </ac:spMkLst>
-        </pc:spChg>
-        <pc:spChg chg="add mod ord">
-          <ac:chgData name="Mohammed Fasha" userId="cc64f42d-a1a6-4f08-b97b-0c37f877119f" providerId="ADAL" clId="{E5645173-9704-44B4-82F5-EF2938BAEEFE}" dt="2025-04-19T12:14:55.922" v="1054" actId="700"/>
-          <ac:spMkLst>
-            <pc:docMk/>
-            <pc:sldMk cId="0" sldId="379"/>
-            <ac:spMk id="4" creationId="{576F685C-A1DB-9C68-057C-BC688FCFF4F8}"/>
-          </ac:spMkLst>
-        </pc:spChg>
       </pc:sldChg>
       <pc:sldChg chg="addSp modSp add del mod ord modClrScheme chgLayout">
         <pc:chgData name="Mohammed Fasha" userId="cc64f42d-a1a6-4f08-b97b-0c37f877119f" providerId="ADAL" clId="{E5645173-9704-44B4-82F5-EF2938BAEEFE}" dt="2025-04-20T04:08:50.553" v="1833" actId="2696"/>
@@ -3573,22 +2586,6 @@
           <pc:docMk/>
           <pc:sldMk cId="0" sldId="380"/>
         </pc:sldMkLst>
-        <pc:spChg chg="mod ord">
-          <ac:chgData name="Mohammed Fasha" userId="cc64f42d-a1a6-4f08-b97b-0c37f877119f" providerId="ADAL" clId="{E5645173-9704-44B4-82F5-EF2938BAEEFE}" dt="2025-04-19T12:14:55.922" v="1054" actId="700"/>
-          <ac:spMkLst>
-            <pc:docMk/>
-            <pc:sldMk cId="0" sldId="380"/>
-            <ac:spMk id="2" creationId="{00000000-0000-0000-0000-000000000000}"/>
-          </ac:spMkLst>
-        </pc:spChg>
-        <pc:spChg chg="add mod ord">
-          <ac:chgData name="Mohammed Fasha" userId="cc64f42d-a1a6-4f08-b97b-0c37f877119f" providerId="ADAL" clId="{E5645173-9704-44B4-82F5-EF2938BAEEFE}" dt="2025-04-19T12:14:55.922" v="1054" actId="700"/>
-          <ac:spMkLst>
-            <pc:docMk/>
-            <pc:sldMk cId="0" sldId="380"/>
-            <ac:spMk id="8" creationId="{03B48858-7A68-8ABF-C2DE-901AB15EC218}"/>
-          </ac:spMkLst>
-        </pc:spChg>
       </pc:sldChg>
       <pc:sldChg chg="addSp modSp add del mod ord modClrScheme chgLayout">
         <pc:chgData name="Mohammed Fasha" userId="cc64f42d-a1a6-4f08-b97b-0c37f877119f" providerId="ADAL" clId="{E5645173-9704-44B4-82F5-EF2938BAEEFE}" dt="2025-04-20T04:08:50.553" v="1833" actId="2696"/>
@@ -3596,22 +2593,6 @@
           <pc:docMk/>
           <pc:sldMk cId="0" sldId="381"/>
         </pc:sldMkLst>
-        <pc:spChg chg="mod ord">
-          <ac:chgData name="Mohammed Fasha" userId="cc64f42d-a1a6-4f08-b97b-0c37f877119f" providerId="ADAL" clId="{E5645173-9704-44B4-82F5-EF2938BAEEFE}" dt="2025-04-19T12:14:55.922" v="1054" actId="700"/>
-          <ac:spMkLst>
-            <pc:docMk/>
-            <pc:sldMk cId="0" sldId="381"/>
-            <ac:spMk id="2" creationId="{00000000-0000-0000-0000-000000000000}"/>
-          </ac:spMkLst>
-        </pc:spChg>
-        <pc:spChg chg="add mod ord">
-          <ac:chgData name="Mohammed Fasha" userId="cc64f42d-a1a6-4f08-b97b-0c37f877119f" providerId="ADAL" clId="{E5645173-9704-44B4-82F5-EF2938BAEEFE}" dt="2025-04-19T12:14:55.922" v="1054" actId="700"/>
-          <ac:spMkLst>
-            <pc:docMk/>
-            <pc:sldMk cId="0" sldId="381"/>
-            <ac:spMk id="4" creationId="{79775F5F-46DD-FF96-BE97-9DEDE9803C62}"/>
-          </ac:spMkLst>
-        </pc:spChg>
       </pc:sldChg>
       <pc:sldChg chg="addSp modSp add del mod ord modClrScheme chgLayout">
         <pc:chgData name="Mohammed Fasha" userId="cc64f42d-a1a6-4f08-b97b-0c37f877119f" providerId="ADAL" clId="{E5645173-9704-44B4-82F5-EF2938BAEEFE}" dt="2025-04-20T04:08:50.553" v="1833" actId="2696"/>
@@ -3619,22 +2600,6 @@
           <pc:docMk/>
           <pc:sldMk cId="0" sldId="382"/>
         </pc:sldMkLst>
-        <pc:spChg chg="mod ord">
-          <ac:chgData name="Mohammed Fasha" userId="cc64f42d-a1a6-4f08-b97b-0c37f877119f" providerId="ADAL" clId="{E5645173-9704-44B4-82F5-EF2938BAEEFE}" dt="2025-04-19T12:14:55.922" v="1054" actId="700"/>
-          <ac:spMkLst>
-            <pc:docMk/>
-            <pc:sldMk cId="0" sldId="382"/>
-            <ac:spMk id="2" creationId="{00000000-0000-0000-0000-000000000000}"/>
-          </ac:spMkLst>
-        </pc:spChg>
-        <pc:spChg chg="add mod ord">
-          <ac:chgData name="Mohammed Fasha" userId="cc64f42d-a1a6-4f08-b97b-0c37f877119f" providerId="ADAL" clId="{E5645173-9704-44B4-82F5-EF2938BAEEFE}" dt="2025-04-19T12:14:55.922" v="1054" actId="700"/>
-          <ac:spMkLst>
-            <pc:docMk/>
-            <pc:sldMk cId="0" sldId="382"/>
-            <ac:spMk id="4" creationId="{F4DFACF3-61F4-6181-67FB-80D36F57A5EA}"/>
-          </ac:spMkLst>
-        </pc:spChg>
       </pc:sldChg>
       <pc:sldChg chg="addSp modSp add del mod ord modClrScheme chgLayout">
         <pc:chgData name="Mohammed Fasha" userId="cc64f42d-a1a6-4f08-b97b-0c37f877119f" providerId="ADAL" clId="{E5645173-9704-44B4-82F5-EF2938BAEEFE}" dt="2025-04-20T04:08:50.553" v="1833" actId="2696"/>
@@ -3642,22 +2607,6 @@
           <pc:docMk/>
           <pc:sldMk cId="0" sldId="383"/>
         </pc:sldMkLst>
-        <pc:spChg chg="mod ord">
-          <ac:chgData name="Mohammed Fasha" userId="cc64f42d-a1a6-4f08-b97b-0c37f877119f" providerId="ADAL" clId="{E5645173-9704-44B4-82F5-EF2938BAEEFE}" dt="2025-04-19T12:14:55.922" v="1054" actId="700"/>
-          <ac:spMkLst>
-            <pc:docMk/>
-            <pc:sldMk cId="0" sldId="383"/>
-            <ac:spMk id="2" creationId="{00000000-0000-0000-0000-000000000000}"/>
-          </ac:spMkLst>
-        </pc:spChg>
-        <pc:spChg chg="add mod ord">
-          <ac:chgData name="Mohammed Fasha" userId="cc64f42d-a1a6-4f08-b97b-0c37f877119f" providerId="ADAL" clId="{E5645173-9704-44B4-82F5-EF2938BAEEFE}" dt="2025-04-19T12:14:55.922" v="1054" actId="700"/>
-          <ac:spMkLst>
-            <pc:docMk/>
-            <pc:sldMk cId="0" sldId="383"/>
-            <ac:spMk id="4" creationId="{32013D44-F8A9-D3CE-8F56-FA76F9C7CFE7}"/>
-          </ac:spMkLst>
-        </pc:spChg>
       </pc:sldChg>
       <pc:sldChg chg="addSp modSp add del mod ord modClrScheme chgLayout">
         <pc:chgData name="Mohammed Fasha" userId="cc64f42d-a1a6-4f08-b97b-0c37f877119f" providerId="ADAL" clId="{E5645173-9704-44B4-82F5-EF2938BAEEFE}" dt="2025-04-20T04:08:50.553" v="1833" actId="2696"/>
@@ -3665,22 +2614,6 @@
           <pc:docMk/>
           <pc:sldMk cId="0" sldId="384"/>
         </pc:sldMkLst>
-        <pc:spChg chg="mod ord">
-          <ac:chgData name="Mohammed Fasha" userId="cc64f42d-a1a6-4f08-b97b-0c37f877119f" providerId="ADAL" clId="{E5645173-9704-44B4-82F5-EF2938BAEEFE}" dt="2025-04-19T12:14:55.922" v="1054" actId="700"/>
-          <ac:spMkLst>
-            <pc:docMk/>
-            <pc:sldMk cId="0" sldId="384"/>
-            <ac:spMk id="2" creationId="{00000000-0000-0000-0000-000000000000}"/>
-          </ac:spMkLst>
-        </pc:spChg>
-        <pc:spChg chg="add mod ord">
-          <ac:chgData name="Mohammed Fasha" userId="cc64f42d-a1a6-4f08-b97b-0c37f877119f" providerId="ADAL" clId="{E5645173-9704-44B4-82F5-EF2938BAEEFE}" dt="2025-04-19T12:14:55.922" v="1054" actId="700"/>
-          <ac:spMkLst>
-            <pc:docMk/>
-            <pc:sldMk cId="0" sldId="384"/>
-            <ac:spMk id="4" creationId="{ADB74D02-80A5-5600-BE41-1A7802327616}"/>
-          </ac:spMkLst>
-        </pc:spChg>
       </pc:sldChg>
       <pc:sldChg chg="addSp modSp add del mod ord modClrScheme chgLayout">
         <pc:chgData name="Mohammed Fasha" userId="cc64f42d-a1a6-4f08-b97b-0c37f877119f" providerId="ADAL" clId="{E5645173-9704-44B4-82F5-EF2938BAEEFE}" dt="2025-04-20T04:08:50.553" v="1833" actId="2696"/>
@@ -3688,22 +2621,6 @@
           <pc:docMk/>
           <pc:sldMk cId="0" sldId="385"/>
         </pc:sldMkLst>
-        <pc:spChg chg="mod ord">
-          <ac:chgData name="Mohammed Fasha" userId="cc64f42d-a1a6-4f08-b97b-0c37f877119f" providerId="ADAL" clId="{E5645173-9704-44B4-82F5-EF2938BAEEFE}" dt="2025-04-19T12:14:55.922" v="1054" actId="700"/>
-          <ac:spMkLst>
-            <pc:docMk/>
-            <pc:sldMk cId="0" sldId="385"/>
-            <ac:spMk id="2" creationId="{00000000-0000-0000-0000-000000000000}"/>
-          </ac:spMkLst>
-        </pc:spChg>
-        <pc:spChg chg="add mod ord">
-          <ac:chgData name="Mohammed Fasha" userId="cc64f42d-a1a6-4f08-b97b-0c37f877119f" providerId="ADAL" clId="{E5645173-9704-44B4-82F5-EF2938BAEEFE}" dt="2025-04-19T12:14:55.922" v="1054" actId="700"/>
-          <ac:spMkLst>
-            <pc:docMk/>
-            <pc:sldMk cId="0" sldId="385"/>
-            <ac:spMk id="7" creationId="{A7C6254A-A0AD-20FD-C373-195BC7BFADAC}"/>
-          </ac:spMkLst>
-        </pc:spChg>
       </pc:sldChg>
       <pc:sldChg chg="addSp modSp add del mod ord modClrScheme chgLayout">
         <pc:chgData name="Mohammed Fasha" userId="cc64f42d-a1a6-4f08-b97b-0c37f877119f" providerId="ADAL" clId="{E5645173-9704-44B4-82F5-EF2938BAEEFE}" dt="2025-04-20T04:08:50.553" v="1833" actId="2696"/>
@@ -3711,22 +2628,6 @@
           <pc:docMk/>
           <pc:sldMk cId="0" sldId="386"/>
         </pc:sldMkLst>
-        <pc:spChg chg="mod ord">
-          <ac:chgData name="Mohammed Fasha" userId="cc64f42d-a1a6-4f08-b97b-0c37f877119f" providerId="ADAL" clId="{E5645173-9704-44B4-82F5-EF2938BAEEFE}" dt="2025-04-19T12:14:55.922" v="1054" actId="700"/>
-          <ac:spMkLst>
-            <pc:docMk/>
-            <pc:sldMk cId="0" sldId="386"/>
-            <ac:spMk id="2" creationId="{00000000-0000-0000-0000-000000000000}"/>
-          </ac:spMkLst>
-        </pc:spChg>
-        <pc:spChg chg="add mod ord">
-          <ac:chgData name="Mohammed Fasha" userId="cc64f42d-a1a6-4f08-b97b-0c37f877119f" providerId="ADAL" clId="{E5645173-9704-44B4-82F5-EF2938BAEEFE}" dt="2025-04-19T12:14:55.922" v="1054" actId="700"/>
-          <ac:spMkLst>
-            <pc:docMk/>
-            <pc:sldMk cId="0" sldId="386"/>
-            <ac:spMk id="4" creationId="{77BE8C55-5BC3-227C-4FC3-3FC82B011CB8}"/>
-          </ac:spMkLst>
-        </pc:spChg>
       </pc:sldChg>
       <pc:sldChg chg="addSp modSp add del mod ord modClrScheme chgLayout">
         <pc:chgData name="Mohammed Fasha" userId="cc64f42d-a1a6-4f08-b97b-0c37f877119f" providerId="ADAL" clId="{E5645173-9704-44B4-82F5-EF2938BAEEFE}" dt="2025-04-20T04:08:50.553" v="1833" actId="2696"/>
@@ -3734,22 +2635,6 @@
           <pc:docMk/>
           <pc:sldMk cId="0" sldId="387"/>
         </pc:sldMkLst>
-        <pc:spChg chg="mod ord">
-          <ac:chgData name="Mohammed Fasha" userId="cc64f42d-a1a6-4f08-b97b-0c37f877119f" providerId="ADAL" clId="{E5645173-9704-44B4-82F5-EF2938BAEEFE}" dt="2025-04-19T12:14:55.922" v="1054" actId="700"/>
-          <ac:spMkLst>
-            <pc:docMk/>
-            <pc:sldMk cId="0" sldId="387"/>
-            <ac:spMk id="6" creationId="{00000000-0000-0000-0000-000000000000}"/>
-          </ac:spMkLst>
-        </pc:spChg>
-        <pc:spChg chg="add mod ord">
-          <ac:chgData name="Mohammed Fasha" userId="cc64f42d-a1a6-4f08-b97b-0c37f877119f" providerId="ADAL" clId="{E5645173-9704-44B4-82F5-EF2938BAEEFE}" dt="2025-04-19T12:14:55.922" v="1054" actId="700"/>
-          <ac:spMkLst>
-            <pc:docMk/>
-            <pc:sldMk cId="0" sldId="387"/>
-            <ac:spMk id="7" creationId="{AA73D92B-04C2-DFB2-680C-B9047E93EF14}"/>
-          </ac:spMkLst>
-        </pc:spChg>
       </pc:sldChg>
       <pc:sldChg chg="addSp modSp add del mod ord chgLayout">
         <pc:chgData name="Mohammed Fasha" userId="cc64f42d-a1a6-4f08-b97b-0c37f877119f" providerId="ADAL" clId="{E5645173-9704-44B4-82F5-EF2938BAEEFE}" dt="2025-04-20T04:08:50.553" v="1833" actId="2696"/>
@@ -3757,22 +2642,6 @@
           <pc:docMk/>
           <pc:sldMk cId="0" sldId="388"/>
         </pc:sldMkLst>
-        <pc:spChg chg="mod ord">
-          <ac:chgData name="Mohammed Fasha" userId="cc64f42d-a1a6-4f08-b97b-0c37f877119f" providerId="ADAL" clId="{E5645173-9704-44B4-82F5-EF2938BAEEFE}" dt="2025-04-19T12:14:55.922" v="1054" actId="700"/>
-          <ac:spMkLst>
-            <pc:docMk/>
-            <pc:sldMk cId="0" sldId="388"/>
-            <ac:spMk id="3" creationId="{00000000-0000-0000-0000-000000000000}"/>
-          </ac:spMkLst>
-        </pc:spChg>
-        <pc:spChg chg="add mod ord">
-          <ac:chgData name="Mohammed Fasha" userId="cc64f42d-a1a6-4f08-b97b-0c37f877119f" providerId="ADAL" clId="{E5645173-9704-44B4-82F5-EF2938BAEEFE}" dt="2025-04-19T12:14:55.922" v="1054" actId="700"/>
-          <ac:spMkLst>
-            <pc:docMk/>
-            <pc:sldMk cId="0" sldId="388"/>
-            <ac:spMk id="4" creationId="{32ACFF96-A45F-5A57-5BAE-5C9D3BA9F50C}"/>
-          </ac:spMkLst>
-        </pc:spChg>
       </pc:sldChg>
       <pc:sldChg chg="addSp modSp add del mod ord chgLayout">
         <pc:chgData name="Mohammed Fasha" userId="cc64f42d-a1a6-4f08-b97b-0c37f877119f" providerId="ADAL" clId="{E5645173-9704-44B4-82F5-EF2938BAEEFE}" dt="2025-04-20T04:08:50.553" v="1833" actId="2696"/>
@@ -3780,22 +2649,6 @@
           <pc:docMk/>
           <pc:sldMk cId="0" sldId="389"/>
         </pc:sldMkLst>
-        <pc:spChg chg="mod ord">
-          <ac:chgData name="Mohammed Fasha" userId="cc64f42d-a1a6-4f08-b97b-0c37f877119f" providerId="ADAL" clId="{E5645173-9704-44B4-82F5-EF2938BAEEFE}" dt="2025-04-19T12:14:55.922" v="1054" actId="700"/>
-          <ac:spMkLst>
-            <pc:docMk/>
-            <pc:sldMk cId="0" sldId="389"/>
-            <ac:spMk id="3" creationId="{00000000-0000-0000-0000-000000000000}"/>
-          </ac:spMkLst>
-        </pc:spChg>
-        <pc:spChg chg="add mod ord">
-          <ac:chgData name="Mohammed Fasha" userId="cc64f42d-a1a6-4f08-b97b-0c37f877119f" providerId="ADAL" clId="{E5645173-9704-44B4-82F5-EF2938BAEEFE}" dt="2025-04-19T12:14:55.922" v="1054" actId="700"/>
-          <ac:spMkLst>
-            <pc:docMk/>
-            <pc:sldMk cId="0" sldId="389"/>
-            <ac:spMk id="4" creationId="{48D65433-AF9A-34D8-E538-A548A57A94D4}"/>
-          </ac:spMkLst>
-        </pc:spChg>
       </pc:sldChg>
       <pc:sldChg chg="addSp delSp modSp add del mod ord chgLayout">
         <pc:chgData name="Mohammed Fasha" userId="cc64f42d-a1a6-4f08-b97b-0c37f877119f" providerId="ADAL" clId="{E5645173-9704-44B4-82F5-EF2938BAEEFE}" dt="2025-04-20T04:08:50.553" v="1833" actId="2696"/>
@@ -3803,30 +2656,6 @@
           <pc:docMk/>
           <pc:sldMk cId="0" sldId="390"/>
         </pc:sldMkLst>
-        <pc:spChg chg="del mod">
-          <ac:chgData name="Mohammed Fasha" userId="cc64f42d-a1a6-4f08-b97b-0c37f877119f" providerId="ADAL" clId="{E5645173-9704-44B4-82F5-EF2938BAEEFE}" dt="2025-04-19T14:40:29.509" v="1565"/>
-          <ac:spMkLst>
-            <pc:docMk/>
-            <pc:sldMk cId="0" sldId="390"/>
-            <ac:spMk id="2" creationId="{00000000-0000-0000-0000-000000000000}"/>
-          </ac:spMkLst>
-        </pc:spChg>
-        <pc:spChg chg="mod ord">
-          <ac:chgData name="Mohammed Fasha" userId="cc64f42d-a1a6-4f08-b97b-0c37f877119f" providerId="ADAL" clId="{E5645173-9704-44B4-82F5-EF2938BAEEFE}" dt="2025-04-19T12:14:55.922" v="1054" actId="700"/>
-          <ac:spMkLst>
-            <pc:docMk/>
-            <pc:sldMk cId="0" sldId="390"/>
-            <ac:spMk id="3" creationId="{00000000-0000-0000-0000-000000000000}"/>
-          </ac:spMkLst>
-        </pc:spChg>
-        <pc:spChg chg="add mod ord">
-          <ac:chgData name="Mohammed Fasha" userId="cc64f42d-a1a6-4f08-b97b-0c37f877119f" providerId="ADAL" clId="{E5645173-9704-44B4-82F5-EF2938BAEEFE}" dt="2025-04-19T14:40:28.270" v="1563"/>
-          <ac:spMkLst>
-            <pc:docMk/>
-            <pc:sldMk cId="0" sldId="390"/>
-            <ac:spMk id="4" creationId="{784E0EB8-C73F-5255-11EA-7D1A1C214DA0}"/>
-          </ac:spMkLst>
-        </pc:spChg>
       </pc:sldChg>
       <pc:sldChg chg="addSp modSp add del mod ord chgLayout">
         <pc:chgData name="Mohammed Fasha" userId="cc64f42d-a1a6-4f08-b97b-0c37f877119f" providerId="ADAL" clId="{E5645173-9704-44B4-82F5-EF2938BAEEFE}" dt="2025-04-20T04:08:50.553" v="1833" actId="2696"/>
@@ -3834,22 +2663,6 @@
           <pc:docMk/>
           <pc:sldMk cId="0" sldId="391"/>
         </pc:sldMkLst>
-        <pc:spChg chg="mod ord">
-          <ac:chgData name="Mohammed Fasha" userId="cc64f42d-a1a6-4f08-b97b-0c37f877119f" providerId="ADAL" clId="{E5645173-9704-44B4-82F5-EF2938BAEEFE}" dt="2025-04-19T12:14:55.922" v="1054" actId="700"/>
-          <ac:spMkLst>
-            <pc:docMk/>
-            <pc:sldMk cId="0" sldId="391"/>
-            <ac:spMk id="3" creationId="{00000000-0000-0000-0000-000000000000}"/>
-          </ac:spMkLst>
-        </pc:spChg>
-        <pc:spChg chg="add mod ord">
-          <ac:chgData name="Mohammed Fasha" userId="cc64f42d-a1a6-4f08-b97b-0c37f877119f" providerId="ADAL" clId="{E5645173-9704-44B4-82F5-EF2938BAEEFE}" dt="2025-04-19T12:14:55.922" v="1054" actId="700"/>
-          <ac:spMkLst>
-            <pc:docMk/>
-            <pc:sldMk cId="0" sldId="391"/>
-            <ac:spMk id="4" creationId="{786D87F4-347D-5D02-3C43-ADB33F52D126}"/>
-          </ac:spMkLst>
-        </pc:spChg>
       </pc:sldChg>
       <pc:sldChg chg="addSp modSp add del mod ord modClrScheme chgLayout">
         <pc:chgData name="Mohammed Fasha" userId="cc64f42d-a1a6-4f08-b97b-0c37f877119f" providerId="ADAL" clId="{E5645173-9704-44B4-82F5-EF2938BAEEFE}" dt="2025-04-20T04:08:50.553" v="1833" actId="2696"/>
@@ -3857,22 +2670,6 @@
           <pc:docMk/>
           <pc:sldMk cId="0" sldId="392"/>
         </pc:sldMkLst>
-        <pc:spChg chg="mod ord">
-          <ac:chgData name="Mohammed Fasha" userId="cc64f42d-a1a6-4f08-b97b-0c37f877119f" providerId="ADAL" clId="{E5645173-9704-44B4-82F5-EF2938BAEEFE}" dt="2025-04-19T12:14:55.922" v="1054" actId="700"/>
-          <ac:spMkLst>
-            <pc:docMk/>
-            <pc:sldMk cId="0" sldId="392"/>
-            <ac:spMk id="6" creationId="{00000000-0000-0000-0000-000000000000}"/>
-          </ac:spMkLst>
-        </pc:spChg>
-        <pc:spChg chg="add mod ord">
-          <ac:chgData name="Mohammed Fasha" userId="cc64f42d-a1a6-4f08-b97b-0c37f877119f" providerId="ADAL" clId="{E5645173-9704-44B4-82F5-EF2938BAEEFE}" dt="2025-04-19T12:14:55.922" v="1054" actId="700"/>
-          <ac:spMkLst>
-            <pc:docMk/>
-            <pc:sldMk cId="0" sldId="392"/>
-            <ac:spMk id="7" creationId="{26D97DC0-5CF6-56AA-63C4-1EFA1909FB16}"/>
-          </ac:spMkLst>
-        </pc:spChg>
       </pc:sldChg>
       <pc:sldChg chg="addSp modSp add del mod ord modClrScheme chgLayout">
         <pc:chgData name="Mohammed Fasha" userId="cc64f42d-a1a6-4f08-b97b-0c37f877119f" providerId="ADAL" clId="{E5645173-9704-44B4-82F5-EF2938BAEEFE}" dt="2025-04-20T04:08:50.553" v="1833" actId="2696"/>
@@ -3880,22 +2677,6 @@
           <pc:docMk/>
           <pc:sldMk cId="0" sldId="393"/>
         </pc:sldMkLst>
-        <pc:spChg chg="mod ord">
-          <ac:chgData name="Mohammed Fasha" userId="cc64f42d-a1a6-4f08-b97b-0c37f877119f" providerId="ADAL" clId="{E5645173-9704-44B4-82F5-EF2938BAEEFE}" dt="2025-04-19T12:14:55.922" v="1054" actId="700"/>
-          <ac:spMkLst>
-            <pc:docMk/>
-            <pc:sldMk cId="0" sldId="393"/>
-            <ac:spMk id="2" creationId="{00000000-0000-0000-0000-000000000000}"/>
-          </ac:spMkLst>
-        </pc:spChg>
-        <pc:spChg chg="add mod ord">
-          <ac:chgData name="Mohammed Fasha" userId="cc64f42d-a1a6-4f08-b97b-0c37f877119f" providerId="ADAL" clId="{E5645173-9704-44B4-82F5-EF2938BAEEFE}" dt="2025-04-19T12:14:55.922" v="1054" actId="700"/>
-          <ac:spMkLst>
-            <pc:docMk/>
-            <pc:sldMk cId="0" sldId="393"/>
-            <ac:spMk id="6" creationId="{AE8001DF-AABD-299A-E45A-6F2DE6F6C22B}"/>
-          </ac:spMkLst>
-        </pc:spChg>
       </pc:sldChg>
       <pc:sldChg chg="addSp modSp add del mod ord chgLayout">
         <pc:chgData name="Mohammed Fasha" userId="cc64f42d-a1a6-4f08-b97b-0c37f877119f" providerId="ADAL" clId="{E5645173-9704-44B4-82F5-EF2938BAEEFE}" dt="2025-04-20T04:08:50.553" v="1833" actId="2696"/>
@@ -3903,22 +2684,6 @@
           <pc:docMk/>
           <pc:sldMk cId="0" sldId="394"/>
         </pc:sldMkLst>
-        <pc:spChg chg="mod ord">
-          <ac:chgData name="Mohammed Fasha" userId="cc64f42d-a1a6-4f08-b97b-0c37f877119f" providerId="ADAL" clId="{E5645173-9704-44B4-82F5-EF2938BAEEFE}" dt="2025-04-19T12:14:55.922" v="1054" actId="700"/>
-          <ac:spMkLst>
-            <pc:docMk/>
-            <pc:sldMk cId="0" sldId="394"/>
-            <ac:spMk id="2" creationId="{00000000-0000-0000-0000-000000000000}"/>
-          </ac:spMkLst>
-        </pc:spChg>
-        <pc:spChg chg="add mod ord">
-          <ac:chgData name="Mohammed Fasha" userId="cc64f42d-a1a6-4f08-b97b-0c37f877119f" providerId="ADAL" clId="{E5645173-9704-44B4-82F5-EF2938BAEEFE}" dt="2025-04-19T12:14:55.922" v="1054" actId="700"/>
-          <ac:spMkLst>
-            <pc:docMk/>
-            <pc:sldMk cId="0" sldId="394"/>
-            <ac:spMk id="6" creationId="{9018AE85-2CC4-3F87-6392-DFB6CB3B135D}"/>
-          </ac:spMkLst>
-        </pc:spChg>
       </pc:sldChg>
       <pc:sldChg chg="addSp modSp add del mod ord chgLayout">
         <pc:chgData name="Mohammed Fasha" userId="cc64f42d-a1a6-4f08-b97b-0c37f877119f" providerId="ADAL" clId="{E5645173-9704-44B4-82F5-EF2938BAEEFE}" dt="2025-04-20T04:08:50.553" v="1833" actId="2696"/>
@@ -3926,22 +2691,6 @@
           <pc:docMk/>
           <pc:sldMk cId="0" sldId="395"/>
         </pc:sldMkLst>
-        <pc:spChg chg="mod ord">
-          <ac:chgData name="Mohammed Fasha" userId="cc64f42d-a1a6-4f08-b97b-0c37f877119f" providerId="ADAL" clId="{E5645173-9704-44B4-82F5-EF2938BAEEFE}" dt="2025-04-19T12:14:55.922" v="1054" actId="700"/>
-          <ac:spMkLst>
-            <pc:docMk/>
-            <pc:sldMk cId="0" sldId="395"/>
-            <ac:spMk id="2" creationId="{00000000-0000-0000-0000-000000000000}"/>
-          </ac:spMkLst>
-        </pc:spChg>
-        <pc:spChg chg="add mod ord">
-          <ac:chgData name="Mohammed Fasha" userId="cc64f42d-a1a6-4f08-b97b-0c37f877119f" providerId="ADAL" clId="{E5645173-9704-44B4-82F5-EF2938BAEEFE}" dt="2025-04-19T12:14:55.922" v="1054" actId="700"/>
-          <ac:spMkLst>
-            <pc:docMk/>
-            <pc:sldMk cId="0" sldId="395"/>
-            <ac:spMk id="6" creationId="{9FC9A7F2-C28B-3C28-2E44-DBCCCA6EF297}"/>
-          </ac:spMkLst>
-        </pc:spChg>
       </pc:sldChg>
       <pc:sldChg chg="addSp modSp add del mod ord chgLayout">
         <pc:chgData name="Mohammed Fasha" userId="cc64f42d-a1a6-4f08-b97b-0c37f877119f" providerId="ADAL" clId="{E5645173-9704-44B4-82F5-EF2938BAEEFE}" dt="2025-04-20T04:08:50.553" v="1833" actId="2696"/>
@@ -3949,22 +2698,6 @@
           <pc:docMk/>
           <pc:sldMk cId="0" sldId="396"/>
         </pc:sldMkLst>
-        <pc:spChg chg="mod ord">
-          <ac:chgData name="Mohammed Fasha" userId="cc64f42d-a1a6-4f08-b97b-0c37f877119f" providerId="ADAL" clId="{E5645173-9704-44B4-82F5-EF2938BAEEFE}" dt="2025-04-19T12:14:55.922" v="1054" actId="700"/>
-          <ac:spMkLst>
-            <pc:docMk/>
-            <pc:sldMk cId="0" sldId="396"/>
-            <ac:spMk id="2" creationId="{00000000-0000-0000-0000-000000000000}"/>
-          </ac:spMkLst>
-        </pc:spChg>
-        <pc:spChg chg="add mod ord">
-          <ac:chgData name="Mohammed Fasha" userId="cc64f42d-a1a6-4f08-b97b-0c37f877119f" providerId="ADAL" clId="{E5645173-9704-44B4-82F5-EF2938BAEEFE}" dt="2025-04-19T12:14:55.922" v="1054" actId="700"/>
-          <ac:spMkLst>
-            <pc:docMk/>
-            <pc:sldMk cId="0" sldId="396"/>
-            <ac:spMk id="7" creationId="{4240C2C0-910B-9EFB-9ACB-9F523D2BA3D3}"/>
-          </ac:spMkLst>
-        </pc:spChg>
       </pc:sldChg>
       <pc:sldChg chg="addSp modSp add del mod ord chgLayout">
         <pc:chgData name="Mohammed Fasha" userId="cc64f42d-a1a6-4f08-b97b-0c37f877119f" providerId="ADAL" clId="{E5645173-9704-44B4-82F5-EF2938BAEEFE}" dt="2025-04-20T04:08:50.553" v="1833" actId="2696"/>
@@ -3972,22 +2705,6 @@
           <pc:docMk/>
           <pc:sldMk cId="0" sldId="397"/>
         </pc:sldMkLst>
-        <pc:spChg chg="mod ord">
-          <ac:chgData name="Mohammed Fasha" userId="cc64f42d-a1a6-4f08-b97b-0c37f877119f" providerId="ADAL" clId="{E5645173-9704-44B4-82F5-EF2938BAEEFE}" dt="2025-04-19T12:14:55.922" v="1054" actId="700"/>
-          <ac:spMkLst>
-            <pc:docMk/>
-            <pc:sldMk cId="0" sldId="397"/>
-            <ac:spMk id="2" creationId="{00000000-0000-0000-0000-000000000000}"/>
-          </ac:spMkLst>
-        </pc:spChg>
-        <pc:spChg chg="add mod ord">
-          <ac:chgData name="Mohammed Fasha" userId="cc64f42d-a1a6-4f08-b97b-0c37f877119f" providerId="ADAL" clId="{E5645173-9704-44B4-82F5-EF2938BAEEFE}" dt="2025-04-19T12:14:55.922" v="1054" actId="700"/>
-          <ac:spMkLst>
-            <pc:docMk/>
-            <pc:sldMk cId="0" sldId="397"/>
-            <ac:spMk id="7" creationId="{4B529D9C-B71A-6D43-6AA7-1C707A7B970B}"/>
-          </ac:spMkLst>
-        </pc:spChg>
       </pc:sldChg>
       <pc:sldChg chg="addSp modSp add del mod ord chgLayout">
         <pc:chgData name="Mohammed Fasha" userId="cc64f42d-a1a6-4f08-b97b-0c37f877119f" providerId="ADAL" clId="{E5645173-9704-44B4-82F5-EF2938BAEEFE}" dt="2025-04-20T04:08:50.553" v="1833" actId="2696"/>
@@ -3995,22 +2712,6 @@
           <pc:docMk/>
           <pc:sldMk cId="0" sldId="398"/>
         </pc:sldMkLst>
-        <pc:spChg chg="mod ord">
-          <ac:chgData name="Mohammed Fasha" userId="cc64f42d-a1a6-4f08-b97b-0c37f877119f" providerId="ADAL" clId="{E5645173-9704-44B4-82F5-EF2938BAEEFE}" dt="2025-04-19T12:14:55.922" v="1054" actId="700"/>
-          <ac:spMkLst>
-            <pc:docMk/>
-            <pc:sldMk cId="0" sldId="398"/>
-            <ac:spMk id="2" creationId="{00000000-0000-0000-0000-000000000000}"/>
-          </ac:spMkLst>
-        </pc:spChg>
-        <pc:spChg chg="add mod ord">
-          <ac:chgData name="Mohammed Fasha" userId="cc64f42d-a1a6-4f08-b97b-0c37f877119f" providerId="ADAL" clId="{E5645173-9704-44B4-82F5-EF2938BAEEFE}" dt="2025-04-19T12:14:55.922" v="1054" actId="700"/>
-          <ac:spMkLst>
-            <pc:docMk/>
-            <pc:sldMk cId="0" sldId="398"/>
-            <ac:spMk id="7" creationId="{7B72F8BC-A68E-2552-7B88-596709981DCD}"/>
-          </ac:spMkLst>
-        </pc:spChg>
       </pc:sldChg>
       <pc:sldChg chg="addSp modSp add del mod ord modClrScheme chgLayout">
         <pc:chgData name="Mohammed Fasha" userId="cc64f42d-a1a6-4f08-b97b-0c37f877119f" providerId="ADAL" clId="{E5645173-9704-44B4-82F5-EF2938BAEEFE}" dt="2025-04-20T04:08:50.553" v="1833" actId="2696"/>
@@ -4018,22 +2719,6 @@
           <pc:docMk/>
           <pc:sldMk cId="0" sldId="399"/>
         </pc:sldMkLst>
-        <pc:spChg chg="add mod ord">
-          <ac:chgData name="Mohammed Fasha" userId="cc64f42d-a1a6-4f08-b97b-0c37f877119f" providerId="ADAL" clId="{E5645173-9704-44B4-82F5-EF2938BAEEFE}" dt="2025-04-19T12:14:55.922" v="1054" actId="700"/>
-          <ac:spMkLst>
-            <pc:docMk/>
-            <pc:sldMk cId="0" sldId="399"/>
-            <ac:spMk id="3" creationId="{17AF354E-3F59-CD43-A955-D5CB11CB1FE7}"/>
-          </ac:spMkLst>
-        </pc:spChg>
-        <pc:spChg chg="add mod ord">
-          <ac:chgData name="Mohammed Fasha" userId="cc64f42d-a1a6-4f08-b97b-0c37f877119f" providerId="ADAL" clId="{E5645173-9704-44B4-82F5-EF2938BAEEFE}" dt="2025-04-19T12:14:55.922" v="1054" actId="700"/>
-          <ac:spMkLst>
-            <pc:docMk/>
-            <pc:sldMk cId="0" sldId="399"/>
-            <ac:spMk id="4" creationId="{27DCE719-EA5C-2C5B-8FD7-E09D0F5CB587}"/>
-          </ac:spMkLst>
-        </pc:spChg>
       </pc:sldChg>
       <pc:sldChg chg="addSp modSp add del mod ord chgLayout">
         <pc:chgData name="Mohammed Fasha" userId="cc64f42d-a1a6-4f08-b97b-0c37f877119f" providerId="ADAL" clId="{E5645173-9704-44B4-82F5-EF2938BAEEFE}" dt="2025-04-20T04:08:50.553" v="1833" actId="2696"/>
@@ -4041,22 +2726,6 @@
           <pc:docMk/>
           <pc:sldMk cId="0" sldId="400"/>
         </pc:sldMkLst>
-        <pc:spChg chg="mod ord">
-          <ac:chgData name="Mohammed Fasha" userId="cc64f42d-a1a6-4f08-b97b-0c37f877119f" providerId="ADAL" clId="{E5645173-9704-44B4-82F5-EF2938BAEEFE}" dt="2025-04-19T12:14:55.922" v="1054" actId="700"/>
-          <ac:spMkLst>
-            <pc:docMk/>
-            <pc:sldMk cId="0" sldId="400"/>
-            <ac:spMk id="6" creationId="{00000000-0000-0000-0000-000000000000}"/>
-          </ac:spMkLst>
-        </pc:spChg>
-        <pc:spChg chg="add mod ord">
-          <ac:chgData name="Mohammed Fasha" userId="cc64f42d-a1a6-4f08-b97b-0c37f877119f" providerId="ADAL" clId="{E5645173-9704-44B4-82F5-EF2938BAEEFE}" dt="2025-04-19T12:14:55.922" v="1054" actId="700"/>
-          <ac:spMkLst>
-            <pc:docMk/>
-            <pc:sldMk cId="0" sldId="400"/>
-            <ac:spMk id="8" creationId="{E7B024C3-0810-0655-6911-38416D333017}"/>
-          </ac:spMkLst>
-        </pc:spChg>
       </pc:sldChg>
       <pc:sldChg chg="del">
         <pc:chgData name="Mohammed Fasha" userId="cc64f42d-a1a6-4f08-b97b-0c37f877119f" providerId="ADAL" clId="{E5645173-9704-44B4-82F5-EF2938BAEEFE}" dt="2025-04-17T04:47:03.566" v="548" actId="47"/>
@@ -4594,7 +3263,7 @@
         </pc:sldMkLst>
       </pc:sldChg>
       <pc:sldChg chg="modSp mod">
-        <pc:chgData name="Mohammed Fasha" userId="cc64f42d-a1a6-4f08-b97b-0c37f877119f" providerId="ADAL" clId="{E5645173-9704-44B4-82F5-EF2938BAEEFE}" dt="2025-04-20T05:19:34.360" v="2001" actId="113"/>
+        <pc:chgData name="Mohammed Fasha" userId="cc64f42d-a1a6-4f08-b97b-0c37f877119f" providerId="ADAL" clId="{E5645173-9704-44B4-82F5-EF2938BAEEFE}" dt="2025-04-21T15:50:38.384" v="2011" actId="14100"/>
         <pc:sldMkLst>
           <pc:docMk/>
           <pc:sldMk cId="3886989038" sldId="538"/>
@@ -4615,6 +3284,14 @@
             <ac:spMk id="3" creationId="{33F57CBD-BDEE-A091-DC95-C0CF009F3621}"/>
           </ac:spMkLst>
         </pc:spChg>
+        <pc:picChg chg="mod">
+          <ac:chgData name="Mohammed Fasha" userId="cc64f42d-a1a6-4f08-b97b-0c37f877119f" providerId="ADAL" clId="{E5645173-9704-44B4-82F5-EF2938BAEEFE}" dt="2025-04-21T15:50:38.384" v="2011" actId="14100"/>
+          <ac:picMkLst>
+            <pc:docMk/>
+            <pc:sldMk cId="3886989038" sldId="538"/>
+            <ac:picMk id="8" creationId="{58FEE496-BE6E-2DC0-B85C-A17DCDB3C65D}"/>
+          </ac:picMkLst>
+        </pc:picChg>
         <pc:picChg chg="mod">
           <ac:chgData name="Mohammed Fasha" userId="cc64f42d-a1a6-4f08-b97b-0c37f877119f" providerId="ADAL" clId="{E5645173-9704-44B4-82F5-EF2938BAEEFE}" dt="2025-04-20T03:26:17.537" v="1785"/>
           <ac:picMkLst>
@@ -4839,14 +3516,6 @@
           <pc:docMk/>
           <pc:sldMk cId="3039349227" sldId="560"/>
         </pc:sldMkLst>
-        <pc:picChg chg="add del mod">
-          <ac:chgData name="Mohammed Fasha" userId="cc64f42d-a1a6-4f08-b97b-0c37f877119f" providerId="ADAL" clId="{E5645173-9704-44B4-82F5-EF2938BAEEFE}" dt="2025-04-19T11:45:34.683" v="735" actId="21"/>
-          <ac:picMkLst>
-            <pc:docMk/>
-            <pc:sldMk cId="3039349227" sldId="560"/>
-            <ac:picMk id="5" creationId="{37A58265-11F2-A1C4-4B69-5B0879A3AE81}"/>
-          </ac:picMkLst>
-        </pc:picChg>
       </pc:sldChg>
       <pc:sldChg chg="add del">
         <pc:chgData name="Mohammed Fasha" userId="cc64f42d-a1a6-4f08-b97b-0c37f877119f" providerId="ADAL" clId="{E5645173-9704-44B4-82F5-EF2938BAEEFE}" dt="2025-04-16T20:15:56.431" v="6" actId="47"/>
@@ -5038,14 +3707,6 @@
             <ac:spMk id="4" creationId="{FCF54BED-773C-0EFB-ED6F-D5033C2884E9}"/>
           </ac:spMkLst>
         </pc:spChg>
-        <pc:spChg chg="add mod">
-          <ac:chgData name="Mohammed Fasha" userId="cc64f42d-a1a6-4f08-b97b-0c37f877119f" providerId="ADAL" clId="{E5645173-9704-44B4-82F5-EF2938BAEEFE}" dt="2025-04-17T04:56:56.736" v="678" actId="1076"/>
-          <ac:spMkLst>
-            <pc:docMk/>
-            <pc:sldMk cId="1979549403" sldId="566"/>
-            <ac:spMk id="10" creationId="{C28EF554-3C95-B58D-143F-AB3019BB32E0}"/>
-          </ac:spMkLst>
-        </pc:spChg>
         <pc:picChg chg="add mod">
           <ac:chgData name="Mohammed Fasha" userId="cc64f42d-a1a6-4f08-b97b-0c37f877119f" providerId="ADAL" clId="{E5645173-9704-44B4-82F5-EF2938BAEEFE}" dt="2025-04-20T04:43:19.908" v="1836"/>
           <ac:picMkLst>
@@ -5214,38 +3875,6 @@
           <pc:docMk/>
           <pc:sldMk cId="4066623014" sldId="573"/>
         </pc:sldMkLst>
-        <pc:spChg chg="add del mod">
-          <ac:chgData name="Mohammed Fasha" userId="cc64f42d-a1a6-4f08-b97b-0c37f877119f" providerId="ADAL" clId="{E5645173-9704-44B4-82F5-EF2938BAEEFE}" dt="2025-04-16T20:31:08.227" v="202" actId="20577"/>
-          <ac:spMkLst>
-            <pc:docMk/>
-            <pc:sldMk cId="4066623014" sldId="573"/>
-            <ac:spMk id="2" creationId="{B59AF86D-A76E-2D09-29A1-2C9EEDCAEEE0}"/>
-          </ac:spMkLst>
-        </pc:spChg>
-        <pc:spChg chg="add mod">
-          <ac:chgData name="Mohammed Fasha" userId="cc64f42d-a1a6-4f08-b97b-0c37f877119f" providerId="ADAL" clId="{E5645173-9704-44B4-82F5-EF2938BAEEFE}" dt="2025-04-17T04:57:22.961" v="683" actId="20577"/>
-          <ac:spMkLst>
-            <pc:docMk/>
-            <pc:sldMk cId="4066623014" sldId="573"/>
-            <ac:spMk id="10" creationId="{911E4559-D11C-C5AC-15D5-2D9673FF86FD}"/>
-          </ac:spMkLst>
-        </pc:spChg>
-        <pc:spChg chg="add mod">
-          <ac:chgData name="Mohammed Fasha" userId="cc64f42d-a1a6-4f08-b97b-0c37f877119f" providerId="ADAL" clId="{E5645173-9704-44B4-82F5-EF2938BAEEFE}" dt="2025-04-17T04:58:09.474" v="687" actId="179"/>
-          <ac:spMkLst>
-            <pc:docMk/>
-            <pc:sldMk cId="4066623014" sldId="573"/>
-            <ac:spMk id="12" creationId="{9E6454F9-4557-E7F4-BCEB-065B906AB7E3}"/>
-          </ac:spMkLst>
-        </pc:spChg>
-        <pc:picChg chg="add mod">
-          <ac:chgData name="Mohammed Fasha" userId="cc64f42d-a1a6-4f08-b97b-0c37f877119f" providerId="ADAL" clId="{E5645173-9704-44B4-82F5-EF2938BAEEFE}" dt="2025-04-17T04:57:18.005" v="682" actId="1076"/>
-          <ac:picMkLst>
-            <pc:docMk/>
-            <pc:sldMk cId="4066623014" sldId="573"/>
-            <ac:picMk id="14" creationId="{5FF5ECD6-24C7-09E8-0B28-7886FCCCF10F}"/>
-          </ac:picMkLst>
-        </pc:picChg>
       </pc:sldChg>
       <pc:sldChg chg="new del">
         <pc:chgData name="Mohammed Fasha" userId="cc64f42d-a1a6-4f08-b97b-0c37f877119f" providerId="ADAL" clId="{E5645173-9704-44B4-82F5-EF2938BAEEFE}" dt="2025-04-17T04:32:12.995" v="417" actId="47"/>
@@ -5329,22 +3958,6 @@
           <pc:docMk/>
           <pc:sldMk cId="2327940915" sldId="577"/>
         </pc:sldMkLst>
-        <pc:spChg chg="del mod ord">
-          <ac:chgData name="Mohammed Fasha" userId="cc64f42d-a1a6-4f08-b97b-0c37f877119f" providerId="ADAL" clId="{E5645173-9704-44B4-82F5-EF2938BAEEFE}" dt="2025-04-19T12:11:26.651" v="957" actId="700"/>
-          <ac:spMkLst>
-            <pc:docMk/>
-            <pc:sldMk cId="2327940915" sldId="577"/>
-            <ac:spMk id="2" creationId="{8C20F87D-69CD-3018-EABE-283AA4D1C9D2}"/>
-          </ac:spMkLst>
-        </pc:spChg>
-        <pc:spChg chg="del mod ord">
-          <ac:chgData name="Mohammed Fasha" userId="cc64f42d-a1a6-4f08-b97b-0c37f877119f" providerId="ADAL" clId="{E5645173-9704-44B4-82F5-EF2938BAEEFE}" dt="2025-04-19T12:11:26.651" v="957" actId="700"/>
-          <ac:spMkLst>
-            <pc:docMk/>
-            <pc:sldMk cId="2327940915" sldId="577"/>
-            <ac:spMk id="3" creationId="{5B6E3C2A-AA83-B74F-B882-92EBC5DCE26D}"/>
-          </ac:spMkLst>
-        </pc:spChg>
         <pc:spChg chg="add mod ord">
           <ac:chgData name="Mohammed Fasha" userId="cc64f42d-a1a6-4f08-b97b-0c37f877119f" providerId="ADAL" clId="{E5645173-9704-44B4-82F5-EF2938BAEEFE}" dt="2025-04-19T12:11:38.775" v="1019" actId="27636"/>
           <ac:spMkLst>
@@ -5420,14 +4033,6 @@
             <pc:docMk/>
             <pc:sldMk cId="3279715601" sldId="580"/>
             <ac:spMk id="2" creationId="{F2212A8D-EA3E-3EDB-E876-1C476FA9BC09}"/>
-          </ac:spMkLst>
-        </pc:spChg>
-        <pc:spChg chg="del">
-          <ac:chgData name="Mohammed Fasha" userId="cc64f42d-a1a6-4f08-b97b-0c37f877119f" providerId="ADAL" clId="{E5645173-9704-44B4-82F5-EF2938BAEEFE}" dt="2025-04-19T12:14:24.482" v="1050" actId="478"/>
-          <ac:spMkLst>
-            <pc:docMk/>
-            <pc:sldMk cId="3279715601" sldId="580"/>
-            <ac:spMk id="3" creationId="{97DAD425-7765-933B-BA35-35BC149D7A4D}"/>
           </ac:spMkLst>
         </pc:spChg>
         <pc:spChg chg="add mod">
@@ -5485,14 +4090,6 @@
             <ac:spMk id="3" creationId="{6E94586E-4E48-A27B-5E6A-0F8E31704905}"/>
           </ac:spMkLst>
         </pc:spChg>
-        <pc:spChg chg="add del mod">
-          <ac:chgData name="Mohammed Fasha" userId="cc64f42d-a1a6-4f08-b97b-0c37f877119f" providerId="ADAL" clId="{E5645173-9704-44B4-82F5-EF2938BAEEFE}" dt="2025-04-19T12:20:47.898" v="1109" actId="478"/>
-          <ac:spMkLst>
-            <pc:docMk/>
-            <pc:sldMk cId="993741549" sldId="581"/>
-            <ac:spMk id="5" creationId="{DFFA1E07-54C5-8DA8-E673-B9B1794F2F81}"/>
-          </ac:spMkLst>
-        </pc:spChg>
       </pc:sldChg>
       <pc:sldChg chg="addSp modSp new del mod">
         <pc:chgData name="Mohammed Fasha" userId="cc64f42d-a1a6-4f08-b97b-0c37f877119f" providerId="ADAL" clId="{E5645173-9704-44B4-82F5-EF2938BAEEFE}" dt="2025-04-20T04:08:50.553" v="1833" actId="2696"/>
@@ -5500,30 +4097,6 @@
           <pc:docMk/>
           <pc:sldMk cId="1508161059" sldId="582"/>
         </pc:sldMkLst>
-        <pc:spChg chg="mod">
-          <ac:chgData name="Mohammed Fasha" userId="cc64f42d-a1a6-4f08-b97b-0c37f877119f" providerId="ADAL" clId="{E5645173-9704-44B4-82F5-EF2938BAEEFE}" dt="2025-04-19T12:26:19.362" v="1223"/>
-          <ac:spMkLst>
-            <pc:docMk/>
-            <pc:sldMk cId="1508161059" sldId="582"/>
-            <ac:spMk id="2" creationId="{BFB2A7B3-AD8A-E1A6-61B2-182247EC7E83}"/>
-          </ac:spMkLst>
-        </pc:spChg>
-        <pc:spChg chg="mod">
-          <ac:chgData name="Mohammed Fasha" userId="cc64f42d-a1a6-4f08-b97b-0c37f877119f" providerId="ADAL" clId="{E5645173-9704-44B4-82F5-EF2938BAEEFE}" dt="2025-04-19T12:26:11.148" v="1221" actId="14100"/>
-          <ac:spMkLst>
-            <pc:docMk/>
-            <pc:sldMk cId="1508161059" sldId="582"/>
-            <ac:spMk id="3" creationId="{1D80C275-6835-0358-B75B-029A3FE9199C}"/>
-          </ac:spMkLst>
-        </pc:spChg>
-        <pc:picChg chg="add mod">
-          <ac:chgData name="Mohammed Fasha" userId="cc64f42d-a1a6-4f08-b97b-0c37f877119f" providerId="ADAL" clId="{E5645173-9704-44B4-82F5-EF2938BAEEFE}" dt="2025-04-19T12:26:09.239" v="1220" actId="1076"/>
-          <ac:picMkLst>
-            <pc:docMk/>
-            <pc:sldMk cId="1508161059" sldId="582"/>
-            <ac:picMk id="4" creationId="{00000000-0000-0000-0000-000000000000}"/>
-          </ac:picMkLst>
-        </pc:picChg>
       </pc:sldChg>
       <pc:sldChg chg="addSp delSp modSp new del mod modClrScheme chgLayout">
         <pc:chgData name="Mohammed Fasha" userId="cc64f42d-a1a6-4f08-b97b-0c37f877119f" providerId="ADAL" clId="{E5645173-9704-44B4-82F5-EF2938BAEEFE}" dt="2025-04-20T04:08:50.553" v="1833" actId="2696"/>
@@ -5531,38 +4104,6 @@
           <pc:docMk/>
           <pc:sldMk cId="2086416258" sldId="583"/>
         </pc:sldMkLst>
-        <pc:spChg chg="del mod ord">
-          <ac:chgData name="Mohammed Fasha" userId="cc64f42d-a1a6-4f08-b97b-0c37f877119f" providerId="ADAL" clId="{E5645173-9704-44B4-82F5-EF2938BAEEFE}" dt="2025-04-19T12:26:29.898" v="1226" actId="700"/>
-          <ac:spMkLst>
-            <pc:docMk/>
-            <pc:sldMk cId="2086416258" sldId="583"/>
-            <ac:spMk id="2" creationId="{B6B75608-232E-BB26-D0EA-E4FBB050E269}"/>
-          </ac:spMkLst>
-        </pc:spChg>
-        <pc:spChg chg="del mod ord">
-          <ac:chgData name="Mohammed Fasha" userId="cc64f42d-a1a6-4f08-b97b-0c37f877119f" providerId="ADAL" clId="{E5645173-9704-44B4-82F5-EF2938BAEEFE}" dt="2025-04-19T12:26:29.898" v="1226" actId="700"/>
-          <ac:spMkLst>
-            <pc:docMk/>
-            <pc:sldMk cId="2086416258" sldId="583"/>
-            <ac:spMk id="3" creationId="{7320E680-332A-56B8-F9E9-4054D4615127}"/>
-          </ac:spMkLst>
-        </pc:spChg>
-        <pc:spChg chg="add mod ord">
-          <ac:chgData name="Mohammed Fasha" userId="cc64f42d-a1a6-4f08-b97b-0c37f877119f" providerId="ADAL" clId="{E5645173-9704-44B4-82F5-EF2938BAEEFE}" dt="2025-04-19T12:26:42.661" v="1279" actId="20577"/>
-          <ac:spMkLst>
-            <pc:docMk/>
-            <pc:sldMk cId="2086416258" sldId="583"/>
-            <ac:spMk id="4" creationId="{5FA78B0F-B10B-83A8-DCD9-8CC15F86568C}"/>
-          </ac:spMkLst>
-        </pc:spChg>
-        <pc:spChg chg="add mod ord">
-          <ac:chgData name="Mohammed Fasha" userId="cc64f42d-a1a6-4f08-b97b-0c37f877119f" providerId="ADAL" clId="{E5645173-9704-44B4-82F5-EF2938BAEEFE}" dt="2025-04-19T12:26:29.898" v="1226" actId="700"/>
-          <ac:spMkLst>
-            <pc:docMk/>
-            <pc:sldMk cId="2086416258" sldId="583"/>
-            <ac:spMk id="5" creationId="{8BB787FC-0C40-1859-DE29-5FEE5FBDEC5A}"/>
-          </ac:spMkLst>
-        </pc:spChg>
       </pc:sldChg>
       <pc:sldChg chg="addSp delSp modSp new del mod modClrScheme chgLayout">
         <pc:chgData name="Mohammed Fasha" userId="cc64f42d-a1a6-4f08-b97b-0c37f877119f" providerId="ADAL" clId="{E5645173-9704-44B4-82F5-EF2938BAEEFE}" dt="2025-04-20T04:08:50.553" v="1833" actId="2696"/>
@@ -5570,38 +4111,6 @@
           <pc:docMk/>
           <pc:sldMk cId="3788037396" sldId="584"/>
         </pc:sldMkLst>
-        <pc:spChg chg="del mod ord">
-          <ac:chgData name="Mohammed Fasha" userId="cc64f42d-a1a6-4f08-b97b-0c37f877119f" providerId="ADAL" clId="{E5645173-9704-44B4-82F5-EF2938BAEEFE}" dt="2025-04-19T14:29:27.030" v="1282" actId="700"/>
-          <ac:spMkLst>
-            <pc:docMk/>
-            <pc:sldMk cId="3788037396" sldId="584"/>
-            <ac:spMk id="2" creationId="{2821A967-C2AD-482D-3460-E6D3C051C531}"/>
-          </ac:spMkLst>
-        </pc:spChg>
-        <pc:spChg chg="del mod ord">
-          <ac:chgData name="Mohammed Fasha" userId="cc64f42d-a1a6-4f08-b97b-0c37f877119f" providerId="ADAL" clId="{E5645173-9704-44B4-82F5-EF2938BAEEFE}" dt="2025-04-19T14:29:27.030" v="1282" actId="700"/>
-          <ac:spMkLst>
-            <pc:docMk/>
-            <pc:sldMk cId="3788037396" sldId="584"/>
-            <ac:spMk id="3" creationId="{80DC2655-759F-8E6B-98D9-499DE04A6320}"/>
-          </ac:spMkLst>
-        </pc:spChg>
-        <pc:spChg chg="add mod ord">
-          <ac:chgData name="Mohammed Fasha" userId="cc64f42d-a1a6-4f08-b97b-0c37f877119f" providerId="ADAL" clId="{E5645173-9704-44B4-82F5-EF2938BAEEFE}" dt="2025-04-19T14:29:32.799" v="1285" actId="207"/>
-          <ac:spMkLst>
-            <pc:docMk/>
-            <pc:sldMk cId="3788037396" sldId="584"/>
-            <ac:spMk id="4" creationId="{5EFB892C-4D8E-FF70-E981-8851F6611B1D}"/>
-          </ac:spMkLst>
-        </pc:spChg>
-        <pc:spChg chg="add mod ord">
-          <ac:chgData name="Mohammed Fasha" userId="cc64f42d-a1a6-4f08-b97b-0c37f877119f" providerId="ADAL" clId="{E5645173-9704-44B4-82F5-EF2938BAEEFE}" dt="2025-04-19T14:29:27.030" v="1282" actId="700"/>
-          <ac:spMkLst>
-            <pc:docMk/>
-            <pc:sldMk cId="3788037396" sldId="584"/>
-            <ac:spMk id="5" creationId="{137497FB-046E-C093-0B55-58ABDCB202FF}"/>
-          </ac:spMkLst>
-        </pc:spChg>
       </pc:sldChg>
       <pc:sldChg chg="addSp delSp modSp new del mod chgLayout">
         <pc:chgData name="Mohammed Fasha" userId="cc64f42d-a1a6-4f08-b97b-0c37f877119f" providerId="ADAL" clId="{E5645173-9704-44B4-82F5-EF2938BAEEFE}" dt="2025-04-20T04:08:50.553" v="1833" actId="2696"/>
@@ -5609,38 +4118,6 @@
           <pc:docMk/>
           <pc:sldMk cId="3204141022" sldId="585"/>
         </pc:sldMkLst>
-        <pc:spChg chg="del">
-          <ac:chgData name="Mohammed Fasha" userId="cc64f42d-a1a6-4f08-b97b-0c37f877119f" providerId="ADAL" clId="{E5645173-9704-44B4-82F5-EF2938BAEEFE}" dt="2025-04-19T14:36:06.722" v="1422" actId="700"/>
-          <ac:spMkLst>
-            <pc:docMk/>
-            <pc:sldMk cId="3204141022" sldId="585"/>
-            <ac:spMk id="2" creationId="{DA46A367-9325-C875-EA10-1AC286385848}"/>
-          </ac:spMkLst>
-        </pc:spChg>
-        <pc:spChg chg="del">
-          <ac:chgData name="Mohammed Fasha" userId="cc64f42d-a1a6-4f08-b97b-0c37f877119f" providerId="ADAL" clId="{E5645173-9704-44B4-82F5-EF2938BAEEFE}" dt="2025-04-19T14:36:06.722" v="1422" actId="700"/>
-          <ac:spMkLst>
-            <pc:docMk/>
-            <pc:sldMk cId="3204141022" sldId="585"/>
-            <ac:spMk id="3" creationId="{D4B2862D-C965-76FE-AD4B-28318A4700C7}"/>
-          </ac:spMkLst>
-        </pc:spChg>
-        <pc:spChg chg="add mod ord">
-          <ac:chgData name="Mohammed Fasha" userId="cc64f42d-a1a6-4f08-b97b-0c37f877119f" providerId="ADAL" clId="{E5645173-9704-44B4-82F5-EF2938BAEEFE}" dt="2025-04-19T14:36:16.229" v="1425" actId="207"/>
-          <ac:spMkLst>
-            <pc:docMk/>
-            <pc:sldMk cId="3204141022" sldId="585"/>
-            <ac:spMk id="4" creationId="{732C9235-238B-314F-F2FF-DA51BC7EA455}"/>
-          </ac:spMkLst>
-        </pc:spChg>
-        <pc:spChg chg="add mod ord">
-          <ac:chgData name="Mohammed Fasha" userId="cc64f42d-a1a6-4f08-b97b-0c37f877119f" providerId="ADAL" clId="{E5645173-9704-44B4-82F5-EF2938BAEEFE}" dt="2025-04-19T14:36:06.722" v="1422" actId="700"/>
-          <ac:spMkLst>
-            <pc:docMk/>
-            <pc:sldMk cId="3204141022" sldId="585"/>
-            <ac:spMk id="5" creationId="{C3D45B27-9CED-D202-58F0-B35F281F25B7}"/>
-          </ac:spMkLst>
-        </pc:spChg>
       </pc:sldChg>
       <pc:sldChg chg="addSp delSp modSp new del mod modClrScheme chgLayout">
         <pc:chgData name="Mohammed Fasha" userId="cc64f42d-a1a6-4f08-b97b-0c37f877119f" providerId="ADAL" clId="{E5645173-9704-44B4-82F5-EF2938BAEEFE}" dt="2025-04-20T04:08:50.553" v="1833" actId="2696"/>
@@ -5648,38 +4125,6 @@
           <pc:docMk/>
           <pc:sldMk cId="1608128617" sldId="586"/>
         </pc:sldMkLst>
-        <pc:spChg chg="del mod ord">
-          <ac:chgData name="Mohammed Fasha" userId="cc64f42d-a1a6-4f08-b97b-0c37f877119f" providerId="ADAL" clId="{E5645173-9704-44B4-82F5-EF2938BAEEFE}" dt="2025-04-19T14:36:53.132" v="1441" actId="700"/>
-          <ac:spMkLst>
-            <pc:docMk/>
-            <pc:sldMk cId="1608128617" sldId="586"/>
-            <ac:spMk id="2" creationId="{AF3D1C2F-F9E7-B683-83A7-13D768006364}"/>
-          </ac:spMkLst>
-        </pc:spChg>
-        <pc:spChg chg="del mod ord">
-          <ac:chgData name="Mohammed Fasha" userId="cc64f42d-a1a6-4f08-b97b-0c37f877119f" providerId="ADAL" clId="{E5645173-9704-44B4-82F5-EF2938BAEEFE}" dt="2025-04-19T14:36:53.132" v="1441" actId="700"/>
-          <ac:spMkLst>
-            <pc:docMk/>
-            <pc:sldMk cId="1608128617" sldId="586"/>
-            <ac:spMk id="3" creationId="{70C82E17-2FFE-6F6A-D0DF-A39C041A9093}"/>
-          </ac:spMkLst>
-        </pc:spChg>
-        <pc:spChg chg="add mod ord">
-          <ac:chgData name="Mohammed Fasha" userId="cc64f42d-a1a6-4f08-b97b-0c37f877119f" providerId="ADAL" clId="{E5645173-9704-44B4-82F5-EF2938BAEEFE}" dt="2025-04-19T14:37:01.544" v="1445" actId="207"/>
-          <ac:spMkLst>
-            <pc:docMk/>
-            <pc:sldMk cId="1608128617" sldId="586"/>
-            <ac:spMk id="4" creationId="{CBA857C7-2C7B-14CE-E484-925063D1B65F}"/>
-          </ac:spMkLst>
-        </pc:spChg>
-        <pc:spChg chg="add mod ord">
-          <ac:chgData name="Mohammed Fasha" userId="cc64f42d-a1a6-4f08-b97b-0c37f877119f" providerId="ADAL" clId="{E5645173-9704-44B4-82F5-EF2938BAEEFE}" dt="2025-04-19T14:36:53.132" v="1441" actId="700"/>
-          <ac:spMkLst>
-            <pc:docMk/>
-            <pc:sldMk cId="1608128617" sldId="586"/>
-            <ac:spMk id="5" creationId="{B4C55740-3046-AB00-D143-91ADB4610BB8}"/>
-          </ac:spMkLst>
-        </pc:spChg>
       </pc:sldChg>
       <pc:sldChg chg="modSp new del mod">
         <pc:chgData name="Mohammed Fasha" userId="cc64f42d-a1a6-4f08-b97b-0c37f877119f" providerId="ADAL" clId="{E5645173-9704-44B4-82F5-EF2938BAEEFE}" dt="2025-04-20T04:08:50.553" v="1833" actId="2696"/>
@@ -5687,14 +4132,6 @@
           <pc:docMk/>
           <pc:sldMk cId="3864717604" sldId="587"/>
         </pc:sldMkLst>
-        <pc:spChg chg="mod">
-          <ac:chgData name="Mohammed Fasha" userId="cc64f42d-a1a6-4f08-b97b-0c37f877119f" providerId="ADAL" clId="{E5645173-9704-44B4-82F5-EF2938BAEEFE}" dt="2025-04-19T14:38:35.863" v="1529" actId="113"/>
-          <ac:spMkLst>
-            <pc:docMk/>
-            <pc:sldMk cId="3864717604" sldId="587"/>
-            <ac:spMk id="3" creationId="{09275296-0E04-9C63-AEB2-F9398B635543}"/>
-          </ac:spMkLst>
-        </pc:spChg>
       </pc:sldChg>
       <pc:sldChg chg="modSp mod">
         <pc:chgData name="Mohammed Fasha" userId="cc64f42d-a1a6-4f08-b97b-0c37f877119f" providerId="ADAL" clId="{E5645173-9704-44B4-82F5-EF2938BAEEFE}" dt="2025-04-20T03:13:27.675" v="1758" actId="20577"/>
@@ -6097,6 +4534,688 @@
     </pc:docChg>
   </pc:docChgLst>
   <pc:docChgLst>
+    <pc:chgData name="Mohammed Fasha" userId="S::mohammed.fasha@uop.edu.jo::cc64f42d-a1a6-4f08-b97b-0c37f877119f" providerId="AD" clId="Web-{66E75AB1-FCE8-0FCD-8995-E220AF9681CC}"/>
+    <pc:docChg chg="addSld delSld modSld sldOrd">
+      <pc:chgData name="Mohammed Fasha" userId="S::mohammed.fasha@uop.edu.jo::cc64f42d-a1a6-4f08-b97b-0c37f877119f" providerId="AD" clId="Web-{66E75AB1-FCE8-0FCD-8995-E220AF9681CC}" dt="2025-03-15T07:27:28.077" v="349" actId="1076"/>
+      <pc:docMkLst>
+        <pc:docMk/>
+      </pc:docMkLst>
+      <pc:sldChg chg="del">
+        <pc:chgData name="Mohammed Fasha" userId="S::mohammed.fasha@uop.edu.jo::cc64f42d-a1a6-4f08-b97b-0c37f877119f" providerId="AD" clId="Web-{66E75AB1-FCE8-0FCD-8995-E220AF9681CC}" dt="2025-03-15T06:52:43.111" v="52"/>
+        <pc:sldMkLst>
+          <pc:docMk/>
+          <pc:sldMk cId="89912501" sldId="274"/>
+        </pc:sldMkLst>
+      </pc:sldChg>
+      <pc:sldChg chg="del">
+        <pc:chgData name="Mohammed Fasha" userId="S::mohammed.fasha@uop.edu.jo::cc64f42d-a1a6-4f08-b97b-0c37f877119f" providerId="AD" clId="Web-{66E75AB1-FCE8-0FCD-8995-E220AF9681CC}" dt="2025-03-15T06:52:43.236" v="108"/>
+        <pc:sldMkLst>
+          <pc:docMk/>
+          <pc:sldMk cId="1847087325" sldId="283"/>
+        </pc:sldMkLst>
+      </pc:sldChg>
+      <pc:sldChg chg="del">
+        <pc:chgData name="Mohammed Fasha" userId="S::mohammed.fasha@uop.edu.jo::cc64f42d-a1a6-4f08-b97b-0c37f877119f" providerId="AD" clId="Web-{66E75AB1-FCE8-0FCD-8995-E220AF9681CC}" dt="2025-03-15T06:52:43.236" v="107"/>
+        <pc:sldMkLst>
+          <pc:docMk/>
+          <pc:sldMk cId="771290671" sldId="284"/>
+        </pc:sldMkLst>
+      </pc:sldChg>
+      <pc:sldChg chg="del">
+        <pc:chgData name="Mohammed Fasha" userId="S::mohammed.fasha@uop.edu.jo::cc64f42d-a1a6-4f08-b97b-0c37f877119f" providerId="AD" clId="Web-{66E75AB1-FCE8-0FCD-8995-E220AF9681CC}" dt="2025-03-15T06:52:43.096" v="42"/>
+        <pc:sldMkLst>
+          <pc:docMk/>
+          <pc:sldMk cId="1234327519" sldId="287"/>
+        </pc:sldMkLst>
+      </pc:sldChg>
+      <pc:sldChg chg="del">
+        <pc:chgData name="Mohammed Fasha" userId="S::mohammed.fasha@uop.edu.jo::cc64f42d-a1a6-4f08-b97b-0c37f877119f" providerId="AD" clId="Web-{66E75AB1-FCE8-0FCD-8995-E220AF9681CC}" dt="2025-03-15T06:52:43.096" v="40"/>
+        <pc:sldMkLst>
+          <pc:docMk/>
+          <pc:sldMk cId="3304405524" sldId="292"/>
+        </pc:sldMkLst>
+      </pc:sldChg>
+      <pc:sldChg chg="del">
+        <pc:chgData name="Mohammed Fasha" userId="S::mohammed.fasha@uop.edu.jo::cc64f42d-a1a6-4f08-b97b-0c37f877119f" providerId="AD" clId="Web-{66E75AB1-FCE8-0FCD-8995-E220AF9681CC}" dt="2025-03-15T06:52:43.096" v="39"/>
+        <pc:sldMkLst>
+          <pc:docMk/>
+          <pc:sldMk cId="1217643332" sldId="294"/>
+        </pc:sldMkLst>
+      </pc:sldChg>
+      <pc:sldChg chg="del">
+        <pc:chgData name="Mohammed Fasha" userId="S::mohammed.fasha@uop.edu.jo::cc64f42d-a1a6-4f08-b97b-0c37f877119f" providerId="AD" clId="Web-{66E75AB1-FCE8-0FCD-8995-E220AF9681CC}" dt="2025-03-15T06:52:43.096" v="38"/>
+        <pc:sldMkLst>
+          <pc:docMk/>
+          <pc:sldMk cId="3526654973" sldId="295"/>
+        </pc:sldMkLst>
+      </pc:sldChg>
+      <pc:sldChg chg="del">
+        <pc:chgData name="Mohammed Fasha" userId="S::mohammed.fasha@uop.edu.jo::cc64f42d-a1a6-4f08-b97b-0c37f877119f" providerId="AD" clId="Web-{66E75AB1-FCE8-0FCD-8995-E220AF9681CC}" dt="2025-03-15T06:52:43.205" v="72"/>
+        <pc:sldMkLst>
+          <pc:docMk/>
+          <pc:sldMk cId="0" sldId="300"/>
+        </pc:sldMkLst>
+      </pc:sldChg>
+      <pc:sldChg chg="del">
+        <pc:chgData name="Mohammed Fasha" userId="S::mohammed.fasha@uop.edu.jo::cc64f42d-a1a6-4f08-b97b-0c37f877119f" providerId="AD" clId="Web-{66E75AB1-FCE8-0FCD-8995-E220AF9681CC}" dt="2025-03-15T06:52:43.205" v="71"/>
+        <pc:sldMkLst>
+          <pc:docMk/>
+          <pc:sldMk cId="0" sldId="301"/>
+        </pc:sldMkLst>
+      </pc:sldChg>
+      <pc:sldChg chg="del">
+        <pc:chgData name="Mohammed Fasha" userId="S::mohammed.fasha@uop.edu.jo::cc64f42d-a1a6-4f08-b97b-0c37f877119f" providerId="AD" clId="Web-{66E75AB1-FCE8-0FCD-8995-E220AF9681CC}" dt="2025-03-15T06:52:43.205" v="69"/>
+        <pc:sldMkLst>
+          <pc:docMk/>
+          <pc:sldMk cId="0" sldId="304"/>
+        </pc:sldMkLst>
+      </pc:sldChg>
+      <pc:sldChg chg="del">
+        <pc:chgData name="Mohammed Fasha" userId="S::mohammed.fasha@uop.edu.jo::cc64f42d-a1a6-4f08-b97b-0c37f877119f" providerId="AD" clId="Web-{66E75AB1-FCE8-0FCD-8995-E220AF9681CC}" dt="2025-03-15T06:52:43.190" v="61"/>
+        <pc:sldMkLst>
+          <pc:docMk/>
+          <pc:sldMk cId="0" sldId="314"/>
+        </pc:sldMkLst>
+      </pc:sldChg>
+      <pc:sldChg chg="del">
+        <pc:chgData name="Mohammed Fasha" userId="S::mohammed.fasha@uop.edu.jo::cc64f42d-a1a6-4f08-b97b-0c37f877119f" providerId="AD" clId="Web-{66E75AB1-FCE8-0FCD-8995-E220AF9681CC}" dt="2025-03-15T06:52:43.221" v="86"/>
+        <pc:sldMkLst>
+          <pc:docMk/>
+          <pc:sldMk cId="2362708721" sldId="321"/>
+        </pc:sldMkLst>
+      </pc:sldChg>
+      <pc:sldChg chg="del">
+        <pc:chgData name="Mohammed Fasha" userId="S::mohammed.fasha@uop.edu.jo::cc64f42d-a1a6-4f08-b97b-0c37f877119f" providerId="AD" clId="Web-{66E75AB1-FCE8-0FCD-8995-E220AF9681CC}" dt="2025-03-15T06:52:43.221" v="87"/>
+        <pc:sldMkLst>
+          <pc:docMk/>
+          <pc:sldMk cId="1477953107" sldId="324"/>
+        </pc:sldMkLst>
+      </pc:sldChg>
+      <pc:sldChg chg="del">
+        <pc:chgData name="Mohammed Fasha" userId="S::mohammed.fasha@uop.edu.jo::cc64f42d-a1a6-4f08-b97b-0c37f877119f" providerId="AD" clId="Web-{66E75AB1-FCE8-0FCD-8995-E220AF9681CC}" dt="2025-03-15T06:52:43.111" v="55"/>
+        <pc:sldMkLst>
+          <pc:docMk/>
+          <pc:sldMk cId="1624740157" sldId="346"/>
+        </pc:sldMkLst>
+      </pc:sldChg>
+      <pc:sldChg chg="del">
+        <pc:chgData name="Mohammed Fasha" userId="S::mohammed.fasha@uop.edu.jo::cc64f42d-a1a6-4f08-b97b-0c37f877119f" providerId="AD" clId="Web-{66E75AB1-FCE8-0FCD-8995-E220AF9681CC}" dt="2025-03-15T06:52:43.111" v="60"/>
+        <pc:sldMkLst>
+          <pc:docMk/>
+          <pc:sldMk cId="1093295885" sldId="365"/>
+        </pc:sldMkLst>
+      </pc:sldChg>
+      <pc:sldChg chg="del">
+        <pc:chgData name="Mohammed Fasha" userId="S::mohammed.fasha@uop.edu.jo::cc64f42d-a1a6-4f08-b97b-0c37f877119f" providerId="AD" clId="Web-{66E75AB1-FCE8-0FCD-8995-E220AF9681CC}" dt="2025-03-15T06:52:43.205" v="74"/>
+        <pc:sldMkLst>
+          <pc:docMk/>
+          <pc:sldMk cId="3638528156" sldId="366"/>
+        </pc:sldMkLst>
+      </pc:sldChg>
+      <pc:sldChg chg="del">
+        <pc:chgData name="Mohammed Fasha" userId="S::mohammed.fasha@uop.edu.jo::cc64f42d-a1a6-4f08-b97b-0c37f877119f" providerId="AD" clId="Web-{66E75AB1-FCE8-0FCD-8995-E220AF9681CC}" dt="2025-03-15T06:52:43.221" v="80"/>
+        <pc:sldMkLst>
+          <pc:docMk/>
+          <pc:sldMk cId="2714000580" sldId="367"/>
+        </pc:sldMkLst>
+      </pc:sldChg>
+      <pc:sldChg chg="del">
+        <pc:chgData name="Mohammed Fasha" userId="S::mohammed.fasha@uop.edu.jo::cc64f42d-a1a6-4f08-b97b-0c37f877119f" providerId="AD" clId="Web-{66E75AB1-FCE8-0FCD-8995-E220AF9681CC}" dt="2025-03-15T06:52:43.221" v="90"/>
+        <pc:sldMkLst>
+          <pc:docMk/>
+          <pc:sldMk cId="4103125789" sldId="368"/>
+        </pc:sldMkLst>
+      </pc:sldChg>
+      <pc:sldChg chg="del">
+        <pc:chgData name="Mohammed Fasha" userId="S::mohammed.fasha@uop.edu.jo::cc64f42d-a1a6-4f08-b97b-0c37f877119f" providerId="AD" clId="Web-{66E75AB1-FCE8-0FCD-8995-E220AF9681CC}" dt="2025-03-15T06:52:43.096" v="47"/>
+        <pc:sldMkLst>
+          <pc:docMk/>
+          <pc:sldMk cId="3243173744" sldId="369"/>
+        </pc:sldMkLst>
+      </pc:sldChg>
+      <pc:sldChg chg="del">
+        <pc:chgData name="Mohammed Fasha" userId="S::mohammed.fasha@uop.edu.jo::cc64f42d-a1a6-4f08-b97b-0c37f877119f" providerId="AD" clId="Web-{66E75AB1-FCE8-0FCD-8995-E220AF9681CC}" dt="2025-03-15T06:52:43.221" v="89"/>
+        <pc:sldMkLst>
+          <pc:docMk/>
+          <pc:sldMk cId="533099717" sldId="370"/>
+        </pc:sldMkLst>
+      </pc:sldChg>
+      <pc:sldChg chg="del">
+        <pc:chgData name="Mohammed Fasha" userId="S::mohammed.fasha@uop.edu.jo::cc64f42d-a1a6-4f08-b97b-0c37f877119f" providerId="AD" clId="Web-{66E75AB1-FCE8-0FCD-8995-E220AF9681CC}" dt="2025-03-15T06:52:43.190" v="65"/>
+        <pc:sldMkLst>
+          <pc:docMk/>
+          <pc:sldMk cId="403304745" sldId="371"/>
+        </pc:sldMkLst>
+      </pc:sldChg>
+      <pc:sldChg chg="del">
+        <pc:chgData name="Mohammed Fasha" userId="S::mohammed.fasha@uop.edu.jo::cc64f42d-a1a6-4f08-b97b-0c37f877119f" providerId="AD" clId="Web-{66E75AB1-FCE8-0FCD-8995-E220AF9681CC}" dt="2025-03-15T06:52:43.221" v="85"/>
+        <pc:sldMkLst>
+          <pc:docMk/>
+          <pc:sldMk cId="1274929313" sldId="372"/>
+        </pc:sldMkLst>
+      </pc:sldChg>
+      <pc:sldChg chg="del">
+        <pc:chgData name="Mohammed Fasha" userId="S::mohammed.fasha@uop.edu.jo::cc64f42d-a1a6-4f08-b97b-0c37f877119f" providerId="AD" clId="Web-{66E75AB1-FCE8-0FCD-8995-E220AF9681CC}" dt="2025-03-15T06:52:43.205" v="70"/>
+        <pc:sldMkLst>
+          <pc:docMk/>
+          <pc:sldMk cId="3412111298" sldId="376"/>
+        </pc:sldMkLst>
+      </pc:sldChg>
+      <pc:sldChg chg="del">
+        <pc:chgData name="Mohammed Fasha" userId="S::mohammed.fasha@uop.edu.jo::cc64f42d-a1a6-4f08-b97b-0c37f877119f" providerId="AD" clId="Web-{66E75AB1-FCE8-0FCD-8995-E220AF9681CC}" dt="2025-03-15T06:52:43.221" v="84"/>
+        <pc:sldMkLst>
+          <pc:docMk/>
+          <pc:sldMk cId="3601872685" sldId="382"/>
+        </pc:sldMkLst>
+      </pc:sldChg>
+      <pc:sldChg chg="del">
+        <pc:chgData name="Mohammed Fasha" userId="S::mohammed.fasha@uop.edu.jo::cc64f42d-a1a6-4f08-b97b-0c37f877119f" providerId="AD" clId="Web-{66E75AB1-FCE8-0FCD-8995-E220AF9681CC}" dt="2025-03-15T06:52:43.221" v="83"/>
+        <pc:sldMkLst>
+          <pc:docMk/>
+          <pc:sldMk cId="215899539" sldId="384"/>
+        </pc:sldMkLst>
+      </pc:sldChg>
+      <pc:sldChg chg="del">
+        <pc:chgData name="Mohammed Fasha" userId="S::mohammed.fasha@uop.edu.jo::cc64f42d-a1a6-4f08-b97b-0c37f877119f" providerId="AD" clId="Web-{66E75AB1-FCE8-0FCD-8995-E220AF9681CC}" dt="2025-03-15T06:52:43.221" v="79"/>
+        <pc:sldMkLst>
+          <pc:docMk/>
+          <pc:sldMk cId="2001631854" sldId="390"/>
+        </pc:sldMkLst>
+      </pc:sldChg>
+      <pc:sldChg chg="del">
+        <pc:chgData name="Mohammed Fasha" userId="S::mohammed.fasha@uop.edu.jo::cc64f42d-a1a6-4f08-b97b-0c37f877119f" providerId="AD" clId="Web-{66E75AB1-FCE8-0FCD-8995-E220AF9681CC}" dt="2025-03-15T06:52:43.252" v="114"/>
+        <pc:sldMkLst>
+          <pc:docMk/>
+          <pc:sldMk cId="2976191511" sldId="393"/>
+        </pc:sldMkLst>
+      </pc:sldChg>
+      <pc:sldChg chg="del">
+        <pc:chgData name="Mohammed Fasha" userId="S::mohammed.fasha@uop.edu.jo::cc64f42d-a1a6-4f08-b97b-0c37f877119f" providerId="AD" clId="Web-{66E75AB1-FCE8-0FCD-8995-E220AF9681CC}" dt="2025-03-15T06:52:43.205" v="77"/>
+        <pc:sldMkLst>
+          <pc:docMk/>
+          <pc:sldMk cId="3942416368" sldId="394"/>
+        </pc:sldMkLst>
+      </pc:sldChg>
+      <pc:sldChg chg="del">
+        <pc:chgData name="Mohammed Fasha" userId="S::mohammed.fasha@uop.edu.jo::cc64f42d-a1a6-4f08-b97b-0c37f877119f" providerId="AD" clId="Web-{66E75AB1-FCE8-0FCD-8995-E220AF9681CC}" dt="2025-03-15T06:52:43.236" v="95"/>
+        <pc:sldMkLst>
+          <pc:docMk/>
+          <pc:sldMk cId="2455239288" sldId="398"/>
+        </pc:sldMkLst>
+      </pc:sldChg>
+      <pc:sldChg chg="del">
+        <pc:chgData name="Mohammed Fasha" userId="S::mohammed.fasha@uop.edu.jo::cc64f42d-a1a6-4f08-b97b-0c37f877119f" providerId="AD" clId="Web-{66E75AB1-FCE8-0FCD-8995-E220AF9681CC}" dt="2025-03-15T06:52:43.205" v="76"/>
+        <pc:sldMkLst>
+          <pc:docMk/>
+          <pc:sldMk cId="322630100" sldId="401"/>
+        </pc:sldMkLst>
+      </pc:sldChg>
+      <pc:sldChg chg="del">
+        <pc:chgData name="Mohammed Fasha" userId="S::mohammed.fasha@uop.edu.jo::cc64f42d-a1a6-4f08-b97b-0c37f877119f" providerId="AD" clId="Web-{66E75AB1-FCE8-0FCD-8995-E220AF9681CC}" dt="2025-03-15T06:52:43.205" v="73"/>
+        <pc:sldMkLst>
+          <pc:docMk/>
+          <pc:sldMk cId="2446723419" sldId="402"/>
+        </pc:sldMkLst>
+      </pc:sldChg>
+      <pc:sldChg chg="del">
+        <pc:chgData name="Mohammed Fasha" userId="S::mohammed.fasha@uop.edu.jo::cc64f42d-a1a6-4f08-b97b-0c37f877119f" providerId="AD" clId="Web-{66E75AB1-FCE8-0FCD-8995-E220AF9681CC}" dt="2025-03-15T06:52:43.205" v="68"/>
+        <pc:sldMkLst>
+          <pc:docMk/>
+          <pc:sldMk cId="2708838154" sldId="405"/>
+        </pc:sldMkLst>
+      </pc:sldChg>
+      <pc:sldChg chg="del">
+        <pc:chgData name="Mohammed Fasha" userId="S::mohammed.fasha@uop.edu.jo::cc64f42d-a1a6-4f08-b97b-0c37f877119f" providerId="AD" clId="Web-{66E75AB1-FCE8-0FCD-8995-E220AF9681CC}" dt="2025-03-15T06:52:43.205" v="75"/>
+        <pc:sldMkLst>
+          <pc:docMk/>
+          <pc:sldMk cId="711859222" sldId="406"/>
+        </pc:sldMkLst>
+      </pc:sldChg>
+      <pc:sldChg chg="del">
+        <pc:chgData name="Mohammed Fasha" userId="S::mohammed.fasha@uop.edu.jo::cc64f42d-a1a6-4f08-b97b-0c37f877119f" providerId="AD" clId="Web-{66E75AB1-FCE8-0FCD-8995-E220AF9681CC}" dt="2025-03-15T06:52:43.190" v="64"/>
+        <pc:sldMkLst>
+          <pc:docMk/>
+          <pc:sldMk cId="430192280" sldId="409"/>
+        </pc:sldMkLst>
+      </pc:sldChg>
+      <pc:sldChg chg="del">
+        <pc:chgData name="Mohammed Fasha" userId="S::mohammed.fasha@uop.edu.jo::cc64f42d-a1a6-4f08-b97b-0c37f877119f" providerId="AD" clId="Web-{66E75AB1-FCE8-0FCD-8995-E220AF9681CC}" dt="2025-03-15T06:52:43.190" v="63"/>
+        <pc:sldMkLst>
+          <pc:docMk/>
+          <pc:sldMk cId="1261728788" sldId="410"/>
+        </pc:sldMkLst>
+      </pc:sldChg>
+      <pc:sldChg chg="del">
+        <pc:chgData name="Mohammed Fasha" userId="S::mohammed.fasha@uop.edu.jo::cc64f42d-a1a6-4f08-b97b-0c37f877119f" providerId="AD" clId="Web-{66E75AB1-FCE8-0FCD-8995-E220AF9681CC}" dt="2025-03-15T06:52:43.111" v="59"/>
+        <pc:sldMkLst>
+          <pc:docMk/>
+          <pc:sldMk cId="465427976" sldId="414"/>
+        </pc:sldMkLst>
+      </pc:sldChg>
+      <pc:sldChg chg="del">
+        <pc:chgData name="Mohammed Fasha" userId="S::mohammed.fasha@uop.edu.jo::cc64f42d-a1a6-4f08-b97b-0c37f877119f" providerId="AD" clId="Web-{66E75AB1-FCE8-0FCD-8995-E220AF9681CC}" dt="2025-03-15T06:52:43.111" v="56"/>
+        <pc:sldMkLst>
+          <pc:docMk/>
+          <pc:sldMk cId="4222832899" sldId="419"/>
+        </pc:sldMkLst>
+      </pc:sldChg>
+      <pc:sldChg chg="del">
+        <pc:chgData name="Mohammed Fasha" userId="S::mohammed.fasha@uop.edu.jo::cc64f42d-a1a6-4f08-b97b-0c37f877119f" providerId="AD" clId="Web-{66E75AB1-FCE8-0FCD-8995-E220AF9681CC}" dt="2025-03-15T06:52:43.111" v="50"/>
+        <pc:sldMkLst>
+          <pc:docMk/>
+          <pc:sldMk cId="3168225218" sldId="422"/>
+        </pc:sldMkLst>
+      </pc:sldChg>
+      <pc:sldChg chg="del">
+        <pc:chgData name="Mohammed Fasha" userId="S::mohammed.fasha@uop.edu.jo::cc64f42d-a1a6-4f08-b97b-0c37f877119f" providerId="AD" clId="Web-{66E75AB1-FCE8-0FCD-8995-E220AF9681CC}" dt="2025-03-15T06:52:43.096" v="49"/>
+        <pc:sldMkLst>
+          <pc:docMk/>
+          <pc:sldMk cId="2310344807" sldId="423"/>
+        </pc:sldMkLst>
+      </pc:sldChg>
+      <pc:sldChg chg="del">
+        <pc:chgData name="Mohammed Fasha" userId="S::mohammed.fasha@uop.edu.jo::cc64f42d-a1a6-4f08-b97b-0c37f877119f" providerId="AD" clId="Web-{66E75AB1-FCE8-0FCD-8995-E220AF9681CC}" dt="2025-03-15T06:52:43.190" v="62"/>
+        <pc:sldMkLst>
+          <pc:docMk/>
+          <pc:sldMk cId="707737036" sldId="425"/>
+        </pc:sldMkLst>
+      </pc:sldChg>
+      <pc:sldChg chg="del">
+        <pc:chgData name="Mohammed Fasha" userId="S::mohammed.fasha@uop.edu.jo::cc64f42d-a1a6-4f08-b97b-0c37f877119f" providerId="AD" clId="Web-{66E75AB1-FCE8-0FCD-8995-E220AF9681CC}" dt="2025-03-15T06:52:43.205" v="66"/>
+        <pc:sldMkLst>
+          <pc:docMk/>
+          <pc:sldMk cId="232656594" sldId="429"/>
+        </pc:sldMkLst>
+      </pc:sldChg>
+      <pc:sldChg chg="del">
+        <pc:chgData name="Mohammed Fasha" userId="S::mohammed.fasha@uop.edu.jo::cc64f42d-a1a6-4f08-b97b-0c37f877119f" providerId="AD" clId="Web-{66E75AB1-FCE8-0FCD-8995-E220AF9681CC}" dt="2025-03-15T06:52:43.096" v="44"/>
+        <pc:sldMkLst>
+          <pc:docMk/>
+          <pc:sldMk cId="404333880" sldId="433"/>
+        </pc:sldMkLst>
+      </pc:sldChg>
+      <pc:sldChg chg="del">
+        <pc:chgData name="Mohammed Fasha" userId="S::mohammed.fasha@uop.edu.jo::cc64f42d-a1a6-4f08-b97b-0c37f877119f" providerId="AD" clId="Web-{66E75AB1-FCE8-0FCD-8995-E220AF9681CC}" dt="2025-03-15T06:52:43.236" v="103"/>
+        <pc:sldMkLst>
+          <pc:docMk/>
+          <pc:sldMk cId="2523349106" sldId="442"/>
+        </pc:sldMkLst>
+      </pc:sldChg>
+      <pc:sldChg chg="del">
+        <pc:chgData name="Mohammed Fasha" userId="S::mohammed.fasha@uop.edu.jo::cc64f42d-a1a6-4f08-b97b-0c37f877119f" providerId="AD" clId="Web-{66E75AB1-FCE8-0FCD-8995-E220AF9681CC}" dt="2025-03-15T06:52:43.236" v="94"/>
+        <pc:sldMkLst>
+          <pc:docMk/>
+          <pc:sldMk cId="2515022167" sldId="443"/>
+        </pc:sldMkLst>
+      </pc:sldChg>
+      <pc:sldChg chg="del">
+        <pc:chgData name="Mohammed Fasha" userId="S::mohammed.fasha@uop.edu.jo::cc64f42d-a1a6-4f08-b97b-0c37f877119f" providerId="AD" clId="Web-{66E75AB1-FCE8-0FCD-8995-E220AF9681CC}" dt="2025-03-15T06:52:43.221" v="92"/>
+        <pc:sldMkLst>
+          <pc:docMk/>
+          <pc:sldMk cId="1977389857" sldId="445"/>
+        </pc:sldMkLst>
+      </pc:sldChg>
+      <pc:sldChg chg="del">
+        <pc:chgData name="Mohammed Fasha" userId="S::mohammed.fasha@uop.edu.jo::cc64f42d-a1a6-4f08-b97b-0c37f877119f" providerId="AD" clId="Web-{66E75AB1-FCE8-0FCD-8995-E220AF9681CC}" dt="2025-03-15T06:52:43.221" v="91"/>
+        <pc:sldMkLst>
+          <pc:docMk/>
+          <pc:sldMk cId="2140515002" sldId="446"/>
+        </pc:sldMkLst>
+      </pc:sldChg>
+      <pc:sldChg chg="del">
+        <pc:chgData name="Mohammed Fasha" userId="S::mohammed.fasha@uop.edu.jo::cc64f42d-a1a6-4f08-b97b-0c37f877119f" providerId="AD" clId="Web-{66E75AB1-FCE8-0FCD-8995-E220AF9681CC}" dt="2025-03-15T06:52:43.252" v="109"/>
+        <pc:sldMkLst>
+          <pc:docMk/>
+          <pc:sldMk cId="1932795151" sldId="448"/>
+        </pc:sldMkLst>
+      </pc:sldChg>
+      <pc:sldChg chg="del">
+        <pc:chgData name="Mohammed Fasha" userId="S::mohammed.fasha@uop.edu.jo::cc64f42d-a1a6-4f08-b97b-0c37f877119f" providerId="AD" clId="Web-{66E75AB1-FCE8-0FCD-8995-E220AF9681CC}" dt="2025-03-15T06:52:43.252" v="113"/>
+        <pc:sldMkLst>
+          <pc:docMk/>
+          <pc:sldMk cId="1837964685" sldId="451"/>
+        </pc:sldMkLst>
+      </pc:sldChg>
+      <pc:sldChg chg="del">
+        <pc:chgData name="Mohammed Fasha" userId="S::mohammed.fasha@uop.edu.jo::cc64f42d-a1a6-4f08-b97b-0c37f877119f" providerId="AD" clId="Web-{66E75AB1-FCE8-0FCD-8995-E220AF9681CC}" dt="2025-03-15T06:52:43.252" v="112"/>
+        <pc:sldMkLst>
+          <pc:docMk/>
+          <pc:sldMk cId="1229244997" sldId="452"/>
+        </pc:sldMkLst>
+      </pc:sldChg>
+      <pc:sldChg chg="del">
+        <pc:chgData name="Mohammed Fasha" userId="S::mohammed.fasha@uop.edu.jo::cc64f42d-a1a6-4f08-b97b-0c37f877119f" providerId="AD" clId="Web-{66E75AB1-FCE8-0FCD-8995-E220AF9681CC}" dt="2025-03-15T06:52:43.252" v="111"/>
+        <pc:sldMkLst>
+          <pc:docMk/>
+          <pc:sldMk cId="1789205401" sldId="453"/>
+        </pc:sldMkLst>
+      </pc:sldChg>
+      <pc:sldChg chg="modSp">
+        <pc:chgData name="Mohammed Fasha" userId="S::mohammed.fasha@uop.edu.jo::cc64f42d-a1a6-4f08-b97b-0c37f877119f" providerId="AD" clId="Web-{66E75AB1-FCE8-0FCD-8995-E220AF9681CC}" dt="2025-03-15T06:52:38.939" v="37" actId="20577"/>
+        <pc:sldMkLst>
+          <pc:docMk/>
+          <pc:sldMk cId="1489447582" sldId="455"/>
+        </pc:sldMkLst>
+        <pc:spChg chg="mod">
+          <ac:chgData name="Mohammed Fasha" userId="S::mohammed.fasha@uop.edu.jo::cc64f42d-a1a6-4f08-b97b-0c37f877119f" providerId="AD" clId="Web-{66E75AB1-FCE8-0FCD-8995-E220AF9681CC}" dt="2025-03-15T06:52:38.939" v="37" actId="20577"/>
+          <ac:spMkLst>
+            <pc:docMk/>
+            <pc:sldMk cId="1489447582" sldId="455"/>
+            <ac:spMk id="8" creationId="{107CF054-390C-DCFC-C9A6-9E95C859A175}"/>
+          </ac:spMkLst>
+        </pc:spChg>
+      </pc:sldChg>
+      <pc:sldChg chg="modSp new">
+        <pc:chgData name="Mohammed Fasha" userId="S::mohammed.fasha@uop.edu.jo::cc64f42d-a1a6-4f08-b97b-0c37f877119f" providerId="AD" clId="Web-{66E75AB1-FCE8-0FCD-8995-E220AF9681CC}" dt="2025-03-15T07:01:33.222" v="193" actId="20577"/>
+        <pc:sldMkLst>
+          <pc:docMk/>
+          <pc:sldMk cId="2282942957" sldId="456"/>
+        </pc:sldMkLst>
+      </pc:sldChg>
+      <pc:sldChg chg="addSp delSp modSp add replId addAnim">
+        <pc:chgData name="Mohammed Fasha" userId="S::mohammed.fasha@uop.edu.jo::cc64f42d-a1a6-4f08-b97b-0c37f877119f" providerId="AD" clId="Web-{66E75AB1-FCE8-0FCD-8995-E220AF9681CC}" dt="2025-03-15T07:00:17.530" v="170" actId="20577"/>
+        <pc:sldMkLst>
+          <pc:docMk/>
+          <pc:sldMk cId="1674895679" sldId="457"/>
+        </pc:sldMkLst>
+      </pc:sldChg>
+      <pc:sldChg chg="del">
+        <pc:chgData name="Mohammed Fasha" userId="S::mohammed.fasha@uop.edu.jo::cc64f42d-a1a6-4f08-b97b-0c37f877119f" providerId="AD" clId="Web-{66E75AB1-FCE8-0FCD-8995-E220AF9681CC}" dt="2025-03-15T06:52:43.236" v="105"/>
+        <pc:sldMkLst>
+          <pc:docMk/>
+          <pc:sldMk cId="2921402285" sldId="457"/>
+        </pc:sldMkLst>
+      </pc:sldChg>
+      <pc:sldChg chg="del">
+        <pc:chgData name="Mohammed Fasha" userId="S::mohammed.fasha@uop.edu.jo::cc64f42d-a1a6-4f08-b97b-0c37f877119f" providerId="AD" clId="Web-{66E75AB1-FCE8-0FCD-8995-E220AF9681CC}" dt="2025-03-15T06:52:43.236" v="101"/>
+        <pc:sldMkLst>
+          <pc:docMk/>
+          <pc:sldMk cId="1912979039" sldId="458"/>
+        </pc:sldMkLst>
+      </pc:sldChg>
+      <pc:sldChg chg="addSp modSp add replId addAnim">
+        <pc:chgData name="Mohammed Fasha" userId="S::mohammed.fasha@uop.edu.jo::cc64f42d-a1a6-4f08-b97b-0c37f877119f" providerId="AD" clId="Web-{66E75AB1-FCE8-0FCD-8995-E220AF9681CC}" dt="2025-03-15T07:01:24.191" v="192" actId="20577"/>
+        <pc:sldMkLst>
+          <pc:docMk/>
+          <pc:sldMk cId="3292514151" sldId="458"/>
+        </pc:sldMkLst>
+      </pc:sldChg>
+      <pc:sldChg chg="del">
+        <pc:chgData name="Mohammed Fasha" userId="S::mohammed.fasha@uop.edu.jo::cc64f42d-a1a6-4f08-b97b-0c37f877119f" providerId="AD" clId="Web-{66E75AB1-FCE8-0FCD-8995-E220AF9681CC}" dt="2025-03-15T06:52:43.236" v="100"/>
+        <pc:sldMkLst>
+          <pc:docMk/>
+          <pc:sldMk cId="484589733" sldId="459"/>
+        </pc:sldMkLst>
+      </pc:sldChg>
+      <pc:sldChg chg="addSp modSp add replId addAnim">
+        <pc:chgData name="Mohammed Fasha" userId="S::mohammed.fasha@uop.edu.jo::cc64f42d-a1a6-4f08-b97b-0c37f877119f" providerId="AD" clId="Web-{66E75AB1-FCE8-0FCD-8995-E220AF9681CC}" dt="2025-03-15T07:02:26.163" v="210" actId="1076"/>
+        <pc:sldMkLst>
+          <pc:docMk/>
+          <pc:sldMk cId="3675936543" sldId="459"/>
+        </pc:sldMkLst>
+      </pc:sldChg>
+      <pc:sldChg chg="addSp modSp new ord addAnim">
+        <pc:chgData name="Mohammed Fasha" userId="S::mohammed.fasha@uop.edu.jo::cc64f42d-a1a6-4f08-b97b-0c37f877119f" providerId="AD" clId="Web-{66E75AB1-FCE8-0FCD-8995-E220AF9681CC}" dt="2025-03-15T07:04:19.795" v="257"/>
+        <pc:sldMkLst>
+          <pc:docMk/>
+          <pc:sldMk cId="819366188" sldId="460"/>
+        </pc:sldMkLst>
+      </pc:sldChg>
+      <pc:sldChg chg="del">
+        <pc:chgData name="Mohammed Fasha" userId="S::mohammed.fasha@uop.edu.jo::cc64f42d-a1a6-4f08-b97b-0c37f877119f" providerId="AD" clId="Web-{66E75AB1-FCE8-0FCD-8995-E220AF9681CC}" dt="2025-03-15T06:52:43.236" v="99"/>
+        <pc:sldMkLst>
+          <pc:docMk/>
+          <pc:sldMk cId="1770736122" sldId="460"/>
+        </pc:sldMkLst>
+      </pc:sldChg>
+      <pc:sldChg chg="modSp new">
+        <pc:chgData name="Mohammed Fasha" userId="S::mohammed.fasha@uop.edu.jo::cc64f42d-a1a6-4f08-b97b-0c37f877119f" providerId="AD" clId="Web-{66E75AB1-FCE8-0FCD-8995-E220AF9681CC}" dt="2025-03-15T07:04:38.046" v="266" actId="20577"/>
+        <pc:sldMkLst>
+          <pc:docMk/>
+          <pc:sldMk cId="247418909" sldId="461"/>
+        </pc:sldMkLst>
+      </pc:sldChg>
+      <pc:sldChg chg="addSp delSp modSp new">
+        <pc:chgData name="Mohammed Fasha" userId="S::mohammed.fasha@uop.edu.jo::cc64f42d-a1a6-4f08-b97b-0c37f877119f" providerId="AD" clId="Web-{66E75AB1-FCE8-0FCD-8995-E220AF9681CC}" dt="2025-03-15T07:09:35.299" v="331" actId="1076"/>
+        <pc:sldMkLst>
+          <pc:docMk/>
+          <pc:sldMk cId="1157240725" sldId="462"/>
+        </pc:sldMkLst>
+      </pc:sldChg>
+      <pc:sldChg chg="addSp modSp add replId">
+        <pc:chgData name="Mohammed Fasha" userId="S::mohammed.fasha@uop.edu.jo::cc64f42d-a1a6-4f08-b97b-0c37f877119f" providerId="AD" clId="Web-{66E75AB1-FCE8-0FCD-8995-E220AF9681CC}" dt="2025-03-15T07:27:28.077" v="349" actId="1076"/>
+        <pc:sldMkLst>
+          <pc:docMk/>
+          <pc:sldMk cId="2617340595" sldId="463"/>
+        </pc:sldMkLst>
+      </pc:sldChg>
+      <pc:sldChg chg="del">
+        <pc:chgData name="Mohammed Fasha" userId="S::mohammed.fasha@uop.edu.jo::cc64f42d-a1a6-4f08-b97b-0c37f877119f" providerId="AD" clId="Web-{66E75AB1-FCE8-0FCD-8995-E220AF9681CC}" dt="2025-03-15T06:52:43.236" v="102"/>
+        <pc:sldMkLst>
+          <pc:docMk/>
+          <pc:sldMk cId="2965647848" sldId="463"/>
+        </pc:sldMkLst>
+      </pc:sldChg>
+      <pc:sldChg chg="del">
+        <pc:chgData name="Mohammed Fasha" userId="S::mohammed.fasha@uop.edu.jo::cc64f42d-a1a6-4f08-b97b-0c37f877119f" providerId="AD" clId="Web-{66E75AB1-FCE8-0FCD-8995-E220AF9681CC}" dt="2025-03-15T06:52:43.221" v="81"/>
+        <pc:sldMkLst>
+          <pc:docMk/>
+          <pc:sldMk cId="109379533" sldId="464"/>
+        </pc:sldMkLst>
+      </pc:sldChg>
+      <pc:sldChg chg="add replId">
+        <pc:chgData name="Mohammed Fasha" userId="S::mohammed.fasha@uop.edu.jo::cc64f42d-a1a6-4f08-b97b-0c37f877119f" providerId="AD" clId="Web-{66E75AB1-FCE8-0FCD-8995-E220AF9681CC}" dt="2025-03-15T07:04:43.015" v="269"/>
+        <pc:sldMkLst>
+          <pc:docMk/>
+          <pc:sldMk cId="2675381745" sldId="464"/>
+        </pc:sldMkLst>
+      </pc:sldChg>
+      <pc:sldChg chg="add replId">
+        <pc:chgData name="Mohammed Fasha" userId="S::mohammed.fasha@uop.edu.jo::cc64f42d-a1a6-4f08-b97b-0c37f877119f" providerId="AD" clId="Web-{66E75AB1-FCE8-0FCD-8995-E220AF9681CC}" dt="2025-03-15T07:04:43.140" v="270"/>
+        <pc:sldMkLst>
+          <pc:docMk/>
+          <pc:sldMk cId="4195523681" sldId="465"/>
+        </pc:sldMkLst>
+      </pc:sldChg>
+      <pc:sldChg chg="add replId">
+        <pc:chgData name="Mohammed Fasha" userId="S::mohammed.fasha@uop.edu.jo::cc64f42d-a1a6-4f08-b97b-0c37f877119f" providerId="AD" clId="Web-{66E75AB1-FCE8-0FCD-8995-E220AF9681CC}" dt="2025-03-15T07:04:43.484" v="271"/>
+        <pc:sldMkLst>
+          <pc:docMk/>
+          <pc:sldMk cId="4047127300" sldId="466"/>
+        </pc:sldMkLst>
+      </pc:sldChg>
+      <pc:sldChg chg="del">
+        <pc:chgData name="Mohammed Fasha" userId="S::mohammed.fasha@uop.edu.jo::cc64f42d-a1a6-4f08-b97b-0c37f877119f" providerId="AD" clId="Web-{66E75AB1-FCE8-0FCD-8995-E220AF9681CC}" dt="2025-03-15T06:52:43.221" v="82"/>
+        <pc:sldMkLst>
+          <pc:docMk/>
+          <pc:sldMk cId="719424402" sldId="467"/>
+        </pc:sldMkLst>
+      </pc:sldChg>
+      <pc:sldChg chg="add replId">
+        <pc:chgData name="Mohammed Fasha" userId="S::mohammed.fasha@uop.edu.jo::cc64f42d-a1a6-4f08-b97b-0c37f877119f" providerId="AD" clId="Web-{66E75AB1-FCE8-0FCD-8995-E220AF9681CC}" dt="2025-03-15T07:04:43.609" v="272"/>
+        <pc:sldMkLst>
+          <pc:docMk/>
+          <pc:sldMk cId="3183967706" sldId="467"/>
+        </pc:sldMkLst>
+      </pc:sldChg>
+      <pc:sldChg chg="add replId">
+        <pc:chgData name="Mohammed Fasha" userId="S::mohammed.fasha@uop.edu.jo::cc64f42d-a1a6-4f08-b97b-0c37f877119f" providerId="AD" clId="Web-{66E75AB1-FCE8-0FCD-8995-E220AF9681CC}" dt="2025-03-15T07:04:43.953" v="273"/>
+        <pc:sldMkLst>
+          <pc:docMk/>
+          <pc:sldMk cId="3161654258" sldId="468"/>
+        </pc:sldMkLst>
+      </pc:sldChg>
+      <pc:sldChg chg="add replId">
+        <pc:chgData name="Mohammed Fasha" userId="S::mohammed.fasha@uop.edu.jo::cc64f42d-a1a6-4f08-b97b-0c37f877119f" providerId="AD" clId="Web-{66E75AB1-FCE8-0FCD-8995-E220AF9681CC}" dt="2025-03-15T07:04:44.078" v="274"/>
+        <pc:sldMkLst>
+          <pc:docMk/>
+          <pc:sldMk cId="2175348861" sldId="469"/>
+        </pc:sldMkLst>
+      </pc:sldChg>
+      <pc:sldChg chg="add replId">
+        <pc:chgData name="Mohammed Fasha" userId="S::mohammed.fasha@uop.edu.jo::cc64f42d-a1a6-4f08-b97b-0c37f877119f" providerId="AD" clId="Web-{66E75AB1-FCE8-0FCD-8995-E220AF9681CC}" dt="2025-03-15T07:04:44.281" v="275"/>
+        <pc:sldMkLst>
+          <pc:docMk/>
+          <pc:sldMk cId="2988183144" sldId="470"/>
+        </pc:sldMkLst>
+      </pc:sldChg>
+      <pc:sldChg chg="add replId">
+        <pc:chgData name="Mohammed Fasha" userId="S::mohammed.fasha@uop.edu.jo::cc64f42d-a1a6-4f08-b97b-0c37f877119f" providerId="AD" clId="Web-{66E75AB1-FCE8-0FCD-8995-E220AF9681CC}" dt="2025-03-15T07:04:44.421" v="276"/>
+        <pc:sldMkLst>
+          <pc:docMk/>
+          <pc:sldMk cId="1572681964" sldId="471"/>
+        </pc:sldMkLst>
+      </pc:sldChg>
+      <pc:sldChg chg="del">
+        <pc:chgData name="Mohammed Fasha" userId="S::mohammed.fasha@uop.edu.jo::cc64f42d-a1a6-4f08-b97b-0c37f877119f" providerId="AD" clId="Web-{66E75AB1-FCE8-0FCD-8995-E220AF9681CC}" dt="2025-03-15T06:52:43.236" v="104"/>
+        <pc:sldMkLst>
+          <pc:docMk/>
+          <pc:sldMk cId="3168600941" sldId="471"/>
+        </pc:sldMkLst>
+      </pc:sldChg>
+      <pc:sldChg chg="del">
+        <pc:chgData name="Mohammed Fasha" userId="S::mohammed.fasha@uop.edu.jo::cc64f42d-a1a6-4f08-b97b-0c37f877119f" providerId="AD" clId="Web-{66E75AB1-FCE8-0FCD-8995-E220AF9681CC}" dt="2025-03-15T06:52:43.252" v="110"/>
+        <pc:sldMkLst>
+          <pc:docMk/>
+          <pc:sldMk cId="2302099845" sldId="472"/>
+        </pc:sldMkLst>
+      </pc:sldChg>
+      <pc:sldChg chg="del">
+        <pc:chgData name="Mohammed Fasha" userId="S::mohammed.fasha@uop.edu.jo::cc64f42d-a1a6-4f08-b97b-0c37f877119f" providerId="AD" clId="Web-{66E75AB1-FCE8-0FCD-8995-E220AF9681CC}" dt="2025-03-15T06:52:43.236" v="98"/>
+        <pc:sldMkLst>
+          <pc:docMk/>
+          <pc:sldMk cId="118211851" sldId="473"/>
+        </pc:sldMkLst>
+      </pc:sldChg>
+      <pc:sldChg chg="del">
+        <pc:chgData name="Mohammed Fasha" userId="S::mohammed.fasha@uop.edu.jo::cc64f42d-a1a6-4f08-b97b-0c37f877119f" providerId="AD" clId="Web-{66E75AB1-FCE8-0FCD-8995-E220AF9681CC}" dt="2025-03-15T06:52:43.236" v="97"/>
+        <pc:sldMkLst>
+          <pc:docMk/>
+          <pc:sldMk cId="1150689950" sldId="474"/>
+        </pc:sldMkLst>
+      </pc:sldChg>
+      <pc:sldChg chg="del">
+        <pc:chgData name="Mohammed Fasha" userId="S::mohammed.fasha@uop.edu.jo::cc64f42d-a1a6-4f08-b97b-0c37f877119f" providerId="AD" clId="Web-{66E75AB1-FCE8-0FCD-8995-E220AF9681CC}" dt="2025-03-15T06:52:43.236" v="93"/>
+        <pc:sldMkLst>
+          <pc:docMk/>
+          <pc:sldMk cId="942593251" sldId="475"/>
+        </pc:sldMkLst>
+      </pc:sldChg>
+      <pc:sldChg chg="del">
+        <pc:chgData name="Mohammed Fasha" userId="S::mohammed.fasha@uop.edu.jo::cc64f42d-a1a6-4f08-b97b-0c37f877119f" providerId="AD" clId="Web-{66E75AB1-FCE8-0FCD-8995-E220AF9681CC}" dt="2025-03-15T06:52:43.236" v="106"/>
+        <pc:sldMkLst>
+          <pc:docMk/>
+          <pc:sldMk cId="94366255" sldId="476"/>
+        </pc:sldMkLst>
+      </pc:sldChg>
+      <pc:sldChg chg="del">
+        <pc:chgData name="Mohammed Fasha" userId="S::mohammed.fasha@uop.edu.jo::cc64f42d-a1a6-4f08-b97b-0c37f877119f" providerId="AD" clId="Web-{66E75AB1-FCE8-0FCD-8995-E220AF9681CC}" dt="2025-03-15T06:52:43.221" v="88"/>
+        <pc:sldMkLst>
+          <pc:docMk/>
+          <pc:sldMk cId="3109107256" sldId="477"/>
+        </pc:sldMkLst>
+      </pc:sldChg>
+      <pc:sldChg chg="del">
+        <pc:chgData name="Mohammed Fasha" userId="S::mohammed.fasha@uop.edu.jo::cc64f42d-a1a6-4f08-b97b-0c37f877119f" providerId="AD" clId="Web-{66E75AB1-FCE8-0FCD-8995-E220AF9681CC}" dt="2025-03-15T06:52:43.221" v="78"/>
+        <pc:sldMkLst>
+          <pc:docMk/>
+          <pc:sldMk cId="408884363" sldId="483"/>
+        </pc:sldMkLst>
+      </pc:sldChg>
+      <pc:sldChg chg="del">
+        <pc:chgData name="Mohammed Fasha" userId="S::mohammed.fasha@uop.edu.jo::cc64f42d-a1a6-4f08-b97b-0c37f877119f" providerId="AD" clId="Web-{66E75AB1-FCE8-0FCD-8995-E220AF9681CC}" dt="2025-03-15T06:52:43.096" v="48"/>
+        <pc:sldMkLst>
+          <pc:docMk/>
+          <pc:sldMk cId="994101439" sldId="484"/>
+        </pc:sldMkLst>
+      </pc:sldChg>
+      <pc:sldChg chg="del">
+        <pc:chgData name="Mohammed Fasha" userId="S::mohammed.fasha@uop.edu.jo::cc64f42d-a1a6-4f08-b97b-0c37f877119f" providerId="AD" clId="Web-{66E75AB1-FCE8-0FCD-8995-E220AF9681CC}" dt="2025-03-15T06:52:43.205" v="67"/>
+        <pc:sldMkLst>
+          <pc:docMk/>
+          <pc:sldMk cId="1440183149" sldId="485"/>
+        </pc:sldMkLst>
+      </pc:sldChg>
+      <pc:sldChg chg="del">
+        <pc:chgData name="Mohammed Fasha" userId="S::mohammed.fasha@uop.edu.jo::cc64f42d-a1a6-4f08-b97b-0c37f877119f" providerId="AD" clId="Web-{66E75AB1-FCE8-0FCD-8995-E220AF9681CC}" dt="2025-03-15T06:52:43.111" v="58"/>
+        <pc:sldMkLst>
+          <pc:docMk/>
+          <pc:sldMk cId="3841714060" sldId="486"/>
+        </pc:sldMkLst>
+      </pc:sldChg>
+      <pc:sldChg chg="del">
+        <pc:chgData name="Mohammed Fasha" userId="S::mohammed.fasha@uop.edu.jo::cc64f42d-a1a6-4f08-b97b-0c37f877119f" providerId="AD" clId="Web-{66E75AB1-FCE8-0FCD-8995-E220AF9681CC}" dt="2025-03-15T06:52:43.111" v="54"/>
+        <pc:sldMkLst>
+          <pc:docMk/>
+          <pc:sldMk cId="833725597" sldId="488"/>
+        </pc:sldMkLst>
+      </pc:sldChg>
+      <pc:sldChg chg="del">
+        <pc:chgData name="Mohammed Fasha" userId="S::mohammed.fasha@uop.edu.jo::cc64f42d-a1a6-4f08-b97b-0c37f877119f" providerId="AD" clId="Web-{66E75AB1-FCE8-0FCD-8995-E220AF9681CC}" dt="2025-03-15T06:52:43.111" v="53"/>
+        <pc:sldMkLst>
+          <pc:docMk/>
+          <pc:sldMk cId="4123470834" sldId="489"/>
+        </pc:sldMkLst>
+      </pc:sldChg>
+      <pc:sldChg chg="del">
+        <pc:chgData name="Mohammed Fasha" userId="S::mohammed.fasha@uop.edu.jo::cc64f42d-a1a6-4f08-b97b-0c37f877119f" providerId="AD" clId="Web-{66E75AB1-FCE8-0FCD-8995-E220AF9681CC}" dt="2025-03-15T06:52:43.111" v="57"/>
+        <pc:sldMkLst>
+          <pc:docMk/>
+          <pc:sldMk cId="4022017735" sldId="490"/>
+        </pc:sldMkLst>
+      </pc:sldChg>
+      <pc:sldChg chg="del">
+        <pc:chgData name="Mohammed Fasha" userId="S::mohammed.fasha@uop.edu.jo::cc64f42d-a1a6-4f08-b97b-0c37f877119f" providerId="AD" clId="Web-{66E75AB1-FCE8-0FCD-8995-E220AF9681CC}" dt="2025-03-15T06:52:43.111" v="51"/>
+        <pc:sldMkLst>
+          <pc:docMk/>
+          <pc:sldMk cId="2225061527" sldId="491"/>
+        </pc:sldMkLst>
+      </pc:sldChg>
+      <pc:sldChg chg="del">
+        <pc:chgData name="Mohammed Fasha" userId="S::mohammed.fasha@uop.edu.jo::cc64f42d-a1a6-4f08-b97b-0c37f877119f" providerId="AD" clId="Web-{66E75AB1-FCE8-0FCD-8995-E220AF9681CC}" dt="2025-03-15T06:52:43.096" v="46"/>
+        <pc:sldMkLst>
+          <pc:docMk/>
+          <pc:sldMk cId="673932695" sldId="492"/>
+        </pc:sldMkLst>
+      </pc:sldChg>
+      <pc:sldChg chg="del">
+        <pc:chgData name="Mohammed Fasha" userId="S::mohammed.fasha@uop.edu.jo::cc64f42d-a1a6-4f08-b97b-0c37f877119f" providerId="AD" clId="Web-{66E75AB1-FCE8-0FCD-8995-E220AF9681CC}" dt="2025-03-15T06:52:43.096" v="45"/>
+        <pc:sldMkLst>
+          <pc:docMk/>
+          <pc:sldMk cId="2512069021" sldId="493"/>
+        </pc:sldMkLst>
+      </pc:sldChg>
+      <pc:sldChg chg="del">
+        <pc:chgData name="Mohammed Fasha" userId="S::mohammed.fasha@uop.edu.jo::cc64f42d-a1a6-4f08-b97b-0c37f877119f" providerId="AD" clId="Web-{66E75AB1-FCE8-0FCD-8995-E220AF9681CC}" dt="2025-03-15T06:52:43.096" v="41"/>
+        <pc:sldMkLst>
+          <pc:docMk/>
+          <pc:sldMk cId="3290660304" sldId="494"/>
+        </pc:sldMkLst>
+      </pc:sldChg>
+      <pc:sldChg chg="del">
+        <pc:chgData name="Mohammed Fasha" userId="S::mohammed.fasha@uop.edu.jo::cc64f42d-a1a6-4f08-b97b-0c37f877119f" providerId="AD" clId="Web-{66E75AB1-FCE8-0FCD-8995-E220AF9681CC}" dt="2025-03-15T06:52:43.096" v="43"/>
+        <pc:sldMkLst>
+          <pc:docMk/>
+          <pc:sldMk cId="4079654275" sldId="495"/>
+        </pc:sldMkLst>
+      </pc:sldChg>
+      <pc:sldChg chg="del">
+        <pc:chgData name="Mohammed Fasha" userId="S::mohammed.fasha@uop.edu.jo::cc64f42d-a1a6-4f08-b97b-0c37f877119f" providerId="AD" clId="Web-{66E75AB1-FCE8-0FCD-8995-E220AF9681CC}" dt="2025-03-15T06:52:43.236" v="96"/>
+        <pc:sldMkLst>
+          <pc:docMk/>
+          <pc:sldMk cId="1501311303" sldId="496"/>
+        </pc:sldMkLst>
+      </pc:sldChg>
+      <pc:sldChg chg="del">
+        <pc:chgData name="Mohammed Fasha" userId="S::mohammed.fasha@uop.edu.jo::cc64f42d-a1a6-4f08-b97b-0c37f877119f" providerId="AD" clId="Web-{66E75AB1-FCE8-0FCD-8995-E220AF9681CC}" dt="2025-03-15T06:52:43.252" v="115"/>
+        <pc:sldMkLst>
+          <pc:docMk/>
+          <pc:sldMk cId="2557217836" sldId="497"/>
+        </pc:sldMkLst>
+      </pc:sldChg>
+    </pc:docChg>
+  </pc:docChgLst>
+  <pc:docChgLst>
     <pc:chgData name="Mohammed Fasha" userId="S::mohammed.fasha@uop.edu.jo::cc64f42d-a1a6-4f08-b97b-0c37f877119f" providerId="AD" clId="Web-{B068E183-0D75-02A0-3529-319AC2E4F47A}"/>
     <pc:docChg chg="addSld modSld sldOrd">
       <pc:chgData name="Mohammed Fasha" userId="S::mohammed.fasha@uop.edu.jo::cc64f42d-a1a6-4f08-b97b-0c37f877119f" providerId="AD" clId="Web-{B068E183-0D75-02A0-3529-319AC2E4F47A}" dt="2025-03-22T04:49:22.786" v="208"/>
@@ -6131,1682 +5250,6 @@
           <pc:sldMk cId="1489896525" sldId="475"/>
         </pc:sldMkLst>
       </pc:sldChg>
-    </pc:docChg>
-  </pc:docChgLst>
-  <pc:docChgLst>
-    <pc:chgData name="Mohammed Fasha" userId="cc64f42d-a1a6-4f08-b97b-0c37f877119f" providerId="ADAL" clId="{4B0C216D-0431-4C08-83EB-B615D906D932}"/>
-    <pc:docChg chg="custSel addSld delSld modSld sldOrd">
-      <pc:chgData name="Mohammed Fasha" userId="cc64f42d-a1a6-4f08-b97b-0c37f877119f" providerId="ADAL" clId="{4B0C216D-0431-4C08-83EB-B615D906D932}" dt="2025-03-18T02:16:41.167" v="152" actId="20577"/>
-      <pc:docMkLst>
-        <pc:docMk/>
-      </pc:docMkLst>
-      <pc:sldChg chg="ord">
-        <pc:chgData name="Mohammed Fasha" userId="cc64f42d-a1a6-4f08-b97b-0c37f877119f" providerId="ADAL" clId="{4B0C216D-0431-4C08-83EB-B615D906D932}" dt="2025-03-18T02:15:01.379" v="67"/>
-        <pc:sldMkLst>
-          <pc:docMk/>
-          <pc:sldMk cId="2282942957" sldId="456"/>
-        </pc:sldMkLst>
-      </pc:sldChg>
-      <pc:sldChg chg="addSp delSp modSp new del mod modClrScheme chgLayout">
-        <pc:chgData name="Mohammed Fasha" userId="cc64f42d-a1a6-4f08-b97b-0c37f877119f" providerId="ADAL" clId="{4B0C216D-0431-4C08-83EB-B615D906D932}" dt="2025-03-18T02:14:19.984" v="50" actId="2696"/>
-        <pc:sldMkLst>
-          <pc:docMk/>
-          <pc:sldMk cId="3499033775" sldId="472"/>
-        </pc:sldMkLst>
-      </pc:sldChg>
-      <pc:sldChg chg="addSp delSp modSp new mod ord modClrScheme chgLayout">
-        <pc:chgData name="Mohammed Fasha" userId="cc64f42d-a1a6-4f08-b97b-0c37f877119f" providerId="ADAL" clId="{4B0C216D-0431-4C08-83EB-B615D906D932}" dt="2025-03-18T02:16:41.167" v="152" actId="20577"/>
-        <pc:sldMkLst>
-          <pc:docMk/>
-          <pc:sldMk cId="3385747305" sldId="473"/>
-        </pc:sldMkLst>
-      </pc:sldChg>
-      <pc:sldChg chg="modSp new mod">
-        <pc:chgData name="Mohammed Fasha" userId="cc64f42d-a1a6-4f08-b97b-0c37f877119f" providerId="ADAL" clId="{4B0C216D-0431-4C08-83EB-B615D906D932}" dt="2025-03-18T02:15:56.699" v="100"/>
-        <pc:sldMkLst>
-          <pc:docMk/>
-          <pc:sldMk cId="1939766790" sldId="474"/>
-        </pc:sldMkLst>
-      </pc:sldChg>
-    </pc:docChg>
-  </pc:docChgLst>
-  <pc:docChgLst>
-    <pc:chgData name="Mohammed Fasha" userId="cc64f42d-a1a6-4f08-b97b-0c37f877119f" providerId="ADAL" clId="{5980B3BB-4EB6-4E37-92BF-3A2A8F4B2C7A}"/>
-    <pc:docChg chg="custSel modSld">
-      <pc:chgData name="Mohammed Fasha" userId="cc64f42d-a1a6-4f08-b97b-0c37f877119f" providerId="ADAL" clId="{5980B3BB-4EB6-4E37-92BF-3A2A8F4B2C7A}" dt="2024-10-15T02:28:13.535" v="0" actId="478"/>
-      <pc:docMkLst>
-        <pc:docMk/>
-      </pc:docMkLst>
-      <pc:sldChg chg="delSp mod">
-        <pc:chgData name="Mohammed Fasha" userId="cc64f42d-a1a6-4f08-b97b-0c37f877119f" providerId="ADAL" clId="{5980B3BB-4EB6-4E37-92BF-3A2A8F4B2C7A}" dt="2024-10-15T02:28:13.535" v="0" actId="478"/>
-        <pc:sldMkLst>
-          <pc:docMk/>
-          <pc:sldMk cId="2297456757" sldId="483"/>
-        </pc:sldMkLst>
-      </pc:sldChg>
-    </pc:docChg>
-  </pc:docChgLst>
-  <pc:docChgLst>
-    <pc:chgData name="Mohammed Fasha" userId="cc64f42d-a1a6-4f08-b97b-0c37f877119f" providerId="ADAL" clId="{4C71ED24-115E-432D-933D-C801DA3E52F1}"/>
-    <pc:docChg chg="delSld">
-      <pc:chgData name="Mohammed Fasha" userId="cc64f42d-a1a6-4f08-b97b-0c37f877119f" providerId="ADAL" clId="{4C71ED24-115E-432D-933D-C801DA3E52F1}" dt="2024-12-29T03:12:49.974" v="2" actId="47"/>
-      <pc:docMkLst>
-        <pc:docMk/>
-      </pc:docMkLst>
-      <pc:sldChg chg="del">
-        <pc:chgData name="Mohammed Fasha" userId="cc64f42d-a1a6-4f08-b97b-0c37f877119f" providerId="ADAL" clId="{4C71ED24-115E-432D-933D-C801DA3E52F1}" dt="2024-12-29T03:12:48.360" v="0" actId="47"/>
-        <pc:sldMkLst>
-          <pc:docMk/>
-          <pc:sldMk cId="2341000601" sldId="701"/>
-        </pc:sldMkLst>
-      </pc:sldChg>
-      <pc:sldChg chg="del">
-        <pc:chgData name="Mohammed Fasha" userId="cc64f42d-a1a6-4f08-b97b-0c37f877119f" providerId="ADAL" clId="{4C71ED24-115E-432D-933D-C801DA3E52F1}" dt="2024-12-29T03:12:49.133" v="1" actId="47"/>
-        <pc:sldMkLst>
-          <pc:docMk/>
-          <pc:sldMk cId="3519698944" sldId="702"/>
-        </pc:sldMkLst>
-      </pc:sldChg>
-      <pc:sldChg chg="del">
-        <pc:chgData name="Mohammed Fasha" userId="cc64f42d-a1a6-4f08-b97b-0c37f877119f" providerId="ADAL" clId="{4C71ED24-115E-432D-933D-C801DA3E52F1}" dt="2024-12-29T03:12:49.974" v="2" actId="47"/>
-        <pc:sldMkLst>
-          <pc:docMk/>
-          <pc:sldMk cId="3934257344" sldId="703"/>
-        </pc:sldMkLst>
-      </pc:sldChg>
-    </pc:docChg>
-  </pc:docChgLst>
-  <pc:docChgLst>
-    <pc:chgData name="Mohammed Fasha" userId="cc64f42d-a1a6-4f08-b97b-0c37f877119f" providerId="ADAL" clId="{BECD4A7F-C1AF-4585-8C31-FE7D4FE3ED16}"/>
-    <pc:docChg chg="undo redo custSel addSld delSld modSld sldOrd">
-      <pc:chgData name="Mohammed Fasha" userId="cc64f42d-a1a6-4f08-b97b-0c37f877119f" providerId="ADAL" clId="{BECD4A7F-C1AF-4585-8C31-FE7D4FE3ED16}" dt="2025-01-05T16:36:16.605" v="1945" actId="1076"/>
-      <pc:docMkLst>
-        <pc:docMk/>
-      </pc:docMkLst>
-      <pc:sldChg chg="modSp mod">
-        <pc:chgData name="Mohammed Fasha" userId="cc64f42d-a1a6-4f08-b97b-0c37f877119f" providerId="ADAL" clId="{BECD4A7F-C1AF-4585-8C31-FE7D4FE3ED16}" dt="2024-12-30T18:47:27.683" v="988" actId="20577"/>
-        <pc:sldMkLst>
-          <pc:docMk/>
-          <pc:sldMk cId="2281221656" sldId="527"/>
-        </pc:sldMkLst>
-      </pc:sldChg>
-      <pc:sldChg chg="modSp mod">
-        <pc:chgData name="Mohammed Fasha" userId="cc64f42d-a1a6-4f08-b97b-0c37f877119f" providerId="ADAL" clId="{BECD4A7F-C1AF-4585-8C31-FE7D4FE3ED16}" dt="2024-12-27T13:59:26.893" v="366" actId="20577"/>
-        <pc:sldMkLst>
-          <pc:docMk/>
-          <pc:sldMk cId="3474268344" sldId="596"/>
-        </pc:sldMkLst>
-      </pc:sldChg>
-      <pc:sldChg chg="modSp mod">
-        <pc:chgData name="Mohammed Fasha" userId="cc64f42d-a1a6-4f08-b97b-0c37f877119f" providerId="ADAL" clId="{BECD4A7F-C1AF-4585-8C31-FE7D4FE3ED16}" dt="2024-12-30T18:44:34.649" v="884" actId="20577"/>
-        <pc:sldMkLst>
-          <pc:docMk/>
-          <pc:sldMk cId="916802035" sldId="651"/>
-        </pc:sldMkLst>
-      </pc:sldChg>
-      <pc:sldChg chg="del">
-        <pc:chgData name="Mohammed Fasha" userId="cc64f42d-a1a6-4f08-b97b-0c37f877119f" providerId="ADAL" clId="{BECD4A7F-C1AF-4585-8C31-FE7D4FE3ED16}" dt="2025-01-05T14:42:38.675" v="989" actId="2696"/>
-        <pc:sldMkLst>
-          <pc:docMk/>
-          <pc:sldMk cId="426516858" sldId="662"/>
-        </pc:sldMkLst>
-      </pc:sldChg>
-      <pc:sldChg chg="modSp add del mod">
-        <pc:chgData name="Mohammed Fasha" userId="cc64f42d-a1a6-4f08-b97b-0c37f877119f" providerId="ADAL" clId="{BECD4A7F-C1AF-4585-8C31-FE7D4FE3ED16}" dt="2025-01-05T16:34:59.233" v="1926" actId="20577"/>
-        <pc:sldMkLst>
-          <pc:docMk/>
-          <pc:sldMk cId="691538069" sldId="662"/>
-        </pc:sldMkLst>
-      </pc:sldChg>
-      <pc:sldChg chg="del">
-        <pc:chgData name="Mohammed Fasha" userId="cc64f42d-a1a6-4f08-b97b-0c37f877119f" providerId="ADAL" clId="{BECD4A7F-C1AF-4585-8C31-FE7D4FE3ED16}" dt="2025-01-05T14:42:38.675" v="989" actId="2696"/>
-        <pc:sldMkLst>
-          <pc:docMk/>
-          <pc:sldMk cId="895445062" sldId="663"/>
-        </pc:sldMkLst>
-      </pc:sldChg>
-      <pc:sldChg chg="add del">
-        <pc:chgData name="Mohammed Fasha" userId="cc64f42d-a1a6-4f08-b97b-0c37f877119f" providerId="ADAL" clId="{BECD4A7F-C1AF-4585-8C31-FE7D4FE3ED16}" dt="2025-01-05T14:43:16.100" v="993" actId="2696"/>
-        <pc:sldMkLst>
-          <pc:docMk/>
-          <pc:sldMk cId="3980180774" sldId="663"/>
-        </pc:sldMkLst>
-      </pc:sldChg>
-      <pc:sldChg chg="add del">
-        <pc:chgData name="Mohammed Fasha" userId="cc64f42d-a1a6-4f08-b97b-0c37f877119f" providerId="ADAL" clId="{BECD4A7F-C1AF-4585-8C31-FE7D4FE3ED16}" dt="2025-01-05T14:43:16.100" v="993" actId="2696"/>
-        <pc:sldMkLst>
-          <pc:docMk/>
-          <pc:sldMk cId="1728680596" sldId="664"/>
-        </pc:sldMkLst>
-      </pc:sldChg>
-      <pc:sldChg chg="del">
-        <pc:chgData name="Mohammed Fasha" userId="cc64f42d-a1a6-4f08-b97b-0c37f877119f" providerId="ADAL" clId="{BECD4A7F-C1AF-4585-8C31-FE7D4FE3ED16}" dt="2025-01-05T14:42:38.675" v="989" actId="2696"/>
-        <pc:sldMkLst>
-          <pc:docMk/>
-          <pc:sldMk cId="3900588277" sldId="664"/>
-        </pc:sldMkLst>
-      </pc:sldChg>
-      <pc:sldChg chg="del">
-        <pc:chgData name="Mohammed Fasha" userId="cc64f42d-a1a6-4f08-b97b-0c37f877119f" providerId="ADAL" clId="{BECD4A7F-C1AF-4585-8C31-FE7D4FE3ED16}" dt="2025-01-05T14:42:38.675" v="989" actId="2696"/>
-        <pc:sldMkLst>
-          <pc:docMk/>
-          <pc:sldMk cId="123002105" sldId="665"/>
-        </pc:sldMkLst>
-      </pc:sldChg>
-      <pc:sldChg chg="modSp add del mod">
-        <pc:chgData name="Mohammed Fasha" userId="cc64f42d-a1a6-4f08-b97b-0c37f877119f" providerId="ADAL" clId="{BECD4A7F-C1AF-4585-8C31-FE7D4FE3ED16}" dt="2025-01-05T15:05:12.729" v="1226" actId="21"/>
-        <pc:sldMkLst>
-          <pc:docMk/>
-          <pc:sldMk cId="148099094" sldId="665"/>
-        </pc:sldMkLst>
-      </pc:sldChg>
-      <pc:sldChg chg="del">
-        <pc:chgData name="Mohammed Fasha" userId="cc64f42d-a1a6-4f08-b97b-0c37f877119f" providerId="ADAL" clId="{BECD4A7F-C1AF-4585-8C31-FE7D4FE3ED16}" dt="2025-01-05T14:42:38.675" v="989" actId="2696"/>
-        <pc:sldMkLst>
-          <pc:docMk/>
-          <pc:sldMk cId="659863378" sldId="676"/>
-        </pc:sldMkLst>
-      </pc:sldChg>
-      <pc:sldChg chg="modSp add del mod">
-        <pc:chgData name="Mohammed Fasha" userId="cc64f42d-a1a6-4f08-b97b-0c37f877119f" providerId="ADAL" clId="{BECD4A7F-C1AF-4585-8C31-FE7D4FE3ED16}" dt="2025-01-05T14:55:27.595" v="1130" actId="255"/>
-        <pc:sldMkLst>
-          <pc:docMk/>
-          <pc:sldMk cId="1577854815" sldId="676"/>
-        </pc:sldMkLst>
-      </pc:sldChg>
-      <pc:sldChg chg="modSp add del mod">
-        <pc:chgData name="Mohammed Fasha" userId="cc64f42d-a1a6-4f08-b97b-0c37f877119f" providerId="ADAL" clId="{BECD4A7F-C1AF-4585-8C31-FE7D4FE3ED16}" dt="2025-01-05T14:55:43.754" v="1132" actId="1076"/>
-        <pc:sldMkLst>
-          <pc:docMk/>
-          <pc:sldMk cId="139882925" sldId="677"/>
-        </pc:sldMkLst>
-      </pc:sldChg>
-      <pc:sldChg chg="del">
-        <pc:chgData name="Mohammed Fasha" userId="cc64f42d-a1a6-4f08-b97b-0c37f877119f" providerId="ADAL" clId="{BECD4A7F-C1AF-4585-8C31-FE7D4FE3ED16}" dt="2025-01-05T14:42:38.675" v="989" actId="2696"/>
-        <pc:sldMkLst>
-          <pc:docMk/>
-          <pc:sldMk cId="2736863534" sldId="677"/>
-        </pc:sldMkLst>
-      </pc:sldChg>
-      <pc:sldChg chg="add del">
-        <pc:chgData name="Mohammed Fasha" userId="cc64f42d-a1a6-4f08-b97b-0c37f877119f" providerId="ADAL" clId="{BECD4A7F-C1AF-4585-8C31-FE7D4FE3ED16}" dt="2025-01-05T14:43:16.100" v="993" actId="2696"/>
-        <pc:sldMkLst>
-          <pc:docMk/>
-          <pc:sldMk cId="4146654093" sldId="678"/>
-        </pc:sldMkLst>
-      </pc:sldChg>
-      <pc:sldChg chg="del">
-        <pc:chgData name="Mohammed Fasha" userId="cc64f42d-a1a6-4f08-b97b-0c37f877119f" providerId="ADAL" clId="{BECD4A7F-C1AF-4585-8C31-FE7D4FE3ED16}" dt="2025-01-05T14:42:38.675" v="989" actId="2696"/>
-        <pc:sldMkLst>
-          <pc:docMk/>
-          <pc:sldMk cId="4228312762" sldId="678"/>
-        </pc:sldMkLst>
-      </pc:sldChg>
-      <pc:sldChg chg="del">
-        <pc:chgData name="Mohammed Fasha" userId="cc64f42d-a1a6-4f08-b97b-0c37f877119f" providerId="ADAL" clId="{BECD4A7F-C1AF-4585-8C31-FE7D4FE3ED16}" dt="2025-01-05T14:42:38.675" v="989" actId="2696"/>
-        <pc:sldMkLst>
-          <pc:docMk/>
-          <pc:sldMk cId="581717462" sldId="679"/>
-        </pc:sldMkLst>
-      </pc:sldChg>
-      <pc:sldChg chg="addSp delSp modSp add del mod chgLayout">
-        <pc:chgData name="Mohammed Fasha" userId="cc64f42d-a1a6-4f08-b97b-0c37f877119f" providerId="ADAL" clId="{BECD4A7F-C1AF-4585-8C31-FE7D4FE3ED16}" dt="2025-01-05T16:36:16.605" v="1945" actId="1076"/>
-        <pc:sldMkLst>
-          <pc:docMk/>
-          <pc:sldMk cId="3454522070" sldId="679"/>
-        </pc:sldMkLst>
-      </pc:sldChg>
-      <pc:sldChg chg="add del">
-        <pc:chgData name="Mohammed Fasha" userId="cc64f42d-a1a6-4f08-b97b-0c37f877119f" providerId="ADAL" clId="{BECD4A7F-C1AF-4585-8C31-FE7D4FE3ED16}" dt="2025-01-05T14:43:16.100" v="993" actId="2696"/>
-        <pc:sldMkLst>
-          <pc:docMk/>
-          <pc:sldMk cId="2856814121" sldId="681"/>
-        </pc:sldMkLst>
-      </pc:sldChg>
-      <pc:sldChg chg="del">
-        <pc:chgData name="Mohammed Fasha" userId="cc64f42d-a1a6-4f08-b97b-0c37f877119f" providerId="ADAL" clId="{BECD4A7F-C1AF-4585-8C31-FE7D4FE3ED16}" dt="2025-01-05T14:42:38.675" v="989" actId="2696"/>
-        <pc:sldMkLst>
-          <pc:docMk/>
-          <pc:sldMk cId="3083966018" sldId="681"/>
-        </pc:sldMkLst>
-      </pc:sldChg>
-      <pc:sldChg chg="modSp mod">
-        <pc:chgData name="Mohammed Fasha" userId="cc64f42d-a1a6-4f08-b97b-0c37f877119f" providerId="ADAL" clId="{BECD4A7F-C1AF-4585-8C31-FE7D4FE3ED16}" dt="2025-01-05T14:42:50.596" v="990" actId="14100"/>
-        <pc:sldMkLst>
-          <pc:docMk/>
-          <pc:sldMk cId="1697141369" sldId="695"/>
-        </pc:sldMkLst>
-      </pc:sldChg>
-      <pc:sldChg chg="addSp delSp modSp add del mod">
-        <pc:chgData name="Mohammed Fasha" userId="cc64f42d-a1a6-4f08-b97b-0c37f877119f" providerId="ADAL" clId="{BECD4A7F-C1AF-4585-8C31-FE7D4FE3ED16}" dt="2025-01-05T14:54:31.375" v="1125" actId="14100"/>
-        <pc:sldMkLst>
-          <pc:docMk/>
-          <pc:sldMk cId="265576630" sldId="698"/>
-        </pc:sldMkLst>
-      </pc:sldChg>
-      <pc:sldChg chg="del">
-        <pc:chgData name="Mohammed Fasha" userId="cc64f42d-a1a6-4f08-b97b-0c37f877119f" providerId="ADAL" clId="{BECD4A7F-C1AF-4585-8C31-FE7D4FE3ED16}" dt="2025-01-05T14:42:38.675" v="989" actId="2696"/>
-        <pc:sldMkLst>
-          <pc:docMk/>
-          <pc:sldMk cId="991725834" sldId="698"/>
-        </pc:sldMkLst>
-      </pc:sldChg>
-      <pc:sldChg chg="del">
-        <pc:chgData name="Mohammed Fasha" userId="cc64f42d-a1a6-4f08-b97b-0c37f877119f" providerId="ADAL" clId="{BECD4A7F-C1AF-4585-8C31-FE7D4FE3ED16}" dt="2025-01-05T14:42:38.675" v="989" actId="2696"/>
-        <pc:sldMkLst>
-          <pc:docMk/>
-          <pc:sldMk cId="3109561867" sldId="700"/>
-        </pc:sldMkLst>
-      </pc:sldChg>
-      <pc:sldChg chg="addSp delSp modSp add del mod">
-        <pc:chgData name="Mohammed Fasha" userId="cc64f42d-a1a6-4f08-b97b-0c37f877119f" providerId="ADAL" clId="{BECD4A7F-C1AF-4585-8C31-FE7D4FE3ED16}" dt="2025-01-05T16:00:05.564" v="1529" actId="20577"/>
-        <pc:sldMkLst>
-          <pc:docMk/>
-          <pc:sldMk cId="4247717824" sldId="700"/>
-        </pc:sldMkLst>
-      </pc:sldChg>
-      <pc:sldChg chg="addSp delSp modSp add mod">
-        <pc:chgData name="Mohammed Fasha" userId="cc64f42d-a1a6-4f08-b97b-0c37f877119f" providerId="ADAL" clId="{BECD4A7F-C1AF-4585-8C31-FE7D4FE3ED16}" dt="2025-01-05T14:53:29.185" v="1101" actId="21"/>
-        <pc:sldMkLst>
-          <pc:docMk/>
-          <pc:sldMk cId="67871309" sldId="709"/>
-        </pc:sldMkLst>
-      </pc:sldChg>
-      <pc:sldChg chg="modSp add mod">
-        <pc:chgData name="Mohammed Fasha" userId="cc64f42d-a1a6-4f08-b97b-0c37f877119f" providerId="ADAL" clId="{BECD4A7F-C1AF-4585-8C31-FE7D4FE3ED16}" dt="2025-01-05T15:31:09.113" v="1385" actId="6549"/>
-        <pc:sldMkLst>
-          <pc:docMk/>
-          <pc:sldMk cId="4114896152" sldId="710"/>
-        </pc:sldMkLst>
-      </pc:sldChg>
-      <pc:sldChg chg="addSp modSp add mod">
-        <pc:chgData name="Mohammed Fasha" userId="cc64f42d-a1a6-4f08-b97b-0c37f877119f" providerId="ADAL" clId="{BECD4A7F-C1AF-4585-8C31-FE7D4FE3ED16}" dt="2025-01-05T15:27:36.027" v="1348" actId="20577"/>
-        <pc:sldMkLst>
-          <pc:docMk/>
-          <pc:sldMk cId="3794385322" sldId="711"/>
-        </pc:sldMkLst>
-      </pc:sldChg>
-      <pc:sldChg chg="add del">
-        <pc:chgData name="Mohammed Fasha" userId="cc64f42d-a1a6-4f08-b97b-0c37f877119f" providerId="ADAL" clId="{BECD4A7F-C1AF-4585-8C31-FE7D4FE3ED16}" dt="2025-01-05T14:57:43.613" v="1146" actId="2696"/>
-        <pc:sldMkLst>
-          <pc:docMk/>
-          <pc:sldMk cId="501127302" sldId="712"/>
-        </pc:sldMkLst>
-      </pc:sldChg>
-      <pc:sldChg chg="modSp add mod">
-        <pc:chgData name="Mohammed Fasha" userId="cc64f42d-a1a6-4f08-b97b-0c37f877119f" providerId="ADAL" clId="{BECD4A7F-C1AF-4585-8C31-FE7D4FE3ED16}" dt="2025-01-05T15:32:23.870" v="1388"/>
-        <pc:sldMkLst>
-          <pc:docMk/>
-          <pc:sldMk cId="3701206727" sldId="712"/>
-        </pc:sldMkLst>
-      </pc:sldChg>
-      <pc:sldChg chg="addSp modSp add mod">
-        <pc:chgData name="Mohammed Fasha" userId="cc64f42d-a1a6-4f08-b97b-0c37f877119f" providerId="ADAL" clId="{BECD4A7F-C1AF-4585-8C31-FE7D4FE3ED16}" dt="2025-01-05T16:06:36.028" v="1538" actId="1076"/>
-        <pc:sldMkLst>
-          <pc:docMk/>
-          <pc:sldMk cId="1499972066" sldId="713"/>
-        </pc:sldMkLst>
-      </pc:sldChg>
-      <pc:sldChg chg="addSp delSp modSp add mod">
-        <pc:chgData name="Mohammed Fasha" userId="cc64f42d-a1a6-4f08-b97b-0c37f877119f" providerId="ADAL" clId="{BECD4A7F-C1AF-4585-8C31-FE7D4FE3ED16}" dt="2025-01-05T16:19:08.436" v="1705" actId="1036"/>
-        <pc:sldMkLst>
-          <pc:docMk/>
-          <pc:sldMk cId="1270641495" sldId="714"/>
-        </pc:sldMkLst>
-      </pc:sldChg>
-      <pc:sldChg chg="addSp modSp new mod">
-        <pc:chgData name="Mohammed Fasha" userId="cc64f42d-a1a6-4f08-b97b-0c37f877119f" providerId="ADAL" clId="{BECD4A7F-C1AF-4585-8C31-FE7D4FE3ED16}" dt="2025-01-05T16:23:44.632" v="1736" actId="12"/>
-        <pc:sldMkLst>
-          <pc:docMk/>
-          <pc:sldMk cId="1096386322" sldId="715"/>
-        </pc:sldMkLst>
-      </pc:sldChg>
-      <pc:sldChg chg="modSp new mod">
-        <pc:chgData name="Mohammed Fasha" userId="cc64f42d-a1a6-4f08-b97b-0c37f877119f" providerId="ADAL" clId="{BECD4A7F-C1AF-4585-8C31-FE7D4FE3ED16}" dt="2025-01-05T16:34:02.360" v="1902" actId="27636"/>
-        <pc:sldMkLst>
-          <pc:docMk/>
-          <pc:sldMk cId="1784058309" sldId="716"/>
-        </pc:sldMkLst>
-      </pc:sldChg>
-      <pc:sldChg chg="modSp add mod ord">
-        <pc:chgData name="Mohammed Fasha" userId="cc64f42d-a1a6-4f08-b97b-0c37f877119f" providerId="ADAL" clId="{BECD4A7F-C1AF-4585-8C31-FE7D4FE3ED16}" dt="2025-01-05T16:27:20.520" v="1803"/>
-        <pc:sldMkLst>
-          <pc:docMk/>
-          <pc:sldMk cId="3139017106" sldId="717"/>
-        </pc:sldMkLst>
-      </pc:sldChg>
-      <pc:sldChg chg="addSp delSp modSp new mod">
-        <pc:chgData name="Mohammed Fasha" userId="cc64f42d-a1a6-4f08-b97b-0c37f877119f" providerId="ADAL" clId="{BECD4A7F-C1AF-4585-8C31-FE7D4FE3ED16}" dt="2025-01-05T16:32:45.446" v="1897" actId="20577"/>
-        <pc:sldMkLst>
-          <pc:docMk/>
-          <pc:sldMk cId="3043812923" sldId="718"/>
-        </pc:sldMkLst>
-      </pc:sldChg>
-    </pc:docChg>
-  </pc:docChgLst>
-  <pc:docChgLst>
-    <pc:chgData name="Mohammed Fasha" userId="cc64f42d-a1a6-4f08-b97b-0c37f877119f" providerId="ADAL" clId="{2E5FBF59-3168-4932-9518-582502FE1AD5}"/>
-    <pc:docChg chg="undo custSel delSld modSld">
-      <pc:chgData name="Mohammed Fasha" userId="cc64f42d-a1a6-4f08-b97b-0c37f877119f" providerId="ADAL" clId="{2E5FBF59-3168-4932-9518-582502FE1AD5}" dt="2024-12-24T08:08:19.987" v="550" actId="20577"/>
-      <pc:docMkLst>
-        <pc:docMk/>
-      </pc:docMkLst>
-      <pc:sldChg chg="delSp">
-        <pc:chgData name="Mohammed Fasha" userId="cc64f42d-a1a6-4f08-b97b-0c37f877119f" providerId="ADAL" clId="{2E5FBF59-3168-4932-9518-582502FE1AD5}" dt="2024-11-19T07:40:47.121" v="208" actId="478"/>
-        <pc:sldMkLst>
-          <pc:docMk/>
-          <pc:sldMk cId="391491219" sldId="428"/>
-        </pc:sldMkLst>
-      </pc:sldChg>
-      <pc:sldChg chg="modSp">
-        <pc:chgData name="Mohammed Fasha" userId="cc64f42d-a1a6-4f08-b97b-0c37f877119f" providerId="ADAL" clId="{2E5FBF59-3168-4932-9518-582502FE1AD5}" dt="2024-12-03T07:43:58.007" v="456" actId="1076"/>
-        <pc:sldMkLst>
-          <pc:docMk/>
-          <pc:sldMk cId="3339445507" sldId="430"/>
-        </pc:sldMkLst>
-      </pc:sldChg>
-      <pc:sldChg chg="modSp">
-        <pc:chgData name="Mohammed Fasha" userId="cc64f42d-a1a6-4f08-b97b-0c37f877119f" providerId="ADAL" clId="{2E5FBF59-3168-4932-9518-582502FE1AD5}" dt="2024-12-03T07:45:08.136" v="474" actId="20577"/>
-        <pc:sldMkLst>
-          <pc:docMk/>
-          <pc:sldMk cId="3389046835" sldId="431"/>
-        </pc:sldMkLst>
-      </pc:sldChg>
-      <pc:sldChg chg="modSp">
-        <pc:chgData name="Mohammed Fasha" userId="cc64f42d-a1a6-4f08-b97b-0c37f877119f" providerId="ADAL" clId="{2E5FBF59-3168-4932-9518-582502FE1AD5}" dt="2024-11-10T06:33:09.727" v="37" actId="207"/>
-        <pc:sldMkLst>
-          <pc:docMk/>
-          <pc:sldMk cId="2726994946" sldId="479"/>
-        </pc:sldMkLst>
-      </pc:sldChg>
-      <pc:sldChg chg="modSp">
-        <pc:chgData name="Mohammed Fasha" userId="cc64f42d-a1a6-4f08-b97b-0c37f877119f" providerId="ADAL" clId="{2E5FBF59-3168-4932-9518-582502FE1AD5}" dt="2024-11-19T07:44:28.766" v="211" actId="20577"/>
-        <pc:sldMkLst>
-          <pc:docMk/>
-          <pc:sldMk cId="2297456757" sldId="483"/>
-        </pc:sldMkLst>
-      </pc:sldChg>
-      <pc:sldChg chg="modSp">
-        <pc:chgData name="Mohammed Fasha" userId="cc64f42d-a1a6-4f08-b97b-0c37f877119f" providerId="ADAL" clId="{2E5FBF59-3168-4932-9518-582502FE1AD5}" dt="2024-11-10T06:45:09.392" v="40" actId="20577"/>
-        <pc:sldMkLst>
-          <pc:docMk/>
-          <pc:sldMk cId="3474268344" sldId="596"/>
-        </pc:sldMkLst>
-      </pc:sldChg>
-      <pc:sldChg chg="modSp">
-        <pc:chgData name="Mohammed Fasha" userId="cc64f42d-a1a6-4f08-b97b-0c37f877119f" providerId="ADAL" clId="{2E5FBF59-3168-4932-9518-582502FE1AD5}" dt="2024-12-03T07:47:21.561" v="476" actId="6549"/>
-        <pc:sldMkLst>
-          <pc:docMk/>
-          <pc:sldMk cId="399592497" sldId="613"/>
-        </pc:sldMkLst>
-      </pc:sldChg>
-      <pc:sldChg chg="modSp">
-        <pc:chgData name="Mohammed Fasha" userId="cc64f42d-a1a6-4f08-b97b-0c37f877119f" providerId="ADAL" clId="{2E5FBF59-3168-4932-9518-582502FE1AD5}" dt="2024-12-03T07:49:02.980" v="478" actId="207"/>
-        <pc:sldMkLst>
-          <pc:docMk/>
-          <pc:sldMk cId="3329135496" sldId="617"/>
-        </pc:sldMkLst>
-      </pc:sldChg>
-      <pc:sldChg chg="modSp">
-        <pc:chgData name="Mohammed Fasha" userId="cc64f42d-a1a6-4f08-b97b-0c37f877119f" providerId="ADAL" clId="{2E5FBF59-3168-4932-9518-582502FE1AD5}" dt="2024-12-24T08:05:16.608" v="482" actId="403"/>
-        <pc:sldMkLst>
-          <pc:docMk/>
-          <pc:sldMk cId="2990045589" sldId="659"/>
-        </pc:sldMkLst>
-      </pc:sldChg>
-      <pc:sldChg chg="modSp">
-        <pc:chgData name="Mohammed Fasha" userId="cc64f42d-a1a6-4f08-b97b-0c37f877119f" providerId="ADAL" clId="{2E5FBF59-3168-4932-9518-582502FE1AD5}" dt="2024-12-24T08:08:19.987" v="550" actId="20577"/>
-        <pc:sldMkLst>
-          <pc:docMk/>
-          <pc:sldMk cId="2680231355" sldId="669"/>
-        </pc:sldMkLst>
-      </pc:sldChg>
-      <pc:sldChg chg="addSp modSp">
-        <pc:chgData name="Mohammed Fasha" userId="cc64f42d-a1a6-4f08-b97b-0c37f877119f" providerId="ADAL" clId="{2E5FBF59-3168-4932-9518-582502FE1AD5}" dt="2024-12-24T08:05:52.910" v="488" actId="1076"/>
-        <pc:sldMkLst>
-          <pc:docMk/>
-          <pc:sldMk cId="916102856" sldId="685"/>
-        </pc:sldMkLst>
-      </pc:sldChg>
-      <pc:sldChg chg="modSp">
-        <pc:chgData name="Mohammed Fasha" userId="cc64f42d-a1a6-4f08-b97b-0c37f877119f" providerId="ADAL" clId="{2E5FBF59-3168-4932-9518-582502FE1AD5}" dt="2024-11-19T07:03:29.557" v="206" actId="207"/>
-        <pc:sldMkLst>
-          <pc:docMk/>
-          <pc:sldMk cId="32004852" sldId="708"/>
-        </pc:sldMkLst>
-      </pc:sldChg>
-    </pc:docChg>
-  </pc:docChgLst>
-  <pc:docChgLst>
-    <pc:chgData name="Mohammed Fasha" userId="cc64f42d-a1a6-4f08-b97b-0c37f877119f" providerId="ADAL" clId="{047E1049-E75F-4C78-9C34-7E3C772A0EAF}"/>
-    <pc:docChg chg="undo redo custSel addSld delSld modSld sldOrd">
-      <pc:chgData name="Mohammed Fasha" userId="cc64f42d-a1a6-4f08-b97b-0c37f877119f" providerId="ADAL" clId="{047E1049-E75F-4C78-9C34-7E3C772A0EAF}" dt="2025-04-06T04:41:41.157" v="711" actId="6549"/>
-      <pc:docMkLst>
-        <pc:docMk/>
-      </pc:docMkLst>
-      <pc:sldChg chg="add">
-        <pc:chgData name="Mohammed Fasha" userId="cc64f42d-a1a6-4f08-b97b-0c37f877119f" providerId="ADAL" clId="{047E1049-E75F-4C78-9C34-7E3C772A0EAF}" dt="2025-04-04T05:38:06.858" v="420"/>
-        <pc:sldMkLst>
-          <pc:docMk/>
-          <pc:sldMk cId="1934860174" sldId="285"/>
-        </pc:sldMkLst>
-      </pc:sldChg>
-      <pc:sldChg chg="add">
-        <pc:chgData name="Mohammed Fasha" userId="cc64f42d-a1a6-4f08-b97b-0c37f877119f" providerId="ADAL" clId="{047E1049-E75F-4C78-9C34-7E3C772A0EAF}" dt="2025-04-04T05:38:06.858" v="420"/>
-        <pc:sldMkLst>
-          <pc:docMk/>
-          <pc:sldMk cId="416776941" sldId="289"/>
-        </pc:sldMkLst>
-      </pc:sldChg>
-      <pc:sldChg chg="add">
-        <pc:chgData name="Mohammed Fasha" userId="cc64f42d-a1a6-4f08-b97b-0c37f877119f" providerId="ADAL" clId="{047E1049-E75F-4C78-9C34-7E3C772A0EAF}" dt="2025-04-04T05:38:06.858" v="420"/>
-        <pc:sldMkLst>
-          <pc:docMk/>
-          <pc:sldMk cId="2079225657" sldId="290"/>
-        </pc:sldMkLst>
-      </pc:sldChg>
-      <pc:sldChg chg="add">
-        <pc:chgData name="Mohammed Fasha" userId="cc64f42d-a1a6-4f08-b97b-0c37f877119f" providerId="ADAL" clId="{047E1049-E75F-4C78-9C34-7E3C772A0EAF}" dt="2025-04-04T05:38:06.858" v="420"/>
-        <pc:sldMkLst>
-          <pc:docMk/>
-          <pc:sldMk cId="2088001872" sldId="291"/>
-        </pc:sldMkLst>
-      </pc:sldChg>
-      <pc:sldChg chg="add">
-        <pc:chgData name="Mohammed Fasha" userId="cc64f42d-a1a6-4f08-b97b-0c37f877119f" providerId="ADAL" clId="{047E1049-E75F-4C78-9C34-7E3C772A0EAF}" dt="2025-04-04T05:38:06.858" v="420"/>
-        <pc:sldMkLst>
-          <pc:docMk/>
-          <pc:sldMk cId="1893373019" sldId="292"/>
-        </pc:sldMkLst>
-      </pc:sldChg>
-      <pc:sldChg chg="add">
-        <pc:chgData name="Mohammed Fasha" userId="cc64f42d-a1a6-4f08-b97b-0c37f877119f" providerId="ADAL" clId="{047E1049-E75F-4C78-9C34-7E3C772A0EAF}" dt="2025-04-04T05:38:06.858" v="420"/>
-        <pc:sldMkLst>
-          <pc:docMk/>
-          <pc:sldMk cId="105675678" sldId="293"/>
-        </pc:sldMkLst>
-      </pc:sldChg>
-      <pc:sldChg chg="add">
-        <pc:chgData name="Mohammed Fasha" userId="cc64f42d-a1a6-4f08-b97b-0c37f877119f" providerId="ADAL" clId="{047E1049-E75F-4C78-9C34-7E3C772A0EAF}" dt="2025-04-04T05:38:06.858" v="420"/>
-        <pc:sldMkLst>
-          <pc:docMk/>
-          <pc:sldMk cId="2028619254" sldId="294"/>
-        </pc:sldMkLst>
-      </pc:sldChg>
-      <pc:sldChg chg="add">
-        <pc:chgData name="Mohammed Fasha" userId="cc64f42d-a1a6-4f08-b97b-0c37f877119f" providerId="ADAL" clId="{047E1049-E75F-4C78-9C34-7E3C772A0EAF}" dt="2025-04-04T05:38:06.858" v="420"/>
-        <pc:sldMkLst>
-          <pc:docMk/>
-          <pc:sldMk cId="1648889151" sldId="296"/>
-        </pc:sldMkLst>
-      </pc:sldChg>
-      <pc:sldChg chg="add">
-        <pc:chgData name="Mohammed Fasha" userId="cc64f42d-a1a6-4f08-b97b-0c37f877119f" providerId="ADAL" clId="{047E1049-E75F-4C78-9C34-7E3C772A0EAF}" dt="2025-04-04T05:38:06.858" v="420"/>
-        <pc:sldMkLst>
-          <pc:docMk/>
-          <pc:sldMk cId="1751924142" sldId="297"/>
-        </pc:sldMkLst>
-      </pc:sldChg>
-      <pc:sldChg chg="add">
-        <pc:chgData name="Mohammed Fasha" userId="cc64f42d-a1a6-4f08-b97b-0c37f877119f" providerId="ADAL" clId="{047E1049-E75F-4C78-9C34-7E3C772A0EAF}" dt="2025-04-04T05:38:06.858" v="420"/>
-        <pc:sldMkLst>
-          <pc:docMk/>
-          <pc:sldMk cId="1359989136" sldId="298"/>
-        </pc:sldMkLst>
-      </pc:sldChg>
-      <pc:sldChg chg="add">
-        <pc:chgData name="Mohammed Fasha" userId="cc64f42d-a1a6-4f08-b97b-0c37f877119f" providerId="ADAL" clId="{047E1049-E75F-4C78-9C34-7E3C772A0EAF}" dt="2025-04-04T05:38:06.858" v="420"/>
-        <pc:sldMkLst>
-          <pc:docMk/>
-          <pc:sldMk cId="1821443450" sldId="299"/>
-        </pc:sldMkLst>
-      </pc:sldChg>
-      <pc:sldChg chg="add">
-        <pc:chgData name="Mohammed Fasha" userId="cc64f42d-a1a6-4f08-b97b-0c37f877119f" providerId="ADAL" clId="{047E1049-E75F-4C78-9C34-7E3C772A0EAF}" dt="2025-04-04T05:38:06.858" v="420"/>
-        <pc:sldMkLst>
-          <pc:docMk/>
-          <pc:sldMk cId="1376231676" sldId="300"/>
-        </pc:sldMkLst>
-      </pc:sldChg>
-      <pc:sldChg chg="add">
-        <pc:chgData name="Mohammed Fasha" userId="cc64f42d-a1a6-4f08-b97b-0c37f877119f" providerId="ADAL" clId="{047E1049-E75F-4C78-9C34-7E3C772A0EAF}" dt="2025-04-04T05:38:06.858" v="420"/>
-        <pc:sldMkLst>
-          <pc:docMk/>
-          <pc:sldMk cId="1620554975" sldId="302"/>
-        </pc:sldMkLst>
-      </pc:sldChg>
-      <pc:sldChg chg="add">
-        <pc:chgData name="Mohammed Fasha" userId="cc64f42d-a1a6-4f08-b97b-0c37f877119f" providerId="ADAL" clId="{047E1049-E75F-4C78-9C34-7E3C772A0EAF}" dt="2025-04-04T05:38:06.858" v="420"/>
-        <pc:sldMkLst>
-          <pc:docMk/>
-          <pc:sldMk cId="2095738023" sldId="303"/>
-        </pc:sldMkLst>
-      </pc:sldChg>
-      <pc:sldChg chg="add">
-        <pc:chgData name="Mohammed Fasha" userId="cc64f42d-a1a6-4f08-b97b-0c37f877119f" providerId="ADAL" clId="{047E1049-E75F-4C78-9C34-7E3C772A0EAF}" dt="2025-04-04T05:38:06.858" v="420"/>
-        <pc:sldMkLst>
-          <pc:docMk/>
-          <pc:sldMk cId="156663359" sldId="304"/>
-        </pc:sldMkLst>
-      </pc:sldChg>
-      <pc:sldChg chg="add">
-        <pc:chgData name="Mohammed Fasha" userId="cc64f42d-a1a6-4f08-b97b-0c37f877119f" providerId="ADAL" clId="{047E1049-E75F-4C78-9C34-7E3C772A0EAF}" dt="2025-04-04T05:38:06.858" v="420"/>
-        <pc:sldMkLst>
-          <pc:docMk/>
-          <pc:sldMk cId="155004230" sldId="305"/>
-        </pc:sldMkLst>
-      </pc:sldChg>
-      <pc:sldChg chg="add">
-        <pc:chgData name="Mohammed Fasha" userId="cc64f42d-a1a6-4f08-b97b-0c37f877119f" providerId="ADAL" clId="{047E1049-E75F-4C78-9C34-7E3C772A0EAF}" dt="2025-04-04T05:38:06.858" v="420"/>
-        <pc:sldMkLst>
-          <pc:docMk/>
-          <pc:sldMk cId="1689879719" sldId="308"/>
-        </pc:sldMkLst>
-      </pc:sldChg>
-      <pc:sldChg chg="add">
-        <pc:chgData name="Mohammed Fasha" userId="cc64f42d-a1a6-4f08-b97b-0c37f877119f" providerId="ADAL" clId="{047E1049-E75F-4C78-9C34-7E3C772A0EAF}" dt="2025-04-04T05:38:06.858" v="420"/>
-        <pc:sldMkLst>
-          <pc:docMk/>
-          <pc:sldMk cId="15685033" sldId="309"/>
-        </pc:sldMkLst>
-      </pc:sldChg>
-      <pc:sldChg chg="modSp mod">
-        <pc:chgData name="Mohammed Fasha" userId="cc64f42d-a1a6-4f08-b97b-0c37f877119f" providerId="ADAL" clId="{047E1049-E75F-4C78-9C34-7E3C772A0EAF}" dt="2025-04-03T03:46:21.702" v="1" actId="20577"/>
-        <pc:sldMkLst>
-          <pc:docMk/>
-          <pc:sldMk cId="1489447582" sldId="455"/>
-        </pc:sldMkLst>
-        <pc:spChg chg="mod">
-          <ac:chgData name="Mohammed Fasha" userId="cc64f42d-a1a6-4f08-b97b-0c37f877119f" providerId="ADAL" clId="{047E1049-E75F-4C78-9C34-7E3C772A0EAF}" dt="2025-04-03T03:46:21.702" v="1" actId="20577"/>
-          <ac:spMkLst>
-            <pc:docMk/>
-            <pc:sldMk cId="1489447582" sldId="455"/>
-            <ac:spMk id="8" creationId="{107CF054-390C-DCFC-C9A6-9E95C859A175}"/>
-          </ac:spMkLst>
-        </pc:spChg>
-      </pc:sldChg>
-      <pc:sldChg chg="del">
-        <pc:chgData name="Mohammed Fasha" userId="cc64f42d-a1a6-4f08-b97b-0c37f877119f" providerId="ADAL" clId="{047E1049-E75F-4C78-9C34-7E3C772A0EAF}" dt="2025-04-03T03:46:18.300" v="0" actId="2696"/>
-        <pc:sldMkLst>
-          <pc:docMk/>
-          <pc:sldMk cId="2282942957" sldId="456"/>
-        </pc:sldMkLst>
-      </pc:sldChg>
-      <pc:sldChg chg="modSp new mod ord">
-        <pc:chgData name="Mohammed Fasha" userId="cc64f42d-a1a6-4f08-b97b-0c37f877119f" providerId="ADAL" clId="{047E1049-E75F-4C78-9C34-7E3C772A0EAF}" dt="2025-04-04T02:51:23.023" v="364"/>
-        <pc:sldMkLst>
-          <pc:docMk/>
-          <pc:sldMk cId="3478943202" sldId="456"/>
-        </pc:sldMkLst>
-      </pc:sldChg>
-      <pc:sldChg chg="del">
-        <pc:chgData name="Mohammed Fasha" userId="cc64f42d-a1a6-4f08-b97b-0c37f877119f" providerId="ADAL" clId="{047E1049-E75F-4C78-9C34-7E3C772A0EAF}" dt="2025-04-03T03:46:18.300" v="0" actId="2696"/>
-        <pc:sldMkLst>
-          <pc:docMk/>
-          <pc:sldMk cId="1674895679" sldId="457"/>
-        </pc:sldMkLst>
-      </pc:sldChg>
-      <pc:sldChg chg="modSp add mod ord">
-        <pc:chgData name="Mohammed Fasha" userId="cc64f42d-a1a6-4f08-b97b-0c37f877119f" providerId="ADAL" clId="{047E1049-E75F-4C78-9C34-7E3C772A0EAF}" dt="2025-04-04T02:51:31.179" v="366"/>
-        <pc:sldMkLst>
-          <pc:docMk/>
-          <pc:sldMk cId="4010934078" sldId="457"/>
-        </pc:sldMkLst>
-      </pc:sldChg>
-      <pc:sldChg chg="del">
-        <pc:chgData name="Mohammed Fasha" userId="cc64f42d-a1a6-4f08-b97b-0c37f877119f" providerId="ADAL" clId="{047E1049-E75F-4C78-9C34-7E3C772A0EAF}" dt="2025-04-03T03:46:18.300" v="0" actId="2696"/>
-        <pc:sldMkLst>
-          <pc:docMk/>
-          <pc:sldMk cId="3292514151" sldId="458"/>
-        </pc:sldMkLst>
-      </pc:sldChg>
-      <pc:sldChg chg="addSp modSp add mod ord">
-        <pc:chgData name="Mohammed Fasha" userId="cc64f42d-a1a6-4f08-b97b-0c37f877119f" providerId="ADAL" clId="{047E1049-E75F-4C78-9C34-7E3C772A0EAF}" dt="2025-04-04T02:51:53.944" v="370"/>
-        <pc:sldMkLst>
-          <pc:docMk/>
-          <pc:sldMk cId="3444919817" sldId="458"/>
-        </pc:sldMkLst>
-      </pc:sldChg>
-      <pc:sldChg chg="modSp add mod">
-        <pc:chgData name="Mohammed Fasha" userId="cc64f42d-a1a6-4f08-b97b-0c37f877119f" providerId="ADAL" clId="{047E1049-E75F-4C78-9C34-7E3C772A0EAF}" dt="2025-04-03T03:47:46.048" v="34" actId="27636"/>
-        <pc:sldMkLst>
-          <pc:docMk/>
-          <pc:sldMk cId="1614983691" sldId="459"/>
-        </pc:sldMkLst>
-      </pc:sldChg>
-      <pc:sldChg chg="del">
-        <pc:chgData name="Mohammed Fasha" userId="cc64f42d-a1a6-4f08-b97b-0c37f877119f" providerId="ADAL" clId="{047E1049-E75F-4C78-9C34-7E3C772A0EAF}" dt="2025-04-03T03:46:18.300" v="0" actId="2696"/>
-        <pc:sldMkLst>
-          <pc:docMk/>
-          <pc:sldMk cId="3675936543" sldId="459"/>
-        </pc:sldMkLst>
-      </pc:sldChg>
-      <pc:sldChg chg="modSp add mod">
-        <pc:chgData name="Mohammed Fasha" userId="cc64f42d-a1a6-4f08-b97b-0c37f877119f" providerId="ADAL" clId="{047E1049-E75F-4C78-9C34-7E3C772A0EAF}" dt="2025-04-03T03:48:13.085" v="53" actId="27636"/>
-        <pc:sldMkLst>
-          <pc:docMk/>
-          <pc:sldMk cId="128777980" sldId="460"/>
-        </pc:sldMkLst>
-      </pc:sldChg>
-      <pc:sldChg chg="del">
-        <pc:chgData name="Mohammed Fasha" userId="cc64f42d-a1a6-4f08-b97b-0c37f877119f" providerId="ADAL" clId="{047E1049-E75F-4C78-9C34-7E3C772A0EAF}" dt="2025-04-03T03:46:18.300" v="0" actId="2696"/>
-        <pc:sldMkLst>
-          <pc:docMk/>
-          <pc:sldMk cId="819366188" sldId="460"/>
-        </pc:sldMkLst>
-      </pc:sldChg>
-      <pc:sldChg chg="del">
-        <pc:chgData name="Mohammed Fasha" userId="cc64f42d-a1a6-4f08-b97b-0c37f877119f" providerId="ADAL" clId="{047E1049-E75F-4C78-9C34-7E3C772A0EAF}" dt="2025-04-03T03:46:18.300" v="0" actId="2696"/>
-        <pc:sldMkLst>
-          <pc:docMk/>
-          <pc:sldMk cId="247418909" sldId="461"/>
-        </pc:sldMkLst>
-      </pc:sldChg>
-      <pc:sldChg chg="modSp add mod">
-        <pc:chgData name="Mohammed Fasha" userId="cc64f42d-a1a6-4f08-b97b-0c37f877119f" providerId="ADAL" clId="{047E1049-E75F-4C78-9C34-7E3C772A0EAF}" dt="2025-04-03T03:48:22.541" v="61" actId="27636"/>
-        <pc:sldMkLst>
-          <pc:docMk/>
-          <pc:sldMk cId="1623409718" sldId="461"/>
-        </pc:sldMkLst>
-      </pc:sldChg>
-      <pc:sldChg chg="del">
-        <pc:chgData name="Mohammed Fasha" userId="cc64f42d-a1a6-4f08-b97b-0c37f877119f" providerId="ADAL" clId="{047E1049-E75F-4C78-9C34-7E3C772A0EAF}" dt="2025-04-03T03:46:18.300" v="0" actId="2696"/>
-        <pc:sldMkLst>
-          <pc:docMk/>
-          <pc:sldMk cId="1157240725" sldId="462"/>
-        </pc:sldMkLst>
-      </pc:sldChg>
-      <pc:sldChg chg="modSp add mod ord">
-        <pc:chgData name="Mohammed Fasha" userId="cc64f42d-a1a6-4f08-b97b-0c37f877119f" providerId="ADAL" clId="{047E1049-E75F-4C78-9C34-7E3C772A0EAF}" dt="2025-04-03T03:47:59.704" v="42"/>
-        <pc:sldMkLst>
-          <pc:docMk/>
-          <pc:sldMk cId="1479590340" sldId="462"/>
-        </pc:sldMkLst>
-      </pc:sldChg>
-      <pc:sldChg chg="del">
-        <pc:chgData name="Mohammed Fasha" userId="cc64f42d-a1a6-4f08-b97b-0c37f877119f" providerId="ADAL" clId="{047E1049-E75F-4C78-9C34-7E3C772A0EAF}" dt="2025-04-03T03:46:18.300" v="0" actId="2696"/>
-        <pc:sldMkLst>
-          <pc:docMk/>
-          <pc:sldMk cId="2617340595" sldId="463"/>
-        </pc:sldMkLst>
-      </pc:sldChg>
-      <pc:sldChg chg="addSp modSp add mod">
-        <pc:chgData name="Mohammed Fasha" userId="cc64f42d-a1a6-4f08-b97b-0c37f877119f" providerId="ADAL" clId="{047E1049-E75F-4C78-9C34-7E3C772A0EAF}" dt="2025-04-03T03:48:42.512" v="69" actId="27636"/>
-        <pc:sldMkLst>
-          <pc:docMk/>
-          <pc:sldMk cId="3692114030" sldId="463"/>
-        </pc:sldMkLst>
-      </pc:sldChg>
-      <pc:sldChg chg="modSp add mod">
-        <pc:chgData name="Mohammed Fasha" userId="cc64f42d-a1a6-4f08-b97b-0c37f877119f" providerId="ADAL" clId="{047E1049-E75F-4C78-9C34-7E3C772A0EAF}" dt="2025-04-03T03:48:52.922" v="77" actId="27636"/>
-        <pc:sldMkLst>
-          <pc:docMk/>
-          <pc:sldMk cId="397173976" sldId="464"/>
-        </pc:sldMkLst>
-      </pc:sldChg>
-      <pc:sldChg chg="del">
-        <pc:chgData name="Mohammed Fasha" userId="cc64f42d-a1a6-4f08-b97b-0c37f877119f" providerId="ADAL" clId="{047E1049-E75F-4C78-9C34-7E3C772A0EAF}" dt="2025-04-03T03:46:18.300" v="0" actId="2696"/>
-        <pc:sldMkLst>
-          <pc:docMk/>
-          <pc:sldMk cId="2675381745" sldId="464"/>
-        </pc:sldMkLst>
-      </pc:sldChg>
-      <pc:sldChg chg="modSp add mod">
-        <pc:chgData name="Mohammed Fasha" userId="cc64f42d-a1a6-4f08-b97b-0c37f877119f" providerId="ADAL" clId="{047E1049-E75F-4C78-9C34-7E3C772A0EAF}" dt="2025-04-03T03:49:26.553" v="95" actId="27636"/>
-        <pc:sldMkLst>
-          <pc:docMk/>
-          <pc:sldMk cId="796753985" sldId="465"/>
-        </pc:sldMkLst>
-      </pc:sldChg>
-      <pc:sldChg chg="del">
-        <pc:chgData name="Mohammed Fasha" userId="cc64f42d-a1a6-4f08-b97b-0c37f877119f" providerId="ADAL" clId="{047E1049-E75F-4C78-9C34-7E3C772A0EAF}" dt="2025-04-03T03:46:18.300" v="0" actId="2696"/>
-        <pc:sldMkLst>
-          <pc:docMk/>
-          <pc:sldMk cId="4195523681" sldId="465"/>
-        </pc:sldMkLst>
-      </pc:sldChg>
-      <pc:sldChg chg="modSp add mod">
-        <pc:chgData name="Mohammed Fasha" userId="cc64f42d-a1a6-4f08-b97b-0c37f877119f" providerId="ADAL" clId="{047E1049-E75F-4C78-9C34-7E3C772A0EAF}" dt="2025-04-03T03:49:52.425" v="110" actId="27636"/>
-        <pc:sldMkLst>
-          <pc:docMk/>
-          <pc:sldMk cId="1695077877" sldId="466"/>
-        </pc:sldMkLst>
-      </pc:sldChg>
-      <pc:sldChg chg="del">
-        <pc:chgData name="Mohammed Fasha" userId="cc64f42d-a1a6-4f08-b97b-0c37f877119f" providerId="ADAL" clId="{047E1049-E75F-4C78-9C34-7E3C772A0EAF}" dt="2025-04-03T03:46:18.300" v="0" actId="2696"/>
-        <pc:sldMkLst>
-          <pc:docMk/>
-          <pc:sldMk cId="4047127300" sldId="466"/>
-        </pc:sldMkLst>
-      </pc:sldChg>
-      <pc:sldChg chg="del">
-        <pc:chgData name="Mohammed Fasha" userId="cc64f42d-a1a6-4f08-b97b-0c37f877119f" providerId="ADAL" clId="{047E1049-E75F-4C78-9C34-7E3C772A0EAF}" dt="2025-04-03T03:46:18.300" v="0" actId="2696"/>
-        <pc:sldMkLst>
-          <pc:docMk/>
-          <pc:sldMk cId="3183967706" sldId="467"/>
-        </pc:sldMkLst>
-      </pc:sldChg>
-      <pc:sldChg chg="modSp add mod">
-        <pc:chgData name="Mohammed Fasha" userId="cc64f42d-a1a6-4f08-b97b-0c37f877119f" providerId="ADAL" clId="{047E1049-E75F-4C78-9C34-7E3C772A0EAF}" dt="2025-04-03T03:50:04.387" v="118" actId="27636"/>
-        <pc:sldMkLst>
-          <pc:docMk/>
-          <pc:sldMk cId="3550307506" sldId="467"/>
-        </pc:sldMkLst>
-      </pc:sldChg>
-      <pc:sldChg chg="addSp delSp modSp new mod modClrScheme chgLayout">
-        <pc:chgData name="Mohammed Fasha" userId="cc64f42d-a1a6-4f08-b97b-0c37f877119f" providerId="ADAL" clId="{047E1049-E75F-4C78-9C34-7E3C772A0EAF}" dt="2025-04-03T03:49:12.860" v="87" actId="27636"/>
-        <pc:sldMkLst>
-          <pc:docMk/>
-          <pc:sldMk cId="3037053525" sldId="468"/>
-        </pc:sldMkLst>
-      </pc:sldChg>
-      <pc:sldChg chg="del">
-        <pc:chgData name="Mohammed Fasha" userId="cc64f42d-a1a6-4f08-b97b-0c37f877119f" providerId="ADAL" clId="{047E1049-E75F-4C78-9C34-7E3C772A0EAF}" dt="2025-04-03T03:46:18.300" v="0" actId="2696"/>
-        <pc:sldMkLst>
-          <pc:docMk/>
-          <pc:sldMk cId="3161654258" sldId="468"/>
-        </pc:sldMkLst>
-      </pc:sldChg>
-      <pc:sldChg chg="modSp add mod">
-        <pc:chgData name="Mohammed Fasha" userId="cc64f42d-a1a6-4f08-b97b-0c37f877119f" providerId="ADAL" clId="{047E1049-E75F-4C78-9C34-7E3C772A0EAF}" dt="2025-04-03T03:50:20.247" v="126" actId="27636"/>
-        <pc:sldMkLst>
-          <pc:docMk/>
-          <pc:sldMk cId="1747260327" sldId="469"/>
-        </pc:sldMkLst>
-      </pc:sldChg>
-      <pc:sldChg chg="del">
-        <pc:chgData name="Mohammed Fasha" userId="cc64f42d-a1a6-4f08-b97b-0c37f877119f" providerId="ADAL" clId="{047E1049-E75F-4C78-9C34-7E3C772A0EAF}" dt="2025-04-03T03:46:18.300" v="0" actId="2696"/>
-        <pc:sldMkLst>
-          <pc:docMk/>
-          <pc:sldMk cId="2175348861" sldId="469"/>
-        </pc:sldMkLst>
-      </pc:sldChg>
-      <pc:sldChg chg="modSp add mod">
-        <pc:chgData name="Mohammed Fasha" userId="cc64f42d-a1a6-4f08-b97b-0c37f877119f" providerId="ADAL" clId="{047E1049-E75F-4C78-9C34-7E3C772A0EAF}" dt="2025-04-03T03:50:34.128" v="133" actId="27636"/>
-        <pc:sldMkLst>
-          <pc:docMk/>
-          <pc:sldMk cId="2869808375" sldId="470"/>
-        </pc:sldMkLst>
-      </pc:sldChg>
-      <pc:sldChg chg="del">
-        <pc:chgData name="Mohammed Fasha" userId="cc64f42d-a1a6-4f08-b97b-0c37f877119f" providerId="ADAL" clId="{047E1049-E75F-4C78-9C34-7E3C772A0EAF}" dt="2025-04-03T03:46:18.300" v="0" actId="2696"/>
-        <pc:sldMkLst>
-          <pc:docMk/>
-          <pc:sldMk cId="2988183144" sldId="470"/>
-        </pc:sldMkLst>
-      </pc:sldChg>
-      <pc:sldChg chg="del">
-        <pc:chgData name="Mohammed Fasha" userId="cc64f42d-a1a6-4f08-b97b-0c37f877119f" providerId="ADAL" clId="{047E1049-E75F-4C78-9C34-7E3C772A0EAF}" dt="2025-04-03T03:46:18.300" v="0" actId="2696"/>
-        <pc:sldMkLst>
-          <pc:docMk/>
-          <pc:sldMk cId="1572681964" sldId="471"/>
-        </pc:sldMkLst>
-      </pc:sldChg>
-      <pc:sldChg chg="modSp add mod">
-        <pc:chgData name="Mohammed Fasha" userId="cc64f42d-a1a6-4f08-b97b-0c37f877119f" providerId="ADAL" clId="{047E1049-E75F-4C78-9C34-7E3C772A0EAF}" dt="2025-04-03T03:50:47.771" v="141" actId="27636"/>
-        <pc:sldMkLst>
-          <pc:docMk/>
-          <pc:sldMk cId="3417884614" sldId="471"/>
-        </pc:sldMkLst>
-      </pc:sldChg>
-      <pc:sldChg chg="modSp add mod">
-        <pc:chgData name="Mohammed Fasha" userId="cc64f42d-a1a6-4f08-b97b-0c37f877119f" providerId="ADAL" clId="{047E1049-E75F-4C78-9C34-7E3C772A0EAF}" dt="2025-04-03T03:51:00.974" v="149" actId="27636"/>
-        <pc:sldMkLst>
-          <pc:docMk/>
-          <pc:sldMk cId="3101782170" sldId="472"/>
-        </pc:sldMkLst>
-      </pc:sldChg>
-      <pc:sldChg chg="del">
-        <pc:chgData name="Mohammed Fasha" userId="cc64f42d-a1a6-4f08-b97b-0c37f877119f" providerId="ADAL" clId="{047E1049-E75F-4C78-9C34-7E3C772A0EAF}" dt="2025-04-03T03:46:18.300" v="0" actId="2696"/>
-        <pc:sldMkLst>
-          <pc:docMk/>
-          <pc:sldMk cId="3385747305" sldId="473"/>
-        </pc:sldMkLst>
-      </pc:sldChg>
-      <pc:sldChg chg="modSp add mod">
-        <pc:chgData name="Mohammed Fasha" userId="cc64f42d-a1a6-4f08-b97b-0c37f877119f" providerId="ADAL" clId="{047E1049-E75F-4C78-9C34-7E3C772A0EAF}" dt="2025-04-03T03:51:44.543" v="204" actId="27636"/>
-        <pc:sldMkLst>
-          <pc:docMk/>
-          <pc:sldMk cId="3816827401" sldId="473"/>
-        </pc:sldMkLst>
-      </pc:sldChg>
-      <pc:sldChg chg="modSp add mod">
-        <pc:chgData name="Mohammed Fasha" userId="cc64f42d-a1a6-4f08-b97b-0c37f877119f" providerId="ADAL" clId="{047E1049-E75F-4C78-9C34-7E3C772A0EAF}" dt="2025-04-03T03:56:44.767" v="316" actId="27636"/>
-        <pc:sldMkLst>
-          <pc:docMk/>
-          <pc:sldMk cId="1739290896" sldId="474"/>
-        </pc:sldMkLst>
-      </pc:sldChg>
-      <pc:sldChg chg="del">
-        <pc:chgData name="Mohammed Fasha" userId="cc64f42d-a1a6-4f08-b97b-0c37f877119f" providerId="ADAL" clId="{047E1049-E75F-4C78-9C34-7E3C772A0EAF}" dt="2025-04-03T03:46:18.300" v="0" actId="2696"/>
-        <pc:sldMkLst>
-          <pc:docMk/>
-          <pc:sldMk cId="1939766790" sldId="474"/>
-        </pc:sldMkLst>
-      </pc:sldChg>
-      <pc:sldChg chg="del">
-        <pc:chgData name="Mohammed Fasha" userId="cc64f42d-a1a6-4f08-b97b-0c37f877119f" providerId="ADAL" clId="{047E1049-E75F-4C78-9C34-7E3C772A0EAF}" dt="2025-04-03T03:46:18.300" v="0" actId="2696"/>
-        <pc:sldMkLst>
-          <pc:docMk/>
-          <pc:sldMk cId="1489896525" sldId="475"/>
-        </pc:sldMkLst>
-      </pc:sldChg>
-      <pc:sldChg chg="addSp modSp add mod">
-        <pc:chgData name="Mohammed Fasha" userId="cc64f42d-a1a6-4f08-b97b-0c37f877119f" providerId="ADAL" clId="{047E1049-E75F-4C78-9C34-7E3C772A0EAF}" dt="2025-04-03T03:57:23.080" v="345" actId="27636"/>
-        <pc:sldMkLst>
-          <pc:docMk/>
-          <pc:sldMk cId="2226513235" sldId="475"/>
-        </pc:sldMkLst>
-      </pc:sldChg>
-      <pc:sldChg chg="addSp delSp modSp new mod modClrScheme chgLayout">
-        <pc:chgData name="Mohammed Fasha" userId="cc64f42d-a1a6-4f08-b97b-0c37f877119f" providerId="ADAL" clId="{047E1049-E75F-4C78-9C34-7E3C772A0EAF}" dt="2025-04-03T03:51:27.265" v="189" actId="20577"/>
-        <pc:sldMkLst>
-          <pc:docMk/>
-          <pc:sldMk cId="3909279172" sldId="476"/>
-        </pc:sldMkLst>
-      </pc:sldChg>
-      <pc:sldChg chg="modSp add mod">
-        <pc:chgData name="Mohammed Fasha" userId="cc64f42d-a1a6-4f08-b97b-0c37f877119f" providerId="ADAL" clId="{047E1049-E75F-4C78-9C34-7E3C772A0EAF}" dt="2025-04-03T03:51:56.048" v="212" actId="27636"/>
-        <pc:sldMkLst>
-          <pc:docMk/>
-          <pc:sldMk cId="819841267" sldId="477"/>
-        </pc:sldMkLst>
-      </pc:sldChg>
-      <pc:sldChg chg="addSp modSp add mod">
-        <pc:chgData name="Mohammed Fasha" userId="cc64f42d-a1a6-4f08-b97b-0c37f877119f" providerId="ADAL" clId="{047E1049-E75F-4C78-9C34-7E3C772A0EAF}" dt="2025-04-03T03:53:56.061" v="268" actId="27636"/>
-        <pc:sldMkLst>
-          <pc:docMk/>
-          <pc:sldMk cId="2214073972" sldId="478"/>
-        </pc:sldMkLst>
-      </pc:sldChg>
-      <pc:sldChg chg="modSp add mod">
-        <pc:chgData name="Mohammed Fasha" userId="cc64f42d-a1a6-4f08-b97b-0c37f877119f" providerId="ADAL" clId="{047E1049-E75F-4C78-9C34-7E3C772A0EAF}" dt="2025-04-03T03:52:30.959" v="230" actId="27636"/>
-        <pc:sldMkLst>
-          <pc:docMk/>
-          <pc:sldMk cId="3156073132" sldId="479"/>
-        </pc:sldMkLst>
-      </pc:sldChg>
-      <pc:sldChg chg="modSp add mod">
-        <pc:chgData name="Mohammed Fasha" userId="cc64f42d-a1a6-4f08-b97b-0c37f877119f" providerId="ADAL" clId="{047E1049-E75F-4C78-9C34-7E3C772A0EAF}" dt="2025-04-03T03:52:41.270" v="238" actId="27636"/>
-        <pc:sldMkLst>
-          <pc:docMk/>
-          <pc:sldMk cId="3580460315" sldId="480"/>
-        </pc:sldMkLst>
-      </pc:sldChg>
-      <pc:sldChg chg="addSp modSp add mod">
-        <pc:chgData name="Mohammed Fasha" userId="cc64f42d-a1a6-4f08-b97b-0c37f877119f" providerId="ADAL" clId="{047E1049-E75F-4C78-9C34-7E3C772A0EAF}" dt="2025-04-03T03:53:33.580" v="261" actId="27636"/>
-        <pc:sldMkLst>
-          <pc:docMk/>
-          <pc:sldMk cId="1703340959" sldId="481"/>
-        </pc:sldMkLst>
-      </pc:sldChg>
-      <pc:sldChg chg="modSp add mod">
-        <pc:chgData name="Mohammed Fasha" userId="cc64f42d-a1a6-4f08-b97b-0c37f877119f" providerId="ADAL" clId="{047E1049-E75F-4C78-9C34-7E3C772A0EAF}" dt="2025-04-03T03:56:04.672" v="277" actId="27636"/>
-        <pc:sldMkLst>
-          <pc:docMk/>
-          <pc:sldMk cId="2888335997" sldId="482"/>
-        </pc:sldMkLst>
-      </pc:sldChg>
-      <pc:sldChg chg="modSp add mod">
-        <pc:chgData name="Mohammed Fasha" userId="cc64f42d-a1a6-4f08-b97b-0c37f877119f" providerId="ADAL" clId="{047E1049-E75F-4C78-9C34-7E3C772A0EAF}" dt="2025-04-03T03:56:33.805" v="308" actId="27636"/>
-        <pc:sldMkLst>
-          <pc:docMk/>
-          <pc:sldMk cId="793646111" sldId="483"/>
-        </pc:sldMkLst>
-      </pc:sldChg>
-      <pc:sldChg chg="addSp delSp modSp new mod modClrScheme chgLayout">
-        <pc:chgData name="Mohammed Fasha" userId="cc64f42d-a1a6-4f08-b97b-0c37f877119f" providerId="ADAL" clId="{047E1049-E75F-4C78-9C34-7E3C772A0EAF}" dt="2025-04-03T03:56:17.371" v="300" actId="20577"/>
-        <pc:sldMkLst>
-          <pc:docMk/>
-          <pc:sldMk cId="1303499855" sldId="484"/>
-        </pc:sldMkLst>
-      </pc:sldChg>
-      <pc:sldChg chg="modSp new mod">
-        <pc:chgData name="Mohammed Fasha" userId="cc64f42d-a1a6-4f08-b97b-0c37f877119f" providerId="ADAL" clId="{047E1049-E75F-4C78-9C34-7E3C772A0EAF}" dt="2025-04-03T03:57:40.106" v="353" actId="27636"/>
-        <pc:sldMkLst>
-          <pc:docMk/>
-          <pc:sldMk cId="785969896" sldId="485"/>
-        </pc:sldMkLst>
-      </pc:sldChg>
-      <pc:sldChg chg="modSp add mod">
-        <pc:chgData name="Mohammed Fasha" userId="cc64f42d-a1a6-4f08-b97b-0c37f877119f" providerId="ADAL" clId="{047E1049-E75F-4C78-9C34-7E3C772A0EAF}" dt="2025-04-03T03:57:51.517" v="360" actId="27636"/>
-        <pc:sldMkLst>
-          <pc:docMk/>
-          <pc:sldMk cId="603445561" sldId="486"/>
-        </pc:sldMkLst>
-      </pc:sldChg>
-      <pc:sldChg chg="add">
-        <pc:chgData name="Mohammed Fasha" userId="cc64f42d-a1a6-4f08-b97b-0c37f877119f" providerId="ADAL" clId="{047E1049-E75F-4C78-9C34-7E3C772A0EAF}" dt="2025-04-03T03:57:03.698" v="327"/>
-        <pc:sldMkLst>
-          <pc:docMk/>
-          <pc:sldMk cId="606504269" sldId="487"/>
-        </pc:sldMkLst>
-      </pc:sldChg>
-      <pc:sldChg chg="add">
-        <pc:chgData name="Mohammed Fasha" userId="cc64f42d-a1a6-4f08-b97b-0c37f877119f" providerId="ADAL" clId="{047E1049-E75F-4C78-9C34-7E3C772A0EAF}" dt="2025-04-03T03:57:03.721" v="328"/>
-        <pc:sldMkLst>
-          <pc:docMk/>
-          <pc:sldMk cId="1776267863" sldId="488"/>
-        </pc:sldMkLst>
-      </pc:sldChg>
-      <pc:sldChg chg="add">
-        <pc:chgData name="Mohammed Fasha" userId="cc64f42d-a1a6-4f08-b97b-0c37f877119f" providerId="ADAL" clId="{047E1049-E75F-4C78-9C34-7E3C772A0EAF}" dt="2025-04-03T03:57:03.766" v="329"/>
-        <pc:sldMkLst>
-          <pc:docMk/>
-          <pc:sldMk cId="97648898" sldId="489"/>
-        </pc:sldMkLst>
-      </pc:sldChg>
-      <pc:sldChg chg="add">
-        <pc:chgData name="Mohammed Fasha" userId="cc64f42d-a1a6-4f08-b97b-0c37f877119f" providerId="ADAL" clId="{047E1049-E75F-4C78-9C34-7E3C772A0EAF}" dt="2025-04-03T03:57:03.798" v="330"/>
-        <pc:sldMkLst>
-          <pc:docMk/>
-          <pc:sldMk cId="906636920" sldId="490"/>
-        </pc:sldMkLst>
-      </pc:sldChg>
-      <pc:sldChg chg="add">
-        <pc:chgData name="Mohammed Fasha" userId="cc64f42d-a1a6-4f08-b97b-0c37f877119f" providerId="ADAL" clId="{047E1049-E75F-4C78-9C34-7E3C772A0EAF}" dt="2025-04-03T03:57:03.829" v="331"/>
-        <pc:sldMkLst>
-          <pc:docMk/>
-          <pc:sldMk cId="378929050" sldId="491"/>
-        </pc:sldMkLst>
-      </pc:sldChg>
-      <pc:sldChg chg="add">
-        <pc:chgData name="Mohammed Fasha" userId="cc64f42d-a1a6-4f08-b97b-0c37f877119f" providerId="ADAL" clId="{047E1049-E75F-4C78-9C34-7E3C772A0EAF}" dt="2025-04-03T03:57:03.863" v="332"/>
-        <pc:sldMkLst>
-          <pc:docMk/>
-          <pc:sldMk cId="1449280576" sldId="492"/>
-        </pc:sldMkLst>
-      </pc:sldChg>
-      <pc:sldChg chg="add">
-        <pc:chgData name="Mohammed Fasha" userId="cc64f42d-a1a6-4f08-b97b-0c37f877119f" providerId="ADAL" clId="{047E1049-E75F-4C78-9C34-7E3C772A0EAF}" dt="2025-04-03T03:57:03.892" v="333"/>
-        <pc:sldMkLst>
-          <pc:docMk/>
-          <pc:sldMk cId="2641167175" sldId="493"/>
-        </pc:sldMkLst>
-      </pc:sldChg>
-      <pc:sldChg chg="add">
-        <pc:chgData name="Mohammed Fasha" userId="cc64f42d-a1a6-4f08-b97b-0c37f877119f" providerId="ADAL" clId="{047E1049-E75F-4C78-9C34-7E3C772A0EAF}" dt="2025-04-03T03:57:03.924" v="334"/>
-        <pc:sldMkLst>
-          <pc:docMk/>
-          <pc:sldMk cId="3291232176" sldId="494"/>
-        </pc:sldMkLst>
-      </pc:sldChg>
-      <pc:sldChg chg="add">
-        <pc:chgData name="Mohammed Fasha" userId="cc64f42d-a1a6-4f08-b97b-0c37f877119f" providerId="ADAL" clId="{047E1049-E75F-4C78-9C34-7E3C772A0EAF}" dt="2025-04-03T03:57:03.956" v="335"/>
-        <pc:sldMkLst>
-          <pc:docMk/>
-          <pc:sldMk cId="2356947773" sldId="495"/>
-        </pc:sldMkLst>
-      </pc:sldChg>
-      <pc:sldChg chg="add">
-        <pc:chgData name="Mohammed Fasha" userId="cc64f42d-a1a6-4f08-b97b-0c37f877119f" providerId="ADAL" clId="{047E1049-E75F-4C78-9C34-7E3C772A0EAF}" dt="2025-04-03T03:57:04.003" v="336"/>
-        <pc:sldMkLst>
-          <pc:docMk/>
-          <pc:sldMk cId="2398702597" sldId="496"/>
-        </pc:sldMkLst>
-      </pc:sldChg>
-      <pc:sldChg chg="add">
-        <pc:chgData name="Mohammed Fasha" userId="cc64f42d-a1a6-4f08-b97b-0c37f877119f" providerId="ADAL" clId="{047E1049-E75F-4C78-9C34-7E3C772A0EAF}" dt="2025-04-03T03:57:04.035" v="337"/>
-        <pc:sldMkLst>
-          <pc:docMk/>
-          <pc:sldMk cId="2455483949" sldId="497"/>
-        </pc:sldMkLst>
-      </pc:sldChg>
-      <pc:sldChg chg="add del">
-        <pc:chgData name="Mohammed Fasha" userId="cc64f42d-a1a6-4f08-b97b-0c37f877119f" providerId="ADAL" clId="{047E1049-E75F-4C78-9C34-7E3C772A0EAF}" dt="2025-04-04T02:51:13.176" v="362" actId="47"/>
-        <pc:sldMkLst>
-          <pc:docMk/>
-          <pc:sldMk cId="329639262" sldId="498"/>
-        </pc:sldMkLst>
-      </pc:sldChg>
-      <pc:sldChg chg="addSp delSp modSp new mod">
-        <pc:chgData name="Mohammed Fasha" userId="cc64f42d-a1a6-4f08-b97b-0c37f877119f" providerId="ADAL" clId="{047E1049-E75F-4C78-9C34-7E3C772A0EAF}" dt="2025-04-04T05:37:32.702" v="418" actId="313"/>
-        <pc:sldMkLst>
-          <pc:docMk/>
-          <pc:sldMk cId="3608258295" sldId="498"/>
-        </pc:sldMkLst>
-      </pc:sldChg>
-      <pc:sldChg chg="add del">
-        <pc:chgData name="Mohammed Fasha" userId="cc64f42d-a1a6-4f08-b97b-0c37f877119f" providerId="ADAL" clId="{047E1049-E75F-4C78-9C34-7E3C772A0EAF}" dt="2025-04-04T02:52:01.834" v="371" actId="2696"/>
-        <pc:sldMkLst>
-          <pc:docMk/>
-          <pc:sldMk cId="1939766790" sldId="499"/>
-        </pc:sldMkLst>
-      </pc:sldChg>
-      <pc:sldChg chg="add del">
-        <pc:chgData name="Mohammed Fasha" userId="cc64f42d-a1a6-4f08-b97b-0c37f877119f" providerId="ADAL" clId="{047E1049-E75F-4C78-9C34-7E3C772A0EAF}" dt="2025-04-04T05:38:18.236" v="421" actId="2696"/>
-        <pc:sldMkLst>
-          <pc:docMk/>
-          <pc:sldMk cId="3198013704" sldId="499"/>
-        </pc:sldMkLst>
-      </pc:sldChg>
-      <pc:sldChg chg="add">
-        <pc:chgData name="Mohammed Fasha" userId="cc64f42d-a1a6-4f08-b97b-0c37f877119f" providerId="ADAL" clId="{047E1049-E75F-4C78-9C34-7E3C772A0EAF}" dt="2025-04-04T05:37:46.092" v="419"/>
-        <pc:sldMkLst>
-          <pc:docMk/>
-          <pc:sldMk cId="1939766790" sldId="500"/>
-        </pc:sldMkLst>
-      </pc:sldChg>
-      <pc:sldChg chg="add del">
-        <pc:chgData name="Mohammed Fasha" userId="cc64f42d-a1a6-4f08-b97b-0c37f877119f" providerId="ADAL" clId="{047E1049-E75F-4C78-9C34-7E3C772A0EAF}" dt="2025-04-04T02:52:01.834" v="371" actId="2696"/>
-        <pc:sldMkLst>
-          <pc:docMk/>
-          <pc:sldMk cId="3385747305" sldId="500"/>
-        </pc:sldMkLst>
-      </pc:sldChg>
-      <pc:sldChg chg="add">
-        <pc:chgData name="Mohammed Fasha" userId="cc64f42d-a1a6-4f08-b97b-0c37f877119f" providerId="ADAL" clId="{047E1049-E75F-4C78-9C34-7E3C772A0EAF}" dt="2025-04-04T05:37:46.092" v="419"/>
-        <pc:sldMkLst>
-          <pc:docMk/>
-          <pc:sldMk cId="3385747305" sldId="501"/>
-        </pc:sldMkLst>
-      </pc:sldChg>
-      <pc:sldChg chg="add del">
-        <pc:chgData name="Mohammed Fasha" userId="cc64f42d-a1a6-4f08-b97b-0c37f877119f" providerId="ADAL" clId="{047E1049-E75F-4C78-9C34-7E3C772A0EAF}" dt="2025-04-04T05:38:27.373" v="422" actId="47"/>
-        <pc:sldMkLst>
-          <pc:docMk/>
-          <pc:sldMk cId="2282942957" sldId="502"/>
-        </pc:sldMkLst>
-      </pc:sldChg>
-      <pc:sldChg chg="add del">
-        <pc:chgData name="Mohammed Fasha" userId="cc64f42d-a1a6-4f08-b97b-0c37f877119f" providerId="ADAL" clId="{047E1049-E75F-4C78-9C34-7E3C772A0EAF}" dt="2025-04-04T05:38:28.255" v="423" actId="47"/>
-        <pc:sldMkLst>
-          <pc:docMk/>
-          <pc:sldMk cId="1674895679" sldId="503"/>
-        </pc:sldMkLst>
-      </pc:sldChg>
-      <pc:sldChg chg="add del">
-        <pc:chgData name="Mohammed Fasha" userId="cc64f42d-a1a6-4f08-b97b-0c37f877119f" providerId="ADAL" clId="{047E1049-E75F-4C78-9C34-7E3C772A0EAF}" dt="2025-04-04T05:38:28.921" v="424" actId="47"/>
-        <pc:sldMkLst>
-          <pc:docMk/>
-          <pc:sldMk cId="3292514151" sldId="504"/>
-        </pc:sldMkLst>
-      </pc:sldChg>
-      <pc:sldChg chg="add del">
-        <pc:chgData name="Mohammed Fasha" userId="cc64f42d-a1a6-4f08-b97b-0c37f877119f" providerId="ADAL" clId="{047E1049-E75F-4C78-9C34-7E3C772A0EAF}" dt="2025-04-04T05:38:29.642" v="425" actId="47"/>
-        <pc:sldMkLst>
-          <pc:docMk/>
-          <pc:sldMk cId="3675936543" sldId="505"/>
-        </pc:sldMkLst>
-      </pc:sldChg>
-      <pc:sldChg chg="add del">
-        <pc:chgData name="Mohammed Fasha" userId="cc64f42d-a1a6-4f08-b97b-0c37f877119f" providerId="ADAL" clId="{047E1049-E75F-4C78-9C34-7E3C772A0EAF}" dt="2025-04-04T05:38:30.302" v="426" actId="47"/>
-        <pc:sldMkLst>
-          <pc:docMk/>
-          <pc:sldMk cId="819366188" sldId="506"/>
-        </pc:sldMkLst>
-      </pc:sldChg>
-      <pc:sldChg chg="add del">
-        <pc:chgData name="Mohammed Fasha" userId="cc64f42d-a1a6-4f08-b97b-0c37f877119f" providerId="ADAL" clId="{047E1049-E75F-4C78-9C34-7E3C772A0EAF}" dt="2025-04-04T05:38:32.142" v="427" actId="47"/>
-        <pc:sldMkLst>
-          <pc:docMk/>
-          <pc:sldMk cId="1157240725" sldId="507"/>
-        </pc:sldMkLst>
-      </pc:sldChg>
-      <pc:sldChg chg="add del">
-        <pc:chgData name="Mohammed Fasha" userId="cc64f42d-a1a6-4f08-b97b-0c37f877119f" providerId="ADAL" clId="{047E1049-E75F-4C78-9C34-7E3C772A0EAF}" dt="2025-04-04T05:38:33.091" v="428" actId="47"/>
-        <pc:sldMkLst>
-          <pc:docMk/>
-          <pc:sldMk cId="2617340595" sldId="508"/>
-        </pc:sldMkLst>
-      </pc:sldChg>
-      <pc:sldChg chg="add del">
-        <pc:chgData name="Mohammed Fasha" userId="cc64f42d-a1a6-4f08-b97b-0c37f877119f" providerId="ADAL" clId="{047E1049-E75F-4C78-9C34-7E3C772A0EAF}" dt="2025-04-04T05:38:34.048" v="429" actId="47"/>
-        <pc:sldMkLst>
-          <pc:docMk/>
-          <pc:sldMk cId="2175348861" sldId="509"/>
-        </pc:sldMkLst>
-      </pc:sldChg>
-      <pc:sldChg chg="add del">
-        <pc:chgData name="Mohammed Fasha" userId="cc64f42d-a1a6-4f08-b97b-0c37f877119f" providerId="ADAL" clId="{047E1049-E75F-4C78-9C34-7E3C772A0EAF}" dt="2025-04-04T05:38:50.448" v="432" actId="47"/>
-        <pc:sldMkLst>
-          <pc:docMk/>
-          <pc:sldMk cId="1489896525" sldId="510"/>
-        </pc:sldMkLst>
-      </pc:sldChg>
-      <pc:sldChg chg="add">
-        <pc:chgData name="Mohammed Fasha" userId="cc64f42d-a1a6-4f08-b97b-0c37f877119f" providerId="ADAL" clId="{047E1049-E75F-4C78-9C34-7E3C772A0EAF}" dt="2025-04-04T05:37:46.092" v="419"/>
-        <pc:sldMkLst>
-          <pc:docMk/>
-          <pc:sldMk cId="1572681964" sldId="511"/>
-        </pc:sldMkLst>
-      </pc:sldChg>
-      <pc:sldChg chg="add del">
-        <pc:chgData name="Mohammed Fasha" userId="cc64f42d-a1a6-4f08-b97b-0c37f877119f" providerId="ADAL" clId="{047E1049-E75F-4C78-9C34-7E3C772A0EAF}" dt="2025-04-04T05:40:04.773" v="550" actId="2696"/>
-        <pc:sldMkLst>
-          <pc:docMk/>
-          <pc:sldMk cId="2988183144" sldId="512"/>
-        </pc:sldMkLst>
-      </pc:sldChg>
-      <pc:sldChg chg="add del">
-        <pc:chgData name="Mohammed Fasha" userId="cc64f42d-a1a6-4f08-b97b-0c37f877119f" providerId="ADAL" clId="{047E1049-E75F-4C78-9C34-7E3C772A0EAF}" dt="2025-04-04T05:40:09.219" v="551" actId="2696"/>
-        <pc:sldMkLst>
-          <pc:docMk/>
-          <pc:sldMk cId="247418909" sldId="513"/>
-        </pc:sldMkLst>
-      </pc:sldChg>
-      <pc:sldChg chg="add del">
-        <pc:chgData name="Mohammed Fasha" userId="cc64f42d-a1a6-4f08-b97b-0c37f877119f" providerId="ADAL" clId="{047E1049-E75F-4C78-9C34-7E3C772A0EAF}" dt="2025-04-04T05:40:10.923" v="552" actId="2696"/>
-        <pc:sldMkLst>
-          <pc:docMk/>
-          <pc:sldMk cId="2473496620" sldId="514"/>
-        </pc:sldMkLst>
-      </pc:sldChg>
-      <pc:sldChg chg="add del">
-        <pc:chgData name="Mohammed Fasha" userId="cc64f42d-a1a6-4f08-b97b-0c37f877119f" providerId="ADAL" clId="{047E1049-E75F-4C78-9C34-7E3C772A0EAF}" dt="2025-04-04T05:40:12.785" v="553" actId="2696"/>
-        <pc:sldMkLst>
-          <pc:docMk/>
-          <pc:sldMk cId="1668182246" sldId="515"/>
-        </pc:sldMkLst>
-      </pc:sldChg>
-      <pc:sldChg chg="add del">
-        <pc:chgData name="Mohammed Fasha" userId="cc64f42d-a1a6-4f08-b97b-0c37f877119f" providerId="ADAL" clId="{047E1049-E75F-4C78-9C34-7E3C772A0EAF}" dt="2025-04-04T05:40:37.166" v="554" actId="2696"/>
-        <pc:sldMkLst>
-          <pc:docMk/>
-          <pc:sldMk cId="48836864" sldId="516"/>
-        </pc:sldMkLst>
-      </pc:sldChg>
-      <pc:sldChg chg="modSp add mod">
-        <pc:chgData name="Mohammed Fasha" userId="cc64f42d-a1a6-4f08-b97b-0c37f877119f" providerId="ADAL" clId="{047E1049-E75F-4C78-9C34-7E3C772A0EAF}" dt="2025-04-04T05:41:13.343" v="562" actId="20577"/>
-        <pc:sldMkLst>
-          <pc:docMk/>
-          <pc:sldMk cId="3262667370" sldId="516"/>
-        </pc:sldMkLst>
-        <pc:spChg chg="mod">
-          <ac:chgData name="Mohammed Fasha" userId="cc64f42d-a1a6-4f08-b97b-0c37f877119f" providerId="ADAL" clId="{047E1049-E75F-4C78-9C34-7E3C772A0EAF}" dt="2025-04-04T05:41:13.343" v="562" actId="20577"/>
-          <ac:spMkLst>
-            <pc:docMk/>
-            <pc:sldMk cId="3262667370" sldId="516"/>
-            <ac:spMk id="3" creationId="{B1CD1ADE-0294-A1FB-F5E9-1676C5183664}"/>
-          </ac:spMkLst>
-        </pc:spChg>
-      </pc:sldChg>
-      <pc:sldChg chg="add del">
-        <pc:chgData name="Mohammed Fasha" userId="cc64f42d-a1a6-4f08-b97b-0c37f877119f" providerId="ADAL" clId="{047E1049-E75F-4C78-9C34-7E3C772A0EAF}" dt="2025-04-04T05:40:37.166" v="554" actId="2696"/>
-        <pc:sldMkLst>
-          <pc:docMk/>
-          <pc:sldMk cId="928322667" sldId="517"/>
-        </pc:sldMkLst>
-      </pc:sldChg>
-      <pc:sldChg chg="add">
-        <pc:chgData name="Mohammed Fasha" userId="cc64f42d-a1a6-4f08-b97b-0c37f877119f" providerId="ADAL" clId="{047E1049-E75F-4C78-9C34-7E3C772A0EAF}" dt="2025-04-04T05:40:39.143" v="555"/>
-        <pc:sldMkLst>
-          <pc:docMk/>
-          <pc:sldMk cId="1069388775" sldId="517"/>
-        </pc:sldMkLst>
-      </pc:sldChg>
-      <pc:sldChg chg="add del">
-        <pc:chgData name="Mohammed Fasha" userId="cc64f42d-a1a6-4f08-b97b-0c37f877119f" providerId="ADAL" clId="{047E1049-E75F-4C78-9C34-7E3C772A0EAF}" dt="2025-04-04T05:40:37.166" v="554" actId="2696"/>
-        <pc:sldMkLst>
-          <pc:docMk/>
-          <pc:sldMk cId="446689935" sldId="518"/>
-        </pc:sldMkLst>
-      </pc:sldChg>
-      <pc:sldChg chg="add">
-        <pc:chgData name="Mohammed Fasha" userId="cc64f42d-a1a6-4f08-b97b-0c37f877119f" providerId="ADAL" clId="{047E1049-E75F-4C78-9C34-7E3C772A0EAF}" dt="2025-04-04T05:40:39.143" v="555"/>
-        <pc:sldMkLst>
-          <pc:docMk/>
-          <pc:sldMk cId="2522473771" sldId="518"/>
-        </pc:sldMkLst>
-      </pc:sldChg>
-      <pc:sldChg chg="add">
-        <pc:chgData name="Mohammed Fasha" userId="cc64f42d-a1a6-4f08-b97b-0c37f877119f" providerId="ADAL" clId="{047E1049-E75F-4C78-9C34-7E3C772A0EAF}" dt="2025-04-04T05:40:39.143" v="555"/>
-        <pc:sldMkLst>
-          <pc:docMk/>
-          <pc:sldMk cId="457051995" sldId="519"/>
-        </pc:sldMkLst>
-      </pc:sldChg>
-      <pc:sldChg chg="add del">
-        <pc:chgData name="Mohammed Fasha" userId="cc64f42d-a1a6-4f08-b97b-0c37f877119f" providerId="ADAL" clId="{047E1049-E75F-4C78-9C34-7E3C772A0EAF}" dt="2025-04-04T05:40:37.166" v="554" actId="2696"/>
-        <pc:sldMkLst>
-          <pc:docMk/>
-          <pc:sldMk cId="2284286539" sldId="519"/>
-        </pc:sldMkLst>
-      </pc:sldChg>
-      <pc:sldChg chg="add del">
-        <pc:chgData name="Mohammed Fasha" userId="cc64f42d-a1a6-4f08-b97b-0c37f877119f" providerId="ADAL" clId="{047E1049-E75F-4C78-9C34-7E3C772A0EAF}" dt="2025-04-04T05:40:37.166" v="554" actId="2696"/>
-        <pc:sldMkLst>
-          <pc:docMk/>
-          <pc:sldMk cId="1729735699" sldId="520"/>
-        </pc:sldMkLst>
-      </pc:sldChg>
-      <pc:sldChg chg="modSp add mod">
-        <pc:chgData name="Mohammed Fasha" userId="cc64f42d-a1a6-4f08-b97b-0c37f877119f" providerId="ADAL" clId="{047E1049-E75F-4C78-9C34-7E3C772A0EAF}" dt="2025-04-04T05:41:57.478" v="563" actId="14100"/>
-        <pc:sldMkLst>
-          <pc:docMk/>
-          <pc:sldMk cId="2606490903" sldId="520"/>
-        </pc:sldMkLst>
-        <pc:spChg chg="mod">
-          <ac:chgData name="Mohammed Fasha" userId="cc64f42d-a1a6-4f08-b97b-0c37f877119f" providerId="ADAL" clId="{047E1049-E75F-4C78-9C34-7E3C772A0EAF}" dt="2025-04-04T05:41:57.478" v="563" actId="14100"/>
-          <ac:spMkLst>
-            <pc:docMk/>
-            <pc:sldMk cId="2606490903" sldId="520"/>
-            <ac:spMk id="3" creationId="{F03A864D-27D6-2882-82A2-FC76937F57AC}"/>
-          </ac:spMkLst>
-        </pc:spChg>
-      </pc:sldChg>
-      <pc:sldChg chg="add">
-        <pc:chgData name="Mohammed Fasha" userId="cc64f42d-a1a6-4f08-b97b-0c37f877119f" providerId="ADAL" clId="{047E1049-E75F-4C78-9C34-7E3C772A0EAF}" dt="2025-04-04T05:40:39.143" v="555"/>
-        <pc:sldMkLst>
-          <pc:docMk/>
-          <pc:sldMk cId="737582577" sldId="521"/>
-        </pc:sldMkLst>
-      </pc:sldChg>
-      <pc:sldChg chg="add del">
-        <pc:chgData name="Mohammed Fasha" userId="cc64f42d-a1a6-4f08-b97b-0c37f877119f" providerId="ADAL" clId="{047E1049-E75F-4C78-9C34-7E3C772A0EAF}" dt="2025-04-04T05:40:37.166" v="554" actId="2696"/>
-        <pc:sldMkLst>
-          <pc:docMk/>
-          <pc:sldMk cId="2161886032" sldId="521"/>
-        </pc:sldMkLst>
-      </pc:sldChg>
-      <pc:sldChg chg="add del">
-        <pc:chgData name="Mohammed Fasha" userId="cc64f42d-a1a6-4f08-b97b-0c37f877119f" providerId="ADAL" clId="{047E1049-E75F-4C78-9C34-7E3C772A0EAF}" dt="2025-04-04T05:40:37.166" v="554" actId="2696"/>
-        <pc:sldMkLst>
-          <pc:docMk/>
-          <pc:sldMk cId="228845551" sldId="522"/>
-        </pc:sldMkLst>
-      </pc:sldChg>
-      <pc:sldChg chg="add">
-        <pc:chgData name="Mohammed Fasha" userId="cc64f42d-a1a6-4f08-b97b-0c37f877119f" providerId="ADAL" clId="{047E1049-E75F-4C78-9C34-7E3C772A0EAF}" dt="2025-04-04T05:40:39.143" v="555"/>
-        <pc:sldMkLst>
-          <pc:docMk/>
-          <pc:sldMk cId="1941358278" sldId="522"/>
-        </pc:sldMkLst>
-      </pc:sldChg>
-      <pc:sldChg chg="add del">
-        <pc:chgData name="Mohammed Fasha" userId="cc64f42d-a1a6-4f08-b97b-0c37f877119f" providerId="ADAL" clId="{047E1049-E75F-4C78-9C34-7E3C772A0EAF}" dt="2025-04-04T05:40:37.166" v="554" actId="2696"/>
-        <pc:sldMkLst>
-          <pc:docMk/>
-          <pc:sldMk cId="1395444050" sldId="523"/>
-        </pc:sldMkLst>
-      </pc:sldChg>
-      <pc:sldChg chg="add">
-        <pc:chgData name="Mohammed Fasha" userId="cc64f42d-a1a6-4f08-b97b-0c37f877119f" providerId="ADAL" clId="{047E1049-E75F-4C78-9C34-7E3C772A0EAF}" dt="2025-04-04T05:40:39.143" v="555"/>
-        <pc:sldMkLst>
-          <pc:docMk/>
-          <pc:sldMk cId="2399225158" sldId="523"/>
-        </pc:sldMkLst>
-      </pc:sldChg>
-      <pc:sldChg chg="add">
-        <pc:chgData name="Mohammed Fasha" userId="cc64f42d-a1a6-4f08-b97b-0c37f877119f" providerId="ADAL" clId="{047E1049-E75F-4C78-9C34-7E3C772A0EAF}" dt="2025-04-04T05:38:06.858" v="420"/>
-        <pc:sldMkLst>
-          <pc:docMk/>
-          <pc:sldMk cId="3026790438" sldId="524"/>
-        </pc:sldMkLst>
-      </pc:sldChg>
-      <pc:sldChg chg="add">
-        <pc:chgData name="Mohammed Fasha" userId="cc64f42d-a1a6-4f08-b97b-0c37f877119f" providerId="ADAL" clId="{047E1049-E75F-4C78-9C34-7E3C772A0EAF}" dt="2025-04-04T05:38:06.858" v="420"/>
-        <pc:sldMkLst>
-          <pc:docMk/>
-          <pc:sldMk cId="559781770" sldId="525"/>
-        </pc:sldMkLst>
-      </pc:sldChg>
-      <pc:sldChg chg="add">
-        <pc:chgData name="Mohammed Fasha" userId="cc64f42d-a1a6-4f08-b97b-0c37f877119f" providerId="ADAL" clId="{047E1049-E75F-4C78-9C34-7E3C772A0EAF}" dt="2025-04-04T05:38:06.858" v="420"/>
-        <pc:sldMkLst>
-          <pc:docMk/>
-          <pc:sldMk cId="1438401834" sldId="526"/>
-        </pc:sldMkLst>
-      </pc:sldChg>
-      <pc:sldChg chg="add">
-        <pc:chgData name="Mohammed Fasha" userId="cc64f42d-a1a6-4f08-b97b-0c37f877119f" providerId="ADAL" clId="{047E1049-E75F-4C78-9C34-7E3C772A0EAF}" dt="2025-04-04T05:38:06.858" v="420"/>
-        <pc:sldMkLst>
-          <pc:docMk/>
-          <pc:sldMk cId="3259240421" sldId="527"/>
-        </pc:sldMkLst>
-      </pc:sldChg>
-      <pc:sldChg chg="add">
-        <pc:chgData name="Mohammed Fasha" userId="cc64f42d-a1a6-4f08-b97b-0c37f877119f" providerId="ADAL" clId="{047E1049-E75F-4C78-9C34-7E3C772A0EAF}" dt="2025-04-04T05:38:06.858" v="420"/>
-        <pc:sldMkLst>
-          <pc:docMk/>
-          <pc:sldMk cId="2736460752" sldId="528"/>
-        </pc:sldMkLst>
-      </pc:sldChg>
-      <pc:sldChg chg="add">
-        <pc:chgData name="Mohammed Fasha" userId="cc64f42d-a1a6-4f08-b97b-0c37f877119f" providerId="ADAL" clId="{047E1049-E75F-4C78-9C34-7E3C772A0EAF}" dt="2025-04-04T05:38:06.858" v="420"/>
-        <pc:sldMkLst>
-          <pc:docMk/>
-          <pc:sldMk cId="3313801511" sldId="529"/>
-        </pc:sldMkLst>
-      </pc:sldChg>
-      <pc:sldChg chg="addSp delSp modSp new mod modClrScheme chgLayout">
-        <pc:chgData name="Mohammed Fasha" userId="cc64f42d-a1a6-4f08-b97b-0c37f877119f" providerId="ADAL" clId="{047E1049-E75F-4C78-9C34-7E3C772A0EAF}" dt="2025-04-04T05:39:37.301" v="506" actId="20577"/>
-        <pc:sldMkLst>
-          <pc:docMk/>
-          <pc:sldMk cId="1893534474" sldId="530"/>
-        </pc:sldMkLst>
-      </pc:sldChg>
-      <pc:sldChg chg="addSp delSp modSp new mod modClrScheme chgLayout">
-        <pc:chgData name="Mohammed Fasha" userId="cc64f42d-a1a6-4f08-b97b-0c37f877119f" providerId="ADAL" clId="{047E1049-E75F-4C78-9C34-7E3C772A0EAF}" dt="2025-04-04T05:39:26.907" v="486" actId="27636"/>
-        <pc:sldMkLst>
-          <pc:docMk/>
-          <pc:sldMk cId="1399919989" sldId="531"/>
-        </pc:sldMkLst>
-        <pc:spChg chg="add mod ord">
-          <ac:chgData name="Mohammed Fasha" userId="cc64f42d-a1a6-4f08-b97b-0c37f877119f" providerId="ADAL" clId="{047E1049-E75F-4C78-9C34-7E3C772A0EAF}" dt="2025-04-04T05:39:26.907" v="486" actId="27636"/>
-          <ac:spMkLst>
-            <pc:docMk/>
-            <pc:sldMk cId="1399919989" sldId="531"/>
-            <ac:spMk id="4" creationId="{2A496A37-F7D5-B10D-31C7-3951DA3E2BE3}"/>
-          </ac:spMkLst>
-        </pc:spChg>
-        <pc:spChg chg="add mod ord">
-          <ac:chgData name="Mohammed Fasha" userId="cc64f42d-a1a6-4f08-b97b-0c37f877119f" providerId="ADAL" clId="{047E1049-E75F-4C78-9C34-7E3C772A0EAF}" dt="2025-04-04T05:39:12.701" v="450" actId="700"/>
-          <ac:spMkLst>
-            <pc:docMk/>
-            <pc:sldMk cId="1399919989" sldId="531"/>
-            <ac:spMk id="5" creationId="{E9043F5F-4F91-DBEC-9FFA-4C7ABFBD2D1D}"/>
-          </ac:spMkLst>
-        </pc:spChg>
-      </pc:sldChg>
-      <pc:sldChg chg="addSp delSp modSp new mod modClrScheme chgLayout">
-        <pc:chgData name="Mohammed Fasha" userId="cc64f42d-a1a6-4f08-b97b-0c37f877119f" providerId="ADAL" clId="{047E1049-E75F-4C78-9C34-7E3C772A0EAF}" dt="2025-04-04T05:39:59.295" v="549" actId="20577"/>
-        <pc:sldMkLst>
-          <pc:docMk/>
-          <pc:sldMk cId="4175210182" sldId="532"/>
-        </pc:sldMkLst>
-      </pc:sldChg>
-      <pc:sldChg chg="modSp new mod ord">
-        <pc:chgData name="Mohammed Fasha" userId="cc64f42d-a1a6-4f08-b97b-0c37f877119f" providerId="ADAL" clId="{047E1049-E75F-4C78-9C34-7E3C772A0EAF}" dt="2025-04-04T06:21:55.508" v="707" actId="404"/>
-        <pc:sldMkLst>
-          <pc:docMk/>
-          <pc:sldMk cId="3766250200" sldId="533"/>
-        </pc:sldMkLst>
-        <pc:spChg chg="mod">
-          <ac:chgData name="Mohammed Fasha" userId="cc64f42d-a1a6-4f08-b97b-0c37f877119f" providerId="ADAL" clId="{047E1049-E75F-4C78-9C34-7E3C772A0EAF}" dt="2025-04-04T06:12:27.552" v="617" actId="20577"/>
-          <ac:spMkLst>
-            <pc:docMk/>
-            <pc:sldMk cId="3766250200" sldId="533"/>
-            <ac:spMk id="2" creationId="{31B68434-2582-A79E-C7F4-AFD0F25F229E}"/>
-          </ac:spMkLst>
-        </pc:spChg>
-        <pc:spChg chg="mod">
-          <ac:chgData name="Mohammed Fasha" userId="cc64f42d-a1a6-4f08-b97b-0c37f877119f" providerId="ADAL" clId="{047E1049-E75F-4C78-9C34-7E3C772A0EAF}" dt="2025-04-04T06:21:55.508" v="707" actId="404"/>
-          <ac:spMkLst>
-            <pc:docMk/>
-            <pc:sldMk cId="3766250200" sldId="533"/>
-            <ac:spMk id="3" creationId="{6550BFB1-3BB2-F860-4F7F-86C77D5819E8}"/>
-          </ac:spMkLst>
-        </pc:spChg>
-      </pc:sldChg>
-      <pc:sldChg chg="addSp modSp new mod">
-        <pc:chgData name="Mohammed Fasha" userId="cc64f42d-a1a6-4f08-b97b-0c37f877119f" providerId="ADAL" clId="{047E1049-E75F-4C78-9C34-7E3C772A0EAF}" dt="2025-04-04T06:17:16.415" v="650" actId="207"/>
-        <pc:sldMkLst>
-          <pc:docMk/>
-          <pc:sldMk cId="3046292118" sldId="534"/>
-        </pc:sldMkLst>
-        <pc:spChg chg="mod">
-          <ac:chgData name="Mohammed Fasha" userId="cc64f42d-a1a6-4f08-b97b-0c37f877119f" providerId="ADAL" clId="{047E1049-E75F-4C78-9C34-7E3C772A0EAF}" dt="2025-04-04T06:12:43.353" v="623" actId="20577"/>
-          <ac:spMkLst>
-            <pc:docMk/>
-            <pc:sldMk cId="3046292118" sldId="534"/>
-            <ac:spMk id="2" creationId="{21450F6B-60F3-7BC5-E21B-CAD21EB6B825}"/>
-          </ac:spMkLst>
-        </pc:spChg>
-        <pc:spChg chg="mod">
-          <ac:chgData name="Mohammed Fasha" userId="cc64f42d-a1a6-4f08-b97b-0c37f877119f" providerId="ADAL" clId="{047E1049-E75F-4C78-9C34-7E3C772A0EAF}" dt="2025-04-04T06:17:13.695" v="649" actId="207"/>
-          <ac:spMkLst>
-            <pc:docMk/>
-            <pc:sldMk cId="3046292118" sldId="534"/>
-            <ac:spMk id="3" creationId="{9A950C36-7C62-5D0C-E4B7-84FDE06FE9E9}"/>
-          </ac:spMkLst>
-        </pc:spChg>
-        <pc:spChg chg="add mod">
-          <ac:chgData name="Mohammed Fasha" userId="cc64f42d-a1a6-4f08-b97b-0c37f877119f" providerId="ADAL" clId="{047E1049-E75F-4C78-9C34-7E3C772A0EAF}" dt="2025-04-04T06:13:37.220" v="631" actId="1076"/>
-          <ac:spMkLst>
-            <pc:docMk/>
-            <pc:sldMk cId="3046292118" sldId="534"/>
-            <ac:spMk id="4" creationId="{65E97D63-7668-ABC4-85DB-95D6408DEE48}"/>
-          </ac:spMkLst>
-        </pc:spChg>
-        <pc:spChg chg="add mod">
-          <ac:chgData name="Mohammed Fasha" userId="cc64f42d-a1a6-4f08-b97b-0c37f877119f" providerId="ADAL" clId="{047E1049-E75F-4C78-9C34-7E3C772A0EAF}" dt="2025-04-04T06:17:16.415" v="650" actId="207"/>
-          <ac:spMkLst>
-            <pc:docMk/>
-            <pc:sldMk cId="3046292118" sldId="534"/>
-            <ac:spMk id="5" creationId="{650A69F1-90EF-686E-3837-7C801832F211}"/>
-          </ac:spMkLst>
-        </pc:spChg>
-      </pc:sldChg>
-      <pc:sldChg chg="addSp delSp modSp add mod modClrScheme chgLayout">
-        <pc:chgData name="Mohammed Fasha" userId="cc64f42d-a1a6-4f08-b97b-0c37f877119f" providerId="ADAL" clId="{047E1049-E75F-4C78-9C34-7E3C772A0EAF}" dt="2025-04-06T04:41:41.157" v="711" actId="6549"/>
-        <pc:sldMkLst>
-          <pc:docMk/>
-          <pc:sldMk cId="2050784581" sldId="535"/>
-        </pc:sldMkLst>
-        <pc:spChg chg="add mod ord">
-          <ac:chgData name="Mohammed Fasha" userId="cc64f42d-a1a6-4f08-b97b-0c37f877119f" providerId="ADAL" clId="{047E1049-E75F-4C78-9C34-7E3C772A0EAF}" dt="2025-04-06T04:41:36.230" v="709" actId="700"/>
-          <ac:spMkLst>
-            <pc:docMk/>
-            <pc:sldMk cId="2050784581" sldId="535"/>
-            <ac:spMk id="2" creationId="{9AC755F2-9404-F12A-FA8F-0795319AD030}"/>
-          </ac:spMkLst>
-        </pc:spChg>
-        <pc:spChg chg="mod ord">
-          <ac:chgData name="Mohammed Fasha" userId="cc64f42d-a1a6-4f08-b97b-0c37f877119f" providerId="ADAL" clId="{047E1049-E75F-4C78-9C34-7E3C772A0EAF}" dt="2025-04-06T04:41:41.157" v="711" actId="6549"/>
-          <ac:spMkLst>
-            <pc:docMk/>
-            <pc:sldMk cId="2050784581" sldId="535"/>
-            <ac:spMk id="8" creationId="{107CF054-390C-DCFC-C9A6-9E95C859A175}"/>
-          </ac:spMkLst>
-        </pc:spChg>
-      </pc:sldChg>
-      <pc:sldChg chg="add">
-        <pc:chgData name="Mohammed Fasha" userId="cc64f42d-a1a6-4f08-b97b-0c37f877119f" providerId="ADAL" clId="{047E1049-E75F-4C78-9C34-7E3C772A0EAF}" dt="2025-04-06T04:41:29.637" v="708"/>
-        <pc:sldMkLst>
-          <pc:docMk/>
-          <pc:sldMk cId="2766696385" sldId="536"/>
-        </pc:sldMkLst>
-      </pc:sldChg>
-      <pc:sldChg chg="add">
-        <pc:chgData name="Mohammed Fasha" userId="cc64f42d-a1a6-4f08-b97b-0c37f877119f" providerId="ADAL" clId="{047E1049-E75F-4C78-9C34-7E3C772A0EAF}" dt="2025-04-06T04:41:29.637" v="708"/>
-        <pc:sldMkLst>
-          <pc:docMk/>
-          <pc:sldMk cId="4180559926" sldId="537"/>
-        </pc:sldMkLst>
-      </pc:sldChg>
-      <pc:sldChg chg="add">
-        <pc:chgData name="Mohammed Fasha" userId="cc64f42d-a1a6-4f08-b97b-0c37f877119f" providerId="ADAL" clId="{047E1049-E75F-4C78-9C34-7E3C772A0EAF}" dt="2025-04-06T04:41:29.637" v="708"/>
-        <pc:sldMkLst>
-          <pc:docMk/>
-          <pc:sldMk cId="3886989038" sldId="538"/>
-        </pc:sldMkLst>
-      </pc:sldChg>
-      <pc:sldChg chg="add">
-        <pc:chgData name="Mohammed Fasha" userId="cc64f42d-a1a6-4f08-b97b-0c37f877119f" providerId="ADAL" clId="{047E1049-E75F-4C78-9C34-7E3C772A0EAF}" dt="2025-04-06T04:41:29.637" v="708"/>
-        <pc:sldMkLst>
-          <pc:docMk/>
-          <pc:sldMk cId="2121122174" sldId="539"/>
-        </pc:sldMkLst>
-      </pc:sldChg>
-      <pc:sldChg chg="add">
-        <pc:chgData name="Mohammed Fasha" userId="cc64f42d-a1a6-4f08-b97b-0c37f877119f" providerId="ADAL" clId="{047E1049-E75F-4C78-9C34-7E3C772A0EAF}" dt="2025-04-06T04:41:29.637" v="708"/>
-        <pc:sldMkLst>
-          <pc:docMk/>
-          <pc:sldMk cId="3813044436" sldId="540"/>
-        </pc:sldMkLst>
-      </pc:sldChg>
-      <pc:sldChg chg="add">
-        <pc:chgData name="Mohammed Fasha" userId="cc64f42d-a1a6-4f08-b97b-0c37f877119f" providerId="ADAL" clId="{047E1049-E75F-4C78-9C34-7E3C772A0EAF}" dt="2025-04-06T04:41:29.637" v="708"/>
-        <pc:sldMkLst>
-          <pc:docMk/>
-          <pc:sldMk cId="1482389771" sldId="541"/>
-        </pc:sldMkLst>
-      </pc:sldChg>
-      <pc:sldChg chg="add">
-        <pc:chgData name="Mohammed Fasha" userId="cc64f42d-a1a6-4f08-b97b-0c37f877119f" providerId="ADAL" clId="{047E1049-E75F-4C78-9C34-7E3C772A0EAF}" dt="2025-04-06T04:41:29.637" v="708"/>
-        <pc:sldMkLst>
-          <pc:docMk/>
-          <pc:sldMk cId="3600746956" sldId="542"/>
-        </pc:sldMkLst>
-      </pc:sldChg>
-      <pc:sldChg chg="add">
-        <pc:chgData name="Mohammed Fasha" userId="cc64f42d-a1a6-4f08-b97b-0c37f877119f" providerId="ADAL" clId="{047E1049-E75F-4C78-9C34-7E3C772A0EAF}" dt="2025-04-06T04:41:29.637" v="708"/>
-        <pc:sldMkLst>
-          <pc:docMk/>
-          <pc:sldMk cId="2640097628" sldId="543"/>
-        </pc:sldMkLst>
-      </pc:sldChg>
-      <pc:sldChg chg="add">
-        <pc:chgData name="Mohammed Fasha" userId="cc64f42d-a1a6-4f08-b97b-0c37f877119f" providerId="ADAL" clId="{047E1049-E75F-4C78-9C34-7E3C772A0EAF}" dt="2025-04-06T04:41:29.637" v="708"/>
-        <pc:sldMkLst>
-          <pc:docMk/>
-          <pc:sldMk cId="444263595" sldId="544"/>
-        </pc:sldMkLst>
-      </pc:sldChg>
-      <pc:sldChg chg="add">
-        <pc:chgData name="Mohammed Fasha" userId="cc64f42d-a1a6-4f08-b97b-0c37f877119f" providerId="ADAL" clId="{047E1049-E75F-4C78-9C34-7E3C772A0EAF}" dt="2025-04-06T04:41:29.637" v="708"/>
-        <pc:sldMkLst>
-          <pc:docMk/>
-          <pc:sldMk cId="3880447943" sldId="545"/>
-        </pc:sldMkLst>
-      </pc:sldChg>
-      <pc:sldChg chg="add">
-        <pc:chgData name="Mohammed Fasha" userId="cc64f42d-a1a6-4f08-b97b-0c37f877119f" providerId="ADAL" clId="{047E1049-E75F-4C78-9C34-7E3C772A0EAF}" dt="2025-04-06T04:41:29.637" v="708"/>
-        <pc:sldMkLst>
-          <pc:docMk/>
-          <pc:sldMk cId="2037860487" sldId="546"/>
-        </pc:sldMkLst>
-      </pc:sldChg>
-      <pc:sldChg chg="add">
-        <pc:chgData name="Mohammed Fasha" userId="cc64f42d-a1a6-4f08-b97b-0c37f877119f" providerId="ADAL" clId="{047E1049-E75F-4C78-9C34-7E3C772A0EAF}" dt="2025-04-06T04:41:29.637" v="708"/>
-        <pc:sldMkLst>
-          <pc:docMk/>
-          <pc:sldMk cId="2787645125" sldId="547"/>
-        </pc:sldMkLst>
-      </pc:sldChg>
-      <pc:sldChg chg="add">
-        <pc:chgData name="Mohammed Fasha" userId="cc64f42d-a1a6-4f08-b97b-0c37f877119f" providerId="ADAL" clId="{047E1049-E75F-4C78-9C34-7E3C772A0EAF}" dt="2025-04-06T04:41:29.637" v="708"/>
-        <pc:sldMkLst>
-          <pc:docMk/>
-          <pc:sldMk cId="3282314039" sldId="548"/>
-        </pc:sldMkLst>
-      </pc:sldChg>
-      <pc:sldChg chg="add">
-        <pc:chgData name="Mohammed Fasha" userId="cc64f42d-a1a6-4f08-b97b-0c37f877119f" providerId="ADAL" clId="{047E1049-E75F-4C78-9C34-7E3C772A0EAF}" dt="2025-04-06T04:41:29.637" v="708"/>
-        <pc:sldMkLst>
-          <pc:docMk/>
-          <pc:sldMk cId="3312238235" sldId="549"/>
-        </pc:sldMkLst>
-      </pc:sldChg>
-      <pc:sldChg chg="add">
-        <pc:chgData name="Mohammed Fasha" userId="cc64f42d-a1a6-4f08-b97b-0c37f877119f" providerId="ADAL" clId="{047E1049-E75F-4C78-9C34-7E3C772A0EAF}" dt="2025-04-06T04:41:29.637" v="708"/>
-        <pc:sldMkLst>
-          <pc:docMk/>
-          <pc:sldMk cId="1599076447" sldId="550"/>
-        </pc:sldMkLst>
-      </pc:sldChg>
-      <pc:sldChg chg="add">
-        <pc:chgData name="Mohammed Fasha" userId="cc64f42d-a1a6-4f08-b97b-0c37f877119f" providerId="ADAL" clId="{047E1049-E75F-4C78-9C34-7E3C772A0EAF}" dt="2025-04-06T04:41:29.637" v="708"/>
-        <pc:sldMkLst>
-          <pc:docMk/>
-          <pc:sldMk cId="348832527" sldId="551"/>
-        </pc:sldMkLst>
-      </pc:sldChg>
-      <pc:sldChg chg="add">
-        <pc:chgData name="Mohammed Fasha" userId="cc64f42d-a1a6-4f08-b97b-0c37f877119f" providerId="ADAL" clId="{047E1049-E75F-4C78-9C34-7E3C772A0EAF}" dt="2025-04-06T04:41:29.637" v="708"/>
-        <pc:sldMkLst>
-          <pc:docMk/>
-          <pc:sldMk cId="1384559435" sldId="552"/>
-        </pc:sldMkLst>
-      </pc:sldChg>
-      <pc:sldChg chg="add">
-        <pc:chgData name="Mohammed Fasha" userId="cc64f42d-a1a6-4f08-b97b-0c37f877119f" providerId="ADAL" clId="{047E1049-E75F-4C78-9C34-7E3C772A0EAF}" dt="2025-04-06T04:41:29.637" v="708"/>
-        <pc:sldMkLst>
-          <pc:docMk/>
-          <pc:sldMk cId="1144112729" sldId="553"/>
-        </pc:sldMkLst>
-      </pc:sldChg>
-      <pc:sldChg chg="add">
-        <pc:chgData name="Mohammed Fasha" userId="cc64f42d-a1a6-4f08-b97b-0c37f877119f" providerId="ADAL" clId="{047E1049-E75F-4C78-9C34-7E3C772A0EAF}" dt="2025-04-06T04:41:29.637" v="708"/>
-        <pc:sldMkLst>
-          <pc:docMk/>
-          <pc:sldMk cId="526466330" sldId="554"/>
-        </pc:sldMkLst>
-      </pc:sldChg>
-      <pc:sldChg chg="add">
-        <pc:chgData name="Mohammed Fasha" userId="cc64f42d-a1a6-4f08-b97b-0c37f877119f" providerId="ADAL" clId="{047E1049-E75F-4C78-9C34-7E3C772A0EAF}" dt="2025-04-06T04:41:29.637" v="708"/>
-        <pc:sldMkLst>
-          <pc:docMk/>
-          <pc:sldMk cId="2594727727" sldId="555"/>
-        </pc:sldMkLst>
-      </pc:sldChg>
-      <pc:sldChg chg="add">
-        <pc:chgData name="Mohammed Fasha" userId="cc64f42d-a1a6-4f08-b97b-0c37f877119f" providerId="ADAL" clId="{047E1049-E75F-4C78-9C34-7E3C772A0EAF}" dt="2025-04-06T04:41:29.637" v="708"/>
-        <pc:sldMkLst>
-          <pc:docMk/>
-          <pc:sldMk cId="2842851281" sldId="556"/>
-        </pc:sldMkLst>
-      </pc:sldChg>
-      <pc:sldChg chg="add">
-        <pc:chgData name="Mohammed Fasha" userId="cc64f42d-a1a6-4f08-b97b-0c37f877119f" providerId="ADAL" clId="{047E1049-E75F-4C78-9C34-7E3C772A0EAF}" dt="2025-04-06T04:41:29.637" v="708"/>
-        <pc:sldMkLst>
-          <pc:docMk/>
-          <pc:sldMk cId="395748561" sldId="557"/>
-        </pc:sldMkLst>
-      </pc:sldChg>
-      <pc:sldChg chg="add">
-        <pc:chgData name="Mohammed Fasha" userId="cc64f42d-a1a6-4f08-b97b-0c37f877119f" providerId="ADAL" clId="{047E1049-E75F-4C78-9C34-7E3C772A0EAF}" dt="2025-04-06T04:41:29.637" v="708"/>
-        <pc:sldMkLst>
-          <pc:docMk/>
-          <pc:sldMk cId="1898826015" sldId="558"/>
-        </pc:sldMkLst>
-      </pc:sldChg>
-    </pc:docChg>
-  </pc:docChgLst>
-  <pc:docChgLst>
-    <pc:chgData name="Mohammed Fasha" userId="S::mohammed.fasha@uop.edu.jo::cc64f42d-a1a6-4f08-b97b-0c37f877119f" providerId="AD" clId="Web-{8A90772F-FBEA-EE7C-9CDA-4D457F7DA5BE}"/>
-    <pc:docChg chg="modSld">
-      <pc:chgData name="Mohammed Fasha" userId="S::mohammed.fasha@uop.edu.jo::cc64f42d-a1a6-4f08-b97b-0c37f877119f" providerId="AD" clId="Web-{8A90772F-FBEA-EE7C-9CDA-4D457F7DA5BE}" dt="2025-03-22T01:56:07.673" v="11" actId="20577"/>
-      <pc:docMkLst>
-        <pc:docMk/>
-      </pc:docMkLst>
-      <pc:sldChg chg="modSp">
-        <pc:chgData name="Mohammed Fasha" userId="S::mohammed.fasha@uop.edu.jo::cc64f42d-a1a6-4f08-b97b-0c37f877119f" providerId="AD" clId="Web-{8A90772F-FBEA-EE7C-9CDA-4D457F7DA5BE}" dt="2025-03-22T01:55:31.125" v="1" actId="20577"/>
-        <pc:sldMkLst>
-          <pc:docMk/>
-          <pc:sldMk cId="1489447582" sldId="455"/>
-        </pc:sldMkLst>
-        <pc:spChg chg="mod">
-          <ac:chgData name="Mohammed Fasha" userId="S::mohammed.fasha@uop.edu.jo::cc64f42d-a1a6-4f08-b97b-0c37f877119f" providerId="AD" clId="Web-{8A90772F-FBEA-EE7C-9CDA-4D457F7DA5BE}" dt="2025-03-22T01:55:31.125" v="1" actId="20577"/>
-          <ac:spMkLst>
-            <pc:docMk/>
-            <pc:sldMk cId="1489447582" sldId="455"/>
-            <ac:spMk id="8" creationId="{107CF054-390C-DCFC-C9A6-9E95C859A175}"/>
-          </ac:spMkLst>
-        </pc:spChg>
-      </pc:sldChg>
-      <pc:sldChg chg="addSp delSp modSp">
-        <pc:chgData name="Mohammed Fasha" userId="S::mohammed.fasha@uop.edu.jo::cc64f42d-a1a6-4f08-b97b-0c37f877119f" providerId="AD" clId="Web-{8A90772F-FBEA-EE7C-9CDA-4D457F7DA5BE}" dt="2025-03-22T01:56:07.673" v="11" actId="20577"/>
-        <pc:sldMkLst>
-          <pc:docMk/>
-          <pc:sldMk cId="1572681964" sldId="471"/>
-        </pc:sldMkLst>
-      </pc:sldChg>
-    </pc:docChg>
-  </pc:docChgLst>
-  <pc:docChgLst>
-    <pc:chgData name="Mohammed Fasha" userId="cc64f42d-a1a6-4f08-b97b-0c37f877119f" providerId="ADAL" clId="{6804A8E6-8D7F-46E3-B091-66A8F6B926BF}"/>
-    <pc:docChg chg="custSel modMainMaster">
-      <pc:chgData name="Mohammed Fasha" userId="cc64f42d-a1a6-4f08-b97b-0c37f877119f" providerId="ADAL" clId="{6804A8E6-8D7F-46E3-B091-66A8F6B926BF}" dt="2024-11-09T05:15:35.019" v="2" actId="1076"/>
-      <pc:docMkLst>
-        <pc:docMk/>
-      </pc:docMkLst>
-      <pc:sldMasterChg chg="delSp mod modSldLayout">
-        <pc:chgData name="Mohammed Fasha" userId="cc64f42d-a1a6-4f08-b97b-0c37f877119f" providerId="ADAL" clId="{6804A8E6-8D7F-46E3-B091-66A8F6B926BF}" dt="2024-11-09T05:15:35.019" v="2" actId="1076"/>
-        <pc:sldMasterMkLst>
-          <pc:docMk/>
-          <pc:sldMasterMk cId="742811419" sldId="2147483648"/>
-        </pc:sldMasterMkLst>
-        <pc:sldLayoutChg chg="addSp modSp mod">
-          <pc:chgData name="Mohammed Fasha" userId="cc64f42d-a1a6-4f08-b97b-0c37f877119f" providerId="ADAL" clId="{6804A8E6-8D7F-46E3-B091-66A8F6B926BF}" dt="2024-11-09T05:15:35.019" v="2" actId="1076"/>
-          <pc:sldLayoutMkLst>
-            <pc:docMk/>
-            <pc:sldMasterMk cId="742811419" sldId="2147483648"/>
-            <pc:sldLayoutMk cId="4063788262" sldId="2147483649"/>
-          </pc:sldLayoutMkLst>
-        </pc:sldLayoutChg>
-      </pc:sldMasterChg>
     </pc:docChg>
   </pc:docChgLst>
   <pc:docChgLst>
@@ -7822,14 +5265,6 @@
           <pc:docMk/>
           <pc:sldMk cId="2766696385" sldId="536"/>
         </pc:sldMkLst>
-        <pc:picChg chg="add del mod">
-          <ac:chgData name="Mohammed Fasha" userId="S::mohammed.fasha@uop.edu.jo::cc64f42d-a1a6-4f08-b97b-0c37f877119f" providerId="AD" clId="Web-{B9337916-DDC2-1069-E985-5508FA0D34A7}" dt="2025-04-19T18:08:59.527" v="354"/>
-          <ac:picMkLst>
-            <pc:docMk/>
-            <pc:sldMk cId="2766696385" sldId="536"/>
-            <ac:picMk id="4" creationId="{A8C9C2AE-A686-2BBB-F366-B39C299E2BF5}"/>
-          </ac:picMkLst>
-        </pc:picChg>
       </pc:sldChg>
       <pc:sldChg chg="ord">
         <pc:chgData name="Mohammed Fasha" userId="S::mohammed.fasha@uop.edu.jo::cc64f42d-a1a6-4f08-b97b-0c37f877119f" providerId="AD" clId="Web-{B9337916-DDC2-1069-E985-5508FA0D34A7}" dt="2025-04-19T18:30:12.855" v="401"/>
@@ -7890,14 +5325,6 @@
             <ac:spMk id="3" creationId="{F65266DD-AB05-8106-96C7-0F5D951CAC2B}"/>
           </ac:spMkLst>
         </pc:spChg>
-        <pc:picChg chg="add del mod">
-          <ac:chgData name="Mohammed Fasha" userId="S::mohammed.fasha@uop.edu.jo::cc64f42d-a1a6-4f08-b97b-0c37f877119f" providerId="AD" clId="Web-{B9337916-DDC2-1069-E985-5508FA0D34A7}" dt="2025-04-19T18:09:25.341" v="355"/>
-          <ac:picMkLst>
-            <pc:docMk/>
-            <pc:sldMk cId="3184607449" sldId="576"/>
-            <ac:picMk id="4" creationId="{7177FC2D-4645-DA83-4365-68DA469470BD}"/>
-          </ac:picMkLst>
-        </pc:picChg>
         <pc:picChg chg="mod">
           <ac:chgData name="Mohammed Fasha" userId="S::mohammed.fasha@uop.edu.jo::cc64f42d-a1a6-4f08-b97b-0c37f877119f" providerId="AD" clId="Web-{B9337916-DDC2-1069-E985-5508FA0D34A7}" dt="2025-04-19T18:06:02.013" v="332" actId="14100"/>
           <ac:picMkLst>
@@ -7914,14 +5341,6 @@
             <ac:picMk id="6" creationId="{0077C33A-06F8-82BE-D9AE-CC3F065F4180}"/>
           </ac:picMkLst>
         </pc:picChg>
-        <pc:picChg chg="add del mod">
-          <ac:chgData name="Mohammed Fasha" userId="S::mohammed.fasha@uop.edu.jo::cc64f42d-a1a6-4f08-b97b-0c37f877119f" providerId="AD" clId="Web-{B9337916-DDC2-1069-E985-5508FA0D34A7}" dt="2025-04-19T18:07:12.906" v="346"/>
-          <ac:picMkLst>
-            <pc:docMk/>
-            <pc:sldMk cId="3184607449" sldId="576"/>
-            <ac:picMk id="7" creationId="{186B0AB2-B6E4-0B0B-669B-B7E3C833960F}"/>
-          </ac:picMkLst>
-        </pc:picChg>
         <pc:picChg chg="add mod ord">
           <ac:chgData name="Mohammed Fasha" userId="S::mohammed.fasha@uop.edu.jo::cc64f42d-a1a6-4f08-b97b-0c37f877119f" providerId="AD" clId="Web-{B9337916-DDC2-1069-E985-5508FA0D34A7}" dt="2025-04-19T18:10:55.610" v="374" actId="1076"/>
           <ac:picMkLst>
@@ -7937,14 +5356,6 @@
           <pc:docMk/>
           <pc:sldMk cId="3864717604" sldId="587"/>
         </pc:sldMkLst>
-        <pc:spChg chg="mod">
-          <ac:chgData name="Mohammed Fasha" userId="S::mohammed.fasha@uop.edu.jo::cc64f42d-a1a6-4f08-b97b-0c37f877119f" providerId="AD" clId="Web-{B9337916-DDC2-1069-E985-5508FA0D34A7}" dt="2025-04-19T18:28:26.492" v="380" actId="20577"/>
-          <ac:spMkLst>
-            <pc:docMk/>
-            <pc:sldMk cId="3864717604" sldId="587"/>
-            <ac:spMk id="3" creationId="{09275296-0E04-9C63-AEB2-F9398B635543}"/>
-          </ac:spMkLst>
-        </pc:spChg>
       </pc:sldChg>
       <pc:sldChg chg="addSp modSp new">
         <pc:chgData name="Mohammed Fasha" userId="S::mohammed.fasha@uop.edu.jo::cc64f42d-a1a6-4f08-b97b-0c37f877119f" providerId="AD" clId="Web-{B9337916-DDC2-1069-E985-5508FA0D34A7}" dt="2025-04-19T18:04:53.682" v="320" actId="20577"/>
@@ -8006,30 +5417,6 @@
           <pc:docMk/>
           <pc:sldMk cId="698149653" sldId="590"/>
         </pc:sldMkLst>
-        <pc:spChg chg="mod">
-          <ac:chgData name="Mohammed Fasha" userId="S::mohammed.fasha@uop.edu.jo::cc64f42d-a1a6-4f08-b97b-0c37f877119f" providerId="AD" clId="Web-{B9337916-DDC2-1069-E985-5508FA0D34A7}" dt="2025-04-19T18:31:36.265" v="415" actId="20577"/>
-          <ac:spMkLst>
-            <pc:docMk/>
-            <pc:sldMk cId="698149653" sldId="590"/>
-            <ac:spMk id="2" creationId="{4CFCF908-FD9D-26E7-4304-35B73C005C1E}"/>
-          </ac:spMkLst>
-        </pc:spChg>
-        <pc:spChg chg="del mod">
-          <ac:chgData name="Mohammed Fasha" userId="S::mohammed.fasha@uop.edu.jo::cc64f42d-a1a6-4f08-b97b-0c37f877119f" providerId="AD" clId="Web-{B9337916-DDC2-1069-E985-5508FA0D34A7}" dt="2025-04-19T18:31:32.858" v="407"/>
-          <ac:spMkLst>
-            <pc:docMk/>
-            <pc:sldMk cId="698149653" sldId="590"/>
-            <ac:spMk id="3" creationId="{7EB41051-C954-A1C9-FC8A-13B4CFCA028A}"/>
-          </ac:spMkLst>
-        </pc:spChg>
-        <pc:picChg chg="add mod ord">
-          <ac:chgData name="Mohammed Fasha" userId="S::mohammed.fasha@uop.edu.jo::cc64f42d-a1a6-4f08-b97b-0c37f877119f" providerId="AD" clId="Web-{B9337916-DDC2-1069-E985-5508FA0D34A7}" dt="2025-04-19T18:31:32.858" v="407"/>
-          <ac:picMkLst>
-            <pc:docMk/>
-            <pc:sldMk cId="698149653" sldId="590"/>
-            <ac:picMk id="4" creationId="{E7B4BC32-A961-05B4-D067-408E29D0DCCE}"/>
-          </ac:picMkLst>
-        </pc:picChg>
       </pc:sldChg>
       <pc:sldChg chg="modSp new del">
         <pc:chgData name="Mohammed Fasha" userId="S::mohammed.fasha@uop.edu.jo::cc64f42d-a1a6-4f08-b97b-0c37f877119f" providerId="AD" clId="Web-{B9337916-DDC2-1069-E985-5508FA0D34A7}" dt="2025-04-19T18:30:30.653" v="402"/>
@@ -8037,22 +5424,6 @@
           <pc:docMk/>
           <pc:sldMk cId="3127064716" sldId="590"/>
         </pc:sldMkLst>
-        <pc:spChg chg="mod">
-          <ac:chgData name="Mohammed Fasha" userId="S::mohammed.fasha@uop.edu.jo::cc64f42d-a1a6-4f08-b97b-0c37f877119f" providerId="AD" clId="Web-{B9337916-DDC2-1069-E985-5508FA0D34A7}" dt="2025-04-19T18:30:00.417" v="399" actId="20577"/>
-          <ac:spMkLst>
-            <pc:docMk/>
-            <pc:sldMk cId="3127064716" sldId="590"/>
-            <ac:spMk id="2" creationId="{35BD0A42-EE61-1384-A0B2-F2C3A585CE02}"/>
-          </ac:spMkLst>
-        </pc:spChg>
-        <pc:spChg chg="mod">
-          <ac:chgData name="Mohammed Fasha" userId="S::mohammed.fasha@uop.edu.jo::cc64f42d-a1a6-4f08-b97b-0c37f877119f" providerId="AD" clId="Web-{B9337916-DDC2-1069-E985-5508FA0D34A7}" dt="2025-04-19T18:29:53.073" v="397" actId="20577"/>
-          <ac:spMkLst>
-            <pc:docMk/>
-            <pc:sldMk cId="3127064716" sldId="590"/>
-            <ac:spMk id="3" creationId="{CEEA1073-4918-3E5F-EDD6-8AF1CA25DA80}"/>
-          </ac:spMkLst>
-        </pc:spChg>
       </pc:sldChg>
       <pc:sldChg chg="modSp new">
         <pc:chgData name="Mohammed Fasha" userId="S::mohammed.fasha@uop.edu.jo::cc64f42d-a1a6-4f08-b97b-0c37f877119f" providerId="AD" clId="Web-{B9337916-DDC2-1069-E985-5508FA0D34A7}" dt="2025-04-19T18:32:20.971" v="422" actId="20577"/>
@@ -8060,390 +5431,77 @@
           <pc:docMk/>
           <pc:sldMk cId="1519920460" sldId="591"/>
         </pc:sldMkLst>
-        <pc:spChg chg="mod">
-          <ac:chgData name="Mohammed Fasha" userId="S::mohammed.fasha@uop.edu.jo::cc64f42d-a1a6-4f08-b97b-0c37f877119f" providerId="AD" clId="Web-{B9337916-DDC2-1069-E985-5508FA0D34A7}" dt="2025-04-19T18:32:20.971" v="422" actId="20577"/>
-          <ac:spMkLst>
-            <pc:docMk/>
-            <pc:sldMk cId="1519920460" sldId="591"/>
-            <ac:spMk id="2" creationId="{3C56C4BB-E860-04E8-3C8C-8B24778809E0}"/>
-          </ac:spMkLst>
-        </pc:spChg>
-        <pc:spChg chg="mod">
-          <ac:chgData name="Mohammed Fasha" userId="S::mohammed.fasha@uop.edu.jo::cc64f42d-a1a6-4f08-b97b-0c37f877119f" providerId="AD" clId="Web-{B9337916-DDC2-1069-E985-5508FA0D34A7}" dt="2025-04-19T18:31:56.937" v="419" actId="20577"/>
-          <ac:spMkLst>
-            <pc:docMk/>
-            <pc:sldMk cId="1519920460" sldId="591"/>
-            <ac:spMk id="3" creationId="{2BCAAEA1-F040-8600-A44A-246F044CED50}"/>
-          </ac:spMkLst>
-        </pc:spChg>
       </pc:sldChg>
     </pc:docChg>
   </pc:docChgLst>
   <pc:docChgLst>
-    <pc:chgData name="Mohammed Fasha" userId="S::mohammed.fasha@uop.edu.jo::cc64f42d-a1a6-4f08-b97b-0c37f877119f" providerId="AD" clId="Web-{66E75AB1-FCE8-0FCD-8995-E220AF9681CC}"/>
-    <pc:docChg chg="addSld delSld modSld sldOrd">
-      <pc:chgData name="Mohammed Fasha" userId="S::mohammed.fasha@uop.edu.jo::cc64f42d-a1a6-4f08-b97b-0c37f877119f" providerId="AD" clId="Web-{66E75AB1-FCE8-0FCD-8995-E220AF9681CC}" dt="2025-03-15T07:27:28.077" v="349" actId="1076"/>
+    <pc:chgData name="Mohammed Fasha" userId="cc64f42d-a1a6-4f08-b97b-0c37f877119f" providerId="ADAL" clId="{4B0C216D-0431-4C08-83EB-B615D906D932}"/>
+    <pc:docChg chg="custSel addSld delSld modSld sldOrd">
+      <pc:chgData name="Mohammed Fasha" userId="cc64f42d-a1a6-4f08-b97b-0c37f877119f" providerId="ADAL" clId="{4B0C216D-0431-4C08-83EB-B615D906D932}" dt="2025-03-18T02:16:41.167" v="152" actId="20577"/>
       <pc:docMkLst>
         <pc:docMk/>
       </pc:docMkLst>
-      <pc:sldChg chg="del">
-        <pc:chgData name="Mohammed Fasha" userId="S::mohammed.fasha@uop.edu.jo::cc64f42d-a1a6-4f08-b97b-0c37f877119f" providerId="AD" clId="Web-{66E75AB1-FCE8-0FCD-8995-E220AF9681CC}" dt="2025-03-15T06:52:43.111" v="52"/>
-        <pc:sldMkLst>
-          <pc:docMk/>
-          <pc:sldMk cId="89912501" sldId="274"/>
-        </pc:sldMkLst>
-      </pc:sldChg>
-      <pc:sldChg chg="del">
-        <pc:chgData name="Mohammed Fasha" userId="S::mohammed.fasha@uop.edu.jo::cc64f42d-a1a6-4f08-b97b-0c37f877119f" providerId="AD" clId="Web-{66E75AB1-FCE8-0FCD-8995-E220AF9681CC}" dt="2025-03-15T06:52:43.236" v="108"/>
-        <pc:sldMkLst>
-          <pc:docMk/>
-          <pc:sldMk cId="1847087325" sldId="283"/>
-        </pc:sldMkLst>
-      </pc:sldChg>
-      <pc:sldChg chg="del">
-        <pc:chgData name="Mohammed Fasha" userId="S::mohammed.fasha@uop.edu.jo::cc64f42d-a1a6-4f08-b97b-0c37f877119f" providerId="AD" clId="Web-{66E75AB1-FCE8-0FCD-8995-E220AF9681CC}" dt="2025-03-15T06:52:43.236" v="107"/>
-        <pc:sldMkLst>
-          <pc:docMk/>
-          <pc:sldMk cId="771290671" sldId="284"/>
-        </pc:sldMkLst>
-      </pc:sldChg>
-      <pc:sldChg chg="del">
-        <pc:chgData name="Mohammed Fasha" userId="S::mohammed.fasha@uop.edu.jo::cc64f42d-a1a6-4f08-b97b-0c37f877119f" providerId="AD" clId="Web-{66E75AB1-FCE8-0FCD-8995-E220AF9681CC}" dt="2025-03-15T06:52:43.096" v="42"/>
-        <pc:sldMkLst>
-          <pc:docMk/>
-          <pc:sldMk cId="1234327519" sldId="287"/>
-        </pc:sldMkLst>
-      </pc:sldChg>
-      <pc:sldChg chg="del">
-        <pc:chgData name="Mohammed Fasha" userId="S::mohammed.fasha@uop.edu.jo::cc64f42d-a1a6-4f08-b97b-0c37f877119f" providerId="AD" clId="Web-{66E75AB1-FCE8-0FCD-8995-E220AF9681CC}" dt="2025-03-15T06:52:43.096" v="40"/>
-        <pc:sldMkLst>
-          <pc:docMk/>
-          <pc:sldMk cId="3304405524" sldId="292"/>
-        </pc:sldMkLst>
-      </pc:sldChg>
-      <pc:sldChg chg="del">
-        <pc:chgData name="Mohammed Fasha" userId="S::mohammed.fasha@uop.edu.jo::cc64f42d-a1a6-4f08-b97b-0c37f877119f" providerId="AD" clId="Web-{66E75AB1-FCE8-0FCD-8995-E220AF9681CC}" dt="2025-03-15T06:52:43.096" v="39"/>
-        <pc:sldMkLst>
-          <pc:docMk/>
-          <pc:sldMk cId="1217643332" sldId="294"/>
-        </pc:sldMkLst>
-      </pc:sldChg>
-      <pc:sldChg chg="del">
-        <pc:chgData name="Mohammed Fasha" userId="S::mohammed.fasha@uop.edu.jo::cc64f42d-a1a6-4f08-b97b-0c37f877119f" providerId="AD" clId="Web-{66E75AB1-FCE8-0FCD-8995-E220AF9681CC}" dt="2025-03-15T06:52:43.096" v="38"/>
-        <pc:sldMkLst>
-          <pc:docMk/>
-          <pc:sldMk cId="3526654973" sldId="295"/>
-        </pc:sldMkLst>
-      </pc:sldChg>
-      <pc:sldChg chg="del">
-        <pc:chgData name="Mohammed Fasha" userId="S::mohammed.fasha@uop.edu.jo::cc64f42d-a1a6-4f08-b97b-0c37f877119f" providerId="AD" clId="Web-{66E75AB1-FCE8-0FCD-8995-E220AF9681CC}" dt="2025-03-15T06:52:43.205" v="72"/>
-        <pc:sldMkLst>
-          <pc:docMk/>
-          <pc:sldMk cId="0" sldId="300"/>
-        </pc:sldMkLst>
-      </pc:sldChg>
-      <pc:sldChg chg="del">
-        <pc:chgData name="Mohammed Fasha" userId="S::mohammed.fasha@uop.edu.jo::cc64f42d-a1a6-4f08-b97b-0c37f877119f" providerId="AD" clId="Web-{66E75AB1-FCE8-0FCD-8995-E220AF9681CC}" dt="2025-03-15T06:52:43.205" v="71"/>
-        <pc:sldMkLst>
-          <pc:docMk/>
-          <pc:sldMk cId="0" sldId="301"/>
-        </pc:sldMkLst>
-      </pc:sldChg>
-      <pc:sldChg chg="del">
-        <pc:chgData name="Mohammed Fasha" userId="S::mohammed.fasha@uop.edu.jo::cc64f42d-a1a6-4f08-b97b-0c37f877119f" providerId="AD" clId="Web-{66E75AB1-FCE8-0FCD-8995-E220AF9681CC}" dt="2025-03-15T06:52:43.205" v="69"/>
-        <pc:sldMkLst>
-          <pc:docMk/>
-          <pc:sldMk cId="0" sldId="304"/>
-        </pc:sldMkLst>
-      </pc:sldChg>
-      <pc:sldChg chg="del">
-        <pc:chgData name="Mohammed Fasha" userId="S::mohammed.fasha@uop.edu.jo::cc64f42d-a1a6-4f08-b97b-0c37f877119f" providerId="AD" clId="Web-{66E75AB1-FCE8-0FCD-8995-E220AF9681CC}" dt="2025-03-15T06:52:43.190" v="61"/>
-        <pc:sldMkLst>
-          <pc:docMk/>
-          <pc:sldMk cId="0" sldId="314"/>
-        </pc:sldMkLst>
-      </pc:sldChg>
-      <pc:sldChg chg="del">
-        <pc:chgData name="Mohammed Fasha" userId="S::mohammed.fasha@uop.edu.jo::cc64f42d-a1a6-4f08-b97b-0c37f877119f" providerId="AD" clId="Web-{66E75AB1-FCE8-0FCD-8995-E220AF9681CC}" dt="2025-03-15T06:52:43.221" v="86"/>
-        <pc:sldMkLst>
-          <pc:docMk/>
-          <pc:sldMk cId="2362708721" sldId="321"/>
-        </pc:sldMkLst>
-      </pc:sldChg>
-      <pc:sldChg chg="del">
-        <pc:chgData name="Mohammed Fasha" userId="S::mohammed.fasha@uop.edu.jo::cc64f42d-a1a6-4f08-b97b-0c37f877119f" providerId="AD" clId="Web-{66E75AB1-FCE8-0FCD-8995-E220AF9681CC}" dt="2025-03-15T06:52:43.221" v="87"/>
-        <pc:sldMkLst>
-          <pc:docMk/>
-          <pc:sldMk cId="1477953107" sldId="324"/>
-        </pc:sldMkLst>
-      </pc:sldChg>
-      <pc:sldChg chg="del">
-        <pc:chgData name="Mohammed Fasha" userId="S::mohammed.fasha@uop.edu.jo::cc64f42d-a1a6-4f08-b97b-0c37f877119f" providerId="AD" clId="Web-{66E75AB1-FCE8-0FCD-8995-E220AF9681CC}" dt="2025-03-15T06:52:43.111" v="55"/>
-        <pc:sldMkLst>
-          <pc:docMk/>
-          <pc:sldMk cId="1624740157" sldId="346"/>
-        </pc:sldMkLst>
-      </pc:sldChg>
-      <pc:sldChg chg="del">
-        <pc:chgData name="Mohammed Fasha" userId="S::mohammed.fasha@uop.edu.jo::cc64f42d-a1a6-4f08-b97b-0c37f877119f" providerId="AD" clId="Web-{66E75AB1-FCE8-0FCD-8995-E220AF9681CC}" dt="2025-03-15T06:52:43.111" v="60"/>
-        <pc:sldMkLst>
-          <pc:docMk/>
-          <pc:sldMk cId="1093295885" sldId="365"/>
-        </pc:sldMkLst>
-      </pc:sldChg>
-      <pc:sldChg chg="del">
-        <pc:chgData name="Mohammed Fasha" userId="S::mohammed.fasha@uop.edu.jo::cc64f42d-a1a6-4f08-b97b-0c37f877119f" providerId="AD" clId="Web-{66E75AB1-FCE8-0FCD-8995-E220AF9681CC}" dt="2025-03-15T06:52:43.205" v="74"/>
-        <pc:sldMkLst>
-          <pc:docMk/>
-          <pc:sldMk cId="3638528156" sldId="366"/>
-        </pc:sldMkLst>
-      </pc:sldChg>
-      <pc:sldChg chg="del">
-        <pc:chgData name="Mohammed Fasha" userId="S::mohammed.fasha@uop.edu.jo::cc64f42d-a1a6-4f08-b97b-0c37f877119f" providerId="AD" clId="Web-{66E75AB1-FCE8-0FCD-8995-E220AF9681CC}" dt="2025-03-15T06:52:43.221" v="80"/>
-        <pc:sldMkLst>
-          <pc:docMk/>
-          <pc:sldMk cId="2714000580" sldId="367"/>
-        </pc:sldMkLst>
-      </pc:sldChg>
-      <pc:sldChg chg="del">
-        <pc:chgData name="Mohammed Fasha" userId="S::mohammed.fasha@uop.edu.jo::cc64f42d-a1a6-4f08-b97b-0c37f877119f" providerId="AD" clId="Web-{66E75AB1-FCE8-0FCD-8995-E220AF9681CC}" dt="2025-03-15T06:52:43.221" v="90"/>
-        <pc:sldMkLst>
-          <pc:docMk/>
-          <pc:sldMk cId="4103125789" sldId="368"/>
-        </pc:sldMkLst>
-      </pc:sldChg>
-      <pc:sldChg chg="del">
-        <pc:chgData name="Mohammed Fasha" userId="S::mohammed.fasha@uop.edu.jo::cc64f42d-a1a6-4f08-b97b-0c37f877119f" providerId="AD" clId="Web-{66E75AB1-FCE8-0FCD-8995-E220AF9681CC}" dt="2025-03-15T06:52:43.096" v="47"/>
-        <pc:sldMkLst>
-          <pc:docMk/>
-          <pc:sldMk cId="3243173744" sldId="369"/>
-        </pc:sldMkLst>
-      </pc:sldChg>
-      <pc:sldChg chg="del">
-        <pc:chgData name="Mohammed Fasha" userId="S::mohammed.fasha@uop.edu.jo::cc64f42d-a1a6-4f08-b97b-0c37f877119f" providerId="AD" clId="Web-{66E75AB1-FCE8-0FCD-8995-E220AF9681CC}" dt="2025-03-15T06:52:43.221" v="89"/>
-        <pc:sldMkLst>
-          <pc:docMk/>
-          <pc:sldMk cId="533099717" sldId="370"/>
-        </pc:sldMkLst>
-      </pc:sldChg>
-      <pc:sldChg chg="del">
-        <pc:chgData name="Mohammed Fasha" userId="S::mohammed.fasha@uop.edu.jo::cc64f42d-a1a6-4f08-b97b-0c37f877119f" providerId="AD" clId="Web-{66E75AB1-FCE8-0FCD-8995-E220AF9681CC}" dt="2025-03-15T06:52:43.190" v="65"/>
-        <pc:sldMkLst>
-          <pc:docMk/>
-          <pc:sldMk cId="403304745" sldId="371"/>
-        </pc:sldMkLst>
-      </pc:sldChg>
-      <pc:sldChg chg="del">
-        <pc:chgData name="Mohammed Fasha" userId="S::mohammed.fasha@uop.edu.jo::cc64f42d-a1a6-4f08-b97b-0c37f877119f" providerId="AD" clId="Web-{66E75AB1-FCE8-0FCD-8995-E220AF9681CC}" dt="2025-03-15T06:52:43.221" v="85"/>
-        <pc:sldMkLst>
-          <pc:docMk/>
-          <pc:sldMk cId="1274929313" sldId="372"/>
-        </pc:sldMkLst>
-      </pc:sldChg>
-      <pc:sldChg chg="del">
-        <pc:chgData name="Mohammed Fasha" userId="S::mohammed.fasha@uop.edu.jo::cc64f42d-a1a6-4f08-b97b-0c37f877119f" providerId="AD" clId="Web-{66E75AB1-FCE8-0FCD-8995-E220AF9681CC}" dt="2025-03-15T06:52:43.205" v="70"/>
-        <pc:sldMkLst>
-          <pc:docMk/>
-          <pc:sldMk cId="3412111298" sldId="376"/>
-        </pc:sldMkLst>
-      </pc:sldChg>
-      <pc:sldChg chg="del">
-        <pc:chgData name="Mohammed Fasha" userId="S::mohammed.fasha@uop.edu.jo::cc64f42d-a1a6-4f08-b97b-0c37f877119f" providerId="AD" clId="Web-{66E75AB1-FCE8-0FCD-8995-E220AF9681CC}" dt="2025-03-15T06:52:43.221" v="84"/>
-        <pc:sldMkLst>
-          <pc:docMk/>
-          <pc:sldMk cId="3601872685" sldId="382"/>
-        </pc:sldMkLst>
-      </pc:sldChg>
-      <pc:sldChg chg="del">
-        <pc:chgData name="Mohammed Fasha" userId="S::mohammed.fasha@uop.edu.jo::cc64f42d-a1a6-4f08-b97b-0c37f877119f" providerId="AD" clId="Web-{66E75AB1-FCE8-0FCD-8995-E220AF9681CC}" dt="2025-03-15T06:52:43.221" v="83"/>
-        <pc:sldMkLst>
-          <pc:docMk/>
-          <pc:sldMk cId="215899539" sldId="384"/>
-        </pc:sldMkLst>
-      </pc:sldChg>
-      <pc:sldChg chg="del">
-        <pc:chgData name="Mohammed Fasha" userId="S::mohammed.fasha@uop.edu.jo::cc64f42d-a1a6-4f08-b97b-0c37f877119f" providerId="AD" clId="Web-{66E75AB1-FCE8-0FCD-8995-E220AF9681CC}" dt="2025-03-15T06:52:43.221" v="79"/>
-        <pc:sldMkLst>
-          <pc:docMk/>
-          <pc:sldMk cId="2001631854" sldId="390"/>
-        </pc:sldMkLst>
-      </pc:sldChg>
-      <pc:sldChg chg="del">
-        <pc:chgData name="Mohammed Fasha" userId="S::mohammed.fasha@uop.edu.jo::cc64f42d-a1a6-4f08-b97b-0c37f877119f" providerId="AD" clId="Web-{66E75AB1-FCE8-0FCD-8995-E220AF9681CC}" dt="2025-03-15T06:52:43.252" v="114"/>
-        <pc:sldMkLst>
-          <pc:docMk/>
-          <pc:sldMk cId="2976191511" sldId="393"/>
-        </pc:sldMkLst>
-      </pc:sldChg>
-      <pc:sldChg chg="del">
-        <pc:chgData name="Mohammed Fasha" userId="S::mohammed.fasha@uop.edu.jo::cc64f42d-a1a6-4f08-b97b-0c37f877119f" providerId="AD" clId="Web-{66E75AB1-FCE8-0FCD-8995-E220AF9681CC}" dt="2025-03-15T06:52:43.205" v="77"/>
-        <pc:sldMkLst>
-          <pc:docMk/>
-          <pc:sldMk cId="3942416368" sldId="394"/>
-        </pc:sldMkLst>
-      </pc:sldChg>
-      <pc:sldChg chg="del">
-        <pc:chgData name="Mohammed Fasha" userId="S::mohammed.fasha@uop.edu.jo::cc64f42d-a1a6-4f08-b97b-0c37f877119f" providerId="AD" clId="Web-{66E75AB1-FCE8-0FCD-8995-E220AF9681CC}" dt="2025-03-15T06:52:43.236" v="95"/>
-        <pc:sldMkLst>
-          <pc:docMk/>
-          <pc:sldMk cId="2455239288" sldId="398"/>
-        </pc:sldMkLst>
-      </pc:sldChg>
-      <pc:sldChg chg="del">
-        <pc:chgData name="Mohammed Fasha" userId="S::mohammed.fasha@uop.edu.jo::cc64f42d-a1a6-4f08-b97b-0c37f877119f" providerId="AD" clId="Web-{66E75AB1-FCE8-0FCD-8995-E220AF9681CC}" dt="2025-03-15T06:52:43.205" v="76"/>
-        <pc:sldMkLst>
-          <pc:docMk/>
-          <pc:sldMk cId="322630100" sldId="401"/>
-        </pc:sldMkLst>
-      </pc:sldChg>
-      <pc:sldChg chg="del">
-        <pc:chgData name="Mohammed Fasha" userId="S::mohammed.fasha@uop.edu.jo::cc64f42d-a1a6-4f08-b97b-0c37f877119f" providerId="AD" clId="Web-{66E75AB1-FCE8-0FCD-8995-E220AF9681CC}" dt="2025-03-15T06:52:43.205" v="73"/>
-        <pc:sldMkLst>
-          <pc:docMk/>
-          <pc:sldMk cId="2446723419" sldId="402"/>
-        </pc:sldMkLst>
-      </pc:sldChg>
-      <pc:sldChg chg="del">
-        <pc:chgData name="Mohammed Fasha" userId="S::mohammed.fasha@uop.edu.jo::cc64f42d-a1a6-4f08-b97b-0c37f877119f" providerId="AD" clId="Web-{66E75AB1-FCE8-0FCD-8995-E220AF9681CC}" dt="2025-03-15T06:52:43.205" v="68"/>
-        <pc:sldMkLst>
-          <pc:docMk/>
-          <pc:sldMk cId="2708838154" sldId="405"/>
-        </pc:sldMkLst>
-      </pc:sldChg>
-      <pc:sldChg chg="del">
-        <pc:chgData name="Mohammed Fasha" userId="S::mohammed.fasha@uop.edu.jo::cc64f42d-a1a6-4f08-b97b-0c37f877119f" providerId="AD" clId="Web-{66E75AB1-FCE8-0FCD-8995-E220AF9681CC}" dt="2025-03-15T06:52:43.205" v="75"/>
-        <pc:sldMkLst>
-          <pc:docMk/>
-          <pc:sldMk cId="711859222" sldId="406"/>
-        </pc:sldMkLst>
-      </pc:sldChg>
-      <pc:sldChg chg="del">
-        <pc:chgData name="Mohammed Fasha" userId="S::mohammed.fasha@uop.edu.jo::cc64f42d-a1a6-4f08-b97b-0c37f877119f" providerId="AD" clId="Web-{66E75AB1-FCE8-0FCD-8995-E220AF9681CC}" dt="2025-03-15T06:52:43.190" v="64"/>
-        <pc:sldMkLst>
-          <pc:docMk/>
-          <pc:sldMk cId="430192280" sldId="409"/>
-        </pc:sldMkLst>
-      </pc:sldChg>
-      <pc:sldChg chg="del">
-        <pc:chgData name="Mohammed Fasha" userId="S::mohammed.fasha@uop.edu.jo::cc64f42d-a1a6-4f08-b97b-0c37f877119f" providerId="AD" clId="Web-{66E75AB1-FCE8-0FCD-8995-E220AF9681CC}" dt="2025-03-15T06:52:43.190" v="63"/>
-        <pc:sldMkLst>
-          <pc:docMk/>
-          <pc:sldMk cId="1261728788" sldId="410"/>
-        </pc:sldMkLst>
-      </pc:sldChg>
-      <pc:sldChg chg="del">
-        <pc:chgData name="Mohammed Fasha" userId="S::mohammed.fasha@uop.edu.jo::cc64f42d-a1a6-4f08-b97b-0c37f877119f" providerId="AD" clId="Web-{66E75AB1-FCE8-0FCD-8995-E220AF9681CC}" dt="2025-03-15T06:52:43.111" v="59"/>
-        <pc:sldMkLst>
-          <pc:docMk/>
-          <pc:sldMk cId="465427976" sldId="414"/>
-        </pc:sldMkLst>
-      </pc:sldChg>
-      <pc:sldChg chg="del">
-        <pc:chgData name="Mohammed Fasha" userId="S::mohammed.fasha@uop.edu.jo::cc64f42d-a1a6-4f08-b97b-0c37f877119f" providerId="AD" clId="Web-{66E75AB1-FCE8-0FCD-8995-E220AF9681CC}" dt="2025-03-15T06:52:43.111" v="56"/>
-        <pc:sldMkLst>
-          <pc:docMk/>
-          <pc:sldMk cId="4222832899" sldId="419"/>
-        </pc:sldMkLst>
-      </pc:sldChg>
-      <pc:sldChg chg="del">
-        <pc:chgData name="Mohammed Fasha" userId="S::mohammed.fasha@uop.edu.jo::cc64f42d-a1a6-4f08-b97b-0c37f877119f" providerId="AD" clId="Web-{66E75AB1-FCE8-0FCD-8995-E220AF9681CC}" dt="2025-03-15T06:52:43.111" v="50"/>
-        <pc:sldMkLst>
-          <pc:docMk/>
-          <pc:sldMk cId="3168225218" sldId="422"/>
-        </pc:sldMkLst>
-      </pc:sldChg>
-      <pc:sldChg chg="del">
-        <pc:chgData name="Mohammed Fasha" userId="S::mohammed.fasha@uop.edu.jo::cc64f42d-a1a6-4f08-b97b-0c37f877119f" providerId="AD" clId="Web-{66E75AB1-FCE8-0FCD-8995-E220AF9681CC}" dt="2025-03-15T06:52:43.096" v="49"/>
-        <pc:sldMkLst>
-          <pc:docMk/>
-          <pc:sldMk cId="2310344807" sldId="423"/>
-        </pc:sldMkLst>
-      </pc:sldChg>
-      <pc:sldChg chg="del">
-        <pc:chgData name="Mohammed Fasha" userId="S::mohammed.fasha@uop.edu.jo::cc64f42d-a1a6-4f08-b97b-0c37f877119f" providerId="AD" clId="Web-{66E75AB1-FCE8-0FCD-8995-E220AF9681CC}" dt="2025-03-15T06:52:43.190" v="62"/>
-        <pc:sldMkLst>
-          <pc:docMk/>
-          <pc:sldMk cId="707737036" sldId="425"/>
-        </pc:sldMkLst>
-      </pc:sldChg>
-      <pc:sldChg chg="del">
-        <pc:chgData name="Mohammed Fasha" userId="S::mohammed.fasha@uop.edu.jo::cc64f42d-a1a6-4f08-b97b-0c37f877119f" providerId="AD" clId="Web-{66E75AB1-FCE8-0FCD-8995-E220AF9681CC}" dt="2025-03-15T06:52:43.205" v="66"/>
-        <pc:sldMkLst>
-          <pc:docMk/>
-          <pc:sldMk cId="232656594" sldId="429"/>
-        </pc:sldMkLst>
-      </pc:sldChg>
-      <pc:sldChg chg="del">
-        <pc:chgData name="Mohammed Fasha" userId="S::mohammed.fasha@uop.edu.jo::cc64f42d-a1a6-4f08-b97b-0c37f877119f" providerId="AD" clId="Web-{66E75AB1-FCE8-0FCD-8995-E220AF9681CC}" dt="2025-03-15T06:52:43.096" v="44"/>
-        <pc:sldMkLst>
-          <pc:docMk/>
-          <pc:sldMk cId="404333880" sldId="433"/>
-        </pc:sldMkLst>
-      </pc:sldChg>
-      <pc:sldChg chg="del">
-        <pc:chgData name="Mohammed Fasha" userId="S::mohammed.fasha@uop.edu.jo::cc64f42d-a1a6-4f08-b97b-0c37f877119f" providerId="AD" clId="Web-{66E75AB1-FCE8-0FCD-8995-E220AF9681CC}" dt="2025-03-15T06:52:43.236" v="103"/>
-        <pc:sldMkLst>
-          <pc:docMk/>
-          <pc:sldMk cId="2523349106" sldId="442"/>
-        </pc:sldMkLst>
-      </pc:sldChg>
-      <pc:sldChg chg="del">
-        <pc:chgData name="Mohammed Fasha" userId="S::mohammed.fasha@uop.edu.jo::cc64f42d-a1a6-4f08-b97b-0c37f877119f" providerId="AD" clId="Web-{66E75AB1-FCE8-0FCD-8995-E220AF9681CC}" dt="2025-03-15T06:52:43.236" v="94"/>
-        <pc:sldMkLst>
-          <pc:docMk/>
-          <pc:sldMk cId="2515022167" sldId="443"/>
-        </pc:sldMkLst>
-      </pc:sldChg>
-      <pc:sldChg chg="del">
-        <pc:chgData name="Mohammed Fasha" userId="S::mohammed.fasha@uop.edu.jo::cc64f42d-a1a6-4f08-b97b-0c37f877119f" providerId="AD" clId="Web-{66E75AB1-FCE8-0FCD-8995-E220AF9681CC}" dt="2025-03-15T06:52:43.221" v="92"/>
-        <pc:sldMkLst>
-          <pc:docMk/>
-          <pc:sldMk cId="1977389857" sldId="445"/>
-        </pc:sldMkLst>
-      </pc:sldChg>
-      <pc:sldChg chg="del">
-        <pc:chgData name="Mohammed Fasha" userId="S::mohammed.fasha@uop.edu.jo::cc64f42d-a1a6-4f08-b97b-0c37f877119f" providerId="AD" clId="Web-{66E75AB1-FCE8-0FCD-8995-E220AF9681CC}" dt="2025-03-15T06:52:43.221" v="91"/>
-        <pc:sldMkLst>
-          <pc:docMk/>
-          <pc:sldMk cId="2140515002" sldId="446"/>
-        </pc:sldMkLst>
-      </pc:sldChg>
-      <pc:sldChg chg="del">
-        <pc:chgData name="Mohammed Fasha" userId="S::mohammed.fasha@uop.edu.jo::cc64f42d-a1a6-4f08-b97b-0c37f877119f" providerId="AD" clId="Web-{66E75AB1-FCE8-0FCD-8995-E220AF9681CC}" dt="2025-03-15T06:52:43.252" v="109"/>
-        <pc:sldMkLst>
-          <pc:docMk/>
-          <pc:sldMk cId="1932795151" sldId="448"/>
-        </pc:sldMkLst>
-      </pc:sldChg>
-      <pc:sldChg chg="del">
-        <pc:chgData name="Mohammed Fasha" userId="S::mohammed.fasha@uop.edu.jo::cc64f42d-a1a6-4f08-b97b-0c37f877119f" providerId="AD" clId="Web-{66E75AB1-FCE8-0FCD-8995-E220AF9681CC}" dt="2025-03-15T06:52:43.252" v="113"/>
-        <pc:sldMkLst>
-          <pc:docMk/>
-          <pc:sldMk cId="1837964685" sldId="451"/>
-        </pc:sldMkLst>
-      </pc:sldChg>
-      <pc:sldChg chg="del">
-        <pc:chgData name="Mohammed Fasha" userId="S::mohammed.fasha@uop.edu.jo::cc64f42d-a1a6-4f08-b97b-0c37f877119f" providerId="AD" clId="Web-{66E75AB1-FCE8-0FCD-8995-E220AF9681CC}" dt="2025-03-15T06:52:43.252" v="112"/>
-        <pc:sldMkLst>
-          <pc:docMk/>
-          <pc:sldMk cId="1229244997" sldId="452"/>
-        </pc:sldMkLst>
-      </pc:sldChg>
-      <pc:sldChg chg="del">
-        <pc:chgData name="Mohammed Fasha" userId="S::mohammed.fasha@uop.edu.jo::cc64f42d-a1a6-4f08-b97b-0c37f877119f" providerId="AD" clId="Web-{66E75AB1-FCE8-0FCD-8995-E220AF9681CC}" dt="2025-03-15T06:52:43.252" v="111"/>
-        <pc:sldMkLst>
-          <pc:docMk/>
-          <pc:sldMk cId="1789205401" sldId="453"/>
-        </pc:sldMkLst>
-      </pc:sldChg>
+      <pc:sldChg chg="ord">
+        <pc:chgData name="Mohammed Fasha" userId="cc64f42d-a1a6-4f08-b97b-0c37f877119f" providerId="ADAL" clId="{4B0C216D-0431-4C08-83EB-B615D906D932}" dt="2025-03-18T02:15:01.379" v="67"/>
+        <pc:sldMkLst>
+          <pc:docMk/>
+          <pc:sldMk cId="2282942957" sldId="456"/>
+        </pc:sldMkLst>
+      </pc:sldChg>
+      <pc:sldChg chg="addSp delSp modSp new del mod modClrScheme chgLayout">
+        <pc:chgData name="Mohammed Fasha" userId="cc64f42d-a1a6-4f08-b97b-0c37f877119f" providerId="ADAL" clId="{4B0C216D-0431-4C08-83EB-B615D906D932}" dt="2025-03-18T02:14:19.984" v="50" actId="2696"/>
+        <pc:sldMkLst>
+          <pc:docMk/>
+          <pc:sldMk cId="3499033775" sldId="472"/>
+        </pc:sldMkLst>
+      </pc:sldChg>
+      <pc:sldChg chg="addSp delSp modSp new mod ord modClrScheme chgLayout">
+        <pc:chgData name="Mohammed Fasha" userId="cc64f42d-a1a6-4f08-b97b-0c37f877119f" providerId="ADAL" clId="{4B0C216D-0431-4C08-83EB-B615D906D932}" dt="2025-03-18T02:16:41.167" v="152" actId="20577"/>
+        <pc:sldMkLst>
+          <pc:docMk/>
+          <pc:sldMk cId="3385747305" sldId="473"/>
+        </pc:sldMkLst>
+      </pc:sldChg>
+      <pc:sldChg chg="modSp new mod">
+        <pc:chgData name="Mohammed Fasha" userId="cc64f42d-a1a6-4f08-b97b-0c37f877119f" providerId="ADAL" clId="{4B0C216D-0431-4C08-83EB-B615D906D932}" dt="2025-03-18T02:15:56.699" v="100"/>
+        <pc:sldMkLst>
+          <pc:docMk/>
+          <pc:sldMk cId="1939766790" sldId="474"/>
+        </pc:sldMkLst>
+      </pc:sldChg>
+    </pc:docChg>
+  </pc:docChgLst>
+  <pc:docChgLst>
+    <pc:chgData name="Mohammed Fasha" userId="cc64f42d-a1a6-4f08-b97b-0c37f877119f" providerId="ADAL" clId="{5980B3BB-4EB6-4E37-92BF-3A2A8F4B2C7A}"/>
+    <pc:docChg chg="custSel modSld">
+      <pc:chgData name="Mohammed Fasha" userId="cc64f42d-a1a6-4f08-b97b-0c37f877119f" providerId="ADAL" clId="{5980B3BB-4EB6-4E37-92BF-3A2A8F4B2C7A}" dt="2024-10-15T02:28:13.535" v="0" actId="478"/>
+      <pc:docMkLst>
+        <pc:docMk/>
+      </pc:docMkLst>
+      <pc:sldChg chg="delSp mod">
+        <pc:chgData name="Mohammed Fasha" userId="cc64f42d-a1a6-4f08-b97b-0c37f877119f" providerId="ADAL" clId="{5980B3BB-4EB6-4E37-92BF-3A2A8F4B2C7A}" dt="2024-10-15T02:28:13.535" v="0" actId="478"/>
+        <pc:sldMkLst>
+          <pc:docMk/>
+          <pc:sldMk cId="2297456757" sldId="483"/>
+        </pc:sldMkLst>
+      </pc:sldChg>
+    </pc:docChg>
+  </pc:docChgLst>
+  <pc:docChgLst>
+    <pc:chgData name="Mohammed Fasha" userId="S::mohammed.fasha@uop.edu.jo::cc64f42d-a1a6-4f08-b97b-0c37f877119f" providerId="AD" clId="Web-{8A90772F-FBEA-EE7C-9CDA-4D457F7DA5BE}"/>
+    <pc:docChg chg="modSld">
+      <pc:chgData name="Mohammed Fasha" userId="S::mohammed.fasha@uop.edu.jo::cc64f42d-a1a6-4f08-b97b-0c37f877119f" providerId="AD" clId="Web-{8A90772F-FBEA-EE7C-9CDA-4D457F7DA5BE}" dt="2025-03-22T01:56:07.673" v="11" actId="20577"/>
+      <pc:docMkLst>
+        <pc:docMk/>
+      </pc:docMkLst>
       <pc:sldChg chg="modSp">
-        <pc:chgData name="Mohammed Fasha" userId="S::mohammed.fasha@uop.edu.jo::cc64f42d-a1a6-4f08-b97b-0c37f877119f" providerId="AD" clId="Web-{66E75AB1-FCE8-0FCD-8995-E220AF9681CC}" dt="2025-03-15T06:52:38.939" v="37" actId="20577"/>
+        <pc:chgData name="Mohammed Fasha" userId="S::mohammed.fasha@uop.edu.jo::cc64f42d-a1a6-4f08-b97b-0c37f877119f" providerId="AD" clId="Web-{8A90772F-FBEA-EE7C-9CDA-4D457F7DA5BE}" dt="2025-03-22T01:55:31.125" v="1" actId="20577"/>
         <pc:sldMkLst>
           <pc:docMk/>
           <pc:sldMk cId="1489447582" sldId="455"/>
         </pc:sldMkLst>
         <pc:spChg chg="mod">
-          <ac:chgData name="Mohammed Fasha" userId="S::mohammed.fasha@uop.edu.jo::cc64f42d-a1a6-4f08-b97b-0c37f877119f" providerId="AD" clId="Web-{66E75AB1-FCE8-0FCD-8995-E220AF9681CC}" dt="2025-03-15T06:52:38.939" v="37" actId="20577"/>
+          <ac:chgData name="Mohammed Fasha" userId="S::mohammed.fasha@uop.edu.jo::cc64f42d-a1a6-4f08-b97b-0c37f877119f" providerId="AD" clId="Web-{8A90772F-FBEA-EE7C-9CDA-4D457F7DA5BE}" dt="2025-03-22T01:55:31.125" v="1" actId="20577"/>
           <ac:spMkLst>
             <pc:docMk/>
             <pc:sldMk cId="1489447582" sldId="455"/>
@@ -8451,312 +5509,333 @@
           </ac:spMkLst>
         </pc:spChg>
       </pc:sldChg>
-      <pc:sldChg chg="modSp new">
-        <pc:chgData name="Mohammed Fasha" userId="S::mohammed.fasha@uop.edu.jo::cc64f42d-a1a6-4f08-b97b-0c37f877119f" providerId="AD" clId="Web-{66E75AB1-FCE8-0FCD-8995-E220AF9681CC}" dt="2025-03-15T07:01:33.222" v="193" actId="20577"/>
-        <pc:sldMkLst>
-          <pc:docMk/>
-          <pc:sldMk cId="2282942957" sldId="456"/>
-        </pc:sldMkLst>
-      </pc:sldChg>
-      <pc:sldChg chg="addSp delSp modSp add replId addAnim">
-        <pc:chgData name="Mohammed Fasha" userId="S::mohammed.fasha@uop.edu.jo::cc64f42d-a1a6-4f08-b97b-0c37f877119f" providerId="AD" clId="Web-{66E75AB1-FCE8-0FCD-8995-E220AF9681CC}" dt="2025-03-15T07:00:17.530" v="170" actId="20577"/>
-        <pc:sldMkLst>
-          <pc:docMk/>
-          <pc:sldMk cId="1674895679" sldId="457"/>
-        </pc:sldMkLst>
-      </pc:sldChg>
+      <pc:sldChg chg="addSp delSp modSp">
+        <pc:chgData name="Mohammed Fasha" userId="S::mohammed.fasha@uop.edu.jo::cc64f42d-a1a6-4f08-b97b-0c37f877119f" providerId="AD" clId="Web-{8A90772F-FBEA-EE7C-9CDA-4D457F7DA5BE}" dt="2025-03-22T01:56:07.673" v="11" actId="20577"/>
+        <pc:sldMkLst>
+          <pc:docMk/>
+          <pc:sldMk cId="1572681964" sldId="471"/>
+        </pc:sldMkLst>
+      </pc:sldChg>
+    </pc:docChg>
+  </pc:docChgLst>
+  <pc:docChgLst>
+    <pc:chgData name="Mohammed Fasha" userId="cc64f42d-a1a6-4f08-b97b-0c37f877119f" providerId="ADAL" clId="{4C71ED24-115E-432D-933D-C801DA3E52F1}"/>
+    <pc:docChg chg="delSld">
+      <pc:chgData name="Mohammed Fasha" userId="cc64f42d-a1a6-4f08-b97b-0c37f877119f" providerId="ADAL" clId="{4C71ED24-115E-432D-933D-C801DA3E52F1}" dt="2024-12-29T03:12:49.974" v="2" actId="47"/>
+      <pc:docMkLst>
+        <pc:docMk/>
+      </pc:docMkLst>
       <pc:sldChg chg="del">
-        <pc:chgData name="Mohammed Fasha" userId="S::mohammed.fasha@uop.edu.jo::cc64f42d-a1a6-4f08-b97b-0c37f877119f" providerId="AD" clId="Web-{66E75AB1-FCE8-0FCD-8995-E220AF9681CC}" dt="2025-03-15T06:52:43.236" v="105"/>
-        <pc:sldMkLst>
-          <pc:docMk/>
-          <pc:sldMk cId="2921402285" sldId="457"/>
+        <pc:chgData name="Mohammed Fasha" userId="cc64f42d-a1a6-4f08-b97b-0c37f877119f" providerId="ADAL" clId="{4C71ED24-115E-432D-933D-C801DA3E52F1}" dt="2024-12-29T03:12:48.360" v="0" actId="47"/>
+        <pc:sldMkLst>
+          <pc:docMk/>
+          <pc:sldMk cId="2341000601" sldId="701"/>
         </pc:sldMkLst>
       </pc:sldChg>
       <pc:sldChg chg="del">
-        <pc:chgData name="Mohammed Fasha" userId="S::mohammed.fasha@uop.edu.jo::cc64f42d-a1a6-4f08-b97b-0c37f877119f" providerId="AD" clId="Web-{66E75AB1-FCE8-0FCD-8995-E220AF9681CC}" dt="2025-03-15T06:52:43.236" v="101"/>
-        <pc:sldMkLst>
-          <pc:docMk/>
-          <pc:sldMk cId="1912979039" sldId="458"/>
-        </pc:sldMkLst>
-      </pc:sldChg>
-      <pc:sldChg chg="addSp modSp add replId addAnim">
-        <pc:chgData name="Mohammed Fasha" userId="S::mohammed.fasha@uop.edu.jo::cc64f42d-a1a6-4f08-b97b-0c37f877119f" providerId="AD" clId="Web-{66E75AB1-FCE8-0FCD-8995-E220AF9681CC}" dt="2025-03-15T07:01:24.191" v="192" actId="20577"/>
-        <pc:sldMkLst>
-          <pc:docMk/>
-          <pc:sldMk cId="3292514151" sldId="458"/>
+        <pc:chgData name="Mohammed Fasha" userId="cc64f42d-a1a6-4f08-b97b-0c37f877119f" providerId="ADAL" clId="{4C71ED24-115E-432D-933D-C801DA3E52F1}" dt="2024-12-29T03:12:49.133" v="1" actId="47"/>
+        <pc:sldMkLst>
+          <pc:docMk/>
+          <pc:sldMk cId="3519698944" sldId="702"/>
         </pc:sldMkLst>
       </pc:sldChg>
       <pc:sldChg chg="del">
-        <pc:chgData name="Mohammed Fasha" userId="S::mohammed.fasha@uop.edu.jo::cc64f42d-a1a6-4f08-b97b-0c37f877119f" providerId="AD" clId="Web-{66E75AB1-FCE8-0FCD-8995-E220AF9681CC}" dt="2025-03-15T06:52:43.236" v="100"/>
-        <pc:sldMkLst>
-          <pc:docMk/>
-          <pc:sldMk cId="484589733" sldId="459"/>
-        </pc:sldMkLst>
-      </pc:sldChg>
-      <pc:sldChg chg="addSp modSp add replId addAnim">
-        <pc:chgData name="Mohammed Fasha" userId="S::mohammed.fasha@uop.edu.jo::cc64f42d-a1a6-4f08-b97b-0c37f877119f" providerId="AD" clId="Web-{66E75AB1-FCE8-0FCD-8995-E220AF9681CC}" dt="2025-03-15T07:02:26.163" v="210" actId="1076"/>
-        <pc:sldMkLst>
-          <pc:docMk/>
-          <pc:sldMk cId="3675936543" sldId="459"/>
-        </pc:sldMkLst>
-      </pc:sldChg>
-      <pc:sldChg chg="addSp modSp new ord addAnim">
-        <pc:chgData name="Mohammed Fasha" userId="S::mohammed.fasha@uop.edu.jo::cc64f42d-a1a6-4f08-b97b-0c37f877119f" providerId="AD" clId="Web-{66E75AB1-FCE8-0FCD-8995-E220AF9681CC}" dt="2025-03-15T07:04:19.795" v="257"/>
-        <pc:sldMkLst>
-          <pc:docMk/>
-          <pc:sldMk cId="819366188" sldId="460"/>
+        <pc:chgData name="Mohammed Fasha" userId="cc64f42d-a1a6-4f08-b97b-0c37f877119f" providerId="ADAL" clId="{4C71ED24-115E-432D-933D-C801DA3E52F1}" dt="2024-12-29T03:12:49.974" v="2" actId="47"/>
+        <pc:sldMkLst>
+          <pc:docMk/>
+          <pc:sldMk cId="3934257344" sldId="703"/>
+        </pc:sldMkLst>
+      </pc:sldChg>
+    </pc:docChg>
+  </pc:docChgLst>
+  <pc:docChgLst>
+    <pc:chgData name="Mohammed Fasha" userId="cc64f42d-a1a6-4f08-b97b-0c37f877119f" providerId="ADAL" clId="{6804A8E6-8D7F-46E3-B091-66A8F6B926BF}"/>
+    <pc:docChg chg="custSel modMainMaster">
+      <pc:chgData name="Mohammed Fasha" userId="cc64f42d-a1a6-4f08-b97b-0c37f877119f" providerId="ADAL" clId="{6804A8E6-8D7F-46E3-B091-66A8F6B926BF}" dt="2024-11-09T05:15:35.019" v="2" actId="1076"/>
+      <pc:docMkLst>
+        <pc:docMk/>
+      </pc:docMkLst>
+      <pc:sldMasterChg chg="delSp mod modSldLayout">
+        <pc:chgData name="Mohammed Fasha" userId="cc64f42d-a1a6-4f08-b97b-0c37f877119f" providerId="ADAL" clId="{6804A8E6-8D7F-46E3-B091-66A8F6B926BF}" dt="2024-11-09T05:15:35.019" v="2" actId="1076"/>
+        <pc:sldMasterMkLst>
+          <pc:docMk/>
+          <pc:sldMasterMk cId="742811419" sldId="2147483648"/>
+        </pc:sldMasterMkLst>
+        <pc:sldLayoutChg chg="addSp modSp mod">
+          <pc:chgData name="Mohammed Fasha" userId="cc64f42d-a1a6-4f08-b97b-0c37f877119f" providerId="ADAL" clId="{6804A8E6-8D7F-46E3-B091-66A8F6B926BF}" dt="2024-11-09T05:15:35.019" v="2" actId="1076"/>
+          <pc:sldLayoutMkLst>
+            <pc:docMk/>
+            <pc:sldMasterMk cId="742811419" sldId="2147483648"/>
+            <pc:sldLayoutMk cId="4063788262" sldId="2147483649"/>
+          </pc:sldLayoutMkLst>
+        </pc:sldLayoutChg>
+      </pc:sldMasterChg>
+    </pc:docChg>
+  </pc:docChgLst>
+  <pc:docChgLst>
+    <pc:chgData name="Mohammed Fasha" userId="cc64f42d-a1a6-4f08-b97b-0c37f877119f" providerId="ADAL" clId="{BECD4A7F-C1AF-4585-8C31-FE7D4FE3ED16}"/>
+    <pc:docChg chg="undo redo custSel addSld delSld modSld sldOrd">
+      <pc:chgData name="Mohammed Fasha" userId="cc64f42d-a1a6-4f08-b97b-0c37f877119f" providerId="ADAL" clId="{BECD4A7F-C1AF-4585-8C31-FE7D4FE3ED16}" dt="2025-01-05T16:36:16.605" v="1945" actId="1076"/>
+      <pc:docMkLst>
+        <pc:docMk/>
+      </pc:docMkLst>
+      <pc:sldChg chg="modSp mod">
+        <pc:chgData name="Mohammed Fasha" userId="cc64f42d-a1a6-4f08-b97b-0c37f877119f" providerId="ADAL" clId="{BECD4A7F-C1AF-4585-8C31-FE7D4FE3ED16}" dt="2024-12-30T18:47:27.683" v="988" actId="20577"/>
+        <pc:sldMkLst>
+          <pc:docMk/>
+          <pc:sldMk cId="2281221656" sldId="527"/>
+        </pc:sldMkLst>
+      </pc:sldChg>
+      <pc:sldChg chg="modSp mod">
+        <pc:chgData name="Mohammed Fasha" userId="cc64f42d-a1a6-4f08-b97b-0c37f877119f" providerId="ADAL" clId="{BECD4A7F-C1AF-4585-8C31-FE7D4FE3ED16}" dt="2024-12-27T13:59:26.893" v="366" actId="20577"/>
+        <pc:sldMkLst>
+          <pc:docMk/>
+          <pc:sldMk cId="3474268344" sldId="596"/>
+        </pc:sldMkLst>
+      </pc:sldChg>
+      <pc:sldChg chg="modSp mod">
+        <pc:chgData name="Mohammed Fasha" userId="cc64f42d-a1a6-4f08-b97b-0c37f877119f" providerId="ADAL" clId="{BECD4A7F-C1AF-4585-8C31-FE7D4FE3ED16}" dt="2024-12-30T18:44:34.649" v="884" actId="20577"/>
+        <pc:sldMkLst>
+          <pc:docMk/>
+          <pc:sldMk cId="916802035" sldId="651"/>
         </pc:sldMkLst>
       </pc:sldChg>
       <pc:sldChg chg="del">
-        <pc:chgData name="Mohammed Fasha" userId="S::mohammed.fasha@uop.edu.jo::cc64f42d-a1a6-4f08-b97b-0c37f877119f" providerId="AD" clId="Web-{66E75AB1-FCE8-0FCD-8995-E220AF9681CC}" dt="2025-03-15T06:52:43.236" v="99"/>
-        <pc:sldMkLst>
-          <pc:docMk/>
-          <pc:sldMk cId="1770736122" sldId="460"/>
-        </pc:sldMkLst>
-      </pc:sldChg>
-      <pc:sldChg chg="modSp new">
-        <pc:chgData name="Mohammed Fasha" userId="S::mohammed.fasha@uop.edu.jo::cc64f42d-a1a6-4f08-b97b-0c37f877119f" providerId="AD" clId="Web-{66E75AB1-FCE8-0FCD-8995-E220AF9681CC}" dt="2025-03-15T07:04:38.046" v="266" actId="20577"/>
-        <pc:sldMkLst>
-          <pc:docMk/>
-          <pc:sldMk cId="247418909" sldId="461"/>
-        </pc:sldMkLst>
-      </pc:sldChg>
-      <pc:sldChg chg="addSp delSp modSp new">
-        <pc:chgData name="Mohammed Fasha" userId="S::mohammed.fasha@uop.edu.jo::cc64f42d-a1a6-4f08-b97b-0c37f877119f" providerId="AD" clId="Web-{66E75AB1-FCE8-0FCD-8995-E220AF9681CC}" dt="2025-03-15T07:09:35.299" v="331" actId="1076"/>
-        <pc:sldMkLst>
-          <pc:docMk/>
-          <pc:sldMk cId="1157240725" sldId="462"/>
-        </pc:sldMkLst>
-      </pc:sldChg>
-      <pc:sldChg chg="addSp modSp add replId">
-        <pc:chgData name="Mohammed Fasha" userId="S::mohammed.fasha@uop.edu.jo::cc64f42d-a1a6-4f08-b97b-0c37f877119f" providerId="AD" clId="Web-{66E75AB1-FCE8-0FCD-8995-E220AF9681CC}" dt="2025-03-15T07:27:28.077" v="349" actId="1076"/>
-        <pc:sldMkLst>
-          <pc:docMk/>
-          <pc:sldMk cId="2617340595" sldId="463"/>
+        <pc:chgData name="Mohammed Fasha" userId="cc64f42d-a1a6-4f08-b97b-0c37f877119f" providerId="ADAL" clId="{BECD4A7F-C1AF-4585-8C31-FE7D4FE3ED16}" dt="2025-01-05T14:42:38.675" v="989" actId="2696"/>
+        <pc:sldMkLst>
+          <pc:docMk/>
+          <pc:sldMk cId="426516858" sldId="662"/>
+        </pc:sldMkLst>
+      </pc:sldChg>
+      <pc:sldChg chg="modSp add del mod">
+        <pc:chgData name="Mohammed Fasha" userId="cc64f42d-a1a6-4f08-b97b-0c37f877119f" providerId="ADAL" clId="{BECD4A7F-C1AF-4585-8C31-FE7D4FE3ED16}" dt="2025-01-05T16:34:59.233" v="1926" actId="20577"/>
+        <pc:sldMkLst>
+          <pc:docMk/>
+          <pc:sldMk cId="691538069" sldId="662"/>
         </pc:sldMkLst>
       </pc:sldChg>
       <pc:sldChg chg="del">
-        <pc:chgData name="Mohammed Fasha" userId="S::mohammed.fasha@uop.edu.jo::cc64f42d-a1a6-4f08-b97b-0c37f877119f" providerId="AD" clId="Web-{66E75AB1-FCE8-0FCD-8995-E220AF9681CC}" dt="2025-03-15T06:52:43.236" v="102"/>
-        <pc:sldMkLst>
-          <pc:docMk/>
-          <pc:sldMk cId="2965647848" sldId="463"/>
+        <pc:chgData name="Mohammed Fasha" userId="cc64f42d-a1a6-4f08-b97b-0c37f877119f" providerId="ADAL" clId="{BECD4A7F-C1AF-4585-8C31-FE7D4FE3ED16}" dt="2025-01-05T14:42:38.675" v="989" actId="2696"/>
+        <pc:sldMkLst>
+          <pc:docMk/>
+          <pc:sldMk cId="895445062" sldId="663"/>
+        </pc:sldMkLst>
+      </pc:sldChg>
+      <pc:sldChg chg="add del">
+        <pc:chgData name="Mohammed Fasha" userId="cc64f42d-a1a6-4f08-b97b-0c37f877119f" providerId="ADAL" clId="{BECD4A7F-C1AF-4585-8C31-FE7D4FE3ED16}" dt="2025-01-05T14:43:16.100" v="993" actId="2696"/>
+        <pc:sldMkLst>
+          <pc:docMk/>
+          <pc:sldMk cId="3980180774" sldId="663"/>
+        </pc:sldMkLst>
+      </pc:sldChg>
+      <pc:sldChg chg="add del">
+        <pc:chgData name="Mohammed Fasha" userId="cc64f42d-a1a6-4f08-b97b-0c37f877119f" providerId="ADAL" clId="{BECD4A7F-C1AF-4585-8C31-FE7D4FE3ED16}" dt="2025-01-05T14:43:16.100" v="993" actId="2696"/>
+        <pc:sldMkLst>
+          <pc:docMk/>
+          <pc:sldMk cId="1728680596" sldId="664"/>
         </pc:sldMkLst>
       </pc:sldChg>
       <pc:sldChg chg="del">
-        <pc:chgData name="Mohammed Fasha" userId="S::mohammed.fasha@uop.edu.jo::cc64f42d-a1a6-4f08-b97b-0c37f877119f" providerId="AD" clId="Web-{66E75AB1-FCE8-0FCD-8995-E220AF9681CC}" dt="2025-03-15T06:52:43.221" v="81"/>
-        <pc:sldMkLst>
-          <pc:docMk/>
-          <pc:sldMk cId="109379533" sldId="464"/>
-        </pc:sldMkLst>
-      </pc:sldChg>
-      <pc:sldChg chg="add replId">
-        <pc:chgData name="Mohammed Fasha" userId="S::mohammed.fasha@uop.edu.jo::cc64f42d-a1a6-4f08-b97b-0c37f877119f" providerId="AD" clId="Web-{66E75AB1-FCE8-0FCD-8995-E220AF9681CC}" dt="2025-03-15T07:04:43.015" v="269"/>
-        <pc:sldMkLst>
-          <pc:docMk/>
-          <pc:sldMk cId="2675381745" sldId="464"/>
-        </pc:sldMkLst>
-      </pc:sldChg>
-      <pc:sldChg chg="add replId">
-        <pc:chgData name="Mohammed Fasha" userId="S::mohammed.fasha@uop.edu.jo::cc64f42d-a1a6-4f08-b97b-0c37f877119f" providerId="AD" clId="Web-{66E75AB1-FCE8-0FCD-8995-E220AF9681CC}" dt="2025-03-15T07:04:43.140" v="270"/>
-        <pc:sldMkLst>
-          <pc:docMk/>
-          <pc:sldMk cId="4195523681" sldId="465"/>
-        </pc:sldMkLst>
-      </pc:sldChg>
-      <pc:sldChg chg="add replId">
-        <pc:chgData name="Mohammed Fasha" userId="S::mohammed.fasha@uop.edu.jo::cc64f42d-a1a6-4f08-b97b-0c37f877119f" providerId="AD" clId="Web-{66E75AB1-FCE8-0FCD-8995-E220AF9681CC}" dt="2025-03-15T07:04:43.484" v="271"/>
-        <pc:sldMkLst>
-          <pc:docMk/>
-          <pc:sldMk cId="4047127300" sldId="466"/>
+        <pc:chgData name="Mohammed Fasha" userId="cc64f42d-a1a6-4f08-b97b-0c37f877119f" providerId="ADAL" clId="{BECD4A7F-C1AF-4585-8C31-FE7D4FE3ED16}" dt="2025-01-05T14:42:38.675" v="989" actId="2696"/>
+        <pc:sldMkLst>
+          <pc:docMk/>
+          <pc:sldMk cId="3900588277" sldId="664"/>
         </pc:sldMkLst>
       </pc:sldChg>
       <pc:sldChg chg="del">
-        <pc:chgData name="Mohammed Fasha" userId="S::mohammed.fasha@uop.edu.jo::cc64f42d-a1a6-4f08-b97b-0c37f877119f" providerId="AD" clId="Web-{66E75AB1-FCE8-0FCD-8995-E220AF9681CC}" dt="2025-03-15T06:52:43.221" v="82"/>
-        <pc:sldMkLst>
-          <pc:docMk/>
-          <pc:sldMk cId="719424402" sldId="467"/>
-        </pc:sldMkLst>
-      </pc:sldChg>
-      <pc:sldChg chg="add replId">
-        <pc:chgData name="Mohammed Fasha" userId="S::mohammed.fasha@uop.edu.jo::cc64f42d-a1a6-4f08-b97b-0c37f877119f" providerId="AD" clId="Web-{66E75AB1-FCE8-0FCD-8995-E220AF9681CC}" dt="2025-03-15T07:04:43.609" v="272"/>
-        <pc:sldMkLst>
-          <pc:docMk/>
-          <pc:sldMk cId="3183967706" sldId="467"/>
-        </pc:sldMkLst>
-      </pc:sldChg>
-      <pc:sldChg chg="add replId">
-        <pc:chgData name="Mohammed Fasha" userId="S::mohammed.fasha@uop.edu.jo::cc64f42d-a1a6-4f08-b97b-0c37f877119f" providerId="AD" clId="Web-{66E75AB1-FCE8-0FCD-8995-E220AF9681CC}" dt="2025-03-15T07:04:43.953" v="273"/>
-        <pc:sldMkLst>
-          <pc:docMk/>
-          <pc:sldMk cId="3161654258" sldId="468"/>
-        </pc:sldMkLst>
-      </pc:sldChg>
-      <pc:sldChg chg="add replId">
-        <pc:chgData name="Mohammed Fasha" userId="S::mohammed.fasha@uop.edu.jo::cc64f42d-a1a6-4f08-b97b-0c37f877119f" providerId="AD" clId="Web-{66E75AB1-FCE8-0FCD-8995-E220AF9681CC}" dt="2025-03-15T07:04:44.078" v="274"/>
-        <pc:sldMkLst>
-          <pc:docMk/>
-          <pc:sldMk cId="2175348861" sldId="469"/>
-        </pc:sldMkLst>
-      </pc:sldChg>
-      <pc:sldChg chg="add replId">
-        <pc:chgData name="Mohammed Fasha" userId="S::mohammed.fasha@uop.edu.jo::cc64f42d-a1a6-4f08-b97b-0c37f877119f" providerId="AD" clId="Web-{66E75AB1-FCE8-0FCD-8995-E220AF9681CC}" dt="2025-03-15T07:04:44.281" v="275"/>
-        <pc:sldMkLst>
-          <pc:docMk/>
-          <pc:sldMk cId="2988183144" sldId="470"/>
-        </pc:sldMkLst>
-      </pc:sldChg>
-      <pc:sldChg chg="add replId">
-        <pc:chgData name="Mohammed Fasha" userId="S::mohammed.fasha@uop.edu.jo::cc64f42d-a1a6-4f08-b97b-0c37f877119f" providerId="AD" clId="Web-{66E75AB1-FCE8-0FCD-8995-E220AF9681CC}" dt="2025-03-15T07:04:44.421" v="276"/>
-        <pc:sldMkLst>
-          <pc:docMk/>
-          <pc:sldMk cId="1572681964" sldId="471"/>
+        <pc:chgData name="Mohammed Fasha" userId="cc64f42d-a1a6-4f08-b97b-0c37f877119f" providerId="ADAL" clId="{BECD4A7F-C1AF-4585-8C31-FE7D4FE3ED16}" dt="2025-01-05T14:42:38.675" v="989" actId="2696"/>
+        <pc:sldMkLst>
+          <pc:docMk/>
+          <pc:sldMk cId="123002105" sldId="665"/>
+        </pc:sldMkLst>
+      </pc:sldChg>
+      <pc:sldChg chg="modSp add del mod">
+        <pc:chgData name="Mohammed Fasha" userId="cc64f42d-a1a6-4f08-b97b-0c37f877119f" providerId="ADAL" clId="{BECD4A7F-C1AF-4585-8C31-FE7D4FE3ED16}" dt="2025-01-05T15:05:12.729" v="1226" actId="21"/>
+        <pc:sldMkLst>
+          <pc:docMk/>
+          <pc:sldMk cId="148099094" sldId="665"/>
         </pc:sldMkLst>
       </pc:sldChg>
       <pc:sldChg chg="del">
-        <pc:chgData name="Mohammed Fasha" userId="S::mohammed.fasha@uop.edu.jo::cc64f42d-a1a6-4f08-b97b-0c37f877119f" providerId="AD" clId="Web-{66E75AB1-FCE8-0FCD-8995-E220AF9681CC}" dt="2025-03-15T06:52:43.236" v="104"/>
-        <pc:sldMkLst>
-          <pc:docMk/>
-          <pc:sldMk cId="3168600941" sldId="471"/>
+        <pc:chgData name="Mohammed Fasha" userId="cc64f42d-a1a6-4f08-b97b-0c37f877119f" providerId="ADAL" clId="{BECD4A7F-C1AF-4585-8C31-FE7D4FE3ED16}" dt="2025-01-05T14:42:38.675" v="989" actId="2696"/>
+        <pc:sldMkLst>
+          <pc:docMk/>
+          <pc:sldMk cId="659863378" sldId="676"/>
+        </pc:sldMkLst>
+      </pc:sldChg>
+      <pc:sldChg chg="modSp add del mod">
+        <pc:chgData name="Mohammed Fasha" userId="cc64f42d-a1a6-4f08-b97b-0c37f877119f" providerId="ADAL" clId="{BECD4A7F-C1AF-4585-8C31-FE7D4FE3ED16}" dt="2025-01-05T14:55:27.595" v="1130" actId="255"/>
+        <pc:sldMkLst>
+          <pc:docMk/>
+          <pc:sldMk cId="1577854815" sldId="676"/>
+        </pc:sldMkLst>
+      </pc:sldChg>
+      <pc:sldChg chg="modSp add del mod">
+        <pc:chgData name="Mohammed Fasha" userId="cc64f42d-a1a6-4f08-b97b-0c37f877119f" providerId="ADAL" clId="{BECD4A7F-C1AF-4585-8C31-FE7D4FE3ED16}" dt="2025-01-05T14:55:43.754" v="1132" actId="1076"/>
+        <pc:sldMkLst>
+          <pc:docMk/>
+          <pc:sldMk cId="139882925" sldId="677"/>
         </pc:sldMkLst>
       </pc:sldChg>
       <pc:sldChg chg="del">
-        <pc:chgData name="Mohammed Fasha" userId="S::mohammed.fasha@uop.edu.jo::cc64f42d-a1a6-4f08-b97b-0c37f877119f" providerId="AD" clId="Web-{66E75AB1-FCE8-0FCD-8995-E220AF9681CC}" dt="2025-03-15T06:52:43.252" v="110"/>
-        <pc:sldMkLst>
-          <pc:docMk/>
-          <pc:sldMk cId="2302099845" sldId="472"/>
+        <pc:chgData name="Mohammed Fasha" userId="cc64f42d-a1a6-4f08-b97b-0c37f877119f" providerId="ADAL" clId="{BECD4A7F-C1AF-4585-8C31-FE7D4FE3ED16}" dt="2025-01-05T14:42:38.675" v="989" actId="2696"/>
+        <pc:sldMkLst>
+          <pc:docMk/>
+          <pc:sldMk cId="2736863534" sldId="677"/>
+        </pc:sldMkLst>
+      </pc:sldChg>
+      <pc:sldChg chg="add del">
+        <pc:chgData name="Mohammed Fasha" userId="cc64f42d-a1a6-4f08-b97b-0c37f877119f" providerId="ADAL" clId="{BECD4A7F-C1AF-4585-8C31-FE7D4FE3ED16}" dt="2025-01-05T14:43:16.100" v="993" actId="2696"/>
+        <pc:sldMkLst>
+          <pc:docMk/>
+          <pc:sldMk cId="4146654093" sldId="678"/>
         </pc:sldMkLst>
       </pc:sldChg>
       <pc:sldChg chg="del">
-        <pc:chgData name="Mohammed Fasha" userId="S::mohammed.fasha@uop.edu.jo::cc64f42d-a1a6-4f08-b97b-0c37f877119f" providerId="AD" clId="Web-{66E75AB1-FCE8-0FCD-8995-E220AF9681CC}" dt="2025-03-15T06:52:43.236" v="98"/>
-        <pc:sldMkLst>
-          <pc:docMk/>
-          <pc:sldMk cId="118211851" sldId="473"/>
+        <pc:chgData name="Mohammed Fasha" userId="cc64f42d-a1a6-4f08-b97b-0c37f877119f" providerId="ADAL" clId="{BECD4A7F-C1AF-4585-8C31-FE7D4FE3ED16}" dt="2025-01-05T14:42:38.675" v="989" actId="2696"/>
+        <pc:sldMkLst>
+          <pc:docMk/>
+          <pc:sldMk cId="4228312762" sldId="678"/>
         </pc:sldMkLst>
       </pc:sldChg>
       <pc:sldChg chg="del">
-        <pc:chgData name="Mohammed Fasha" userId="S::mohammed.fasha@uop.edu.jo::cc64f42d-a1a6-4f08-b97b-0c37f877119f" providerId="AD" clId="Web-{66E75AB1-FCE8-0FCD-8995-E220AF9681CC}" dt="2025-03-15T06:52:43.236" v="97"/>
-        <pc:sldMkLst>
-          <pc:docMk/>
-          <pc:sldMk cId="1150689950" sldId="474"/>
+        <pc:chgData name="Mohammed Fasha" userId="cc64f42d-a1a6-4f08-b97b-0c37f877119f" providerId="ADAL" clId="{BECD4A7F-C1AF-4585-8C31-FE7D4FE3ED16}" dt="2025-01-05T14:42:38.675" v="989" actId="2696"/>
+        <pc:sldMkLst>
+          <pc:docMk/>
+          <pc:sldMk cId="581717462" sldId="679"/>
+        </pc:sldMkLst>
+      </pc:sldChg>
+      <pc:sldChg chg="addSp delSp modSp add del mod chgLayout">
+        <pc:chgData name="Mohammed Fasha" userId="cc64f42d-a1a6-4f08-b97b-0c37f877119f" providerId="ADAL" clId="{BECD4A7F-C1AF-4585-8C31-FE7D4FE3ED16}" dt="2025-01-05T16:36:16.605" v="1945" actId="1076"/>
+        <pc:sldMkLst>
+          <pc:docMk/>
+          <pc:sldMk cId="3454522070" sldId="679"/>
+        </pc:sldMkLst>
+      </pc:sldChg>
+      <pc:sldChg chg="add del">
+        <pc:chgData name="Mohammed Fasha" userId="cc64f42d-a1a6-4f08-b97b-0c37f877119f" providerId="ADAL" clId="{BECD4A7F-C1AF-4585-8C31-FE7D4FE3ED16}" dt="2025-01-05T14:43:16.100" v="993" actId="2696"/>
+        <pc:sldMkLst>
+          <pc:docMk/>
+          <pc:sldMk cId="2856814121" sldId="681"/>
         </pc:sldMkLst>
       </pc:sldChg>
       <pc:sldChg chg="del">
-        <pc:chgData name="Mohammed Fasha" userId="S::mohammed.fasha@uop.edu.jo::cc64f42d-a1a6-4f08-b97b-0c37f877119f" providerId="AD" clId="Web-{66E75AB1-FCE8-0FCD-8995-E220AF9681CC}" dt="2025-03-15T06:52:43.236" v="93"/>
-        <pc:sldMkLst>
-          <pc:docMk/>
-          <pc:sldMk cId="942593251" sldId="475"/>
+        <pc:chgData name="Mohammed Fasha" userId="cc64f42d-a1a6-4f08-b97b-0c37f877119f" providerId="ADAL" clId="{BECD4A7F-C1AF-4585-8C31-FE7D4FE3ED16}" dt="2025-01-05T14:42:38.675" v="989" actId="2696"/>
+        <pc:sldMkLst>
+          <pc:docMk/>
+          <pc:sldMk cId="3083966018" sldId="681"/>
+        </pc:sldMkLst>
+      </pc:sldChg>
+      <pc:sldChg chg="modSp mod">
+        <pc:chgData name="Mohammed Fasha" userId="cc64f42d-a1a6-4f08-b97b-0c37f877119f" providerId="ADAL" clId="{BECD4A7F-C1AF-4585-8C31-FE7D4FE3ED16}" dt="2025-01-05T14:42:50.596" v="990" actId="14100"/>
+        <pc:sldMkLst>
+          <pc:docMk/>
+          <pc:sldMk cId="1697141369" sldId="695"/>
+        </pc:sldMkLst>
+      </pc:sldChg>
+      <pc:sldChg chg="addSp delSp modSp add del mod">
+        <pc:chgData name="Mohammed Fasha" userId="cc64f42d-a1a6-4f08-b97b-0c37f877119f" providerId="ADAL" clId="{BECD4A7F-C1AF-4585-8C31-FE7D4FE3ED16}" dt="2025-01-05T14:54:31.375" v="1125" actId="14100"/>
+        <pc:sldMkLst>
+          <pc:docMk/>
+          <pc:sldMk cId="265576630" sldId="698"/>
         </pc:sldMkLst>
       </pc:sldChg>
       <pc:sldChg chg="del">
-        <pc:chgData name="Mohammed Fasha" userId="S::mohammed.fasha@uop.edu.jo::cc64f42d-a1a6-4f08-b97b-0c37f877119f" providerId="AD" clId="Web-{66E75AB1-FCE8-0FCD-8995-E220AF9681CC}" dt="2025-03-15T06:52:43.236" v="106"/>
-        <pc:sldMkLst>
-          <pc:docMk/>
-          <pc:sldMk cId="94366255" sldId="476"/>
+        <pc:chgData name="Mohammed Fasha" userId="cc64f42d-a1a6-4f08-b97b-0c37f877119f" providerId="ADAL" clId="{BECD4A7F-C1AF-4585-8C31-FE7D4FE3ED16}" dt="2025-01-05T14:42:38.675" v="989" actId="2696"/>
+        <pc:sldMkLst>
+          <pc:docMk/>
+          <pc:sldMk cId="991725834" sldId="698"/>
         </pc:sldMkLst>
       </pc:sldChg>
       <pc:sldChg chg="del">
-        <pc:chgData name="Mohammed Fasha" userId="S::mohammed.fasha@uop.edu.jo::cc64f42d-a1a6-4f08-b97b-0c37f877119f" providerId="AD" clId="Web-{66E75AB1-FCE8-0FCD-8995-E220AF9681CC}" dt="2025-03-15T06:52:43.221" v="88"/>
-        <pc:sldMkLst>
-          <pc:docMk/>
-          <pc:sldMk cId="3109107256" sldId="477"/>
-        </pc:sldMkLst>
-      </pc:sldChg>
-      <pc:sldChg chg="del">
-        <pc:chgData name="Mohammed Fasha" userId="S::mohammed.fasha@uop.edu.jo::cc64f42d-a1a6-4f08-b97b-0c37f877119f" providerId="AD" clId="Web-{66E75AB1-FCE8-0FCD-8995-E220AF9681CC}" dt="2025-03-15T06:52:43.221" v="78"/>
-        <pc:sldMkLst>
-          <pc:docMk/>
-          <pc:sldMk cId="408884363" sldId="483"/>
-        </pc:sldMkLst>
-      </pc:sldChg>
-      <pc:sldChg chg="del">
-        <pc:chgData name="Mohammed Fasha" userId="S::mohammed.fasha@uop.edu.jo::cc64f42d-a1a6-4f08-b97b-0c37f877119f" providerId="AD" clId="Web-{66E75AB1-FCE8-0FCD-8995-E220AF9681CC}" dt="2025-03-15T06:52:43.096" v="48"/>
-        <pc:sldMkLst>
-          <pc:docMk/>
-          <pc:sldMk cId="994101439" sldId="484"/>
-        </pc:sldMkLst>
-      </pc:sldChg>
-      <pc:sldChg chg="del">
-        <pc:chgData name="Mohammed Fasha" userId="S::mohammed.fasha@uop.edu.jo::cc64f42d-a1a6-4f08-b97b-0c37f877119f" providerId="AD" clId="Web-{66E75AB1-FCE8-0FCD-8995-E220AF9681CC}" dt="2025-03-15T06:52:43.205" v="67"/>
-        <pc:sldMkLst>
-          <pc:docMk/>
-          <pc:sldMk cId="1440183149" sldId="485"/>
-        </pc:sldMkLst>
-      </pc:sldChg>
-      <pc:sldChg chg="del">
-        <pc:chgData name="Mohammed Fasha" userId="S::mohammed.fasha@uop.edu.jo::cc64f42d-a1a6-4f08-b97b-0c37f877119f" providerId="AD" clId="Web-{66E75AB1-FCE8-0FCD-8995-E220AF9681CC}" dt="2025-03-15T06:52:43.111" v="58"/>
-        <pc:sldMkLst>
-          <pc:docMk/>
-          <pc:sldMk cId="3841714060" sldId="486"/>
-        </pc:sldMkLst>
-      </pc:sldChg>
-      <pc:sldChg chg="del">
-        <pc:chgData name="Mohammed Fasha" userId="S::mohammed.fasha@uop.edu.jo::cc64f42d-a1a6-4f08-b97b-0c37f877119f" providerId="AD" clId="Web-{66E75AB1-FCE8-0FCD-8995-E220AF9681CC}" dt="2025-03-15T06:52:43.111" v="54"/>
-        <pc:sldMkLst>
-          <pc:docMk/>
-          <pc:sldMk cId="833725597" sldId="488"/>
-        </pc:sldMkLst>
-      </pc:sldChg>
-      <pc:sldChg chg="del">
-        <pc:chgData name="Mohammed Fasha" userId="S::mohammed.fasha@uop.edu.jo::cc64f42d-a1a6-4f08-b97b-0c37f877119f" providerId="AD" clId="Web-{66E75AB1-FCE8-0FCD-8995-E220AF9681CC}" dt="2025-03-15T06:52:43.111" v="53"/>
-        <pc:sldMkLst>
-          <pc:docMk/>
-          <pc:sldMk cId="4123470834" sldId="489"/>
-        </pc:sldMkLst>
-      </pc:sldChg>
-      <pc:sldChg chg="del">
-        <pc:chgData name="Mohammed Fasha" userId="S::mohammed.fasha@uop.edu.jo::cc64f42d-a1a6-4f08-b97b-0c37f877119f" providerId="AD" clId="Web-{66E75AB1-FCE8-0FCD-8995-E220AF9681CC}" dt="2025-03-15T06:52:43.111" v="57"/>
-        <pc:sldMkLst>
-          <pc:docMk/>
-          <pc:sldMk cId="4022017735" sldId="490"/>
-        </pc:sldMkLst>
-      </pc:sldChg>
-      <pc:sldChg chg="del">
-        <pc:chgData name="Mohammed Fasha" userId="S::mohammed.fasha@uop.edu.jo::cc64f42d-a1a6-4f08-b97b-0c37f877119f" providerId="AD" clId="Web-{66E75AB1-FCE8-0FCD-8995-E220AF9681CC}" dt="2025-03-15T06:52:43.111" v="51"/>
-        <pc:sldMkLst>
-          <pc:docMk/>
-          <pc:sldMk cId="2225061527" sldId="491"/>
-        </pc:sldMkLst>
-      </pc:sldChg>
-      <pc:sldChg chg="del">
-        <pc:chgData name="Mohammed Fasha" userId="S::mohammed.fasha@uop.edu.jo::cc64f42d-a1a6-4f08-b97b-0c37f877119f" providerId="AD" clId="Web-{66E75AB1-FCE8-0FCD-8995-E220AF9681CC}" dt="2025-03-15T06:52:43.096" v="46"/>
-        <pc:sldMkLst>
-          <pc:docMk/>
-          <pc:sldMk cId="673932695" sldId="492"/>
-        </pc:sldMkLst>
-      </pc:sldChg>
-      <pc:sldChg chg="del">
-        <pc:chgData name="Mohammed Fasha" userId="S::mohammed.fasha@uop.edu.jo::cc64f42d-a1a6-4f08-b97b-0c37f877119f" providerId="AD" clId="Web-{66E75AB1-FCE8-0FCD-8995-E220AF9681CC}" dt="2025-03-15T06:52:43.096" v="45"/>
-        <pc:sldMkLst>
-          <pc:docMk/>
-          <pc:sldMk cId="2512069021" sldId="493"/>
-        </pc:sldMkLst>
-      </pc:sldChg>
-      <pc:sldChg chg="del">
-        <pc:chgData name="Mohammed Fasha" userId="S::mohammed.fasha@uop.edu.jo::cc64f42d-a1a6-4f08-b97b-0c37f877119f" providerId="AD" clId="Web-{66E75AB1-FCE8-0FCD-8995-E220AF9681CC}" dt="2025-03-15T06:52:43.096" v="41"/>
-        <pc:sldMkLst>
-          <pc:docMk/>
-          <pc:sldMk cId="3290660304" sldId="494"/>
-        </pc:sldMkLst>
-      </pc:sldChg>
-      <pc:sldChg chg="del">
-        <pc:chgData name="Mohammed Fasha" userId="S::mohammed.fasha@uop.edu.jo::cc64f42d-a1a6-4f08-b97b-0c37f877119f" providerId="AD" clId="Web-{66E75AB1-FCE8-0FCD-8995-E220AF9681CC}" dt="2025-03-15T06:52:43.096" v="43"/>
-        <pc:sldMkLst>
-          <pc:docMk/>
-          <pc:sldMk cId="4079654275" sldId="495"/>
-        </pc:sldMkLst>
-      </pc:sldChg>
-      <pc:sldChg chg="del">
-        <pc:chgData name="Mohammed Fasha" userId="S::mohammed.fasha@uop.edu.jo::cc64f42d-a1a6-4f08-b97b-0c37f877119f" providerId="AD" clId="Web-{66E75AB1-FCE8-0FCD-8995-E220AF9681CC}" dt="2025-03-15T06:52:43.236" v="96"/>
-        <pc:sldMkLst>
-          <pc:docMk/>
-          <pc:sldMk cId="1501311303" sldId="496"/>
-        </pc:sldMkLst>
-      </pc:sldChg>
-      <pc:sldChg chg="del">
-        <pc:chgData name="Mohammed Fasha" userId="S::mohammed.fasha@uop.edu.jo::cc64f42d-a1a6-4f08-b97b-0c37f877119f" providerId="AD" clId="Web-{66E75AB1-FCE8-0FCD-8995-E220AF9681CC}" dt="2025-03-15T06:52:43.252" v="115"/>
-        <pc:sldMkLst>
-          <pc:docMk/>
-          <pc:sldMk cId="2557217836" sldId="497"/>
+        <pc:chgData name="Mohammed Fasha" userId="cc64f42d-a1a6-4f08-b97b-0c37f877119f" providerId="ADAL" clId="{BECD4A7F-C1AF-4585-8C31-FE7D4FE3ED16}" dt="2025-01-05T14:42:38.675" v="989" actId="2696"/>
+        <pc:sldMkLst>
+          <pc:docMk/>
+          <pc:sldMk cId="3109561867" sldId="700"/>
+        </pc:sldMkLst>
+      </pc:sldChg>
+      <pc:sldChg chg="addSp delSp modSp add del mod">
+        <pc:chgData name="Mohammed Fasha" userId="cc64f42d-a1a6-4f08-b97b-0c37f877119f" providerId="ADAL" clId="{BECD4A7F-C1AF-4585-8C31-FE7D4FE3ED16}" dt="2025-01-05T16:00:05.564" v="1529" actId="20577"/>
+        <pc:sldMkLst>
+          <pc:docMk/>
+          <pc:sldMk cId="4247717824" sldId="700"/>
+        </pc:sldMkLst>
+      </pc:sldChg>
+      <pc:sldChg chg="addSp delSp modSp add mod">
+        <pc:chgData name="Mohammed Fasha" userId="cc64f42d-a1a6-4f08-b97b-0c37f877119f" providerId="ADAL" clId="{BECD4A7F-C1AF-4585-8C31-FE7D4FE3ED16}" dt="2025-01-05T14:53:29.185" v="1101" actId="21"/>
+        <pc:sldMkLst>
+          <pc:docMk/>
+          <pc:sldMk cId="67871309" sldId="709"/>
+        </pc:sldMkLst>
+      </pc:sldChg>
+      <pc:sldChg chg="modSp add mod">
+        <pc:chgData name="Mohammed Fasha" userId="cc64f42d-a1a6-4f08-b97b-0c37f877119f" providerId="ADAL" clId="{BECD4A7F-C1AF-4585-8C31-FE7D4FE3ED16}" dt="2025-01-05T15:31:09.113" v="1385" actId="6549"/>
+        <pc:sldMkLst>
+          <pc:docMk/>
+          <pc:sldMk cId="4114896152" sldId="710"/>
+        </pc:sldMkLst>
+      </pc:sldChg>
+      <pc:sldChg chg="addSp modSp add mod">
+        <pc:chgData name="Mohammed Fasha" userId="cc64f42d-a1a6-4f08-b97b-0c37f877119f" providerId="ADAL" clId="{BECD4A7F-C1AF-4585-8C31-FE7D4FE3ED16}" dt="2025-01-05T15:27:36.027" v="1348" actId="20577"/>
+        <pc:sldMkLst>
+          <pc:docMk/>
+          <pc:sldMk cId="3794385322" sldId="711"/>
+        </pc:sldMkLst>
+      </pc:sldChg>
+      <pc:sldChg chg="add del">
+        <pc:chgData name="Mohammed Fasha" userId="cc64f42d-a1a6-4f08-b97b-0c37f877119f" providerId="ADAL" clId="{BECD4A7F-C1AF-4585-8C31-FE7D4FE3ED16}" dt="2025-01-05T14:57:43.613" v="1146" actId="2696"/>
+        <pc:sldMkLst>
+          <pc:docMk/>
+          <pc:sldMk cId="501127302" sldId="712"/>
+        </pc:sldMkLst>
+      </pc:sldChg>
+      <pc:sldChg chg="modSp add mod">
+        <pc:chgData name="Mohammed Fasha" userId="cc64f42d-a1a6-4f08-b97b-0c37f877119f" providerId="ADAL" clId="{BECD4A7F-C1AF-4585-8C31-FE7D4FE3ED16}" dt="2025-01-05T15:32:23.870" v="1388"/>
+        <pc:sldMkLst>
+          <pc:docMk/>
+          <pc:sldMk cId="3701206727" sldId="712"/>
+        </pc:sldMkLst>
+      </pc:sldChg>
+      <pc:sldChg chg="addSp modSp add mod">
+        <pc:chgData name="Mohammed Fasha" userId="cc64f42d-a1a6-4f08-b97b-0c37f877119f" providerId="ADAL" clId="{BECD4A7F-C1AF-4585-8C31-FE7D4FE3ED16}" dt="2025-01-05T16:06:36.028" v="1538" actId="1076"/>
+        <pc:sldMkLst>
+          <pc:docMk/>
+          <pc:sldMk cId="1499972066" sldId="713"/>
+        </pc:sldMkLst>
+      </pc:sldChg>
+      <pc:sldChg chg="addSp delSp modSp add mod">
+        <pc:chgData name="Mohammed Fasha" userId="cc64f42d-a1a6-4f08-b97b-0c37f877119f" providerId="ADAL" clId="{BECD4A7F-C1AF-4585-8C31-FE7D4FE3ED16}" dt="2025-01-05T16:19:08.436" v="1705" actId="1036"/>
+        <pc:sldMkLst>
+          <pc:docMk/>
+          <pc:sldMk cId="1270641495" sldId="714"/>
+        </pc:sldMkLst>
+      </pc:sldChg>
+      <pc:sldChg chg="addSp modSp new mod">
+        <pc:chgData name="Mohammed Fasha" userId="cc64f42d-a1a6-4f08-b97b-0c37f877119f" providerId="ADAL" clId="{BECD4A7F-C1AF-4585-8C31-FE7D4FE3ED16}" dt="2025-01-05T16:23:44.632" v="1736" actId="12"/>
+        <pc:sldMkLst>
+          <pc:docMk/>
+          <pc:sldMk cId="1096386322" sldId="715"/>
+        </pc:sldMkLst>
+      </pc:sldChg>
+      <pc:sldChg chg="modSp new mod">
+        <pc:chgData name="Mohammed Fasha" userId="cc64f42d-a1a6-4f08-b97b-0c37f877119f" providerId="ADAL" clId="{BECD4A7F-C1AF-4585-8C31-FE7D4FE3ED16}" dt="2025-01-05T16:34:02.360" v="1902" actId="27636"/>
+        <pc:sldMkLst>
+          <pc:docMk/>
+          <pc:sldMk cId="1784058309" sldId="716"/>
+        </pc:sldMkLst>
+      </pc:sldChg>
+      <pc:sldChg chg="modSp add mod ord">
+        <pc:chgData name="Mohammed Fasha" userId="cc64f42d-a1a6-4f08-b97b-0c37f877119f" providerId="ADAL" clId="{BECD4A7F-C1AF-4585-8C31-FE7D4FE3ED16}" dt="2025-01-05T16:27:20.520" v="1803"/>
+        <pc:sldMkLst>
+          <pc:docMk/>
+          <pc:sldMk cId="3139017106" sldId="717"/>
+        </pc:sldMkLst>
+      </pc:sldChg>
+      <pc:sldChg chg="addSp delSp modSp new mod">
+        <pc:chgData name="Mohammed Fasha" userId="cc64f42d-a1a6-4f08-b97b-0c37f877119f" providerId="ADAL" clId="{BECD4A7F-C1AF-4585-8C31-FE7D4FE3ED16}" dt="2025-01-05T16:32:45.446" v="1897" actId="20577"/>
+        <pc:sldMkLst>
+          <pc:docMk/>
+          <pc:sldMk cId="3043812923" sldId="718"/>
         </pc:sldMkLst>
       </pc:sldChg>
     </pc:docChg>

--- a/20242-NLP-LLM/lecture notes/Part 2 - Introduction to Large Language Models/Part 2 - Introduction to Large Language Models.pptx
+++ b/20242-NLP-LLM/lecture notes/Part 2 - Introduction to Large Language Models/Part 2 - Introduction to Large Language Models.pptx
@@ -5,7 +5,7 @@
     <p:sldMasterId id="2147483648" r:id="rId1"/>
   </p:sldMasterIdLst>
   <p:notesMasterIdLst>
-    <p:notesMasterId r:id="rId50"/>
+    <p:notesMasterId r:id="rId52"/>
   </p:notesMasterIdLst>
   <p:sldIdLst>
     <p:sldId id="455" r:id="rId2"/>
@@ -32,30 +32,32 @@
     <p:sldId id="590" r:id="rId23"/>
     <p:sldId id="531" r:id="rId24"/>
     <p:sldId id="516" r:id="rId25"/>
-    <p:sldId id="517" r:id="rId26"/>
-    <p:sldId id="518" r:id="rId27"/>
-    <p:sldId id="533" r:id="rId28"/>
-    <p:sldId id="519" r:id="rId29"/>
-    <p:sldId id="534" r:id="rId30"/>
-    <p:sldId id="520" r:id="rId31"/>
-    <p:sldId id="521" r:id="rId32"/>
-    <p:sldId id="522" r:id="rId33"/>
-    <p:sldId id="523" r:id="rId34"/>
-    <p:sldId id="577" r:id="rId35"/>
-    <p:sldId id="257" r:id="rId36"/>
-    <p:sldId id="259" r:id="rId37"/>
-    <p:sldId id="578" r:id="rId38"/>
-    <p:sldId id="579" r:id="rId39"/>
-    <p:sldId id="580" r:id="rId40"/>
-    <p:sldId id="263" r:id="rId41"/>
-    <p:sldId id="581" r:id="rId42"/>
-    <p:sldId id="265" r:id="rId43"/>
-    <p:sldId id="266" r:id="rId44"/>
-    <p:sldId id="267" r:id="rId45"/>
-    <p:sldId id="268" r:id="rId46"/>
-    <p:sldId id="269" r:id="rId47"/>
-    <p:sldId id="270" r:id="rId48"/>
-    <p:sldId id="271" r:id="rId49"/>
+    <p:sldId id="592" r:id="rId26"/>
+    <p:sldId id="593" r:id="rId27"/>
+    <p:sldId id="517" r:id="rId28"/>
+    <p:sldId id="591" r:id="rId29"/>
+    <p:sldId id="519" r:id="rId30"/>
+    <p:sldId id="533" r:id="rId31"/>
+    <p:sldId id="534" r:id="rId32"/>
+    <p:sldId id="520" r:id="rId33"/>
+    <p:sldId id="521" r:id="rId34"/>
+    <p:sldId id="522" r:id="rId35"/>
+    <p:sldId id="523" r:id="rId36"/>
+    <p:sldId id="577" r:id="rId37"/>
+    <p:sldId id="257" r:id="rId38"/>
+    <p:sldId id="259" r:id="rId39"/>
+    <p:sldId id="578" r:id="rId40"/>
+    <p:sldId id="579" r:id="rId41"/>
+    <p:sldId id="580" r:id="rId42"/>
+    <p:sldId id="263" r:id="rId43"/>
+    <p:sldId id="581" r:id="rId44"/>
+    <p:sldId id="265" r:id="rId45"/>
+    <p:sldId id="266" r:id="rId46"/>
+    <p:sldId id="267" r:id="rId47"/>
+    <p:sldId id="268" r:id="rId48"/>
+    <p:sldId id="269" r:id="rId49"/>
+    <p:sldId id="270" r:id="rId50"/>
+    <p:sldId id="271" r:id="rId51"/>
   </p:sldIdLst>
   <p:sldSz cx="12192000" cy="6858000"/>
   <p:notesSz cx="6858000" cy="9144000"/>
@@ -174,7 +176,7 @@
 <file path=ppt/revisionInfo.xml><?xml version="1.0" encoding="utf-8"?>
 <p1510:revInfo xmlns:a="http://schemas.openxmlformats.org/drawingml/2006/main" xmlns:r="http://schemas.openxmlformats.org/officeDocument/2006/relationships" xmlns:p1510="http://schemas.microsoft.com/office/powerpoint/2015/10/main">
   <p1510:revLst>
-    <p1510:client id="{E5645173-9704-44B4-82F5-EF2938BAEEFE}" v="124" dt="2025-04-20T05:17:27.478"/>
+    <p1510:client id="{E5645173-9704-44B4-82F5-EF2938BAEEFE}" v="152" dt="2025-04-21T16:55:26.856"/>
   </p1510:revLst>
 </p1510:revInfo>
 </file>
@@ -1454,7 +1456,7 @@
   <pc:docChgLst>
     <pc:chgData name="Mohammed Fasha" userId="cc64f42d-a1a6-4f08-b97b-0c37f877119f" providerId="ADAL" clId="{E5645173-9704-44B4-82F5-EF2938BAEEFE}"/>
     <pc:docChg chg="undo redo custSel addSld delSld modSld sldOrd modMainMaster">
-      <pc:chgData name="Mohammed Fasha" userId="cc64f42d-a1a6-4f08-b97b-0c37f877119f" providerId="ADAL" clId="{E5645173-9704-44B4-82F5-EF2938BAEEFE}" dt="2025-04-21T15:50:38.384" v="2011" actId="14100"/>
+      <pc:chgData name="Mohammed Fasha" userId="cc64f42d-a1a6-4f08-b97b-0c37f877119f" providerId="ADAL" clId="{E5645173-9704-44B4-82F5-EF2938BAEEFE}" dt="2025-04-21T16:55:26.856" v="2132" actId="1076"/>
       <pc:docMkLst>
         <pc:docMk/>
       </pc:docMkLst>
@@ -3049,14 +3051,30 @@
           <pc:sldMk cId="1572681964" sldId="511"/>
         </pc:sldMkLst>
       </pc:sldChg>
-      <pc:sldChg chg="modSp">
-        <pc:chgData name="Mohammed Fasha" userId="cc64f42d-a1a6-4f08-b97b-0c37f877119f" providerId="ADAL" clId="{E5645173-9704-44B4-82F5-EF2938BAEEFE}" dt="2025-04-20T05:17:27.478" v="1993"/>
+      <pc:sldChg chg="addSp modSp mod">
+        <pc:chgData name="Mohammed Fasha" userId="cc64f42d-a1a6-4f08-b97b-0c37f877119f" providerId="ADAL" clId="{E5645173-9704-44B4-82F5-EF2938BAEEFE}" dt="2025-04-21T16:49:09.327" v="2045" actId="20577"/>
         <pc:sldMkLst>
           <pc:docMk/>
           <pc:sldMk cId="3262667370" sldId="516"/>
         </pc:sldMkLst>
-        <pc:picChg chg="mod">
-          <ac:chgData name="Mohammed Fasha" userId="cc64f42d-a1a6-4f08-b97b-0c37f877119f" providerId="ADAL" clId="{E5645173-9704-44B4-82F5-EF2938BAEEFE}" dt="2025-04-20T05:17:27.478" v="1993"/>
+        <pc:spChg chg="mod">
+          <ac:chgData name="Mohammed Fasha" userId="cc64f42d-a1a6-4f08-b97b-0c37f877119f" providerId="ADAL" clId="{E5645173-9704-44B4-82F5-EF2938BAEEFE}" dt="2025-04-21T16:49:09.327" v="2045" actId="20577"/>
+          <ac:spMkLst>
+            <pc:docMk/>
+            <pc:sldMk cId="3262667370" sldId="516"/>
+            <ac:spMk id="3" creationId="{B1CD1ADE-0294-A1FB-F5E9-1676C5183664}"/>
+          </ac:spMkLst>
+        </pc:spChg>
+        <pc:spChg chg="add">
+          <ac:chgData name="Mohammed Fasha" userId="cc64f42d-a1a6-4f08-b97b-0c37f877119f" providerId="ADAL" clId="{E5645173-9704-44B4-82F5-EF2938BAEEFE}" dt="2025-04-21T16:48:57.786" v="2041"/>
+          <ac:spMkLst>
+            <pc:docMk/>
+            <pc:sldMk cId="3262667370" sldId="516"/>
+            <ac:spMk id="4" creationId="{A4C692E5-9E12-5F35-1DEB-6FBDCDBCCAB4}"/>
+          </ac:spMkLst>
+        </pc:spChg>
+        <pc:picChg chg="mod ord">
+          <ac:chgData name="Mohammed Fasha" userId="cc64f42d-a1a6-4f08-b97b-0c37f877119f" providerId="ADAL" clId="{E5645173-9704-44B4-82F5-EF2938BAEEFE}" dt="2025-04-21T16:48:41.528" v="2039" actId="14100"/>
           <ac:picMkLst>
             <pc:docMk/>
             <pc:sldMk cId="3262667370" sldId="516"/>
@@ -3064,35 +3082,82 @@
           </ac:picMkLst>
         </pc:picChg>
       </pc:sldChg>
-      <pc:sldChg chg="modSp mod">
-        <pc:chgData name="Mohammed Fasha" userId="cc64f42d-a1a6-4f08-b97b-0c37f877119f" providerId="ADAL" clId="{E5645173-9704-44B4-82F5-EF2938BAEEFE}" dt="2025-04-20T05:17:59.612" v="1995" actId="5793"/>
+      <pc:sldChg chg="addSp delSp modSp del mod">
+        <pc:chgData name="Mohammed Fasha" userId="cc64f42d-a1a6-4f08-b97b-0c37f877119f" providerId="ADAL" clId="{E5645173-9704-44B4-82F5-EF2938BAEEFE}" dt="2025-04-21T16:55:20.661" v="2129" actId="2696"/>
         <pc:sldMkLst>
           <pc:docMk/>
           <pc:sldMk cId="2522473771" sldId="518"/>
         </pc:sldMkLst>
         <pc:spChg chg="mod">
-          <ac:chgData name="Mohammed Fasha" userId="cc64f42d-a1a6-4f08-b97b-0c37f877119f" providerId="ADAL" clId="{E5645173-9704-44B4-82F5-EF2938BAEEFE}" dt="2025-04-20T05:17:59.612" v="1995" actId="5793"/>
+          <ac:chgData name="Mohammed Fasha" userId="cc64f42d-a1a6-4f08-b97b-0c37f877119f" providerId="ADAL" clId="{E5645173-9704-44B4-82F5-EF2938BAEEFE}" dt="2025-04-21T16:54:24.810" v="2104" actId="21"/>
           <ac:spMkLst>
             <pc:docMk/>
             <pc:sldMk cId="2522473771" sldId="518"/>
             <ac:spMk id="3" creationId="{01739F70-6609-23E4-8242-5877432501A5}"/>
           </ac:spMkLst>
         </pc:spChg>
-      </pc:sldChg>
-      <pc:sldChg chg="modSp mod">
-        <pc:chgData name="Mohammed Fasha" userId="cc64f42d-a1a6-4f08-b97b-0c37f877119f" providerId="ADAL" clId="{E5645173-9704-44B4-82F5-EF2938BAEEFE}" dt="2025-04-17T04:49:30.487" v="580" actId="27636"/>
+        <pc:spChg chg="del">
+          <ac:chgData name="Mohammed Fasha" userId="cc64f42d-a1a6-4f08-b97b-0c37f877119f" providerId="ADAL" clId="{E5645173-9704-44B4-82F5-EF2938BAEEFE}" dt="2025-04-21T16:47:26.892" v="2027" actId="478"/>
+          <ac:spMkLst>
+            <pc:docMk/>
+            <pc:sldMk cId="2522473771" sldId="518"/>
+            <ac:spMk id="6" creationId="{92914B84-CEDA-F1F7-43A7-C8BAE37A70A8}"/>
+          </ac:spMkLst>
+        </pc:spChg>
+        <pc:graphicFrameChg chg="del">
+          <ac:chgData name="Mohammed Fasha" userId="cc64f42d-a1a6-4f08-b97b-0c37f877119f" providerId="ADAL" clId="{E5645173-9704-44B4-82F5-EF2938BAEEFE}" dt="2025-04-21T16:47:25.129" v="2026" actId="478"/>
+          <ac:graphicFrameMkLst>
+            <pc:docMk/>
+            <pc:sldMk cId="2522473771" sldId="518"/>
+            <ac:graphicFrameMk id="4" creationId="{1E03E6E9-29DB-6231-D36D-166BD1A4B0BC}"/>
+          </ac:graphicFrameMkLst>
+        </pc:graphicFrameChg>
+        <pc:picChg chg="add del mod">
+          <ac:chgData name="Mohammed Fasha" userId="cc64f42d-a1a6-4f08-b97b-0c37f877119f" providerId="ADAL" clId="{E5645173-9704-44B4-82F5-EF2938BAEEFE}" dt="2025-04-21T16:52:59.474" v="2078" actId="478"/>
+          <ac:picMkLst>
+            <pc:docMk/>
+            <pc:sldMk cId="2522473771" sldId="518"/>
+            <ac:picMk id="5" creationId="{774E94E4-06DF-0191-04EA-A1710B390B04}"/>
+          </ac:picMkLst>
+        </pc:picChg>
+        <pc:picChg chg="add del mod">
+          <ac:chgData name="Mohammed Fasha" userId="cc64f42d-a1a6-4f08-b97b-0c37f877119f" providerId="ADAL" clId="{E5645173-9704-44B4-82F5-EF2938BAEEFE}" dt="2025-04-21T16:54:43.534" v="2117" actId="21"/>
+          <ac:picMkLst>
+            <pc:docMk/>
+            <pc:sldMk cId="2522473771" sldId="518"/>
+            <ac:picMk id="8" creationId="{0083DAAF-A6E2-6E9D-0656-4F7725B426D6}"/>
+          </ac:picMkLst>
+        </pc:picChg>
+        <pc:picChg chg="del mod">
+          <ac:chgData name="Mohammed Fasha" userId="cc64f42d-a1a6-4f08-b97b-0c37f877119f" providerId="ADAL" clId="{E5645173-9704-44B4-82F5-EF2938BAEEFE}" dt="2025-04-21T16:47:27.417" v="2028" actId="478"/>
+          <ac:picMkLst>
+            <pc:docMk/>
+            <pc:sldMk cId="2522473771" sldId="518"/>
+            <ac:picMk id="3074" creationId="{7838B5EC-812C-CDC8-5CFB-BD8E43326345}"/>
+          </ac:picMkLst>
+        </pc:picChg>
+      </pc:sldChg>
+      <pc:sldChg chg="modSp mod ord">
+        <pc:chgData name="Mohammed Fasha" userId="cc64f42d-a1a6-4f08-b97b-0c37f877119f" providerId="ADAL" clId="{E5645173-9704-44B4-82F5-EF2938BAEEFE}" dt="2025-04-21T16:53:40.213" v="2090" actId="33524"/>
         <pc:sldMkLst>
           <pc:docMk/>
           <pc:sldMk cId="457051995" sldId="519"/>
         </pc:sldMkLst>
         <pc:spChg chg="mod">
-          <ac:chgData name="Mohammed Fasha" userId="cc64f42d-a1a6-4f08-b97b-0c37f877119f" providerId="ADAL" clId="{E5645173-9704-44B4-82F5-EF2938BAEEFE}" dt="2025-04-17T04:49:30.487" v="580" actId="27636"/>
+          <ac:chgData name="Mohammed Fasha" userId="cc64f42d-a1a6-4f08-b97b-0c37f877119f" providerId="ADAL" clId="{E5645173-9704-44B4-82F5-EF2938BAEEFE}" dt="2025-04-21T16:53:40.213" v="2090" actId="33524"/>
           <ac:spMkLst>
             <pc:docMk/>
             <pc:sldMk cId="457051995" sldId="519"/>
             <ac:spMk id="3" creationId="{36DAAF18-EF8F-EF3B-EC26-A6DD77CB63EC}"/>
           </ac:spMkLst>
         </pc:spChg>
+      </pc:sldChg>
+      <pc:sldChg chg="add del">
+        <pc:chgData name="Mohammed Fasha" userId="cc64f42d-a1a6-4f08-b97b-0c37f877119f" providerId="ADAL" clId="{E5645173-9704-44B4-82F5-EF2938BAEEFE}" dt="2025-04-21T16:45:49.292" v="2017" actId="47"/>
+        <pc:sldMkLst>
+          <pc:docMk/>
+          <pc:sldMk cId="2606490903" sldId="520"/>
+        </pc:sldMkLst>
       </pc:sldChg>
       <pc:sldChg chg="modSp mod">
         <pc:chgData name="Mohammed Fasha" userId="cc64f42d-a1a6-4f08-b97b-0c37f877119f" providerId="ADAL" clId="{E5645173-9704-44B4-82F5-EF2938BAEEFE}" dt="2025-04-17T04:49:30.503" v="581" actId="27636"/>
@@ -3210,8 +3275,8 @@
           </ac:spMkLst>
         </pc:spChg>
       </pc:sldChg>
-      <pc:sldChg chg="modSp mod">
-        <pc:chgData name="Mohammed Fasha" userId="cc64f42d-a1a6-4f08-b97b-0c37f877119f" providerId="ADAL" clId="{E5645173-9704-44B4-82F5-EF2938BAEEFE}" dt="2025-04-20T05:18:39.008" v="1998" actId="207"/>
+      <pc:sldChg chg="modSp mod ord">
+        <pc:chgData name="Mohammed Fasha" userId="cc64f42d-a1a6-4f08-b97b-0c37f877119f" providerId="ADAL" clId="{E5645173-9704-44B4-82F5-EF2938BAEEFE}" dt="2025-04-21T16:45:05.033" v="2015"/>
         <pc:sldMkLst>
           <pc:docMk/>
           <pc:sldMk cId="3046292118" sldId="534"/>
@@ -4304,6 +4369,69 @@
           </ac:picMkLst>
         </pc:picChg>
       </pc:sldChg>
+      <pc:sldChg chg="addSp delSp modSp add mod ord">
+        <pc:chgData name="Mohammed Fasha" userId="cc64f42d-a1a6-4f08-b97b-0c37f877119f" providerId="ADAL" clId="{E5645173-9704-44B4-82F5-EF2938BAEEFE}" dt="2025-04-21T16:55:26.856" v="2132" actId="1076"/>
+        <pc:sldMkLst>
+          <pc:docMk/>
+          <pc:sldMk cId="4037434202" sldId="591"/>
+        </pc:sldMkLst>
+        <pc:spChg chg="del">
+          <ac:chgData name="Mohammed Fasha" userId="cc64f42d-a1a6-4f08-b97b-0c37f877119f" providerId="ADAL" clId="{E5645173-9704-44B4-82F5-EF2938BAEEFE}" dt="2025-04-21T16:47:44.479" v="2029" actId="478"/>
+          <ac:spMkLst>
+            <pc:docMk/>
+            <pc:sldMk cId="4037434202" sldId="591"/>
+            <ac:spMk id="3" creationId="{BB591426-711F-29CF-A66D-8B7F951B3007}"/>
+          </ac:spMkLst>
+        </pc:spChg>
+        <pc:spChg chg="mod">
+          <ac:chgData name="Mohammed Fasha" userId="cc64f42d-a1a6-4f08-b97b-0c37f877119f" providerId="ADAL" clId="{E5645173-9704-44B4-82F5-EF2938BAEEFE}" dt="2025-04-21T16:47:51.668" v="2031" actId="21"/>
+          <ac:spMkLst>
+            <pc:docMk/>
+            <pc:sldMk cId="4037434202" sldId="591"/>
+            <ac:spMk id="6" creationId="{1D27AC1E-6501-8C60-78EA-E646BECE95CF}"/>
+          </ac:spMkLst>
+        </pc:spChg>
+        <pc:spChg chg="add mod">
+          <ac:chgData name="Mohammed Fasha" userId="cc64f42d-a1a6-4f08-b97b-0c37f877119f" providerId="ADAL" clId="{E5645173-9704-44B4-82F5-EF2938BAEEFE}" dt="2025-04-21T16:55:00.258" v="2123" actId="27636"/>
+          <ac:spMkLst>
+            <pc:docMk/>
+            <pc:sldMk cId="4037434202" sldId="591"/>
+            <ac:spMk id="7" creationId="{C666FB4C-EEE7-7F42-7A0E-D81C79B7B789}"/>
+          </ac:spMkLst>
+        </pc:spChg>
+        <pc:graphicFrameChg chg="mod modGraphic">
+          <ac:chgData name="Mohammed Fasha" userId="cc64f42d-a1a6-4f08-b97b-0c37f877119f" providerId="ADAL" clId="{E5645173-9704-44B4-82F5-EF2938BAEEFE}" dt="2025-04-21T16:55:25.486" v="2131" actId="1076"/>
+          <ac:graphicFrameMkLst>
+            <pc:docMk/>
+            <pc:sldMk cId="4037434202" sldId="591"/>
+            <ac:graphicFrameMk id="4" creationId="{504892DD-E1CA-6BC8-D479-F4D88CB62E80}"/>
+          </ac:graphicFrameMkLst>
+        </pc:graphicFrameChg>
+        <pc:picChg chg="add mod">
+          <ac:chgData name="Mohammed Fasha" userId="cc64f42d-a1a6-4f08-b97b-0c37f877119f" providerId="ADAL" clId="{E5645173-9704-44B4-82F5-EF2938BAEEFE}" dt="2025-04-21T16:48:08.264" v="2036"/>
+          <ac:picMkLst>
+            <pc:docMk/>
+            <pc:sldMk cId="4037434202" sldId="591"/>
+            <ac:picMk id="8" creationId="{4C0AA2CD-CBEB-611E-2F9E-4A17E20EDD65}"/>
+          </ac:picMkLst>
+        </pc:picChg>
+        <pc:picChg chg="add mod">
+          <ac:chgData name="Mohammed Fasha" userId="cc64f42d-a1a6-4f08-b97b-0c37f877119f" providerId="ADAL" clId="{E5645173-9704-44B4-82F5-EF2938BAEEFE}" dt="2025-04-21T16:54:47.959" v="2119" actId="14100"/>
+          <ac:picMkLst>
+            <pc:docMk/>
+            <pc:sldMk cId="4037434202" sldId="591"/>
+            <ac:picMk id="9" creationId="{0083DAAF-A6E2-6E9D-0656-4F7725B426D6}"/>
+          </ac:picMkLst>
+        </pc:picChg>
+        <pc:picChg chg="mod">
+          <ac:chgData name="Mohammed Fasha" userId="cc64f42d-a1a6-4f08-b97b-0c37f877119f" providerId="ADAL" clId="{E5645173-9704-44B4-82F5-EF2938BAEEFE}" dt="2025-04-21T16:55:26.856" v="2132" actId="1076"/>
+          <ac:picMkLst>
+            <pc:docMk/>
+            <pc:sldMk cId="4037434202" sldId="591"/>
+            <ac:picMk id="3074" creationId="{0B07856E-5E99-A71D-3806-31C75513A9DA}"/>
+          </ac:picMkLst>
+        </pc:picChg>
+      </pc:sldChg>
       <pc:sldChg chg="modSp new del mod">
         <pc:chgData name="Mohammed Fasha" userId="cc64f42d-a1a6-4f08-b97b-0c37f877119f" providerId="ADAL" clId="{E5645173-9704-44B4-82F5-EF2938BAEEFE}" dt="2025-04-20T03:15:13.569" v="1766" actId="47"/>
         <pc:sldMkLst>
@@ -4339,6 +4467,29 @@
             <pc:docMk/>
             <pc:sldMk cId="393426738" sldId="592"/>
             <ac:spMk id="3" creationId="{8A74E338-1EFD-40EE-C88D-A8A3C3E98799}"/>
+          </ac:spMkLst>
+        </pc:spChg>
+      </pc:sldChg>
+      <pc:sldChg chg="modSp new mod">
+        <pc:chgData name="Mohammed Fasha" userId="cc64f42d-a1a6-4f08-b97b-0c37f877119f" providerId="ADAL" clId="{E5645173-9704-44B4-82F5-EF2938BAEEFE}" dt="2025-04-21T16:49:29.505" v="2054" actId="113"/>
+        <pc:sldMkLst>
+          <pc:docMk/>
+          <pc:sldMk cId="3293704386" sldId="592"/>
+        </pc:sldMkLst>
+        <pc:spChg chg="mod">
+          <ac:chgData name="Mohammed Fasha" userId="cc64f42d-a1a6-4f08-b97b-0c37f877119f" providerId="ADAL" clId="{E5645173-9704-44B4-82F5-EF2938BAEEFE}" dt="2025-04-21T16:49:29.505" v="2054" actId="113"/>
+          <ac:spMkLst>
+            <pc:docMk/>
+            <pc:sldMk cId="3293704386" sldId="592"/>
+            <ac:spMk id="2" creationId="{8BED298E-C920-87AA-836A-934020F5C23E}"/>
+          </ac:spMkLst>
+        </pc:spChg>
+        <pc:spChg chg="mod">
+          <ac:chgData name="Mohammed Fasha" userId="cc64f42d-a1a6-4f08-b97b-0c37f877119f" providerId="ADAL" clId="{E5645173-9704-44B4-82F5-EF2938BAEEFE}" dt="2025-04-21T16:49:25.085" v="2048" actId="21"/>
+          <ac:spMkLst>
+            <pc:docMk/>
+            <pc:sldMk cId="3293704386" sldId="592"/>
+            <ac:spMk id="3" creationId="{223748DF-F189-9E51-7400-317659CEEFB1}"/>
           </ac:spMkLst>
         </pc:spChg>
       </pc:sldChg>
@@ -4435,6 +4586,37 @@
             <ac:picMk id="9" creationId="{CBB683C8-E090-10CA-4590-9534C2CEEA03}"/>
           </ac:picMkLst>
         </pc:picChg>
+      </pc:sldChg>
+      <pc:sldChg chg="addSp delSp modSp new mod ord">
+        <pc:chgData name="Mohammed Fasha" userId="cc64f42d-a1a6-4f08-b97b-0c37f877119f" providerId="ADAL" clId="{E5645173-9704-44B4-82F5-EF2938BAEEFE}" dt="2025-04-21T16:51:07.237" v="2070"/>
+        <pc:sldMkLst>
+          <pc:docMk/>
+          <pc:sldMk cId="3798485893" sldId="593"/>
+        </pc:sldMkLst>
+        <pc:spChg chg="mod">
+          <ac:chgData name="Mohammed Fasha" userId="cc64f42d-a1a6-4f08-b97b-0c37f877119f" providerId="ADAL" clId="{E5645173-9704-44B4-82F5-EF2938BAEEFE}" dt="2025-04-21T16:49:58.056" v="2057"/>
+          <ac:spMkLst>
+            <pc:docMk/>
+            <pc:sldMk cId="3798485893" sldId="593"/>
+            <ac:spMk id="2" creationId="{AD62F6C2-AA86-CF27-6392-0BE103BB5135}"/>
+          </ac:spMkLst>
+        </pc:spChg>
+        <pc:spChg chg="del">
+          <ac:chgData name="Mohammed Fasha" userId="cc64f42d-a1a6-4f08-b97b-0c37f877119f" providerId="ADAL" clId="{E5645173-9704-44B4-82F5-EF2938BAEEFE}" dt="2025-04-21T16:49:50.685" v="2056"/>
+          <ac:spMkLst>
+            <pc:docMk/>
+            <pc:sldMk cId="3798485893" sldId="593"/>
+            <ac:spMk id="3" creationId="{EB60EA4A-6863-064E-B019-C24CA429092B}"/>
+          </ac:spMkLst>
+        </pc:spChg>
+        <pc:graphicFrameChg chg="add mod modGraphic">
+          <ac:chgData name="Mohammed Fasha" userId="cc64f42d-a1a6-4f08-b97b-0c37f877119f" providerId="ADAL" clId="{E5645173-9704-44B4-82F5-EF2938BAEEFE}" dt="2025-04-21T16:50:26.882" v="2064" actId="14734"/>
+          <ac:graphicFrameMkLst>
+            <pc:docMk/>
+            <pc:sldMk cId="3798485893" sldId="593"/>
+            <ac:graphicFrameMk id="4" creationId="{8348561E-DA3A-2586-EDD0-6C8040420C3D}"/>
+          </ac:graphicFrameMkLst>
+        </pc:graphicFrameChg>
       </pc:sldChg>
       <pc:sldChg chg="modSp new del mod">
         <pc:chgData name="Mohammed Fasha" userId="cc64f42d-a1a6-4f08-b97b-0c37f877119f" providerId="ADAL" clId="{E5645173-9704-44B4-82F5-EF2938BAEEFE}" dt="2025-04-20T03:12:09.904" v="1738" actId="47"/>
@@ -15473,158 +15655,6 @@
           <a:chExt cx="0" cy="0"/>
         </a:xfrm>
       </p:grpSpPr>
-      <p:sp>
-        <p:nvSpPr>
-          <p:cNvPr id="2" name="Title 1">
-            <a:extLst>
-              <a:ext uri="{FF2B5EF4-FFF2-40B4-BE49-F238E27FC236}">
-                <a16:creationId xmlns:a16="http://schemas.microsoft.com/office/drawing/2014/main" id="{155C2314-3CF3-F0A9-685A-3156E5CE2674}"/>
-              </a:ext>
-            </a:extLst>
-          </p:cNvPr>
-          <p:cNvSpPr>
-            <a:spLocks noGrp="1"/>
-          </p:cNvSpPr>
-          <p:nvPr>
-            <p:ph type="title"/>
-          </p:nvPr>
-        </p:nvSpPr>
-        <p:spPr/>
-        <p:txBody>
-          <a:bodyPr>
-            <a:normAutofit/>
-          </a:bodyPr>
-          <a:lstStyle/>
-          <a:p>
-            <a:r>
-              <a:rPr lang="en-US" dirty="0"/>
-              <a:t>Introduction to Word Embeddings</a:t>
-            </a:r>
-          </a:p>
-        </p:txBody>
-      </p:sp>
-      <p:sp>
-        <p:nvSpPr>
-          <p:cNvPr id="3" name="Content Placeholder 2">
-            <a:extLst>
-              <a:ext uri="{FF2B5EF4-FFF2-40B4-BE49-F238E27FC236}">
-                <a16:creationId xmlns:a16="http://schemas.microsoft.com/office/drawing/2014/main" id="{B1CD1ADE-0294-A1FB-F5E9-1676C5183664}"/>
-              </a:ext>
-            </a:extLst>
-          </p:cNvPr>
-          <p:cNvSpPr>
-            <a:spLocks noGrp="1"/>
-          </p:cNvSpPr>
-          <p:nvPr>
-            <p:ph idx="1"/>
-          </p:nvPr>
-        </p:nvSpPr>
-        <p:spPr>
-          <a:xfrm>
-            <a:off x="838200" y="1706007"/>
-            <a:ext cx="5359400" cy="4991039"/>
-          </a:xfrm>
-        </p:spPr>
-        <p:txBody>
-          <a:bodyPr/>
-          <a:lstStyle/>
-          <a:p>
-            <a:pPr>
-              <a:buFont typeface="Arial" panose="020B0604020202020204" pitchFamily="34" charset="0"/>
-              <a:buChar char="•"/>
-            </a:pPr>
-            <a:r>
-              <a:rPr lang="en-US" b="1" dirty="0"/>
-              <a:t>Definition</a:t>
-            </a:r>
-            <a:r>
-              <a:rPr lang="en-US" dirty="0"/>
-              <a:t>: Word embeddings are </a:t>
-            </a:r>
-            <a:r>
-              <a:rPr lang="en-US" dirty="0">
-                <a:solidFill>
-                  <a:srgbClr val="FF0000"/>
-                </a:solidFill>
-              </a:rPr>
-              <a:t>vector representations </a:t>
-            </a:r>
-            <a:r>
-              <a:rPr lang="en-US" dirty="0"/>
-              <a:t>of words in a continuous vector space.</a:t>
-            </a:r>
-          </a:p>
-          <a:p>
-            <a:pPr>
-              <a:buFont typeface="Arial" panose="020B0604020202020204" pitchFamily="34" charset="0"/>
-              <a:buChar char="•"/>
-            </a:pPr>
-            <a:r>
-              <a:rPr lang="en-US" b="1" dirty="0"/>
-              <a:t>Purpose</a:t>
-            </a:r>
-            <a:r>
-              <a:rPr lang="en-US" dirty="0"/>
-              <a:t>: Capture </a:t>
-            </a:r>
-            <a:r>
-              <a:rPr lang="en-US" dirty="0">
-                <a:solidFill>
-                  <a:srgbClr val="FF0000"/>
-                </a:solidFill>
-              </a:rPr>
-              <a:t>semantic</a:t>
-            </a:r>
-            <a:r>
-              <a:rPr lang="en-US" dirty="0"/>
-              <a:t> and </a:t>
-            </a:r>
-            <a:r>
-              <a:rPr lang="en-US" dirty="0">
-                <a:solidFill>
-                  <a:srgbClr val="FF0000"/>
-                </a:solidFill>
-              </a:rPr>
-              <a:t>syntactic</a:t>
-            </a:r>
-            <a:r>
-              <a:rPr lang="en-US" dirty="0"/>
-              <a:t> relationships between words.</a:t>
-            </a:r>
-          </a:p>
-          <a:p>
-            <a:pPr>
-              <a:buFont typeface="Arial" panose="020B0604020202020204" pitchFamily="34" charset="0"/>
-              <a:buChar char="•"/>
-            </a:pPr>
-            <a:r>
-              <a:rPr lang="en-US" b="1" dirty="0"/>
-              <a:t>Key innovation</a:t>
-            </a:r>
-            <a:r>
-              <a:rPr lang="en-US" dirty="0"/>
-              <a:t>: Words with similar meanings have similar vector representations.</a:t>
-            </a:r>
-          </a:p>
-          <a:p>
-            <a:pPr>
-              <a:buFont typeface="Arial" panose="020B0604020202020204" pitchFamily="34" charset="0"/>
-              <a:buChar char="•"/>
-            </a:pPr>
-            <a:r>
-              <a:rPr lang="en-US" b="1" dirty="0"/>
-              <a:t>Foundation of modern NLP</a:t>
-            </a:r>
-            <a:r>
-              <a:rPr lang="en-US" dirty="0"/>
-              <a:t>: Enable machines to understand relationships between words.</a:t>
-            </a:r>
-          </a:p>
-          <a:p>
-            <a:endParaRPr lang="en-US" dirty="0"/>
-          </a:p>
-        </p:txBody>
-      </p:sp>
       <p:pic>
         <p:nvPicPr>
           <p:cNvPr id="5" name="Picture 4">
@@ -15659,14 +15689,178 @@
         </p:blipFill>
         <p:spPr>
           <a:xfrm>
-            <a:off x="6574806" y="1908299"/>
-            <a:ext cx="4778994" cy="4788747"/>
+            <a:off x="7055422" y="1908300"/>
+            <a:ext cx="4298378" cy="4307150"/>
           </a:xfrm>
           <a:prstGeom prst="rect">
             <a:avLst/>
           </a:prstGeom>
         </p:spPr>
       </p:pic>
+      <p:sp>
+        <p:nvSpPr>
+          <p:cNvPr id="2" name="Title 1">
+            <a:extLst>
+              <a:ext uri="{FF2B5EF4-FFF2-40B4-BE49-F238E27FC236}">
+                <a16:creationId xmlns:a16="http://schemas.microsoft.com/office/drawing/2014/main" id="{155C2314-3CF3-F0A9-685A-3156E5CE2674}"/>
+              </a:ext>
+            </a:extLst>
+          </p:cNvPr>
+          <p:cNvSpPr>
+            <a:spLocks noGrp="1"/>
+          </p:cNvSpPr>
+          <p:nvPr>
+            <p:ph type="title"/>
+          </p:nvPr>
+        </p:nvSpPr>
+        <p:spPr/>
+        <p:txBody>
+          <a:bodyPr>
+            <a:normAutofit/>
+          </a:bodyPr>
+          <a:lstStyle/>
+          <a:p>
+            <a:r>
+              <a:rPr lang="en-US" dirty="0"/>
+              <a:t>Introduction to Word Embeddings</a:t>
+            </a:r>
+          </a:p>
+        </p:txBody>
+      </p:sp>
+      <p:sp>
+        <p:nvSpPr>
+          <p:cNvPr id="3" name="Content Placeholder 2">
+            <a:extLst>
+              <a:ext uri="{FF2B5EF4-FFF2-40B4-BE49-F238E27FC236}">
+                <a16:creationId xmlns:a16="http://schemas.microsoft.com/office/drawing/2014/main" id="{B1CD1ADE-0294-A1FB-F5E9-1676C5183664}"/>
+              </a:ext>
+            </a:extLst>
+          </p:cNvPr>
+          <p:cNvSpPr>
+            <a:spLocks noGrp="1"/>
+          </p:cNvSpPr>
+          <p:nvPr>
+            <p:ph idx="1"/>
+          </p:nvPr>
+        </p:nvSpPr>
+        <p:spPr>
+          <a:xfrm>
+            <a:off x="838200" y="1706007"/>
+            <a:ext cx="6273114" cy="4991039"/>
+          </a:xfrm>
+        </p:spPr>
+        <p:txBody>
+          <a:bodyPr/>
+          <a:lstStyle/>
+          <a:p>
+            <a:pPr>
+              <a:buFont typeface="Arial" panose="020B0604020202020204" pitchFamily="34" charset="0"/>
+              <a:buChar char="•"/>
+            </a:pPr>
+            <a:r>
+              <a:rPr lang="en-US" b="1" dirty="0"/>
+              <a:t>Definition</a:t>
+            </a:r>
+            <a:r>
+              <a:rPr lang="en-US" dirty="0"/>
+              <a:t>: Word embeddings are </a:t>
+            </a:r>
+            <a:r>
+              <a:rPr lang="en-US" dirty="0">
+                <a:solidFill>
+                  <a:srgbClr val="FF0000"/>
+                </a:solidFill>
+              </a:rPr>
+              <a:t>vector representations </a:t>
+            </a:r>
+            <a:r>
+              <a:rPr lang="en-US" dirty="0"/>
+              <a:t>of words in a continuous vector space.</a:t>
+            </a:r>
+          </a:p>
+          <a:p>
+            <a:pPr>
+              <a:buFont typeface="Arial" panose="020B0604020202020204" pitchFamily="34" charset="0"/>
+              <a:buChar char="•"/>
+            </a:pPr>
+            <a:r>
+              <a:rPr lang="en-US" b="1" dirty="0"/>
+              <a:t>Purpose</a:t>
+            </a:r>
+            <a:r>
+              <a:rPr lang="en-US" dirty="0"/>
+              <a:t>: Capture </a:t>
+            </a:r>
+            <a:r>
+              <a:rPr lang="en-US" dirty="0">
+                <a:solidFill>
+                  <a:srgbClr val="FF0000"/>
+                </a:solidFill>
+              </a:rPr>
+              <a:t>semantic</a:t>
+            </a:r>
+            <a:r>
+              <a:rPr lang="en-US" dirty="0"/>
+              <a:t> and </a:t>
+            </a:r>
+            <a:r>
+              <a:rPr lang="en-US" dirty="0">
+                <a:solidFill>
+                  <a:srgbClr val="FF0000"/>
+                </a:solidFill>
+              </a:rPr>
+              <a:t>syntactic</a:t>
+            </a:r>
+            <a:r>
+              <a:rPr lang="en-US" dirty="0"/>
+              <a:t> relationships between words.</a:t>
+            </a:r>
+          </a:p>
+          <a:p>
+            <a:pPr>
+              <a:buFont typeface="Arial" panose="020B0604020202020204" pitchFamily="34" charset="0"/>
+              <a:buChar char="•"/>
+            </a:pPr>
+            <a:r>
+              <a:rPr lang="en-US" b="1" dirty="0"/>
+              <a:t>Key innovation</a:t>
+            </a:r>
+            <a:r>
+              <a:rPr lang="en-US" dirty="0"/>
+              <a:t>: </a:t>
+            </a:r>
+            <a:r>
+              <a:rPr lang="en-US" dirty="0">
+                <a:solidFill>
+                  <a:srgbClr val="00B050"/>
+                </a:solidFill>
+              </a:rPr>
+              <a:t>Words with similar meanings have similar vector representations</a:t>
+            </a:r>
+            <a:r>
+              <a:rPr lang="en-US" dirty="0"/>
+              <a:t>.</a:t>
+            </a:r>
+          </a:p>
+          <a:p>
+            <a:pPr>
+              <a:buFont typeface="Arial" panose="020B0604020202020204" pitchFamily="34" charset="0"/>
+              <a:buChar char="•"/>
+            </a:pPr>
+            <a:r>
+              <a:rPr lang="en-US" b="1" dirty="0"/>
+              <a:t>Foundation of modern NLP</a:t>
+            </a:r>
+            <a:r>
+              <a:rPr lang="en-US" dirty="0"/>
+              <a:t>: Enable machines to understand relationships between words.</a:t>
+            </a:r>
+          </a:p>
+          <a:p>
+            <a:endParaRPr lang="en-US" dirty="0"/>
+          </a:p>
+        </p:txBody>
+      </p:sp>
     </p:spTree>
     <p:extLst>
       <p:ext uri="{BB962C8B-B14F-4D97-AF65-F5344CB8AC3E}">
@@ -15681,6 +15875,479 @@
 </file>
 
 <file path=ppt/slides/slide25.xml><?xml version="1.0" encoding="utf-8"?>
+<p:sld xmlns:a="http://schemas.openxmlformats.org/drawingml/2006/main" xmlns:r="http://schemas.openxmlformats.org/officeDocument/2006/relationships" xmlns:p="http://schemas.openxmlformats.org/presentationml/2006/main">
+  <p:cSld>
+    <p:spTree>
+      <p:nvGrpSpPr>
+        <p:cNvPr id="1" name=""/>
+        <p:cNvGrpSpPr/>
+        <p:nvPr/>
+      </p:nvGrpSpPr>
+      <p:grpSpPr>
+        <a:xfrm>
+          <a:off x="0" y="0"/>
+          <a:ext cx="0" cy="0"/>
+          <a:chOff x="0" y="0"/>
+          <a:chExt cx="0" cy="0"/>
+        </a:xfrm>
+      </p:grpSpPr>
+      <p:sp>
+        <p:nvSpPr>
+          <p:cNvPr id="2" name="Title 1">
+            <a:extLst>
+              <a:ext uri="{FF2B5EF4-FFF2-40B4-BE49-F238E27FC236}">
+                <a16:creationId xmlns:a16="http://schemas.microsoft.com/office/drawing/2014/main" id="{8BED298E-C920-87AA-836A-934020F5C23E}"/>
+              </a:ext>
+            </a:extLst>
+          </p:cNvPr>
+          <p:cNvSpPr>
+            <a:spLocks noGrp="1"/>
+          </p:cNvSpPr>
+          <p:nvPr>
+            <p:ph type="title"/>
+          </p:nvPr>
+        </p:nvSpPr>
+        <p:spPr/>
+        <p:txBody>
+          <a:bodyPr>
+            <a:normAutofit/>
+          </a:bodyPr>
+          <a:lstStyle/>
+          <a:p>
+            <a:r>
+              <a:rPr lang="en-US" dirty="0"/>
+              <a:t>Why Do We Need Embeddings?</a:t>
+            </a:r>
+          </a:p>
+        </p:txBody>
+      </p:sp>
+      <p:sp>
+        <p:nvSpPr>
+          <p:cNvPr id="3" name="Content Placeholder 2">
+            <a:extLst>
+              <a:ext uri="{FF2B5EF4-FFF2-40B4-BE49-F238E27FC236}">
+                <a16:creationId xmlns:a16="http://schemas.microsoft.com/office/drawing/2014/main" id="{223748DF-F189-9E51-7400-317659CEEFB1}"/>
+              </a:ext>
+            </a:extLst>
+          </p:cNvPr>
+          <p:cNvSpPr>
+            <a:spLocks noGrp="1"/>
+          </p:cNvSpPr>
+          <p:nvPr>
+            <p:ph idx="1"/>
+          </p:nvPr>
+        </p:nvSpPr>
+        <p:spPr/>
+        <p:txBody>
+          <a:bodyPr/>
+          <a:lstStyle/>
+          <a:p>
+            <a:pPr>
+              <a:buFont typeface="Arial" panose="020B0604020202020204" pitchFamily="34" charset="0"/>
+              <a:buChar char="•"/>
+            </a:pPr>
+            <a:r>
+              <a:rPr lang="en-US" dirty="0"/>
+              <a:t>Traditional models like Bag-of-Words (</a:t>
+            </a:r>
+            <a:r>
+              <a:rPr lang="en-US" dirty="0" err="1"/>
+              <a:t>BoW</a:t>
+            </a:r>
+            <a:r>
+              <a:rPr lang="en-US" dirty="0"/>
+              <a:t>) or TF-IDF treat words as independent, ignoring semantic similarity.</a:t>
+            </a:r>
+          </a:p>
+          <a:p>
+            <a:pPr>
+              <a:buFont typeface="Arial" panose="020B0604020202020204" pitchFamily="34" charset="0"/>
+              <a:buChar char="•"/>
+            </a:pPr>
+            <a:r>
+              <a:rPr lang="en-US" dirty="0"/>
+              <a:t>Example: "king" and "queen" are as unrelated as "king" and "banana" in </a:t>
+            </a:r>
+            <a:r>
+              <a:rPr lang="en-US" dirty="0" err="1"/>
+              <a:t>BoW</a:t>
+            </a:r>
+            <a:r>
+              <a:rPr lang="en-US" dirty="0"/>
+              <a:t>.</a:t>
+            </a:r>
+          </a:p>
+          <a:p>
+            <a:pPr>
+              <a:buFont typeface="Arial" panose="020B0604020202020204" pitchFamily="34" charset="0"/>
+              <a:buChar char="•"/>
+            </a:pPr>
+            <a:r>
+              <a:rPr lang="en-US" dirty="0"/>
+              <a:t>Word embeddings solve this by capturing semantic and syntactic similarities through distances in vector space.</a:t>
+            </a:r>
+          </a:p>
+          <a:p>
+            <a:endParaRPr lang="en-US" dirty="0"/>
+          </a:p>
+        </p:txBody>
+      </p:sp>
+    </p:spTree>
+    <p:extLst>
+      <p:ext uri="{BB962C8B-B14F-4D97-AF65-F5344CB8AC3E}">
+        <p14:creationId xmlns:p14="http://schemas.microsoft.com/office/powerpoint/2010/main" val="3293704386"/>
+      </p:ext>
+    </p:extLst>
+  </p:cSld>
+  <p:clrMapOvr>
+    <a:masterClrMapping/>
+  </p:clrMapOvr>
+</p:sld>
+</file>
+
+<file path=ppt/slides/slide26.xml><?xml version="1.0" encoding="utf-8"?>
+<p:sld xmlns:a="http://schemas.openxmlformats.org/drawingml/2006/main" xmlns:r="http://schemas.openxmlformats.org/officeDocument/2006/relationships" xmlns:p="http://schemas.openxmlformats.org/presentationml/2006/main">
+  <p:cSld>
+    <p:spTree>
+      <p:nvGrpSpPr>
+        <p:cNvPr id="1" name=""/>
+        <p:cNvGrpSpPr/>
+        <p:nvPr/>
+      </p:nvGrpSpPr>
+      <p:grpSpPr>
+        <a:xfrm>
+          <a:off x="0" y="0"/>
+          <a:ext cx="0" cy="0"/>
+          <a:chOff x="0" y="0"/>
+          <a:chExt cx="0" cy="0"/>
+        </a:xfrm>
+      </p:grpSpPr>
+      <p:sp>
+        <p:nvSpPr>
+          <p:cNvPr id="2" name="Title 1">
+            <a:extLst>
+              <a:ext uri="{FF2B5EF4-FFF2-40B4-BE49-F238E27FC236}">
+                <a16:creationId xmlns:a16="http://schemas.microsoft.com/office/drawing/2014/main" id="{AD62F6C2-AA86-CF27-6392-0BE103BB5135}"/>
+              </a:ext>
+            </a:extLst>
+          </p:cNvPr>
+          <p:cNvSpPr>
+            <a:spLocks noGrp="1"/>
+          </p:cNvSpPr>
+          <p:nvPr>
+            <p:ph type="title"/>
+          </p:nvPr>
+        </p:nvSpPr>
+        <p:spPr/>
+        <p:txBody>
+          <a:bodyPr/>
+          <a:lstStyle/>
+          <a:p>
+            <a:r>
+              <a:rPr lang="en-US" dirty="0"/>
+              <a:t>A Brief History of Word Embeddings</a:t>
+            </a:r>
+          </a:p>
+        </p:txBody>
+      </p:sp>
+      <p:graphicFrame>
+        <p:nvGraphicFramePr>
+          <p:cNvPr id="4" name="Content Placeholder 3">
+            <a:extLst>
+              <a:ext uri="{FF2B5EF4-FFF2-40B4-BE49-F238E27FC236}">
+                <a16:creationId xmlns:a16="http://schemas.microsoft.com/office/drawing/2014/main" id="{8348561E-DA3A-2586-EDD0-6C8040420C3D}"/>
+              </a:ext>
+            </a:extLst>
+          </p:cNvPr>
+          <p:cNvGraphicFramePr>
+            <a:graphicFrameLocks noGrp="1"/>
+          </p:cNvGraphicFramePr>
+          <p:nvPr>
+            <p:ph idx="1"/>
+            <p:extLst>
+              <p:ext uri="{D42A27DB-BD31-4B8C-83A1-F6EECF244321}">
+                <p14:modId xmlns:p14="http://schemas.microsoft.com/office/powerpoint/2010/main" val="1055670162"/>
+              </p:ext>
+            </p:extLst>
+          </p:nvPr>
+        </p:nvGraphicFramePr>
+        <p:xfrm>
+          <a:off x="838200" y="1930941"/>
+          <a:ext cx="10515600" cy="2194560"/>
+        </p:xfrm>
+        <a:graphic>
+          <a:graphicData uri="http://schemas.openxmlformats.org/drawingml/2006/table">
+            <a:tbl>
+              <a:tblPr>
+                <a:tableStyleId>{616DA210-FB5B-4158-B5E0-FEB733F419BA}</a:tableStyleId>
+              </a:tblPr>
+              <a:tblGrid>
+                <a:gridCol w="2084173">
+                  <a:extLst>
+                    <a:ext uri="{9D8B030D-6E8A-4147-A177-3AD203B41FA5}">
+                      <a16:colId xmlns:a16="http://schemas.microsoft.com/office/drawing/2014/main" val="569934896"/>
+                    </a:ext>
+                  </a:extLst>
+                </a:gridCol>
+                <a:gridCol w="8431427">
+                  <a:extLst>
+                    <a:ext uri="{9D8B030D-6E8A-4147-A177-3AD203B41FA5}">
+                      <a16:colId xmlns:a16="http://schemas.microsoft.com/office/drawing/2014/main" val="1652620820"/>
+                    </a:ext>
+                  </a:extLst>
+                </a:gridCol>
+              </a:tblGrid>
+              <a:tr h="0">
+                <a:tc>
+                  <a:txBody>
+                    <a:bodyPr/>
+                    <a:lstStyle/>
+                    <a:p>
+                      <a:pPr algn="ctr"/>
+                      <a:r>
+                        <a:rPr lang="en-US" b="1" dirty="0"/>
+                        <a:t>Year</a:t>
+                      </a:r>
+                    </a:p>
+                  </a:txBody>
+                  <a:tcPr anchor="ctr"/>
+                </a:tc>
+                <a:tc>
+                  <a:txBody>
+                    <a:bodyPr/>
+                    <a:lstStyle/>
+                    <a:p>
+                      <a:pPr algn="ctr"/>
+                      <a:r>
+                        <a:rPr lang="en-US" b="1" dirty="0"/>
+                        <a:t>Milestone</a:t>
+                      </a:r>
+                    </a:p>
+                  </a:txBody>
+                  <a:tcPr anchor="ctr"/>
+                </a:tc>
+                <a:extLst>
+                  <a:ext uri="{0D108BD9-81ED-4DB2-BD59-A6C34878D82A}">
+                    <a16:rowId xmlns:a16="http://schemas.microsoft.com/office/drawing/2014/main" val="754199442"/>
+                  </a:ext>
+                </a:extLst>
+              </a:tr>
+              <a:tr h="0">
+                <a:tc>
+                  <a:txBody>
+                    <a:bodyPr/>
+                    <a:lstStyle/>
+                    <a:p>
+                      <a:pPr algn="ctr"/>
+                      <a:r>
+                        <a:rPr lang="en-US"/>
+                        <a:t>2003</a:t>
+                      </a:r>
+                    </a:p>
+                  </a:txBody>
+                  <a:tcPr anchor="ctr"/>
+                </a:tc>
+                <a:tc>
+                  <a:txBody>
+                    <a:bodyPr/>
+                    <a:lstStyle/>
+                    <a:p>
+                      <a:r>
+                        <a:rPr lang="en-US" b="1"/>
+                        <a:t>Latent Semantic Analysis (LSA)</a:t>
+                      </a:r>
+                      <a:r>
+                        <a:rPr lang="en-US"/>
+                        <a:t> introduced word co-occurrence + SVD</a:t>
+                      </a:r>
+                    </a:p>
+                  </a:txBody>
+                  <a:tcPr anchor="ctr"/>
+                </a:tc>
+                <a:extLst>
+                  <a:ext uri="{0D108BD9-81ED-4DB2-BD59-A6C34878D82A}">
+                    <a16:rowId xmlns:a16="http://schemas.microsoft.com/office/drawing/2014/main" val="3971901233"/>
+                  </a:ext>
+                </a:extLst>
+              </a:tr>
+              <a:tr h="0">
+                <a:tc>
+                  <a:txBody>
+                    <a:bodyPr/>
+                    <a:lstStyle/>
+                    <a:p>
+                      <a:pPr algn="ctr"/>
+                      <a:r>
+                        <a:rPr lang="en-US"/>
+                        <a:t>2008</a:t>
+                      </a:r>
+                    </a:p>
+                  </a:txBody>
+                  <a:tcPr anchor="ctr"/>
+                </a:tc>
+                <a:tc>
+                  <a:txBody>
+                    <a:bodyPr/>
+                    <a:lstStyle/>
+                    <a:p>
+                      <a:r>
+                        <a:rPr lang="en-US" b="1"/>
+                        <a:t>Neural Probabilistic Language Models</a:t>
+                      </a:r>
+                      <a:r>
+                        <a:rPr lang="en-US"/>
+                        <a:t> by Bengio introduced neural embeddings</a:t>
+                      </a:r>
+                    </a:p>
+                  </a:txBody>
+                  <a:tcPr anchor="ctr"/>
+                </a:tc>
+                <a:extLst>
+                  <a:ext uri="{0D108BD9-81ED-4DB2-BD59-A6C34878D82A}">
+                    <a16:rowId xmlns:a16="http://schemas.microsoft.com/office/drawing/2014/main" val="1288273102"/>
+                  </a:ext>
+                </a:extLst>
+              </a:tr>
+              <a:tr h="0">
+                <a:tc>
+                  <a:txBody>
+                    <a:bodyPr/>
+                    <a:lstStyle/>
+                    <a:p>
+                      <a:pPr algn="ctr"/>
+                      <a:r>
+                        <a:rPr lang="en-US"/>
+                        <a:t>2013</a:t>
+                      </a:r>
+                    </a:p>
+                  </a:txBody>
+                  <a:tcPr anchor="ctr"/>
+                </a:tc>
+                <a:tc>
+                  <a:txBody>
+                    <a:bodyPr/>
+                    <a:lstStyle/>
+                    <a:p>
+                      <a:r>
+                        <a:rPr lang="en-US" b="1"/>
+                        <a:t>Word2Vec (Mikolov et al.)</a:t>
+                      </a:r>
+                      <a:r>
+                        <a:rPr lang="en-US"/>
+                        <a:t>: CBOW and Skip-gram models</a:t>
+                      </a:r>
+                    </a:p>
+                  </a:txBody>
+                  <a:tcPr anchor="ctr"/>
+                </a:tc>
+                <a:extLst>
+                  <a:ext uri="{0D108BD9-81ED-4DB2-BD59-A6C34878D82A}">
+                    <a16:rowId xmlns:a16="http://schemas.microsoft.com/office/drawing/2014/main" val="1293873400"/>
+                  </a:ext>
+                </a:extLst>
+              </a:tr>
+              <a:tr h="0">
+                <a:tc>
+                  <a:txBody>
+                    <a:bodyPr/>
+                    <a:lstStyle/>
+                    <a:p>
+                      <a:pPr algn="ctr"/>
+                      <a:r>
+                        <a:rPr lang="en-US"/>
+                        <a:t>2014</a:t>
+                      </a:r>
+                    </a:p>
+                  </a:txBody>
+                  <a:tcPr anchor="ctr"/>
+                </a:tc>
+                <a:tc>
+                  <a:txBody>
+                    <a:bodyPr/>
+                    <a:lstStyle/>
+                    <a:p>
+                      <a:r>
+                        <a:rPr lang="en-US" b="1"/>
+                        <a:t>GloVe (Pennington et al.)</a:t>
+                      </a:r>
+                      <a:r>
+                        <a:rPr lang="en-US"/>
+                        <a:t>: Uses global co-occurrence statistics</a:t>
+                      </a:r>
+                    </a:p>
+                  </a:txBody>
+                  <a:tcPr anchor="ctr"/>
+                </a:tc>
+                <a:extLst>
+                  <a:ext uri="{0D108BD9-81ED-4DB2-BD59-A6C34878D82A}">
+                    <a16:rowId xmlns:a16="http://schemas.microsoft.com/office/drawing/2014/main" val="406595312"/>
+                  </a:ext>
+                </a:extLst>
+              </a:tr>
+              <a:tr h="0">
+                <a:tc>
+                  <a:txBody>
+                    <a:bodyPr/>
+                    <a:lstStyle/>
+                    <a:p>
+                      <a:pPr algn="ctr"/>
+                      <a:r>
+                        <a:rPr lang="en-US" dirty="0"/>
+                        <a:t>2018+</a:t>
+                      </a:r>
+                    </a:p>
+                  </a:txBody>
+                  <a:tcPr anchor="ctr"/>
+                </a:tc>
+                <a:tc>
+                  <a:txBody>
+                    <a:bodyPr/>
+                    <a:lstStyle/>
+                    <a:p>
+                      <a:r>
+                        <a:rPr lang="en-US" b="1" dirty="0"/>
+                        <a:t>Contextual embeddings</a:t>
+                      </a:r>
+                      <a:r>
+                        <a:rPr lang="en-US" dirty="0"/>
+                        <a:t>: </a:t>
+                      </a:r>
+                      <a:r>
+                        <a:rPr lang="en-US" dirty="0" err="1"/>
+                        <a:t>ELMo</a:t>
+                      </a:r>
+                      <a:r>
+                        <a:rPr lang="en-US" dirty="0"/>
+                        <a:t>, BERT, GPT – generate embeddings based on context</a:t>
+                      </a:r>
+                    </a:p>
+                  </a:txBody>
+                  <a:tcPr anchor="ctr"/>
+                </a:tc>
+                <a:extLst>
+                  <a:ext uri="{0D108BD9-81ED-4DB2-BD59-A6C34878D82A}">
+                    <a16:rowId xmlns:a16="http://schemas.microsoft.com/office/drawing/2014/main" val="1050583782"/>
+                  </a:ext>
+                </a:extLst>
+              </a:tr>
+            </a:tbl>
+          </a:graphicData>
+        </a:graphic>
+      </p:graphicFrame>
+    </p:spTree>
+    <p:extLst>
+      <p:ext uri="{BB962C8B-B14F-4D97-AF65-F5344CB8AC3E}">
+        <p14:creationId xmlns:p14="http://schemas.microsoft.com/office/powerpoint/2010/main" val="3798485893"/>
+      </p:ext>
+    </p:extLst>
+  </p:cSld>
+  <p:clrMapOvr>
+    <a:masterClrMapping/>
+  </p:clrMapOvr>
+</p:sld>
+</file>
+
+<file path=ppt/slides/slide27.xml><?xml version="1.0" encoding="utf-8"?>
 <p:sld xmlns:a="http://schemas.openxmlformats.org/drawingml/2006/main" xmlns:r="http://schemas.openxmlformats.org/officeDocument/2006/relationships" xmlns:p="http://schemas.openxmlformats.org/presentationml/2006/main">
   <p:cSld>
     <p:spTree>
@@ -16282,7 +16949,7 @@
 </p:sld>
 </file>
 
-<file path=ppt/slides/slide26.xml><?xml version="1.0" encoding="utf-8"?>
+<file path=ppt/slides/slide28.xml><?xml version="1.0" encoding="utf-8"?>
 <p:sld xmlns:a="http://schemas.openxmlformats.org/drawingml/2006/main" xmlns:r="http://schemas.openxmlformats.org/officeDocument/2006/relationships" xmlns:p="http://schemas.openxmlformats.org/presentationml/2006/main">
   <p:cSld>
     <p:spTree>
@@ -16290,7 +16957,7 @@
         <p:cNvPr id="1" name="">
           <a:extLst>
             <a:ext uri="{FF2B5EF4-FFF2-40B4-BE49-F238E27FC236}">
-              <a16:creationId xmlns:a16="http://schemas.microsoft.com/office/drawing/2014/main" id="{2B135843-6243-4FED-D51B-9968DB412963}"/>
+              <a16:creationId xmlns:a16="http://schemas.microsoft.com/office/drawing/2014/main" id="{26CCBC2A-6393-1C4B-0250-6BDD7A5F357C}"/>
             </a:ext>
           </a:extLst>
         </p:cNvPr>
@@ -16310,7 +16977,7 @@
           <p:cNvPr id="2" name="Title 1">
             <a:extLst>
               <a:ext uri="{FF2B5EF4-FFF2-40B4-BE49-F238E27FC236}">
-                <a16:creationId xmlns:a16="http://schemas.microsoft.com/office/drawing/2014/main" id="{02476EB8-B223-49A9-A9FB-EBE8A0CF6909}"/>
+                <a16:creationId xmlns:a16="http://schemas.microsoft.com/office/drawing/2014/main" id="{E250CB75-32B5-54B2-C059-6531F129CDF6}"/>
               </a:ext>
             </a:extLst>
           </p:cNvPr>
@@ -16335,70 +17002,12 @@
           </a:p>
         </p:txBody>
       </p:sp>
-      <p:sp>
-        <p:nvSpPr>
-          <p:cNvPr id="3" name="Content Placeholder 2">
-            <a:extLst>
-              <a:ext uri="{FF2B5EF4-FFF2-40B4-BE49-F238E27FC236}">
-                <a16:creationId xmlns:a16="http://schemas.microsoft.com/office/drawing/2014/main" id="{01739F70-6609-23E4-8242-5877432501A5}"/>
-              </a:ext>
-            </a:extLst>
-          </p:cNvPr>
-          <p:cNvSpPr>
-            <a:spLocks noGrp="1"/>
-          </p:cNvSpPr>
-          <p:nvPr>
-            <p:ph idx="1"/>
-          </p:nvPr>
-        </p:nvSpPr>
-        <p:spPr>
-          <a:xfrm>
-            <a:off x="838200" y="1706008"/>
-            <a:ext cx="10987216" cy="748208"/>
-          </a:xfrm>
-        </p:spPr>
-        <p:txBody>
-          <a:bodyPr>
-            <a:normAutofit lnSpcReduction="10000"/>
-          </a:bodyPr>
-          <a:lstStyle/>
-          <a:p>
-            <a:pPr marL="0" indent="0">
-              <a:buNone/>
-            </a:pPr>
-            <a:r>
-              <a:rPr lang="en-US" sz="2000" b="1" dirty="0"/>
-              <a:t>Problem</a:t>
-            </a:r>
-            <a:r>
-              <a:rPr lang="en-US" sz="2000" dirty="0"/>
-              <a:t>: How do we represent meaning mathematically?</a:t>
-            </a:r>
-          </a:p>
-          <a:p>
-            <a:pPr marL="0" indent="0">
-              <a:buNone/>
-            </a:pPr>
-            <a:r>
-              <a:rPr lang="en-US" sz="2000" b="1" dirty="0"/>
-              <a:t>Solution</a:t>
-            </a:r>
-            <a:r>
-              <a:rPr lang="en-US" sz="2000" dirty="0"/>
-              <a:t>: Distributional hypothesis - "You shall know a word by the company it keeps" (J.R. Firth, 1957)</a:t>
-            </a:r>
-          </a:p>
-          <a:p>
-            <a:endParaRPr lang="en-US" sz="2000" dirty="0"/>
-          </a:p>
-        </p:txBody>
-      </p:sp>
       <p:pic>
         <p:nvPicPr>
           <p:cNvPr id="3074" name="Picture 2" descr="Distributional semantics - Wikipedia">
             <a:extLst>
               <a:ext uri="{FF2B5EF4-FFF2-40B4-BE49-F238E27FC236}">
-                <a16:creationId xmlns:a16="http://schemas.microsoft.com/office/drawing/2014/main" id="{7838B5EC-812C-CDC8-5CFB-BD8E43326345}"/>
+                <a16:creationId xmlns:a16="http://schemas.microsoft.com/office/drawing/2014/main" id="{0B07856E-5E99-A71D-3806-31C75513A9DA}"/>
               </a:ext>
             </a:extLst>
           </p:cNvPr>
@@ -16422,8 +17031,8 @@
         </p:blipFill>
         <p:spPr bwMode="auto">
           <a:xfrm>
-            <a:off x="7290487" y="2324380"/>
-            <a:ext cx="4312508" cy="3049106"/>
+            <a:off x="7967018" y="3937446"/>
+            <a:ext cx="3676135" cy="2599165"/>
           </a:xfrm>
           <a:prstGeom prst="rect">
             <a:avLst/>
@@ -16445,18 +17054,24 @@
           <p:cNvPr id="4" name="Table 3">
             <a:extLst>
               <a:ext uri="{FF2B5EF4-FFF2-40B4-BE49-F238E27FC236}">
-                <a16:creationId xmlns:a16="http://schemas.microsoft.com/office/drawing/2014/main" id="{1E03E6E9-29DB-6231-D36D-166BD1A4B0BC}"/>
+                <a16:creationId xmlns:a16="http://schemas.microsoft.com/office/drawing/2014/main" id="{504892DD-E1CA-6BC8-D479-F4D88CB62E80}"/>
               </a:ext>
             </a:extLst>
           </p:cNvPr>
           <p:cNvGraphicFramePr>
             <a:graphicFrameLocks noGrp="1"/>
           </p:cNvGraphicFramePr>
-          <p:nvPr/>
+          <p:nvPr>
+            <p:extLst>
+              <p:ext uri="{D42A27DB-BD31-4B8C-83A1-F6EECF244321}">
+                <p14:modId xmlns:p14="http://schemas.microsoft.com/office/powerpoint/2010/main" val="771664330"/>
+              </p:ext>
+            </p:extLst>
+          </p:nvPr>
         </p:nvGraphicFramePr>
         <p:xfrm>
-          <a:off x="838200" y="2614493"/>
-          <a:ext cx="6236043" cy="2468880"/>
+          <a:off x="1175175" y="4414835"/>
+          <a:ext cx="5996094" cy="1797140"/>
         </p:xfrm>
         <a:graphic>
           <a:graphicData uri="http://schemas.openxmlformats.org/drawingml/2006/table">
@@ -16465,21 +17080,21 @@
                 <a:tableStyleId>{616DA210-FB5B-4158-B5E0-FEB733F419BA}</a:tableStyleId>
               </a:tblPr>
               <a:tblGrid>
-                <a:gridCol w="2078681">
+                <a:gridCol w="1998698">
                   <a:extLst>
                     <a:ext uri="{9D8B030D-6E8A-4147-A177-3AD203B41FA5}">
                       <a16:colId xmlns:a16="http://schemas.microsoft.com/office/drawing/2014/main" val="1074427067"/>
                     </a:ext>
                   </a:extLst>
                 </a:gridCol>
-                <a:gridCol w="2078681">
+                <a:gridCol w="1998698">
                   <a:extLst>
                     <a:ext uri="{9D8B030D-6E8A-4147-A177-3AD203B41FA5}">
                       <a16:colId xmlns:a16="http://schemas.microsoft.com/office/drawing/2014/main" val="118472165"/>
                     </a:ext>
                   </a:extLst>
                 </a:gridCol>
-                <a:gridCol w="2078681">
+                <a:gridCol w="1998698">
                   <a:extLst>
                     <a:ext uri="{9D8B030D-6E8A-4147-A177-3AD203B41FA5}">
                       <a16:colId xmlns:a16="http://schemas.microsoft.com/office/drawing/2014/main" val="4173155874"/>
@@ -16487,7 +17102,7 @@
                   </a:extLst>
                 </a:gridCol>
               </a:tblGrid>
-              <a:tr h="0">
+              <a:tr h="425540">
                 <a:tc>
                   <a:txBody>
                     <a:bodyPr/>
@@ -16495,7 +17110,7 @@
                     <a:p>
                       <a:pPr algn="ctr"/>
                       <a:r>
-                        <a:rPr lang="en-US"/>
+                        <a:rPr lang="en-US" sz="1200"/>
                         <a:t>Word</a:t>
                       </a:r>
                     </a:p>
@@ -16509,7 +17124,7 @@
                     <a:p>
                       <a:pPr algn="ctr"/>
                       <a:r>
-                        <a:rPr lang="en-US" dirty="0"/>
+                        <a:rPr lang="en-US" sz="1200" dirty="0"/>
                         <a:t>Dimension 1 (political)</a:t>
                       </a:r>
                     </a:p>
@@ -16523,7 +17138,7 @@
                     <a:p>
                       <a:pPr algn="ctr"/>
                       <a:r>
-                        <a:rPr lang="en-US"/>
+                        <a:rPr lang="en-US" sz="1200" dirty="0"/>
                         <a:t>Dimension 2 (dangerous)</a:t>
                       </a:r>
                     </a:p>
@@ -16536,7 +17151,7 @@
                   </a:ext>
                 </a:extLst>
               </a:tr>
-              <a:tr h="0">
+              <a:tr h="243165">
                 <a:tc>
                   <a:txBody>
                     <a:bodyPr/>
@@ -16544,7 +17159,7 @@
                     <a:p>
                       <a:pPr algn="ctr"/>
                       <a:r>
-                        <a:rPr lang="en-US"/>
+                        <a:rPr lang="en-US" sz="1200"/>
                         <a:t>shark</a:t>
                       </a:r>
                     </a:p>
@@ -16558,7 +17173,7 @@
                     <a:p>
                       <a:pPr algn="ctr"/>
                       <a:r>
-                        <a:rPr lang="en-US"/>
+                        <a:rPr lang="en-US" sz="1200"/>
                         <a:t>0.05</a:t>
                       </a:r>
                     </a:p>
@@ -16572,7 +17187,7 @@
                     <a:p>
                       <a:pPr algn="ctr"/>
                       <a:r>
-                        <a:rPr lang="en-US"/>
+                        <a:rPr lang="en-US" sz="1200"/>
                         <a:t>0.22</a:t>
                       </a:r>
                     </a:p>
@@ -16585,7 +17200,7 @@
                   </a:ext>
                 </a:extLst>
               </a:tr>
-              <a:tr h="0">
+              <a:tr h="243165">
                 <a:tc>
                   <a:txBody>
                     <a:bodyPr/>
@@ -16593,7 +17208,7 @@
                     <a:p>
                       <a:pPr algn="ctr"/>
                       <a:r>
-                        <a:rPr lang="en-US" dirty="0"/>
+                        <a:rPr lang="en-US" sz="1200" dirty="0"/>
                         <a:t>animal</a:t>
                       </a:r>
                     </a:p>
@@ -16607,7 +17222,7 @@
                     <a:p>
                       <a:pPr algn="ctr"/>
                       <a:r>
-                        <a:rPr lang="en-US"/>
+                        <a:rPr lang="en-US" sz="1200"/>
                         <a:t>0.03</a:t>
                       </a:r>
                     </a:p>
@@ -16621,7 +17236,7 @@
                     <a:p>
                       <a:pPr algn="ctr"/>
                       <a:r>
-                        <a:rPr lang="en-US"/>
+                        <a:rPr lang="en-US" sz="1200"/>
                         <a:t>0.25</a:t>
                       </a:r>
                     </a:p>
@@ -16634,7 +17249,7 @@
                   </a:ext>
                 </a:extLst>
               </a:tr>
-              <a:tr h="0">
+              <a:tr h="243165">
                 <a:tc>
                   <a:txBody>
                     <a:bodyPr/>
@@ -16642,7 +17257,7 @@
                     <a:p>
                       <a:pPr algn="ctr"/>
                       <a:r>
-                        <a:rPr lang="en-US"/>
+                        <a:rPr lang="en-US" sz="1200"/>
                         <a:t>dangerous</a:t>
                       </a:r>
                     </a:p>
@@ -16656,7 +17271,7 @@
                     <a:p>
                       <a:pPr algn="ctr"/>
                       <a:r>
-                        <a:rPr lang="en-US"/>
+                        <a:rPr lang="en-US" sz="1200"/>
                         <a:t>0.07</a:t>
                       </a:r>
                     </a:p>
@@ -16670,7 +17285,7 @@
                     <a:p>
                       <a:pPr algn="ctr"/>
                       <a:r>
-                        <a:rPr lang="en-US"/>
+                        <a:rPr lang="en-US" sz="1200"/>
                         <a:t>0.32</a:t>
                       </a:r>
                     </a:p>
@@ -16683,7 +17298,7 @@
                   </a:ext>
                 </a:extLst>
               </a:tr>
-              <a:tr h="0">
+              <a:tr h="243165">
                 <a:tc>
                   <a:txBody>
                     <a:bodyPr/>
@@ -16691,7 +17306,7 @@
                     <a:p>
                       <a:pPr algn="ctr"/>
                       <a:r>
-                        <a:rPr lang="en-US"/>
+                        <a:rPr lang="en-US" sz="1200"/>
                         <a:t>political</a:t>
                       </a:r>
                     </a:p>
@@ -16705,7 +17320,7 @@
                     <a:p>
                       <a:pPr algn="ctr"/>
                       <a:r>
-                        <a:rPr lang="en-US"/>
+                        <a:rPr lang="en-US" sz="1200"/>
                         <a:t>0.31</a:t>
                       </a:r>
                     </a:p>
@@ -16719,7 +17334,7 @@
                     <a:p>
                       <a:pPr algn="ctr"/>
                       <a:r>
-                        <a:rPr lang="en-US"/>
+                        <a:rPr lang="en-US" sz="1200"/>
                         <a:t>0.04</a:t>
                       </a:r>
                     </a:p>
@@ -16732,7 +17347,7 @@
                   </a:ext>
                 </a:extLst>
               </a:tr>
-              <a:tr h="0">
+              <a:tr h="243165">
                 <a:tc>
                   <a:txBody>
                     <a:bodyPr/>
@@ -16740,7 +17355,7 @@
                     <a:p>
                       <a:pPr algn="ctr"/>
                       <a:r>
-                        <a:rPr lang="en-US"/>
+                        <a:rPr lang="en-US" sz="1200"/>
                         <a:t>dictatorship</a:t>
                       </a:r>
                     </a:p>
@@ -16754,7 +17369,7 @@
                     <a:p>
                       <a:pPr algn="ctr"/>
                       <a:r>
-                        <a:rPr lang="en-US" dirty="0"/>
+                        <a:rPr lang="en-US" sz="1200" dirty="0"/>
                         <a:t>0.28</a:t>
                       </a:r>
                     </a:p>
@@ -16768,7 +17383,7 @@
                     <a:p>
                       <a:pPr algn="ctr"/>
                       <a:r>
-                        <a:rPr lang="en-US" dirty="0"/>
+                        <a:rPr lang="en-US" sz="1200" dirty="0"/>
                         <a:t>0.15</a:t>
                       </a:r>
                     </a:p>
@@ -16790,7 +17405,7 @@
           <p:cNvPr id="6" name="Content Placeholder 2">
             <a:extLst>
               <a:ext uri="{FF2B5EF4-FFF2-40B4-BE49-F238E27FC236}">
-                <a16:creationId xmlns:a16="http://schemas.microsoft.com/office/drawing/2014/main" id="{92914B84-CEDA-F1F7-43A7-C8BAE37A70A8}"/>
+                <a16:creationId xmlns:a16="http://schemas.microsoft.com/office/drawing/2014/main" id="{1D27AC1E-6501-8C60-78EA-E646BECE95CF}"/>
               </a:ext>
             </a:extLst>
           </p:cNvPr>
@@ -16988,162 +17603,18 @@
                 <a:spcPct val="0"/>
               </a:spcAft>
             </a:pPr>
-            <a:r>
-              <a:rPr kumimoji="0" lang="en-US" altLang="en-US" sz="1400" i="0" u="none" strike="noStrike" cap="none" normalizeH="0" baseline="0" dirty="0">
-                <a:ln>
-                  <a:noFill/>
-                </a:ln>
-                <a:solidFill>
-                  <a:schemeClr val="tx1"/>
-                </a:solidFill>
-                <a:effectLst/>
-                <a:latin typeface="Calibri (Body)"/>
-              </a:rPr>
-              <a:t>Words are represented as dense vectors in a continuous vector space </a:t>
-            </a:r>
-          </a:p>
-          <a:p>
-            <a:pPr marL="0" eaLnBrk="0" fontAlgn="base" hangingPunct="0">
-              <a:lnSpc>
-                <a:spcPct val="100000"/>
-              </a:lnSpc>
-              <a:spcBef>
-                <a:spcPct val="0"/>
-              </a:spcBef>
-              <a:spcAft>
-                <a:spcPct val="0"/>
-              </a:spcAft>
-            </a:pPr>
-            <a:r>
-              <a:rPr lang="en-US" altLang="en-US" sz="1400" dirty="0">
-                <a:latin typeface="Calibri (Body)"/>
-              </a:rPr>
-              <a:t>Each dimension potentially captures semantic meaning </a:t>
-            </a:r>
-          </a:p>
-          <a:p>
-            <a:pPr marL="0" eaLnBrk="0" fontAlgn="base" hangingPunct="0">
-              <a:lnSpc>
-                <a:spcPct val="100000"/>
-              </a:lnSpc>
-              <a:spcBef>
-                <a:spcPct val="0"/>
-              </a:spcBef>
-              <a:spcAft>
-                <a:spcPct val="0"/>
-              </a:spcAft>
-            </a:pPr>
-            <a:r>
-              <a:rPr lang="en-US" altLang="en-US" sz="1400" dirty="0">
-                <a:latin typeface="Calibri (Body)"/>
-              </a:rPr>
-              <a:t>Similar words cluster together in the vector space </a:t>
-            </a:r>
-          </a:p>
-          <a:p>
-            <a:pPr marL="0" eaLnBrk="0" fontAlgn="base" hangingPunct="0">
-              <a:lnSpc>
-                <a:spcPct val="100000"/>
-              </a:lnSpc>
-              <a:spcBef>
-                <a:spcPct val="0"/>
-              </a:spcBef>
-              <a:spcAft>
-                <a:spcPct val="0"/>
-              </a:spcAft>
-            </a:pPr>
-            <a:r>
-              <a:rPr lang="en-US" altLang="en-US" sz="1400" dirty="0">
-                <a:latin typeface="Calibri (Body)"/>
-              </a:rPr>
-              <a:t>Semantic relationships are preserved (e.g., "shark" is closer to "dangerous" than "political") </a:t>
-            </a:r>
-          </a:p>
-          <a:p>
-            <a:pPr marL="0" eaLnBrk="0" fontAlgn="base" hangingPunct="0">
-              <a:lnSpc>
-                <a:spcPct val="100000"/>
-              </a:lnSpc>
-              <a:spcBef>
-                <a:spcPct val="0"/>
-              </a:spcBef>
-              <a:spcAft>
-                <a:spcPct val="0"/>
-              </a:spcAft>
-            </a:pPr>
-            <a:r>
-              <a:rPr lang="en-US" altLang="en-US" sz="1400" dirty="0">
-                <a:latin typeface="Calibri (Body)"/>
-              </a:rPr>
-              <a:t>Enables meaningful similarity measurements and analogies </a:t>
-            </a:r>
-          </a:p>
-        </p:txBody>
-      </p:sp>
-    </p:spTree>
-    <p:extLst>
-      <p:ext uri="{BB962C8B-B14F-4D97-AF65-F5344CB8AC3E}">
-        <p14:creationId xmlns:p14="http://schemas.microsoft.com/office/powerpoint/2010/main" val="2522473771"/>
-      </p:ext>
-    </p:extLst>
-  </p:cSld>
-  <p:clrMapOvr>
-    <a:masterClrMapping/>
-  </p:clrMapOvr>
-</p:sld>
-</file>
-
-<file path=ppt/slides/slide27.xml><?xml version="1.0" encoding="utf-8"?>
-<p:sld xmlns:a="http://schemas.openxmlformats.org/drawingml/2006/main" xmlns:r="http://schemas.openxmlformats.org/officeDocument/2006/relationships" xmlns:p="http://schemas.openxmlformats.org/presentationml/2006/main">
-  <p:cSld>
-    <p:spTree>
-      <p:nvGrpSpPr>
-        <p:cNvPr id="1" name=""/>
-        <p:cNvGrpSpPr/>
-        <p:nvPr/>
-      </p:nvGrpSpPr>
-      <p:grpSpPr>
-        <a:xfrm>
-          <a:off x="0" y="0"/>
-          <a:ext cx="0" cy="0"/>
-          <a:chOff x="0" y="0"/>
-          <a:chExt cx="0" cy="0"/>
-        </a:xfrm>
-      </p:grpSpPr>
-      <p:sp>
-        <p:nvSpPr>
-          <p:cNvPr id="2" name="Title 1">
-            <a:extLst>
-              <a:ext uri="{FF2B5EF4-FFF2-40B4-BE49-F238E27FC236}">
-                <a16:creationId xmlns:a16="http://schemas.microsoft.com/office/drawing/2014/main" id="{31B68434-2582-A79E-C7F4-AFD0F25F229E}"/>
-              </a:ext>
-            </a:extLst>
-          </p:cNvPr>
-          <p:cNvSpPr>
-            <a:spLocks noGrp="1"/>
-          </p:cNvSpPr>
-          <p:nvPr>
-            <p:ph type="title"/>
-          </p:nvPr>
-        </p:nvSpPr>
-        <p:spPr/>
-        <p:txBody>
-          <a:bodyPr/>
-          <a:lstStyle/>
-          <a:p>
-            <a:r>
-              <a:rPr lang="en-US" dirty="0"/>
-              <a:t>Word Similarities</a:t>
-            </a:r>
+            <a:endParaRPr lang="en-US" altLang="en-US" sz="1400" dirty="0">
+              <a:latin typeface="Calibri (Body)"/>
+            </a:endParaRPr>
           </a:p>
         </p:txBody>
       </p:sp>
       <p:sp>
         <p:nvSpPr>
-          <p:cNvPr id="3" name="Content Placeholder 2">
+          <p:cNvPr id="7" name="Content Placeholder 6">
             <a:extLst>
               <a:ext uri="{FF2B5EF4-FFF2-40B4-BE49-F238E27FC236}">
-                <a16:creationId xmlns:a16="http://schemas.microsoft.com/office/drawing/2014/main" id="{6550BFB1-3BB2-F860-4F7F-86C77D5819E8}"/>
+                <a16:creationId xmlns:a16="http://schemas.microsoft.com/office/drawing/2014/main" id="{C666FB4C-EEE7-7F42-7A0E-D81C79B7B789}"/>
               </a:ext>
             </a:extLst>
           </p:cNvPr>
@@ -17155,1248 +17626,189 @@
           </p:nvPr>
         </p:nvSpPr>
         <p:spPr>
-          <a:solidFill>
-            <a:schemeClr val="bg1"/>
-          </a:solidFill>
+          <a:xfrm>
+            <a:off x="838199" y="1744346"/>
+            <a:ext cx="8905103" cy="2193100"/>
+          </a:xfrm>
         </p:spPr>
         <p:txBody>
           <a:bodyPr>
-            <a:normAutofit fontScale="92500" lnSpcReduction="10000"/>
+            <a:normAutofit fontScale="85000" lnSpcReduction="10000"/>
           </a:bodyPr>
           <a:lstStyle/>
           <a:p>
-            <a:pPr>
+            <a:r>
+              <a:rPr lang="en-US" b="1" dirty="0"/>
+              <a:t>Problem</a:t>
+            </a:r>
+            <a:r>
+              <a:rPr lang="en-US" dirty="0"/>
+              <a:t>: How do we represent meaning mathematically?</a:t>
+            </a:r>
+          </a:p>
+          <a:p>
+            <a:r>
+              <a:rPr lang="en-US" b="1" dirty="0"/>
+              <a:t>Solution</a:t>
+            </a:r>
+            <a:r>
+              <a:rPr lang="en-US" dirty="0"/>
+              <a:t>: Distributional hypothesis - "</a:t>
+            </a:r>
+            <a:r>
+              <a:rPr lang="en-US" dirty="0">
+                <a:solidFill>
+                  <a:srgbClr val="FF0000"/>
+                </a:solidFill>
+              </a:rPr>
+              <a:t>You shall know a word by the company it keeps</a:t>
+            </a:r>
+            <a:r>
+              <a:rPr lang="en-US" dirty="0"/>
+              <a:t>" (J.R. Firth, 1957)</a:t>
+            </a:r>
+          </a:p>
+          <a:p>
+            <a:pPr marL="0" eaLnBrk="0" fontAlgn="base" hangingPunct="0">
               <a:lnSpc>
-                <a:spcPct val="120000"/>
+                <a:spcPct val="100000"/>
               </a:lnSpc>
-              <a:buNone/>
-            </a:pPr>
-            <a:r>
-              <a:rPr lang="en-US" sz="1200" b="0" dirty="0">
-                <a:solidFill>
-                  <a:srgbClr val="0000FF"/>
+              <a:spcBef>
+                <a:spcPct val="0"/>
+              </a:spcBef>
+              <a:spcAft>
+                <a:spcPct val="0"/>
+              </a:spcAft>
+            </a:pPr>
+            <a:r>
+              <a:rPr kumimoji="0" lang="en-US" altLang="en-US" sz="2000" i="0" u="none" strike="noStrike" cap="none" normalizeH="0" baseline="0" dirty="0">
+                <a:ln>
+                  <a:noFill/>
+                </a:ln>
+                <a:solidFill>
+                  <a:schemeClr val="tx1"/>
                 </a:solidFill>
                 <a:effectLst/>
-                <a:latin typeface="Consolas" panose="020B0609020204030204" pitchFamily="49" charset="0"/>
-              </a:rPr>
-              <a:t>import</a:t>
-            </a:r>
-            <a:r>
-              <a:rPr lang="en-US" sz="1200" b="0" dirty="0">
-                <a:solidFill>
-                  <a:srgbClr val="000000"/>
-                </a:solidFill>
-                <a:effectLst/>
-                <a:latin typeface="Consolas" panose="020B0609020204030204" pitchFamily="49" charset="0"/>
-              </a:rPr>
-              <a:t> </a:t>
-            </a:r>
-            <a:r>
-              <a:rPr lang="en-US" sz="1200" b="0" dirty="0" err="1">
-                <a:solidFill>
-                  <a:srgbClr val="000000"/>
-                </a:solidFill>
-                <a:effectLst/>
-                <a:latin typeface="Consolas" panose="020B0609020204030204" pitchFamily="49" charset="0"/>
-              </a:rPr>
-              <a:t>numpy</a:t>
-            </a:r>
-            <a:r>
-              <a:rPr lang="en-US" sz="1200" b="0" dirty="0">
-                <a:solidFill>
-                  <a:srgbClr val="000000"/>
-                </a:solidFill>
-                <a:effectLst/>
-                <a:latin typeface="Consolas" panose="020B0609020204030204" pitchFamily="49" charset="0"/>
-              </a:rPr>
-              <a:t> </a:t>
-            </a:r>
-            <a:r>
-              <a:rPr lang="en-US" sz="1200" b="0" dirty="0">
-                <a:solidFill>
-                  <a:srgbClr val="0000FF"/>
-                </a:solidFill>
-                <a:effectLst/>
-                <a:latin typeface="Consolas" panose="020B0609020204030204" pitchFamily="49" charset="0"/>
-              </a:rPr>
-              <a:t>as</a:t>
-            </a:r>
-            <a:r>
-              <a:rPr lang="en-US" sz="1200" b="0" dirty="0">
-                <a:solidFill>
-                  <a:srgbClr val="000000"/>
-                </a:solidFill>
-                <a:effectLst/>
-                <a:latin typeface="Consolas" panose="020B0609020204030204" pitchFamily="49" charset="0"/>
-              </a:rPr>
-              <a:t> np</a:t>
-            </a:r>
-          </a:p>
-          <a:p>
-            <a:pPr>
+                <a:latin typeface="Calibri (Body)"/>
+              </a:rPr>
+              <a:t>Words are represented as dense vectors in a continuous vector space </a:t>
+            </a:r>
+          </a:p>
+          <a:p>
+            <a:pPr marL="0" eaLnBrk="0" fontAlgn="base" hangingPunct="0">
               <a:lnSpc>
-                <a:spcPct val="120000"/>
+                <a:spcPct val="100000"/>
               </a:lnSpc>
-              <a:buNone/>
-            </a:pPr>
-            <a:r>
-              <a:rPr lang="en-US" sz="1200" b="0" dirty="0">
-                <a:solidFill>
-                  <a:srgbClr val="0000FF"/>
-                </a:solidFill>
-                <a:effectLst/>
-                <a:latin typeface="Consolas" panose="020B0609020204030204" pitchFamily="49" charset="0"/>
-              </a:rPr>
-              <a:t>from</a:t>
-            </a:r>
-            <a:r>
-              <a:rPr lang="en-US" sz="1200" b="0" dirty="0">
-                <a:solidFill>
-                  <a:srgbClr val="000000"/>
-                </a:solidFill>
-                <a:effectLst/>
-                <a:latin typeface="Consolas" panose="020B0609020204030204" pitchFamily="49" charset="0"/>
-              </a:rPr>
-              <a:t> </a:t>
-            </a:r>
-            <a:r>
-              <a:rPr lang="en-US" sz="1200" b="0" dirty="0" err="1">
-                <a:solidFill>
-                  <a:srgbClr val="000000"/>
-                </a:solidFill>
-                <a:effectLst/>
-                <a:latin typeface="Consolas" panose="020B0609020204030204" pitchFamily="49" charset="0"/>
-              </a:rPr>
-              <a:t>sklearn.metrics.pairwise</a:t>
-            </a:r>
-            <a:r>
-              <a:rPr lang="en-US" sz="1200" b="0" dirty="0">
-                <a:solidFill>
-                  <a:srgbClr val="000000"/>
-                </a:solidFill>
-                <a:effectLst/>
-                <a:latin typeface="Consolas" panose="020B0609020204030204" pitchFamily="49" charset="0"/>
-              </a:rPr>
-              <a:t> </a:t>
-            </a:r>
-            <a:r>
-              <a:rPr lang="en-US" sz="1200" b="0" dirty="0">
-                <a:solidFill>
-                  <a:srgbClr val="0000FF"/>
-                </a:solidFill>
-                <a:effectLst/>
-                <a:latin typeface="Consolas" panose="020B0609020204030204" pitchFamily="49" charset="0"/>
-              </a:rPr>
-              <a:t>import</a:t>
-            </a:r>
-            <a:r>
-              <a:rPr lang="en-US" sz="1200" b="0" dirty="0">
-                <a:solidFill>
-                  <a:srgbClr val="000000"/>
-                </a:solidFill>
-                <a:effectLst/>
-                <a:latin typeface="Consolas" panose="020B0609020204030204" pitchFamily="49" charset="0"/>
-              </a:rPr>
-              <a:t> </a:t>
-            </a:r>
-            <a:r>
-              <a:rPr lang="en-US" sz="1200" b="0" dirty="0" err="1">
-                <a:solidFill>
-                  <a:srgbClr val="000000"/>
-                </a:solidFill>
-                <a:effectLst/>
-                <a:latin typeface="Consolas" panose="020B0609020204030204" pitchFamily="49" charset="0"/>
-              </a:rPr>
-              <a:t>cosine_similarity</a:t>
-            </a:r>
-            <a:endParaRPr lang="en-US" sz="1200" b="0" dirty="0">
-              <a:solidFill>
-                <a:srgbClr val="000000"/>
-              </a:solidFill>
-              <a:effectLst/>
-              <a:latin typeface="Consolas" panose="020B0609020204030204" pitchFamily="49" charset="0"/>
-            </a:endParaRPr>
-          </a:p>
-          <a:p>
-            <a:pPr>
+              <a:spcBef>
+                <a:spcPct val="0"/>
+              </a:spcBef>
+              <a:spcAft>
+                <a:spcPct val="0"/>
+              </a:spcAft>
+            </a:pPr>
+            <a:r>
+              <a:rPr lang="en-US" altLang="en-US" sz="2000" dirty="0">
+                <a:latin typeface="Calibri (Body)"/>
+              </a:rPr>
+              <a:t>Each dimension potentially captures semantic meaning </a:t>
+            </a:r>
+          </a:p>
+          <a:p>
+            <a:pPr marL="0" eaLnBrk="0" fontAlgn="base" hangingPunct="0">
               <a:lnSpc>
-                <a:spcPct val="120000"/>
+                <a:spcPct val="100000"/>
               </a:lnSpc>
-              <a:buNone/>
-            </a:pPr>
-            <a:r>
-              <a:rPr lang="en-US" sz="1200" b="0" dirty="0">
-                <a:solidFill>
-                  <a:srgbClr val="008000"/>
-                </a:solidFill>
-                <a:effectLst/>
-                <a:latin typeface="Consolas" panose="020B0609020204030204" pitchFamily="49" charset="0"/>
-              </a:rPr>
-              <a:t># Fake word vectors (3D for simplicity)</a:t>
-            </a:r>
-            <a:endParaRPr lang="en-US" sz="1200" b="0" dirty="0">
-              <a:solidFill>
-                <a:srgbClr val="000000"/>
-              </a:solidFill>
-              <a:effectLst/>
-              <a:latin typeface="Consolas" panose="020B0609020204030204" pitchFamily="49" charset="0"/>
-            </a:endParaRPr>
-          </a:p>
-          <a:p>
-            <a:pPr>
+              <a:spcBef>
+                <a:spcPct val="0"/>
+              </a:spcBef>
+              <a:spcAft>
+                <a:spcPct val="0"/>
+              </a:spcAft>
+            </a:pPr>
+            <a:r>
+              <a:rPr lang="en-US" altLang="en-US" sz="2000" dirty="0">
+                <a:latin typeface="Calibri (Body)"/>
+              </a:rPr>
+              <a:t>Similar words cluster together in the vector space </a:t>
+            </a:r>
+          </a:p>
+          <a:p>
+            <a:pPr marL="0" eaLnBrk="0" fontAlgn="base" hangingPunct="0">
               <a:lnSpc>
-                <a:spcPct val="120000"/>
+                <a:spcPct val="100000"/>
               </a:lnSpc>
-              <a:buNone/>
-            </a:pPr>
-            <a:r>
-              <a:rPr lang="en-US" sz="1200" b="0" dirty="0" err="1">
-                <a:solidFill>
-                  <a:srgbClr val="000000"/>
-                </a:solidFill>
-                <a:effectLst/>
-                <a:latin typeface="Consolas" panose="020B0609020204030204" pitchFamily="49" charset="0"/>
-              </a:rPr>
-              <a:t>word_vectors</a:t>
-            </a:r>
-            <a:r>
-              <a:rPr lang="en-US" sz="1200" b="0" dirty="0">
-                <a:solidFill>
-                  <a:srgbClr val="000000"/>
-                </a:solidFill>
-                <a:effectLst/>
-                <a:latin typeface="Consolas" panose="020B0609020204030204" pitchFamily="49" charset="0"/>
-              </a:rPr>
-              <a:t> = {</a:t>
-            </a:r>
-          </a:p>
-          <a:p>
-            <a:pPr>
+              <a:spcBef>
+                <a:spcPct val="0"/>
+              </a:spcBef>
+              <a:spcAft>
+                <a:spcPct val="0"/>
+              </a:spcAft>
+            </a:pPr>
+            <a:r>
+              <a:rPr lang="en-US" altLang="en-US" sz="2000" dirty="0">
+                <a:latin typeface="Calibri (Body)"/>
+              </a:rPr>
+              <a:t>Semantic relationships are preserved (e.g., "shark" is closer to "dangerous" than "political") </a:t>
+            </a:r>
+          </a:p>
+          <a:p>
+            <a:pPr marL="0" eaLnBrk="0" fontAlgn="base" hangingPunct="0">
               <a:lnSpc>
-                <a:spcPct val="120000"/>
+                <a:spcPct val="100000"/>
               </a:lnSpc>
-              <a:buNone/>
-            </a:pPr>
-            <a:r>
-              <a:rPr lang="en-US" sz="1200" b="0" dirty="0">
-                <a:solidFill>
-                  <a:srgbClr val="000000"/>
-                </a:solidFill>
-                <a:effectLst/>
-                <a:latin typeface="Consolas" panose="020B0609020204030204" pitchFamily="49" charset="0"/>
-              </a:rPr>
-              <a:t>    </a:t>
-            </a:r>
-            <a:r>
-              <a:rPr lang="en-US" sz="1200" b="0" dirty="0">
-                <a:solidFill>
-                  <a:srgbClr val="A31515"/>
-                </a:solidFill>
-                <a:effectLst/>
-                <a:latin typeface="Consolas" panose="020B0609020204030204" pitchFamily="49" charset="0"/>
-              </a:rPr>
-              <a:t>"king"</a:t>
-            </a:r>
-            <a:r>
-              <a:rPr lang="en-US" sz="1200" b="0" dirty="0">
-                <a:solidFill>
-                  <a:srgbClr val="000000"/>
-                </a:solidFill>
-                <a:effectLst/>
-                <a:latin typeface="Consolas" panose="020B0609020204030204" pitchFamily="49" charset="0"/>
-              </a:rPr>
-              <a:t>: </a:t>
-            </a:r>
-            <a:r>
-              <a:rPr lang="en-US" sz="1200" b="0" dirty="0" err="1">
-                <a:solidFill>
-                  <a:srgbClr val="000000"/>
-                </a:solidFill>
-                <a:effectLst/>
-                <a:latin typeface="Consolas" panose="020B0609020204030204" pitchFamily="49" charset="0"/>
-              </a:rPr>
-              <a:t>np.array</a:t>
-            </a:r>
-            <a:r>
-              <a:rPr lang="en-US" sz="1200" b="0" dirty="0">
-                <a:solidFill>
-                  <a:srgbClr val="000000"/>
-                </a:solidFill>
-                <a:effectLst/>
-                <a:latin typeface="Consolas" panose="020B0609020204030204" pitchFamily="49" charset="0"/>
-              </a:rPr>
-              <a:t>([</a:t>
-            </a:r>
-            <a:r>
-              <a:rPr lang="en-US" sz="1200" b="0" dirty="0">
-                <a:solidFill>
-                  <a:srgbClr val="098658"/>
-                </a:solidFill>
-                <a:effectLst/>
-                <a:latin typeface="Consolas" panose="020B0609020204030204" pitchFamily="49" charset="0"/>
-              </a:rPr>
-              <a:t>0.8</a:t>
-            </a:r>
-            <a:r>
-              <a:rPr lang="en-US" sz="1200" b="0" dirty="0">
-                <a:solidFill>
-                  <a:srgbClr val="000000"/>
-                </a:solidFill>
-                <a:effectLst/>
-                <a:latin typeface="Consolas" panose="020B0609020204030204" pitchFamily="49" charset="0"/>
-              </a:rPr>
-              <a:t>, </a:t>
-            </a:r>
-            <a:r>
-              <a:rPr lang="en-US" sz="1200" b="0" dirty="0">
-                <a:solidFill>
-                  <a:srgbClr val="098658"/>
-                </a:solidFill>
-                <a:effectLst/>
-                <a:latin typeface="Consolas" panose="020B0609020204030204" pitchFamily="49" charset="0"/>
-              </a:rPr>
-              <a:t>0.65</a:t>
-            </a:r>
-            <a:r>
-              <a:rPr lang="en-US" sz="1200" b="0" dirty="0">
-                <a:solidFill>
-                  <a:srgbClr val="000000"/>
-                </a:solidFill>
-                <a:effectLst/>
-                <a:latin typeface="Consolas" panose="020B0609020204030204" pitchFamily="49" charset="0"/>
-              </a:rPr>
-              <a:t>, </a:t>
-            </a:r>
-            <a:r>
-              <a:rPr lang="en-US" sz="1200" b="0" dirty="0">
-                <a:solidFill>
-                  <a:srgbClr val="098658"/>
-                </a:solidFill>
-                <a:effectLst/>
-                <a:latin typeface="Consolas" panose="020B0609020204030204" pitchFamily="49" charset="0"/>
-              </a:rPr>
-              <a:t>0.1</a:t>
-            </a:r>
-            <a:r>
-              <a:rPr lang="en-US" sz="1200" b="0" dirty="0">
-                <a:solidFill>
-                  <a:srgbClr val="000000"/>
-                </a:solidFill>
-                <a:effectLst/>
-                <a:latin typeface="Consolas" panose="020B0609020204030204" pitchFamily="49" charset="0"/>
-              </a:rPr>
-              <a:t>]),</a:t>
-            </a:r>
-          </a:p>
-          <a:p>
-            <a:pPr>
-              <a:lnSpc>
-                <a:spcPct val="120000"/>
-              </a:lnSpc>
-              <a:buNone/>
-            </a:pPr>
-            <a:r>
-              <a:rPr lang="en-US" sz="1200" b="0" dirty="0">
-                <a:solidFill>
-                  <a:srgbClr val="000000"/>
-                </a:solidFill>
-                <a:effectLst/>
-                <a:latin typeface="Consolas" panose="020B0609020204030204" pitchFamily="49" charset="0"/>
-              </a:rPr>
-              <a:t>    </a:t>
-            </a:r>
-            <a:r>
-              <a:rPr lang="en-US" sz="1200" b="0" dirty="0">
-                <a:solidFill>
-                  <a:srgbClr val="A31515"/>
-                </a:solidFill>
-                <a:effectLst/>
-                <a:latin typeface="Consolas" panose="020B0609020204030204" pitchFamily="49" charset="0"/>
-              </a:rPr>
-              <a:t>"queen"</a:t>
-            </a:r>
-            <a:r>
-              <a:rPr lang="en-US" sz="1200" b="0" dirty="0">
-                <a:solidFill>
-                  <a:srgbClr val="000000"/>
-                </a:solidFill>
-                <a:effectLst/>
-                <a:latin typeface="Consolas" panose="020B0609020204030204" pitchFamily="49" charset="0"/>
-              </a:rPr>
-              <a:t>: </a:t>
-            </a:r>
-            <a:r>
-              <a:rPr lang="en-US" sz="1200" b="0" dirty="0" err="1">
-                <a:solidFill>
-                  <a:srgbClr val="000000"/>
-                </a:solidFill>
-                <a:effectLst/>
-                <a:latin typeface="Consolas" panose="020B0609020204030204" pitchFamily="49" charset="0"/>
-              </a:rPr>
-              <a:t>np.array</a:t>
-            </a:r>
-            <a:r>
-              <a:rPr lang="en-US" sz="1200" b="0" dirty="0">
-                <a:solidFill>
-                  <a:srgbClr val="000000"/>
-                </a:solidFill>
-                <a:effectLst/>
-                <a:latin typeface="Consolas" panose="020B0609020204030204" pitchFamily="49" charset="0"/>
-              </a:rPr>
-              <a:t>([</a:t>
-            </a:r>
-            <a:r>
-              <a:rPr lang="en-US" sz="1200" b="0" dirty="0">
-                <a:solidFill>
-                  <a:srgbClr val="098658"/>
-                </a:solidFill>
-                <a:effectLst/>
-                <a:latin typeface="Consolas" panose="020B0609020204030204" pitchFamily="49" charset="0"/>
-              </a:rPr>
-              <a:t>0.78</a:t>
-            </a:r>
-            <a:r>
-              <a:rPr lang="en-US" sz="1200" b="0" dirty="0">
-                <a:solidFill>
-                  <a:srgbClr val="000000"/>
-                </a:solidFill>
-                <a:effectLst/>
-                <a:latin typeface="Consolas" panose="020B0609020204030204" pitchFamily="49" charset="0"/>
-              </a:rPr>
-              <a:t>, </a:t>
-            </a:r>
-            <a:r>
-              <a:rPr lang="en-US" sz="1200" b="0" dirty="0">
-                <a:solidFill>
-                  <a:srgbClr val="098658"/>
-                </a:solidFill>
-                <a:effectLst/>
-                <a:latin typeface="Consolas" panose="020B0609020204030204" pitchFamily="49" charset="0"/>
-              </a:rPr>
-              <a:t>0.66</a:t>
-            </a:r>
-            <a:r>
-              <a:rPr lang="en-US" sz="1200" b="0" dirty="0">
-                <a:solidFill>
-                  <a:srgbClr val="000000"/>
-                </a:solidFill>
-                <a:effectLst/>
-                <a:latin typeface="Consolas" panose="020B0609020204030204" pitchFamily="49" charset="0"/>
-              </a:rPr>
-              <a:t>, </a:t>
-            </a:r>
-            <a:r>
-              <a:rPr lang="en-US" sz="1200" b="0" dirty="0">
-                <a:solidFill>
-                  <a:srgbClr val="098658"/>
-                </a:solidFill>
-                <a:effectLst/>
-                <a:latin typeface="Consolas" panose="020B0609020204030204" pitchFamily="49" charset="0"/>
-              </a:rPr>
-              <a:t>0.12</a:t>
-            </a:r>
-            <a:r>
-              <a:rPr lang="en-US" sz="1200" b="0" dirty="0">
-                <a:solidFill>
-                  <a:srgbClr val="000000"/>
-                </a:solidFill>
-                <a:effectLst/>
-                <a:latin typeface="Consolas" panose="020B0609020204030204" pitchFamily="49" charset="0"/>
-              </a:rPr>
-              <a:t>]),</a:t>
-            </a:r>
-          </a:p>
-          <a:p>
-            <a:pPr>
-              <a:lnSpc>
-                <a:spcPct val="120000"/>
-              </a:lnSpc>
-              <a:buNone/>
-            </a:pPr>
-            <a:r>
-              <a:rPr lang="en-US" sz="1200" b="0" dirty="0">
-                <a:solidFill>
-                  <a:srgbClr val="000000"/>
-                </a:solidFill>
-                <a:effectLst/>
-                <a:latin typeface="Consolas" panose="020B0609020204030204" pitchFamily="49" charset="0"/>
-              </a:rPr>
-              <a:t>    </a:t>
-            </a:r>
-            <a:r>
-              <a:rPr lang="en-US" sz="1200" b="0" dirty="0">
-                <a:solidFill>
-                  <a:srgbClr val="A31515"/>
-                </a:solidFill>
-                <a:effectLst/>
-                <a:latin typeface="Consolas" panose="020B0609020204030204" pitchFamily="49" charset="0"/>
-              </a:rPr>
-              <a:t>"man"</a:t>
-            </a:r>
-            <a:r>
-              <a:rPr lang="en-US" sz="1200" b="0" dirty="0">
-                <a:solidFill>
-                  <a:srgbClr val="000000"/>
-                </a:solidFill>
-                <a:effectLst/>
-                <a:latin typeface="Consolas" panose="020B0609020204030204" pitchFamily="49" charset="0"/>
-              </a:rPr>
-              <a:t>: </a:t>
-            </a:r>
-            <a:r>
-              <a:rPr lang="en-US" sz="1200" b="0" dirty="0" err="1">
-                <a:solidFill>
-                  <a:srgbClr val="000000"/>
-                </a:solidFill>
-                <a:effectLst/>
-                <a:latin typeface="Consolas" panose="020B0609020204030204" pitchFamily="49" charset="0"/>
-              </a:rPr>
-              <a:t>np.array</a:t>
-            </a:r>
-            <a:r>
-              <a:rPr lang="en-US" sz="1200" b="0" dirty="0">
-                <a:solidFill>
-                  <a:srgbClr val="000000"/>
-                </a:solidFill>
-                <a:effectLst/>
-                <a:latin typeface="Consolas" panose="020B0609020204030204" pitchFamily="49" charset="0"/>
-              </a:rPr>
-              <a:t>([</a:t>
-            </a:r>
-            <a:r>
-              <a:rPr lang="en-US" sz="1200" b="0" dirty="0">
-                <a:solidFill>
-                  <a:srgbClr val="098658"/>
-                </a:solidFill>
-                <a:effectLst/>
-                <a:latin typeface="Consolas" panose="020B0609020204030204" pitchFamily="49" charset="0"/>
-              </a:rPr>
-              <a:t>0.9</a:t>
-            </a:r>
-            <a:r>
-              <a:rPr lang="en-US" sz="1200" b="0" dirty="0">
-                <a:solidFill>
-                  <a:srgbClr val="000000"/>
-                </a:solidFill>
-                <a:effectLst/>
-                <a:latin typeface="Consolas" panose="020B0609020204030204" pitchFamily="49" charset="0"/>
-              </a:rPr>
-              <a:t>, </a:t>
-            </a:r>
-            <a:r>
-              <a:rPr lang="en-US" sz="1200" b="0" dirty="0">
-                <a:solidFill>
-                  <a:srgbClr val="098658"/>
-                </a:solidFill>
-                <a:effectLst/>
-                <a:latin typeface="Consolas" panose="020B0609020204030204" pitchFamily="49" charset="0"/>
-              </a:rPr>
-              <a:t>0.1</a:t>
-            </a:r>
-            <a:r>
-              <a:rPr lang="en-US" sz="1200" b="0" dirty="0">
-                <a:solidFill>
-                  <a:srgbClr val="000000"/>
-                </a:solidFill>
-                <a:effectLst/>
-                <a:latin typeface="Consolas" panose="020B0609020204030204" pitchFamily="49" charset="0"/>
-              </a:rPr>
-              <a:t>, </a:t>
-            </a:r>
-            <a:r>
-              <a:rPr lang="en-US" sz="1200" b="0" dirty="0">
-                <a:solidFill>
-                  <a:srgbClr val="098658"/>
-                </a:solidFill>
-                <a:effectLst/>
-                <a:latin typeface="Consolas" panose="020B0609020204030204" pitchFamily="49" charset="0"/>
-              </a:rPr>
-              <a:t>0.1</a:t>
-            </a:r>
-            <a:r>
-              <a:rPr lang="en-US" sz="1200" b="0" dirty="0">
-                <a:solidFill>
-                  <a:srgbClr val="000000"/>
-                </a:solidFill>
-                <a:effectLst/>
-                <a:latin typeface="Consolas" panose="020B0609020204030204" pitchFamily="49" charset="0"/>
-              </a:rPr>
-              <a:t>]),</a:t>
-            </a:r>
-          </a:p>
-          <a:p>
-            <a:pPr>
-              <a:lnSpc>
-                <a:spcPct val="120000"/>
-              </a:lnSpc>
-              <a:buNone/>
-            </a:pPr>
-            <a:r>
-              <a:rPr lang="en-US" sz="1200" b="0" dirty="0">
-                <a:solidFill>
-                  <a:srgbClr val="000000"/>
-                </a:solidFill>
-                <a:effectLst/>
-                <a:latin typeface="Consolas" panose="020B0609020204030204" pitchFamily="49" charset="0"/>
-              </a:rPr>
-              <a:t>    </a:t>
-            </a:r>
-            <a:r>
-              <a:rPr lang="en-US" sz="1200" b="0" dirty="0">
-                <a:solidFill>
-                  <a:srgbClr val="A31515"/>
-                </a:solidFill>
-                <a:effectLst/>
-                <a:latin typeface="Consolas" panose="020B0609020204030204" pitchFamily="49" charset="0"/>
-              </a:rPr>
-              <a:t>"woman"</a:t>
-            </a:r>
-            <a:r>
-              <a:rPr lang="en-US" sz="1200" b="0" dirty="0">
-                <a:solidFill>
-                  <a:srgbClr val="000000"/>
-                </a:solidFill>
-                <a:effectLst/>
-                <a:latin typeface="Consolas" panose="020B0609020204030204" pitchFamily="49" charset="0"/>
-              </a:rPr>
-              <a:t>: </a:t>
-            </a:r>
-            <a:r>
-              <a:rPr lang="en-US" sz="1200" b="0" dirty="0" err="1">
-                <a:solidFill>
-                  <a:srgbClr val="000000"/>
-                </a:solidFill>
-                <a:effectLst/>
-                <a:latin typeface="Consolas" panose="020B0609020204030204" pitchFamily="49" charset="0"/>
-              </a:rPr>
-              <a:t>np.array</a:t>
-            </a:r>
-            <a:r>
-              <a:rPr lang="en-US" sz="1200" b="0" dirty="0">
-                <a:solidFill>
-                  <a:srgbClr val="000000"/>
-                </a:solidFill>
-                <a:effectLst/>
-                <a:latin typeface="Consolas" panose="020B0609020204030204" pitchFamily="49" charset="0"/>
-              </a:rPr>
-              <a:t>([</a:t>
-            </a:r>
-            <a:r>
-              <a:rPr lang="en-US" sz="1200" b="0" dirty="0">
-                <a:solidFill>
-                  <a:srgbClr val="098658"/>
-                </a:solidFill>
-                <a:effectLst/>
-                <a:latin typeface="Consolas" panose="020B0609020204030204" pitchFamily="49" charset="0"/>
-              </a:rPr>
-              <a:t>0.88</a:t>
-            </a:r>
-            <a:r>
-              <a:rPr lang="en-US" sz="1200" b="0" dirty="0">
-                <a:solidFill>
-                  <a:srgbClr val="000000"/>
-                </a:solidFill>
-                <a:effectLst/>
-                <a:latin typeface="Consolas" panose="020B0609020204030204" pitchFamily="49" charset="0"/>
-              </a:rPr>
-              <a:t>, </a:t>
-            </a:r>
-            <a:r>
-              <a:rPr lang="en-US" sz="1200" b="0" dirty="0">
-                <a:solidFill>
-                  <a:srgbClr val="098658"/>
-                </a:solidFill>
-                <a:effectLst/>
-                <a:latin typeface="Consolas" panose="020B0609020204030204" pitchFamily="49" charset="0"/>
-              </a:rPr>
-              <a:t>0.12</a:t>
-            </a:r>
-            <a:r>
-              <a:rPr lang="en-US" sz="1200" b="0" dirty="0">
-                <a:solidFill>
-                  <a:srgbClr val="000000"/>
-                </a:solidFill>
-                <a:effectLst/>
-                <a:latin typeface="Consolas" panose="020B0609020204030204" pitchFamily="49" charset="0"/>
-              </a:rPr>
-              <a:t>, </a:t>
-            </a:r>
-            <a:r>
-              <a:rPr lang="en-US" sz="1200" b="0" dirty="0">
-                <a:solidFill>
-                  <a:srgbClr val="098658"/>
-                </a:solidFill>
-                <a:effectLst/>
-                <a:latin typeface="Consolas" panose="020B0609020204030204" pitchFamily="49" charset="0"/>
-              </a:rPr>
-              <a:t>0.12</a:t>
-            </a:r>
-            <a:r>
-              <a:rPr lang="en-US" sz="1200" b="0" dirty="0">
-                <a:solidFill>
-                  <a:srgbClr val="000000"/>
-                </a:solidFill>
-                <a:effectLst/>
-                <a:latin typeface="Consolas" panose="020B0609020204030204" pitchFamily="49" charset="0"/>
-              </a:rPr>
-              <a:t>]),</a:t>
-            </a:r>
-          </a:p>
-          <a:p>
-            <a:pPr>
-              <a:lnSpc>
-                <a:spcPct val="120000"/>
-              </a:lnSpc>
-              <a:buNone/>
-            </a:pPr>
-            <a:r>
-              <a:rPr lang="en-US" sz="1200" b="0" dirty="0">
-                <a:solidFill>
-                  <a:srgbClr val="000000"/>
-                </a:solidFill>
-                <a:effectLst/>
-                <a:latin typeface="Consolas" panose="020B0609020204030204" pitchFamily="49" charset="0"/>
-              </a:rPr>
-              <a:t>    </a:t>
-            </a:r>
-            <a:r>
-              <a:rPr lang="en-US" sz="1200" b="0" dirty="0">
-                <a:solidFill>
-                  <a:srgbClr val="A31515"/>
-                </a:solidFill>
-                <a:effectLst/>
-                <a:latin typeface="Consolas" panose="020B0609020204030204" pitchFamily="49" charset="0"/>
-              </a:rPr>
-              <a:t>"apple"</a:t>
-            </a:r>
-            <a:r>
-              <a:rPr lang="en-US" sz="1200" b="0" dirty="0">
-                <a:solidFill>
-                  <a:srgbClr val="000000"/>
-                </a:solidFill>
-                <a:effectLst/>
-                <a:latin typeface="Consolas" panose="020B0609020204030204" pitchFamily="49" charset="0"/>
-              </a:rPr>
-              <a:t>: </a:t>
-            </a:r>
-            <a:r>
-              <a:rPr lang="en-US" sz="1200" b="0" dirty="0" err="1">
-                <a:solidFill>
-                  <a:srgbClr val="000000"/>
-                </a:solidFill>
-                <a:effectLst/>
-                <a:latin typeface="Consolas" panose="020B0609020204030204" pitchFamily="49" charset="0"/>
-              </a:rPr>
-              <a:t>np.array</a:t>
-            </a:r>
-            <a:r>
-              <a:rPr lang="en-US" sz="1200" b="0" dirty="0">
-                <a:solidFill>
-                  <a:srgbClr val="000000"/>
-                </a:solidFill>
-                <a:effectLst/>
-                <a:latin typeface="Consolas" panose="020B0609020204030204" pitchFamily="49" charset="0"/>
-              </a:rPr>
-              <a:t>([</a:t>
-            </a:r>
-            <a:r>
-              <a:rPr lang="en-US" sz="1200" b="0" dirty="0">
-                <a:solidFill>
-                  <a:srgbClr val="098658"/>
-                </a:solidFill>
-                <a:effectLst/>
-                <a:latin typeface="Consolas" panose="020B0609020204030204" pitchFamily="49" charset="0"/>
-              </a:rPr>
-              <a:t>0.1</a:t>
-            </a:r>
-            <a:r>
-              <a:rPr lang="en-US" sz="1200" b="0" dirty="0">
-                <a:solidFill>
-                  <a:srgbClr val="000000"/>
-                </a:solidFill>
-                <a:effectLst/>
-                <a:latin typeface="Consolas" panose="020B0609020204030204" pitchFamily="49" charset="0"/>
-              </a:rPr>
-              <a:t>, </a:t>
-            </a:r>
-            <a:r>
-              <a:rPr lang="en-US" sz="1200" b="0" dirty="0">
-                <a:solidFill>
-                  <a:srgbClr val="098658"/>
-                </a:solidFill>
-                <a:effectLst/>
-                <a:latin typeface="Consolas" panose="020B0609020204030204" pitchFamily="49" charset="0"/>
-              </a:rPr>
-              <a:t>0.8</a:t>
-            </a:r>
-            <a:r>
-              <a:rPr lang="en-US" sz="1200" b="0" dirty="0">
-                <a:solidFill>
-                  <a:srgbClr val="000000"/>
-                </a:solidFill>
-                <a:effectLst/>
-                <a:latin typeface="Consolas" panose="020B0609020204030204" pitchFamily="49" charset="0"/>
-              </a:rPr>
-              <a:t>, </a:t>
-            </a:r>
-            <a:r>
-              <a:rPr lang="en-US" sz="1200" b="0" dirty="0">
-                <a:solidFill>
-                  <a:srgbClr val="098658"/>
-                </a:solidFill>
-                <a:effectLst/>
-                <a:latin typeface="Consolas" panose="020B0609020204030204" pitchFamily="49" charset="0"/>
-              </a:rPr>
-              <a:t>0.9</a:t>
-            </a:r>
-            <a:r>
-              <a:rPr lang="en-US" sz="1200" b="0" dirty="0">
-                <a:solidFill>
-                  <a:srgbClr val="000000"/>
-                </a:solidFill>
-                <a:effectLst/>
-                <a:latin typeface="Consolas" panose="020B0609020204030204" pitchFamily="49" charset="0"/>
-              </a:rPr>
-              <a:t>]),</a:t>
-            </a:r>
-          </a:p>
-          <a:p>
-            <a:pPr>
-              <a:lnSpc>
-                <a:spcPct val="120000"/>
-              </a:lnSpc>
-              <a:buNone/>
-            </a:pPr>
-            <a:r>
-              <a:rPr lang="en-US" sz="1200" b="0" dirty="0">
-                <a:solidFill>
-                  <a:srgbClr val="000000"/>
-                </a:solidFill>
-                <a:effectLst/>
-                <a:latin typeface="Consolas" panose="020B0609020204030204" pitchFamily="49" charset="0"/>
-              </a:rPr>
-              <a:t>}</a:t>
-            </a:r>
-          </a:p>
-          <a:p>
-            <a:pPr>
-              <a:lnSpc>
-                <a:spcPct val="120000"/>
-              </a:lnSpc>
-              <a:buNone/>
-            </a:pPr>
-            <a:r>
-              <a:rPr lang="en-US" sz="1200" b="0" dirty="0">
-                <a:solidFill>
-                  <a:srgbClr val="0000FF"/>
-                </a:solidFill>
-                <a:effectLst/>
-                <a:latin typeface="Consolas" panose="020B0609020204030204" pitchFamily="49" charset="0"/>
-              </a:rPr>
-              <a:t>def</a:t>
-            </a:r>
-            <a:r>
-              <a:rPr lang="en-US" sz="1200" b="0" dirty="0">
-                <a:solidFill>
-                  <a:srgbClr val="000000"/>
-                </a:solidFill>
-                <a:effectLst/>
-                <a:latin typeface="Consolas" panose="020B0609020204030204" pitchFamily="49" charset="0"/>
-              </a:rPr>
-              <a:t> similarity(w1, w2):</a:t>
-            </a:r>
-          </a:p>
-          <a:p>
-            <a:pPr>
-              <a:lnSpc>
-                <a:spcPct val="120000"/>
-              </a:lnSpc>
-              <a:buNone/>
-            </a:pPr>
-            <a:r>
-              <a:rPr lang="en-US" sz="1200" b="0" dirty="0">
-                <a:solidFill>
-                  <a:srgbClr val="0000FF"/>
-                </a:solidFill>
-                <a:effectLst/>
-                <a:latin typeface="Consolas" panose="020B0609020204030204" pitchFamily="49" charset="0"/>
-              </a:rPr>
-              <a:t>	return</a:t>
-            </a:r>
-            <a:r>
-              <a:rPr lang="en-US" sz="1200" b="0" dirty="0">
-                <a:solidFill>
-                  <a:srgbClr val="000000"/>
-                </a:solidFill>
-                <a:effectLst/>
-                <a:latin typeface="Consolas" panose="020B0609020204030204" pitchFamily="49" charset="0"/>
-              </a:rPr>
-              <a:t> </a:t>
-            </a:r>
-            <a:r>
-              <a:rPr lang="en-US" sz="1200" b="0" dirty="0" err="1">
-                <a:solidFill>
-                  <a:srgbClr val="000000"/>
-                </a:solidFill>
-                <a:effectLst/>
-                <a:latin typeface="Consolas" panose="020B0609020204030204" pitchFamily="49" charset="0"/>
-              </a:rPr>
-              <a:t>cosine_similarity</a:t>
-            </a:r>
-            <a:r>
-              <a:rPr lang="en-US" sz="1200" b="0" dirty="0">
-                <a:solidFill>
-                  <a:srgbClr val="000000"/>
-                </a:solidFill>
-                <a:effectLst/>
-                <a:latin typeface="Consolas" panose="020B0609020204030204" pitchFamily="49" charset="0"/>
-              </a:rPr>
-              <a:t>([</a:t>
-            </a:r>
-            <a:r>
-              <a:rPr lang="en-US" sz="1200" b="0" dirty="0" err="1">
-                <a:solidFill>
-                  <a:srgbClr val="000000"/>
-                </a:solidFill>
-                <a:effectLst/>
-                <a:latin typeface="Consolas" panose="020B0609020204030204" pitchFamily="49" charset="0"/>
-              </a:rPr>
-              <a:t>word_vectors</a:t>
-            </a:r>
-            <a:r>
-              <a:rPr lang="en-US" sz="1200" b="0" dirty="0">
-                <a:solidFill>
-                  <a:srgbClr val="000000"/>
-                </a:solidFill>
-                <a:effectLst/>
-                <a:latin typeface="Consolas" panose="020B0609020204030204" pitchFamily="49" charset="0"/>
-              </a:rPr>
-              <a:t>[w1]], [</a:t>
-            </a:r>
-            <a:r>
-              <a:rPr lang="en-US" sz="1200" b="0" dirty="0" err="1">
-                <a:solidFill>
-                  <a:srgbClr val="000000"/>
-                </a:solidFill>
-                <a:effectLst/>
-                <a:latin typeface="Consolas" panose="020B0609020204030204" pitchFamily="49" charset="0"/>
-              </a:rPr>
-              <a:t>word_vectors</a:t>
-            </a:r>
-            <a:r>
-              <a:rPr lang="en-US" sz="1200" b="0" dirty="0">
-                <a:solidFill>
-                  <a:srgbClr val="000000"/>
-                </a:solidFill>
-                <a:effectLst/>
-                <a:latin typeface="Consolas" panose="020B0609020204030204" pitchFamily="49" charset="0"/>
-              </a:rPr>
-              <a:t>[w2]])[</a:t>
-            </a:r>
-            <a:r>
-              <a:rPr lang="en-US" sz="1200" b="0" dirty="0">
-                <a:solidFill>
-                  <a:srgbClr val="098658"/>
-                </a:solidFill>
-                <a:effectLst/>
-                <a:latin typeface="Consolas" panose="020B0609020204030204" pitchFamily="49" charset="0"/>
-              </a:rPr>
-              <a:t>0</a:t>
-            </a:r>
-            <a:r>
-              <a:rPr lang="en-US" sz="1200" b="0" dirty="0">
-                <a:solidFill>
-                  <a:srgbClr val="000000"/>
-                </a:solidFill>
-                <a:effectLst/>
-                <a:latin typeface="Consolas" panose="020B0609020204030204" pitchFamily="49" charset="0"/>
-              </a:rPr>
-              <a:t>][</a:t>
-            </a:r>
-            <a:r>
-              <a:rPr lang="en-US" sz="1200" b="0" dirty="0">
-                <a:solidFill>
-                  <a:srgbClr val="098658"/>
-                </a:solidFill>
-                <a:effectLst/>
-                <a:latin typeface="Consolas" panose="020B0609020204030204" pitchFamily="49" charset="0"/>
-              </a:rPr>
-              <a:t>0</a:t>
-            </a:r>
-            <a:r>
-              <a:rPr lang="en-US" sz="1200" b="0" dirty="0">
-                <a:solidFill>
-                  <a:srgbClr val="000000"/>
-                </a:solidFill>
-                <a:effectLst/>
-                <a:latin typeface="Consolas" panose="020B0609020204030204" pitchFamily="49" charset="0"/>
-              </a:rPr>
-              <a:t>]</a:t>
-            </a:r>
-          </a:p>
-          <a:p>
-            <a:pPr>
-              <a:lnSpc>
-                <a:spcPct val="120000"/>
-              </a:lnSpc>
-              <a:buNone/>
-            </a:pPr>
-            <a:endParaRPr lang="en-US" sz="1200" b="0" dirty="0">
-              <a:solidFill>
-                <a:srgbClr val="000000"/>
-              </a:solidFill>
-              <a:effectLst/>
-              <a:latin typeface="Consolas" panose="020B0609020204030204" pitchFamily="49" charset="0"/>
-            </a:endParaRPr>
-          </a:p>
-          <a:p>
-            <a:pPr>
-              <a:lnSpc>
-                <a:spcPct val="120000"/>
-              </a:lnSpc>
-              <a:buNone/>
-            </a:pPr>
-            <a:r>
-              <a:rPr lang="en-US" sz="1200" b="0" dirty="0">
-                <a:solidFill>
-                  <a:srgbClr val="000000"/>
-                </a:solidFill>
-                <a:effectLst/>
-                <a:latin typeface="Consolas" panose="020B0609020204030204" pitchFamily="49" charset="0"/>
-              </a:rPr>
-              <a:t>print(</a:t>
-            </a:r>
-            <a:r>
-              <a:rPr lang="en-US" sz="1200" b="0" dirty="0">
-                <a:solidFill>
-                  <a:srgbClr val="A31515"/>
-                </a:solidFill>
-                <a:effectLst/>
-                <a:latin typeface="Consolas" panose="020B0609020204030204" pitchFamily="49" charset="0"/>
-              </a:rPr>
-              <a:t>"Similarity(king, queen):"</a:t>
-            </a:r>
-            <a:r>
-              <a:rPr lang="en-US" sz="1200" b="0" dirty="0">
-                <a:solidFill>
-                  <a:srgbClr val="000000"/>
-                </a:solidFill>
-                <a:effectLst/>
-                <a:latin typeface="Consolas" panose="020B0609020204030204" pitchFamily="49" charset="0"/>
-              </a:rPr>
-              <a:t>, similarity(</a:t>
-            </a:r>
-            <a:r>
-              <a:rPr lang="en-US" sz="1200" b="0" dirty="0">
-                <a:solidFill>
-                  <a:srgbClr val="A31515"/>
-                </a:solidFill>
-                <a:effectLst/>
-                <a:latin typeface="Consolas" panose="020B0609020204030204" pitchFamily="49" charset="0"/>
-              </a:rPr>
-              <a:t>"king"</a:t>
-            </a:r>
-            <a:r>
-              <a:rPr lang="en-US" sz="1200" b="0" dirty="0">
-                <a:solidFill>
-                  <a:srgbClr val="000000"/>
-                </a:solidFill>
-                <a:effectLst/>
-                <a:latin typeface="Consolas" panose="020B0609020204030204" pitchFamily="49" charset="0"/>
-              </a:rPr>
-              <a:t>, </a:t>
-            </a:r>
-            <a:r>
-              <a:rPr lang="en-US" sz="1200" b="0" dirty="0">
-                <a:solidFill>
-                  <a:srgbClr val="A31515"/>
-                </a:solidFill>
-                <a:effectLst/>
-                <a:latin typeface="Consolas" panose="020B0609020204030204" pitchFamily="49" charset="0"/>
-              </a:rPr>
-              <a:t>"queen"</a:t>
-            </a:r>
-            <a:r>
-              <a:rPr lang="en-US" sz="1200" b="0" dirty="0">
-                <a:solidFill>
-                  <a:srgbClr val="000000"/>
-                </a:solidFill>
-                <a:effectLst/>
-                <a:latin typeface="Consolas" panose="020B0609020204030204" pitchFamily="49" charset="0"/>
-              </a:rPr>
-              <a:t>))</a:t>
-            </a:r>
-          </a:p>
-          <a:p>
-            <a:pPr>
-              <a:lnSpc>
-                <a:spcPct val="120000"/>
-              </a:lnSpc>
-              <a:buNone/>
-            </a:pPr>
-            <a:r>
-              <a:rPr lang="en-US" sz="1200" b="0" dirty="0">
-                <a:solidFill>
-                  <a:srgbClr val="000000"/>
-                </a:solidFill>
-                <a:effectLst/>
-                <a:latin typeface="Consolas" panose="020B0609020204030204" pitchFamily="49" charset="0"/>
-              </a:rPr>
-              <a:t>print(</a:t>
-            </a:r>
-            <a:r>
-              <a:rPr lang="en-US" sz="1200" b="0" dirty="0">
-                <a:solidFill>
-                  <a:srgbClr val="A31515"/>
-                </a:solidFill>
-                <a:effectLst/>
-                <a:latin typeface="Consolas" panose="020B0609020204030204" pitchFamily="49" charset="0"/>
-              </a:rPr>
-              <a:t>"Similarity(man, woman):"</a:t>
-            </a:r>
-            <a:r>
-              <a:rPr lang="en-US" sz="1200" b="0" dirty="0">
-                <a:solidFill>
-                  <a:srgbClr val="000000"/>
-                </a:solidFill>
-                <a:effectLst/>
-                <a:latin typeface="Consolas" panose="020B0609020204030204" pitchFamily="49" charset="0"/>
-              </a:rPr>
-              <a:t>, similarity(</a:t>
-            </a:r>
-            <a:r>
-              <a:rPr lang="en-US" sz="1200" b="0" dirty="0">
-                <a:solidFill>
-                  <a:srgbClr val="A31515"/>
-                </a:solidFill>
-                <a:effectLst/>
-                <a:latin typeface="Consolas" panose="020B0609020204030204" pitchFamily="49" charset="0"/>
-              </a:rPr>
-              <a:t>"man"</a:t>
-            </a:r>
-            <a:r>
-              <a:rPr lang="en-US" sz="1200" b="0" dirty="0">
-                <a:solidFill>
-                  <a:srgbClr val="000000"/>
-                </a:solidFill>
-                <a:effectLst/>
-                <a:latin typeface="Consolas" panose="020B0609020204030204" pitchFamily="49" charset="0"/>
-              </a:rPr>
-              <a:t>, </a:t>
-            </a:r>
-            <a:r>
-              <a:rPr lang="en-US" sz="1200" b="0" dirty="0">
-                <a:solidFill>
-                  <a:srgbClr val="A31515"/>
-                </a:solidFill>
-                <a:effectLst/>
-                <a:latin typeface="Consolas" panose="020B0609020204030204" pitchFamily="49" charset="0"/>
-              </a:rPr>
-              <a:t>"woman"</a:t>
-            </a:r>
-            <a:r>
-              <a:rPr lang="en-US" sz="1200" b="0" dirty="0">
-                <a:solidFill>
-                  <a:srgbClr val="000000"/>
-                </a:solidFill>
-                <a:effectLst/>
-                <a:latin typeface="Consolas" panose="020B0609020204030204" pitchFamily="49" charset="0"/>
-              </a:rPr>
-              <a:t>))</a:t>
-            </a:r>
-          </a:p>
-          <a:p>
-            <a:pPr marL="0" indent="0">
-              <a:lnSpc>
-                <a:spcPct val="120000"/>
-              </a:lnSpc>
-              <a:buNone/>
-            </a:pPr>
-            <a:r>
-              <a:rPr lang="en-US" sz="1200" b="0" dirty="0">
-                <a:solidFill>
-                  <a:srgbClr val="000000"/>
-                </a:solidFill>
-                <a:effectLst/>
-                <a:latin typeface="Consolas" panose="020B0609020204030204" pitchFamily="49" charset="0"/>
-              </a:rPr>
-              <a:t>print(</a:t>
-            </a:r>
-            <a:r>
-              <a:rPr lang="en-US" sz="1200" b="0" dirty="0">
-                <a:solidFill>
-                  <a:srgbClr val="A31515"/>
-                </a:solidFill>
-                <a:effectLst/>
-                <a:latin typeface="Consolas" panose="020B0609020204030204" pitchFamily="49" charset="0"/>
-              </a:rPr>
-              <a:t>"Similarity(king, apple):"</a:t>
-            </a:r>
-            <a:r>
-              <a:rPr lang="en-US" sz="1200" b="0" dirty="0">
-                <a:solidFill>
-                  <a:srgbClr val="000000"/>
-                </a:solidFill>
-                <a:effectLst/>
-                <a:latin typeface="Consolas" panose="020B0609020204030204" pitchFamily="49" charset="0"/>
-              </a:rPr>
-              <a:t>, similarity(</a:t>
-            </a:r>
-            <a:r>
-              <a:rPr lang="en-US" sz="1200" b="0" dirty="0">
-                <a:solidFill>
-                  <a:srgbClr val="A31515"/>
-                </a:solidFill>
-                <a:effectLst/>
-                <a:latin typeface="Consolas" panose="020B0609020204030204" pitchFamily="49" charset="0"/>
-              </a:rPr>
-              <a:t>"king"</a:t>
-            </a:r>
-            <a:r>
-              <a:rPr lang="en-US" sz="1200" b="0" dirty="0">
-                <a:solidFill>
-                  <a:srgbClr val="000000"/>
-                </a:solidFill>
-                <a:effectLst/>
-                <a:latin typeface="Consolas" panose="020B0609020204030204" pitchFamily="49" charset="0"/>
-              </a:rPr>
-              <a:t>, </a:t>
-            </a:r>
-            <a:r>
-              <a:rPr lang="en-US" sz="1200" b="0" dirty="0">
-                <a:solidFill>
-                  <a:srgbClr val="A31515"/>
-                </a:solidFill>
-                <a:effectLst/>
-                <a:latin typeface="Consolas" panose="020B0609020204030204" pitchFamily="49" charset="0"/>
-              </a:rPr>
-              <a:t>"apple"</a:t>
-            </a:r>
-            <a:r>
-              <a:rPr lang="en-US" sz="1200" b="0" dirty="0">
-                <a:solidFill>
-                  <a:srgbClr val="000000"/>
-                </a:solidFill>
-                <a:effectLst/>
-                <a:latin typeface="Consolas" panose="020B0609020204030204" pitchFamily="49" charset="0"/>
-              </a:rPr>
-              <a:t>))</a:t>
-            </a:r>
-          </a:p>
-          <a:p>
-            <a:pPr>
-              <a:lnSpc>
-                <a:spcPct val="120000"/>
-              </a:lnSpc>
-            </a:pPr>
-            <a:endParaRPr lang="en-US" sz="1200" dirty="0"/>
+              <a:spcBef>
+                <a:spcPct val="0"/>
+              </a:spcBef>
+              <a:spcAft>
+                <a:spcPct val="0"/>
+              </a:spcAft>
+            </a:pPr>
+            <a:r>
+              <a:rPr lang="en-US" altLang="en-US" sz="2000" dirty="0">
+                <a:latin typeface="Calibri (Body)"/>
+              </a:rPr>
+              <a:t>Enables meaningful similarity measurements and analogies </a:t>
+            </a:r>
+          </a:p>
+          <a:p>
+            <a:endParaRPr lang="en-US" dirty="0"/>
           </a:p>
         </p:txBody>
       </p:sp>
+      <p:pic>
+        <p:nvPicPr>
+          <p:cNvPr id="9" name="Picture 8">
+            <a:extLst>
+              <a:ext uri="{FF2B5EF4-FFF2-40B4-BE49-F238E27FC236}">
+                <a16:creationId xmlns:a16="http://schemas.microsoft.com/office/drawing/2014/main" id="{0083DAAF-A6E2-6E9D-0656-4F7725B426D6}"/>
+              </a:ext>
+            </a:extLst>
+          </p:cNvPr>
+          <p:cNvPicPr>
+            <a:picLocks noChangeAspect="1"/>
+          </p:cNvPicPr>
+          <p:nvPr/>
+        </p:nvPicPr>
+        <p:blipFill>
+          <a:blip r:embed="rId3"/>
+          <a:stretch>
+            <a:fillRect/>
+          </a:stretch>
+        </p:blipFill>
+        <p:spPr>
+          <a:xfrm>
+            <a:off x="9959546" y="1545731"/>
+            <a:ext cx="1394254" cy="2017219"/>
+          </a:xfrm>
+          <a:prstGeom prst="rect">
+            <a:avLst/>
+          </a:prstGeom>
+        </p:spPr>
+      </p:pic>
     </p:spTree>
     <p:extLst>
       <p:ext uri="{BB962C8B-B14F-4D97-AF65-F5344CB8AC3E}">
-        <p14:creationId xmlns:p14="http://schemas.microsoft.com/office/powerpoint/2010/main" val="3766250200"/>
+        <p14:creationId xmlns:p14="http://schemas.microsoft.com/office/powerpoint/2010/main" val="4037434202"/>
       </p:ext>
     </p:extLst>
   </p:cSld>
@@ -18406,7 +17818,7 @@
 </p:sld>
 </file>
 
-<file path=ppt/slides/slide28.xml><?xml version="1.0" encoding="utf-8"?>
+<file path=ppt/slides/slide29.xml><?xml version="1.0" encoding="utf-8"?>
 <p:sld xmlns:a="http://schemas.openxmlformats.org/drawingml/2006/main" xmlns:r="http://schemas.openxmlformats.org/officeDocument/2006/relationships" xmlns:p="http://schemas.openxmlformats.org/presentationml/2006/main">
   <p:cSld>
     <p:spTree>
@@ -18606,7 +18018,7 @@
             </a:pPr>
             <a:r>
               <a:rPr lang="en-US" dirty="0"/>
-              <a:t>Typically 100-300 dimensions (vs. vocabulary size)</a:t>
+              <a:t>Typically, 100-300 dimensions (vs. vocabulary size)</a:t>
             </a:r>
           </a:p>
           <a:p>
@@ -18695,787 +18107,6 @@
     <p:extLst>
       <p:ext uri="{BB962C8B-B14F-4D97-AF65-F5344CB8AC3E}">
         <p14:creationId xmlns:p14="http://schemas.microsoft.com/office/powerpoint/2010/main" val="457051995"/>
-      </p:ext>
-    </p:extLst>
-  </p:cSld>
-  <p:clrMapOvr>
-    <a:masterClrMapping/>
-  </p:clrMapOvr>
-</p:sld>
-</file>
-
-<file path=ppt/slides/slide29.xml><?xml version="1.0" encoding="utf-8"?>
-<p:sld xmlns:a="http://schemas.openxmlformats.org/drawingml/2006/main" xmlns:r="http://schemas.openxmlformats.org/officeDocument/2006/relationships" xmlns:p="http://schemas.openxmlformats.org/presentationml/2006/main">
-  <p:cSld>
-    <p:spTree>
-      <p:nvGrpSpPr>
-        <p:cNvPr id="1" name=""/>
-        <p:cNvGrpSpPr/>
-        <p:nvPr/>
-      </p:nvGrpSpPr>
-      <p:grpSpPr>
-        <a:xfrm>
-          <a:off x="0" y="0"/>
-          <a:ext cx="0" cy="0"/>
-          <a:chOff x="0" y="0"/>
-          <a:chExt cx="0" cy="0"/>
-        </a:xfrm>
-      </p:grpSpPr>
-      <p:sp>
-        <p:nvSpPr>
-          <p:cNvPr id="2" name="Title 1">
-            <a:extLst>
-              <a:ext uri="{FF2B5EF4-FFF2-40B4-BE49-F238E27FC236}">
-                <a16:creationId xmlns:a16="http://schemas.microsoft.com/office/drawing/2014/main" id="{21450F6B-60F3-7BC5-E21B-CAD21EB6B825}"/>
-              </a:ext>
-            </a:extLst>
-          </p:cNvPr>
-          <p:cNvSpPr>
-            <a:spLocks noGrp="1"/>
-          </p:cNvSpPr>
-          <p:nvPr>
-            <p:ph type="title"/>
-          </p:nvPr>
-        </p:nvSpPr>
-        <p:spPr/>
-        <p:txBody>
-          <a:bodyPr/>
-          <a:lstStyle/>
-          <a:p>
-            <a:r>
-              <a:rPr lang="en-US" dirty="0"/>
-              <a:t>Real Embeddings</a:t>
-            </a:r>
-          </a:p>
-        </p:txBody>
-      </p:sp>
-      <p:sp>
-        <p:nvSpPr>
-          <p:cNvPr id="3" name="Content Placeholder 2">
-            <a:extLst>
-              <a:ext uri="{FF2B5EF4-FFF2-40B4-BE49-F238E27FC236}">
-                <a16:creationId xmlns:a16="http://schemas.microsoft.com/office/drawing/2014/main" id="{9A950C36-7C62-5D0C-E4B7-84FDE06FE9E9}"/>
-              </a:ext>
-            </a:extLst>
-          </p:cNvPr>
-          <p:cNvSpPr>
-            <a:spLocks noGrp="1"/>
-          </p:cNvSpPr>
-          <p:nvPr>
-            <p:ph idx="1"/>
-          </p:nvPr>
-        </p:nvSpPr>
-        <p:spPr>
-          <a:xfrm>
-            <a:off x="838200" y="1706007"/>
-            <a:ext cx="10515600" cy="1037193"/>
-          </a:xfrm>
-          <a:solidFill>
-            <a:schemeClr val="bg1"/>
-          </a:solidFill>
-        </p:spPr>
-        <p:txBody>
-          <a:bodyPr/>
-          <a:lstStyle/>
-          <a:p>
-            <a:r>
-              <a:rPr lang="en-US" dirty="0"/>
-              <a:t>pip install spacy</a:t>
-            </a:r>
-          </a:p>
-          <a:p>
-            <a:r>
-              <a:rPr lang="en-US" dirty="0"/>
-              <a:t>python -m spacy download </a:t>
-            </a:r>
-            <a:r>
-              <a:rPr lang="en-US" dirty="0" err="1"/>
-              <a:t>en_core_web_md</a:t>
-            </a:r>
-            <a:endParaRPr lang="en-US" dirty="0"/>
-          </a:p>
-        </p:txBody>
-      </p:sp>
-      <p:sp>
-        <p:nvSpPr>
-          <p:cNvPr id="4" name="Content Placeholder 2">
-            <a:extLst>
-              <a:ext uri="{FF2B5EF4-FFF2-40B4-BE49-F238E27FC236}">
-                <a16:creationId xmlns:a16="http://schemas.microsoft.com/office/drawing/2014/main" id="{65E97D63-7668-ABC4-85DB-95D6408DEE48}"/>
-              </a:ext>
-            </a:extLst>
-          </p:cNvPr>
-          <p:cNvSpPr txBox="1">
-            <a:spLocks/>
-          </p:cNvSpPr>
-          <p:nvPr/>
-        </p:nvSpPr>
-        <p:spPr>
-          <a:xfrm>
-            <a:off x="838200" y="2921405"/>
-            <a:ext cx="10515600" cy="3569042"/>
-          </a:xfrm>
-          <a:prstGeom prst="rect">
-            <a:avLst/>
-          </a:prstGeom>
-        </p:spPr>
-        <p:txBody>
-          <a:bodyPr vert="horz" lIns="91440" tIns="45720" rIns="91440" bIns="45720" rtlCol="0">
-            <a:normAutofit/>
-          </a:bodyPr>
-          <a:lstStyle>
-            <a:lvl1pPr marL="228600" indent="-228600" algn="l" defTabSz="914400" rtl="0" eaLnBrk="1" latinLnBrk="0" hangingPunct="1">
-              <a:lnSpc>
-                <a:spcPct val="90000"/>
-              </a:lnSpc>
-              <a:spcBef>
-                <a:spcPts val="1000"/>
-              </a:spcBef>
-              <a:buFont typeface="Arial" panose="020B0604020202020204" pitchFamily="34" charset="0"/>
-              <a:buChar char="•"/>
-              <a:defRPr sz="2400" kern="1200">
-                <a:solidFill>
-                  <a:schemeClr val="tx1"/>
-                </a:solidFill>
-                <a:latin typeface="+mn-lt"/>
-                <a:ea typeface="+mn-ea"/>
-                <a:cs typeface="+mn-cs"/>
-              </a:defRPr>
-            </a:lvl1pPr>
-            <a:lvl2pPr marL="685800" indent="-228600" algn="l" defTabSz="914400" rtl="0" eaLnBrk="1" latinLnBrk="0" hangingPunct="1">
-              <a:lnSpc>
-                <a:spcPct val="90000"/>
-              </a:lnSpc>
-              <a:spcBef>
-                <a:spcPts val="500"/>
-              </a:spcBef>
-              <a:buFont typeface="Arial" panose="020B0604020202020204" pitchFamily="34" charset="0"/>
-              <a:buChar char="•"/>
-              <a:defRPr sz="2000" kern="1200">
-                <a:solidFill>
-                  <a:schemeClr val="tx1"/>
-                </a:solidFill>
-                <a:latin typeface="+mn-lt"/>
-                <a:ea typeface="+mn-ea"/>
-                <a:cs typeface="+mn-cs"/>
-              </a:defRPr>
-            </a:lvl2pPr>
-            <a:lvl3pPr marL="1143000" indent="-228600" algn="l" defTabSz="914400" rtl="0" eaLnBrk="1" latinLnBrk="0" hangingPunct="1">
-              <a:lnSpc>
-                <a:spcPct val="90000"/>
-              </a:lnSpc>
-              <a:spcBef>
-                <a:spcPts val="500"/>
-              </a:spcBef>
-              <a:buFont typeface="Arial" panose="020B0604020202020204" pitchFamily="34" charset="0"/>
-              <a:buChar char="•"/>
-              <a:defRPr sz="1800" kern="1200">
-                <a:solidFill>
-                  <a:schemeClr val="tx1"/>
-                </a:solidFill>
-                <a:latin typeface="+mn-lt"/>
-                <a:ea typeface="+mn-ea"/>
-                <a:cs typeface="+mn-cs"/>
-              </a:defRPr>
-            </a:lvl3pPr>
-            <a:lvl4pPr marL="1600200" indent="-228600" algn="l" defTabSz="914400" rtl="0" eaLnBrk="1" latinLnBrk="0" hangingPunct="1">
-              <a:lnSpc>
-                <a:spcPct val="90000"/>
-              </a:lnSpc>
-              <a:spcBef>
-                <a:spcPts val="500"/>
-              </a:spcBef>
-              <a:buFont typeface="Arial" panose="020B0604020202020204" pitchFamily="34" charset="0"/>
-              <a:buChar char="•"/>
-              <a:defRPr sz="1600" kern="1200">
-                <a:solidFill>
-                  <a:schemeClr val="tx1"/>
-                </a:solidFill>
-                <a:latin typeface="+mn-lt"/>
-                <a:ea typeface="+mn-ea"/>
-                <a:cs typeface="+mn-cs"/>
-              </a:defRPr>
-            </a:lvl4pPr>
-            <a:lvl5pPr marL="2057400" indent="-228600" algn="l" defTabSz="914400" rtl="0" eaLnBrk="1" latinLnBrk="0" hangingPunct="1">
-              <a:lnSpc>
-                <a:spcPct val="90000"/>
-              </a:lnSpc>
-              <a:spcBef>
-                <a:spcPts val="500"/>
-              </a:spcBef>
-              <a:buFont typeface="Arial" panose="020B0604020202020204" pitchFamily="34" charset="0"/>
-              <a:buChar char="•"/>
-              <a:defRPr sz="1600" kern="1200">
-                <a:solidFill>
-                  <a:schemeClr val="tx1"/>
-                </a:solidFill>
-                <a:latin typeface="+mn-lt"/>
-                <a:ea typeface="+mn-ea"/>
-                <a:cs typeface="+mn-cs"/>
-              </a:defRPr>
-            </a:lvl5pPr>
-            <a:lvl6pPr marL="2514600" indent="-228600" algn="l" defTabSz="914400" rtl="0" eaLnBrk="1" latinLnBrk="0" hangingPunct="1">
-              <a:lnSpc>
-                <a:spcPct val="90000"/>
-              </a:lnSpc>
-              <a:spcBef>
-                <a:spcPts val="500"/>
-              </a:spcBef>
-              <a:buFont typeface="Arial" panose="020B0604020202020204" pitchFamily="34" charset="0"/>
-              <a:buChar char="•"/>
-              <a:defRPr sz="1800" kern="1200">
-                <a:solidFill>
-                  <a:schemeClr val="tx1"/>
-                </a:solidFill>
-                <a:latin typeface="+mn-lt"/>
-                <a:ea typeface="+mn-ea"/>
-                <a:cs typeface="+mn-cs"/>
-              </a:defRPr>
-            </a:lvl6pPr>
-            <a:lvl7pPr marL="2971800" indent="-228600" algn="l" defTabSz="914400" rtl="0" eaLnBrk="1" latinLnBrk="0" hangingPunct="1">
-              <a:lnSpc>
-                <a:spcPct val="90000"/>
-              </a:lnSpc>
-              <a:spcBef>
-                <a:spcPts val="500"/>
-              </a:spcBef>
-              <a:buFont typeface="Arial" panose="020B0604020202020204" pitchFamily="34" charset="0"/>
-              <a:buChar char="•"/>
-              <a:defRPr sz="1800" kern="1200">
-                <a:solidFill>
-                  <a:schemeClr val="tx1"/>
-                </a:solidFill>
-                <a:latin typeface="+mn-lt"/>
-                <a:ea typeface="+mn-ea"/>
-                <a:cs typeface="+mn-cs"/>
-              </a:defRPr>
-            </a:lvl7pPr>
-            <a:lvl8pPr marL="3429000" indent="-228600" algn="l" defTabSz="914400" rtl="0" eaLnBrk="1" latinLnBrk="0" hangingPunct="1">
-              <a:lnSpc>
-                <a:spcPct val="90000"/>
-              </a:lnSpc>
-              <a:spcBef>
-                <a:spcPts val="500"/>
-              </a:spcBef>
-              <a:buFont typeface="Arial" panose="020B0604020202020204" pitchFamily="34" charset="0"/>
-              <a:buChar char="•"/>
-              <a:defRPr sz="1800" kern="1200">
-                <a:solidFill>
-                  <a:schemeClr val="tx1"/>
-                </a:solidFill>
-                <a:latin typeface="+mn-lt"/>
-                <a:ea typeface="+mn-ea"/>
-                <a:cs typeface="+mn-cs"/>
-              </a:defRPr>
-            </a:lvl8pPr>
-            <a:lvl9pPr marL="3886200" indent="-228600" algn="l" defTabSz="914400" rtl="0" eaLnBrk="1" latinLnBrk="0" hangingPunct="1">
-              <a:lnSpc>
-                <a:spcPct val="90000"/>
-              </a:lnSpc>
-              <a:spcBef>
-                <a:spcPts val="500"/>
-              </a:spcBef>
-              <a:buFont typeface="Arial" panose="020B0604020202020204" pitchFamily="34" charset="0"/>
-              <a:buChar char="•"/>
-              <a:defRPr sz="1800" kern="1200">
-                <a:solidFill>
-                  <a:schemeClr val="tx1"/>
-                </a:solidFill>
-                <a:latin typeface="+mn-lt"/>
-                <a:ea typeface="+mn-ea"/>
-                <a:cs typeface="+mn-cs"/>
-              </a:defRPr>
-            </a:lvl9pPr>
-          </a:lstStyle>
-          <a:p>
-            <a:endParaRPr lang="en-US" dirty="0"/>
-          </a:p>
-        </p:txBody>
-      </p:sp>
-      <p:sp>
-        <p:nvSpPr>
-          <p:cNvPr id="5" name="Content Placeholder 2">
-            <a:extLst>
-              <a:ext uri="{FF2B5EF4-FFF2-40B4-BE49-F238E27FC236}">
-                <a16:creationId xmlns:a16="http://schemas.microsoft.com/office/drawing/2014/main" id="{650A69F1-90EF-686E-3837-7C801832F211}"/>
-              </a:ext>
-            </a:extLst>
-          </p:cNvPr>
-          <p:cNvSpPr txBox="1">
-            <a:spLocks/>
-          </p:cNvSpPr>
-          <p:nvPr/>
-        </p:nvSpPr>
-        <p:spPr>
-          <a:xfrm>
-            <a:off x="838200" y="2921405"/>
-            <a:ext cx="10515600" cy="2816007"/>
-          </a:xfrm>
-          <a:prstGeom prst="rect">
-            <a:avLst/>
-          </a:prstGeom>
-          <a:solidFill>
-            <a:schemeClr val="bg1"/>
-          </a:solidFill>
-        </p:spPr>
-        <p:txBody>
-          <a:bodyPr vert="horz" lIns="91440" tIns="45720" rIns="91440" bIns="45720" rtlCol="0">
-            <a:normAutofit lnSpcReduction="10000"/>
-          </a:bodyPr>
-          <a:lstStyle>
-            <a:lvl1pPr marL="228600" indent="-228600" algn="l" defTabSz="914400" rtl="0" eaLnBrk="1" latinLnBrk="0" hangingPunct="1">
-              <a:lnSpc>
-                <a:spcPct val="90000"/>
-              </a:lnSpc>
-              <a:spcBef>
-                <a:spcPts val="1000"/>
-              </a:spcBef>
-              <a:buFont typeface="Arial" panose="020B0604020202020204" pitchFamily="34" charset="0"/>
-              <a:buChar char="•"/>
-              <a:defRPr sz="2400" kern="1200">
-                <a:solidFill>
-                  <a:schemeClr val="tx1"/>
-                </a:solidFill>
-                <a:latin typeface="+mn-lt"/>
-                <a:ea typeface="+mn-ea"/>
-                <a:cs typeface="+mn-cs"/>
-              </a:defRPr>
-            </a:lvl1pPr>
-            <a:lvl2pPr marL="685800" indent="-228600" algn="l" defTabSz="914400" rtl="0" eaLnBrk="1" latinLnBrk="0" hangingPunct="1">
-              <a:lnSpc>
-                <a:spcPct val="90000"/>
-              </a:lnSpc>
-              <a:spcBef>
-                <a:spcPts val="500"/>
-              </a:spcBef>
-              <a:buFont typeface="Arial" panose="020B0604020202020204" pitchFamily="34" charset="0"/>
-              <a:buChar char="•"/>
-              <a:defRPr sz="2000" kern="1200">
-                <a:solidFill>
-                  <a:schemeClr val="tx1"/>
-                </a:solidFill>
-                <a:latin typeface="+mn-lt"/>
-                <a:ea typeface="+mn-ea"/>
-                <a:cs typeface="+mn-cs"/>
-              </a:defRPr>
-            </a:lvl2pPr>
-            <a:lvl3pPr marL="1143000" indent="-228600" algn="l" defTabSz="914400" rtl="0" eaLnBrk="1" latinLnBrk="0" hangingPunct="1">
-              <a:lnSpc>
-                <a:spcPct val="90000"/>
-              </a:lnSpc>
-              <a:spcBef>
-                <a:spcPts val="500"/>
-              </a:spcBef>
-              <a:buFont typeface="Arial" panose="020B0604020202020204" pitchFamily="34" charset="0"/>
-              <a:buChar char="•"/>
-              <a:defRPr sz="1800" kern="1200">
-                <a:solidFill>
-                  <a:schemeClr val="tx1"/>
-                </a:solidFill>
-                <a:latin typeface="+mn-lt"/>
-                <a:ea typeface="+mn-ea"/>
-                <a:cs typeface="+mn-cs"/>
-              </a:defRPr>
-            </a:lvl3pPr>
-            <a:lvl4pPr marL="1600200" indent="-228600" algn="l" defTabSz="914400" rtl="0" eaLnBrk="1" latinLnBrk="0" hangingPunct="1">
-              <a:lnSpc>
-                <a:spcPct val="90000"/>
-              </a:lnSpc>
-              <a:spcBef>
-                <a:spcPts val="500"/>
-              </a:spcBef>
-              <a:buFont typeface="Arial" panose="020B0604020202020204" pitchFamily="34" charset="0"/>
-              <a:buChar char="•"/>
-              <a:defRPr sz="1600" kern="1200">
-                <a:solidFill>
-                  <a:schemeClr val="tx1"/>
-                </a:solidFill>
-                <a:latin typeface="+mn-lt"/>
-                <a:ea typeface="+mn-ea"/>
-                <a:cs typeface="+mn-cs"/>
-              </a:defRPr>
-            </a:lvl4pPr>
-            <a:lvl5pPr marL="2057400" indent="-228600" algn="l" defTabSz="914400" rtl="0" eaLnBrk="1" latinLnBrk="0" hangingPunct="1">
-              <a:lnSpc>
-                <a:spcPct val="90000"/>
-              </a:lnSpc>
-              <a:spcBef>
-                <a:spcPts val="500"/>
-              </a:spcBef>
-              <a:buFont typeface="Arial" panose="020B0604020202020204" pitchFamily="34" charset="0"/>
-              <a:buChar char="•"/>
-              <a:defRPr sz="1600" kern="1200">
-                <a:solidFill>
-                  <a:schemeClr val="tx1"/>
-                </a:solidFill>
-                <a:latin typeface="+mn-lt"/>
-                <a:ea typeface="+mn-ea"/>
-                <a:cs typeface="+mn-cs"/>
-              </a:defRPr>
-            </a:lvl5pPr>
-            <a:lvl6pPr marL="2514600" indent="-228600" algn="l" defTabSz="914400" rtl="0" eaLnBrk="1" latinLnBrk="0" hangingPunct="1">
-              <a:lnSpc>
-                <a:spcPct val="90000"/>
-              </a:lnSpc>
-              <a:spcBef>
-                <a:spcPts val="500"/>
-              </a:spcBef>
-              <a:buFont typeface="Arial" panose="020B0604020202020204" pitchFamily="34" charset="0"/>
-              <a:buChar char="•"/>
-              <a:defRPr sz="1800" kern="1200">
-                <a:solidFill>
-                  <a:schemeClr val="tx1"/>
-                </a:solidFill>
-                <a:latin typeface="+mn-lt"/>
-                <a:ea typeface="+mn-ea"/>
-                <a:cs typeface="+mn-cs"/>
-              </a:defRPr>
-            </a:lvl6pPr>
-            <a:lvl7pPr marL="2971800" indent="-228600" algn="l" defTabSz="914400" rtl="0" eaLnBrk="1" latinLnBrk="0" hangingPunct="1">
-              <a:lnSpc>
-                <a:spcPct val="90000"/>
-              </a:lnSpc>
-              <a:spcBef>
-                <a:spcPts val="500"/>
-              </a:spcBef>
-              <a:buFont typeface="Arial" panose="020B0604020202020204" pitchFamily="34" charset="0"/>
-              <a:buChar char="•"/>
-              <a:defRPr sz="1800" kern="1200">
-                <a:solidFill>
-                  <a:schemeClr val="tx1"/>
-                </a:solidFill>
-                <a:latin typeface="+mn-lt"/>
-                <a:ea typeface="+mn-ea"/>
-                <a:cs typeface="+mn-cs"/>
-              </a:defRPr>
-            </a:lvl7pPr>
-            <a:lvl8pPr marL="3429000" indent="-228600" algn="l" defTabSz="914400" rtl="0" eaLnBrk="1" latinLnBrk="0" hangingPunct="1">
-              <a:lnSpc>
-                <a:spcPct val="90000"/>
-              </a:lnSpc>
-              <a:spcBef>
-                <a:spcPts val="500"/>
-              </a:spcBef>
-              <a:buFont typeface="Arial" panose="020B0604020202020204" pitchFamily="34" charset="0"/>
-              <a:buChar char="•"/>
-              <a:defRPr sz="1800" kern="1200">
-                <a:solidFill>
-                  <a:schemeClr val="tx1"/>
-                </a:solidFill>
-                <a:latin typeface="+mn-lt"/>
-                <a:ea typeface="+mn-ea"/>
-                <a:cs typeface="+mn-cs"/>
-              </a:defRPr>
-            </a:lvl8pPr>
-            <a:lvl9pPr marL="3886200" indent="-228600" algn="l" defTabSz="914400" rtl="0" eaLnBrk="1" latinLnBrk="0" hangingPunct="1">
-              <a:lnSpc>
-                <a:spcPct val="90000"/>
-              </a:lnSpc>
-              <a:spcBef>
-                <a:spcPts val="500"/>
-              </a:spcBef>
-              <a:buFont typeface="Arial" panose="020B0604020202020204" pitchFamily="34" charset="0"/>
-              <a:buChar char="•"/>
-              <a:defRPr sz="1800" kern="1200">
-                <a:solidFill>
-                  <a:schemeClr val="tx1"/>
-                </a:solidFill>
-                <a:latin typeface="+mn-lt"/>
-                <a:ea typeface="+mn-ea"/>
-                <a:cs typeface="+mn-cs"/>
-              </a:defRPr>
-            </a:lvl9pPr>
-          </a:lstStyle>
-          <a:p>
-            <a:pPr>
-              <a:lnSpc>
-                <a:spcPct val="100000"/>
-              </a:lnSpc>
-              <a:buNone/>
-            </a:pPr>
-            <a:r>
-              <a:rPr lang="en-US" b="0" dirty="0">
-                <a:solidFill>
-                  <a:srgbClr val="0000FF"/>
-                </a:solidFill>
-                <a:effectLst/>
-                <a:latin typeface="Consolas" panose="020B0609020204030204" pitchFamily="49" charset="0"/>
-              </a:rPr>
-              <a:t>import</a:t>
-            </a:r>
-            <a:r>
-              <a:rPr lang="en-US" b="0" dirty="0">
-                <a:solidFill>
-                  <a:srgbClr val="000000"/>
-                </a:solidFill>
-                <a:effectLst/>
-                <a:latin typeface="Consolas" panose="020B0609020204030204" pitchFamily="49" charset="0"/>
-              </a:rPr>
-              <a:t> spacy</a:t>
-            </a:r>
-          </a:p>
-          <a:p>
-            <a:pPr>
-              <a:lnSpc>
-                <a:spcPct val="100000"/>
-              </a:lnSpc>
-              <a:buNone/>
-            </a:pPr>
-            <a:r>
-              <a:rPr lang="en-US" b="0" dirty="0" err="1">
-                <a:solidFill>
-                  <a:srgbClr val="000000"/>
-                </a:solidFill>
-                <a:effectLst/>
-                <a:latin typeface="Consolas" panose="020B0609020204030204" pitchFamily="49" charset="0"/>
-              </a:rPr>
-              <a:t>nlp</a:t>
-            </a:r>
-            <a:r>
-              <a:rPr lang="en-US" b="0" dirty="0">
-                <a:solidFill>
-                  <a:srgbClr val="000000"/>
-                </a:solidFill>
-                <a:effectLst/>
-                <a:latin typeface="Consolas" panose="020B0609020204030204" pitchFamily="49" charset="0"/>
-              </a:rPr>
-              <a:t> = </a:t>
-            </a:r>
-            <a:r>
-              <a:rPr lang="en-US" b="0" dirty="0" err="1">
-                <a:solidFill>
-                  <a:srgbClr val="000000"/>
-                </a:solidFill>
-                <a:effectLst/>
-                <a:latin typeface="Consolas" panose="020B0609020204030204" pitchFamily="49" charset="0"/>
-              </a:rPr>
-              <a:t>spacy.load</a:t>
-            </a:r>
-            <a:r>
-              <a:rPr lang="en-US" b="0" dirty="0">
-                <a:solidFill>
-                  <a:srgbClr val="000000"/>
-                </a:solidFill>
-                <a:effectLst/>
-                <a:latin typeface="Consolas" panose="020B0609020204030204" pitchFamily="49" charset="0"/>
-              </a:rPr>
-              <a:t>(</a:t>
-            </a:r>
-            <a:r>
-              <a:rPr lang="en-US" b="0" dirty="0">
-                <a:solidFill>
-                  <a:srgbClr val="A31515"/>
-                </a:solidFill>
-                <a:effectLst/>
-                <a:latin typeface="Consolas" panose="020B0609020204030204" pitchFamily="49" charset="0"/>
-              </a:rPr>
-              <a:t>"</a:t>
-            </a:r>
-            <a:r>
-              <a:rPr lang="en-US" b="0" dirty="0" err="1">
-                <a:solidFill>
-                  <a:srgbClr val="A31515"/>
-                </a:solidFill>
-                <a:effectLst/>
-                <a:latin typeface="Consolas" panose="020B0609020204030204" pitchFamily="49" charset="0"/>
-              </a:rPr>
-              <a:t>en_core_web_md</a:t>
-            </a:r>
-            <a:r>
-              <a:rPr lang="en-US" b="0" dirty="0">
-                <a:solidFill>
-                  <a:srgbClr val="A31515"/>
-                </a:solidFill>
-                <a:effectLst/>
-                <a:latin typeface="Consolas" panose="020B0609020204030204" pitchFamily="49" charset="0"/>
-              </a:rPr>
-              <a:t>"</a:t>
-            </a:r>
-            <a:r>
-              <a:rPr lang="en-US" b="0" dirty="0">
-                <a:solidFill>
-                  <a:srgbClr val="000000"/>
-                </a:solidFill>
-                <a:effectLst/>
-                <a:latin typeface="Consolas" panose="020B0609020204030204" pitchFamily="49" charset="0"/>
-              </a:rPr>
-              <a:t>)</a:t>
-            </a:r>
-          </a:p>
-          <a:p>
-            <a:pPr>
-              <a:lnSpc>
-                <a:spcPct val="100000"/>
-              </a:lnSpc>
-              <a:buNone/>
-            </a:pPr>
-            <a:endParaRPr lang="en-US" dirty="0">
-              <a:solidFill>
-                <a:srgbClr val="000000"/>
-              </a:solidFill>
-              <a:latin typeface="Consolas" panose="020B0609020204030204" pitchFamily="49" charset="0"/>
-            </a:endParaRPr>
-          </a:p>
-          <a:p>
-            <a:pPr>
-              <a:lnSpc>
-                <a:spcPct val="100000"/>
-              </a:lnSpc>
-              <a:buNone/>
-            </a:pPr>
-            <a:r>
-              <a:rPr lang="en-US" b="0" dirty="0">
-                <a:solidFill>
-                  <a:srgbClr val="000000"/>
-                </a:solidFill>
-                <a:effectLst/>
-                <a:latin typeface="Consolas" panose="020B0609020204030204" pitchFamily="49" charset="0"/>
-              </a:rPr>
-              <a:t>word1 = </a:t>
-            </a:r>
-            <a:r>
-              <a:rPr lang="en-US" b="0" dirty="0" err="1">
-                <a:solidFill>
-                  <a:srgbClr val="000000"/>
-                </a:solidFill>
-                <a:effectLst/>
-                <a:latin typeface="Consolas" panose="020B0609020204030204" pitchFamily="49" charset="0"/>
-              </a:rPr>
-              <a:t>nlp</a:t>
-            </a:r>
-            <a:r>
-              <a:rPr lang="en-US" b="0" dirty="0">
-                <a:solidFill>
-                  <a:srgbClr val="000000"/>
-                </a:solidFill>
-                <a:effectLst/>
-                <a:latin typeface="Consolas" panose="020B0609020204030204" pitchFamily="49" charset="0"/>
-              </a:rPr>
-              <a:t>(</a:t>
-            </a:r>
-            <a:r>
-              <a:rPr lang="en-US" b="0" dirty="0">
-                <a:solidFill>
-                  <a:srgbClr val="A31515"/>
-                </a:solidFill>
-                <a:effectLst/>
-                <a:latin typeface="Consolas" panose="020B0609020204030204" pitchFamily="49" charset="0"/>
-              </a:rPr>
-              <a:t>"king"</a:t>
-            </a:r>
-            <a:r>
-              <a:rPr lang="en-US" b="0" dirty="0">
-                <a:solidFill>
-                  <a:srgbClr val="000000"/>
-                </a:solidFill>
-                <a:effectLst/>
-                <a:latin typeface="Consolas" panose="020B0609020204030204" pitchFamily="49" charset="0"/>
-              </a:rPr>
-              <a:t>)</a:t>
-            </a:r>
-          </a:p>
-          <a:p>
-            <a:pPr>
-              <a:lnSpc>
-                <a:spcPct val="100000"/>
-              </a:lnSpc>
-              <a:buNone/>
-            </a:pPr>
-            <a:r>
-              <a:rPr lang="en-US" b="0" dirty="0">
-                <a:solidFill>
-                  <a:srgbClr val="000000"/>
-                </a:solidFill>
-                <a:effectLst/>
-                <a:latin typeface="Consolas" panose="020B0609020204030204" pitchFamily="49" charset="0"/>
-              </a:rPr>
-              <a:t>word2 = </a:t>
-            </a:r>
-            <a:r>
-              <a:rPr lang="en-US" b="0" dirty="0" err="1">
-                <a:solidFill>
-                  <a:srgbClr val="000000"/>
-                </a:solidFill>
-                <a:effectLst/>
-                <a:latin typeface="Consolas" panose="020B0609020204030204" pitchFamily="49" charset="0"/>
-              </a:rPr>
-              <a:t>nlp</a:t>
-            </a:r>
-            <a:r>
-              <a:rPr lang="en-US" b="0" dirty="0">
-                <a:solidFill>
-                  <a:srgbClr val="000000"/>
-                </a:solidFill>
-                <a:effectLst/>
-                <a:latin typeface="Consolas" panose="020B0609020204030204" pitchFamily="49" charset="0"/>
-              </a:rPr>
-              <a:t>(</a:t>
-            </a:r>
-            <a:r>
-              <a:rPr lang="en-US" b="0" dirty="0">
-                <a:solidFill>
-                  <a:srgbClr val="A31515"/>
-                </a:solidFill>
-                <a:effectLst/>
-                <a:latin typeface="Consolas" panose="020B0609020204030204" pitchFamily="49" charset="0"/>
-              </a:rPr>
-              <a:t>"queen"</a:t>
-            </a:r>
-            <a:r>
-              <a:rPr lang="en-US" b="0" dirty="0">
-                <a:solidFill>
-                  <a:srgbClr val="000000"/>
-                </a:solidFill>
-                <a:effectLst/>
-                <a:latin typeface="Consolas" panose="020B0609020204030204" pitchFamily="49" charset="0"/>
-              </a:rPr>
-              <a:t>)</a:t>
-            </a:r>
-          </a:p>
-          <a:p>
-            <a:pPr marL="0" indent="0">
-              <a:lnSpc>
-                <a:spcPct val="100000"/>
-              </a:lnSpc>
-              <a:buNone/>
-            </a:pPr>
-            <a:r>
-              <a:rPr lang="en-US" b="0" dirty="0">
-                <a:solidFill>
-                  <a:srgbClr val="000000"/>
-                </a:solidFill>
-                <a:effectLst/>
-                <a:latin typeface="Consolas" panose="020B0609020204030204" pitchFamily="49" charset="0"/>
-              </a:rPr>
-              <a:t>print(</a:t>
-            </a:r>
-            <a:r>
-              <a:rPr lang="en-US" b="0" dirty="0">
-                <a:solidFill>
-                  <a:srgbClr val="A31515"/>
-                </a:solidFill>
-                <a:effectLst/>
-                <a:latin typeface="Consolas" panose="020B0609020204030204" pitchFamily="49" charset="0"/>
-              </a:rPr>
-              <a:t>"Similarity:"</a:t>
-            </a:r>
-            <a:r>
-              <a:rPr lang="en-US" b="0" dirty="0">
-                <a:solidFill>
-                  <a:srgbClr val="000000"/>
-                </a:solidFill>
-                <a:effectLst/>
-                <a:latin typeface="Consolas" panose="020B0609020204030204" pitchFamily="49" charset="0"/>
-              </a:rPr>
-              <a:t>, word1.similarity(word2))</a:t>
-            </a:r>
-          </a:p>
-        </p:txBody>
-      </p:sp>
-    </p:spTree>
-    <p:extLst>
-      <p:ext uri="{BB962C8B-B14F-4D97-AF65-F5344CB8AC3E}">
-        <p14:creationId xmlns:p14="http://schemas.microsoft.com/office/powerpoint/2010/main" val="3046292118"/>
       </p:ext>
     </p:extLst>
   </p:cSld>
@@ -19605,6 +18236,2100 @@
           <p:cNvPr id="2" name="Title 1">
             <a:extLst>
               <a:ext uri="{FF2B5EF4-FFF2-40B4-BE49-F238E27FC236}">
+                <a16:creationId xmlns:a16="http://schemas.microsoft.com/office/drawing/2014/main" id="{31B68434-2582-A79E-C7F4-AFD0F25F229E}"/>
+              </a:ext>
+            </a:extLst>
+          </p:cNvPr>
+          <p:cNvSpPr>
+            <a:spLocks noGrp="1"/>
+          </p:cNvSpPr>
+          <p:nvPr>
+            <p:ph type="title"/>
+          </p:nvPr>
+        </p:nvSpPr>
+        <p:spPr/>
+        <p:txBody>
+          <a:bodyPr/>
+          <a:lstStyle/>
+          <a:p>
+            <a:r>
+              <a:rPr lang="en-US" dirty="0"/>
+              <a:t>Word Similarities</a:t>
+            </a:r>
+          </a:p>
+        </p:txBody>
+      </p:sp>
+      <p:sp>
+        <p:nvSpPr>
+          <p:cNvPr id="3" name="Content Placeholder 2">
+            <a:extLst>
+              <a:ext uri="{FF2B5EF4-FFF2-40B4-BE49-F238E27FC236}">
+                <a16:creationId xmlns:a16="http://schemas.microsoft.com/office/drawing/2014/main" id="{6550BFB1-3BB2-F860-4F7F-86C77D5819E8}"/>
+              </a:ext>
+            </a:extLst>
+          </p:cNvPr>
+          <p:cNvSpPr>
+            <a:spLocks noGrp="1"/>
+          </p:cNvSpPr>
+          <p:nvPr>
+            <p:ph idx="1"/>
+          </p:nvPr>
+        </p:nvSpPr>
+        <p:spPr>
+          <a:solidFill>
+            <a:schemeClr val="bg1"/>
+          </a:solidFill>
+        </p:spPr>
+        <p:txBody>
+          <a:bodyPr>
+            <a:normAutofit fontScale="92500" lnSpcReduction="10000"/>
+          </a:bodyPr>
+          <a:lstStyle/>
+          <a:p>
+            <a:pPr>
+              <a:lnSpc>
+                <a:spcPct val="120000"/>
+              </a:lnSpc>
+              <a:buNone/>
+            </a:pPr>
+            <a:r>
+              <a:rPr lang="en-US" sz="1200" b="0" dirty="0">
+                <a:solidFill>
+                  <a:srgbClr val="0000FF"/>
+                </a:solidFill>
+                <a:effectLst/>
+                <a:latin typeface="Consolas" panose="020B0609020204030204" pitchFamily="49" charset="0"/>
+              </a:rPr>
+              <a:t>import</a:t>
+            </a:r>
+            <a:r>
+              <a:rPr lang="en-US" sz="1200" b="0" dirty="0">
+                <a:solidFill>
+                  <a:srgbClr val="000000"/>
+                </a:solidFill>
+                <a:effectLst/>
+                <a:latin typeface="Consolas" panose="020B0609020204030204" pitchFamily="49" charset="0"/>
+              </a:rPr>
+              <a:t> </a:t>
+            </a:r>
+            <a:r>
+              <a:rPr lang="en-US" sz="1200" b="0" dirty="0" err="1">
+                <a:solidFill>
+                  <a:srgbClr val="000000"/>
+                </a:solidFill>
+                <a:effectLst/>
+                <a:latin typeface="Consolas" panose="020B0609020204030204" pitchFamily="49" charset="0"/>
+              </a:rPr>
+              <a:t>numpy</a:t>
+            </a:r>
+            <a:r>
+              <a:rPr lang="en-US" sz="1200" b="0" dirty="0">
+                <a:solidFill>
+                  <a:srgbClr val="000000"/>
+                </a:solidFill>
+                <a:effectLst/>
+                <a:latin typeface="Consolas" panose="020B0609020204030204" pitchFamily="49" charset="0"/>
+              </a:rPr>
+              <a:t> </a:t>
+            </a:r>
+            <a:r>
+              <a:rPr lang="en-US" sz="1200" b="0" dirty="0">
+                <a:solidFill>
+                  <a:srgbClr val="0000FF"/>
+                </a:solidFill>
+                <a:effectLst/>
+                <a:latin typeface="Consolas" panose="020B0609020204030204" pitchFamily="49" charset="0"/>
+              </a:rPr>
+              <a:t>as</a:t>
+            </a:r>
+            <a:r>
+              <a:rPr lang="en-US" sz="1200" b="0" dirty="0">
+                <a:solidFill>
+                  <a:srgbClr val="000000"/>
+                </a:solidFill>
+                <a:effectLst/>
+                <a:latin typeface="Consolas" panose="020B0609020204030204" pitchFamily="49" charset="0"/>
+              </a:rPr>
+              <a:t> np</a:t>
+            </a:r>
+          </a:p>
+          <a:p>
+            <a:pPr>
+              <a:lnSpc>
+                <a:spcPct val="120000"/>
+              </a:lnSpc>
+              <a:buNone/>
+            </a:pPr>
+            <a:r>
+              <a:rPr lang="en-US" sz="1200" b="0" dirty="0">
+                <a:solidFill>
+                  <a:srgbClr val="0000FF"/>
+                </a:solidFill>
+                <a:effectLst/>
+                <a:latin typeface="Consolas" panose="020B0609020204030204" pitchFamily="49" charset="0"/>
+              </a:rPr>
+              <a:t>from</a:t>
+            </a:r>
+            <a:r>
+              <a:rPr lang="en-US" sz="1200" b="0" dirty="0">
+                <a:solidFill>
+                  <a:srgbClr val="000000"/>
+                </a:solidFill>
+                <a:effectLst/>
+                <a:latin typeface="Consolas" panose="020B0609020204030204" pitchFamily="49" charset="0"/>
+              </a:rPr>
+              <a:t> </a:t>
+            </a:r>
+            <a:r>
+              <a:rPr lang="en-US" sz="1200" b="0" dirty="0" err="1">
+                <a:solidFill>
+                  <a:srgbClr val="000000"/>
+                </a:solidFill>
+                <a:effectLst/>
+                <a:latin typeface="Consolas" panose="020B0609020204030204" pitchFamily="49" charset="0"/>
+              </a:rPr>
+              <a:t>sklearn.metrics.pairwise</a:t>
+            </a:r>
+            <a:r>
+              <a:rPr lang="en-US" sz="1200" b="0" dirty="0">
+                <a:solidFill>
+                  <a:srgbClr val="000000"/>
+                </a:solidFill>
+                <a:effectLst/>
+                <a:latin typeface="Consolas" panose="020B0609020204030204" pitchFamily="49" charset="0"/>
+              </a:rPr>
+              <a:t> </a:t>
+            </a:r>
+            <a:r>
+              <a:rPr lang="en-US" sz="1200" b="0" dirty="0">
+                <a:solidFill>
+                  <a:srgbClr val="0000FF"/>
+                </a:solidFill>
+                <a:effectLst/>
+                <a:latin typeface="Consolas" panose="020B0609020204030204" pitchFamily="49" charset="0"/>
+              </a:rPr>
+              <a:t>import</a:t>
+            </a:r>
+            <a:r>
+              <a:rPr lang="en-US" sz="1200" b="0" dirty="0">
+                <a:solidFill>
+                  <a:srgbClr val="000000"/>
+                </a:solidFill>
+                <a:effectLst/>
+                <a:latin typeface="Consolas" panose="020B0609020204030204" pitchFamily="49" charset="0"/>
+              </a:rPr>
+              <a:t> </a:t>
+            </a:r>
+            <a:r>
+              <a:rPr lang="en-US" sz="1200" b="0" dirty="0" err="1">
+                <a:solidFill>
+                  <a:srgbClr val="000000"/>
+                </a:solidFill>
+                <a:effectLst/>
+                <a:latin typeface="Consolas" panose="020B0609020204030204" pitchFamily="49" charset="0"/>
+              </a:rPr>
+              <a:t>cosine_similarity</a:t>
+            </a:r>
+            <a:endParaRPr lang="en-US" sz="1200" b="0" dirty="0">
+              <a:solidFill>
+                <a:srgbClr val="000000"/>
+              </a:solidFill>
+              <a:effectLst/>
+              <a:latin typeface="Consolas" panose="020B0609020204030204" pitchFamily="49" charset="0"/>
+            </a:endParaRPr>
+          </a:p>
+          <a:p>
+            <a:pPr>
+              <a:lnSpc>
+                <a:spcPct val="120000"/>
+              </a:lnSpc>
+              <a:buNone/>
+            </a:pPr>
+            <a:r>
+              <a:rPr lang="en-US" sz="1200" b="0" dirty="0">
+                <a:solidFill>
+                  <a:srgbClr val="008000"/>
+                </a:solidFill>
+                <a:effectLst/>
+                <a:latin typeface="Consolas" panose="020B0609020204030204" pitchFamily="49" charset="0"/>
+              </a:rPr>
+              <a:t># Fake word vectors (3D for simplicity)</a:t>
+            </a:r>
+            <a:endParaRPr lang="en-US" sz="1200" b="0" dirty="0">
+              <a:solidFill>
+                <a:srgbClr val="000000"/>
+              </a:solidFill>
+              <a:effectLst/>
+              <a:latin typeface="Consolas" panose="020B0609020204030204" pitchFamily="49" charset="0"/>
+            </a:endParaRPr>
+          </a:p>
+          <a:p>
+            <a:pPr>
+              <a:lnSpc>
+                <a:spcPct val="120000"/>
+              </a:lnSpc>
+              <a:buNone/>
+            </a:pPr>
+            <a:r>
+              <a:rPr lang="en-US" sz="1200" b="0" dirty="0" err="1">
+                <a:solidFill>
+                  <a:srgbClr val="000000"/>
+                </a:solidFill>
+                <a:effectLst/>
+                <a:latin typeface="Consolas" panose="020B0609020204030204" pitchFamily="49" charset="0"/>
+              </a:rPr>
+              <a:t>word_vectors</a:t>
+            </a:r>
+            <a:r>
+              <a:rPr lang="en-US" sz="1200" b="0" dirty="0">
+                <a:solidFill>
+                  <a:srgbClr val="000000"/>
+                </a:solidFill>
+                <a:effectLst/>
+                <a:latin typeface="Consolas" panose="020B0609020204030204" pitchFamily="49" charset="0"/>
+              </a:rPr>
+              <a:t> = {</a:t>
+            </a:r>
+          </a:p>
+          <a:p>
+            <a:pPr>
+              <a:lnSpc>
+                <a:spcPct val="120000"/>
+              </a:lnSpc>
+              <a:buNone/>
+            </a:pPr>
+            <a:r>
+              <a:rPr lang="en-US" sz="1200" b="0" dirty="0">
+                <a:solidFill>
+                  <a:srgbClr val="000000"/>
+                </a:solidFill>
+                <a:effectLst/>
+                <a:latin typeface="Consolas" panose="020B0609020204030204" pitchFamily="49" charset="0"/>
+              </a:rPr>
+              <a:t>    </a:t>
+            </a:r>
+            <a:r>
+              <a:rPr lang="en-US" sz="1200" b="0" dirty="0">
+                <a:solidFill>
+                  <a:srgbClr val="A31515"/>
+                </a:solidFill>
+                <a:effectLst/>
+                <a:latin typeface="Consolas" panose="020B0609020204030204" pitchFamily="49" charset="0"/>
+              </a:rPr>
+              <a:t>"king"</a:t>
+            </a:r>
+            <a:r>
+              <a:rPr lang="en-US" sz="1200" b="0" dirty="0">
+                <a:solidFill>
+                  <a:srgbClr val="000000"/>
+                </a:solidFill>
+                <a:effectLst/>
+                <a:latin typeface="Consolas" panose="020B0609020204030204" pitchFamily="49" charset="0"/>
+              </a:rPr>
+              <a:t>: </a:t>
+            </a:r>
+            <a:r>
+              <a:rPr lang="en-US" sz="1200" b="0" dirty="0" err="1">
+                <a:solidFill>
+                  <a:srgbClr val="000000"/>
+                </a:solidFill>
+                <a:effectLst/>
+                <a:latin typeface="Consolas" panose="020B0609020204030204" pitchFamily="49" charset="0"/>
+              </a:rPr>
+              <a:t>np.array</a:t>
+            </a:r>
+            <a:r>
+              <a:rPr lang="en-US" sz="1200" b="0" dirty="0">
+                <a:solidFill>
+                  <a:srgbClr val="000000"/>
+                </a:solidFill>
+                <a:effectLst/>
+                <a:latin typeface="Consolas" panose="020B0609020204030204" pitchFamily="49" charset="0"/>
+              </a:rPr>
+              <a:t>([</a:t>
+            </a:r>
+            <a:r>
+              <a:rPr lang="en-US" sz="1200" b="0" dirty="0">
+                <a:solidFill>
+                  <a:srgbClr val="098658"/>
+                </a:solidFill>
+                <a:effectLst/>
+                <a:latin typeface="Consolas" panose="020B0609020204030204" pitchFamily="49" charset="0"/>
+              </a:rPr>
+              <a:t>0.8</a:t>
+            </a:r>
+            <a:r>
+              <a:rPr lang="en-US" sz="1200" b="0" dirty="0">
+                <a:solidFill>
+                  <a:srgbClr val="000000"/>
+                </a:solidFill>
+                <a:effectLst/>
+                <a:latin typeface="Consolas" panose="020B0609020204030204" pitchFamily="49" charset="0"/>
+              </a:rPr>
+              <a:t>, </a:t>
+            </a:r>
+            <a:r>
+              <a:rPr lang="en-US" sz="1200" b="0" dirty="0">
+                <a:solidFill>
+                  <a:srgbClr val="098658"/>
+                </a:solidFill>
+                <a:effectLst/>
+                <a:latin typeface="Consolas" panose="020B0609020204030204" pitchFamily="49" charset="0"/>
+              </a:rPr>
+              <a:t>0.65</a:t>
+            </a:r>
+            <a:r>
+              <a:rPr lang="en-US" sz="1200" b="0" dirty="0">
+                <a:solidFill>
+                  <a:srgbClr val="000000"/>
+                </a:solidFill>
+                <a:effectLst/>
+                <a:latin typeface="Consolas" panose="020B0609020204030204" pitchFamily="49" charset="0"/>
+              </a:rPr>
+              <a:t>, </a:t>
+            </a:r>
+            <a:r>
+              <a:rPr lang="en-US" sz="1200" b="0" dirty="0">
+                <a:solidFill>
+                  <a:srgbClr val="098658"/>
+                </a:solidFill>
+                <a:effectLst/>
+                <a:latin typeface="Consolas" panose="020B0609020204030204" pitchFamily="49" charset="0"/>
+              </a:rPr>
+              <a:t>0.1</a:t>
+            </a:r>
+            <a:r>
+              <a:rPr lang="en-US" sz="1200" b="0" dirty="0">
+                <a:solidFill>
+                  <a:srgbClr val="000000"/>
+                </a:solidFill>
+                <a:effectLst/>
+                <a:latin typeface="Consolas" panose="020B0609020204030204" pitchFamily="49" charset="0"/>
+              </a:rPr>
+              <a:t>]),</a:t>
+            </a:r>
+          </a:p>
+          <a:p>
+            <a:pPr>
+              <a:lnSpc>
+                <a:spcPct val="120000"/>
+              </a:lnSpc>
+              <a:buNone/>
+            </a:pPr>
+            <a:r>
+              <a:rPr lang="en-US" sz="1200" b="0" dirty="0">
+                <a:solidFill>
+                  <a:srgbClr val="000000"/>
+                </a:solidFill>
+                <a:effectLst/>
+                <a:latin typeface="Consolas" panose="020B0609020204030204" pitchFamily="49" charset="0"/>
+              </a:rPr>
+              <a:t>    </a:t>
+            </a:r>
+            <a:r>
+              <a:rPr lang="en-US" sz="1200" b="0" dirty="0">
+                <a:solidFill>
+                  <a:srgbClr val="A31515"/>
+                </a:solidFill>
+                <a:effectLst/>
+                <a:latin typeface="Consolas" panose="020B0609020204030204" pitchFamily="49" charset="0"/>
+              </a:rPr>
+              <a:t>"queen"</a:t>
+            </a:r>
+            <a:r>
+              <a:rPr lang="en-US" sz="1200" b="0" dirty="0">
+                <a:solidFill>
+                  <a:srgbClr val="000000"/>
+                </a:solidFill>
+                <a:effectLst/>
+                <a:latin typeface="Consolas" panose="020B0609020204030204" pitchFamily="49" charset="0"/>
+              </a:rPr>
+              <a:t>: </a:t>
+            </a:r>
+            <a:r>
+              <a:rPr lang="en-US" sz="1200" b="0" dirty="0" err="1">
+                <a:solidFill>
+                  <a:srgbClr val="000000"/>
+                </a:solidFill>
+                <a:effectLst/>
+                <a:latin typeface="Consolas" panose="020B0609020204030204" pitchFamily="49" charset="0"/>
+              </a:rPr>
+              <a:t>np.array</a:t>
+            </a:r>
+            <a:r>
+              <a:rPr lang="en-US" sz="1200" b="0" dirty="0">
+                <a:solidFill>
+                  <a:srgbClr val="000000"/>
+                </a:solidFill>
+                <a:effectLst/>
+                <a:latin typeface="Consolas" panose="020B0609020204030204" pitchFamily="49" charset="0"/>
+              </a:rPr>
+              <a:t>([</a:t>
+            </a:r>
+            <a:r>
+              <a:rPr lang="en-US" sz="1200" b="0" dirty="0">
+                <a:solidFill>
+                  <a:srgbClr val="098658"/>
+                </a:solidFill>
+                <a:effectLst/>
+                <a:latin typeface="Consolas" panose="020B0609020204030204" pitchFamily="49" charset="0"/>
+              </a:rPr>
+              <a:t>0.78</a:t>
+            </a:r>
+            <a:r>
+              <a:rPr lang="en-US" sz="1200" b="0" dirty="0">
+                <a:solidFill>
+                  <a:srgbClr val="000000"/>
+                </a:solidFill>
+                <a:effectLst/>
+                <a:latin typeface="Consolas" panose="020B0609020204030204" pitchFamily="49" charset="0"/>
+              </a:rPr>
+              <a:t>, </a:t>
+            </a:r>
+            <a:r>
+              <a:rPr lang="en-US" sz="1200" b="0" dirty="0">
+                <a:solidFill>
+                  <a:srgbClr val="098658"/>
+                </a:solidFill>
+                <a:effectLst/>
+                <a:latin typeface="Consolas" panose="020B0609020204030204" pitchFamily="49" charset="0"/>
+              </a:rPr>
+              <a:t>0.66</a:t>
+            </a:r>
+            <a:r>
+              <a:rPr lang="en-US" sz="1200" b="0" dirty="0">
+                <a:solidFill>
+                  <a:srgbClr val="000000"/>
+                </a:solidFill>
+                <a:effectLst/>
+                <a:latin typeface="Consolas" panose="020B0609020204030204" pitchFamily="49" charset="0"/>
+              </a:rPr>
+              <a:t>, </a:t>
+            </a:r>
+            <a:r>
+              <a:rPr lang="en-US" sz="1200" b="0" dirty="0">
+                <a:solidFill>
+                  <a:srgbClr val="098658"/>
+                </a:solidFill>
+                <a:effectLst/>
+                <a:latin typeface="Consolas" panose="020B0609020204030204" pitchFamily="49" charset="0"/>
+              </a:rPr>
+              <a:t>0.12</a:t>
+            </a:r>
+            <a:r>
+              <a:rPr lang="en-US" sz="1200" b="0" dirty="0">
+                <a:solidFill>
+                  <a:srgbClr val="000000"/>
+                </a:solidFill>
+                <a:effectLst/>
+                <a:latin typeface="Consolas" panose="020B0609020204030204" pitchFamily="49" charset="0"/>
+              </a:rPr>
+              <a:t>]),</a:t>
+            </a:r>
+          </a:p>
+          <a:p>
+            <a:pPr>
+              <a:lnSpc>
+                <a:spcPct val="120000"/>
+              </a:lnSpc>
+              <a:buNone/>
+            </a:pPr>
+            <a:r>
+              <a:rPr lang="en-US" sz="1200" b="0" dirty="0">
+                <a:solidFill>
+                  <a:srgbClr val="000000"/>
+                </a:solidFill>
+                <a:effectLst/>
+                <a:latin typeface="Consolas" panose="020B0609020204030204" pitchFamily="49" charset="0"/>
+              </a:rPr>
+              <a:t>    </a:t>
+            </a:r>
+            <a:r>
+              <a:rPr lang="en-US" sz="1200" b="0" dirty="0">
+                <a:solidFill>
+                  <a:srgbClr val="A31515"/>
+                </a:solidFill>
+                <a:effectLst/>
+                <a:latin typeface="Consolas" panose="020B0609020204030204" pitchFamily="49" charset="0"/>
+              </a:rPr>
+              <a:t>"man"</a:t>
+            </a:r>
+            <a:r>
+              <a:rPr lang="en-US" sz="1200" b="0" dirty="0">
+                <a:solidFill>
+                  <a:srgbClr val="000000"/>
+                </a:solidFill>
+                <a:effectLst/>
+                <a:latin typeface="Consolas" panose="020B0609020204030204" pitchFamily="49" charset="0"/>
+              </a:rPr>
+              <a:t>: </a:t>
+            </a:r>
+            <a:r>
+              <a:rPr lang="en-US" sz="1200" b="0" dirty="0" err="1">
+                <a:solidFill>
+                  <a:srgbClr val="000000"/>
+                </a:solidFill>
+                <a:effectLst/>
+                <a:latin typeface="Consolas" panose="020B0609020204030204" pitchFamily="49" charset="0"/>
+              </a:rPr>
+              <a:t>np.array</a:t>
+            </a:r>
+            <a:r>
+              <a:rPr lang="en-US" sz="1200" b="0" dirty="0">
+                <a:solidFill>
+                  <a:srgbClr val="000000"/>
+                </a:solidFill>
+                <a:effectLst/>
+                <a:latin typeface="Consolas" panose="020B0609020204030204" pitchFamily="49" charset="0"/>
+              </a:rPr>
+              <a:t>([</a:t>
+            </a:r>
+            <a:r>
+              <a:rPr lang="en-US" sz="1200" b="0" dirty="0">
+                <a:solidFill>
+                  <a:srgbClr val="098658"/>
+                </a:solidFill>
+                <a:effectLst/>
+                <a:latin typeface="Consolas" panose="020B0609020204030204" pitchFamily="49" charset="0"/>
+              </a:rPr>
+              <a:t>0.9</a:t>
+            </a:r>
+            <a:r>
+              <a:rPr lang="en-US" sz="1200" b="0" dirty="0">
+                <a:solidFill>
+                  <a:srgbClr val="000000"/>
+                </a:solidFill>
+                <a:effectLst/>
+                <a:latin typeface="Consolas" panose="020B0609020204030204" pitchFamily="49" charset="0"/>
+              </a:rPr>
+              <a:t>, </a:t>
+            </a:r>
+            <a:r>
+              <a:rPr lang="en-US" sz="1200" b="0" dirty="0">
+                <a:solidFill>
+                  <a:srgbClr val="098658"/>
+                </a:solidFill>
+                <a:effectLst/>
+                <a:latin typeface="Consolas" panose="020B0609020204030204" pitchFamily="49" charset="0"/>
+              </a:rPr>
+              <a:t>0.1</a:t>
+            </a:r>
+            <a:r>
+              <a:rPr lang="en-US" sz="1200" b="0" dirty="0">
+                <a:solidFill>
+                  <a:srgbClr val="000000"/>
+                </a:solidFill>
+                <a:effectLst/>
+                <a:latin typeface="Consolas" panose="020B0609020204030204" pitchFamily="49" charset="0"/>
+              </a:rPr>
+              <a:t>, </a:t>
+            </a:r>
+            <a:r>
+              <a:rPr lang="en-US" sz="1200" b="0" dirty="0">
+                <a:solidFill>
+                  <a:srgbClr val="098658"/>
+                </a:solidFill>
+                <a:effectLst/>
+                <a:latin typeface="Consolas" panose="020B0609020204030204" pitchFamily="49" charset="0"/>
+              </a:rPr>
+              <a:t>0.1</a:t>
+            </a:r>
+            <a:r>
+              <a:rPr lang="en-US" sz="1200" b="0" dirty="0">
+                <a:solidFill>
+                  <a:srgbClr val="000000"/>
+                </a:solidFill>
+                <a:effectLst/>
+                <a:latin typeface="Consolas" panose="020B0609020204030204" pitchFamily="49" charset="0"/>
+              </a:rPr>
+              <a:t>]),</a:t>
+            </a:r>
+          </a:p>
+          <a:p>
+            <a:pPr>
+              <a:lnSpc>
+                <a:spcPct val="120000"/>
+              </a:lnSpc>
+              <a:buNone/>
+            </a:pPr>
+            <a:r>
+              <a:rPr lang="en-US" sz="1200" b="0" dirty="0">
+                <a:solidFill>
+                  <a:srgbClr val="000000"/>
+                </a:solidFill>
+                <a:effectLst/>
+                <a:latin typeface="Consolas" panose="020B0609020204030204" pitchFamily="49" charset="0"/>
+              </a:rPr>
+              <a:t>    </a:t>
+            </a:r>
+            <a:r>
+              <a:rPr lang="en-US" sz="1200" b="0" dirty="0">
+                <a:solidFill>
+                  <a:srgbClr val="A31515"/>
+                </a:solidFill>
+                <a:effectLst/>
+                <a:latin typeface="Consolas" panose="020B0609020204030204" pitchFamily="49" charset="0"/>
+              </a:rPr>
+              <a:t>"woman"</a:t>
+            </a:r>
+            <a:r>
+              <a:rPr lang="en-US" sz="1200" b="0" dirty="0">
+                <a:solidFill>
+                  <a:srgbClr val="000000"/>
+                </a:solidFill>
+                <a:effectLst/>
+                <a:latin typeface="Consolas" panose="020B0609020204030204" pitchFamily="49" charset="0"/>
+              </a:rPr>
+              <a:t>: </a:t>
+            </a:r>
+            <a:r>
+              <a:rPr lang="en-US" sz="1200" b="0" dirty="0" err="1">
+                <a:solidFill>
+                  <a:srgbClr val="000000"/>
+                </a:solidFill>
+                <a:effectLst/>
+                <a:latin typeface="Consolas" panose="020B0609020204030204" pitchFamily="49" charset="0"/>
+              </a:rPr>
+              <a:t>np.array</a:t>
+            </a:r>
+            <a:r>
+              <a:rPr lang="en-US" sz="1200" b="0" dirty="0">
+                <a:solidFill>
+                  <a:srgbClr val="000000"/>
+                </a:solidFill>
+                <a:effectLst/>
+                <a:latin typeface="Consolas" panose="020B0609020204030204" pitchFamily="49" charset="0"/>
+              </a:rPr>
+              <a:t>([</a:t>
+            </a:r>
+            <a:r>
+              <a:rPr lang="en-US" sz="1200" b="0" dirty="0">
+                <a:solidFill>
+                  <a:srgbClr val="098658"/>
+                </a:solidFill>
+                <a:effectLst/>
+                <a:latin typeface="Consolas" panose="020B0609020204030204" pitchFamily="49" charset="0"/>
+              </a:rPr>
+              <a:t>0.88</a:t>
+            </a:r>
+            <a:r>
+              <a:rPr lang="en-US" sz="1200" b="0" dirty="0">
+                <a:solidFill>
+                  <a:srgbClr val="000000"/>
+                </a:solidFill>
+                <a:effectLst/>
+                <a:latin typeface="Consolas" panose="020B0609020204030204" pitchFamily="49" charset="0"/>
+              </a:rPr>
+              <a:t>, </a:t>
+            </a:r>
+            <a:r>
+              <a:rPr lang="en-US" sz="1200" b="0" dirty="0">
+                <a:solidFill>
+                  <a:srgbClr val="098658"/>
+                </a:solidFill>
+                <a:effectLst/>
+                <a:latin typeface="Consolas" panose="020B0609020204030204" pitchFamily="49" charset="0"/>
+              </a:rPr>
+              <a:t>0.12</a:t>
+            </a:r>
+            <a:r>
+              <a:rPr lang="en-US" sz="1200" b="0" dirty="0">
+                <a:solidFill>
+                  <a:srgbClr val="000000"/>
+                </a:solidFill>
+                <a:effectLst/>
+                <a:latin typeface="Consolas" panose="020B0609020204030204" pitchFamily="49" charset="0"/>
+              </a:rPr>
+              <a:t>, </a:t>
+            </a:r>
+            <a:r>
+              <a:rPr lang="en-US" sz="1200" b="0" dirty="0">
+                <a:solidFill>
+                  <a:srgbClr val="098658"/>
+                </a:solidFill>
+                <a:effectLst/>
+                <a:latin typeface="Consolas" panose="020B0609020204030204" pitchFamily="49" charset="0"/>
+              </a:rPr>
+              <a:t>0.12</a:t>
+            </a:r>
+            <a:r>
+              <a:rPr lang="en-US" sz="1200" b="0" dirty="0">
+                <a:solidFill>
+                  <a:srgbClr val="000000"/>
+                </a:solidFill>
+                <a:effectLst/>
+                <a:latin typeface="Consolas" panose="020B0609020204030204" pitchFamily="49" charset="0"/>
+              </a:rPr>
+              <a:t>]),</a:t>
+            </a:r>
+          </a:p>
+          <a:p>
+            <a:pPr>
+              <a:lnSpc>
+                <a:spcPct val="120000"/>
+              </a:lnSpc>
+              <a:buNone/>
+            </a:pPr>
+            <a:r>
+              <a:rPr lang="en-US" sz="1200" b="0" dirty="0">
+                <a:solidFill>
+                  <a:srgbClr val="000000"/>
+                </a:solidFill>
+                <a:effectLst/>
+                <a:latin typeface="Consolas" panose="020B0609020204030204" pitchFamily="49" charset="0"/>
+              </a:rPr>
+              <a:t>    </a:t>
+            </a:r>
+            <a:r>
+              <a:rPr lang="en-US" sz="1200" b="0" dirty="0">
+                <a:solidFill>
+                  <a:srgbClr val="A31515"/>
+                </a:solidFill>
+                <a:effectLst/>
+                <a:latin typeface="Consolas" panose="020B0609020204030204" pitchFamily="49" charset="0"/>
+              </a:rPr>
+              <a:t>"apple"</a:t>
+            </a:r>
+            <a:r>
+              <a:rPr lang="en-US" sz="1200" b="0" dirty="0">
+                <a:solidFill>
+                  <a:srgbClr val="000000"/>
+                </a:solidFill>
+                <a:effectLst/>
+                <a:latin typeface="Consolas" panose="020B0609020204030204" pitchFamily="49" charset="0"/>
+              </a:rPr>
+              <a:t>: </a:t>
+            </a:r>
+            <a:r>
+              <a:rPr lang="en-US" sz="1200" b="0" dirty="0" err="1">
+                <a:solidFill>
+                  <a:srgbClr val="000000"/>
+                </a:solidFill>
+                <a:effectLst/>
+                <a:latin typeface="Consolas" panose="020B0609020204030204" pitchFamily="49" charset="0"/>
+              </a:rPr>
+              <a:t>np.array</a:t>
+            </a:r>
+            <a:r>
+              <a:rPr lang="en-US" sz="1200" b="0" dirty="0">
+                <a:solidFill>
+                  <a:srgbClr val="000000"/>
+                </a:solidFill>
+                <a:effectLst/>
+                <a:latin typeface="Consolas" panose="020B0609020204030204" pitchFamily="49" charset="0"/>
+              </a:rPr>
+              <a:t>([</a:t>
+            </a:r>
+            <a:r>
+              <a:rPr lang="en-US" sz="1200" b="0" dirty="0">
+                <a:solidFill>
+                  <a:srgbClr val="098658"/>
+                </a:solidFill>
+                <a:effectLst/>
+                <a:latin typeface="Consolas" panose="020B0609020204030204" pitchFamily="49" charset="0"/>
+              </a:rPr>
+              <a:t>0.1</a:t>
+            </a:r>
+            <a:r>
+              <a:rPr lang="en-US" sz="1200" b="0" dirty="0">
+                <a:solidFill>
+                  <a:srgbClr val="000000"/>
+                </a:solidFill>
+                <a:effectLst/>
+                <a:latin typeface="Consolas" panose="020B0609020204030204" pitchFamily="49" charset="0"/>
+              </a:rPr>
+              <a:t>, </a:t>
+            </a:r>
+            <a:r>
+              <a:rPr lang="en-US" sz="1200" b="0" dirty="0">
+                <a:solidFill>
+                  <a:srgbClr val="098658"/>
+                </a:solidFill>
+                <a:effectLst/>
+                <a:latin typeface="Consolas" panose="020B0609020204030204" pitchFamily="49" charset="0"/>
+              </a:rPr>
+              <a:t>0.8</a:t>
+            </a:r>
+            <a:r>
+              <a:rPr lang="en-US" sz="1200" b="0" dirty="0">
+                <a:solidFill>
+                  <a:srgbClr val="000000"/>
+                </a:solidFill>
+                <a:effectLst/>
+                <a:latin typeface="Consolas" panose="020B0609020204030204" pitchFamily="49" charset="0"/>
+              </a:rPr>
+              <a:t>, </a:t>
+            </a:r>
+            <a:r>
+              <a:rPr lang="en-US" sz="1200" b="0" dirty="0">
+                <a:solidFill>
+                  <a:srgbClr val="098658"/>
+                </a:solidFill>
+                <a:effectLst/>
+                <a:latin typeface="Consolas" panose="020B0609020204030204" pitchFamily="49" charset="0"/>
+              </a:rPr>
+              <a:t>0.9</a:t>
+            </a:r>
+            <a:r>
+              <a:rPr lang="en-US" sz="1200" b="0" dirty="0">
+                <a:solidFill>
+                  <a:srgbClr val="000000"/>
+                </a:solidFill>
+                <a:effectLst/>
+                <a:latin typeface="Consolas" panose="020B0609020204030204" pitchFamily="49" charset="0"/>
+              </a:rPr>
+              <a:t>]),</a:t>
+            </a:r>
+          </a:p>
+          <a:p>
+            <a:pPr>
+              <a:lnSpc>
+                <a:spcPct val="120000"/>
+              </a:lnSpc>
+              <a:buNone/>
+            </a:pPr>
+            <a:r>
+              <a:rPr lang="en-US" sz="1200" b="0" dirty="0">
+                <a:solidFill>
+                  <a:srgbClr val="000000"/>
+                </a:solidFill>
+                <a:effectLst/>
+                <a:latin typeface="Consolas" panose="020B0609020204030204" pitchFamily="49" charset="0"/>
+              </a:rPr>
+              <a:t>}</a:t>
+            </a:r>
+          </a:p>
+          <a:p>
+            <a:pPr>
+              <a:lnSpc>
+                <a:spcPct val="120000"/>
+              </a:lnSpc>
+              <a:buNone/>
+            </a:pPr>
+            <a:r>
+              <a:rPr lang="en-US" sz="1200" b="0" dirty="0">
+                <a:solidFill>
+                  <a:srgbClr val="0000FF"/>
+                </a:solidFill>
+                <a:effectLst/>
+                <a:latin typeface="Consolas" panose="020B0609020204030204" pitchFamily="49" charset="0"/>
+              </a:rPr>
+              <a:t>def</a:t>
+            </a:r>
+            <a:r>
+              <a:rPr lang="en-US" sz="1200" b="0" dirty="0">
+                <a:solidFill>
+                  <a:srgbClr val="000000"/>
+                </a:solidFill>
+                <a:effectLst/>
+                <a:latin typeface="Consolas" panose="020B0609020204030204" pitchFamily="49" charset="0"/>
+              </a:rPr>
+              <a:t> similarity(w1, w2):</a:t>
+            </a:r>
+          </a:p>
+          <a:p>
+            <a:pPr>
+              <a:lnSpc>
+                <a:spcPct val="120000"/>
+              </a:lnSpc>
+              <a:buNone/>
+            </a:pPr>
+            <a:r>
+              <a:rPr lang="en-US" sz="1200" b="0" dirty="0">
+                <a:solidFill>
+                  <a:srgbClr val="0000FF"/>
+                </a:solidFill>
+                <a:effectLst/>
+                <a:latin typeface="Consolas" panose="020B0609020204030204" pitchFamily="49" charset="0"/>
+              </a:rPr>
+              <a:t>	return</a:t>
+            </a:r>
+            <a:r>
+              <a:rPr lang="en-US" sz="1200" b="0" dirty="0">
+                <a:solidFill>
+                  <a:srgbClr val="000000"/>
+                </a:solidFill>
+                <a:effectLst/>
+                <a:latin typeface="Consolas" panose="020B0609020204030204" pitchFamily="49" charset="0"/>
+              </a:rPr>
+              <a:t> </a:t>
+            </a:r>
+            <a:r>
+              <a:rPr lang="en-US" sz="1200" b="0" dirty="0" err="1">
+                <a:solidFill>
+                  <a:srgbClr val="000000"/>
+                </a:solidFill>
+                <a:effectLst/>
+                <a:latin typeface="Consolas" panose="020B0609020204030204" pitchFamily="49" charset="0"/>
+              </a:rPr>
+              <a:t>cosine_similarity</a:t>
+            </a:r>
+            <a:r>
+              <a:rPr lang="en-US" sz="1200" b="0" dirty="0">
+                <a:solidFill>
+                  <a:srgbClr val="000000"/>
+                </a:solidFill>
+                <a:effectLst/>
+                <a:latin typeface="Consolas" panose="020B0609020204030204" pitchFamily="49" charset="0"/>
+              </a:rPr>
+              <a:t>([</a:t>
+            </a:r>
+            <a:r>
+              <a:rPr lang="en-US" sz="1200" b="0" dirty="0" err="1">
+                <a:solidFill>
+                  <a:srgbClr val="000000"/>
+                </a:solidFill>
+                <a:effectLst/>
+                <a:latin typeface="Consolas" panose="020B0609020204030204" pitchFamily="49" charset="0"/>
+              </a:rPr>
+              <a:t>word_vectors</a:t>
+            </a:r>
+            <a:r>
+              <a:rPr lang="en-US" sz="1200" b="0" dirty="0">
+                <a:solidFill>
+                  <a:srgbClr val="000000"/>
+                </a:solidFill>
+                <a:effectLst/>
+                <a:latin typeface="Consolas" panose="020B0609020204030204" pitchFamily="49" charset="0"/>
+              </a:rPr>
+              <a:t>[w1]], [</a:t>
+            </a:r>
+            <a:r>
+              <a:rPr lang="en-US" sz="1200" b="0" dirty="0" err="1">
+                <a:solidFill>
+                  <a:srgbClr val="000000"/>
+                </a:solidFill>
+                <a:effectLst/>
+                <a:latin typeface="Consolas" panose="020B0609020204030204" pitchFamily="49" charset="0"/>
+              </a:rPr>
+              <a:t>word_vectors</a:t>
+            </a:r>
+            <a:r>
+              <a:rPr lang="en-US" sz="1200" b="0" dirty="0">
+                <a:solidFill>
+                  <a:srgbClr val="000000"/>
+                </a:solidFill>
+                <a:effectLst/>
+                <a:latin typeface="Consolas" panose="020B0609020204030204" pitchFamily="49" charset="0"/>
+              </a:rPr>
+              <a:t>[w2]])[</a:t>
+            </a:r>
+            <a:r>
+              <a:rPr lang="en-US" sz="1200" b="0" dirty="0">
+                <a:solidFill>
+                  <a:srgbClr val="098658"/>
+                </a:solidFill>
+                <a:effectLst/>
+                <a:latin typeface="Consolas" panose="020B0609020204030204" pitchFamily="49" charset="0"/>
+              </a:rPr>
+              <a:t>0</a:t>
+            </a:r>
+            <a:r>
+              <a:rPr lang="en-US" sz="1200" b="0" dirty="0">
+                <a:solidFill>
+                  <a:srgbClr val="000000"/>
+                </a:solidFill>
+                <a:effectLst/>
+                <a:latin typeface="Consolas" panose="020B0609020204030204" pitchFamily="49" charset="0"/>
+              </a:rPr>
+              <a:t>][</a:t>
+            </a:r>
+            <a:r>
+              <a:rPr lang="en-US" sz="1200" b="0" dirty="0">
+                <a:solidFill>
+                  <a:srgbClr val="098658"/>
+                </a:solidFill>
+                <a:effectLst/>
+                <a:latin typeface="Consolas" panose="020B0609020204030204" pitchFamily="49" charset="0"/>
+              </a:rPr>
+              <a:t>0</a:t>
+            </a:r>
+            <a:r>
+              <a:rPr lang="en-US" sz="1200" b="0" dirty="0">
+                <a:solidFill>
+                  <a:srgbClr val="000000"/>
+                </a:solidFill>
+                <a:effectLst/>
+                <a:latin typeface="Consolas" panose="020B0609020204030204" pitchFamily="49" charset="0"/>
+              </a:rPr>
+              <a:t>]</a:t>
+            </a:r>
+          </a:p>
+          <a:p>
+            <a:pPr>
+              <a:lnSpc>
+                <a:spcPct val="120000"/>
+              </a:lnSpc>
+              <a:buNone/>
+            </a:pPr>
+            <a:endParaRPr lang="en-US" sz="1200" b="0" dirty="0">
+              <a:solidFill>
+                <a:srgbClr val="000000"/>
+              </a:solidFill>
+              <a:effectLst/>
+              <a:latin typeface="Consolas" panose="020B0609020204030204" pitchFamily="49" charset="0"/>
+            </a:endParaRPr>
+          </a:p>
+          <a:p>
+            <a:pPr>
+              <a:lnSpc>
+                <a:spcPct val="120000"/>
+              </a:lnSpc>
+              <a:buNone/>
+            </a:pPr>
+            <a:r>
+              <a:rPr lang="en-US" sz="1200" b="0" dirty="0">
+                <a:solidFill>
+                  <a:srgbClr val="000000"/>
+                </a:solidFill>
+                <a:effectLst/>
+                <a:latin typeface="Consolas" panose="020B0609020204030204" pitchFamily="49" charset="0"/>
+              </a:rPr>
+              <a:t>print(</a:t>
+            </a:r>
+            <a:r>
+              <a:rPr lang="en-US" sz="1200" b="0" dirty="0">
+                <a:solidFill>
+                  <a:srgbClr val="A31515"/>
+                </a:solidFill>
+                <a:effectLst/>
+                <a:latin typeface="Consolas" panose="020B0609020204030204" pitchFamily="49" charset="0"/>
+              </a:rPr>
+              <a:t>"Similarity(king, queen):"</a:t>
+            </a:r>
+            <a:r>
+              <a:rPr lang="en-US" sz="1200" b="0" dirty="0">
+                <a:solidFill>
+                  <a:srgbClr val="000000"/>
+                </a:solidFill>
+                <a:effectLst/>
+                <a:latin typeface="Consolas" panose="020B0609020204030204" pitchFamily="49" charset="0"/>
+              </a:rPr>
+              <a:t>, similarity(</a:t>
+            </a:r>
+            <a:r>
+              <a:rPr lang="en-US" sz="1200" b="0" dirty="0">
+                <a:solidFill>
+                  <a:srgbClr val="A31515"/>
+                </a:solidFill>
+                <a:effectLst/>
+                <a:latin typeface="Consolas" panose="020B0609020204030204" pitchFamily="49" charset="0"/>
+              </a:rPr>
+              <a:t>"king"</a:t>
+            </a:r>
+            <a:r>
+              <a:rPr lang="en-US" sz="1200" b="0" dirty="0">
+                <a:solidFill>
+                  <a:srgbClr val="000000"/>
+                </a:solidFill>
+                <a:effectLst/>
+                <a:latin typeface="Consolas" panose="020B0609020204030204" pitchFamily="49" charset="0"/>
+              </a:rPr>
+              <a:t>, </a:t>
+            </a:r>
+            <a:r>
+              <a:rPr lang="en-US" sz="1200" b="0" dirty="0">
+                <a:solidFill>
+                  <a:srgbClr val="A31515"/>
+                </a:solidFill>
+                <a:effectLst/>
+                <a:latin typeface="Consolas" panose="020B0609020204030204" pitchFamily="49" charset="0"/>
+              </a:rPr>
+              <a:t>"queen"</a:t>
+            </a:r>
+            <a:r>
+              <a:rPr lang="en-US" sz="1200" b="0" dirty="0">
+                <a:solidFill>
+                  <a:srgbClr val="000000"/>
+                </a:solidFill>
+                <a:effectLst/>
+                <a:latin typeface="Consolas" panose="020B0609020204030204" pitchFamily="49" charset="0"/>
+              </a:rPr>
+              <a:t>))</a:t>
+            </a:r>
+          </a:p>
+          <a:p>
+            <a:pPr>
+              <a:lnSpc>
+                <a:spcPct val="120000"/>
+              </a:lnSpc>
+              <a:buNone/>
+            </a:pPr>
+            <a:r>
+              <a:rPr lang="en-US" sz="1200" b="0" dirty="0">
+                <a:solidFill>
+                  <a:srgbClr val="000000"/>
+                </a:solidFill>
+                <a:effectLst/>
+                <a:latin typeface="Consolas" panose="020B0609020204030204" pitchFamily="49" charset="0"/>
+              </a:rPr>
+              <a:t>print(</a:t>
+            </a:r>
+            <a:r>
+              <a:rPr lang="en-US" sz="1200" b="0" dirty="0">
+                <a:solidFill>
+                  <a:srgbClr val="A31515"/>
+                </a:solidFill>
+                <a:effectLst/>
+                <a:latin typeface="Consolas" panose="020B0609020204030204" pitchFamily="49" charset="0"/>
+              </a:rPr>
+              <a:t>"Similarity(man, woman):"</a:t>
+            </a:r>
+            <a:r>
+              <a:rPr lang="en-US" sz="1200" b="0" dirty="0">
+                <a:solidFill>
+                  <a:srgbClr val="000000"/>
+                </a:solidFill>
+                <a:effectLst/>
+                <a:latin typeface="Consolas" panose="020B0609020204030204" pitchFamily="49" charset="0"/>
+              </a:rPr>
+              <a:t>, similarity(</a:t>
+            </a:r>
+            <a:r>
+              <a:rPr lang="en-US" sz="1200" b="0" dirty="0">
+                <a:solidFill>
+                  <a:srgbClr val="A31515"/>
+                </a:solidFill>
+                <a:effectLst/>
+                <a:latin typeface="Consolas" panose="020B0609020204030204" pitchFamily="49" charset="0"/>
+              </a:rPr>
+              <a:t>"man"</a:t>
+            </a:r>
+            <a:r>
+              <a:rPr lang="en-US" sz="1200" b="0" dirty="0">
+                <a:solidFill>
+                  <a:srgbClr val="000000"/>
+                </a:solidFill>
+                <a:effectLst/>
+                <a:latin typeface="Consolas" panose="020B0609020204030204" pitchFamily="49" charset="0"/>
+              </a:rPr>
+              <a:t>, </a:t>
+            </a:r>
+            <a:r>
+              <a:rPr lang="en-US" sz="1200" b="0" dirty="0">
+                <a:solidFill>
+                  <a:srgbClr val="A31515"/>
+                </a:solidFill>
+                <a:effectLst/>
+                <a:latin typeface="Consolas" panose="020B0609020204030204" pitchFamily="49" charset="0"/>
+              </a:rPr>
+              <a:t>"woman"</a:t>
+            </a:r>
+            <a:r>
+              <a:rPr lang="en-US" sz="1200" b="0" dirty="0">
+                <a:solidFill>
+                  <a:srgbClr val="000000"/>
+                </a:solidFill>
+                <a:effectLst/>
+                <a:latin typeface="Consolas" panose="020B0609020204030204" pitchFamily="49" charset="0"/>
+              </a:rPr>
+              <a:t>))</a:t>
+            </a:r>
+          </a:p>
+          <a:p>
+            <a:pPr marL="0" indent="0">
+              <a:lnSpc>
+                <a:spcPct val="120000"/>
+              </a:lnSpc>
+              <a:buNone/>
+            </a:pPr>
+            <a:r>
+              <a:rPr lang="en-US" sz="1200" b="0" dirty="0">
+                <a:solidFill>
+                  <a:srgbClr val="000000"/>
+                </a:solidFill>
+                <a:effectLst/>
+                <a:latin typeface="Consolas" panose="020B0609020204030204" pitchFamily="49" charset="0"/>
+              </a:rPr>
+              <a:t>print(</a:t>
+            </a:r>
+            <a:r>
+              <a:rPr lang="en-US" sz="1200" b="0" dirty="0">
+                <a:solidFill>
+                  <a:srgbClr val="A31515"/>
+                </a:solidFill>
+                <a:effectLst/>
+                <a:latin typeface="Consolas" panose="020B0609020204030204" pitchFamily="49" charset="0"/>
+              </a:rPr>
+              <a:t>"Similarity(king, apple):"</a:t>
+            </a:r>
+            <a:r>
+              <a:rPr lang="en-US" sz="1200" b="0" dirty="0">
+                <a:solidFill>
+                  <a:srgbClr val="000000"/>
+                </a:solidFill>
+                <a:effectLst/>
+                <a:latin typeface="Consolas" panose="020B0609020204030204" pitchFamily="49" charset="0"/>
+              </a:rPr>
+              <a:t>, similarity(</a:t>
+            </a:r>
+            <a:r>
+              <a:rPr lang="en-US" sz="1200" b="0" dirty="0">
+                <a:solidFill>
+                  <a:srgbClr val="A31515"/>
+                </a:solidFill>
+                <a:effectLst/>
+                <a:latin typeface="Consolas" panose="020B0609020204030204" pitchFamily="49" charset="0"/>
+              </a:rPr>
+              <a:t>"king"</a:t>
+            </a:r>
+            <a:r>
+              <a:rPr lang="en-US" sz="1200" b="0" dirty="0">
+                <a:solidFill>
+                  <a:srgbClr val="000000"/>
+                </a:solidFill>
+                <a:effectLst/>
+                <a:latin typeface="Consolas" panose="020B0609020204030204" pitchFamily="49" charset="0"/>
+              </a:rPr>
+              <a:t>, </a:t>
+            </a:r>
+            <a:r>
+              <a:rPr lang="en-US" sz="1200" b="0" dirty="0">
+                <a:solidFill>
+                  <a:srgbClr val="A31515"/>
+                </a:solidFill>
+                <a:effectLst/>
+                <a:latin typeface="Consolas" panose="020B0609020204030204" pitchFamily="49" charset="0"/>
+              </a:rPr>
+              <a:t>"apple"</a:t>
+            </a:r>
+            <a:r>
+              <a:rPr lang="en-US" sz="1200" b="0" dirty="0">
+                <a:solidFill>
+                  <a:srgbClr val="000000"/>
+                </a:solidFill>
+                <a:effectLst/>
+                <a:latin typeface="Consolas" panose="020B0609020204030204" pitchFamily="49" charset="0"/>
+              </a:rPr>
+              <a:t>))</a:t>
+            </a:r>
+          </a:p>
+          <a:p>
+            <a:pPr>
+              <a:lnSpc>
+                <a:spcPct val="120000"/>
+              </a:lnSpc>
+            </a:pPr>
+            <a:endParaRPr lang="en-US" sz="1200" dirty="0"/>
+          </a:p>
+        </p:txBody>
+      </p:sp>
+    </p:spTree>
+    <p:extLst>
+      <p:ext uri="{BB962C8B-B14F-4D97-AF65-F5344CB8AC3E}">
+        <p14:creationId xmlns:p14="http://schemas.microsoft.com/office/powerpoint/2010/main" val="3766250200"/>
+      </p:ext>
+    </p:extLst>
+  </p:cSld>
+  <p:clrMapOvr>
+    <a:masterClrMapping/>
+  </p:clrMapOvr>
+</p:sld>
+</file>
+
+<file path=ppt/slides/slide31.xml><?xml version="1.0" encoding="utf-8"?>
+<p:sld xmlns:a="http://schemas.openxmlformats.org/drawingml/2006/main" xmlns:r="http://schemas.openxmlformats.org/officeDocument/2006/relationships" xmlns:p="http://schemas.openxmlformats.org/presentationml/2006/main">
+  <p:cSld>
+    <p:spTree>
+      <p:nvGrpSpPr>
+        <p:cNvPr id="1" name=""/>
+        <p:cNvGrpSpPr/>
+        <p:nvPr/>
+      </p:nvGrpSpPr>
+      <p:grpSpPr>
+        <a:xfrm>
+          <a:off x="0" y="0"/>
+          <a:ext cx="0" cy="0"/>
+          <a:chOff x="0" y="0"/>
+          <a:chExt cx="0" cy="0"/>
+        </a:xfrm>
+      </p:grpSpPr>
+      <p:sp>
+        <p:nvSpPr>
+          <p:cNvPr id="2" name="Title 1">
+            <a:extLst>
+              <a:ext uri="{FF2B5EF4-FFF2-40B4-BE49-F238E27FC236}">
+                <a16:creationId xmlns:a16="http://schemas.microsoft.com/office/drawing/2014/main" id="{21450F6B-60F3-7BC5-E21B-CAD21EB6B825}"/>
+              </a:ext>
+            </a:extLst>
+          </p:cNvPr>
+          <p:cNvSpPr>
+            <a:spLocks noGrp="1"/>
+          </p:cNvSpPr>
+          <p:nvPr>
+            <p:ph type="title"/>
+          </p:nvPr>
+        </p:nvSpPr>
+        <p:spPr/>
+        <p:txBody>
+          <a:bodyPr/>
+          <a:lstStyle/>
+          <a:p>
+            <a:r>
+              <a:rPr lang="en-US" dirty="0"/>
+              <a:t>Real Embeddings</a:t>
+            </a:r>
+          </a:p>
+        </p:txBody>
+      </p:sp>
+      <p:sp>
+        <p:nvSpPr>
+          <p:cNvPr id="3" name="Content Placeholder 2">
+            <a:extLst>
+              <a:ext uri="{FF2B5EF4-FFF2-40B4-BE49-F238E27FC236}">
+                <a16:creationId xmlns:a16="http://schemas.microsoft.com/office/drawing/2014/main" id="{9A950C36-7C62-5D0C-E4B7-84FDE06FE9E9}"/>
+              </a:ext>
+            </a:extLst>
+          </p:cNvPr>
+          <p:cNvSpPr>
+            <a:spLocks noGrp="1"/>
+          </p:cNvSpPr>
+          <p:nvPr>
+            <p:ph idx="1"/>
+          </p:nvPr>
+        </p:nvSpPr>
+        <p:spPr>
+          <a:xfrm>
+            <a:off x="838200" y="1706007"/>
+            <a:ext cx="10515600" cy="1037193"/>
+          </a:xfrm>
+          <a:solidFill>
+            <a:schemeClr val="bg1"/>
+          </a:solidFill>
+        </p:spPr>
+        <p:txBody>
+          <a:bodyPr/>
+          <a:lstStyle/>
+          <a:p>
+            <a:r>
+              <a:rPr lang="en-US" dirty="0"/>
+              <a:t>pip install spacy</a:t>
+            </a:r>
+          </a:p>
+          <a:p>
+            <a:r>
+              <a:rPr lang="en-US" dirty="0"/>
+              <a:t>python -m spacy download </a:t>
+            </a:r>
+            <a:r>
+              <a:rPr lang="en-US" dirty="0" err="1"/>
+              <a:t>en_core_web_md</a:t>
+            </a:r>
+            <a:endParaRPr lang="en-US" dirty="0"/>
+          </a:p>
+        </p:txBody>
+      </p:sp>
+      <p:sp>
+        <p:nvSpPr>
+          <p:cNvPr id="4" name="Content Placeholder 2">
+            <a:extLst>
+              <a:ext uri="{FF2B5EF4-FFF2-40B4-BE49-F238E27FC236}">
+                <a16:creationId xmlns:a16="http://schemas.microsoft.com/office/drawing/2014/main" id="{65E97D63-7668-ABC4-85DB-95D6408DEE48}"/>
+              </a:ext>
+            </a:extLst>
+          </p:cNvPr>
+          <p:cNvSpPr txBox="1">
+            <a:spLocks/>
+          </p:cNvSpPr>
+          <p:nvPr/>
+        </p:nvSpPr>
+        <p:spPr>
+          <a:xfrm>
+            <a:off x="838200" y="2921405"/>
+            <a:ext cx="10515600" cy="3569042"/>
+          </a:xfrm>
+          <a:prstGeom prst="rect">
+            <a:avLst/>
+          </a:prstGeom>
+        </p:spPr>
+        <p:txBody>
+          <a:bodyPr vert="horz" lIns="91440" tIns="45720" rIns="91440" bIns="45720" rtlCol="0">
+            <a:normAutofit/>
+          </a:bodyPr>
+          <a:lstStyle>
+            <a:lvl1pPr marL="228600" indent="-228600" algn="l" defTabSz="914400" rtl="0" eaLnBrk="1" latinLnBrk="0" hangingPunct="1">
+              <a:lnSpc>
+                <a:spcPct val="90000"/>
+              </a:lnSpc>
+              <a:spcBef>
+                <a:spcPts val="1000"/>
+              </a:spcBef>
+              <a:buFont typeface="Arial" panose="020B0604020202020204" pitchFamily="34" charset="0"/>
+              <a:buChar char="•"/>
+              <a:defRPr sz="2400" kern="1200">
+                <a:solidFill>
+                  <a:schemeClr val="tx1"/>
+                </a:solidFill>
+                <a:latin typeface="+mn-lt"/>
+                <a:ea typeface="+mn-ea"/>
+                <a:cs typeface="+mn-cs"/>
+              </a:defRPr>
+            </a:lvl1pPr>
+            <a:lvl2pPr marL="685800" indent="-228600" algn="l" defTabSz="914400" rtl="0" eaLnBrk="1" latinLnBrk="0" hangingPunct="1">
+              <a:lnSpc>
+                <a:spcPct val="90000"/>
+              </a:lnSpc>
+              <a:spcBef>
+                <a:spcPts val="500"/>
+              </a:spcBef>
+              <a:buFont typeface="Arial" panose="020B0604020202020204" pitchFamily="34" charset="0"/>
+              <a:buChar char="•"/>
+              <a:defRPr sz="2000" kern="1200">
+                <a:solidFill>
+                  <a:schemeClr val="tx1"/>
+                </a:solidFill>
+                <a:latin typeface="+mn-lt"/>
+                <a:ea typeface="+mn-ea"/>
+                <a:cs typeface="+mn-cs"/>
+              </a:defRPr>
+            </a:lvl2pPr>
+            <a:lvl3pPr marL="1143000" indent="-228600" algn="l" defTabSz="914400" rtl="0" eaLnBrk="1" latinLnBrk="0" hangingPunct="1">
+              <a:lnSpc>
+                <a:spcPct val="90000"/>
+              </a:lnSpc>
+              <a:spcBef>
+                <a:spcPts val="500"/>
+              </a:spcBef>
+              <a:buFont typeface="Arial" panose="020B0604020202020204" pitchFamily="34" charset="0"/>
+              <a:buChar char="•"/>
+              <a:defRPr sz="1800" kern="1200">
+                <a:solidFill>
+                  <a:schemeClr val="tx1"/>
+                </a:solidFill>
+                <a:latin typeface="+mn-lt"/>
+                <a:ea typeface="+mn-ea"/>
+                <a:cs typeface="+mn-cs"/>
+              </a:defRPr>
+            </a:lvl3pPr>
+            <a:lvl4pPr marL="1600200" indent="-228600" algn="l" defTabSz="914400" rtl="0" eaLnBrk="1" latinLnBrk="0" hangingPunct="1">
+              <a:lnSpc>
+                <a:spcPct val="90000"/>
+              </a:lnSpc>
+              <a:spcBef>
+                <a:spcPts val="500"/>
+              </a:spcBef>
+              <a:buFont typeface="Arial" panose="020B0604020202020204" pitchFamily="34" charset="0"/>
+              <a:buChar char="•"/>
+              <a:defRPr sz="1600" kern="1200">
+                <a:solidFill>
+                  <a:schemeClr val="tx1"/>
+                </a:solidFill>
+                <a:latin typeface="+mn-lt"/>
+                <a:ea typeface="+mn-ea"/>
+                <a:cs typeface="+mn-cs"/>
+              </a:defRPr>
+            </a:lvl4pPr>
+            <a:lvl5pPr marL="2057400" indent="-228600" algn="l" defTabSz="914400" rtl="0" eaLnBrk="1" latinLnBrk="0" hangingPunct="1">
+              <a:lnSpc>
+                <a:spcPct val="90000"/>
+              </a:lnSpc>
+              <a:spcBef>
+                <a:spcPts val="500"/>
+              </a:spcBef>
+              <a:buFont typeface="Arial" panose="020B0604020202020204" pitchFamily="34" charset="0"/>
+              <a:buChar char="•"/>
+              <a:defRPr sz="1600" kern="1200">
+                <a:solidFill>
+                  <a:schemeClr val="tx1"/>
+                </a:solidFill>
+                <a:latin typeface="+mn-lt"/>
+                <a:ea typeface="+mn-ea"/>
+                <a:cs typeface="+mn-cs"/>
+              </a:defRPr>
+            </a:lvl5pPr>
+            <a:lvl6pPr marL="2514600" indent="-228600" algn="l" defTabSz="914400" rtl="0" eaLnBrk="1" latinLnBrk="0" hangingPunct="1">
+              <a:lnSpc>
+                <a:spcPct val="90000"/>
+              </a:lnSpc>
+              <a:spcBef>
+                <a:spcPts val="500"/>
+              </a:spcBef>
+              <a:buFont typeface="Arial" panose="020B0604020202020204" pitchFamily="34" charset="0"/>
+              <a:buChar char="•"/>
+              <a:defRPr sz="1800" kern="1200">
+                <a:solidFill>
+                  <a:schemeClr val="tx1"/>
+                </a:solidFill>
+                <a:latin typeface="+mn-lt"/>
+                <a:ea typeface="+mn-ea"/>
+                <a:cs typeface="+mn-cs"/>
+              </a:defRPr>
+            </a:lvl6pPr>
+            <a:lvl7pPr marL="2971800" indent="-228600" algn="l" defTabSz="914400" rtl="0" eaLnBrk="1" latinLnBrk="0" hangingPunct="1">
+              <a:lnSpc>
+                <a:spcPct val="90000"/>
+              </a:lnSpc>
+              <a:spcBef>
+                <a:spcPts val="500"/>
+              </a:spcBef>
+              <a:buFont typeface="Arial" panose="020B0604020202020204" pitchFamily="34" charset="0"/>
+              <a:buChar char="•"/>
+              <a:defRPr sz="1800" kern="1200">
+                <a:solidFill>
+                  <a:schemeClr val="tx1"/>
+                </a:solidFill>
+                <a:latin typeface="+mn-lt"/>
+                <a:ea typeface="+mn-ea"/>
+                <a:cs typeface="+mn-cs"/>
+              </a:defRPr>
+            </a:lvl7pPr>
+            <a:lvl8pPr marL="3429000" indent="-228600" algn="l" defTabSz="914400" rtl="0" eaLnBrk="1" latinLnBrk="0" hangingPunct="1">
+              <a:lnSpc>
+                <a:spcPct val="90000"/>
+              </a:lnSpc>
+              <a:spcBef>
+                <a:spcPts val="500"/>
+              </a:spcBef>
+              <a:buFont typeface="Arial" panose="020B0604020202020204" pitchFamily="34" charset="0"/>
+              <a:buChar char="•"/>
+              <a:defRPr sz="1800" kern="1200">
+                <a:solidFill>
+                  <a:schemeClr val="tx1"/>
+                </a:solidFill>
+                <a:latin typeface="+mn-lt"/>
+                <a:ea typeface="+mn-ea"/>
+                <a:cs typeface="+mn-cs"/>
+              </a:defRPr>
+            </a:lvl8pPr>
+            <a:lvl9pPr marL="3886200" indent="-228600" algn="l" defTabSz="914400" rtl="0" eaLnBrk="1" latinLnBrk="0" hangingPunct="1">
+              <a:lnSpc>
+                <a:spcPct val="90000"/>
+              </a:lnSpc>
+              <a:spcBef>
+                <a:spcPts val="500"/>
+              </a:spcBef>
+              <a:buFont typeface="Arial" panose="020B0604020202020204" pitchFamily="34" charset="0"/>
+              <a:buChar char="•"/>
+              <a:defRPr sz="1800" kern="1200">
+                <a:solidFill>
+                  <a:schemeClr val="tx1"/>
+                </a:solidFill>
+                <a:latin typeface="+mn-lt"/>
+                <a:ea typeface="+mn-ea"/>
+                <a:cs typeface="+mn-cs"/>
+              </a:defRPr>
+            </a:lvl9pPr>
+          </a:lstStyle>
+          <a:p>
+            <a:endParaRPr lang="en-US" dirty="0"/>
+          </a:p>
+        </p:txBody>
+      </p:sp>
+      <p:sp>
+        <p:nvSpPr>
+          <p:cNvPr id="5" name="Content Placeholder 2">
+            <a:extLst>
+              <a:ext uri="{FF2B5EF4-FFF2-40B4-BE49-F238E27FC236}">
+                <a16:creationId xmlns:a16="http://schemas.microsoft.com/office/drawing/2014/main" id="{650A69F1-90EF-686E-3837-7C801832F211}"/>
+              </a:ext>
+            </a:extLst>
+          </p:cNvPr>
+          <p:cNvSpPr txBox="1">
+            <a:spLocks/>
+          </p:cNvSpPr>
+          <p:nvPr/>
+        </p:nvSpPr>
+        <p:spPr>
+          <a:xfrm>
+            <a:off x="838200" y="2921405"/>
+            <a:ext cx="10515600" cy="2816007"/>
+          </a:xfrm>
+          <a:prstGeom prst="rect">
+            <a:avLst/>
+          </a:prstGeom>
+          <a:solidFill>
+            <a:schemeClr val="bg1"/>
+          </a:solidFill>
+        </p:spPr>
+        <p:txBody>
+          <a:bodyPr vert="horz" lIns="91440" tIns="45720" rIns="91440" bIns="45720" rtlCol="0">
+            <a:normAutofit lnSpcReduction="10000"/>
+          </a:bodyPr>
+          <a:lstStyle>
+            <a:lvl1pPr marL="228600" indent="-228600" algn="l" defTabSz="914400" rtl="0" eaLnBrk="1" latinLnBrk="0" hangingPunct="1">
+              <a:lnSpc>
+                <a:spcPct val="90000"/>
+              </a:lnSpc>
+              <a:spcBef>
+                <a:spcPts val="1000"/>
+              </a:spcBef>
+              <a:buFont typeface="Arial" panose="020B0604020202020204" pitchFamily="34" charset="0"/>
+              <a:buChar char="•"/>
+              <a:defRPr sz="2400" kern="1200">
+                <a:solidFill>
+                  <a:schemeClr val="tx1"/>
+                </a:solidFill>
+                <a:latin typeface="+mn-lt"/>
+                <a:ea typeface="+mn-ea"/>
+                <a:cs typeface="+mn-cs"/>
+              </a:defRPr>
+            </a:lvl1pPr>
+            <a:lvl2pPr marL="685800" indent="-228600" algn="l" defTabSz="914400" rtl="0" eaLnBrk="1" latinLnBrk="0" hangingPunct="1">
+              <a:lnSpc>
+                <a:spcPct val="90000"/>
+              </a:lnSpc>
+              <a:spcBef>
+                <a:spcPts val="500"/>
+              </a:spcBef>
+              <a:buFont typeface="Arial" panose="020B0604020202020204" pitchFamily="34" charset="0"/>
+              <a:buChar char="•"/>
+              <a:defRPr sz="2000" kern="1200">
+                <a:solidFill>
+                  <a:schemeClr val="tx1"/>
+                </a:solidFill>
+                <a:latin typeface="+mn-lt"/>
+                <a:ea typeface="+mn-ea"/>
+                <a:cs typeface="+mn-cs"/>
+              </a:defRPr>
+            </a:lvl2pPr>
+            <a:lvl3pPr marL="1143000" indent="-228600" algn="l" defTabSz="914400" rtl="0" eaLnBrk="1" latinLnBrk="0" hangingPunct="1">
+              <a:lnSpc>
+                <a:spcPct val="90000"/>
+              </a:lnSpc>
+              <a:spcBef>
+                <a:spcPts val="500"/>
+              </a:spcBef>
+              <a:buFont typeface="Arial" panose="020B0604020202020204" pitchFamily="34" charset="0"/>
+              <a:buChar char="•"/>
+              <a:defRPr sz="1800" kern="1200">
+                <a:solidFill>
+                  <a:schemeClr val="tx1"/>
+                </a:solidFill>
+                <a:latin typeface="+mn-lt"/>
+                <a:ea typeface="+mn-ea"/>
+                <a:cs typeface="+mn-cs"/>
+              </a:defRPr>
+            </a:lvl3pPr>
+            <a:lvl4pPr marL="1600200" indent="-228600" algn="l" defTabSz="914400" rtl="0" eaLnBrk="1" latinLnBrk="0" hangingPunct="1">
+              <a:lnSpc>
+                <a:spcPct val="90000"/>
+              </a:lnSpc>
+              <a:spcBef>
+                <a:spcPts val="500"/>
+              </a:spcBef>
+              <a:buFont typeface="Arial" panose="020B0604020202020204" pitchFamily="34" charset="0"/>
+              <a:buChar char="•"/>
+              <a:defRPr sz="1600" kern="1200">
+                <a:solidFill>
+                  <a:schemeClr val="tx1"/>
+                </a:solidFill>
+                <a:latin typeface="+mn-lt"/>
+                <a:ea typeface="+mn-ea"/>
+                <a:cs typeface="+mn-cs"/>
+              </a:defRPr>
+            </a:lvl4pPr>
+            <a:lvl5pPr marL="2057400" indent="-228600" algn="l" defTabSz="914400" rtl="0" eaLnBrk="1" latinLnBrk="0" hangingPunct="1">
+              <a:lnSpc>
+                <a:spcPct val="90000"/>
+              </a:lnSpc>
+              <a:spcBef>
+                <a:spcPts val="500"/>
+              </a:spcBef>
+              <a:buFont typeface="Arial" panose="020B0604020202020204" pitchFamily="34" charset="0"/>
+              <a:buChar char="•"/>
+              <a:defRPr sz="1600" kern="1200">
+                <a:solidFill>
+                  <a:schemeClr val="tx1"/>
+                </a:solidFill>
+                <a:latin typeface="+mn-lt"/>
+                <a:ea typeface="+mn-ea"/>
+                <a:cs typeface="+mn-cs"/>
+              </a:defRPr>
+            </a:lvl5pPr>
+            <a:lvl6pPr marL="2514600" indent="-228600" algn="l" defTabSz="914400" rtl="0" eaLnBrk="1" latinLnBrk="0" hangingPunct="1">
+              <a:lnSpc>
+                <a:spcPct val="90000"/>
+              </a:lnSpc>
+              <a:spcBef>
+                <a:spcPts val="500"/>
+              </a:spcBef>
+              <a:buFont typeface="Arial" panose="020B0604020202020204" pitchFamily="34" charset="0"/>
+              <a:buChar char="•"/>
+              <a:defRPr sz="1800" kern="1200">
+                <a:solidFill>
+                  <a:schemeClr val="tx1"/>
+                </a:solidFill>
+                <a:latin typeface="+mn-lt"/>
+                <a:ea typeface="+mn-ea"/>
+                <a:cs typeface="+mn-cs"/>
+              </a:defRPr>
+            </a:lvl6pPr>
+            <a:lvl7pPr marL="2971800" indent="-228600" algn="l" defTabSz="914400" rtl="0" eaLnBrk="1" latinLnBrk="0" hangingPunct="1">
+              <a:lnSpc>
+                <a:spcPct val="90000"/>
+              </a:lnSpc>
+              <a:spcBef>
+                <a:spcPts val="500"/>
+              </a:spcBef>
+              <a:buFont typeface="Arial" panose="020B0604020202020204" pitchFamily="34" charset="0"/>
+              <a:buChar char="•"/>
+              <a:defRPr sz="1800" kern="1200">
+                <a:solidFill>
+                  <a:schemeClr val="tx1"/>
+                </a:solidFill>
+                <a:latin typeface="+mn-lt"/>
+                <a:ea typeface="+mn-ea"/>
+                <a:cs typeface="+mn-cs"/>
+              </a:defRPr>
+            </a:lvl7pPr>
+            <a:lvl8pPr marL="3429000" indent="-228600" algn="l" defTabSz="914400" rtl="0" eaLnBrk="1" latinLnBrk="0" hangingPunct="1">
+              <a:lnSpc>
+                <a:spcPct val="90000"/>
+              </a:lnSpc>
+              <a:spcBef>
+                <a:spcPts val="500"/>
+              </a:spcBef>
+              <a:buFont typeface="Arial" panose="020B0604020202020204" pitchFamily="34" charset="0"/>
+              <a:buChar char="•"/>
+              <a:defRPr sz="1800" kern="1200">
+                <a:solidFill>
+                  <a:schemeClr val="tx1"/>
+                </a:solidFill>
+                <a:latin typeface="+mn-lt"/>
+                <a:ea typeface="+mn-ea"/>
+                <a:cs typeface="+mn-cs"/>
+              </a:defRPr>
+            </a:lvl8pPr>
+            <a:lvl9pPr marL="3886200" indent="-228600" algn="l" defTabSz="914400" rtl="0" eaLnBrk="1" latinLnBrk="0" hangingPunct="1">
+              <a:lnSpc>
+                <a:spcPct val="90000"/>
+              </a:lnSpc>
+              <a:spcBef>
+                <a:spcPts val="500"/>
+              </a:spcBef>
+              <a:buFont typeface="Arial" panose="020B0604020202020204" pitchFamily="34" charset="0"/>
+              <a:buChar char="•"/>
+              <a:defRPr sz="1800" kern="1200">
+                <a:solidFill>
+                  <a:schemeClr val="tx1"/>
+                </a:solidFill>
+                <a:latin typeface="+mn-lt"/>
+                <a:ea typeface="+mn-ea"/>
+                <a:cs typeface="+mn-cs"/>
+              </a:defRPr>
+            </a:lvl9pPr>
+          </a:lstStyle>
+          <a:p>
+            <a:pPr>
+              <a:lnSpc>
+                <a:spcPct val="100000"/>
+              </a:lnSpc>
+              <a:buNone/>
+            </a:pPr>
+            <a:r>
+              <a:rPr lang="en-US" b="0" dirty="0">
+                <a:solidFill>
+                  <a:srgbClr val="0000FF"/>
+                </a:solidFill>
+                <a:effectLst/>
+                <a:latin typeface="Consolas" panose="020B0609020204030204" pitchFamily="49" charset="0"/>
+              </a:rPr>
+              <a:t>import</a:t>
+            </a:r>
+            <a:r>
+              <a:rPr lang="en-US" b="0" dirty="0">
+                <a:solidFill>
+                  <a:srgbClr val="000000"/>
+                </a:solidFill>
+                <a:effectLst/>
+                <a:latin typeface="Consolas" panose="020B0609020204030204" pitchFamily="49" charset="0"/>
+              </a:rPr>
+              <a:t> spacy</a:t>
+            </a:r>
+          </a:p>
+          <a:p>
+            <a:pPr>
+              <a:lnSpc>
+                <a:spcPct val="100000"/>
+              </a:lnSpc>
+              <a:buNone/>
+            </a:pPr>
+            <a:r>
+              <a:rPr lang="en-US" b="0" dirty="0" err="1">
+                <a:solidFill>
+                  <a:srgbClr val="000000"/>
+                </a:solidFill>
+                <a:effectLst/>
+                <a:latin typeface="Consolas" panose="020B0609020204030204" pitchFamily="49" charset="0"/>
+              </a:rPr>
+              <a:t>nlp</a:t>
+            </a:r>
+            <a:r>
+              <a:rPr lang="en-US" b="0" dirty="0">
+                <a:solidFill>
+                  <a:srgbClr val="000000"/>
+                </a:solidFill>
+                <a:effectLst/>
+                <a:latin typeface="Consolas" panose="020B0609020204030204" pitchFamily="49" charset="0"/>
+              </a:rPr>
+              <a:t> = </a:t>
+            </a:r>
+            <a:r>
+              <a:rPr lang="en-US" b="0" dirty="0" err="1">
+                <a:solidFill>
+                  <a:srgbClr val="000000"/>
+                </a:solidFill>
+                <a:effectLst/>
+                <a:latin typeface="Consolas" panose="020B0609020204030204" pitchFamily="49" charset="0"/>
+              </a:rPr>
+              <a:t>spacy.load</a:t>
+            </a:r>
+            <a:r>
+              <a:rPr lang="en-US" b="0" dirty="0">
+                <a:solidFill>
+                  <a:srgbClr val="000000"/>
+                </a:solidFill>
+                <a:effectLst/>
+                <a:latin typeface="Consolas" panose="020B0609020204030204" pitchFamily="49" charset="0"/>
+              </a:rPr>
+              <a:t>(</a:t>
+            </a:r>
+            <a:r>
+              <a:rPr lang="en-US" b="0" dirty="0">
+                <a:solidFill>
+                  <a:srgbClr val="A31515"/>
+                </a:solidFill>
+                <a:effectLst/>
+                <a:latin typeface="Consolas" panose="020B0609020204030204" pitchFamily="49" charset="0"/>
+              </a:rPr>
+              <a:t>"</a:t>
+            </a:r>
+            <a:r>
+              <a:rPr lang="en-US" b="0" dirty="0" err="1">
+                <a:solidFill>
+                  <a:srgbClr val="A31515"/>
+                </a:solidFill>
+                <a:effectLst/>
+                <a:latin typeface="Consolas" panose="020B0609020204030204" pitchFamily="49" charset="0"/>
+              </a:rPr>
+              <a:t>en_core_web_md</a:t>
+            </a:r>
+            <a:r>
+              <a:rPr lang="en-US" b="0" dirty="0">
+                <a:solidFill>
+                  <a:srgbClr val="A31515"/>
+                </a:solidFill>
+                <a:effectLst/>
+                <a:latin typeface="Consolas" panose="020B0609020204030204" pitchFamily="49" charset="0"/>
+              </a:rPr>
+              <a:t>"</a:t>
+            </a:r>
+            <a:r>
+              <a:rPr lang="en-US" b="0" dirty="0">
+                <a:solidFill>
+                  <a:srgbClr val="000000"/>
+                </a:solidFill>
+                <a:effectLst/>
+                <a:latin typeface="Consolas" panose="020B0609020204030204" pitchFamily="49" charset="0"/>
+              </a:rPr>
+              <a:t>)</a:t>
+            </a:r>
+          </a:p>
+          <a:p>
+            <a:pPr>
+              <a:lnSpc>
+                <a:spcPct val="100000"/>
+              </a:lnSpc>
+              <a:buNone/>
+            </a:pPr>
+            <a:endParaRPr lang="en-US" dirty="0">
+              <a:solidFill>
+                <a:srgbClr val="000000"/>
+              </a:solidFill>
+              <a:latin typeface="Consolas" panose="020B0609020204030204" pitchFamily="49" charset="0"/>
+            </a:endParaRPr>
+          </a:p>
+          <a:p>
+            <a:pPr>
+              <a:lnSpc>
+                <a:spcPct val="100000"/>
+              </a:lnSpc>
+              <a:buNone/>
+            </a:pPr>
+            <a:r>
+              <a:rPr lang="en-US" b="0" dirty="0">
+                <a:solidFill>
+                  <a:srgbClr val="000000"/>
+                </a:solidFill>
+                <a:effectLst/>
+                <a:latin typeface="Consolas" panose="020B0609020204030204" pitchFamily="49" charset="0"/>
+              </a:rPr>
+              <a:t>word1 = </a:t>
+            </a:r>
+            <a:r>
+              <a:rPr lang="en-US" b="0" dirty="0" err="1">
+                <a:solidFill>
+                  <a:srgbClr val="000000"/>
+                </a:solidFill>
+                <a:effectLst/>
+                <a:latin typeface="Consolas" panose="020B0609020204030204" pitchFamily="49" charset="0"/>
+              </a:rPr>
+              <a:t>nlp</a:t>
+            </a:r>
+            <a:r>
+              <a:rPr lang="en-US" b="0" dirty="0">
+                <a:solidFill>
+                  <a:srgbClr val="000000"/>
+                </a:solidFill>
+                <a:effectLst/>
+                <a:latin typeface="Consolas" panose="020B0609020204030204" pitchFamily="49" charset="0"/>
+              </a:rPr>
+              <a:t>(</a:t>
+            </a:r>
+            <a:r>
+              <a:rPr lang="en-US" b="0" dirty="0">
+                <a:solidFill>
+                  <a:srgbClr val="A31515"/>
+                </a:solidFill>
+                <a:effectLst/>
+                <a:latin typeface="Consolas" panose="020B0609020204030204" pitchFamily="49" charset="0"/>
+              </a:rPr>
+              <a:t>"king"</a:t>
+            </a:r>
+            <a:r>
+              <a:rPr lang="en-US" b="0" dirty="0">
+                <a:solidFill>
+                  <a:srgbClr val="000000"/>
+                </a:solidFill>
+                <a:effectLst/>
+                <a:latin typeface="Consolas" panose="020B0609020204030204" pitchFamily="49" charset="0"/>
+              </a:rPr>
+              <a:t>)</a:t>
+            </a:r>
+          </a:p>
+          <a:p>
+            <a:pPr>
+              <a:lnSpc>
+                <a:spcPct val="100000"/>
+              </a:lnSpc>
+              <a:buNone/>
+            </a:pPr>
+            <a:r>
+              <a:rPr lang="en-US" b="0" dirty="0">
+                <a:solidFill>
+                  <a:srgbClr val="000000"/>
+                </a:solidFill>
+                <a:effectLst/>
+                <a:latin typeface="Consolas" panose="020B0609020204030204" pitchFamily="49" charset="0"/>
+              </a:rPr>
+              <a:t>word2 = </a:t>
+            </a:r>
+            <a:r>
+              <a:rPr lang="en-US" b="0" dirty="0" err="1">
+                <a:solidFill>
+                  <a:srgbClr val="000000"/>
+                </a:solidFill>
+                <a:effectLst/>
+                <a:latin typeface="Consolas" panose="020B0609020204030204" pitchFamily="49" charset="0"/>
+              </a:rPr>
+              <a:t>nlp</a:t>
+            </a:r>
+            <a:r>
+              <a:rPr lang="en-US" b="0" dirty="0">
+                <a:solidFill>
+                  <a:srgbClr val="000000"/>
+                </a:solidFill>
+                <a:effectLst/>
+                <a:latin typeface="Consolas" panose="020B0609020204030204" pitchFamily="49" charset="0"/>
+              </a:rPr>
+              <a:t>(</a:t>
+            </a:r>
+            <a:r>
+              <a:rPr lang="en-US" b="0" dirty="0">
+                <a:solidFill>
+                  <a:srgbClr val="A31515"/>
+                </a:solidFill>
+                <a:effectLst/>
+                <a:latin typeface="Consolas" panose="020B0609020204030204" pitchFamily="49" charset="0"/>
+              </a:rPr>
+              <a:t>"queen"</a:t>
+            </a:r>
+            <a:r>
+              <a:rPr lang="en-US" b="0" dirty="0">
+                <a:solidFill>
+                  <a:srgbClr val="000000"/>
+                </a:solidFill>
+                <a:effectLst/>
+                <a:latin typeface="Consolas" panose="020B0609020204030204" pitchFamily="49" charset="0"/>
+              </a:rPr>
+              <a:t>)</a:t>
+            </a:r>
+          </a:p>
+          <a:p>
+            <a:pPr marL="0" indent="0">
+              <a:lnSpc>
+                <a:spcPct val="100000"/>
+              </a:lnSpc>
+              <a:buNone/>
+            </a:pPr>
+            <a:r>
+              <a:rPr lang="en-US" b="0" dirty="0">
+                <a:solidFill>
+                  <a:srgbClr val="000000"/>
+                </a:solidFill>
+                <a:effectLst/>
+                <a:latin typeface="Consolas" panose="020B0609020204030204" pitchFamily="49" charset="0"/>
+              </a:rPr>
+              <a:t>print(</a:t>
+            </a:r>
+            <a:r>
+              <a:rPr lang="en-US" b="0" dirty="0">
+                <a:solidFill>
+                  <a:srgbClr val="A31515"/>
+                </a:solidFill>
+                <a:effectLst/>
+                <a:latin typeface="Consolas" panose="020B0609020204030204" pitchFamily="49" charset="0"/>
+              </a:rPr>
+              <a:t>"Similarity:"</a:t>
+            </a:r>
+            <a:r>
+              <a:rPr lang="en-US" b="0" dirty="0">
+                <a:solidFill>
+                  <a:srgbClr val="000000"/>
+                </a:solidFill>
+                <a:effectLst/>
+                <a:latin typeface="Consolas" panose="020B0609020204030204" pitchFamily="49" charset="0"/>
+              </a:rPr>
+              <a:t>, word1.similarity(word2))</a:t>
+            </a:r>
+          </a:p>
+        </p:txBody>
+      </p:sp>
+    </p:spTree>
+    <p:extLst>
+      <p:ext uri="{BB962C8B-B14F-4D97-AF65-F5344CB8AC3E}">
+        <p14:creationId xmlns:p14="http://schemas.microsoft.com/office/powerpoint/2010/main" val="3046292118"/>
+      </p:ext>
+    </p:extLst>
+  </p:cSld>
+  <p:clrMapOvr>
+    <a:masterClrMapping/>
+  </p:clrMapOvr>
+</p:sld>
+</file>
+
+<file path=ppt/slides/slide32.xml><?xml version="1.0" encoding="utf-8"?>
+<p:sld xmlns:a="http://schemas.openxmlformats.org/drawingml/2006/main" xmlns:r="http://schemas.openxmlformats.org/officeDocument/2006/relationships" xmlns:p="http://schemas.openxmlformats.org/presentationml/2006/main">
+  <p:cSld>
+    <p:spTree>
+      <p:nvGrpSpPr>
+        <p:cNvPr id="1" name=""/>
+        <p:cNvGrpSpPr/>
+        <p:nvPr/>
+      </p:nvGrpSpPr>
+      <p:grpSpPr>
+        <a:xfrm>
+          <a:off x="0" y="0"/>
+          <a:ext cx="0" cy="0"/>
+          <a:chOff x="0" y="0"/>
+          <a:chExt cx="0" cy="0"/>
+        </a:xfrm>
+      </p:grpSpPr>
+      <p:sp>
+        <p:nvSpPr>
+          <p:cNvPr id="2" name="Title 1">
+            <a:extLst>
+              <a:ext uri="{FF2B5EF4-FFF2-40B4-BE49-F238E27FC236}">
                 <a16:creationId xmlns:a16="http://schemas.microsoft.com/office/drawing/2014/main" id="{0B95EC20-6796-6447-BBF2-D090BB79FCD7}"/>
               </a:ext>
             </a:extLst>
@@ -20812,7 +21537,7 @@
 </p:sld>
 </file>
 
-<file path=ppt/slides/slide31.xml><?xml version="1.0" encoding="utf-8"?>
+<file path=ppt/slides/slide33.xml><?xml version="1.0" encoding="utf-8"?>
 <p:sld xmlns:a="http://schemas.openxmlformats.org/drawingml/2006/main" xmlns:r="http://schemas.openxmlformats.org/officeDocument/2006/relationships" xmlns:p="http://schemas.openxmlformats.org/presentationml/2006/main">
   <p:cSld>
     <p:spTree>
@@ -21193,7 +21918,7 @@
 </p:sld>
 </file>
 
-<file path=ppt/slides/slide32.xml><?xml version="1.0" encoding="utf-8"?>
+<file path=ppt/slides/slide34.xml><?xml version="1.0" encoding="utf-8"?>
 <p:sld xmlns:a="http://schemas.openxmlformats.org/drawingml/2006/main" xmlns:r="http://schemas.openxmlformats.org/officeDocument/2006/relationships" xmlns:p="http://schemas.openxmlformats.org/presentationml/2006/main">
   <p:cSld>
     <p:spTree>
@@ -21807,7 +22532,7 @@
 </p:sld>
 </file>
 
-<file path=ppt/slides/slide33.xml><?xml version="1.0" encoding="utf-8"?>
+<file path=ppt/slides/slide35.xml><?xml version="1.0" encoding="utf-8"?>
 <p:sld xmlns:a="http://schemas.openxmlformats.org/drawingml/2006/main" xmlns:r="http://schemas.openxmlformats.org/officeDocument/2006/relationships" xmlns:p="http://schemas.openxmlformats.org/presentationml/2006/main">
   <p:cSld>
     <p:spTree>
@@ -22306,7 +23031,7 @@
 </p:sld>
 </file>
 
-<file path=ppt/slides/slide34.xml><?xml version="1.0" encoding="utf-8"?>
+<file path=ppt/slides/slide36.xml><?xml version="1.0" encoding="utf-8"?>
 <p:sld xmlns:a="http://schemas.openxmlformats.org/drawingml/2006/main" xmlns:r="http://schemas.openxmlformats.org/officeDocument/2006/relationships" xmlns:p="http://schemas.openxmlformats.org/presentationml/2006/main">
   <p:cSld>
     <p:spTree>
@@ -22391,7 +23116,7 @@
 </p:sld>
 </file>
 
-<file path=ppt/slides/slide35.xml><?xml version="1.0" encoding="utf-8"?>
+<file path=ppt/slides/slide37.xml><?xml version="1.0" encoding="utf-8"?>
 <p:sld xmlns:a="http://schemas.openxmlformats.org/drawingml/2006/main" xmlns:r="http://schemas.openxmlformats.org/officeDocument/2006/relationships" xmlns:p="http://schemas.openxmlformats.org/presentationml/2006/main">
   <p:cSld>
     <p:spTree>
@@ -23320,7 +24045,7 @@
 </p:sld>
 </file>
 
-<file path=ppt/slides/slide36.xml><?xml version="1.0" encoding="utf-8"?>
+<file path=ppt/slides/slide38.xml><?xml version="1.0" encoding="utf-8"?>
 <p:sld xmlns:a="http://schemas.openxmlformats.org/drawingml/2006/main" xmlns:r="http://schemas.openxmlformats.org/officeDocument/2006/relationships" xmlns:p="http://schemas.openxmlformats.org/presentationml/2006/main">
   <p:cSld>
     <p:spTree>
@@ -24353,7 +25078,7 @@
 </p:sld>
 </file>
 
-<file path=ppt/slides/slide37.xml><?xml version="1.0" encoding="utf-8"?>
+<file path=ppt/slides/slide39.xml><?xml version="1.0" encoding="utf-8"?>
 <p:sld xmlns:a="http://schemas.openxmlformats.org/drawingml/2006/main" xmlns:r="http://schemas.openxmlformats.org/officeDocument/2006/relationships" xmlns:p="http://schemas.openxmlformats.org/presentationml/2006/main">
   <p:cSld>
     <p:spTree>
@@ -24466,7 +25191,216 @@
 </p:sld>
 </file>
 
-<file path=ppt/slides/slide38.xml><?xml version="1.0" encoding="utf-8"?>
+<file path=ppt/slides/slide4.xml><?xml version="1.0" encoding="utf-8"?>
+<p:sld xmlns:a="http://schemas.openxmlformats.org/drawingml/2006/main" xmlns:r="http://schemas.openxmlformats.org/officeDocument/2006/relationships" xmlns:p="http://schemas.openxmlformats.org/presentationml/2006/main">
+  <p:cSld>
+    <p:spTree>
+      <p:nvGrpSpPr>
+        <p:cNvPr id="1" name=""/>
+        <p:cNvGrpSpPr/>
+        <p:nvPr/>
+      </p:nvGrpSpPr>
+      <p:grpSpPr>
+        <a:xfrm>
+          <a:off x="0" y="0"/>
+          <a:ext cx="0" cy="0"/>
+          <a:chOff x="0" y="0"/>
+          <a:chExt cx="0" cy="0"/>
+        </a:xfrm>
+      </p:grpSpPr>
+      <p:sp>
+        <p:nvSpPr>
+          <p:cNvPr id="2" name="Title 1">
+            <a:extLst>
+              <a:ext uri="{FF2B5EF4-FFF2-40B4-BE49-F238E27FC236}">
+                <a16:creationId xmlns:a16="http://schemas.microsoft.com/office/drawing/2014/main" id="{74671EA9-6800-A779-6A5D-F9277B9697C4}"/>
+              </a:ext>
+            </a:extLst>
+          </p:cNvPr>
+          <p:cNvSpPr>
+            <a:spLocks noGrp="1"/>
+          </p:cNvSpPr>
+          <p:nvPr>
+            <p:ph type="title"/>
+          </p:nvPr>
+        </p:nvSpPr>
+        <p:spPr/>
+        <p:txBody>
+          <a:bodyPr>
+            <a:normAutofit/>
+          </a:bodyPr>
+          <a:lstStyle/>
+          <a:p>
+            <a:r>
+              <a:rPr lang="en-US"/>
+              <a:t>Outcomes</a:t>
+            </a:r>
+            <a:endParaRPr lang="en-US" dirty="0"/>
+          </a:p>
+        </p:txBody>
+      </p:sp>
+      <p:sp>
+        <p:nvSpPr>
+          <p:cNvPr id="3" name="Content Placeholder 2">
+            <a:extLst>
+              <a:ext uri="{FF2B5EF4-FFF2-40B4-BE49-F238E27FC236}">
+                <a16:creationId xmlns:a16="http://schemas.microsoft.com/office/drawing/2014/main" id="{8E94B1F8-E09A-B991-5EB3-CCEFE898BE46}"/>
+              </a:ext>
+            </a:extLst>
+          </p:cNvPr>
+          <p:cNvSpPr>
+            <a:spLocks noGrp="1"/>
+          </p:cNvSpPr>
+          <p:nvPr>
+            <p:ph idx="1"/>
+          </p:nvPr>
+        </p:nvSpPr>
+        <p:spPr/>
+        <p:txBody>
+          <a:bodyPr/>
+          <a:lstStyle/>
+          <a:p>
+            <a:pPr>
+              <a:buFont typeface="Arial" panose="020B0604020202020204" pitchFamily="34" charset="0"/>
+              <a:buChar char="•"/>
+            </a:pPr>
+            <a:r>
+              <a:rPr lang="en-US" dirty="0"/>
+              <a:t>Fundamentals of neural networks</a:t>
+            </a:r>
+          </a:p>
+          <a:p>
+            <a:pPr>
+              <a:buFont typeface="Arial" panose="020B0604020202020204" pitchFamily="34" charset="0"/>
+              <a:buChar char="•"/>
+            </a:pPr>
+            <a:r>
+              <a:rPr lang="en-US" dirty="0"/>
+              <a:t>Evolution from single </a:t>
+            </a:r>
+            <a:r>
+              <a:rPr lang="en-US" dirty="0" err="1"/>
+              <a:t>perceptrons</a:t>
+            </a:r>
+            <a:r>
+              <a:rPr lang="en-US" dirty="0"/>
+              <a:t> to MLPs</a:t>
+            </a:r>
+          </a:p>
+          <a:p>
+            <a:pPr>
+              <a:buFont typeface="Arial" panose="020B0604020202020204" pitchFamily="34" charset="0"/>
+              <a:buChar char="•"/>
+            </a:pPr>
+            <a:r>
+              <a:rPr lang="en-US" dirty="0"/>
+              <a:t>Detailed MLP architecture (input, hidden, and output layers)</a:t>
+            </a:r>
+          </a:p>
+          <a:p>
+            <a:pPr>
+              <a:buFont typeface="Arial" panose="020B0604020202020204" pitchFamily="34" charset="0"/>
+              <a:buChar char="•"/>
+            </a:pPr>
+            <a:r>
+              <a:rPr lang="en-US" dirty="0"/>
+              <a:t>Mathematical representations</a:t>
+            </a:r>
+          </a:p>
+          <a:p>
+            <a:pPr>
+              <a:buFont typeface="Arial" panose="020B0604020202020204" pitchFamily="34" charset="0"/>
+              <a:buChar char="•"/>
+            </a:pPr>
+            <a:r>
+              <a:rPr lang="en-US" dirty="0"/>
+              <a:t>Various activation functions (Sigmoid, </a:t>
+            </a:r>
+            <a:r>
+              <a:rPr lang="en-US" dirty="0" err="1"/>
+              <a:t>ReLU</a:t>
+            </a:r>
+            <a:r>
+              <a:rPr lang="en-US" dirty="0"/>
+              <a:t>, etc.)</a:t>
+            </a:r>
+          </a:p>
+          <a:p>
+            <a:pPr>
+              <a:buFont typeface="Arial" panose="020B0604020202020204" pitchFamily="34" charset="0"/>
+              <a:buChar char="•"/>
+            </a:pPr>
+            <a:r>
+              <a:rPr lang="en-US" dirty="0"/>
+              <a:t>Backpropagation and training methodologies</a:t>
+            </a:r>
+          </a:p>
+          <a:p>
+            <a:pPr>
+              <a:buFont typeface="Arial" panose="020B0604020202020204" pitchFamily="34" charset="0"/>
+              <a:buChar char="•"/>
+            </a:pPr>
+            <a:r>
+              <a:rPr lang="en-US" dirty="0"/>
+              <a:t>Loss functions and optimization techniques</a:t>
+            </a:r>
+          </a:p>
+          <a:p>
+            <a:pPr>
+              <a:buFont typeface="Arial" panose="020B0604020202020204" pitchFamily="34" charset="0"/>
+              <a:buChar char="•"/>
+            </a:pPr>
+            <a:r>
+              <a:rPr lang="en-US" dirty="0"/>
+              <a:t>Architecture design considerations</a:t>
+            </a:r>
+          </a:p>
+          <a:p>
+            <a:pPr>
+              <a:buFont typeface="Arial" panose="020B0604020202020204" pitchFamily="34" charset="0"/>
+              <a:buChar char="•"/>
+            </a:pPr>
+            <a:r>
+              <a:rPr lang="en-US" dirty="0"/>
+              <a:t>Real-world applications</a:t>
+            </a:r>
+          </a:p>
+          <a:p>
+            <a:pPr>
+              <a:buFont typeface="Arial" panose="020B0604020202020204" pitchFamily="34" charset="0"/>
+              <a:buChar char="•"/>
+            </a:pPr>
+            <a:r>
+              <a:rPr lang="en-US" dirty="0"/>
+              <a:t>Advantages and limitations</a:t>
+            </a:r>
+          </a:p>
+          <a:p>
+            <a:pPr>
+              <a:buFont typeface="Arial" panose="020B0604020202020204" pitchFamily="34" charset="0"/>
+              <a:buChar char="•"/>
+            </a:pPr>
+            <a:r>
+              <a:rPr lang="en-US" dirty="0"/>
+              <a:t>Modern MLP variants and implementations</a:t>
+            </a:r>
+          </a:p>
+        </p:txBody>
+      </p:sp>
+    </p:spTree>
+    <p:extLst>
+      <p:ext uri="{BB962C8B-B14F-4D97-AF65-F5344CB8AC3E}">
+        <p14:creationId xmlns:p14="http://schemas.microsoft.com/office/powerpoint/2010/main" val="620158495"/>
+      </p:ext>
+    </p:extLst>
+  </p:cSld>
+  <p:clrMapOvr>
+    <a:masterClrMapping/>
+  </p:clrMapOvr>
+</p:sld>
+</file>
+
+<file path=ppt/slides/slide40.xml><?xml version="1.0" encoding="utf-8"?>
 <p:sld xmlns:a="http://schemas.openxmlformats.org/drawingml/2006/main" xmlns:r="http://schemas.openxmlformats.org/officeDocument/2006/relationships" xmlns:p="http://schemas.openxmlformats.org/presentationml/2006/main">
   <p:cSld>
     <p:spTree>
@@ -24579,7 +25513,7 @@
 </p:sld>
 </file>
 
-<file path=ppt/slides/slide39.xml><?xml version="1.0" encoding="utf-8"?>
+<file path=ppt/slides/slide41.xml><?xml version="1.0" encoding="utf-8"?>
 <p:sld xmlns:a="http://schemas.openxmlformats.org/drawingml/2006/main" xmlns:r="http://schemas.openxmlformats.org/officeDocument/2006/relationships" xmlns:p="http://schemas.openxmlformats.org/presentationml/2006/main">
   <p:cSld>
     <p:spTree>
@@ -24855,216 +25789,7 @@
 </p:sld>
 </file>
 
-<file path=ppt/slides/slide4.xml><?xml version="1.0" encoding="utf-8"?>
-<p:sld xmlns:a="http://schemas.openxmlformats.org/drawingml/2006/main" xmlns:r="http://schemas.openxmlformats.org/officeDocument/2006/relationships" xmlns:p="http://schemas.openxmlformats.org/presentationml/2006/main">
-  <p:cSld>
-    <p:spTree>
-      <p:nvGrpSpPr>
-        <p:cNvPr id="1" name=""/>
-        <p:cNvGrpSpPr/>
-        <p:nvPr/>
-      </p:nvGrpSpPr>
-      <p:grpSpPr>
-        <a:xfrm>
-          <a:off x="0" y="0"/>
-          <a:ext cx="0" cy="0"/>
-          <a:chOff x="0" y="0"/>
-          <a:chExt cx="0" cy="0"/>
-        </a:xfrm>
-      </p:grpSpPr>
-      <p:sp>
-        <p:nvSpPr>
-          <p:cNvPr id="2" name="Title 1">
-            <a:extLst>
-              <a:ext uri="{FF2B5EF4-FFF2-40B4-BE49-F238E27FC236}">
-                <a16:creationId xmlns:a16="http://schemas.microsoft.com/office/drawing/2014/main" id="{74671EA9-6800-A779-6A5D-F9277B9697C4}"/>
-              </a:ext>
-            </a:extLst>
-          </p:cNvPr>
-          <p:cNvSpPr>
-            <a:spLocks noGrp="1"/>
-          </p:cNvSpPr>
-          <p:nvPr>
-            <p:ph type="title"/>
-          </p:nvPr>
-        </p:nvSpPr>
-        <p:spPr/>
-        <p:txBody>
-          <a:bodyPr>
-            <a:normAutofit/>
-          </a:bodyPr>
-          <a:lstStyle/>
-          <a:p>
-            <a:r>
-              <a:rPr lang="en-US"/>
-              <a:t>Outcomes</a:t>
-            </a:r>
-            <a:endParaRPr lang="en-US" dirty="0"/>
-          </a:p>
-        </p:txBody>
-      </p:sp>
-      <p:sp>
-        <p:nvSpPr>
-          <p:cNvPr id="3" name="Content Placeholder 2">
-            <a:extLst>
-              <a:ext uri="{FF2B5EF4-FFF2-40B4-BE49-F238E27FC236}">
-                <a16:creationId xmlns:a16="http://schemas.microsoft.com/office/drawing/2014/main" id="{8E94B1F8-E09A-B991-5EB3-CCEFE898BE46}"/>
-              </a:ext>
-            </a:extLst>
-          </p:cNvPr>
-          <p:cNvSpPr>
-            <a:spLocks noGrp="1"/>
-          </p:cNvSpPr>
-          <p:nvPr>
-            <p:ph idx="1"/>
-          </p:nvPr>
-        </p:nvSpPr>
-        <p:spPr/>
-        <p:txBody>
-          <a:bodyPr/>
-          <a:lstStyle/>
-          <a:p>
-            <a:pPr>
-              <a:buFont typeface="Arial" panose="020B0604020202020204" pitchFamily="34" charset="0"/>
-              <a:buChar char="•"/>
-            </a:pPr>
-            <a:r>
-              <a:rPr lang="en-US" dirty="0"/>
-              <a:t>Fundamentals of neural networks</a:t>
-            </a:r>
-          </a:p>
-          <a:p>
-            <a:pPr>
-              <a:buFont typeface="Arial" panose="020B0604020202020204" pitchFamily="34" charset="0"/>
-              <a:buChar char="•"/>
-            </a:pPr>
-            <a:r>
-              <a:rPr lang="en-US" dirty="0"/>
-              <a:t>Evolution from single </a:t>
-            </a:r>
-            <a:r>
-              <a:rPr lang="en-US" dirty="0" err="1"/>
-              <a:t>perceptrons</a:t>
-            </a:r>
-            <a:r>
-              <a:rPr lang="en-US" dirty="0"/>
-              <a:t> to MLPs</a:t>
-            </a:r>
-          </a:p>
-          <a:p>
-            <a:pPr>
-              <a:buFont typeface="Arial" panose="020B0604020202020204" pitchFamily="34" charset="0"/>
-              <a:buChar char="•"/>
-            </a:pPr>
-            <a:r>
-              <a:rPr lang="en-US" dirty="0"/>
-              <a:t>Detailed MLP architecture (input, hidden, and output layers)</a:t>
-            </a:r>
-          </a:p>
-          <a:p>
-            <a:pPr>
-              <a:buFont typeface="Arial" panose="020B0604020202020204" pitchFamily="34" charset="0"/>
-              <a:buChar char="•"/>
-            </a:pPr>
-            <a:r>
-              <a:rPr lang="en-US" dirty="0"/>
-              <a:t>Mathematical representations</a:t>
-            </a:r>
-          </a:p>
-          <a:p>
-            <a:pPr>
-              <a:buFont typeface="Arial" panose="020B0604020202020204" pitchFamily="34" charset="0"/>
-              <a:buChar char="•"/>
-            </a:pPr>
-            <a:r>
-              <a:rPr lang="en-US" dirty="0"/>
-              <a:t>Various activation functions (Sigmoid, </a:t>
-            </a:r>
-            <a:r>
-              <a:rPr lang="en-US" dirty="0" err="1"/>
-              <a:t>ReLU</a:t>
-            </a:r>
-            <a:r>
-              <a:rPr lang="en-US" dirty="0"/>
-              <a:t>, etc.)</a:t>
-            </a:r>
-          </a:p>
-          <a:p>
-            <a:pPr>
-              <a:buFont typeface="Arial" panose="020B0604020202020204" pitchFamily="34" charset="0"/>
-              <a:buChar char="•"/>
-            </a:pPr>
-            <a:r>
-              <a:rPr lang="en-US" dirty="0"/>
-              <a:t>Backpropagation and training methodologies</a:t>
-            </a:r>
-          </a:p>
-          <a:p>
-            <a:pPr>
-              <a:buFont typeface="Arial" panose="020B0604020202020204" pitchFamily="34" charset="0"/>
-              <a:buChar char="•"/>
-            </a:pPr>
-            <a:r>
-              <a:rPr lang="en-US" dirty="0"/>
-              <a:t>Loss functions and optimization techniques</a:t>
-            </a:r>
-          </a:p>
-          <a:p>
-            <a:pPr>
-              <a:buFont typeface="Arial" panose="020B0604020202020204" pitchFamily="34" charset="0"/>
-              <a:buChar char="•"/>
-            </a:pPr>
-            <a:r>
-              <a:rPr lang="en-US" dirty="0"/>
-              <a:t>Architecture design considerations</a:t>
-            </a:r>
-          </a:p>
-          <a:p>
-            <a:pPr>
-              <a:buFont typeface="Arial" panose="020B0604020202020204" pitchFamily="34" charset="0"/>
-              <a:buChar char="•"/>
-            </a:pPr>
-            <a:r>
-              <a:rPr lang="en-US" dirty="0"/>
-              <a:t>Real-world applications</a:t>
-            </a:r>
-          </a:p>
-          <a:p>
-            <a:pPr>
-              <a:buFont typeface="Arial" panose="020B0604020202020204" pitchFamily="34" charset="0"/>
-              <a:buChar char="•"/>
-            </a:pPr>
-            <a:r>
-              <a:rPr lang="en-US" dirty="0"/>
-              <a:t>Advantages and limitations</a:t>
-            </a:r>
-          </a:p>
-          <a:p>
-            <a:pPr>
-              <a:buFont typeface="Arial" panose="020B0604020202020204" pitchFamily="34" charset="0"/>
-              <a:buChar char="•"/>
-            </a:pPr>
-            <a:r>
-              <a:rPr lang="en-US" dirty="0"/>
-              <a:t>Modern MLP variants and implementations</a:t>
-            </a:r>
-          </a:p>
-        </p:txBody>
-      </p:sp>
-    </p:spTree>
-    <p:extLst>
-      <p:ext uri="{BB962C8B-B14F-4D97-AF65-F5344CB8AC3E}">
-        <p14:creationId xmlns:p14="http://schemas.microsoft.com/office/powerpoint/2010/main" val="620158495"/>
-      </p:ext>
-    </p:extLst>
-  </p:cSld>
-  <p:clrMapOvr>
-    <a:masterClrMapping/>
-  </p:clrMapOvr>
-</p:sld>
-</file>
-
-<file path=ppt/slides/slide40.xml><?xml version="1.0" encoding="utf-8"?>
+<file path=ppt/slides/slide42.xml><?xml version="1.0" encoding="utf-8"?>
 <p:sld xmlns:a="http://schemas.openxmlformats.org/drawingml/2006/main" xmlns:r="http://schemas.openxmlformats.org/officeDocument/2006/relationships" xmlns:p="http://schemas.openxmlformats.org/presentationml/2006/main">
   <p:cSld>
     <p:spTree>
@@ -26937,7 +27662,7 @@
 </p:sld>
 </file>
 
-<file path=ppt/slides/slide41.xml><?xml version="1.0" encoding="utf-8"?>
+<file path=ppt/slides/slide43.xml><?xml version="1.0" encoding="utf-8"?>
 <p:sld xmlns:a="http://schemas.openxmlformats.org/drawingml/2006/main" xmlns:r="http://schemas.openxmlformats.org/officeDocument/2006/relationships" xmlns:p="http://schemas.openxmlformats.org/presentationml/2006/main">
   <p:cSld>
     <p:spTree>
@@ -27073,7 +27798,7 @@
 </p:sld>
 </file>
 
-<file path=ppt/slides/slide42.xml><?xml version="1.0" encoding="utf-8"?>
+<file path=ppt/slides/slide44.xml><?xml version="1.0" encoding="utf-8"?>
 <p:sld xmlns:a="http://schemas.openxmlformats.org/drawingml/2006/main" xmlns:r="http://schemas.openxmlformats.org/officeDocument/2006/relationships" xmlns:p="http://schemas.openxmlformats.org/presentationml/2006/main">
   <p:cSld>
     <p:spTree>
@@ -27305,7 +28030,7 @@
 </p:sld>
 </file>
 
-<file path=ppt/slides/slide43.xml><?xml version="1.0" encoding="utf-8"?>
+<file path=ppt/slides/slide45.xml><?xml version="1.0" encoding="utf-8"?>
 <p:sld xmlns:a="http://schemas.openxmlformats.org/drawingml/2006/main" xmlns:r="http://schemas.openxmlformats.org/officeDocument/2006/relationships" xmlns:p="http://schemas.openxmlformats.org/presentationml/2006/main">
   <p:cSld>
     <p:spTree>
@@ -27469,7 +28194,7 @@
 </p:sld>
 </file>
 
-<file path=ppt/slides/slide44.xml><?xml version="1.0" encoding="utf-8"?>
+<file path=ppt/slides/slide46.xml><?xml version="1.0" encoding="utf-8"?>
 <p:sld xmlns:a="http://schemas.openxmlformats.org/drawingml/2006/main" xmlns:r="http://schemas.openxmlformats.org/officeDocument/2006/relationships" xmlns:p="http://schemas.openxmlformats.org/presentationml/2006/main">
   <p:cSld>
     <p:spTree>
@@ -27922,7 +28647,7 @@
 </p:sld>
 </file>
 
-<file path=ppt/slides/slide45.xml><?xml version="1.0" encoding="utf-8"?>
+<file path=ppt/slides/slide47.xml><?xml version="1.0" encoding="utf-8"?>
 <p:sld xmlns:a="http://schemas.openxmlformats.org/drawingml/2006/main" xmlns:r="http://schemas.openxmlformats.org/officeDocument/2006/relationships" xmlns:p="http://schemas.openxmlformats.org/presentationml/2006/main">
   <p:cSld>
     <p:spTree>
@@ -28408,7 +29133,7 @@
 </p:sld>
 </file>
 
-<file path=ppt/slides/slide46.xml><?xml version="1.0" encoding="utf-8"?>
+<file path=ppt/slides/slide48.xml><?xml version="1.0" encoding="utf-8"?>
 <p:sld xmlns:a="http://schemas.openxmlformats.org/drawingml/2006/main" xmlns:r="http://schemas.openxmlformats.org/officeDocument/2006/relationships" xmlns:p="http://schemas.openxmlformats.org/presentationml/2006/main">
   <p:cSld>
     <p:spTree>
@@ -29737,7 +30462,7 @@
 </p:sld>
 </file>
 
-<file path=ppt/slides/slide47.xml><?xml version="1.0" encoding="utf-8"?>
+<file path=ppt/slides/slide49.xml><?xml version="1.0" encoding="utf-8"?>
 <p:sld xmlns:a="http://schemas.openxmlformats.org/drawingml/2006/main" xmlns:r="http://schemas.openxmlformats.org/officeDocument/2006/relationships" xmlns:p="http://schemas.openxmlformats.org/presentationml/2006/main">
   <p:cSld>
     <p:spTree>
@@ -30099,1229 +30824,6 @@
           </a:prstGeom>
         </p:spPr>
       </p:pic>
-    </p:spTree>
-  </p:cSld>
-  <p:clrMapOvr>
-    <a:masterClrMapping/>
-  </p:clrMapOvr>
-</p:sld>
-</file>
-
-<file path=ppt/slides/slide48.xml><?xml version="1.0" encoding="utf-8"?>
-<p:sld xmlns:a="http://schemas.openxmlformats.org/drawingml/2006/main" xmlns:r="http://schemas.openxmlformats.org/officeDocument/2006/relationships" xmlns:p="http://schemas.openxmlformats.org/presentationml/2006/main">
-  <p:cSld>
-    <p:spTree>
-      <p:nvGrpSpPr>
-        <p:cNvPr id="1" name=""/>
-        <p:cNvGrpSpPr/>
-        <p:nvPr/>
-      </p:nvGrpSpPr>
-      <p:grpSpPr>
-        <a:xfrm>
-          <a:off x="0" y="0"/>
-          <a:ext cx="0" cy="0"/>
-          <a:chOff x="0" y="0"/>
-          <a:chExt cx="0" cy="0"/>
-        </a:xfrm>
-      </p:grpSpPr>
-      <p:sp>
-        <p:nvSpPr>
-          <p:cNvPr id="2" name="object 2"/>
-          <p:cNvSpPr txBox="1">
-            <a:spLocks noGrp="1"/>
-          </p:cNvSpPr>
-          <p:nvPr>
-            <p:ph type="title" idx="4294967295"/>
-          </p:nvPr>
-        </p:nvSpPr>
-        <p:spPr>
-          <a:xfrm>
-            <a:off x="55606" y="31030"/>
-            <a:ext cx="10515600" cy="687238"/>
-          </a:xfrm>
-          <a:prstGeom prst="rect">
-            <a:avLst/>
-          </a:prstGeom>
-        </p:spPr>
-        <p:txBody>
-          <a:bodyPr vert="horz" wrap="square" lIns="0" tIns="314832" rIns="0" bIns="0" rtlCol="0">
-            <a:spAutoFit/>
-          </a:bodyPr>
-          <a:lstStyle/>
-          <a:p>
-            <a:pPr marL="206375">
-              <a:lnSpc>
-                <a:spcPct val="100000"/>
-              </a:lnSpc>
-              <a:spcBef>
-                <a:spcPts val="95"/>
-              </a:spcBef>
-            </a:pPr>
-            <a:r>
-              <a:rPr sz="2400" dirty="0"/>
-              <a:t>Gemini</a:t>
-            </a:r>
-            <a:r>
-              <a:rPr sz="2400" spc="-120" dirty="0"/>
-              <a:t> </a:t>
-            </a:r>
-            <a:r>
-              <a:rPr sz="2400" dirty="0"/>
-              <a:t>1.5</a:t>
-            </a:r>
-            <a:r>
-              <a:rPr sz="2400" spc="-145" dirty="0"/>
-              <a:t> </a:t>
-            </a:r>
-            <a:r>
-              <a:rPr sz="2400" dirty="0"/>
-              <a:t>-</a:t>
-            </a:r>
-            <a:r>
-              <a:rPr sz="2400" spc="-125" dirty="0"/>
-              <a:t> </a:t>
-            </a:r>
-            <a:r>
-              <a:rPr sz="2400" dirty="0"/>
-              <a:t>1</a:t>
-            </a:r>
-            <a:r>
-              <a:rPr sz="2400" spc="-135" dirty="0"/>
-              <a:t> </a:t>
-            </a:r>
-            <a:r>
-              <a:rPr sz="2400" dirty="0"/>
-              <a:t>million</a:t>
-            </a:r>
-            <a:r>
-              <a:rPr sz="2400" spc="-135" dirty="0"/>
-              <a:t> </a:t>
-            </a:r>
-            <a:r>
-              <a:rPr sz="2400" dirty="0"/>
-              <a:t>multimodal</a:t>
-            </a:r>
-            <a:r>
-              <a:rPr sz="2400" spc="-95" dirty="0"/>
-              <a:t> </a:t>
-            </a:r>
-            <a:r>
-              <a:rPr sz="2400" spc="-10" dirty="0"/>
-              <a:t>tokens</a:t>
-            </a:r>
-          </a:p>
-        </p:txBody>
-      </p:sp>
-      <p:pic>
-        <p:nvPicPr>
-          <p:cNvPr id="3" name="object 3"/>
-          <p:cNvPicPr/>
-          <p:nvPr/>
-        </p:nvPicPr>
-        <p:blipFill>
-          <a:blip r:embed="rId2" cstate="print"/>
-          <a:stretch>
-            <a:fillRect/>
-          </a:stretch>
-        </p:blipFill>
-        <p:spPr>
-          <a:xfrm>
-            <a:off x="595883" y="1371600"/>
-            <a:ext cx="6911339" cy="4389120"/>
-          </a:xfrm>
-          <a:prstGeom prst="rect">
-            <a:avLst/>
-          </a:prstGeom>
-        </p:spPr>
-      </p:pic>
-      <p:sp>
-        <p:nvSpPr>
-          <p:cNvPr id="4" name="object 4"/>
-          <p:cNvSpPr txBox="1"/>
-          <p:nvPr/>
-        </p:nvSpPr>
-        <p:spPr>
-          <a:xfrm>
-            <a:off x="535940" y="6065621"/>
-            <a:ext cx="7315834" cy="239395"/>
-          </a:xfrm>
-          <a:prstGeom prst="rect">
-            <a:avLst/>
-          </a:prstGeom>
-        </p:spPr>
-        <p:txBody>
-          <a:bodyPr vert="horz" wrap="square" lIns="0" tIns="12700" rIns="0" bIns="0" rtlCol="0">
-            <a:spAutoFit/>
-          </a:bodyPr>
-          <a:lstStyle/>
-          <a:p>
-            <a:pPr marL="12700">
-              <a:lnSpc>
-                <a:spcPct val="100000"/>
-              </a:lnSpc>
-              <a:spcBef>
-                <a:spcPts val="100"/>
-              </a:spcBef>
-            </a:pPr>
-            <a:r>
-              <a:rPr sz="1400" u="sng" spc="-10" dirty="0">
-                <a:solidFill>
-                  <a:srgbClr val="0000FF"/>
-                </a:solidFill>
-                <a:uFill>
-                  <a:solidFill>
-                    <a:srgbClr val="0000FF"/>
-                  </a:solidFill>
-                </a:uFill>
-                <a:latin typeface="Calibri Light"/>
-                <a:cs typeface="Calibri Light"/>
-                <a:hlinkClick r:id="rId3"/>
-              </a:rPr>
-              <a:t>https://blog.google/technology/ai/google-gemini-</a:t>
-            </a:r>
-            <a:r>
-              <a:rPr sz="1400" u="sng" spc="-20" dirty="0">
-                <a:solidFill>
-                  <a:srgbClr val="0000FF"/>
-                </a:solidFill>
-                <a:uFill>
-                  <a:solidFill>
-                    <a:srgbClr val="0000FF"/>
-                  </a:solidFill>
-                </a:uFill>
-                <a:latin typeface="Calibri Light"/>
-                <a:cs typeface="Calibri Light"/>
-                <a:hlinkClick r:id="rId3"/>
-              </a:rPr>
-              <a:t>next-</a:t>
-            </a:r>
-            <a:r>
-              <a:rPr sz="1400" u="sng" spc="-10" dirty="0">
-                <a:solidFill>
-                  <a:srgbClr val="0000FF"/>
-                </a:solidFill>
-                <a:uFill>
-                  <a:solidFill>
-                    <a:srgbClr val="0000FF"/>
-                  </a:solidFill>
-                </a:uFill>
-                <a:latin typeface="Calibri Light"/>
-                <a:cs typeface="Calibri Light"/>
-                <a:hlinkClick r:id="rId3"/>
-              </a:rPr>
-              <a:t>generation-model-february-2024/#architecture</a:t>
-            </a:r>
-            <a:endParaRPr sz="1400">
-              <a:latin typeface="Calibri Light"/>
-              <a:cs typeface="Calibri Light"/>
-            </a:endParaRPr>
-          </a:p>
-        </p:txBody>
-      </p:sp>
-      <p:pic>
-        <p:nvPicPr>
-          <p:cNvPr id="5" name="object 5"/>
-          <p:cNvPicPr/>
-          <p:nvPr/>
-        </p:nvPicPr>
-        <p:blipFill>
-          <a:blip r:embed="rId4" cstate="print"/>
-          <a:stretch>
-            <a:fillRect/>
-          </a:stretch>
-        </p:blipFill>
-        <p:spPr>
-          <a:xfrm>
-            <a:off x="7598664" y="1363980"/>
-            <a:ext cx="4175760" cy="2345436"/>
-          </a:xfrm>
-          <a:prstGeom prst="rect">
-            <a:avLst/>
-          </a:prstGeom>
-        </p:spPr>
-      </p:pic>
-      <p:sp>
-        <p:nvSpPr>
-          <p:cNvPr id="6" name="object 6"/>
-          <p:cNvSpPr txBox="1"/>
-          <p:nvPr/>
-        </p:nvSpPr>
-        <p:spPr>
-          <a:xfrm>
-            <a:off x="7699629" y="3824427"/>
-            <a:ext cx="4067810" cy="1062990"/>
-          </a:xfrm>
-          <a:prstGeom prst="rect">
-            <a:avLst/>
-          </a:prstGeom>
-        </p:spPr>
-        <p:txBody>
-          <a:bodyPr vert="horz" wrap="square" lIns="0" tIns="12700" rIns="0" bIns="0" rtlCol="0">
-            <a:spAutoFit/>
-          </a:bodyPr>
-          <a:lstStyle/>
-          <a:p>
-            <a:pPr marL="12700">
-              <a:lnSpc>
-                <a:spcPct val="100000"/>
-              </a:lnSpc>
-              <a:spcBef>
-                <a:spcPts val="100"/>
-              </a:spcBef>
-            </a:pPr>
-            <a:r>
-              <a:rPr sz="1200" dirty="0">
-                <a:solidFill>
-                  <a:srgbClr val="1F2023"/>
-                </a:solidFill>
-                <a:latin typeface="Calibri Light"/>
-                <a:cs typeface="Calibri Light"/>
-              </a:rPr>
-              <a:t>Complex</a:t>
-            </a:r>
-            <a:r>
-              <a:rPr sz="1200" spc="-50" dirty="0">
-                <a:solidFill>
-                  <a:srgbClr val="1F2023"/>
-                </a:solidFill>
-                <a:latin typeface="Calibri Light"/>
-                <a:cs typeface="Calibri Light"/>
-              </a:rPr>
-              <a:t> </a:t>
-            </a:r>
-            <a:r>
-              <a:rPr sz="1200" dirty="0">
-                <a:solidFill>
-                  <a:srgbClr val="1F2023"/>
-                </a:solidFill>
-                <a:latin typeface="Calibri Light"/>
-                <a:cs typeface="Calibri Light"/>
-              </a:rPr>
-              <a:t>reasoning</a:t>
-            </a:r>
-            <a:r>
-              <a:rPr sz="1200" spc="-30" dirty="0">
-                <a:solidFill>
-                  <a:srgbClr val="1F2023"/>
-                </a:solidFill>
-                <a:latin typeface="Calibri Light"/>
-                <a:cs typeface="Calibri Light"/>
-              </a:rPr>
-              <a:t> </a:t>
-            </a:r>
-            <a:r>
-              <a:rPr sz="1200" dirty="0">
-                <a:solidFill>
-                  <a:srgbClr val="1F2023"/>
-                </a:solidFill>
-                <a:latin typeface="Calibri Light"/>
-                <a:cs typeface="Calibri Light"/>
-              </a:rPr>
-              <a:t>about</a:t>
-            </a:r>
-            <a:r>
-              <a:rPr sz="1200" spc="-30" dirty="0">
-                <a:solidFill>
-                  <a:srgbClr val="1F2023"/>
-                </a:solidFill>
-                <a:latin typeface="Calibri Light"/>
-                <a:cs typeface="Calibri Light"/>
-              </a:rPr>
-              <a:t> </a:t>
-            </a:r>
-            <a:r>
-              <a:rPr sz="1200" dirty="0">
-                <a:solidFill>
-                  <a:srgbClr val="1F2023"/>
-                </a:solidFill>
-                <a:latin typeface="Calibri Light"/>
-                <a:cs typeface="Calibri Light"/>
-              </a:rPr>
-              <a:t>vast</a:t>
-            </a:r>
-            <a:r>
-              <a:rPr sz="1200" spc="-40" dirty="0">
-                <a:solidFill>
-                  <a:srgbClr val="1F2023"/>
-                </a:solidFill>
-                <a:latin typeface="Calibri Light"/>
-                <a:cs typeface="Calibri Light"/>
-              </a:rPr>
-              <a:t> </a:t>
-            </a:r>
-            <a:r>
-              <a:rPr sz="1200" dirty="0">
-                <a:solidFill>
-                  <a:srgbClr val="1F2023"/>
-                </a:solidFill>
-                <a:latin typeface="Calibri Light"/>
-                <a:cs typeface="Calibri Light"/>
-              </a:rPr>
-              <a:t>amounts</a:t>
-            </a:r>
-            <a:r>
-              <a:rPr sz="1200" spc="-25" dirty="0">
-                <a:solidFill>
-                  <a:srgbClr val="1F2023"/>
-                </a:solidFill>
-                <a:latin typeface="Calibri Light"/>
-                <a:cs typeface="Calibri Light"/>
-              </a:rPr>
-              <a:t> </a:t>
-            </a:r>
-            <a:r>
-              <a:rPr sz="1200" dirty="0">
-                <a:solidFill>
-                  <a:srgbClr val="1F2023"/>
-                </a:solidFill>
-                <a:latin typeface="Calibri Light"/>
-                <a:cs typeface="Calibri Light"/>
-              </a:rPr>
-              <a:t>of</a:t>
-            </a:r>
-            <a:r>
-              <a:rPr sz="1200" spc="-30" dirty="0">
-                <a:solidFill>
-                  <a:srgbClr val="1F2023"/>
-                </a:solidFill>
-                <a:latin typeface="Calibri Light"/>
-                <a:cs typeface="Calibri Light"/>
-              </a:rPr>
-              <a:t> </a:t>
-            </a:r>
-            <a:r>
-              <a:rPr sz="1200" spc="-10" dirty="0">
-                <a:solidFill>
-                  <a:srgbClr val="1F2023"/>
-                </a:solidFill>
-                <a:latin typeface="Calibri Light"/>
-                <a:cs typeface="Calibri Light"/>
-              </a:rPr>
-              <a:t>information</a:t>
-            </a:r>
-            <a:endParaRPr sz="1200" dirty="0">
-              <a:latin typeface="Calibri Light"/>
-              <a:cs typeface="Calibri Light"/>
-            </a:endParaRPr>
-          </a:p>
-          <a:p>
-            <a:pPr marL="12700" marR="5080">
-              <a:lnSpc>
-                <a:spcPct val="100000"/>
-              </a:lnSpc>
-              <a:spcBef>
-                <a:spcPts val="1445"/>
-              </a:spcBef>
-            </a:pPr>
-            <a:r>
-              <a:rPr sz="1100" dirty="0">
-                <a:solidFill>
-                  <a:srgbClr val="1F2023"/>
-                </a:solidFill>
-                <a:latin typeface="Calibri Light"/>
-                <a:cs typeface="Calibri Light"/>
-              </a:rPr>
-              <a:t>1.5</a:t>
-            </a:r>
-            <a:r>
-              <a:rPr sz="1100" spc="-30" dirty="0">
-                <a:solidFill>
-                  <a:srgbClr val="1F2023"/>
-                </a:solidFill>
-                <a:latin typeface="Calibri Light"/>
-                <a:cs typeface="Calibri Light"/>
-              </a:rPr>
-              <a:t> </a:t>
-            </a:r>
-            <a:r>
-              <a:rPr sz="1100" dirty="0">
-                <a:solidFill>
-                  <a:srgbClr val="1F2023"/>
-                </a:solidFill>
-                <a:latin typeface="Calibri Light"/>
-                <a:cs typeface="Calibri Light"/>
-              </a:rPr>
-              <a:t>Pro</a:t>
-            </a:r>
-            <a:r>
-              <a:rPr sz="1100" spc="-25" dirty="0">
-                <a:solidFill>
-                  <a:srgbClr val="1F2023"/>
-                </a:solidFill>
-                <a:latin typeface="Calibri Light"/>
-                <a:cs typeface="Calibri Light"/>
-              </a:rPr>
-              <a:t> </a:t>
-            </a:r>
-            <a:r>
-              <a:rPr sz="1100" dirty="0">
-                <a:solidFill>
-                  <a:srgbClr val="1F2023"/>
-                </a:solidFill>
-                <a:latin typeface="Calibri Light"/>
-                <a:cs typeface="Calibri Light"/>
-              </a:rPr>
-              <a:t>can</a:t>
-            </a:r>
-            <a:r>
-              <a:rPr sz="1100" spc="-25" dirty="0">
-                <a:solidFill>
-                  <a:srgbClr val="1F2023"/>
-                </a:solidFill>
-                <a:latin typeface="Calibri Light"/>
-                <a:cs typeface="Calibri Light"/>
-              </a:rPr>
-              <a:t> </a:t>
-            </a:r>
-            <a:r>
-              <a:rPr sz="1100" dirty="0">
-                <a:solidFill>
-                  <a:srgbClr val="1F2023"/>
-                </a:solidFill>
-                <a:latin typeface="Calibri Light"/>
-                <a:cs typeface="Calibri Light"/>
-              </a:rPr>
-              <a:t>seamlessly</a:t>
-            </a:r>
-            <a:r>
-              <a:rPr sz="1100" spc="-30" dirty="0">
-                <a:solidFill>
-                  <a:srgbClr val="1F2023"/>
-                </a:solidFill>
-                <a:latin typeface="Calibri Light"/>
-                <a:cs typeface="Calibri Light"/>
-              </a:rPr>
-              <a:t> </a:t>
-            </a:r>
-            <a:r>
-              <a:rPr sz="1100" dirty="0">
-                <a:solidFill>
-                  <a:srgbClr val="1F2023"/>
-                </a:solidFill>
-                <a:latin typeface="Calibri Light"/>
-                <a:cs typeface="Calibri Light"/>
-              </a:rPr>
-              <a:t>analyze,</a:t>
-            </a:r>
-            <a:r>
-              <a:rPr sz="1100" spc="-20" dirty="0">
-                <a:solidFill>
-                  <a:srgbClr val="1F2023"/>
-                </a:solidFill>
-                <a:latin typeface="Calibri Light"/>
-                <a:cs typeface="Calibri Light"/>
-              </a:rPr>
-              <a:t> </a:t>
-            </a:r>
-            <a:r>
-              <a:rPr sz="1100" dirty="0">
-                <a:solidFill>
-                  <a:srgbClr val="1F2023"/>
-                </a:solidFill>
-                <a:latin typeface="Calibri Light"/>
-                <a:cs typeface="Calibri Light"/>
-              </a:rPr>
-              <a:t>classify</a:t>
-            </a:r>
-            <a:r>
-              <a:rPr sz="1100" spc="-45" dirty="0">
-                <a:solidFill>
-                  <a:srgbClr val="1F2023"/>
-                </a:solidFill>
-                <a:latin typeface="Calibri Light"/>
-                <a:cs typeface="Calibri Light"/>
-              </a:rPr>
-              <a:t> </a:t>
-            </a:r>
-            <a:r>
-              <a:rPr sz="1100" dirty="0">
-                <a:solidFill>
-                  <a:srgbClr val="1F2023"/>
-                </a:solidFill>
-                <a:latin typeface="Calibri Light"/>
-                <a:cs typeface="Calibri Light"/>
-              </a:rPr>
-              <a:t>and</a:t>
-            </a:r>
-            <a:r>
-              <a:rPr sz="1100" spc="-25" dirty="0">
-                <a:solidFill>
-                  <a:srgbClr val="1F2023"/>
-                </a:solidFill>
-                <a:latin typeface="Calibri Light"/>
-                <a:cs typeface="Calibri Light"/>
-              </a:rPr>
-              <a:t> </a:t>
-            </a:r>
-            <a:r>
-              <a:rPr sz="1100" dirty="0">
-                <a:solidFill>
-                  <a:srgbClr val="1F2023"/>
-                </a:solidFill>
-                <a:latin typeface="Calibri Light"/>
-                <a:cs typeface="Calibri Light"/>
-              </a:rPr>
-              <a:t>summarize</a:t>
-            </a:r>
-            <a:r>
-              <a:rPr sz="1100" spc="-40" dirty="0">
-                <a:solidFill>
-                  <a:srgbClr val="1F2023"/>
-                </a:solidFill>
-                <a:latin typeface="Calibri Light"/>
-                <a:cs typeface="Calibri Light"/>
-              </a:rPr>
-              <a:t> </a:t>
-            </a:r>
-            <a:r>
-              <a:rPr sz="1100" dirty="0">
-                <a:solidFill>
-                  <a:srgbClr val="1F2023"/>
-                </a:solidFill>
-                <a:latin typeface="Calibri Light"/>
-                <a:cs typeface="Calibri Light"/>
-              </a:rPr>
-              <a:t>large</a:t>
-            </a:r>
-            <a:r>
-              <a:rPr sz="1100" spc="-40" dirty="0">
-                <a:solidFill>
-                  <a:srgbClr val="1F2023"/>
-                </a:solidFill>
-                <a:latin typeface="Calibri Light"/>
-                <a:cs typeface="Calibri Light"/>
-              </a:rPr>
-              <a:t> </a:t>
-            </a:r>
-            <a:r>
-              <a:rPr sz="1100" dirty="0">
-                <a:solidFill>
-                  <a:srgbClr val="1F2023"/>
-                </a:solidFill>
-                <a:latin typeface="Calibri Light"/>
-                <a:cs typeface="Calibri Light"/>
-              </a:rPr>
-              <a:t>amounts</a:t>
-            </a:r>
-            <a:r>
-              <a:rPr sz="1100" spc="-25" dirty="0">
-                <a:solidFill>
-                  <a:srgbClr val="1F2023"/>
-                </a:solidFill>
-                <a:latin typeface="Calibri Light"/>
-                <a:cs typeface="Calibri Light"/>
-              </a:rPr>
-              <a:t> of </a:t>
-            </a:r>
-            <a:r>
-              <a:rPr sz="1100" dirty="0">
-                <a:solidFill>
-                  <a:srgbClr val="1F2023"/>
-                </a:solidFill>
-                <a:latin typeface="Calibri Light"/>
-                <a:cs typeface="Calibri Light"/>
-              </a:rPr>
-              <a:t>content</a:t>
-            </a:r>
-            <a:r>
-              <a:rPr sz="1100" spc="-30" dirty="0">
-                <a:solidFill>
-                  <a:srgbClr val="1F2023"/>
-                </a:solidFill>
-                <a:latin typeface="Calibri Light"/>
-                <a:cs typeface="Calibri Light"/>
-              </a:rPr>
-              <a:t> </a:t>
-            </a:r>
-            <a:r>
-              <a:rPr sz="1100" dirty="0">
-                <a:solidFill>
-                  <a:srgbClr val="1F2023"/>
-                </a:solidFill>
-                <a:latin typeface="Calibri Light"/>
-                <a:cs typeface="Calibri Light"/>
-              </a:rPr>
-              <a:t>within</a:t>
-            </a:r>
-            <a:r>
-              <a:rPr sz="1100" spc="-25" dirty="0">
-                <a:solidFill>
-                  <a:srgbClr val="1F2023"/>
-                </a:solidFill>
-                <a:latin typeface="Calibri Light"/>
-                <a:cs typeface="Calibri Light"/>
-              </a:rPr>
-              <a:t> </a:t>
-            </a:r>
-            <a:r>
-              <a:rPr sz="1100" dirty="0">
-                <a:solidFill>
-                  <a:srgbClr val="1F2023"/>
-                </a:solidFill>
-                <a:latin typeface="Calibri Light"/>
-                <a:cs typeface="Calibri Light"/>
-              </a:rPr>
-              <a:t>a</a:t>
-            </a:r>
-            <a:r>
-              <a:rPr sz="1100" spc="-25" dirty="0">
-                <a:solidFill>
-                  <a:srgbClr val="1F2023"/>
-                </a:solidFill>
-                <a:latin typeface="Calibri Light"/>
-                <a:cs typeface="Calibri Light"/>
-              </a:rPr>
-              <a:t> </a:t>
-            </a:r>
-            <a:r>
-              <a:rPr sz="1100" dirty="0">
-                <a:solidFill>
-                  <a:srgbClr val="1F2023"/>
-                </a:solidFill>
-                <a:latin typeface="Calibri Light"/>
-                <a:cs typeface="Calibri Light"/>
-              </a:rPr>
-              <a:t>given</a:t>
-            </a:r>
-            <a:r>
-              <a:rPr sz="1100" spc="-15" dirty="0">
-                <a:solidFill>
-                  <a:srgbClr val="1F2023"/>
-                </a:solidFill>
-                <a:latin typeface="Calibri Light"/>
-                <a:cs typeface="Calibri Light"/>
-              </a:rPr>
-              <a:t> </a:t>
-            </a:r>
-            <a:r>
-              <a:rPr sz="1100" dirty="0">
-                <a:solidFill>
-                  <a:srgbClr val="1F2023"/>
-                </a:solidFill>
-                <a:latin typeface="Calibri Light"/>
-                <a:cs typeface="Calibri Light"/>
-              </a:rPr>
-              <a:t>prompt.</a:t>
-            </a:r>
-            <a:r>
-              <a:rPr sz="1100" spc="-40" dirty="0">
-                <a:solidFill>
-                  <a:srgbClr val="1F2023"/>
-                </a:solidFill>
-                <a:latin typeface="Calibri Light"/>
-                <a:cs typeface="Calibri Light"/>
-              </a:rPr>
-              <a:t> </a:t>
-            </a:r>
-            <a:r>
-              <a:rPr sz="1100" dirty="0">
-                <a:solidFill>
-                  <a:srgbClr val="1F2023"/>
-                </a:solidFill>
-                <a:latin typeface="Calibri Light"/>
-                <a:cs typeface="Calibri Light"/>
-              </a:rPr>
-              <a:t>For</a:t>
-            </a:r>
-            <a:r>
-              <a:rPr sz="1100" spc="-25" dirty="0">
-                <a:solidFill>
-                  <a:srgbClr val="1F2023"/>
-                </a:solidFill>
-                <a:latin typeface="Calibri Light"/>
-                <a:cs typeface="Calibri Light"/>
-              </a:rPr>
-              <a:t> </a:t>
-            </a:r>
-            <a:r>
-              <a:rPr sz="1100" dirty="0">
-                <a:solidFill>
-                  <a:srgbClr val="1F2023"/>
-                </a:solidFill>
-                <a:latin typeface="Calibri Light"/>
-                <a:cs typeface="Calibri Light"/>
-              </a:rPr>
-              <a:t>example,</a:t>
-            </a:r>
-            <a:r>
-              <a:rPr sz="1100" spc="-35" dirty="0">
-                <a:solidFill>
-                  <a:srgbClr val="1F2023"/>
-                </a:solidFill>
-                <a:latin typeface="Calibri Light"/>
-                <a:cs typeface="Calibri Light"/>
-              </a:rPr>
-              <a:t> </a:t>
-            </a:r>
-            <a:r>
-              <a:rPr sz="1100" dirty="0">
-                <a:solidFill>
-                  <a:srgbClr val="1F2023"/>
-                </a:solidFill>
-                <a:latin typeface="Calibri Light"/>
-                <a:cs typeface="Calibri Light"/>
-              </a:rPr>
-              <a:t>when</a:t>
-            </a:r>
-            <a:r>
-              <a:rPr sz="1100" spc="-30" dirty="0">
-                <a:solidFill>
-                  <a:srgbClr val="1F2023"/>
-                </a:solidFill>
-                <a:latin typeface="Calibri Light"/>
-                <a:cs typeface="Calibri Light"/>
-              </a:rPr>
-              <a:t> </a:t>
-            </a:r>
-            <a:r>
-              <a:rPr sz="1100" dirty="0">
-                <a:solidFill>
-                  <a:srgbClr val="1F2023"/>
-                </a:solidFill>
-                <a:latin typeface="Calibri Light"/>
-                <a:cs typeface="Calibri Light"/>
-              </a:rPr>
-              <a:t>given</a:t>
-            </a:r>
-            <a:r>
-              <a:rPr sz="1100" spc="-15" dirty="0">
-                <a:solidFill>
-                  <a:srgbClr val="1F2023"/>
-                </a:solidFill>
-                <a:latin typeface="Calibri Light"/>
-                <a:cs typeface="Calibri Light"/>
-              </a:rPr>
-              <a:t> </a:t>
-            </a:r>
-            <a:r>
-              <a:rPr sz="1100" dirty="0">
-                <a:solidFill>
-                  <a:srgbClr val="1F2023"/>
-                </a:solidFill>
-                <a:latin typeface="Calibri Light"/>
-                <a:cs typeface="Calibri Light"/>
-              </a:rPr>
-              <a:t>the</a:t>
-            </a:r>
-            <a:r>
-              <a:rPr sz="1100" spc="-30" dirty="0">
-                <a:solidFill>
-                  <a:srgbClr val="1F2023"/>
-                </a:solidFill>
-                <a:latin typeface="Calibri Light"/>
-                <a:cs typeface="Calibri Light"/>
-              </a:rPr>
-              <a:t> </a:t>
-            </a:r>
-            <a:r>
-              <a:rPr sz="1100" dirty="0">
-                <a:solidFill>
-                  <a:srgbClr val="1F2023"/>
-                </a:solidFill>
-                <a:latin typeface="Calibri Light"/>
-                <a:cs typeface="Calibri Light"/>
-              </a:rPr>
-              <a:t>402-</a:t>
-            </a:r>
-            <a:r>
-              <a:rPr sz="1100" spc="-20" dirty="0">
-                <a:solidFill>
-                  <a:srgbClr val="1F2023"/>
-                </a:solidFill>
-                <a:latin typeface="Calibri Light"/>
-                <a:cs typeface="Calibri Light"/>
-              </a:rPr>
-              <a:t>page</a:t>
-            </a:r>
-            <a:endParaRPr sz="1100" dirty="0">
-              <a:latin typeface="Calibri Light"/>
-              <a:cs typeface="Calibri Light"/>
-            </a:endParaRPr>
-          </a:p>
-          <a:p>
-            <a:pPr marL="12700">
-              <a:lnSpc>
-                <a:spcPct val="100000"/>
-              </a:lnSpc>
-            </a:pPr>
-            <a:r>
-              <a:rPr sz="1100" dirty="0">
-                <a:solidFill>
-                  <a:srgbClr val="1F2023"/>
-                </a:solidFill>
-                <a:latin typeface="Calibri Light"/>
-                <a:cs typeface="Calibri Light"/>
-              </a:rPr>
-              <a:t>transcripts</a:t>
-            </a:r>
-            <a:r>
-              <a:rPr sz="1100" spc="-55" dirty="0">
-                <a:solidFill>
-                  <a:srgbClr val="1F2023"/>
-                </a:solidFill>
-                <a:latin typeface="Calibri Light"/>
-                <a:cs typeface="Calibri Light"/>
-              </a:rPr>
-              <a:t> </a:t>
-            </a:r>
-            <a:r>
-              <a:rPr sz="1100" dirty="0">
-                <a:solidFill>
-                  <a:srgbClr val="1F2023"/>
-                </a:solidFill>
-                <a:latin typeface="Calibri Light"/>
-                <a:cs typeface="Calibri Light"/>
-              </a:rPr>
-              <a:t>from</a:t>
-            </a:r>
-            <a:r>
-              <a:rPr sz="1100" spc="-25" dirty="0">
-                <a:solidFill>
-                  <a:srgbClr val="1F2023"/>
-                </a:solidFill>
-                <a:latin typeface="Calibri Light"/>
-                <a:cs typeface="Calibri Light"/>
-              </a:rPr>
-              <a:t> </a:t>
-            </a:r>
-            <a:r>
-              <a:rPr sz="1100" dirty="0">
-                <a:solidFill>
-                  <a:srgbClr val="1F2023"/>
-                </a:solidFill>
-                <a:latin typeface="Calibri Light"/>
-                <a:cs typeface="Calibri Light"/>
-              </a:rPr>
-              <a:t>Apollo</a:t>
-            </a:r>
-            <a:r>
-              <a:rPr sz="1100" spc="-10" dirty="0">
-                <a:solidFill>
-                  <a:srgbClr val="1F2023"/>
-                </a:solidFill>
-                <a:latin typeface="Calibri Light"/>
-                <a:cs typeface="Calibri Light"/>
-              </a:rPr>
-              <a:t> </a:t>
-            </a:r>
-            <a:r>
-              <a:rPr sz="1100" dirty="0">
-                <a:solidFill>
-                  <a:srgbClr val="1F2023"/>
-                </a:solidFill>
-                <a:latin typeface="Calibri Light"/>
-                <a:cs typeface="Calibri Light"/>
-              </a:rPr>
-              <a:t>11’s</a:t>
-            </a:r>
-            <a:r>
-              <a:rPr sz="1100" spc="-20" dirty="0">
-                <a:solidFill>
-                  <a:srgbClr val="1F2023"/>
-                </a:solidFill>
-                <a:latin typeface="Calibri Light"/>
-                <a:cs typeface="Calibri Light"/>
-              </a:rPr>
-              <a:t> </a:t>
-            </a:r>
-            <a:r>
-              <a:rPr sz="1100" dirty="0">
-                <a:solidFill>
-                  <a:srgbClr val="1F2023"/>
-                </a:solidFill>
-                <a:latin typeface="Calibri Light"/>
-                <a:cs typeface="Calibri Light"/>
-              </a:rPr>
-              <a:t>mission</a:t>
-            </a:r>
-            <a:r>
-              <a:rPr sz="1100" spc="-25" dirty="0">
-                <a:solidFill>
-                  <a:srgbClr val="1F2023"/>
-                </a:solidFill>
-                <a:latin typeface="Calibri Light"/>
-                <a:cs typeface="Calibri Light"/>
-              </a:rPr>
-              <a:t> </a:t>
-            </a:r>
-            <a:r>
-              <a:rPr sz="1100" dirty="0">
-                <a:solidFill>
-                  <a:srgbClr val="1F2023"/>
-                </a:solidFill>
-                <a:latin typeface="Calibri Light"/>
-                <a:cs typeface="Calibri Light"/>
-              </a:rPr>
-              <a:t>to</a:t>
-            </a:r>
-            <a:r>
-              <a:rPr sz="1100" spc="-10" dirty="0">
-                <a:solidFill>
-                  <a:srgbClr val="1F2023"/>
-                </a:solidFill>
-                <a:latin typeface="Calibri Light"/>
-                <a:cs typeface="Calibri Light"/>
-              </a:rPr>
-              <a:t> </a:t>
-            </a:r>
-            <a:r>
-              <a:rPr sz="1100" dirty="0">
-                <a:solidFill>
-                  <a:srgbClr val="1F2023"/>
-                </a:solidFill>
-                <a:latin typeface="Calibri Light"/>
-                <a:cs typeface="Calibri Light"/>
-              </a:rPr>
-              <a:t>the</a:t>
-            </a:r>
-            <a:r>
-              <a:rPr sz="1100" spc="-30" dirty="0">
-                <a:solidFill>
-                  <a:srgbClr val="1F2023"/>
-                </a:solidFill>
-                <a:latin typeface="Calibri Light"/>
-                <a:cs typeface="Calibri Light"/>
-              </a:rPr>
-              <a:t> </a:t>
-            </a:r>
-            <a:r>
-              <a:rPr sz="1100" dirty="0">
-                <a:solidFill>
-                  <a:srgbClr val="1F2023"/>
-                </a:solidFill>
-                <a:latin typeface="Calibri Light"/>
-                <a:cs typeface="Calibri Light"/>
-              </a:rPr>
-              <a:t>moon, it</a:t>
-            </a:r>
-            <a:r>
-              <a:rPr sz="1100" spc="-15" dirty="0">
-                <a:solidFill>
-                  <a:srgbClr val="1F2023"/>
-                </a:solidFill>
-                <a:latin typeface="Calibri Light"/>
-                <a:cs typeface="Calibri Light"/>
-              </a:rPr>
-              <a:t> </a:t>
-            </a:r>
-            <a:r>
-              <a:rPr sz="1100" dirty="0">
-                <a:solidFill>
-                  <a:srgbClr val="1F2023"/>
-                </a:solidFill>
-                <a:latin typeface="Calibri Light"/>
-                <a:cs typeface="Calibri Light"/>
-              </a:rPr>
-              <a:t>can</a:t>
-            </a:r>
-            <a:r>
-              <a:rPr sz="1100" spc="-20" dirty="0">
-                <a:solidFill>
-                  <a:srgbClr val="1F2023"/>
-                </a:solidFill>
-                <a:latin typeface="Calibri Light"/>
-                <a:cs typeface="Calibri Light"/>
-              </a:rPr>
-              <a:t> </a:t>
-            </a:r>
-            <a:r>
-              <a:rPr sz="1100" dirty="0">
-                <a:solidFill>
-                  <a:srgbClr val="1F2023"/>
-                </a:solidFill>
-                <a:latin typeface="Calibri Light"/>
-                <a:cs typeface="Calibri Light"/>
-              </a:rPr>
-              <a:t>reason</a:t>
-            </a:r>
-            <a:r>
-              <a:rPr sz="1100" spc="-35" dirty="0">
-                <a:solidFill>
-                  <a:srgbClr val="1F2023"/>
-                </a:solidFill>
-                <a:latin typeface="Calibri Light"/>
-                <a:cs typeface="Calibri Light"/>
-              </a:rPr>
-              <a:t> </a:t>
-            </a:r>
-            <a:r>
-              <a:rPr sz="1100" spc="-10" dirty="0">
-                <a:solidFill>
-                  <a:srgbClr val="1F2023"/>
-                </a:solidFill>
-                <a:latin typeface="Calibri Light"/>
-                <a:cs typeface="Calibri Light"/>
-              </a:rPr>
-              <a:t>about</a:t>
-            </a:r>
-            <a:endParaRPr sz="1100" dirty="0">
-              <a:latin typeface="Calibri Light"/>
-              <a:cs typeface="Calibri Light"/>
-            </a:endParaRPr>
-          </a:p>
-          <a:p>
-            <a:pPr marL="44450">
-              <a:lnSpc>
-                <a:spcPct val="100000"/>
-              </a:lnSpc>
-            </a:pPr>
-            <a:r>
-              <a:rPr sz="1100" dirty="0">
-                <a:solidFill>
-                  <a:srgbClr val="1F2023"/>
-                </a:solidFill>
-                <a:latin typeface="Calibri Light"/>
-                <a:cs typeface="Calibri Light"/>
-              </a:rPr>
-              <a:t>conversations,</a:t>
-            </a:r>
-            <a:r>
-              <a:rPr sz="1100" spc="-45" dirty="0">
-                <a:solidFill>
-                  <a:srgbClr val="1F2023"/>
-                </a:solidFill>
-                <a:latin typeface="Calibri Light"/>
-                <a:cs typeface="Calibri Light"/>
-              </a:rPr>
-              <a:t> </a:t>
-            </a:r>
-            <a:r>
-              <a:rPr sz="1100" dirty="0">
-                <a:solidFill>
-                  <a:srgbClr val="1F2023"/>
-                </a:solidFill>
-                <a:latin typeface="Calibri Light"/>
-                <a:cs typeface="Calibri Light"/>
-              </a:rPr>
-              <a:t>events</a:t>
-            </a:r>
-            <a:r>
-              <a:rPr sz="1100" spc="-10" dirty="0">
-                <a:solidFill>
-                  <a:srgbClr val="1F2023"/>
-                </a:solidFill>
-                <a:latin typeface="Calibri Light"/>
-                <a:cs typeface="Calibri Light"/>
-              </a:rPr>
-              <a:t> </a:t>
-            </a:r>
-            <a:r>
-              <a:rPr sz="1100" dirty="0">
-                <a:solidFill>
-                  <a:srgbClr val="1F2023"/>
-                </a:solidFill>
-                <a:latin typeface="Calibri Light"/>
-                <a:cs typeface="Calibri Light"/>
-              </a:rPr>
-              <a:t>and</a:t>
-            </a:r>
-            <a:r>
-              <a:rPr sz="1100" spc="-20" dirty="0">
-                <a:solidFill>
-                  <a:srgbClr val="1F2023"/>
-                </a:solidFill>
-                <a:latin typeface="Calibri Light"/>
-                <a:cs typeface="Calibri Light"/>
-              </a:rPr>
-              <a:t> </a:t>
-            </a:r>
-            <a:r>
-              <a:rPr sz="1100" dirty="0">
-                <a:solidFill>
-                  <a:srgbClr val="1F2023"/>
-                </a:solidFill>
-                <a:latin typeface="Calibri Light"/>
-                <a:cs typeface="Calibri Light"/>
-              </a:rPr>
-              <a:t>details</a:t>
-            </a:r>
-            <a:r>
-              <a:rPr sz="1100" spc="-30" dirty="0">
-                <a:solidFill>
-                  <a:srgbClr val="1F2023"/>
-                </a:solidFill>
-                <a:latin typeface="Calibri Light"/>
-                <a:cs typeface="Calibri Light"/>
-              </a:rPr>
-              <a:t> </a:t>
-            </a:r>
-            <a:r>
-              <a:rPr sz="1100" dirty="0">
-                <a:solidFill>
-                  <a:srgbClr val="1F2023"/>
-                </a:solidFill>
-                <a:latin typeface="Calibri Light"/>
-                <a:cs typeface="Calibri Light"/>
-              </a:rPr>
-              <a:t>found</a:t>
-            </a:r>
-            <a:r>
-              <a:rPr sz="1100" spc="-25" dirty="0">
-                <a:solidFill>
-                  <a:srgbClr val="1F2023"/>
-                </a:solidFill>
-                <a:latin typeface="Calibri Light"/>
-                <a:cs typeface="Calibri Light"/>
-              </a:rPr>
-              <a:t> </a:t>
-            </a:r>
-            <a:r>
-              <a:rPr sz="1100" dirty="0">
-                <a:solidFill>
-                  <a:srgbClr val="1F2023"/>
-                </a:solidFill>
-                <a:latin typeface="Calibri Light"/>
-                <a:cs typeface="Calibri Light"/>
-              </a:rPr>
-              <a:t>across</a:t>
-            </a:r>
-            <a:r>
-              <a:rPr sz="1100" spc="-40" dirty="0">
-                <a:solidFill>
-                  <a:srgbClr val="1F2023"/>
-                </a:solidFill>
-                <a:latin typeface="Calibri Light"/>
-                <a:cs typeface="Calibri Light"/>
-              </a:rPr>
-              <a:t> </a:t>
-            </a:r>
-            <a:r>
-              <a:rPr sz="1100" dirty="0">
-                <a:solidFill>
-                  <a:srgbClr val="1F2023"/>
-                </a:solidFill>
-                <a:latin typeface="Calibri Light"/>
-                <a:cs typeface="Calibri Light"/>
-              </a:rPr>
-              <a:t>the</a:t>
-            </a:r>
-            <a:r>
-              <a:rPr sz="1100" spc="-20" dirty="0">
-                <a:solidFill>
-                  <a:srgbClr val="1F2023"/>
-                </a:solidFill>
-                <a:latin typeface="Calibri Light"/>
-                <a:cs typeface="Calibri Light"/>
-              </a:rPr>
-              <a:t> </a:t>
-            </a:r>
-            <a:r>
-              <a:rPr sz="1100" spc="-10" dirty="0">
-                <a:solidFill>
-                  <a:srgbClr val="1F2023"/>
-                </a:solidFill>
-                <a:latin typeface="Calibri Light"/>
-                <a:cs typeface="Calibri Light"/>
-              </a:rPr>
-              <a:t>document.</a:t>
-            </a:r>
-            <a:endParaRPr sz="1100" dirty="0">
-              <a:latin typeface="Calibri Light"/>
-              <a:cs typeface="Calibri Light"/>
-            </a:endParaRPr>
-          </a:p>
-        </p:txBody>
-      </p:sp>
     </p:spTree>
   </p:cSld>
   <p:clrMapOvr>
@@ -31557,6 +31059,1229 @@
         <p14:creationId xmlns:p14="http://schemas.microsoft.com/office/powerpoint/2010/main" val="3184607449"/>
       </p:ext>
     </p:extLst>
+  </p:cSld>
+  <p:clrMapOvr>
+    <a:masterClrMapping/>
+  </p:clrMapOvr>
+</p:sld>
+</file>
+
+<file path=ppt/slides/slide50.xml><?xml version="1.0" encoding="utf-8"?>
+<p:sld xmlns:a="http://schemas.openxmlformats.org/drawingml/2006/main" xmlns:r="http://schemas.openxmlformats.org/officeDocument/2006/relationships" xmlns:p="http://schemas.openxmlformats.org/presentationml/2006/main">
+  <p:cSld>
+    <p:spTree>
+      <p:nvGrpSpPr>
+        <p:cNvPr id="1" name=""/>
+        <p:cNvGrpSpPr/>
+        <p:nvPr/>
+      </p:nvGrpSpPr>
+      <p:grpSpPr>
+        <a:xfrm>
+          <a:off x="0" y="0"/>
+          <a:ext cx="0" cy="0"/>
+          <a:chOff x="0" y="0"/>
+          <a:chExt cx="0" cy="0"/>
+        </a:xfrm>
+      </p:grpSpPr>
+      <p:sp>
+        <p:nvSpPr>
+          <p:cNvPr id="2" name="object 2"/>
+          <p:cNvSpPr txBox="1">
+            <a:spLocks noGrp="1"/>
+          </p:cNvSpPr>
+          <p:nvPr>
+            <p:ph type="title" idx="4294967295"/>
+          </p:nvPr>
+        </p:nvSpPr>
+        <p:spPr>
+          <a:xfrm>
+            <a:off x="55606" y="31030"/>
+            <a:ext cx="10515600" cy="687238"/>
+          </a:xfrm>
+          <a:prstGeom prst="rect">
+            <a:avLst/>
+          </a:prstGeom>
+        </p:spPr>
+        <p:txBody>
+          <a:bodyPr vert="horz" wrap="square" lIns="0" tIns="314832" rIns="0" bIns="0" rtlCol="0">
+            <a:spAutoFit/>
+          </a:bodyPr>
+          <a:lstStyle/>
+          <a:p>
+            <a:pPr marL="206375">
+              <a:lnSpc>
+                <a:spcPct val="100000"/>
+              </a:lnSpc>
+              <a:spcBef>
+                <a:spcPts val="95"/>
+              </a:spcBef>
+            </a:pPr>
+            <a:r>
+              <a:rPr sz="2400" dirty="0"/>
+              <a:t>Gemini</a:t>
+            </a:r>
+            <a:r>
+              <a:rPr sz="2400" spc="-120" dirty="0"/>
+              <a:t> </a:t>
+            </a:r>
+            <a:r>
+              <a:rPr sz="2400" dirty="0"/>
+              <a:t>1.5</a:t>
+            </a:r>
+            <a:r>
+              <a:rPr sz="2400" spc="-145" dirty="0"/>
+              <a:t> </a:t>
+            </a:r>
+            <a:r>
+              <a:rPr sz="2400" dirty="0"/>
+              <a:t>-</a:t>
+            </a:r>
+            <a:r>
+              <a:rPr sz="2400" spc="-125" dirty="0"/>
+              <a:t> </a:t>
+            </a:r>
+            <a:r>
+              <a:rPr sz="2400" dirty="0"/>
+              <a:t>1</a:t>
+            </a:r>
+            <a:r>
+              <a:rPr sz="2400" spc="-135" dirty="0"/>
+              <a:t> </a:t>
+            </a:r>
+            <a:r>
+              <a:rPr sz="2400" dirty="0"/>
+              <a:t>million</a:t>
+            </a:r>
+            <a:r>
+              <a:rPr sz="2400" spc="-135" dirty="0"/>
+              <a:t> </a:t>
+            </a:r>
+            <a:r>
+              <a:rPr sz="2400" dirty="0"/>
+              <a:t>multimodal</a:t>
+            </a:r>
+            <a:r>
+              <a:rPr sz="2400" spc="-95" dirty="0"/>
+              <a:t> </a:t>
+            </a:r>
+            <a:r>
+              <a:rPr sz="2400" spc="-10" dirty="0"/>
+              <a:t>tokens</a:t>
+            </a:r>
+          </a:p>
+        </p:txBody>
+      </p:sp>
+      <p:pic>
+        <p:nvPicPr>
+          <p:cNvPr id="3" name="object 3"/>
+          <p:cNvPicPr/>
+          <p:nvPr/>
+        </p:nvPicPr>
+        <p:blipFill>
+          <a:blip r:embed="rId2" cstate="print"/>
+          <a:stretch>
+            <a:fillRect/>
+          </a:stretch>
+        </p:blipFill>
+        <p:spPr>
+          <a:xfrm>
+            <a:off x="595883" y="1371600"/>
+            <a:ext cx="6911339" cy="4389120"/>
+          </a:xfrm>
+          <a:prstGeom prst="rect">
+            <a:avLst/>
+          </a:prstGeom>
+        </p:spPr>
+      </p:pic>
+      <p:sp>
+        <p:nvSpPr>
+          <p:cNvPr id="4" name="object 4"/>
+          <p:cNvSpPr txBox="1"/>
+          <p:nvPr/>
+        </p:nvSpPr>
+        <p:spPr>
+          <a:xfrm>
+            <a:off x="535940" y="6065621"/>
+            <a:ext cx="7315834" cy="239395"/>
+          </a:xfrm>
+          <a:prstGeom prst="rect">
+            <a:avLst/>
+          </a:prstGeom>
+        </p:spPr>
+        <p:txBody>
+          <a:bodyPr vert="horz" wrap="square" lIns="0" tIns="12700" rIns="0" bIns="0" rtlCol="0">
+            <a:spAutoFit/>
+          </a:bodyPr>
+          <a:lstStyle/>
+          <a:p>
+            <a:pPr marL="12700">
+              <a:lnSpc>
+                <a:spcPct val="100000"/>
+              </a:lnSpc>
+              <a:spcBef>
+                <a:spcPts val="100"/>
+              </a:spcBef>
+            </a:pPr>
+            <a:r>
+              <a:rPr sz="1400" u="sng" spc="-10" dirty="0">
+                <a:solidFill>
+                  <a:srgbClr val="0000FF"/>
+                </a:solidFill>
+                <a:uFill>
+                  <a:solidFill>
+                    <a:srgbClr val="0000FF"/>
+                  </a:solidFill>
+                </a:uFill>
+                <a:latin typeface="Calibri Light"/>
+                <a:cs typeface="Calibri Light"/>
+                <a:hlinkClick r:id="rId3"/>
+              </a:rPr>
+              <a:t>https://blog.google/technology/ai/google-gemini-</a:t>
+            </a:r>
+            <a:r>
+              <a:rPr sz="1400" u="sng" spc="-20" dirty="0">
+                <a:solidFill>
+                  <a:srgbClr val="0000FF"/>
+                </a:solidFill>
+                <a:uFill>
+                  <a:solidFill>
+                    <a:srgbClr val="0000FF"/>
+                  </a:solidFill>
+                </a:uFill>
+                <a:latin typeface="Calibri Light"/>
+                <a:cs typeface="Calibri Light"/>
+                <a:hlinkClick r:id="rId3"/>
+              </a:rPr>
+              <a:t>next-</a:t>
+            </a:r>
+            <a:r>
+              <a:rPr sz="1400" u="sng" spc="-10" dirty="0">
+                <a:solidFill>
+                  <a:srgbClr val="0000FF"/>
+                </a:solidFill>
+                <a:uFill>
+                  <a:solidFill>
+                    <a:srgbClr val="0000FF"/>
+                  </a:solidFill>
+                </a:uFill>
+                <a:latin typeface="Calibri Light"/>
+                <a:cs typeface="Calibri Light"/>
+                <a:hlinkClick r:id="rId3"/>
+              </a:rPr>
+              <a:t>generation-model-february-2024/#architecture</a:t>
+            </a:r>
+            <a:endParaRPr sz="1400">
+              <a:latin typeface="Calibri Light"/>
+              <a:cs typeface="Calibri Light"/>
+            </a:endParaRPr>
+          </a:p>
+        </p:txBody>
+      </p:sp>
+      <p:pic>
+        <p:nvPicPr>
+          <p:cNvPr id="5" name="object 5"/>
+          <p:cNvPicPr/>
+          <p:nvPr/>
+        </p:nvPicPr>
+        <p:blipFill>
+          <a:blip r:embed="rId4" cstate="print"/>
+          <a:stretch>
+            <a:fillRect/>
+          </a:stretch>
+        </p:blipFill>
+        <p:spPr>
+          <a:xfrm>
+            <a:off x="7598664" y="1363980"/>
+            <a:ext cx="4175760" cy="2345436"/>
+          </a:xfrm>
+          <a:prstGeom prst="rect">
+            <a:avLst/>
+          </a:prstGeom>
+        </p:spPr>
+      </p:pic>
+      <p:sp>
+        <p:nvSpPr>
+          <p:cNvPr id="6" name="object 6"/>
+          <p:cNvSpPr txBox="1"/>
+          <p:nvPr/>
+        </p:nvSpPr>
+        <p:spPr>
+          <a:xfrm>
+            <a:off x="7699629" y="3824427"/>
+            <a:ext cx="4067810" cy="1062990"/>
+          </a:xfrm>
+          <a:prstGeom prst="rect">
+            <a:avLst/>
+          </a:prstGeom>
+        </p:spPr>
+        <p:txBody>
+          <a:bodyPr vert="horz" wrap="square" lIns="0" tIns="12700" rIns="0" bIns="0" rtlCol="0">
+            <a:spAutoFit/>
+          </a:bodyPr>
+          <a:lstStyle/>
+          <a:p>
+            <a:pPr marL="12700">
+              <a:lnSpc>
+                <a:spcPct val="100000"/>
+              </a:lnSpc>
+              <a:spcBef>
+                <a:spcPts val="100"/>
+              </a:spcBef>
+            </a:pPr>
+            <a:r>
+              <a:rPr sz="1200" dirty="0">
+                <a:solidFill>
+                  <a:srgbClr val="1F2023"/>
+                </a:solidFill>
+                <a:latin typeface="Calibri Light"/>
+                <a:cs typeface="Calibri Light"/>
+              </a:rPr>
+              <a:t>Complex</a:t>
+            </a:r>
+            <a:r>
+              <a:rPr sz="1200" spc="-50" dirty="0">
+                <a:solidFill>
+                  <a:srgbClr val="1F2023"/>
+                </a:solidFill>
+                <a:latin typeface="Calibri Light"/>
+                <a:cs typeface="Calibri Light"/>
+              </a:rPr>
+              <a:t> </a:t>
+            </a:r>
+            <a:r>
+              <a:rPr sz="1200" dirty="0">
+                <a:solidFill>
+                  <a:srgbClr val="1F2023"/>
+                </a:solidFill>
+                <a:latin typeface="Calibri Light"/>
+                <a:cs typeface="Calibri Light"/>
+              </a:rPr>
+              <a:t>reasoning</a:t>
+            </a:r>
+            <a:r>
+              <a:rPr sz="1200" spc="-30" dirty="0">
+                <a:solidFill>
+                  <a:srgbClr val="1F2023"/>
+                </a:solidFill>
+                <a:latin typeface="Calibri Light"/>
+                <a:cs typeface="Calibri Light"/>
+              </a:rPr>
+              <a:t> </a:t>
+            </a:r>
+            <a:r>
+              <a:rPr sz="1200" dirty="0">
+                <a:solidFill>
+                  <a:srgbClr val="1F2023"/>
+                </a:solidFill>
+                <a:latin typeface="Calibri Light"/>
+                <a:cs typeface="Calibri Light"/>
+              </a:rPr>
+              <a:t>about</a:t>
+            </a:r>
+            <a:r>
+              <a:rPr sz="1200" spc="-30" dirty="0">
+                <a:solidFill>
+                  <a:srgbClr val="1F2023"/>
+                </a:solidFill>
+                <a:latin typeface="Calibri Light"/>
+                <a:cs typeface="Calibri Light"/>
+              </a:rPr>
+              <a:t> </a:t>
+            </a:r>
+            <a:r>
+              <a:rPr sz="1200" dirty="0">
+                <a:solidFill>
+                  <a:srgbClr val="1F2023"/>
+                </a:solidFill>
+                <a:latin typeface="Calibri Light"/>
+                <a:cs typeface="Calibri Light"/>
+              </a:rPr>
+              <a:t>vast</a:t>
+            </a:r>
+            <a:r>
+              <a:rPr sz="1200" spc="-40" dirty="0">
+                <a:solidFill>
+                  <a:srgbClr val="1F2023"/>
+                </a:solidFill>
+                <a:latin typeface="Calibri Light"/>
+                <a:cs typeface="Calibri Light"/>
+              </a:rPr>
+              <a:t> </a:t>
+            </a:r>
+            <a:r>
+              <a:rPr sz="1200" dirty="0">
+                <a:solidFill>
+                  <a:srgbClr val="1F2023"/>
+                </a:solidFill>
+                <a:latin typeface="Calibri Light"/>
+                <a:cs typeface="Calibri Light"/>
+              </a:rPr>
+              <a:t>amounts</a:t>
+            </a:r>
+            <a:r>
+              <a:rPr sz="1200" spc="-25" dirty="0">
+                <a:solidFill>
+                  <a:srgbClr val="1F2023"/>
+                </a:solidFill>
+                <a:latin typeface="Calibri Light"/>
+                <a:cs typeface="Calibri Light"/>
+              </a:rPr>
+              <a:t> </a:t>
+            </a:r>
+            <a:r>
+              <a:rPr sz="1200" dirty="0">
+                <a:solidFill>
+                  <a:srgbClr val="1F2023"/>
+                </a:solidFill>
+                <a:latin typeface="Calibri Light"/>
+                <a:cs typeface="Calibri Light"/>
+              </a:rPr>
+              <a:t>of</a:t>
+            </a:r>
+            <a:r>
+              <a:rPr sz="1200" spc="-30" dirty="0">
+                <a:solidFill>
+                  <a:srgbClr val="1F2023"/>
+                </a:solidFill>
+                <a:latin typeface="Calibri Light"/>
+                <a:cs typeface="Calibri Light"/>
+              </a:rPr>
+              <a:t> </a:t>
+            </a:r>
+            <a:r>
+              <a:rPr sz="1200" spc="-10" dirty="0">
+                <a:solidFill>
+                  <a:srgbClr val="1F2023"/>
+                </a:solidFill>
+                <a:latin typeface="Calibri Light"/>
+                <a:cs typeface="Calibri Light"/>
+              </a:rPr>
+              <a:t>information</a:t>
+            </a:r>
+            <a:endParaRPr sz="1200" dirty="0">
+              <a:latin typeface="Calibri Light"/>
+              <a:cs typeface="Calibri Light"/>
+            </a:endParaRPr>
+          </a:p>
+          <a:p>
+            <a:pPr marL="12700" marR="5080">
+              <a:lnSpc>
+                <a:spcPct val="100000"/>
+              </a:lnSpc>
+              <a:spcBef>
+                <a:spcPts val="1445"/>
+              </a:spcBef>
+            </a:pPr>
+            <a:r>
+              <a:rPr sz="1100" dirty="0">
+                <a:solidFill>
+                  <a:srgbClr val="1F2023"/>
+                </a:solidFill>
+                <a:latin typeface="Calibri Light"/>
+                <a:cs typeface="Calibri Light"/>
+              </a:rPr>
+              <a:t>1.5</a:t>
+            </a:r>
+            <a:r>
+              <a:rPr sz="1100" spc="-30" dirty="0">
+                <a:solidFill>
+                  <a:srgbClr val="1F2023"/>
+                </a:solidFill>
+                <a:latin typeface="Calibri Light"/>
+                <a:cs typeface="Calibri Light"/>
+              </a:rPr>
+              <a:t> </a:t>
+            </a:r>
+            <a:r>
+              <a:rPr sz="1100" dirty="0">
+                <a:solidFill>
+                  <a:srgbClr val="1F2023"/>
+                </a:solidFill>
+                <a:latin typeface="Calibri Light"/>
+                <a:cs typeface="Calibri Light"/>
+              </a:rPr>
+              <a:t>Pro</a:t>
+            </a:r>
+            <a:r>
+              <a:rPr sz="1100" spc="-25" dirty="0">
+                <a:solidFill>
+                  <a:srgbClr val="1F2023"/>
+                </a:solidFill>
+                <a:latin typeface="Calibri Light"/>
+                <a:cs typeface="Calibri Light"/>
+              </a:rPr>
+              <a:t> </a:t>
+            </a:r>
+            <a:r>
+              <a:rPr sz="1100" dirty="0">
+                <a:solidFill>
+                  <a:srgbClr val="1F2023"/>
+                </a:solidFill>
+                <a:latin typeface="Calibri Light"/>
+                <a:cs typeface="Calibri Light"/>
+              </a:rPr>
+              <a:t>can</a:t>
+            </a:r>
+            <a:r>
+              <a:rPr sz="1100" spc="-25" dirty="0">
+                <a:solidFill>
+                  <a:srgbClr val="1F2023"/>
+                </a:solidFill>
+                <a:latin typeface="Calibri Light"/>
+                <a:cs typeface="Calibri Light"/>
+              </a:rPr>
+              <a:t> </a:t>
+            </a:r>
+            <a:r>
+              <a:rPr sz="1100" dirty="0">
+                <a:solidFill>
+                  <a:srgbClr val="1F2023"/>
+                </a:solidFill>
+                <a:latin typeface="Calibri Light"/>
+                <a:cs typeface="Calibri Light"/>
+              </a:rPr>
+              <a:t>seamlessly</a:t>
+            </a:r>
+            <a:r>
+              <a:rPr sz="1100" spc="-30" dirty="0">
+                <a:solidFill>
+                  <a:srgbClr val="1F2023"/>
+                </a:solidFill>
+                <a:latin typeface="Calibri Light"/>
+                <a:cs typeface="Calibri Light"/>
+              </a:rPr>
+              <a:t> </a:t>
+            </a:r>
+            <a:r>
+              <a:rPr sz="1100" dirty="0">
+                <a:solidFill>
+                  <a:srgbClr val="1F2023"/>
+                </a:solidFill>
+                <a:latin typeface="Calibri Light"/>
+                <a:cs typeface="Calibri Light"/>
+              </a:rPr>
+              <a:t>analyze,</a:t>
+            </a:r>
+            <a:r>
+              <a:rPr sz="1100" spc="-20" dirty="0">
+                <a:solidFill>
+                  <a:srgbClr val="1F2023"/>
+                </a:solidFill>
+                <a:latin typeface="Calibri Light"/>
+                <a:cs typeface="Calibri Light"/>
+              </a:rPr>
+              <a:t> </a:t>
+            </a:r>
+            <a:r>
+              <a:rPr sz="1100" dirty="0">
+                <a:solidFill>
+                  <a:srgbClr val="1F2023"/>
+                </a:solidFill>
+                <a:latin typeface="Calibri Light"/>
+                <a:cs typeface="Calibri Light"/>
+              </a:rPr>
+              <a:t>classify</a:t>
+            </a:r>
+            <a:r>
+              <a:rPr sz="1100" spc="-45" dirty="0">
+                <a:solidFill>
+                  <a:srgbClr val="1F2023"/>
+                </a:solidFill>
+                <a:latin typeface="Calibri Light"/>
+                <a:cs typeface="Calibri Light"/>
+              </a:rPr>
+              <a:t> </a:t>
+            </a:r>
+            <a:r>
+              <a:rPr sz="1100" dirty="0">
+                <a:solidFill>
+                  <a:srgbClr val="1F2023"/>
+                </a:solidFill>
+                <a:latin typeface="Calibri Light"/>
+                <a:cs typeface="Calibri Light"/>
+              </a:rPr>
+              <a:t>and</a:t>
+            </a:r>
+            <a:r>
+              <a:rPr sz="1100" spc="-25" dirty="0">
+                <a:solidFill>
+                  <a:srgbClr val="1F2023"/>
+                </a:solidFill>
+                <a:latin typeface="Calibri Light"/>
+                <a:cs typeface="Calibri Light"/>
+              </a:rPr>
+              <a:t> </a:t>
+            </a:r>
+            <a:r>
+              <a:rPr sz="1100" dirty="0">
+                <a:solidFill>
+                  <a:srgbClr val="1F2023"/>
+                </a:solidFill>
+                <a:latin typeface="Calibri Light"/>
+                <a:cs typeface="Calibri Light"/>
+              </a:rPr>
+              <a:t>summarize</a:t>
+            </a:r>
+            <a:r>
+              <a:rPr sz="1100" spc="-40" dirty="0">
+                <a:solidFill>
+                  <a:srgbClr val="1F2023"/>
+                </a:solidFill>
+                <a:latin typeface="Calibri Light"/>
+                <a:cs typeface="Calibri Light"/>
+              </a:rPr>
+              <a:t> </a:t>
+            </a:r>
+            <a:r>
+              <a:rPr sz="1100" dirty="0">
+                <a:solidFill>
+                  <a:srgbClr val="1F2023"/>
+                </a:solidFill>
+                <a:latin typeface="Calibri Light"/>
+                <a:cs typeface="Calibri Light"/>
+              </a:rPr>
+              <a:t>large</a:t>
+            </a:r>
+            <a:r>
+              <a:rPr sz="1100" spc="-40" dirty="0">
+                <a:solidFill>
+                  <a:srgbClr val="1F2023"/>
+                </a:solidFill>
+                <a:latin typeface="Calibri Light"/>
+                <a:cs typeface="Calibri Light"/>
+              </a:rPr>
+              <a:t> </a:t>
+            </a:r>
+            <a:r>
+              <a:rPr sz="1100" dirty="0">
+                <a:solidFill>
+                  <a:srgbClr val="1F2023"/>
+                </a:solidFill>
+                <a:latin typeface="Calibri Light"/>
+                <a:cs typeface="Calibri Light"/>
+              </a:rPr>
+              <a:t>amounts</a:t>
+            </a:r>
+            <a:r>
+              <a:rPr sz="1100" spc="-25" dirty="0">
+                <a:solidFill>
+                  <a:srgbClr val="1F2023"/>
+                </a:solidFill>
+                <a:latin typeface="Calibri Light"/>
+                <a:cs typeface="Calibri Light"/>
+              </a:rPr>
+              <a:t> of </a:t>
+            </a:r>
+            <a:r>
+              <a:rPr sz="1100" dirty="0">
+                <a:solidFill>
+                  <a:srgbClr val="1F2023"/>
+                </a:solidFill>
+                <a:latin typeface="Calibri Light"/>
+                <a:cs typeface="Calibri Light"/>
+              </a:rPr>
+              <a:t>content</a:t>
+            </a:r>
+            <a:r>
+              <a:rPr sz="1100" spc="-30" dirty="0">
+                <a:solidFill>
+                  <a:srgbClr val="1F2023"/>
+                </a:solidFill>
+                <a:latin typeface="Calibri Light"/>
+                <a:cs typeface="Calibri Light"/>
+              </a:rPr>
+              <a:t> </a:t>
+            </a:r>
+            <a:r>
+              <a:rPr sz="1100" dirty="0">
+                <a:solidFill>
+                  <a:srgbClr val="1F2023"/>
+                </a:solidFill>
+                <a:latin typeface="Calibri Light"/>
+                <a:cs typeface="Calibri Light"/>
+              </a:rPr>
+              <a:t>within</a:t>
+            </a:r>
+            <a:r>
+              <a:rPr sz="1100" spc="-25" dirty="0">
+                <a:solidFill>
+                  <a:srgbClr val="1F2023"/>
+                </a:solidFill>
+                <a:latin typeface="Calibri Light"/>
+                <a:cs typeface="Calibri Light"/>
+              </a:rPr>
+              <a:t> </a:t>
+            </a:r>
+            <a:r>
+              <a:rPr sz="1100" dirty="0">
+                <a:solidFill>
+                  <a:srgbClr val="1F2023"/>
+                </a:solidFill>
+                <a:latin typeface="Calibri Light"/>
+                <a:cs typeface="Calibri Light"/>
+              </a:rPr>
+              <a:t>a</a:t>
+            </a:r>
+            <a:r>
+              <a:rPr sz="1100" spc="-25" dirty="0">
+                <a:solidFill>
+                  <a:srgbClr val="1F2023"/>
+                </a:solidFill>
+                <a:latin typeface="Calibri Light"/>
+                <a:cs typeface="Calibri Light"/>
+              </a:rPr>
+              <a:t> </a:t>
+            </a:r>
+            <a:r>
+              <a:rPr sz="1100" dirty="0">
+                <a:solidFill>
+                  <a:srgbClr val="1F2023"/>
+                </a:solidFill>
+                <a:latin typeface="Calibri Light"/>
+                <a:cs typeface="Calibri Light"/>
+              </a:rPr>
+              <a:t>given</a:t>
+            </a:r>
+            <a:r>
+              <a:rPr sz="1100" spc="-15" dirty="0">
+                <a:solidFill>
+                  <a:srgbClr val="1F2023"/>
+                </a:solidFill>
+                <a:latin typeface="Calibri Light"/>
+                <a:cs typeface="Calibri Light"/>
+              </a:rPr>
+              <a:t> </a:t>
+            </a:r>
+            <a:r>
+              <a:rPr sz="1100" dirty="0">
+                <a:solidFill>
+                  <a:srgbClr val="1F2023"/>
+                </a:solidFill>
+                <a:latin typeface="Calibri Light"/>
+                <a:cs typeface="Calibri Light"/>
+              </a:rPr>
+              <a:t>prompt.</a:t>
+            </a:r>
+            <a:r>
+              <a:rPr sz="1100" spc="-40" dirty="0">
+                <a:solidFill>
+                  <a:srgbClr val="1F2023"/>
+                </a:solidFill>
+                <a:latin typeface="Calibri Light"/>
+                <a:cs typeface="Calibri Light"/>
+              </a:rPr>
+              <a:t> </a:t>
+            </a:r>
+            <a:r>
+              <a:rPr sz="1100" dirty="0">
+                <a:solidFill>
+                  <a:srgbClr val="1F2023"/>
+                </a:solidFill>
+                <a:latin typeface="Calibri Light"/>
+                <a:cs typeface="Calibri Light"/>
+              </a:rPr>
+              <a:t>For</a:t>
+            </a:r>
+            <a:r>
+              <a:rPr sz="1100" spc="-25" dirty="0">
+                <a:solidFill>
+                  <a:srgbClr val="1F2023"/>
+                </a:solidFill>
+                <a:latin typeface="Calibri Light"/>
+                <a:cs typeface="Calibri Light"/>
+              </a:rPr>
+              <a:t> </a:t>
+            </a:r>
+            <a:r>
+              <a:rPr sz="1100" dirty="0">
+                <a:solidFill>
+                  <a:srgbClr val="1F2023"/>
+                </a:solidFill>
+                <a:latin typeface="Calibri Light"/>
+                <a:cs typeface="Calibri Light"/>
+              </a:rPr>
+              <a:t>example,</a:t>
+            </a:r>
+            <a:r>
+              <a:rPr sz="1100" spc="-35" dirty="0">
+                <a:solidFill>
+                  <a:srgbClr val="1F2023"/>
+                </a:solidFill>
+                <a:latin typeface="Calibri Light"/>
+                <a:cs typeface="Calibri Light"/>
+              </a:rPr>
+              <a:t> </a:t>
+            </a:r>
+            <a:r>
+              <a:rPr sz="1100" dirty="0">
+                <a:solidFill>
+                  <a:srgbClr val="1F2023"/>
+                </a:solidFill>
+                <a:latin typeface="Calibri Light"/>
+                <a:cs typeface="Calibri Light"/>
+              </a:rPr>
+              <a:t>when</a:t>
+            </a:r>
+            <a:r>
+              <a:rPr sz="1100" spc="-30" dirty="0">
+                <a:solidFill>
+                  <a:srgbClr val="1F2023"/>
+                </a:solidFill>
+                <a:latin typeface="Calibri Light"/>
+                <a:cs typeface="Calibri Light"/>
+              </a:rPr>
+              <a:t> </a:t>
+            </a:r>
+            <a:r>
+              <a:rPr sz="1100" dirty="0">
+                <a:solidFill>
+                  <a:srgbClr val="1F2023"/>
+                </a:solidFill>
+                <a:latin typeface="Calibri Light"/>
+                <a:cs typeface="Calibri Light"/>
+              </a:rPr>
+              <a:t>given</a:t>
+            </a:r>
+            <a:r>
+              <a:rPr sz="1100" spc="-15" dirty="0">
+                <a:solidFill>
+                  <a:srgbClr val="1F2023"/>
+                </a:solidFill>
+                <a:latin typeface="Calibri Light"/>
+                <a:cs typeface="Calibri Light"/>
+              </a:rPr>
+              <a:t> </a:t>
+            </a:r>
+            <a:r>
+              <a:rPr sz="1100" dirty="0">
+                <a:solidFill>
+                  <a:srgbClr val="1F2023"/>
+                </a:solidFill>
+                <a:latin typeface="Calibri Light"/>
+                <a:cs typeface="Calibri Light"/>
+              </a:rPr>
+              <a:t>the</a:t>
+            </a:r>
+            <a:r>
+              <a:rPr sz="1100" spc="-30" dirty="0">
+                <a:solidFill>
+                  <a:srgbClr val="1F2023"/>
+                </a:solidFill>
+                <a:latin typeface="Calibri Light"/>
+                <a:cs typeface="Calibri Light"/>
+              </a:rPr>
+              <a:t> </a:t>
+            </a:r>
+            <a:r>
+              <a:rPr sz="1100" dirty="0">
+                <a:solidFill>
+                  <a:srgbClr val="1F2023"/>
+                </a:solidFill>
+                <a:latin typeface="Calibri Light"/>
+                <a:cs typeface="Calibri Light"/>
+              </a:rPr>
+              <a:t>402-</a:t>
+            </a:r>
+            <a:r>
+              <a:rPr sz="1100" spc="-20" dirty="0">
+                <a:solidFill>
+                  <a:srgbClr val="1F2023"/>
+                </a:solidFill>
+                <a:latin typeface="Calibri Light"/>
+                <a:cs typeface="Calibri Light"/>
+              </a:rPr>
+              <a:t>page</a:t>
+            </a:r>
+            <a:endParaRPr sz="1100" dirty="0">
+              <a:latin typeface="Calibri Light"/>
+              <a:cs typeface="Calibri Light"/>
+            </a:endParaRPr>
+          </a:p>
+          <a:p>
+            <a:pPr marL="12700">
+              <a:lnSpc>
+                <a:spcPct val="100000"/>
+              </a:lnSpc>
+            </a:pPr>
+            <a:r>
+              <a:rPr sz="1100" dirty="0">
+                <a:solidFill>
+                  <a:srgbClr val="1F2023"/>
+                </a:solidFill>
+                <a:latin typeface="Calibri Light"/>
+                <a:cs typeface="Calibri Light"/>
+              </a:rPr>
+              <a:t>transcripts</a:t>
+            </a:r>
+            <a:r>
+              <a:rPr sz="1100" spc="-55" dirty="0">
+                <a:solidFill>
+                  <a:srgbClr val="1F2023"/>
+                </a:solidFill>
+                <a:latin typeface="Calibri Light"/>
+                <a:cs typeface="Calibri Light"/>
+              </a:rPr>
+              <a:t> </a:t>
+            </a:r>
+            <a:r>
+              <a:rPr sz="1100" dirty="0">
+                <a:solidFill>
+                  <a:srgbClr val="1F2023"/>
+                </a:solidFill>
+                <a:latin typeface="Calibri Light"/>
+                <a:cs typeface="Calibri Light"/>
+              </a:rPr>
+              <a:t>from</a:t>
+            </a:r>
+            <a:r>
+              <a:rPr sz="1100" spc="-25" dirty="0">
+                <a:solidFill>
+                  <a:srgbClr val="1F2023"/>
+                </a:solidFill>
+                <a:latin typeface="Calibri Light"/>
+                <a:cs typeface="Calibri Light"/>
+              </a:rPr>
+              <a:t> </a:t>
+            </a:r>
+            <a:r>
+              <a:rPr sz="1100" dirty="0">
+                <a:solidFill>
+                  <a:srgbClr val="1F2023"/>
+                </a:solidFill>
+                <a:latin typeface="Calibri Light"/>
+                <a:cs typeface="Calibri Light"/>
+              </a:rPr>
+              <a:t>Apollo</a:t>
+            </a:r>
+            <a:r>
+              <a:rPr sz="1100" spc="-10" dirty="0">
+                <a:solidFill>
+                  <a:srgbClr val="1F2023"/>
+                </a:solidFill>
+                <a:latin typeface="Calibri Light"/>
+                <a:cs typeface="Calibri Light"/>
+              </a:rPr>
+              <a:t> </a:t>
+            </a:r>
+            <a:r>
+              <a:rPr sz="1100" dirty="0">
+                <a:solidFill>
+                  <a:srgbClr val="1F2023"/>
+                </a:solidFill>
+                <a:latin typeface="Calibri Light"/>
+                <a:cs typeface="Calibri Light"/>
+              </a:rPr>
+              <a:t>11’s</a:t>
+            </a:r>
+            <a:r>
+              <a:rPr sz="1100" spc="-20" dirty="0">
+                <a:solidFill>
+                  <a:srgbClr val="1F2023"/>
+                </a:solidFill>
+                <a:latin typeface="Calibri Light"/>
+                <a:cs typeface="Calibri Light"/>
+              </a:rPr>
+              <a:t> </a:t>
+            </a:r>
+            <a:r>
+              <a:rPr sz="1100" dirty="0">
+                <a:solidFill>
+                  <a:srgbClr val="1F2023"/>
+                </a:solidFill>
+                <a:latin typeface="Calibri Light"/>
+                <a:cs typeface="Calibri Light"/>
+              </a:rPr>
+              <a:t>mission</a:t>
+            </a:r>
+            <a:r>
+              <a:rPr sz="1100" spc="-25" dirty="0">
+                <a:solidFill>
+                  <a:srgbClr val="1F2023"/>
+                </a:solidFill>
+                <a:latin typeface="Calibri Light"/>
+                <a:cs typeface="Calibri Light"/>
+              </a:rPr>
+              <a:t> </a:t>
+            </a:r>
+            <a:r>
+              <a:rPr sz="1100" dirty="0">
+                <a:solidFill>
+                  <a:srgbClr val="1F2023"/>
+                </a:solidFill>
+                <a:latin typeface="Calibri Light"/>
+                <a:cs typeface="Calibri Light"/>
+              </a:rPr>
+              <a:t>to</a:t>
+            </a:r>
+            <a:r>
+              <a:rPr sz="1100" spc="-10" dirty="0">
+                <a:solidFill>
+                  <a:srgbClr val="1F2023"/>
+                </a:solidFill>
+                <a:latin typeface="Calibri Light"/>
+                <a:cs typeface="Calibri Light"/>
+              </a:rPr>
+              <a:t> </a:t>
+            </a:r>
+            <a:r>
+              <a:rPr sz="1100" dirty="0">
+                <a:solidFill>
+                  <a:srgbClr val="1F2023"/>
+                </a:solidFill>
+                <a:latin typeface="Calibri Light"/>
+                <a:cs typeface="Calibri Light"/>
+              </a:rPr>
+              <a:t>the</a:t>
+            </a:r>
+            <a:r>
+              <a:rPr sz="1100" spc="-30" dirty="0">
+                <a:solidFill>
+                  <a:srgbClr val="1F2023"/>
+                </a:solidFill>
+                <a:latin typeface="Calibri Light"/>
+                <a:cs typeface="Calibri Light"/>
+              </a:rPr>
+              <a:t> </a:t>
+            </a:r>
+            <a:r>
+              <a:rPr sz="1100" dirty="0">
+                <a:solidFill>
+                  <a:srgbClr val="1F2023"/>
+                </a:solidFill>
+                <a:latin typeface="Calibri Light"/>
+                <a:cs typeface="Calibri Light"/>
+              </a:rPr>
+              <a:t>moon, it</a:t>
+            </a:r>
+            <a:r>
+              <a:rPr sz="1100" spc="-15" dirty="0">
+                <a:solidFill>
+                  <a:srgbClr val="1F2023"/>
+                </a:solidFill>
+                <a:latin typeface="Calibri Light"/>
+                <a:cs typeface="Calibri Light"/>
+              </a:rPr>
+              <a:t> </a:t>
+            </a:r>
+            <a:r>
+              <a:rPr sz="1100" dirty="0">
+                <a:solidFill>
+                  <a:srgbClr val="1F2023"/>
+                </a:solidFill>
+                <a:latin typeface="Calibri Light"/>
+                <a:cs typeface="Calibri Light"/>
+              </a:rPr>
+              <a:t>can</a:t>
+            </a:r>
+            <a:r>
+              <a:rPr sz="1100" spc="-20" dirty="0">
+                <a:solidFill>
+                  <a:srgbClr val="1F2023"/>
+                </a:solidFill>
+                <a:latin typeface="Calibri Light"/>
+                <a:cs typeface="Calibri Light"/>
+              </a:rPr>
+              <a:t> </a:t>
+            </a:r>
+            <a:r>
+              <a:rPr sz="1100" dirty="0">
+                <a:solidFill>
+                  <a:srgbClr val="1F2023"/>
+                </a:solidFill>
+                <a:latin typeface="Calibri Light"/>
+                <a:cs typeface="Calibri Light"/>
+              </a:rPr>
+              <a:t>reason</a:t>
+            </a:r>
+            <a:r>
+              <a:rPr sz="1100" spc="-35" dirty="0">
+                <a:solidFill>
+                  <a:srgbClr val="1F2023"/>
+                </a:solidFill>
+                <a:latin typeface="Calibri Light"/>
+                <a:cs typeface="Calibri Light"/>
+              </a:rPr>
+              <a:t> </a:t>
+            </a:r>
+            <a:r>
+              <a:rPr sz="1100" spc="-10" dirty="0">
+                <a:solidFill>
+                  <a:srgbClr val="1F2023"/>
+                </a:solidFill>
+                <a:latin typeface="Calibri Light"/>
+                <a:cs typeface="Calibri Light"/>
+              </a:rPr>
+              <a:t>about</a:t>
+            </a:r>
+            <a:endParaRPr sz="1100" dirty="0">
+              <a:latin typeface="Calibri Light"/>
+              <a:cs typeface="Calibri Light"/>
+            </a:endParaRPr>
+          </a:p>
+          <a:p>
+            <a:pPr marL="44450">
+              <a:lnSpc>
+                <a:spcPct val="100000"/>
+              </a:lnSpc>
+            </a:pPr>
+            <a:r>
+              <a:rPr sz="1100" dirty="0">
+                <a:solidFill>
+                  <a:srgbClr val="1F2023"/>
+                </a:solidFill>
+                <a:latin typeface="Calibri Light"/>
+                <a:cs typeface="Calibri Light"/>
+              </a:rPr>
+              <a:t>conversations,</a:t>
+            </a:r>
+            <a:r>
+              <a:rPr sz="1100" spc="-45" dirty="0">
+                <a:solidFill>
+                  <a:srgbClr val="1F2023"/>
+                </a:solidFill>
+                <a:latin typeface="Calibri Light"/>
+                <a:cs typeface="Calibri Light"/>
+              </a:rPr>
+              <a:t> </a:t>
+            </a:r>
+            <a:r>
+              <a:rPr sz="1100" dirty="0">
+                <a:solidFill>
+                  <a:srgbClr val="1F2023"/>
+                </a:solidFill>
+                <a:latin typeface="Calibri Light"/>
+                <a:cs typeface="Calibri Light"/>
+              </a:rPr>
+              <a:t>events</a:t>
+            </a:r>
+            <a:r>
+              <a:rPr sz="1100" spc="-10" dirty="0">
+                <a:solidFill>
+                  <a:srgbClr val="1F2023"/>
+                </a:solidFill>
+                <a:latin typeface="Calibri Light"/>
+                <a:cs typeface="Calibri Light"/>
+              </a:rPr>
+              <a:t> </a:t>
+            </a:r>
+            <a:r>
+              <a:rPr sz="1100" dirty="0">
+                <a:solidFill>
+                  <a:srgbClr val="1F2023"/>
+                </a:solidFill>
+                <a:latin typeface="Calibri Light"/>
+                <a:cs typeface="Calibri Light"/>
+              </a:rPr>
+              <a:t>and</a:t>
+            </a:r>
+            <a:r>
+              <a:rPr sz="1100" spc="-20" dirty="0">
+                <a:solidFill>
+                  <a:srgbClr val="1F2023"/>
+                </a:solidFill>
+                <a:latin typeface="Calibri Light"/>
+                <a:cs typeface="Calibri Light"/>
+              </a:rPr>
+              <a:t> </a:t>
+            </a:r>
+            <a:r>
+              <a:rPr sz="1100" dirty="0">
+                <a:solidFill>
+                  <a:srgbClr val="1F2023"/>
+                </a:solidFill>
+                <a:latin typeface="Calibri Light"/>
+                <a:cs typeface="Calibri Light"/>
+              </a:rPr>
+              <a:t>details</a:t>
+            </a:r>
+            <a:r>
+              <a:rPr sz="1100" spc="-30" dirty="0">
+                <a:solidFill>
+                  <a:srgbClr val="1F2023"/>
+                </a:solidFill>
+                <a:latin typeface="Calibri Light"/>
+                <a:cs typeface="Calibri Light"/>
+              </a:rPr>
+              <a:t> </a:t>
+            </a:r>
+            <a:r>
+              <a:rPr sz="1100" dirty="0">
+                <a:solidFill>
+                  <a:srgbClr val="1F2023"/>
+                </a:solidFill>
+                <a:latin typeface="Calibri Light"/>
+                <a:cs typeface="Calibri Light"/>
+              </a:rPr>
+              <a:t>found</a:t>
+            </a:r>
+            <a:r>
+              <a:rPr sz="1100" spc="-25" dirty="0">
+                <a:solidFill>
+                  <a:srgbClr val="1F2023"/>
+                </a:solidFill>
+                <a:latin typeface="Calibri Light"/>
+                <a:cs typeface="Calibri Light"/>
+              </a:rPr>
+              <a:t> </a:t>
+            </a:r>
+            <a:r>
+              <a:rPr sz="1100" dirty="0">
+                <a:solidFill>
+                  <a:srgbClr val="1F2023"/>
+                </a:solidFill>
+                <a:latin typeface="Calibri Light"/>
+                <a:cs typeface="Calibri Light"/>
+              </a:rPr>
+              <a:t>across</a:t>
+            </a:r>
+            <a:r>
+              <a:rPr sz="1100" spc="-40" dirty="0">
+                <a:solidFill>
+                  <a:srgbClr val="1F2023"/>
+                </a:solidFill>
+                <a:latin typeface="Calibri Light"/>
+                <a:cs typeface="Calibri Light"/>
+              </a:rPr>
+              <a:t> </a:t>
+            </a:r>
+            <a:r>
+              <a:rPr sz="1100" dirty="0">
+                <a:solidFill>
+                  <a:srgbClr val="1F2023"/>
+                </a:solidFill>
+                <a:latin typeface="Calibri Light"/>
+                <a:cs typeface="Calibri Light"/>
+              </a:rPr>
+              <a:t>the</a:t>
+            </a:r>
+            <a:r>
+              <a:rPr sz="1100" spc="-20" dirty="0">
+                <a:solidFill>
+                  <a:srgbClr val="1F2023"/>
+                </a:solidFill>
+                <a:latin typeface="Calibri Light"/>
+                <a:cs typeface="Calibri Light"/>
+              </a:rPr>
+              <a:t> </a:t>
+            </a:r>
+            <a:r>
+              <a:rPr sz="1100" spc="-10" dirty="0">
+                <a:solidFill>
+                  <a:srgbClr val="1F2023"/>
+                </a:solidFill>
+                <a:latin typeface="Calibri Light"/>
+                <a:cs typeface="Calibri Light"/>
+              </a:rPr>
+              <a:t>document.</a:t>
+            </a:r>
+            <a:endParaRPr sz="1100" dirty="0">
+              <a:latin typeface="Calibri Light"/>
+              <a:cs typeface="Calibri Light"/>
+            </a:endParaRPr>
+          </a:p>
+        </p:txBody>
+      </p:sp>
+    </p:spTree>
   </p:cSld>
   <p:clrMapOvr>
     <a:masterClrMapping/>

--- a/20242-NLP-LLM/lecture notes/Part 2 - Introduction to Large Language Models/Part 2 - Introduction to Large Language Models.pptx
+++ b/20242-NLP-LLM/lecture notes/Part 2 - Introduction to Large Language Models/Part 2 - Introduction to Large Language Models.pptx
@@ -176,7 +176,7 @@
 <file path=ppt/revisionInfo.xml><?xml version="1.0" encoding="utf-8"?>
 <p1510:revInfo xmlns:a="http://schemas.openxmlformats.org/drawingml/2006/main" xmlns:r="http://schemas.openxmlformats.org/officeDocument/2006/relationships" xmlns:p1510="http://schemas.microsoft.com/office/powerpoint/2015/10/main">
   <p1510:revLst>
-    <p1510:client id="{E5645173-9704-44B4-82F5-EF2938BAEEFE}" v="152" dt="2025-04-21T16:55:26.856"/>
+    <p1510:client id="{E5645173-9704-44B4-82F5-EF2938BAEEFE}" v="155" dt="2025-04-21T17:05:20.196"/>
   </p1510:revLst>
 </p1510:revInfo>
 </file>
@@ -1456,7 +1456,7 @@
   <pc:docChgLst>
     <pc:chgData name="Mohammed Fasha" userId="cc64f42d-a1a6-4f08-b97b-0c37f877119f" providerId="ADAL" clId="{E5645173-9704-44B4-82F5-EF2938BAEEFE}"/>
     <pc:docChg chg="undo redo custSel addSld delSld modSld sldOrd modMainMaster">
-      <pc:chgData name="Mohammed Fasha" userId="cc64f42d-a1a6-4f08-b97b-0c37f877119f" providerId="ADAL" clId="{E5645173-9704-44B4-82F5-EF2938BAEEFE}" dt="2025-04-21T16:55:26.856" v="2132" actId="1076"/>
+      <pc:chgData name="Mohammed Fasha" userId="cc64f42d-a1a6-4f08-b97b-0c37f877119f" providerId="ADAL" clId="{E5645173-9704-44B4-82F5-EF2938BAEEFE}" dt="2025-04-21T17:06:00.103" v="2138" actId="47"/>
       <pc:docMkLst>
         <pc:docMk/>
       </pc:docMkLst>
@@ -3367,7 +3367,7 @@
         </pc:picChg>
       </pc:sldChg>
       <pc:sldChg chg="addSp delSp modSp mod">
-        <pc:chgData name="Mohammed Fasha" userId="cc64f42d-a1a6-4f08-b97b-0c37f877119f" providerId="ADAL" clId="{E5645173-9704-44B4-82F5-EF2938BAEEFE}" dt="2025-04-20T04:43:55.750" v="1837"/>
+        <pc:chgData name="Mohammed Fasha" userId="cc64f42d-a1a6-4f08-b97b-0c37f877119f" providerId="ADAL" clId="{E5645173-9704-44B4-82F5-EF2938BAEEFE}" dt="2025-04-21T16:57:23.128" v="2134"/>
         <pc:sldMkLst>
           <pc:docMk/>
           <pc:sldMk cId="2121122174" sldId="539"/>
@@ -3381,7 +3381,7 @@
           </ac:spMkLst>
         </pc:spChg>
         <pc:picChg chg="add mod">
-          <ac:chgData name="Mohammed Fasha" userId="cc64f42d-a1a6-4f08-b97b-0c37f877119f" providerId="ADAL" clId="{E5645173-9704-44B4-82F5-EF2938BAEEFE}" dt="2025-04-20T04:43:55.750" v="1837"/>
+          <ac:chgData name="Mohammed Fasha" userId="cc64f42d-a1a6-4f08-b97b-0c37f877119f" providerId="ADAL" clId="{E5645173-9704-44B4-82F5-EF2938BAEEFE}" dt="2025-04-21T16:57:23.128" v="2134"/>
           <ac:picMkLst>
             <pc:docMk/>
             <pc:sldMk cId="2121122174" sldId="539"/>
@@ -4292,6 +4292,21 @@
           </ac:picMkLst>
         </pc:picChg>
       </pc:sldChg>
+      <pc:sldChg chg="modSp">
+        <pc:chgData name="Mohammed Fasha" userId="cc64f42d-a1a6-4f08-b97b-0c37f877119f" providerId="ADAL" clId="{E5645173-9704-44B4-82F5-EF2938BAEEFE}" dt="2025-04-21T16:57:15.823" v="2133"/>
+        <pc:sldMkLst>
+          <pc:docMk/>
+          <pc:sldMk cId="1424455440" sldId="590"/>
+        </pc:sldMkLst>
+        <pc:picChg chg="mod">
+          <ac:chgData name="Mohammed Fasha" userId="cc64f42d-a1a6-4f08-b97b-0c37f877119f" providerId="ADAL" clId="{E5645173-9704-44B4-82F5-EF2938BAEEFE}" dt="2025-04-21T16:57:15.823" v="2133"/>
+          <ac:picMkLst>
+            <pc:docMk/>
+            <pc:sldMk cId="1424455440" sldId="590"/>
+            <ac:picMk id="4" creationId="{81ED0918-EFDF-D0FD-4997-439B42B617BC}"/>
+          </ac:picMkLst>
+        </pc:picChg>
+      </pc:sldChg>
       <pc:sldChg chg="addSp delSp modSp new mod">
         <pc:chgData name="Mohammed Fasha" userId="cc64f42d-a1a6-4f08-b97b-0c37f877119f" providerId="ADAL" clId="{E5645173-9704-44B4-82F5-EF2938BAEEFE}" dt="2025-04-20T05:15:59.312" v="1992" actId="20577"/>
         <pc:sldMkLst>
@@ -4661,6 +4676,29 @@
             <pc:docMk/>
             <pc:sldMk cId="894222825" sldId="594"/>
             <ac:picMk id="5" creationId="{C4B34278-2B06-282C-365A-D63A5CEC5425}"/>
+          </ac:picMkLst>
+        </pc:picChg>
+      </pc:sldChg>
+      <pc:sldChg chg="addSp delSp modSp new del mod">
+        <pc:chgData name="Mohammed Fasha" userId="cc64f42d-a1a6-4f08-b97b-0c37f877119f" providerId="ADAL" clId="{E5645173-9704-44B4-82F5-EF2938BAEEFE}" dt="2025-04-21T17:06:00.103" v="2138" actId="47"/>
+        <pc:sldMkLst>
+          <pc:docMk/>
+          <pc:sldMk cId="4145332107" sldId="594"/>
+        </pc:sldMkLst>
+        <pc:spChg chg="del">
+          <ac:chgData name="Mohammed Fasha" userId="cc64f42d-a1a6-4f08-b97b-0c37f877119f" providerId="ADAL" clId="{E5645173-9704-44B4-82F5-EF2938BAEEFE}" dt="2025-04-21T17:05:15.130" v="2136" actId="22"/>
+          <ac:spMkLst>
+            <pc:docMk/>
+            <pc:sldMk cId="4145332107" sldId="594"/>
+            <ac:spMk id="3" creationId="{E1C97B7D-66BF-524B-4655-870AC5F7FD01}"/>
+          </ac:spMkLst>
+        </pc:spChg>
+        <pc:picChg chg="add mod ord">
+          <ac:chgData name="Mohammed Fasha" userId="cc64f42d-a1a6-4f08-b97b-0c37f877119f" providerId="ADAL" clId="{E5645173-9704-44B4-82F5-EF2938BAEEFE}" dt="2025-04-21T17:05:20.196" v="2137"/>
+          <ac:picMkLst>
+            <pc:docMk/>
+            <pc:sldMk cId="4145332107" sldId="594"/>
+            <ac:picMk id="5" creationId="{75DD0B13-BD66-D754-8418-804DC5EAC223}"/>
           </ac:picMkLst>
         </pc:picChg>
       </pc:sldChg>
